--- a/FLL Robot Powerpoint.pptx
+++ b/FLL Robot Powerpoint.pptx
@@ -3263,52 +3263,52 @@
     </dgm:pt>
   </dgm:ptLst>
   <dgm:cxnLst>
+    <dgm:cxn modelId="{2236F2C8-D850-4009-8918-D258C097E572}" type="presOf" srcId="{9A325E66-602C-4020-91B4-A0AEBC0EF88D}" destId="{AC888156-5341-4AB5-94FE-79031471371D}" srcOrd="0" destOrd="0" presId="urn:microsoft.com/office/officeart/2005/8/layout/vList4"/>
+    <dgm:cxn modelId="{2A18E712-6831-45A8-A914-B8084212EBB7}" type="presOf" srcId="{96FF0C69-F9EB-47B0-8243-DEB1F91CCAEE}" destId="{37C7DFBE-0316-4D64-88F0-05AB3A87E90E}" srcOrd="1" destOrd="2" presId="urn:microsoft.com/office/officeart/2005/8/layout/vList4"/>
+    <dgm:cxn modelId="{45A3EE67-28E1-46B9-B323-041AB2F550ED}" type="presOf" srcId="{BB3818BB-1EFF-4DD8-B404-2821BFCFDA45}" destId="{3CCE3366-3DB6-4495-9D24-F722299AAE77}" srcOrd="1" destOrd="1" presId="urn:microsoft.com/office/officeart/2005/8/layout/vList4"/>
+    <dgm:cxn modelId="{8240010C-3A17-4839-B2C3-127FEA8C506E}" type="presOf" srcId="{D6314F1F-78DA-4C9E-B60C-582B61A6D160}" destId="{FDDFAD7D-A989-43A1-AD97-05421BC46CBC}" srcOrd="1" destOrd="0" presId="urn:microsoft.com/office/officeart/2005/8/layout/vList4"/>
+    <dgm:cxn modelId="{170495EB-4C4D-42DB-A39E-F83D6E6573D2}" type="presOf" srcId="{FBDCB85A-F3FF-4A51-8C9C-645300E38992}" destId="{37C7DFBE-0316-4D64-88F0-05AB3A87E90E}" srcOrd="1" destOrd="0" presId="urn:microsoft.com/office/officeart/2005/8/layout/vList4"/>
+    <dgm:cxn modelId="{C59FB724-86AF-449B-BD36-09F000C2EF57}" srcId="{9A325E66-602C-4020-91B4-A0AEBC0EF88D}" destId="{CC2A30AE-EBFD-415B-A471-47626BC2A673}" srcOrd="1" destOrd="0" parTransId="{AF0582FC-7CD6-41C4-95ED-E5319A2674B2}" sibTransId="{306580B1-BD2A-4827-BD43-317F0D89B42C}"/>
+    <dgm:cxn modelId="{21F05263-2E54-4AB3-AAF1-BE9CA2F76D87}" srcId="{F11942DA-35E1-4EFB-8758-256DB892D741}" destId="{FBDCB85A-F3FF-4A51-8C9C-645300E38992}" srcOrd="1" destOrd="0" parTransId="{F761B559-DEF5-4FC6-B68B-55E5D0AFEE25}" sibTransId="{00F3F36F-87A9-4A8D-BE1B-DD0CAD8344B9}"/>
+    <dgm:cxn modelId="{E1B80043-B9D9-44A3-AB92-84A4BD07466B}" type="presOf" srcId="{F11942DA-35E1-4EFB-8758-256DB892D741}" destId="{5CC439ED-7BA8-41C8-BDE4-08964A136F74}" srcOrd="0" destOrd="0" presId="urn:microsoft.com/office/officeart/2005/8/layout/vList4"/>
+    <dgm:cxn modelId="{21951CE5-24EE-4E26-8E8F-A49DDE979726}" type="presOf" srcId="{6CC0B525-FF6F-4F6A-BC90-7BE1D0BF878D}" destId="{2F0D8E1F-FB9E-411C-BA8B-A8C0D09FFDC9}" srcOrd="1" destOrd="0" presId="urn:microsoft.com/office/officeart/2005/8/layout/vList4"/>
+    <dgm:cxn modelId="{469ABC02-20E3-490A-A1F1-DA396A2AC1F9}" type="presOf" srcId="{FBDCB85A-F3FF-4A51-8C9C-645300E38992}" destId="{413CCDF6-5B4A-4D76-862D-A91B27350863}" srcOrd="0" destOrd="0" presId="urn:microsoft.com/office/officeart/2005/8/layout/vList4"/>
+    <dgm:cxn modelId="{185F9F5A-DD45-4431-BEB6-B70013DA40A0}" type="presOf" srcId="{D6314F1F-78DA-4C9E-B60C-582B61A6D160}" destId="{7F5395D9-DB73-415A-BD76-3208DC72D078}" srcOrd="0" destOrd="0" presId="urn:microsoft.com/office/officeart/2005/8/layout/vList4"/>
+    <dgm:cxn modelId="{966CFBBC-BD8F-444C-993D-29D0AA19DF67}" srcId="{D6314F1F-78DA-4C9E-B60C-582B61A6D160}" destId="{8B4F8641-5A6F-42D8-9F53-C598A71234D8}" srcOrd="1" destOrd="0" parTransId="{CE69AE6C-A250-4B4F-BF9E-C6FAE33C600B}" sibTransId="{19C0C7AA-2EDD-4E01-9DAC-09DA54E8F794}"/>
+    <dgm:cxn modelId="{0B55E663-61A6-4E1F-8804-F0E3465FC7F3}" type="presOf" srcId="{6328BFBD-4AB3-4A88-A586-F0586F97FADC}" destId="{7F5395D9-DB73-415A-BD76-3208DC72D078}" srcOrd="0" destOrd="3" presId="urn:microsoft.com/office/officeart/2005/8/layout/vList4"/>
+    <dgm:cxn modelId="{D1E186B6-2E63-4788-9760-52BAB937BD03}" type="presOf" srcId="{CC2A30AE-EBFD-415B-A471-47626BC2A673}" destId="{AC888156-5341-4AB5-94FE-79031471371D}" srcOrd="0" destOrd="2" presId="urn:microsoft.com/office/officeart/2005/8/layout/vList4"/>
+    <dgm:cxn modelId="{BFCBA538-B38B-4106-8F4E-8FDBCDDF5170}" type="presOf" srcId="{CCC7D90C-6504-4B9E-A812-521BAAC0F4AD}" destId="{FDDFAD7D-A989-43A1-AD97-05421BC46CBC}" srcOrd="1" destOrd="1" presId="urn:microsoft.com/office/officeart/2005/8/layout/vList4"/>
     <dgm:cxn modelId="{2D35649F-4D6E-4BAB-A886-29DFD0CB6152}" type="presOf" srcId="{FEF9E27E-63E2-4CD4-92E1-2C3579DBAA4B}" destId="{2F0D8E1F-FB9E-411C-BA8B-A8C0D09FFDC9}" srcOrd="1" destOrd="1" presId="urn:microsoft.com/office/officeart/2005/8/layout/vList4"/>
+    <dgm:cxn modelId="{6058A0DA-748C-46CD-A197-27CCF17A704E}" type="presOf" srcId="{6CC0B525-FF6F-4F6A-BC90-7BE1D0BF878D}" destId="{E5D1E1AC-15B9-4FE8-A4A6-D820F6A508D3}" srcOrd="0" destOrd="0" presId="urn:microsoft.com/office/officeart/2005/8/layout/vList4"/>
+    <dgm:cxn modelId="{3E48CC42-4BD7-467F-85B2-0F01D33D60CF}" type="presOf" srcId="{A01ED63C-5516-4DA5-8CB3-D298CBC23C00}" destId="{F4B41BE4-8EFE-48EC-A24B-35C0D23BFE78}" srcOrd="0" destOrd="2" presId="urn:microsoft.com/office/officeart/2005/8/layout/vList4"/>
+    <dgm:cxn modelId="{6B6E7084-161B-4B0B-9488-18EB3CAE1ED2}" type="presOf" srcId="{8B4F8641-5A6F-42D8-9F53-C598A71234D8}" destId="{FDDFAD7D-A989-43A1-AD97-05421BC46CBC}" srcOrd="1" destOrd="2" presId="urn:microsoft.com/office/officeart/2005/8/layout/vList4"/>
+    <dgm:cxn modelId="{CD8EAD18-D79C-4665-8E15-C8D1E0BBAF2D}" type="presOf" srcId="{A4F28612-7911-43FC-AF5B-AF7A639BF0DF}" destId="{3CCE3366-3DB6-4495-9D24-F722299AAE77}" srcOrd="1" destOrd="0" presId="urn:microsoft.com/office/officeart/2005/8/layout/vList4"/>
+    <dgm:cxn modelId="{F15728CE-173C-47F8-8765-4D14E510A5F0}" type="presOf" srcId="{A01ED63C-5516-4DA5-8CB3-D298CBC23C00}" destId="{3CCE3366-3DB6-4495-9D24-F722299AAE77}" srcOrd="1" destOrd="2" presId="urn:microsoft.com/office/officeart/2005/8/layout/vList4"/>
+    <dgm:cxn modelId="{5C55B7B5-60D8-438E-8692-18F41FA5E434}" type="presOf" srcId="{1353B2FD-A331-4791-A12B-3A0853E6398C}" destId="{1C70031C-3011-4485-AA26-95FFF0E52A98}" srcOrd="1" destOrd="1" presId="urn:microsoft.com/office/officeart/2005/8/layout/vList4"/>
+    <dgm:cxn modelId="{33D30326-F6AC-471A-9A6C-85227AF5FE9A}" type="presOf" srcId="{BB3818BB-1EFF-4DD8-B404-2821BFCFDA45}" destId="{F4B41BE4-8EFE-48EC-A24B-35C0D23BFE78}" srcOrd="0" destOrd="1" presId="urn:microsoft.com/office/officeart/2005/8/layout/vList4"/>
+    <dgm:cxn modelId="{40E0FB58-2741-4B30-8725-251BAC9AD93D}" type="presOf" srcId="{8B4F8641-5A6F-42D8-9F53-C598A71234D8}" destId="{7F5395D9-DB73-415A-BD76-3208DC72D078}" srcOrd="0" destOrd="2" presId="urn:microsoft.com/office/officeart/2005/8/layout/vList4"/>
+    <dgm:cxn modelId="{02F0AA74-BFD4-4E16-BCBC-2CB8C3AFCFDE}" srcId="{F11942DA-35E1-4EFB-8758-256DB892D741}" destId="{6CC0B525-FF6F-4F6A-BC90-7BE1D0BF878D}" srcOrd="4" destOrd="0" parTransId="{C4A580A1-96D4-44F5-9EAE-FB0C9FF52E33}" sibTransId="{42A0BA04-5C40-4D19-BC24-60F21049B7E3}"/>
+    <dgm:cxn modelId="{D8A0CD83-66C6-41AD-A2B7-F3EC89D2A3C4}" srcId="{D6314F1F-78DA-4C9E-B60C-582B61A6D160}" destId="{6328BFBD-4AB3-4A88-A586-F0586F97FADC}" srcOrd="2" destOrd="0" parTransId="{DBB791B9-5E01-4B2A-9F50-2480EA354AE9}" sibTransId="{2D117BD3-D517-4710-9AEA-212E52972508}"/>
+    <dgm:cxn modelId="{C620DF55-58E1-4EC6-864C-914EF55263AC}" type="presOf" srcId="{449B1558-EBF4-4507-9FD3-DDD21A5AF146}" destId="{413CCDF6-5B4A-4D76-862D-A91B27350863}" srcOrd="0" destOrd="1" presId="urn:microsoft.com/office/officeart/2005/8/layout/vList4"/>
+    <dgm:cxn modelId="{9FECB2B0-5A2B-40D8-A748-834A9B810723}" srcId="{FBDCB85A-F3FF-4A51-8C9C-645300E38992}" destId="{449B1558-EBF4-4507-9FD3-DDD21A5AF146}" srcOrd="0" destOrd="0" parTransId="{EEBD3527-2061-47E1-8252-DB5CEF76DE8E}" sibTransId="{F5A8DBAE-0E8F-415E-920D-E853EAF4F311}"/>
+    <dgm:cxn modelId="{F28910FA-3174-47B7-8357-68D43B8DF188}" srcId="{6CC0B525-FF6F-4F6A-BC90-7BE1D0BF878D}" destId="{FEF9E27E-63E2-4CD4-92E1-2C3579DBAA4B}" srcOrd="0" destOrd="0" parTransId="{44A0D4FE-A40B-4346-B3C3-E85EE6F20091}" sibTransId="{25158DD9-DF62-4404-ACC7-409C93FDEE26}"/>
+    <dgm:cxn modelId="{D0C65F22-E6C8-4606-BC2C-F0D7080C1FB3}" type="presOf" srcId="{9A325E66-602C-4020-91B4-A0AEBC0EF88D}" destId="{1C70031C-3011-4485-AA26-95FFF0E52A98}" srcOrd="1" destOrd="0" presId="urn:microsoft.com/office/officeart/2005/8/layout/vList4"/>
+    <dgm:cxn modelId="{922B2F52-7035-4115-8D29-32ADF1D9C307}" srcId="{A4F28612-7911-43FC-AF5B-AF7A639BF0DF}" destId="{A01ED63C-5516-4DA5-8CB3-D298CBC23C00}" srcOrd="1" destOrd="0" parTransId="{E5AA452E-C4EF-4114-A321-5038DF481CE2}" sibTransId="{583BD873-5B2E-4CEF-A791-76BD3AE5E909}"/>
+    <dgm:cxn modelId="{18509CB1-9E3A-4159-B5D6-A9BC7904D797}" srcId="{A4F28612-7911-43FC-AF5B-AF7A639BF0DF}" destId="{BB3818BB-1EFF-4DD8-B404-2821BFCFDA45}" srcOrd="0" destOrd="0" parTransId="{33440247-87CD-4C9D-BEE5-6E6D405E3787}" sibTransId="{76FF5779-E682-481F-AAB9-92544E06652B}"/>
+    <dgm:cxn modelId="{85FDF084-B6EA-4466-B256-93653935CA8A}" type="presOf" srcId="{A4F28612-7911-43FC-AF5B-AF7A639BF0DF}" destId="{F4B41BE4-8EFE-48EC-A24B-35C0D23BFE78}" srcOrd="0" destOrd="0" presId="urn:microsoft.com/office/officeart/2005/8/layout/vList4"/>
+    <dgm:cxn modelId="{A3D54F2A-7D7A-41A6-B3D2-1B6049B2F329}" type="presOf" srcId="{449B1558-EBF4-4507-9FD3-DDD21A5AF146}" destId="{37C7DFBE-0316-4D64-88F0-05AB3A87E90E}" srcOrd="1" destOrd="1" presId="urn:microsoft.com/office/officeart/2005/8/layout/vList4"/>
     <dgm:cxn modelId="{89BA4A84-3294-455D-B3DF-809925342101}" type="presOf" srcId="{FEF9E27E-63E2-4CD4-92E1-2C3579DBAA4B}" destId="{E5D1E1AC-15B9-4FE8-A4A6-D820F6A508D3}" srcOrd="0" destOrd="1" presId="urn:microsoft.com/office/officeart/2005/8/layout/vList4"/>
-    <dgm:cxn modelId="{F15728CE-173C-47F8-8765-4D14E510A5F0}" type="presOf" srcId="{A01ED63C-5516-4DA5-8CB3-D298CBC23C00}" destId="{3CCE3366-3DB6-4495-9D24-F722299AAE77}" srcOrd="1" destOrd="2" presId="urn:microsoft.com/office/officeart/2005/8/layout/vList4"/>
     <dgm:cxn modelId="{25896901-AEE2-4861-AA93-1234297C6206}" srcId="{9A325E66-602C-4020-91B4-A0AEBC0EF88D}" destId="{1353B2FD-A331-4791-A12B-3A0853E6398C}" srcOrd="0" destOrd="0" parTransId="{4895B86D-9DA1-4859-8D0F-AF7957C725D4}" sibTransId="{03F2DFFB-E3F1-4C66-AF9D-F401CBC9202D}"/>
-    <dgm:cxn modelId="{0B55E663-61A6-4E1F-8804-F0E3465FC7F3}" type="presOf" srcId="{6328BFBD-4AB3-4A88-A586-F0586F97FADC}" destId="{7F5395D9-DB73-415A-BD76-3208DC72D078}" srcOrd="0" destOrd="3" presId="urn:microsoft.com/office/officeart/2005/8/layout/vList4"/>
     <dgm:cxn modelId="{17AABAD1-292D-4E7C-AADC-F39015383CC2}" type="presOf" srcId="{CC2A30AE-EBFD-415B-A471-47626BC2A673}" destId="{1C70031C-3011-4485-AA26-95FFF0E52A98}" srcOrd="1" destOrd="2" presId="urn:microsoft.com/office/officeart/2005/8/layout/vList4"/>
-    <dgm:cxn modelId="{33D30326-F6AC-471A-9A6C-85227AF5FE9A}" type="presOf" srcId="{BB3818BB-1EFF-4DD8-B404-2821BFCFDA45}" destId="{F4B41BE4-8EFE-48EC-A24B-35C0D23BFE78}" srcOrd="0" destOrd="1" presId="urn:microsoft.com/office/officeart/2005/8/layout/vList4"/>
-    <dgm:cxn modelId="{8240010C-3A17-4839-B2C3-127FEA8C506E}" type="presOf" srcId="{D6314F1F-78DA-4C9E-B60C-582B61A6D160}" destId="{FDDFAD7D-A989-43A1-AD97-05421BC46CBC}" srcOrd="1" destOrd="0" presId="urn:microsoft.com/office/officeart/2005/8/layout/vList4"/>
-    <dgm:cxn modelId="{6058A0DA-748C-46CD-A197-27CCF17A704E}" type="presOf" srcId="{6CC0B525-FF6F-4F6A-BC90-7BE1D0BF878D}" destId="{E5D1E1AC-15B9-4FE8-A4A6-D820F6A508D3}" srcOrd="0" destOrd="0" presId="urn:microsoft.com/office/officeart/2005/8/layout/vList4"/>
-    <dgm:cxn modelId="{85FDF084-B6EA-4466-B256-93653935CA8A}" type="presOf" srcId="{A4F28612-7911-43FC-AF5B-AF7A639BF0DF}" destId="{F4B41BE4-8EFE-48EC-A24B-35C0D23BFE78}" srcOrd="0" destOrd="0" presId="urn:microsoft.com/office/officeart/2005/8/layout/vList4"/>
-    <dgm:cxn modelId="{170495EB-4C4D-42DB-A39E-F83D6E6573D2}" type="presOf" srcId="{FBDCB85A-F3FF-4A51-8C9C-645300E38992}" destId="{37C7DFBE-0316-4D64-88F0-05AB3A87E90E}" srcOrd="1" destOrd="0" presId="urn:microsoft.com/office/officeart/2005/8/layout/vList4"/>
-    <dgm:cxn modelId="{2236F2C8-D850-4009-8918-D258C097E572}" type="presOf" srcId="{9A325E66-602C-4020-91B4-A0AEBC0EF88D}" destId="{AC888156-5341-4AB5-94FE-79031471371D}" srcOrd="0" destOrd="0" presId="urn:microsoft.com/office/officeart/2005/8/layout/vList4"/>
-    <dgm:cxn modelId="{21951CE5-24EE-4E26-8E8F-A49DDE979726}" type="presOf" srcId="{6CC0B525-FF6F-4F6A-BC90-7BE1D0BF878D}" destId="{2F0D8E1F-FB9E-411C-BA8B-A8C0D09FFDC9}" srcOrd="1" destOrd="0" presId="urn:microsoft.com/office/officeart/2005/8/layout/vList4"/>
+    <dgm:cxn modelId="{059A5CF2-7131-48EC-8D31-DD710467DE56}" srcId="{F11942DA-35E1-4EFB-8758-256DB892D741}" destId="{A4F28612-7911-43FC-AF5B-AF7A639BF0DF}" srcOrd="0" destOrd="0" parTransId="{ACEB1635-DDEA-4E35-815A-2B48E264CD15}" sibTransId="{969CBD2C-45D0-4133-881B-1168522AAE17}"/>
     <dgm:cxn modelId="{E33B47EF-4290-469D-91AE-CE808FD52726}" type="presOf" srcId="{1353B2FD-A331-4791-A12B-3A0853E6398C}" destId="{AC888156-5341-4AB5-94FE-79031471371D}" srcOrd="0" destOrd="1" presId="urn:microsoft.com/office/officeart/2005/8/layout/vList4"/>
-    <dgm:cxn modelId="{922B2F52-7035-4115-8D29-32ADF1D9C307}" srcId="{A4F28612-7911-43FC-AF5B-AF7A639BF0DF}" destId="{A01ED63C-5516-4DA5-8CB3-D298CBC23C00}" srcOrd="1" destOrd="0" parTransId="{E5AA452E-C4EF-4114-A321-5038DF481CE2}" sibTransId="{583BD873-5B2E-4CEF-A791-76BD3AE5E909}"/>
-    <dgm:cxn modelId="{3E48CC42-4BD7-467F-85B2-0F01D33D60CF}" type="presOf" srcId="{A01ED63C-5516-4DA5-8CB3-D298CBC23C00}" destId="{F4B41BE4-8EFE-48EC-A24B-35C0D23BFE78}" srcOrd="0" destOrd="2" presId="urn:microsoft.com/office/officeart/2005/8/layout/vList4"/>
-    <dgm:cxn modelId="{D8A0CD83-66C6-41AD-A2B7-F3EC89D2A3C4}" srcId="{D6314F1F-78DA-4C9E-B60C-582B61A6D160}" destId="{6328BFBD-4AB3-4A88-A586-F0586F97FADC}" srcOrd="2" destOrd="0" parTransId="{DBB791B9-5E01-4B2A-9F50-2480EA354AE9}" sibTransId="{2D117BD3-D517-4710-9AEA-212E52972508}"/>
-    <dgm:cxn modelId="{059A5CF2-7131-48EC-8D31-DD710467DE56}" srcId="{F11942DA-35E1-4EFB-8758-256DB892D741}" destId="{A4F28612-7911-43FC-AF5B-AF7A639BF0DF}" srcOrd="0" destOrd="0" parTransId="{ACEB1635-DDEA-4E35-815A-2B48E264CD15}" sibTransId="{969CBD2C-45D0-4133-881B-1168522AAE17}"/>
-    <dgm:cxn modelId="{02F0AA74-BFD4-4E16-BCBC-2CB8C3AFCFDE}" srcId="{F11942DA-35E1-4EFB-8758-256DB892D741}" destId="{6CC0B525-FF6F-4F6A-BC90-7BE1D0BF878D}" srcOrd="4" destOrd="0" parTransId="{C4A580A1-96D4-44F5-9EAE-FB0C9FF52E33}" sibTransId="{42A0BA04-5C40-4D19-BC24-60F21049B7E3}"/>
-    <dgm:cxn modelId="{185F9F5A-DD45-4431-BEB6-B70013DA40A0}" type="presOf" srcId="{D6314F1F-78DA-4C9E-B60C-582B61A6D160}" destId="{7F5395D9-DB73-415A-BD76-3208DC72D078}" srcOrd="0" destOrd="0" presId="urn:microsoft.com/office/officeart/2005/8/layout/vList4"/>
-    <dgm:cxn modelId="{C620DF55-58E1-4EC6-864C-914EF55263AC}" type="presOf" srcId="{449B1558-EBF4-4507-9FD3-DDD21A5AF146}" destId="{413CCDF6-5B4A-4D76-862D-A91B27350863}" srcOrd="0" destOrd="1" presId="urn:microsoft.com/office/officeart/2005/8/layout/vList4"/>
-    <dgm:cxn modelId="{21F05263-2E54-4AB3-AAF1-BE9CA2F76D87}" srcId="{F11942DA-35E1-4EFB-8758-256DB892D741}" destId="{FBDCB85A-F3FF-4A51-8C9C-645300E38992}" srcOrd="1" destOrd="0" parTransId="{F761B559-DEF5-4FC6-B68B-55E5D0AFEE25}" sibTransId="{00F3F36F-87A9-4A8D-BE1B-DD0CAD8344B9}"/>
-    <dgm:cxn modelId="{D0C65F22-E6C8-4606-BC2C-F0D7080C1FB3}" type="presOf" srcId="{9A325E66-602C-4020-91B4-A0AEBC0EF88D}" destId="{1C70031C-3011-4485-AA26-95FFF0E52A98}" srcOrd="1" destOrd="0" presId="urn:microsoft.com/office/officeart/2005/8/layout/vList4"/>
+    <dgm:cxn modelId="{4B6A40FF-5158-475B-9B98-CA4007CEB4BB}" type="presOf" srcId="{CCC7D90C-6504-4B9E-A812-521BAAC0F4AD}" destId="{7F5395D9-DB73-415A-BD76-3208DC72D078}" srcOrd="0" destOrd="1" presId="urn:microsoft.com/office/officeart/2005/8/layout/vList4"/>
+    <dgm:cxn modelId="{22739225-5D61-487A-88F0-E42C5283E4B4}" type="presOf" srcId="{6328BFBD-4AB3-4A88-A586-F0586F97FADC}" destId="{FDDFAD7D-A989-43A1-AD97-05421BC46CBC}" srcOrd="1" destOrd="3" presId="urn:microsoft.com/office/officeart/2005/8/layout/vList4"/>
+    <dgm:cxn modelId="{D75ADC73-0340-461E-A00A-A9E3580D4190}" srcId="{F11942DA-35E1-4EFB-8758-256DB892D741}" destId="{D6314F1F-78DA-4C9E-B60C-582B61A6D160}" srcOrd="3" destOrd="0" parTransId="{43DAB45C-6CB9-4916-A6B2-DEBEC1D2D485}" sibTransId="{980A8050-A943-4D46-A61C-70E2D2670E71}"/>
+    <dgm:cxn modelId="{23663D3C-F828-40B4-B8EC-536A9C585322}" srcId="{D6314F1F-78DA-4C9E-B60C-582B61A6D160}" destId="{CCC7D90C-6504-4B9E-A812-521BAAC0F4AD}" srcOrd="0" destOrd="0" parTransId="{5F361FB8-7045-4EE5-AA8C-9874ADDA427C}" sibTransId="{D497AE66-280F-4B4C-91A2-B8A59B9DADD8}"/>
+    <dgm:cxn modelId="{552AE2C1-0A6F-411A-9402-C67383AA5BD6}" srcId="{F11942DA-35E1-4EFB-8758-256DB892D741}" destId="{9A325E66-602C-4020-91B4-A0AEBC0EF88D}" srcOrd="2" destOrd="0" parTransId="{DEEC218A-210D-4066-AC95-937A6A5DE0BC}" sibTransId="{FFB7005D-681E-426D-9A54-0685F9FB4E41}"/>
+    <dgm:cxn modelId="{22AAFD67-5055-4E82-B357-FF6B3A328CBE}" srcId="{FBDCB85A-F3FF-4A51-8C9C-645300E38992}" destId="{96FF0C69-F9EB-47B0-8243-DEB1F91CCAEE}" srcOrd="1" destOrd="0" parTransId="{AEDE8DB7-EA91-4C2A-83D0-13C77D119723}" sibTransId="{7E61525C-0E80-4A0F-94C6-6E4FA5EC0778}"/>
     <dgm:cxn modelId="{D2EB8A4A-5211-4332-BD9F-9154DC0AFD1A}" type="presOf" srcId="{96FF0C69-F9EB-47B0-8243-DEB1F91CCAEE}" destId="{413CCDF6-5B4A-4D76-862D-A91B27350863}" srcOrd="0" destOrd="2" presId="urn:microsoft.com/office/officeart/2005/8/layout/vList4"/>
-    <dgm:cxn modelId="{CD8EAD18-D79C-4665-8E15-C8D1E0BBAF2D}" type="presOf" srcId="{A4F28612-7911-43FC-AF5B-AF7A639BF0DF}" destId="{3CCE3366-3DB6-4495-9D24-F722299AAE77}" srcOrd="1" destOrd="0" presId="urn:microsoft.com/office/officeart/2005/8/layout/vList4"/>
-    <dgm:cxn modelId="{469ABC02-20E3-490A-A1F1-DA396A2AC1F9}" type="presOf" srcId="{FBDCB85A-F3FF-4A51-8C9C-645300E38992}" destId="{413CCDF6-5B4A-4D76-862D-A91B27350863}" srcOrd="0" destOrd="0" presId="urn:microsoft.com/office/officeart/2005/8/layout/vList4"/>
-    <dgm:cxn modelId="{966CFBBC-BD8F-444C-993D-29D0AA19DF67}" srcId="{D6314F1F-78DA-4C9E-B60C-582B61A6D160}" destId="{8B4F8641-5A6F-42D8-9F53-C598A71234D8}" srcOrd="1" destOrd="0" parTransId="{CE69AE6C-A250-4B4F-BF9E-C6FAE33C600B}" sibTransId="{19C0C7AA-2EDD-4E01-9DAC-09DA54E8F794}"/>
-    <dgm:cxn modelId="{C59FB724-86AF-449B-BD36-09F000C2EF57}" srcId="{9A325E66-602C-4020-91B4-A0AEBC0EF88D}" destId="{CC2A30AE-EBFD-415B-A471-47626BC2A673}" srcOrd="1" destOrd="0" parTransId="{AF0582FC-7CD6-41C4-95ED-E5319A2674B2}" sibTransId="{306580B1-BD2A-4827-BD43-317F0D89B42C}"/>
-    <dgm:cxn modelId="{23663D3C-F828-40B4-B8EC-536A9C585322}" srcId="{D6314F1F-78DA-4C9E-B60C-582B61A6D160}" destId="{CCC7D90C-6504-4B9E-A812-521BAAC0F4AD}" srcOrd="0" destOrd="0" parTransId="{5F361FB8-7045-4EE5-AA8C-9874ADDA427C}" sibTransId="{D497AE66-280F-4B4C-91A2-B8A59B9DADD8}"/>
-    <dgm:cxn modelId="{BFCBA538-B38B-4106-8F4E-8FDBCDDF5170}" type="presOf" srcId="{CCC7D90C-6504-4B9E-A812-521BAAC0F4AD}" destId="{FDDFAD7D-A989-43A1-AD97-05421BC46CBC}" srcOrd="1" destOrd="1" presId="urn:microsoft.com/office/officeart/2005/8/layout/vList4"/>
-    <dgm:cxn modelId="{40E0FB58-2741-4B30-8725-251BAC9AD93D}" type="presOf" srcId="{8B4F8641-5A6F-42D8-9F53-C598A71234D8}" destId="{7F5395D9-DB73-415A-BD76-3208DC72D078}" srcOrd="0" destOrd="2" presId="urn:microsoft.com/office/officeart/2005/8/layout/vList4"/>
-    <dgm:cxn modelId="{22739225-5D61-487A-88F0-E42C5283E4B4}" type="presOf" srcId="{6328BFBD-4AB3-4A88-A586-F0586F97FADC}" destId="{FDDFAD7D-A989-43A1-AD97-05421BC46CBC}" srcOrd="1" destOrd="3" presId="urn:microsoft.com/office/officeart/2005/8/layout/vList4"/>
-    <dgm:cxn modelId="{E1B80043-B9D9-44A3-AB92-84A4BD07466B}" type="presOf" srcId="{F11942DA-35E1-4EFB-8758-256DB892D741}" destId="{5CC439ED-7BA8-41C8-BDE4-08964A136F74}" srcOrd="0" destOrd="0" presId="urn:microsoft.com/office/officeart/2005/8/layout/vList4"/>
-    <dgm:cxn modelId="{D75ADC73-0340-461E-A00A-A9E3580D4190}" srcId="{F11942DA-35E1-4EFB-8758-256DB892D741}" destId="{D6314F1F-78DA-4C9E-B60C-582B61A6D160}" srcOrd="3" destOrd="0" parTransId="{43DAB45C-6CB9-4916-A6B2-DEBEC1D2D485}" sibTransId="{980A8050-A943-4D46-A61C-70E2D2670E71}"/>
-    <dgm:cxn modelId="{9FECB2B0-5A2B-40D8-A748-834A9B810723}" srcId="{FBDCB85A-F3FF-4A51-8C9C-645300E38992}" destId="{449B1558-EBF4-4507-9FD3-DDD21A5AF146}" srcOrd="0" destOrd="0" parTransId="{EEBD3527-2061-47E1-8252-DB5CEF76DE8E}" sibTransId="{F5A8DBAE-0E8F-415E-920D-E853EAF4F311}"/>
-    <dgm:cxn modelId="{D1E186B6-2E63-4788-9760-52BAB937BD03}" type="presOf" srcId="{CC2A30AE-EBFD-415B-A471-47626BC2A673}" destId="{AC888156-5341-4AB5-94FE-79031471371D}" srcOrd="0" destOrd="2" presId="urn:microsoft.com/office/officeart/2005/8/layout/vList4"/>
-    <dgm:cxn modelId="{18509CB1-9E3A-4159-B5D6-A9BC7904D797}" srcId="{A4F28612-7911-43FC-AF5B-AF7A639BF0DF}" destId="{BB3818BB-1EFF-4DD8-B404-2821BFCFDA45}" srcOrd="0" destOrd="0" parTransId="{33440247-87CD-4C9D-BEE5-6E6D405E3787}" sibTransId="{76FF5779-E682-481F-AAB9-92544E06652B}"/>
-    <dgm:cxn modelId="{6B6E7084-161B-4B0B-9488-18EB3CAE1ED2}" type="presOf" srcId="{8B4F8641-5A6F-42D8-9F53-C598A71234D8}" destId="{FDDFAD7D-A989-43A1-AD97-05421BC46CBC}" srcOrd="1" destOrd="2" presId="urn:microsoft.com/office/officeart/2005/8/layout/vList4"/>
-    <dgm:cxn modelId="{5C55B7B5-60D8-438E-8692-18F41FA5E434}" type="presOf" srcId="{1353B2FD-A331-4791-A12B-3A0853E6398C}" destId="{1C70031C-3011-4485-AA26-95FFF0E52A98}" srcOrd="1" destOrd="1" presId="urn:microsoft.com/office/officeart/2005/8/layout/vList4"/>
-    <dgm:cxn modelId="{F28910FA-3174-47B7-8357-68D43B8DF188}" srcId="{6CC0B525-FF6F-4F6A-BC90-7BE1D0BF878D}" destId="{FEF9E27E-63E2-4CD4-92E1-2C3579DBAA4B}" srcOrd="0" destOrd="0" parTransId="{44A0D4FE-A40B-4346-B3C3-E85EE6F20091}" sibTransId="{25158DD9-DF62-4404-ACC7-409C93FDEE26}"/>
-    <dgm:cxn modelId="{2A18E712-6831-45A8-A914-B8084212EBB7}" type="presOf" srcId="{96FF0C69-F9EB-47B0-8243-DEB1F91CCAEE}" destId="{37C7DFBE-0316-4D64-88F0-05AB3A87E90E}" srcOrd="1" destOrd="2" presId="urn:microsoft.com/office/officeart/2005/8/layout/vList4"/>
-    <dgm:cxn modelId="{4B6A40FF-5158-475B-9B98-CA4007CEB4BB}" type="presOf" srcId="{CCC7D90C-6504-4B9E-A812-521BAAC0F4AD}" destId="{7F5395D9-DB73-415A-BD76-3208DC72D078}" srcOrd="0" destOrd="1" presId="urn:microsoft.com/office/officeart/2005/8/layout/vList4"/>
-    <dgm:cxn modelId="{22AAFD67-5055-4E82-B357-FF6B3A328CBE}" srcId="{FBDCB85A-F3FF-4A51-8C9C-645300E38992}" destId="{96FF0C69-F9EB-47B0-8243-DEB1F91CCAEE}" srcOrd="1" destOrd="0" parTransId="{AEDE8DB7-EA91-4C2A-83D0-13C77D119723}" sibTransId="{7E61525C-0E80-4A0F-94C6-6E4FA5EC0778}"/>
-    <dgm:cxn modelId="{552AE2C1-0A6F-411A-9402-C67383AA5BD6}" srcId="{F11942DA-35E1-4EFB-8758-256DB892D741}" destId="{9A325E66-602C-4020-91B4-A0AEBC0EF88D}" srcOrd="2" destOrd="0" parTransId="{DEEC218A-210D-4066-AC95-937A6A5DE0BC}" sibTransId="{FFB7005D-681E-426D-9A54-0685F9FB4E41}"/>
-    <dgm:cxn modelId="{A3D54F2A-7D7A-41A6-B3D2-1B6049B2F329}" type="presOf" srcId="{449B1558-EBF4-4507-9FD3-DDD21A5AF146}" destId="{37C7DFBE-0316-4D64-88F0-05AB3A87E90E}" srcOrd="1" destOrd="1" presId="urn:microsoft.com/office/officeart/2005/8/layout/vList4"/>
-    <dgm:cxn modelId="{45A3EE67-28E1-46B9-B323-041AB2F550ED}" type="presOf" srcId="{BB3818BB-1EFF-4DD8-B404-2821BFCFDA45}" destId="{3CCE3366-3DB6-4495-9D24-F722299AAE77}" srcOrd="1" destOrd="1" presId="urn:microsoft.com/office/officeart/2005/8/layout/vList4"/>
     <dgm:cxn modelId="{11BEAA8E-FC82-48A1-8FDA-1D5BA1E6F8D2}" type="presParOf" srcId="{5CC439ED-7BA8-41C8-BDE4-08964A136F74}" destId="{17DDACE9-6FD5-47BF-A8F1-09D9AB813760}" srcOrd="0" destOrd="0" presId="urn:microsoft.com/office/officeart/2005/8/layout/vList4"/>
     <dgm:cxn modelId="{91C8B193-CCEE-481F-8215-4D28B1423891}" type="presParOf" srcId="{17DDACE9-6FD5-47BF-A8F1-09D9AB813760}" destId="{F4B41BE4-8EFE-48EC-A24B-35C0D23BFE78}" srcOrd="0" destOrd="0" presId="urn:microsoft.com/office/officeart/2005/8/layout/vList4"/>
     <dgm:cxn modelId="{D50F25B9-02AB-479D-A7FF-D4478FFEBAE7}" type="presParOf" srcId="{17DDACE9-6FD5-47BF-A8F1-09D9AB813760}" destId="{027CB561-824B-4A2C-B5F7-3356B494E2AC}" srcOrd="1" destOrd="0" presId="urn:microsoft.com/office/officeart/2005/8/layout/vList4"/>

--- a/FLL Robot Powerpoint.pptx
+++ b/FLL Robot Powerpoint.pptx
@@ -869,6 +869,753 @@
 </file>
 
 <file path=ppt/diagrams/colors2.xml><?xml version="1.0" encoding="utf-8"?>
+<dgm:colorsDef xmlns:dgm="http://schemas.openxmlformats.org/drawingml/2006/diagram" xmlns:a="http://schemas.openxmlformats.org/drawingml/2006/main" uniqueId="urn:microsoft.com/office/officeart/2005/8/colors/accent1_2">
+  <dgm:title val=""/>
+  <dgm:desc val=""/>
+  <dgm:catLst>
+    <dgm:cat type="accent1" pri="11200"/>
+  </dgm:catLst>
+  <dgm:styleLbl name="node0">
+    <dgm:fillClrLst meth="repeat">
+      <a:schemeClr val="accent1"/>
+    </dgm:fillClrLst>
+    <dgm:linClrLst meth="repeat">
+      <a:schemeClr val="lt1"/>
+    </dgm:linClrLst>
+    <dgm:effectClrLst/>
+    <dgm:txLinClrLst/>
+    <dgm:txFillClrLst/>
+    <dgm:txEffectClrLst/>
+  </dgm:styleLbl>
+  <dgm:styleLbl name="alignNode1">
+    <dgm:fillClrLst meth="repeat">
+      <a:schemeClr val="accent1"/>
+    </dgm:fillClrLst>
+    <dgm:linClrLst meth="repeat">
+      <a:schemeClr val="accent1"/>
+    </dgm:linClrLst>
+    <dgm:effectClrLst/>
+    <dgm:txLinClrLst/>
+    <dgm:txFillClrLst/>
+    <dgm:txEffectClrLst/>
+  </dgm:styleLbl>
+  <dgm:styleLbl name="node1">
+    <dgm:fillClrLst meth="repeat">
+      <a:schemeClr val="accent1"/>
+    </dgm:fillClrLst>
+    <dgm:linClrLst meth="repeat">
+      <a:schemeClr val="lt1"/>
+    </dgm:linClrLst>
+    <dgm:effectClrLst/>
+    <dgm:txLinClrLst/>
+    <dgm:txFillClrLst/>
+    <dgm:txEffectClrLst/>
+  </dgm:styleLbl>
+  <dgm:styleLbl name="lnNode1">
+    <dgm:fillClrLst meth="repeat">
+      <a:schemeClr val="accent1"/>
+    </dgm:fillClrLst>
+    <dgm:linClrLst meth="repeat">
+      <a:schemeClr val="lt1"/>
+    </dgm:linClrLst>
+    <dgm:effectClrLst/>
+    <dgm:txLinClrLst/>
+    <dgm:txFillClrLst/>
+    <dgm:txEffectClrLst/>
+  </dgm:styleLbl>
+  <dgm:styleLbl name="vennNode1">
+    <dgm:fillClrLst meth="repeat">
+      <a:schemeClr val="accent1">
+        <a:alpha val="50000"/>
+      </a:schemeClr>
+    </dgm:fillClrLst>
+    <dgm:linClrLst meth="repeat">
+      <a:schemeClr val="lt1"/>
+    </dgm:linClrLst>
+    <dgm:effectClrLst/>
+    <dgm:txLinClrLst/>
+    <dgm:txFillClrLst/>
+    <dgm:txEffectClrLst/>
+  </dgm:styleLbl>
+  <dgm:styleLbl name="node2">
+    <dgm:fillClrLst meth="repeat">
+      <a:schemeClr val="accent1"/>
+    </dgm:fillClrLst>
+    <dgm:linClrLst meth="repeat">
+      <a:schemeClr val="lt1"/>
+    </dgm:linClrLst>
+    <dgm:effectClrLst/>
+    <dgm:txLinClrLst/>
+    <dgm:txFillClrLst/>
+    <dgm:txEffectClrLst/>
+  </dgm:styleLbl>
+  <dgm:styleLbl name="node3">
+    <dgm:fillClrLst meth="repeat">
+      <a:schemeClr val="accent1"/>
+    </dgm:fillClrLst>
+    <dgm:linClrLst meth="repeat">
+      <a:schemeClr val="lt1"/>
+    </dgm:linClrLst>
+    <dgm:effectClrLst/>
+    <dgm:txLinClrLst/>
+    <dgm:txFillClrLst/>
+    <dgm:txEffectClrLst/>
+  </dgm:styleLbl>
+  <dgm:styleLbl name="node4">
+    <dgm:fillClrLst meth="repeat">
+      <a:schemeClr val="accent1"/>
+    </dgm:fillClrLst>
+    <dgm:linClrLst meth="repeat">
+      <a:schemeClr val="lt1"/>
+    </dgm:linClrLst>
+    <dgm:effectClrLst/>
+    <dgm:txLinClrLst/>
+    <dgm:txFillClrLst/>
+    <dgm:txEffectClrLst/>
+  </dgm:styleLbl>
+  <dgm:styleLbl name="fgImgPlace1">
+    <dgm:fillClrLst meth="repeat">
+      <a:schemeClr val="accent1">
+        <a:tint val="50000"/>
+      </a:schemeClr>
+    </dgm:fillClrLst>
+    <dgm:linClrLst meth="repeat">
+      <a:schemeClr val="lt1"/>
+    </dgm:linClrLst>
+    <dgm:effectClrLst/>
+    <dgm:txLinClrLst/>
+    <dgm:txFillClrLst meth="repeat">
+      <a:schemeClr val="lt1"/>
+    </dgm:txFillClrLst>
+    <dgm:txEffectClrLst/>
+  </dgm:styleLbl>
+  <dgm:styleLbl name="alignImgPlace1">
+    <dgm:fillClrLst meth="repeat">
+      <a:schemeClr val="accent1">
+        <a:tint val="50000"/>
+      </a:schemeClr>
+    </dgm:fillClrLst>
+    <dgm:linClrLst meth="repeat">
+      <a:schemeClr val="lt1"/>
+    </dgm:linClrLst>
+    <dgm:effectClrLst/>
+    <dgm:txLinClrLst/>
+    <dgm:txFillClrLst meth="repeat">
+      <a:schemeClr val="lt1"/>
+    </dgm:txFillClrLst>
+    <dgm:txEffectClrLst/>
+  </dgm:styleLbl>
+  <dgm:styleLbl name="bgImgPlace1">
+    <dgm:fillClrLst meth="repeat">
+      <a:schemeClr val="accent1">
+        <a:tint val="50000"/>
+      </a:schemeClr>
+    </dgm:fillClrLst>
+    <dgm:linClrLst meth="repeat">
+      <a:schemeClr val="lt1"/>
+    </dgm:linClrLst>
+    <dgm:effectClrLst/>
+    <dgm:txLinClrLst/>
+    <dgm:txFillClrLst meth="repeat">
+      <a:schemeClr val="lt1"/>
+    </dgm:txFillClrLst>
+    <dgm:txEffectClrLst/>
+  </dgm:styleLbl>
+  <dgm:styleLbl name="sibTrans2D1">
+    <dgm:fillClrLst meth="repeat">
+      <a:schemeClr val="accent1">
+        <a:tint val="60000"/>
+      </a:schemeClr>
+    </dgm:fillClrLst>
+    <dgm:linClrLst meth="repeat">
+      <a:schemeClr val="accent1">
+        <a:tint val="60000"/>
+      </a:schemeClr>
+    </dgm:linClrLst>
+    <dgm:effectClrLst/>
+    <dgm:txLinClrLst/>
+    <dgm:txFillClrLst/>
+    <dgm:txEffectClrLst/>
+  </dgm:styleLbl>
+  <dgm:styleLbl name="fgSibTrans2D1">
+    <dgm:fillClrLst meth="repeat">
+      <a:schemeClr val="accent1">
+        <a:tint val="60000"/>
+      </a:schemeClr>
+    </dgm:fillClrLst>
+    <dgm:linClrLst meth="repeat">
+      <a:schemeClr val="accent1">
+        <a:tint val="60000"/>
+      </a:schemeClr>
+    </dgm:linClrLst>
+    <dgm:effectClrLst/>
+    <dgm:txLinClrLst/>
+    <dgm:txFillClrLst/>
+    <dgm:txEffectClrLst/>
+  </dgm:styleLbl>
+  <dgm:styleLbl name="bgSibTrans2D1">
+    <dgm:fillClrLst meth="repeat">
+      <a:schemeClr val="accent1">
+        <a:tint val="60000"/>
+      </a:schemeClr>
+    </dgm:fillClrLst>
+    <dgm:linClrLst meth="repeat">
+      <a:schemeClr val="accent1">
+        <a:tint val="60000"/>
+      </a:schemeClr>
+    </dgm:linClrLst>
+    <dgm:effectClrLst/>
+    <dgm:txLinClrLst/>
+    <dgm:txFillClrLst/>
+    <dgm:txEffectClrLst/>
+  </dgm:styleLbl>
+  <dgm:styleLbl name="sibTrans1D1">
+    <dgm:fillClrLst meth="repeat">
+      <a:schemeClr val="accent1"/>
+    </dgm:fillClrLst>
+    <dgm:linClrLst meth="repeat">
+      <a:schemeClr val="accent1"/>
+    </dgm:linClrLst>
+    <dgm:effectClrLst/>
+    <dgm:txLinClrLst/>
+    <dgm:txFillClrLst meth="repeat">
+      <a:schemeClr val="tx1"/>
+    </dgm:txFillClrLst>
+    <dgm:txEffectClrLst/>
+  </dgm:styleLbl>
+  <dgm:styleLbl name="callout">
+    <dgm:fillClrLst meth="repeat">
+      <a:schemeClr val="accent1"/>
+    </dgm:fillClrLst>
+    <dgm:linClrLst meth="repeat">
+      <a:schemeClr val="accent1">
+        <a:tint val="50000"/>
+      </a:schemeClr>
+    </dgm:linClrLst>
+    <dgm:effectClrLst/>
+    <dgm:txLinClrLst/>
+    <dgm:txFillClrLst meth="repeat">
+      <a:schemeClr val="tx1"/>
+    </dgm:txFillClrLst>
+    <dgm:txEffectClrLst/>
+  </dgm:styleLbl>
+  <dgm:styleLbl name="asst0">
+    <dgm:fillClrLst meth="repeat">
+      <a:schemeClr val="accent1"/>
+    </dgm:fillClrLst>
+    <dgm:linClrLst meth="repeat">
+      <a:schemeClr val="lt1"/>
+    </dgm:linClrLst>
+    <dgm:effectClrLst/>
+    <dgm:txLinClrLst/>
+    <dgm:txFillClrLst/>
+    <dgm:txEffectClrLst/>
+  </dgm:styleLbl>
+  <dgm:styleLbl name="asst1">
+    <dgm:fillClrLst meth="repeat">
+      <a:schemeClr val="accent1"/>
+    </dgm:fillClrLst>
+    <dgm:linClrLst meth="repeat">
+      <a:schemeClr val="lt1"/>
+    </dgm:linClrLst>
+    <dgm:effectClrLst/>
+    <dgm:txLinClrLst/>
+    <dgm:txFillClrLst/>
+    <dgm:txEffectClrLst/>
+  </dgm:styleLbl>
+  <dgm:styleLbl name="asst2">
+    <dgm:fillClrLst meth="repeat">
+      <a:schemeClr val="accent1"/>
+    </dgm:fillClrLst>
+    <dgm:linClrLst meth="repeat">
+      <a:schemeClr val="lt1"/>
+    </dgm:linClrLst>
+    <dgm:effectClrLst/>
+    <dgm:txLinClrLst/>
+    <dgm:txFillClrLst/>
+    <dgm:txEffectClrLst/>
+  </dgm:styleLbl>
+  <dgm:styleLbl name="asst3">
+    <dgm:fillClrLst meth="repeat">
+      <a:schemeClr val="accent1"/>
+    </dgm:fillClrLst>
+    <dgm:linClrLst meth="repeat">
+      <a:schemeClr val="lt1"/>
+    </dgm:linClrLst>
+    <dgm:effectClrLst/>
+    <dgm:txLinClrLst/>
+    <dgm:txFillClrLst/>
+    <dgm:txEffectClrLst/>
+  </dgm:styleLbl>
+  <dgm:styleLbl name="asst4">
+    <dgm:fillClrLst meth="repeat">
+      <a:schemeClr val="accent1"/>
+    </dgm:fillClrLst>
+    <dgm:linClrLst meth="repeat">
+      <a:schemeClr val="lt1"/>
+    </dgm:linClrLst>
+    <dgm:effectClrLst/>
+    <dgm:txLinClrLst/>
+    <dgm:txFillClrLst/>
+    <dgm:txEffectClrLst/>
+  </dgm:styleLbl>
+  <dgm:styleLbl name="parChTrans2D1">
+    <dgm:fillClrLst meth="repeat">
+      <a:schemeClr val="accent1">
+        <a:tint val="60000"/>
+      </a:schemeClr>
+    </dgm:fillClrLst>
+    <dgm:linClrLst meth="repeat">
+      <a:schemeClr val="accent1">
+        <a:tint val="60000"/>
+      </a:schemeClr>
+    </dgm:linClrLst>
+    <dgm:effectClrLst/>
+    <dgm:txLinClrLst/>
+    <dgm:txFillClrLst meth="repeat">
+      <a:schemeClr val="lt1"/>
+    </dgm:txFillClrLst>
+    <dgm:txEffectClrLst/>
+  </dgm:styleLbl>
+  <dgm:styleLbl name="parChTrans2D2">
+    <dgm:fillClrLst meth="repeat">
+      <a:schemeClr val="accent1"/>
+    </dgm:fillClrLst>
+    <dgm:linClrLst meth="repeat">
+      <a:schemeClr val="accent1"/>
+    </dgm:linClrLst>
+    <dgm:effectClrLst/>
+    <dgm:txLinClrLst/>
+    <dgm:txFillClrLst meth="repeat">
+      <a:schemeClr val="lt1"/>
+    </dgm:txFillClrLst>
+    <dgm:txEffectClrLst/>
+  </dgm:styleLbl>
+  <dgm:styleLbl name="parChTrans2D3">
+    <dgm:fillClrLst meth="repeat">
+      <a:schemeClr val="accent1"/>
+    </dgm:fillClrLst>
+    <dgm:linClrLst meth="repeat">
+      <a:schemeClr val="accent1"/>
+    </dgm:linClrLst>
+    <dgm:effectClrLst/>
+    <dgm:txLinClrLst/>
+    <dgm:txFillClrLst meth="repeat">
+      <a:schemeClr val="lt1"/>
+    </dgm:txFillClrLst>
+    <dgm:txEffectClrLst/>
+  </dgm:styleLbl>
+  <dgm:styleLbl name="parChTrans2D4">
+    <dgm:fillClrLst meth="repeat">
+      <a:schemeClr val="accent1"/>
+    </dgm:fillClrLst>
+    <dgm:linClrLst meth="repeat">
+      <a:schemeClr val="accent1"/>
+    </dgm:linClrLst>
+    <dgm:effectClrLst/>
+    <dgm:txLinClrLst/>
+    <dgm:txFillClrLst meth="repeat">
+      <a:schemeClr val="lt1"/>
+    </dgm:txFillClrLst>
+    <dgm:txEffectClrLst/>
+  </dgm:styleLbl>
+  <dgm:styleLbl name="parChTrans1D1">
+    <dgm:fillClrLst meth="repeat">
+      <a:schemeClr val="accent1"/>
+    </dgm:fillClrLst>
+    <dgm:linClrLst meth="repeat">
+      <a:schemeClr val="accent1">
+        <a:shade val="60000"/>
+      </a:schemeClr>
+    </dgm:linClrLst>
+    <dgm:effectClrLst/>
+    <dgm:txLinClrLst/>
+    <dgm:txFillClrLst meth="repeat">
+      <a:schemeClr val="tx1"/>
+    </dgm:txFillClrLst>
+    <dgm:txEffectClrLst/>
+  </dgm:styleLbl>
+  <dgm:styleLbl name="parChTrans1D2">
+    <dgm:fillClrLst meth="repeat">
+      <a:schemeClr val="accent1"/>
+    </dgm:fillClrLst>
+    <dgm:linClrLst meth="repeat">
+      <a:schemeClr val="accent1">
+        <a:shade val="60000"/>
+      </a:schemeClr>
+    </dgm:linClrLst>
+    <dgm:effectClrLst/>
+    <dgm:txLinClrLst/>
+    <dgm:txFillClrLst meth="repeat">
+      <a:schemeClr val="tx1"/>
+    </dgm:txFillClrLst>
+    <dgm:txEffectClrLst/>
+  </dgm:styleLbl>
+  <dgm:styleLbl name="parChTrans1D3">
+    <dgm:fillClrLst meth="repeat">
+      <a:schemeClr val="accent1"/>
+    </dgm:fillClrLst>
+    <dgm:linClrLst meth="repeat">
+      <a:schemeClr val="accent1">
+        <a:shade val="80000"/>
+      </a:schemeClr>
+    </dgm:linClrLst>
+    <dgm:effectClrLst/>
+    <dgm:txLinClrLst/>
+    <dgm:txFillClrLst meth="repeat">
+      <a:schemeClr val="tx1"/>
+    </dgm:txFillClrLst>
+    <dgm:txEffectClrLst/>
+  </dgm:styleLbl>
+  <dgm:styleLbl name="parChTrans1D4">
+    <dgm:fillClrLst meth="repeat">
+      <a:schemeClr val="accent1"/>
+    </dgm:fillClrLst>
+    <dgm:linClrLst meth="repeat">
+      <a:schemeClr val="accent1">
+        <a:shade val="80000"/>
+      </a:schemeClr>
+    </dgm:linClrLst>
+    <dgm:effectClrLst/>
+    <dgm:txLinClrLst/>
+    <dgm:txFillClrLst meth="repeat">
+      <a:schemeClr val="tx1"/>
+    </dgm:txFillClrLst>
+    <dgm:txEffectClrLst/>
+  </dgm:styleLbl>
+  <dgm:styleLbl name="fgAcc1">
+    <dgm:fillClrLst meth="repeat">
+      <a:schemeClr val="lt1">
+        <a:alpha val="90000"/>
+      </a:schemeClr>
+    </dgm:fillClrLst>
+    <dgm:linClrLst meth="repeat">
+      <a:schemeClr val="accent1"/>
+    </dgm:linClrLst>
+    <dgm:effectClrLst/>
+    <dgm:txLinClrLst/>
+    <dgm:txFillClrLst meth="repeat">
+      <a:schemeClr val="dk1"/>
+    </dgm:txFillClrLst>
+    <dgm:txEffectClrLst/>
+  </dgm:styleLbl>
+  <dgm:styleLbl name="conFgAcc1">
+    <dgm:fillClrLst meth="repeat">
+      <a:schemeClr val="lt1">
+        <a:alpha val="90000"/>
+      </a:schemeClr>
+    </dgm:fillClrLst>
+    <dgm:linClrLst meth="repeat">
+      <a:schemeClr val="accent1"/>
+    </dgm:linClrLst>
+    <dgm:effectClrLst/>
+    <dgm:txLinClrLst/>
+    <dgm:txFillClrLst meth="repeat">
+      <a:schemeClr val="dk1"/>
+    </dgm:txFillClrLst>
+    <dgm:txEffectClrLst/>
+  </dgm:styleLbl>
+  <dgm:styleLbl name="alignAcc1">
+    <dgm:fillClrLst meth="repeat">
+      <a:schemeClr val="lt1">
+        <a:alpha val="90000"/>
+      </a:schemeClr>
+    </dgm:fillClrLst>
+    <dgm:linClrLst meth="repeat">
+      <a:schemeClr val="accent1"/>
+    </dgm:linClrLst>
+    <dgm:effectClrLst/>
+    <dgm:txLinClrLst/>
+    <dgm:txFillClrLst meth="repeat">
+      <a:schemeClr val="dk1"/>
+    </dgm:txFillClrLst>
+    <dgm:txEffectClrLst/>
+  </dgm:styleLbl>
+  <dgm:styleLbl name="trAlignAcc1">
+    <dgm:fillClrLst meth="repeat">
+      <a:schemeClr val="lt1">
+        <a:alpha val="40000"/>
+      </a:schemeClr>
+    </dgm:fillClrLst>
+    <dgm:linClrLst meth="repeat">
+      <a:schemeClr val="accent1"/>
+    </dgm:linClrLst>
+    <dgm:effectClrLst/>
+    <dgm:txLinClrLst/>
+    <dgm:txFillClrLst meth="repeat">
+      <a:schemeClr val="dk1"/>
+    </dgm:txFillClrLst>
+    <dgm:txEffectClrLst/>
+  </dgm:styleLbl>
+  <dgm:styleLbl name="bgAcc1">
+    <dgm:fillClrLst meth="repeat">
+      <a:schemeClr val="lt1">
+        <a:alpha val="90000"/>
+      </a:schemeClr>
+    </dgm:fillClrLst>
+    <dgm:linClrLst meth="repeat">
+      <a:schemeClr val="accent1"/>
+    </dgm:linClrLst>
+    <dgm:effectClrLst/>
+    <dgm:txLinClrLst/>
+    <dgm:txFillClrLst meth="repeat">
+      <a:schemeClr val="dk1"/>
+    </dgm:txFillClrLst>
+    <dgm:txEffectClrLst/>
+  </dgm:styleLbl>
+  <dgm:styleLbl name="solidFgAcc1">
+    <dgm:fillClrLst meth="repeat">
+      <a:schemeClr val="lt1"/>
+    </dgm:fillClrLst>
+    <dgm:linClrLst meth="repeat">
+      <a:schemeClr val="accent1"/>
+    </dgm:linClrLst>
+    <dgm:effectClrLst/>
+    <dgm:txLinClrLst/>
+    <dgm:txFillClrLst meth="repeat">
+      <a:schemeClr val="dk1"/>
+    </dgm:txFillClrLst>
+    <dgm:txEffectClrLst/>
+  </dgm:styleLbl>
+  <dgm:styleLbl name="solidAlignAcc1">
+    <dgm:fillClrLst meth="repeat">
+      <a:schemeClr val="lt1"/>
+    </dgm:fillClrLst>
+    <dgm:linClrLst meth="repeat">
+      <a:schemeClr val="accent1"/>
+    </dgm:linClrLst>
+    <dgm:effectClrLst/>
+    <dgm:txLinClrLst/>
+    <dgm:txFillClrLst meth="repeat">
+      <a:schemeClr val="dk1"/>
+    </dgm:txFillClrLst>
+    <dgm:txEffectClrLst/>
+  </dgm:styleLbl>
+  <dgm:styleLbl name="solidBgAcc1">
+    <dgm:fillClrLst meth="repeat">
+      <a:schemeClr val="lt1"/>
+    </dgm:fillClrLst>
+    <dgm:linClrLst meth="repeat">
+      <a:schemeClr val="accent1"/>
+    </dgm:linClrLst>
+    <dgm:effectClrLst/>
+    <dgm:txLinClrLst/>
+    <dgm:txFillClrLst meth="repeat">
+      <a:schemeClr val="dk1"/>
+    </dgm:txFillClrLst>
+    <dgm:txEffectClrLst/>
+  </dgm:styleLbl>
+  <dgm:styleLbl name="fgAccFollowNode1">
+    <dgm:fillClrLst meth="repeat">
+      <a:schemeClr val="accent1">
+        <a:alpha val="90000"/>
+        <a:tint val="40000"/>
+      </a:schemeClr>
+    </dgm:fillClrLst>
+    <dgm:linClrLst meth="repeat">
+      <a:schemeClr val="accent1">
+        <a:alpha val="90000"/>
+        <a:tint val="40000"/>
+      </a:schemeClr>
+    </dgm:linClrLst>
+    <dgm:effectClrLst/>
+    <dgm:txLinClrLst/>
+    <dgm:txFillClrLst meth="repeat">
+      <a:schemeClr val="dk1"/>
+    </dgm:txFillClrLst>
+    <dgm:txEffectClrLst/>
+  </dgm:styleLbl>
+  <dgm:styleLbl name="alignAccFollowNode1">
+    <dgm:fillClrLst meth="repeat">
+      <a:schemeClr val="accent1">
+        <a:alpha val="90000"/>
+        <a:tint val="40000"/>
+      </a:schemeClr>
+    </dgm:fillClrLst>
+    <dgm:linClrLst meth="repeat">
+      <a:schemeClr val="accent1">
+        <a:alpha val="90000"/>
+        <a:tint val="40000"/>
+      </a:schemeClr>
+    </dgm:linClrLst>
+    <dgm:effectClrLst/>
+    <dgm:txLinClrLst/>
+    <dgm:txFillClrLst meth="repeat">
+      <a:schemeClr val="dk1"/>
+    </dgm:txFillClrLst>
+    <dgm:txEffectClrLst/>
+  </dgm:styleLbl>
+  <dgm:styleLbl name="bgAccFollowNode1">
+    <dgm:fillClrLst meth="repeat">
+      <a:schemeClr val="accent1">
+        <a:alpha val="90000"/>
+        <a:tint val="40000"/>
+      </a:schemeClr>
+    </dgm:fillClrLst>
+    <dgm:linClrLst meth="repeat">
+      <a:schemeClr val="accent1">
+        <a:alpha val="90000"/>
+        <a:tint val="40000"/>
+      </a:schemeClr>
+    </dgm:linClrLst>
+    <dgm:effectClrLst/>
+    <dgm:txLinClrLst/>
+    <dgm:txFillClrLst meth="repeat">
+      <a:schemeClr val="dk1"/>
+    </dgm:txFillClrLst>
+    <dgm:txEffectClrLst/>
+  </dgm:styleLbl>
+  <dgm:styleLbl name="fgAcc0">
+    <dgm:fillClrLst meth="repeat">
+      <a:schemeClr val="lt1">
+        <a:alpha val="90000"/>
+      </a:schemeClr>
+    </dgm:fillClrLst>
+    <dgm:linClrLst meth="repeat">
+      <a:schemeClr val="accent1"/>
+    </dgm:linClrLst>
+    <dgm:effectClrLst/>
+    <dgm:txLinClrLst/>
+    <dgm:txFillClrLst meth="repeat">
+      <a:schemeClr val="dk1"/>
+    </dgm:txFillClrLst>
+    <dgm:txEffectClrLst/>
+  </dgm:styleLbl>
+  <dgm:styleLbl name="fgAcc2">
+    <dgm:fillClrLst meth="repeat">
+      <a:schemeClr val="lt1">
+        <a:alpha val="90000"/>
+      </a:schemeClr>
+    </dgm:fillClrLst>
+    <dgm:linClrLst meth="repeat">
+      <a:schemeClr val="accent1"/>
+    </dgm:linClrLst>
+    <dgm:effectClrLst/>
+    <dgm:txLinClrLst/>
+    <dgm:txFillClrLst meth="repeat">
+      <a:schemeClr val="dk1"/>
+    </dgm:txFillClrLst>
+    <dgm:txEffectClrLst/>
+  </dgm:styleLbl>
+  <dgm:styleLbl name="fgAcc3">
+    <dgm:fillClrLst meth="repeat">
+      <a:schemeClr val="lt1">
+        <a:alpha val="90000"/>
+      </a:schemeClr>
+    </dgm:fillClrLst>
+    <dgm:linClrLst meth="repeat">
+      <a:schemeClr val="accent1"/>
+    </dgm:linClrLst>
+    <dgm:effectClrLst/>
+    <dgm:txLinClrLst/>
+    <dgm:txFillClrLst meth="repeat">
+      <a:schemeClr val="dk1"/>
+    </dgm:txFillClrLst>
+    <dgm:txEffectClrLst/>
+  </dgm:styleLbl>
+  <dgm:styleLbl name="fgAcc4">
+    <dgm:fillClrLst meth="repeat">
+      <a:schemeClr val="lt1">
+        <a:alpha val="90000"/>
+      </a:schemeClr>
+    </dgm:fillClrLst>
+    <dgm:linClrLst meth="repeat">
+      <a:schemeClr val="accent1"/>
+    </dgm:linClrLst>
+    <dgm:effectClrLst/>
+    <dgm:txLinClrLst/>
+    <dgm:txFillClrLst meth="repeat">
+      <a:schemeClr val="dk1"/>
+    </dgm:txFillClrLst>
+    <dgm:txEffectClrLst/>
+  </dgm:styleLbl>
+  <dgm:styleLbl name="bgShp">
+    <dgm:fillClrLst meth="repeat">
+      <a:schemeClr val="accent1">
+        <a:tint val="40000"/>
+      </a:schemeClr>
+    </dgm:fillClrLst>
+    <dgm:linClrLst meth="repeat">
+      <a:schemeClr val="accent1"/>
+    </dgm:linClrLst>
+    <dgm:effectClrLst/>
+    <dgm:txLinClrLst/>
+    <dgm:txFillClrLst meth="repeat">
+      <a:schemeClr val="dk1"/>
+    </dgm:txFillClrLst>
+    <dgm:txEffectClrLst/>
+  </dgm:styleLbl>
+  <dgm:styleLbl name="dkBgShp">
+    <dgm:fillClrLst meth="repeat">
+      <a:schemeClr val="accent1">
+        <a:shade val="80000"/>
+      </a:schemeClr>
+    </dgm:fillClrLst>
+    <dgm:linClrLst meth="repeat">
+      <a:schemeClr val="accent1"/>
+    </dgm:linClrLst>
+    <dgm:effectClrLst/>
+    <dgm:txLinClrLst/>
+    <dgm:txFillClrLst meth="repeat">
+      <a:schemeClr val="lt1"/>
+    </dgm:txFillClrLst>
+    <dgm:txEffectClrLst/>
+  </dgm:styleLbl>
+  <dgm:styleLbl name="trBgShp">
+    <dgm:fillClrLst meth="repeat">
+      <a:schemeClr val="accent1">
+        <a:tint val="50000"/>
+        <a:alpha val="40000"/>
+      </a:schemeClr>
+    </dgm:fillClrLst>
+    <dgm:linClrLst meth="repeat">
+      <a:schemeClr val="accent1"/>
+    </dgm:linClrLst>
+    <dgm:effectClrLst/>
+    <dgm:txLinClrLst/>
+    <dgm:txFillClrLst meth="repeat">
+      <a:schemeClr val="lt1"/>
+    </dgm:txFillClrLst>
+    <dgm:txEffectClrLst/>
+  </dgm:styleLbl>
+  <dgm:styleLbl name="fgShp">
+    <dgm:fillClrLst meth="repeat">
+      <a:schemeClr val="accent1">
+        <a:tint val="60000"/>
+      </a:schemeClr>
+    </dgm:fillClrLst>
+    <dgm:linClrLst meth="repeat">
+      <a:schemeClr val="lt1"/>
+    </dgm:linClrLst>
+    <dgm:effectClrLst/>
+    <dgm:txLinClrLst/>
+    <dgm:txFillClrLst meth="repeat">
+      <a:schemeClr val="dk1"/>
+    </dgm:txFillClrLst>
+    <dgm:txEffectClrLst/>
+  </dgm:styleLbl>
+  <dgm:styleLbl name="revTx">
+    <dgm:fillClrLst meth="repeat">
+      <a:schemeClr val="lt1">
+        <a:alpha val="0"/>
+      </a:schemeClr>
+    </dgm:fillClrLst>
+    <dgm:linClrLst meth="repeat">
+      <a:schemeClr val="dk1">
+        <a:alpha val="0"/>
+      </a:schemeClr>
+    </dgm:linClrLst>
+    <dgm:effectClrLst/>
+    <dgm:txLinClrLst/>
+    <dgm:txFillClrLst meth="repeat">
+      <a:schemeClr val="tx1"/>
+    </dgm:txFillClrLst>
+    <dgm:txEffectClrLst/>
+  </dgm:styleLbl>
+</dgm:colorsDef>
+</file>
+
+<file path=ppt/diagrams/colors3.xml><?xml version="1.0" encoding="utf-8"?>
 <dgm:colorsDef xmlns:dgm="http://schemas.openxmlformats.org/drawingml/2006/diagram" xmlns:a="http://schemas.openxmlformats.org/drawingml/2006/main" uniqueId="urn:microsoft.com/office/officeart/2005/8/colors/accent1_2">
   <dgm:title val=""/>
   <dgm:desc val=""/>
@@ -2368,7 +3115,7 @@
       </dgm:t>
     </dgm:pt>
     <dgm:pt modelId="{D5EF084B-0048-459A-9001-2451F5192F25}" type="pres">
-      <dgm:prSet presAssocID="{677FC8B7-2875-43E9-9CDF-1CB72AAB0D0E}" presName="Image" presStyleLbl="node1" presStyleIdx="4" presStyleCnt="5"/>
+      <dgm:prSet presAssocID="{677FC8B7-2875-43E9-9CDF-1CB72AAB0D0E}" presName="Image" presStyleLbl="node1" presStyleIdx="4" presStyleCnt="5" custLinFactNeighborX="204" custLinFactNeighborY="-11466"/>
       <dgm:spPr>
         <a:blipFill>
           <a:blip xmlns:r="http://schemas.openxmlformats.org/officeDocument/2006/relationships" r:embed="rId4" cstate="print">
@@ -2493,8 +3240,8 @@
 <file path=ppt/diagrams/data2.xml><?xml version="1.0" encoding="utf-8"?>
 <dgm:dataModel xmlns:dgm="http://schemas.openxmlformats.org/drawingml/2006/diagram" xmlns:a="http://schemas.openxmlformats.org/drawingml/2006/main">
   <dgm:ptLst>
-    <dgm:pt modelId="{F11942DA-35E1-4EFB-8758-256DB892D741}" type="doc">
-      <dgm:prSet loTypeId="urn:microsoft.com/office/officeart/2005/8/layout/vList4" loCatId="list" qsTypeId="urn:microsoft.com/office/officeart/2005/8/quickstyle/simple1" qsCatId="simple" csTypeId="urn:microsoft.com/office/officeart/2005/8/colors/accent1_2" csCatId="accent1" phldr="1"/>
+    <dgm:pt modelId="{B4E2A9E4-A4B9-4950-B557-41B069A274A3}" type="doc">
+      <dgm:prSet loTypeId="urn:microsoft.com/office/officeart/2005/8/layout/hierarchy3" loCatId="hierarchy" qsTypeId="urn:microsoft.com/office/officeart/2005/8/quickstyle/simple1" qsCatId="simple" csTypeId="urn:microsoft.com/office/officeart/2005/8/colors/accent1_2" csCatId="accent1" phldr="1"/>
       <dgm:spPr/>
       <dgm:t>
         <a:bodyPr/>
@@ -2504,7 +3251,7 @@
         </a:p>
       </dgm:t>
     </dgm:pt>
-    <dgm:pt modelId="{A4F28612-7911-43FC-AF5B-AF7A639BF0DF}">
+    <dgm:pt modelId="{4932D87E-5200-4E80-B1D7-4F0AEBC43E74}">
       <dgm:prSet phldrT="[Text]"/>
       <dgm:spPr/>
       <dgm:t>
@@ -2513,13 +3260,13 @@
         <a:p>
           <a:r>
             <a:rPr lang="en-US" dirty="0" smtClean="0"/>
-            <a:t>The Compost Jig</a:t>
+            <a:t>Mission 1</a:t>
           </a:r>
           <a:endParaRPr lang="en-US" dirty="0"/>
         </a:p>
       </dgm:t>
     </dgm:pt>
-    <dgm:pt modelId="{ACEB1635-DDEA-4E35-815A-2B48E264CD15}" type="parTrans" cxnId="{059A5CF2-7131-48EC-8D31-DD710467DE56}">
+    <dgm:pt modelId="{AC29C495-EC58-49FD-84AD-F582F420F5F7}" type="parTrans" cxnId="{5FF8CF1C-38A3-45AF-ADE4-534D392E0F8F}">
       <dgm:prSet/>
       <dgm:spPr/>
       <dgm:t>
@@ -2530,7 +3277,7 @@
         </a:p>
       </dgm:t>
     </dgm:pt>
-    <dgm:pt modelId="{969CBD2C-45D0-4133-881B-1168522AAE17}" type="sibTrans" cxnId="{059A5CF2-7131-48EC-8D31-DD710467DE56}">
+    <dgm:pt modelId="{5F10227A-E0CC-48D0-97C7-4C7C9C94A564}" type="sibTrans" cxnId="{5FF8CF1C-38A3-45AF-ADE4-534D392E0F8F}">
       <dgm:prSet/>
       <dgm:spPr/>
       <dgm:t>
@@ -2541,7 +3288,7 @@
         </a:p>
       </dgm:t>
     </dgm:pt>
-    <dgm:pt modelId="{A01ED63C-5516-4DA5-8CB3-D298CBC23C00}">
+    <dgm:pt modelId="{B4E75589-C1D2-414D-930D-B50A6A36CDC5}">
       <dgm:prSet phldrT="[Text]"/>
       <dgm:spPr/>
       <dgm:t>
@@ -2550,13 +3297,13 @@
         <a:p>
           <a:r>
             <a:rPr lang="en-US" dirty="0" smtClean="0"/>
-            <a:t>Angled to guide the robot to compost</a:t>
+            <a:t>The Building Collector</a:t>
           </a:r>
           <a:endParaRPr lang="en-US" dirty="0"/>
         </a:p>
       </dgm:t>
     </dgm:pt>
-    <dgm:pt modelId="{E5AA452E-C4EF-4114-A321-5038DF481CE2}" type="parTrans" cxnId="{922B2F52-7035-4115-8D29-32ADF1D9C307}">
+    <dgm:pt modelId="{D0A5D98D-4BBB-478C-81F3-4764E21A9D92}" type="parTrans" cxnId="{80515282-8206-41DC-B593-6A8A6F44F63D}">
       <dgm:prSet/>
       <dgm:spPr/>
       <dgm:t>
@@ -2567,7 +3314,7 @@
         </a:p>
       </dgm:t>
     </dgm:pt>
-    <dgm:pt modelId="{583BD873-5B2E-4CEF-A791-76BD3AE5E909}" type="sibTrans" cxnId="{922B2F52-7035-4115-8D29-32ADF1D9C307}">
+    <dgm:pt modelId="{A56A01FD-5019-401B-93A6-E96CF34CD797}" type="sibTrans" cxnId="{80515282-8206-41DC-B593-6A8A6F44F63D}">
       <dgm:prSet/>
       <dgm:spPr/>
       <dgm:t>
@@ -2578,7 +3325,7 @@
         </a:p>
       </dgm:t>
     </dgm:pt>
-    <dgm:pt modelId="{FBDCB85A-F3FF-4A51-8C9C-645300E38992}">
+    <dgm:pt modelId="{1D22F6E5-432A-4FB0-B1F5-2F8CF98615EA}">
       <dgm:prSet phldrT="[Text]"/>
       <dgm:spPr/>
       <dgm:t>
@@ -2587,13 +3334,13 @@
         <a:p>
           <a:r>
             <a:rPr lang="en-US" dirty="0" smtClean="0"/>
-            <a:t>The Demolishing Building Jig</a:t>
+            <a:t>-the indentation is for the lever to go down</a:t>
           </a:r>
           <a:endParaRPr lang="en-US" dirty="0"/>
         </a:p>
       </dgm:t>
     </dgm:pt>
-    <dgm:pt modelId="{F761B559-DEF5-4FC6-B68B-55E5D0AFEE25}" type="parTrans" cxnId="{21F05263-2E54-4AB3-AAF1-BE9CA2F76D87}">
+    <dgm:pt modelId="{2D532C4C-ED5E-4401-983F-AF43DC0B130E}" type="parTrans" cxnId="{37BA7525-04A6-4A13-AF58-B7CBC569B38C}">
       <dgm:prSet/>
       <dgm:spPr/>
       <dgm:t>
@@ -2604,7 +3351,7 @@
         </a:p>
       </dgm:t>
     </dgm:pt>
-    <dgm:pt modelId="{00F3F36F-87A9-4A8D-BE1B-DD0CAD8344B9}" type="sibTrans" cxnId="{21F05263-2E54-4AB3-AAF1-BE9CA2F76D87}">
+    <dgm:pt modelId="{6DECD468-5405-458F-A072-7044E7863616}" type="sibTrans" cxnId="{37BA7525-04A6-4A13-AF58-B7CBC569B38C}">
       <dgm:prSet/>
       <dgm:spPr/>
       <dgm:t>
@@ -2615,7 +3362,7 @@
         </a:p>
       </dgm:t>
     </dgm:pt>
-    <dgm:pt modelId="{449B1558-EBF4-4507-9FD3-DDD21A5AF146}">
+    <dgm:pt modelId="{DF5431D5-5B50-4036-B68F-94E731086263}">
       <dgm:prSet phldrT="[Text]"/>
       <dgm:spPr/>
       <dgm:t>
@@ -2624,13 +3371,13 @@
         <a:p>
           <a:r>
             <a:rPr lang="en-US" dirty="0" smtClean="0"/>
-            <a:t>Curve to give the lever room to go down</a:t>
+            <a:t>The AVD (Animals, Valuables, Demolish)</a:t>
           </a:r>
           <a:endParaRPr lang="en-US" dirty="0"/>
         </a:p>
       </dgm:t>
     </dgm:pt>
-    <dgm:pt modelId="{EEBD3527-2061-47E1-8252-DB5CEF76DE8E}" type="parTrans" cxnId="{9FECB2B0-5A2B-40D8-A748-834A9B810723}">
+    <dgm:pt modelId="{938F0395-43E6-4955-BA87-B891083C57DD}" type="parTrans" cxnId="{732F8A4C-4534-4EA8-96FC-04C07D3B02F9}">
       <dgm:prSet/>
       <dgm:spPr/>
       <dgm:t>
@@ -2641,7 +3388,7 @@
         </a:p>
       </dgm:t>
     </dgm:pt>
-    <dgm:pt modelId="{F5A8DBAE-0E8F-415E-920D-E853EAF4F311}" type="sibTrans" cxnId="{9FECB2B0-5A2B-40D8-A748-834A9B810723}">
+    <dgm:pt modelId="{6B3A5B4C-A5F0-4693-B51E-756381B7D18A}" type="sibTrans" cxnId="{732F8A4C-4534-4EA8-96FC-04C07D3B02F9}">
       <dgm:prSet/>
       <dgm:spPr/>
       <dgm:t>
@@ -2652,18 +3399,22 @@
         </a:p>
       </dgm:t>
     </dgm:pt>
-    <dgm:pt modelId="{96FF0C69-F9EB-47B0-8243-DEB1F91CCAEE}">
-      <dgm:prSet phldrT="[Text]" phldr="1"/>
+    <dgm:pt modelId="{08F12AB9-BD75-421B-96C2-E25D538D2E98}">
+      <dgm:prSet phldrT="[Text]"/>
       <dgm:spPr/>
       <dgm:t>
         <a:bodyPr/>
         <a:lstStyle/>
         <a:p>
+          <a:r>
+            <a:rPr lang="en-US" dirty="0" smtClean="0"/>
+            <a:t>-One-way door that lifts up to make the robot more compact</a:t>
+          </a:r>
           <a:endParaRPr lang="en-US" dirty="0"/>
         </a:p>
       </dgm:t>
     </dgm:pt>
-    <dgm:pt modelId="{AEDE8DB7-EA91-4C2A-83D0-13C77D119723}" type="parTrans" cxnId="{22AAFD67-5055-4E82-B357-FF6B3A328CBE}">
+    <dgm:pt modelId="{7ECF7AC9-4D95-4842-9857-8C64281AFEEF}" type="parTrans" cxnId="{1D05A35E-6A08-46E3-9463-2F15EFD93B42}">
       <dgm:prSet/>
       <dgm:spPr/>
       <dgm:t>
@@ -2674,7 +3425,7 @@
         </a:p>
       </dgm:t>
     </dgm:pt>
-    <dgm:pt modelId="{7E61525C-0E80-4A0F-94C6-6E4FA5EC0778}" type="sibTrans" cxnId="{22AAFD67-5055-4E82-B357-FF6B3A328CBE}">
+    <dgm:pt modelId="{2FCA8B6A-F372-4102-9237-90071888EB9E}" type="sibTrans" cxnId="{1D05A35E-6A08-46E3-9463-2F15EFD93B42}">
       <dgm:prSet/>
       <dgm:spPr/>
       <dgm:t>
@@ -2685,7 +3436,7 @@
         </a:p>
       </dgm:t>
     </dgm:pt>
-    <dgm:pt modelId="{9A325E66-602C-4020-91B4-A0AEBC0EF88D}">
+    <dgm:pt modelId="{720091B4-AB93-4765-832D-E9714E95D5EF}">
       <dgm:prSet phldrT="[Text]"/>
       <dgm:spPr/>
       <dgm:t>
@@ -2694,13 +3445,13 @@
         <a:p>
           <a:r>
             <a:rPr lang="en-US" dirty="0" smtClean="0"/>
-            <a:t>The One-Way Door</a:t>
+            <a:t>Mission 2</a:t>
           </a:r>
           <a:endParaRPr lang="en-US" dirty="0"/>
         </a:p>
       </dgm:t>
     </dgm:pt>
-    <dgm:pt modelId="{DEEC218A-210D-4066-AC95-937A6A5DE0BC}" type="parTrans" cxnId="{552AE2C1-0A6F-411A-9402-C67383AA5BD6}">
+    <dgm:pt modelId="{42B3FBA2-613D-46BF-A227-05337B723ACE}" type="parTrans" cxnId="{8171BBAD-136F-4524-A194-97F48A292741}">
       <dgm:prSet/>
       <dgm:spPr/>
       <dgm:t>
@@ -2711,7 +3462,7 @@
         </a:p>
       </dgm:t>
     </dgm:pt>
-    <dgm:pt modelId="{FFB7005D-681E-426D-9A54-0685F9FB4E41}" type="sibTrans" cxnId="{552AE2C1-0A6F-411A-9402-C67383AA5BD6}">
+    <dgm:pt modelId="{F41AEB96-CD12-4FE3-B67B-37913976EDC3}" type="sibTrans" cxnId="{8171BBAD-136F-4524-A194-97F48A292741}">
       <dgm:prSet/>
       <dgm:spPr/>
       <dgm:t>
@@ -2722,7 +3473,7 @@
         </a:p>
       </dgm:t>
     </dgm:pt>
-    <dgm:pt modelId="{1353B2FD-A331-4791-A12B-3A0853E6398C}">
+    <dgm:pt modelId="{256A64E1-DA25-47F5-BD8A-27B019528749}">
       <dgm:prSet phldrT="[Text]"/>
       <dgm:spPr/>
       <dgm:t>
@@ -2731,13 +3482,13 @@
         <a:p>
           <a:r>
             <a:rPr lang="en-US" dirty="0" smtClean="0"/>
-            <a:t>Used to collect the Valuables</a:t>
+            <a:t>The Slide</a:t>
           </a:r>
           <a:endParaRPr lang="en-US" dirty="0"/>
         </a:p>
       </dgm:t>
     </dgm:pt>
-    <dgm:pt modelId="{4895B86D-9DA1-4859-8D0F-AF7957C725D4}" type="parTrans" cxnId="{25896901-AEE2-4861-AA93-1234297C6206}">
+    <dgm:pt modelId="{CE9D5917-43A7-434F-A2C9-18DB0B91D131}" type="parTrans" cxnId="{01CCAC8C-415B-436D-B6FC-6530EDAFC08F}">
       <dgm:prSet/>
       <dgm:spPr/>
       <dgm:t>
@@ -2748,7 +3499,7 @@
         </a:p>
       </dgm:t>
     </dgm:pt>
-    <dgm:pt modelId="{03F2DFFB-E3F1-4C66-AF9D-F401CBC9202D}" type="sibTrans" cxnId="{25896901-AEE2-4861-AA93-1234297C6206}">
+    <dgm:pt modelId="{6D19559D-E7AE-443F-AACE-DFB1076C7011}" type="sibTrans" cxnId="{01CCAC8C-415B-436D-B6FC-6530EDAFC08F}">
       <dgm:prSet/>
       <dgm:spPr/>
       <dgm:t>
@@ -2759,7 +3510,7 @@
         </a:p>
       </dgm:t>
     </dgm:pt>
-    <dgm:pt modelId="{CC2A30AE-EBFD-415B-A471-47626BC2A673}">
+    <dgm:pt modelId="{5D193F19-8C8F-4DF4-BA59-AE328DD1E262}">
       <dgm:prSet phldrT="[Text]"/>
       <dgm:spPr/>
       <dgm:t>
@@ -2768,13 +3519,13 @@
         <a:p>
           <a:r>
             <a:rPr lang="en-US" dirty="0" smtClean="0"/>
-            <a:t>Used for a more compact robot design</a:t>
+            <a:t>Missions 3 &amp; 4</a:t>
           </a:r>
           <a:endParaRPr lang="en-US" dirty="0"/>
         </a:p>
       </dgm:t>
     </dgm:pt>
-    <dgm:pt modelId="{AF0582FC-7CD6-41C4-95ED-E5319A2674B2}" type="parTrans" cxnId="{C59FB724-86AF-449B-BD36-09F000C2EF57}">
+    <dgm:pt modelId="{F52A8DFB-951E-4E78-A0DE-8434C6F9B58C}" type="parTrans" cxnId="{302C5B04-8EE3-4604-B329-3BB39456BB05}">
       <dgm:prSet/>
       <dgm:spPr/>
       <dgm:t>
@@ -2785,7 +3536,7 @@
         </a:p>
       </dgm:t>
     </dgm:pt>
-    <dgm:pt modelId="{306580B1-BD2A-4827-BD43-317F0D89B42C}" type="sibTrans" cxnId="{C59FB724-86AF-449B-BD36-09F000C2EF57}">
+    <dgm:pt modelId="{A9235F7C-C1DE-4652-9355-571E4D22FD3E}" type="sibTrans" cxnId="{302C5B04-8EE3-4604-B329-3BB39456BB05}">
       <dgm:prSet/>
       <dgm:spPr/>
       <dgm:t>
@@ -2796,7 +3547,7 @@
         </a:p>
       </dgm:t>
     </dgm:pt>
-    <dgm:pt modelId="{BB3818BB-1EFF-4DD8-B404-2821BFCFDA45}">
+    <dgm:pt modelId="{BCF13A68-62C7-41C7-A2A7-391D754BE02A}">
       <dgm:prSet phldrT="[Text]"/>
       <dgm:spPr/>
       <dgm:t>
@@ -2805,13 +3556,13 @@
         <a:p>
           <a:r>
             <a:rPr lang="en-US" dirty="0" smtClean="0"/>
-            <a:t>Used to collect the compost</a:t>
+            <a:t>The Compost Collector</a:t>
           </a:r>
           <a:endParaRPr lang="en-US" dirty="0"/>
         </a:p>
       </dgm:t>
     </dgm:pt>
-    <dgm:pt modelId="{33440247-87CD-4C9D-BEE5-6E6D405E3787}" type="parTrans" cxnId="{18509CB1-9E3A-4159-B5D6-A9BC7904D797}">
+    <dgm:pt modelId="{CBDA7ED4-617E-480A-BAAD-A923412D95A8}" type="parTrans" cxnId="{8B4757AB-7D12-46A4-AC2D-FF153EC11EDE}">
       <dgm:prSet/>
       <dgm:spPr/>
       <dgm:t>
@@ -2822,7 +3573,7 @@
         </a:p>
       </dgm:t>
     </dgm:pt>
-    <dgm:pt modelId="{76FF5779-E682-481F-AAB9-92544E06652B}" type="sibTrans" cxnId="{18509CB1-9E3A-4159-B5D6-A9BC7904D797}">
+    <dgm:pt modelId="{99FF19DD-5321-4644-B686-654A0074639C}" type="sibTrans" cxnId="{8B4757AB-7D12-46A4-AC2D-FF153EC11EDE}">
       <dgm:prSet/>
       <dgm:spPr/>
       <dgm:t>
@@ -2833,8 +3584,8 @@
         </a:p>
       </dgm:t>
     </dgm:pt>
-    <dgm:pt modelId="{D6314F1F-78DA-4C9E-B60C-582B61A6D160}">
-      <dgm:prSet/>
+    <dgm:pt modelId="{3BA2DC40-543B-4771-AB3A-5C897087EFE9}">
+      <dgm:prSet phldrT="[Text]"/>
       <dgm:spPr/>
       <dgm:t>
         <a:bodyPr/>
@@ -2852,7 +3603,7 @@
         </a:p>
       </dgm:t>
     </dgm:pt>
-    <dgm:pt modelId="{43DAB45C-6CB9-4916-A6B2-DEBEC1D2D485}" type="parTrans" cxnId="{D75ADC73-0340-461E-A00A-A9E3580D4190}">
+    <dgm:pt modelId="{667ECADC-F7D9-4CE6-B0EB-45407752C425}" type="parTrans" cxnId="{05E956FE-CE87-4F47-AC02-D98CB3829694}">
       <dgm:prSet/>
       <dgm:spPr/>
       <dgm:t>
@@ -2863,7 +3614,7 @@
         </a:p>
       </dgm:t>
     </dgm:pt>
-    <dgm:pt modelId="{980A8050-A943-4D46-A61C-70E2D2670E71}" type="sibTrans" cxnId="{D75ADC73-0340-461E-A00A-A9E3580D4190}">
+    <dgm:pt modelId="{EFB69BD2-6614-4695-AEB2-9AFA4B811D77}" type="sibTrans" cxnId="{05E956FE-CE87-4F47-AC02-D98CB3829694}">
       <dgm:prSet/>
       <dgm:spPr/>
       <dgm:t>
@@ -2874,8 +3625,8 @@
         </a:p>
       </dgm:t>
     </dgm:pt>
-    <dgm:pt modelId="{CCC7D90C-6504-4B9E-A812-521BAAC0F4AD}">
-      <dgm:prSet/>
+    <dgm:pt modelId="{6A2F98ED-4593-4B6B-AD0B-4E6408EE07BC}">
+      <dgm:prSet phldrT="[Text]"/>
       <dgm:spPr/>
       <dgm:t>
         <a:bodyPr/>
@@ -2883,13 +3634,13 @@
         <a:p>
           <a:r>
             <a:rPr lang="en-US" dirty="0" smtClean="0"/>
-            <a:t>The Turtle Grabber grabs the Turtle and the Plastic Bag</a:t>
+            <a:t>-it’s controlled by part of the Engine Installer</a:t>
           </a:r>
           <a:endParaRPr lang="en-US" dirty="0"/>
         </a:p>
       </dgm:t>
     </dgm:pt>
-    <dgm:pt modelId="{5F361FB8-7045-4EE5-AA8C-9874ADDA427C}" type="parTrans" cxnId="{23663D3C-F828-40B4-B8EC-536A9C585322}">
+    <dgm:pt modelId="{DF102E1A-AFF2-4D50-95A3-ED9B754958E5}" type="parTrans" cxnId="{41C2990D-002C-4AE4-B26A-CE0938482432}">
       <dgm:prSet/>
       <dgm:spPr/>
       <dgm:t>
@@ -2900,7 +3651,7 @@
         </a:p>
       </dgm:t>
     </dgm:pt>
-    <dgm:pt modelId="{D497AE66-280F-4B4C-91A2-B8A59B9DADD8}" type="sibTrans" cxnId="{23663D3C-F828-40B4-B8EC-536A9C585322}">
+    <dgm:pt modelId="{DF7F3718-1B17-43FD-A1E2-F522889318CB}" type="sibTrans" cxnId="{41C2990D-002C-4AE4-B26A-CE0938482432}">
       <dgm:prSet/>
       <dgm:spPr/>
       <dgm:t>
@@ -2911,7 +3662,7 @@
         </a:p>
       </dgm:t>
     </dgm:pt>
-    <dgm:pt modelId="{6CC0B525-FF6F-4F6A-BC90-7BE1D0BF878D}">
+    <dgm:pt modelId="{EB2B4CAD-E215-4C06-8EAE-04B625DA27F5}">
       <dgm:prSet/>
       <dgm:spPr/>
       <dgm:t>
@@ -2920,13 +3671,13 @@
         <a:p>
           <a:r>
             <a:rPr lang="en-US" dirty="0" smtClean="0"/>
-            <a:t>Compost Collects the Compost Jig and the Demolished Building</a:t>
+            <a:t>The Compost Retriever</a:t>
           </a:r>
           <a:endParaRPr lang="en-US" dirty="0"/>
         </a:p>
       </dgm:t>
     </dgm:pt>
-    <dgm:pt modelId="{C4A580A1-96D4-44F5-9EAE-FB0C9FF52E33}" type="parTrans" cxnId="{02F0AA74-BFD4-4E16-BCBC-2CB8C3AFCFDE}">
+    <dgm:pt modelId="{09434902-DDD4-4B0C-8071-B077801BB1F8}" type="parTrans" cxnId="{C7F3F22E-5A6D-40DE-A1DF-6C30755459EC}">
       <dgm:prSet/>
       <dgm:spPr/>
       <dgm:t>
@@ -2937,7 +3688,7 @@
         </a:p>
       </dgm:t>
     </dgm:pt>
-    <dgm:pt modelId="{42A0BA04-5C40-4D19-BC24-60F21049B7E3}" type="sibTrans" cxnId="{02F0AA74-BFD4-4E16-BCBC-2CB8C3AFCFDE}">
+    <dgm:pt modelId="{068C3A17-1567-400C-8AC1-D965ADDBE802}" type="sibTrans" cxnId="{C7F3F22E-5A6D-40DE-A1DF-6C30755459EC}">
       <dgm:prSet/>
       <dgm:spPr/>
       <dgm:t>
@@ -2948,7 +3699,7 @@
         </a:p>
       </dgm:t>
     </dgm:pt>
-    <dgm:pt modelId="{FEF9E27E-63E2-4CD4-92E1-2C3579DBAA4B}">
+    <dgm:pt modelId="{BDD50611-748B-42A1-9503-B5D85176BA96}">
       <dgm:prSet/>
       <dgm:spPr/>
       <dgm:t>
@@ -2957,13 +3708,13 @@
         <a:p>
           <a:r>
             <a:rPr lang="en-US" dirty="0" smtClean="0"/>
-            <a:t>Two-pronged so that the Compost Jig does not rotate</a:t>
+            <a:t>-indented so it could reach the compost</a:t>
           </a:r>
           <a:endParaRPr lang="en-US" dirty="0"/>
         </a:p>
       </dgm:t>
     </dgm:pt>
-    <dgm:pt modelId="{44A0D4FE-A40B-4346-B3C3-E85EE6F20091}" type="parTrans" cxnId="{F28910FA-3174-47B7-8357-68D43B8DF188}">
+    <dgm:pt modelId="{FDDA0796-95A9-48DB-912D-37EF48BD3740}" type="parTrans" cxnId="{09601B65-CEA7-48BA-8AB2-CA2684588748}">
       <dgm:prSet/>
       <dgm:spPr/>
       <dgm:t>
@@ -2974,7 +3725,7 @@
         </a:p>
       </dgm:t>
     </dgm:pt>
-    <dgm:pt modelId="{25158DD9-DF62-4404-ACC7-409C93FDEE26}" type="sibTrans" cxnId="{F28910FA-3174-47B7-8357-68D43B8DF188}">
+    <dgm:pt modelId="{FC153AE3-D0A7-40E9-A019-F715E27FC50D}" type="sibTrans" cxnId="{09601B65-CEA7-48BA-8AB2-CA2684588748}">
       <dgm:prSet/>
       <dgm:spPr/>
       <dgm:t>
@@ -2985,7 +3736,7 @@
         </a:p>
       </dgm:t>
     </dgm:pt>
-    <dgm:pt modelId="{8B4F8641-5A6F-42D8-9F53-C598A71234D8}">
+    <dgm:pt modelId="{7C38E736-33F2-4B22-A352-4025BD9D1E4E}">
       <dgm:prSet/>
       <dgm:spPr/>
       <dgm:t>
@@ -2994,13 +3745,13 @@
         <a:p>
           <a:r>
             <a:rPr lang="en-US" dirty="0" smtClean="0"/>
-            <a:t>The slide launches the people.</a:t>
+            <a:t>Mission 5</a:t>
           </a:r>
           <a:endParaRPr lang="en-US" dirty="0"/>
         </a:p>
       </dgm:t>
     </dgm:pt>
-    <dgm:pt modelId="{CE69AE6C-A250-4B4F-BF9E-C6FAE33C600B}" type="parTrans" cxnId="{966CFBBC-BD8F-444C-993D-29D0AA19DF67}">
+    <dgm:pt modelId="{4784C42D-10F2-469C-9612-55022B836586}" type="parTrans" cxnId="{15BDB822-5E76-47F1-BB7C-19E50C50C111}">
       <dgm:prSet/>
       <dgm:spPr/>
       <dgm:t>
@@ -3011,7 +3762,7 @@
         </a:p>
       </dgm:t>
     </dgm:pt>
-    <dgm:pt modelId="{19C0C7AA-2EDD-4E01-9DAC-09DA54E8F794}" type="sibTrans" cxnId="{966CFBBC-BD8F-444C-993D-29D0AA19DF67}">
+    <dgm:pt modelId="{8C7F3E82-BBD3-4317-BE75-55CB9369050C}" type="sibTrans" cxnId="{15BDB822-5E76-47F1-BB7C-19E50C50C111}">
       <dgm:prSet/>
       <dgm:spPr/>
       <dgm:t>
@@ -3022,7 +3773,7 @@
         </a:p>
       </dgm:t>
     </dgm:pt>
-    <dgm:pt modelId="{6328BFBD-4AB3-4A88-A586-F0586F97FADC}">
+    <dgm:pt modelId="{42D536E8-B890-4232-B023-370931542027}">
       <dgm:prSet/>
       <dgm:spPr/>
       <dgm:t>
@@ -3031,13 +3782,13 @@
         <a:p>
           <a:r>
             <a:rPr lang="en-US" dirty="0" smtClean="0"/>
-            <a:t>Both are controlled by the arm at the top</a:t>
+            <a:t>Factory Aligner</a:t>
           </a:r>
           <a:endParaRPr lang="en-US" dirty="0"/>
         </a:p>
       </dgm:t>
     </dgm:pt>
-    <dgm:pt modelId="{DBB791B9-5E01-4B2A-9F50-2480EA354AE9}" type="parTrans" cxnId="{D8A0CD83-66C6-41AD-A2B7-F3EC89D2A3C4}">
+    <dgm:pt modelId="{925B959A-BD4B-48BB-9C70-F49F896B0B63}" type="parTrans" cxnId="{29069496-5053-4B77-9E1E-0356293FEEDB}">
       <dgm:prSet/>
       <dgm:spPr/>
       <dgm:t>
@@ -3048,7 +3799,7 @@
         </a:p>
       </dgm:t>
     </dgm:pt>
-    <dgm:pt modelId="{2D117BD3-D517-4710-9AEA-212E52972508}" type="sibTrans" cxnId="{D8A0CD83-66C6-41AD-A2B7-F3EC89D2A3C4}">
+    <dgm:pt modelId="{504FD29E-83E8-414E-B294-701BC7B34D91}" type="sibTrans" cxnId="{29069496-5053-4B77-9E1E-0356293FEEDB}">
       <dgm:prSet/>
       <dgm:spPr/>
       <dgm:t>
@@ -3059,13 +3810,23 @@
         </a:p>
       </dgm:t>
     </dgm:pt>
-    <dgm:pt modelId="{5CC439ED-7BA8-41C8-BDE4-08964A136F74}" type="pres">
-      <dgm:prSet presAssocID="{F11942DA-35E1-4EFB-8758-256DB892D741}" presName="linear" presStyleCnt="0">
-        <dgm:presLayoutVars>
-          <dgm:dir/>
-          <dgm:resizeHandles val="exact"/>
-        </dgm:presLayoutVars>
-      </dgm:prSet>
+    <dgm:pt modelId="{B104FFEA-BA49-40A6-8ADB-CFA9CE7E30C8}">
+      <dgm:prSet/>
+      <dgm:spPr/>
+      <dgm:t>
+        <a:bodyPr/>
+        <a:lstStyle/>
+        <a:p>
+          <a:r>
+            <a:rPr lang="en-US" dirty="0" smtClean="0"/>
+            <a:t>Toy Snatcher</a:t>
+          </a:r>
+          <a:endParaRPr lang="en-US" dirty="0"/>
+        </a:p>
+      </dgm:t>
+    </dgm:pt>
+    <dgm:pt modelId="{08F008E7-553D-48F5-AECB-A76FF4CDA06B}" type="parTrans" cxnId="{4AA821A4-D2C8-4714-8537-FEE134CC5C2B}">
+      <dgm:prSet/>
       <dgm:spPr/>
       <dgm:t>
         <a:bodyPr/>
@@ -3075,12 +3836,8 @@
         </a:p>
       </dgm:t>
     </dgm:pt>
-    <dgm:pt modelId="{17DDACE9-6FD5-47BF-A8F1-09D9AB813760}" type="pres">
-      <dgm:prSet presAssocID="{A4F28612-7911-43FC-AF5B-AF7A639BF0DF}" presName="comp" presStyleCnt="0"/>
-      <dgm:spPr/>
-    </dgm:pt>
-    <dgm:pt modelId="{F4B41BE4-8EFE-48EC-A24B-35C0D23BFE78}" type="pres">
-      <dgm:prSet presAssocID="{A4F28612-7911-43FC-AF5B-AF7A639BF0DF}" presName="box" presStyleLbl="node1" presStyleIdx="0" presStyleCnt="5" custLinFactNeighborY="-5"/>
+    <dgm:pt modelId="{5A130ABA-6ED3-46B3-A2E2-53E61F96160C}" type="sibTrans" cxnId="{4AA821A4-D2C8-4714-8537-FEE134CC5C2B}">
+      <dgm:prSet/>
       <dgm:spPr/>
       <dgm:t>
         <a:bodyPr/>
@@ -3090,12 +3847,44 @@
         </a:p>
       </dgm:t>
     </dgm:pt>
-    <dgm:pt modelId="{027CB561-824B-4A2C-B5F7-3356B494E2AC}" type="pres">
-      <dgm:prSet presAssocID="{A4F28612-7911-43FC-AF5B-AF7A639BF0DF}" presName="img" presStyleLbl="fgImgPlace1" presStyleIdx="0" presStyleCnt="5"/>
+    <dgm:pt modelId="{67258228-F45F-4147-86D1-53AB75BB73E8}" type="pres">
+      <dgm:prSet presAssocID="{B4E2A9E4-A4B9-4950-B557-41B069A274A3}" presName="diagram" presStyleCnt="0">
+        <dgm:presLayoutVars>
+          <dgm:chPref val="1"/>
+          <dgm:dir/>
+          <dgm:animOne val="branch"/>
+          <dgm:animLvl val="lvl"/>
+          <dgm:resizeHandles/>
+        </dgm:presLayoutVars>
+      </dgm:prSet>
       <dgm:spPr/>
     </dgm:pt>
-    <dgm:pt modelId="{3CCE3366-3DB6-4495-9D24-F722299AAE77}" type="pres">
-      <dgm:prSet presAssocID="{A4F28612-7911-43FC-AF5B-AF7A639BF0DF}" presName="text" presStyleLbl="node1" presStyleIdx="0" presStyleCnt="5">
+    <dgm:pt modelId="{E10F9BF6-43C6-4B87-9A60-DA7D3FD5F40B}" type="pres">
+      <dgm:prSet presAssocID="{4932D87E-5200-4E80-B1D7-4F0AEBC43E74}" presName="root" presStyleCnt="0"/>
+      <dgm:spPr/>
+    </dgm:pt>
+    <dgm:pt modelId="{FE621D5C-1E79-411F-A576-63813E66AFCA}" type="pres">
+      <dgm:prSet presAssocID="{4932D87E-5200-4E80-B1D7-4F0AEBC43E74}" presName="rootComposite" presStyleCnt="0"/>
+      <dgm:spPr/>
+    </dgm:pt>
+    <dgm:pt modelId="{952857C4-333A-447D-8D2C-2FFA0B0EB15A}" type="pres">
+      <dgm:prSet presAssocID="{4932D87E-5200-4E80-B1D7-4F0AEBC43E74}" presName="rootText" presStyleLbl="node1" presStyleIdx="0" presStyleCnt="4" custLinFactNeighborY="-192"/>
+      <dgm:spPr/>
+    </dgm:pt>
+    <dgm:pt modelId="{CF525E65-B896-4718-A0AF-1E5E02B97A97}" type="pres">
+      <dgm:prSet presAssocID="{4932D87E-5200-4E80-B1D7-4F0AEBC43E74}" presName="rootConnector" presStyleLbl="node1" presStyleIdx="0" presStyleCnt="4"/>
+      <dgm:spPr/>
+    </dgm:pt>
+    <dgm:pt modelId="{9B0007EE-2773-4C47-A386-B711E702302D}" type="pres">
+      <dgm:prSet presAssocID="{4932D87E-5200-4E80-B1D7-4F0AEBC43E74}" presName="childShape" presStyleCnt="0"/>
+      <dgm:spPr/>
+    </dgm:pt>
+    <dgm:pt modelId="{35E53A68-F3EE-45BF-87B9-5748E7D0FB4E}" type="pres">
+      <dgm:prSet presAssocID="{D0A5D98D-4BBB-478C-81F3-4764E21A9D92}" presName="Name13" presStyleLbl="parChTrans1D2" presStyleIdx="0" presStyleCnt="12"/>
+      <dgm:spPr/>
+    </dgm:pt>
+    <dgm:pt modelId="{E340CD30-2C22-4E96-A3A9-D6A6A055B3A3}" type="pres">
+      <dgm:prSet presAssocID="{B4E75589-C1D2-414D-930D-B50A6A36CDC5}" presName="childText" presStyleLbl="bgAcc1" presStyleIdx="0" presStyleCnt="12">
         <dgm:presLayoutVars>
           <dgm:bulletEnabled val="1"/>
         </dgm:presLayoutVars>
@@ -3109,31 +3898,12 @@
         </a:p>
       </dgm:t>
     </dgm:pt>
-    <dgm:pt modelId="{047266CD-0441-47C4-AA26-634552D9E675}" type="pres">
-      <dgm:prSet presAssocID="{969CBD2C-45D0-4133-881B-1168522AAE17}" presName="spacer" presStyleCnt="0"/>
+    <dgm:pt modelId="{8F7E9A1B-3110-4E10-B3F6-BA51C045F86C}" type="pres">
+      <dgm:prSet presAssocID="{2D532C4C-ED5E-4401-983F-AF43DC0B130E}" presName="Name13" presStyleLbl="parChTrans1D2" presStyleIdx="1" presStyleCnt="12"/>
       <dgm:spPr/>
     </dgm:pt>
-    <dgm:pt modelId="{65618800-1148-45A1-A69D-07A8E6B15DC4}" type="pres">
-      <dgm:prSet presAssocID="{FBDCB85A-F3FF-4A51-8C9C-645300E38992}" presName="comp" presStyleCnt="0"/>
-      <dgm:spPr/>
-    </dgm:pt>
-    <dgm:pt modelId="{413CCDF6-5B4A-4D76-862D-A91B27350863}" type="pres">
-      <dgm:prSet presAssocID="{FBDCB85A-F3FF-4A51-8C9C-645300E38992}" presName="box" presStyleLbl="node1" presStyleIdx="1" presStyleCnt="5"/>
-      <dgm:spPr/>
-      <dgm:t>
-        <a:bodyPr/>
-        <a:lstStyle/>
-        <a:p>
-          <a:endParaRPr lang="en-US"/>
-        </a:p>
-      </dgm:t>
-    </dgm:pt>
-    <dgm:pt modelId="{8E6D104A-DD75-4F22-9AEF-B6E63573B692}" type="pres">
-      <dgm:prSet presAssocID="{FBDCB85A-F3FF-4A51-8C9C-645300E38992}" presName="img" presStyleLbl="fgImgPlace1" presStyleIdx="1" presStyleCnt="5"/>
-      <dgm:spPr/>
-    </dgm:pt>
-    <dgm:pt modelId="{37C7DFBE-0316-4D64-88F0-05AB3A87E90E}" type="pres">
-      <dgm:prSet presAssocID="{FBDCB85A-F3FF-4A51-8C9C-645300E38992}" presName="text" presStyleLbl="node1" presStyleIdx="1" presStyleCnt="5">
+    <dgm:pt modelId="{5A913779-451D-4C00-B6DD-0D98B09440E1}" type="pres">
+      <dgm:prSet presAssocID="{1D22F6E5-432A-4FB0-B1F5-2F8CF98615EA}" presName="childText" presStyleLbl="bgAcc1" presStyleIdx="1" presStyleCnt="12">
         <dgm:presLayoutVars>
           <dgm:bulletEnabled val="1"/>
         </dgm:presLayoutVars>
@@ -3147,31 +3917,32 @@
         </a:p>
       </dgm:t>
     </dgm:pt>
-    <dgm:pt modelId="{1CA056DA-F30B-4FE6-84F8-63741A33F3B2}" type="pres">
-      <dgm:prSet presAssocID="{00F3F36F-87A9-4A8D-BE1B-DD0CAD8344B9}" presName="spacer" presStyleCnt="0"/>
+    <dgm:pt modelId="{D9BE119B-DC06-4BE8-BE35-913F638508C9}" type="pres">
+      <dgm:prSet presAssocID="{720091B4-AB93-4765-832D-E9714E95D5EF}" presName="root" presStyleCnt="0"/>
       <dgm:spPr/>
     </dgm:pt>
-    <dgm:pt modelId="{6FBE0989-44E1-4229-98D8-51D9A911D785}" type="pres">
-      <dgm:prSet presAssocID="{9A325E66-602C-4020-91B4-A0AEBC0EF88D}" presName="comp" presStyleCnt="0"/>
+    <dgm:pt modelId="{1D5571C5-1E28-4E21-9708-7BF0EFE33278}" type="pres">
+      <dgm:prSet presAssocID="{720091B4-AB93-4765-832D-E9714E95D5EF}" presName="rootComposite" presStyleCnt="0"/>
       <dgm:spPr/>
     </dgm:pt>
-    <dgm:pt modelId="{AC888156-5341-4AB5-94FE-79031471371D}" type="pres">
-      <dgm:prSet presAssocID="{9A325E66-602C-4020-91B4-A0AEBC0EF88D}" presName="box" presStyleLbl="node1" presStyleIdx="2" presStyleCnt="5"/>
-      <dgm:spPr/>
-      <dgm:t>
-        <a:bodyPr/>
-        <a:lstStyle/>
-        <a:p>
-          <a:endParaRPr lang="en-US"/>
-        </a:p>
-      </dgm:t>
-    </dgm:pt>
-    <dgm:pt modelId="{B1C2CE59-BC70-456D-BA27-9D1D8645B579}" type="pres">
-      <dgm:prSet presAssocID="{9A325E66-602C-4020-91B4-A0AEBC0EF88D}" presName="img" presStyleLbl="fgImgPlace1" presStyleIdx="2" presStyleCnt="5"/>
+    <dgm:pt modelId="{80141507-F54C-45F8-AFEC-3ECDCC92D3F3}" type="pres">
+      <dgm:prSet presAssocID="{720091B4-AB93-4765-832D-E9714E95D5EF}" presName="rootText" presStyleLbl="node1" presStyleIdx="1" presStyleCnt="4"/>
       <dgm:spPr/>
     </dgm:pt>
-    <dgm:pt modelId="{1C70031C-3011-4485-AA26-95FFF0E52A98}" type="pres">
-      <dgm:prSet presAssocID="{9A325E66-602C-4020-91B4-A0AEBC0EF88D}" presName="text" presStyleLbl="node1" presStyleIdx="2" presStyleCnt="5">
+    <dgm:pt modelId="{4612F378-7394-4B67-9861-98F3E18101BD}" type="pres">
+      <dgm:prSet presAssocID="{720091B4-AB93-4765-832D-E9714E95D5EF}" presName="rootConnector" presStyleLbl="node1" presStyleIdx="1" presStyleCnt="4"/>
+      <dgm:spPr/>
+    </dgm:pt>
+    <dgm:pt modelId="{4963A38B-5883-4F7D-84D0-401D1F0BF5BA}" type="pres">
+      <dgm:prSet presAssocID="{720091B4-AB93-4765-832D-E9714E95D5EF}" presName="childShape" presStyleCnt="0"/>
+      <dgm:spPr/>
+    </dgm:pt>
+    <dgm:pt modelId="{4729DAC9-9A9A-4212-B0DB-5126F6153E6E}" type="pres">
+      <dgm:prSet presAssocID="{938F0395-43E6-4955-BA87-B891083C57DD}" presName="Name13" presStyleLbl="parChTrans1D2" presStyleIdx="2" presStyleCnt="12"/>
+      <dgm:spPr/>
+    </dgm:pt>
+    <dgm:pt modelId="{94A89684-67C8-4BC6-94C6-8724D8886EC7}" type="pres">
+      <dgm:prSet presAssocID="{DF5431D5-5B50-4036-B68F-94E731086263}" presName="childText" presStyleLbl="bgAcc1" presStyleIdx="2" presStyleCnt="12">
         <dgm:presLayoutVars>
           <dgm:bulletEnabled val="1"/>
         </dgm:presLayoutVars>
@@ -3185,31 +3956,12 @@
         </a:p>
       </dgm:t>
     </dgm:pt>
-    <dgm:pt modelId="{E32B223C-37A4-48D8-AF6A-0ABFA20D9DC4}" type="pres">
-      <dgm:prSet presAssocID="{FFB7005D-681E-426D-9A54-0685F9FB4E41}" presName="spacer" presStyleCnt="0"/>
+    <dgm:pt modelId="{57D0D94A-CD61-49A3-822B-7FE8AF4E0B58}" type="pres">
+      <dgm:prSet presAssocID="{7ECF7AC9-4D95-4842-9857-8C64281AFEEF}" presName="Name13" presStyleLbl="parChTrans1D2" presStyleIdx="3" presStyleCnt="12"/>
       <dgm:spPr/>
     </dgm:pt>
-    <dgm:pt modelId="{3AFAAEA6-5927-41D2-9F4E-71C7D6C1B655}" type="pres">
-      <dgm:prSet presAssocID="{D6314F1F-78DA-4C9E-B60C-582B61A6D160}" presName="comp" presStyleCnt="0"/>
-      <dgm:spPr/>
-    </dgm:pt>
-    <dgm:pt modelId="{7F5395D9-DB73-415A-BD76-3208DC72D078}" type="pres">
-      <dgm:prSet presAssocID="{D6314F1F-78DA-4C9E-B60C-582B61A6D160}" presName="box" presStyleLbl="node1" presStyleIdx="3" presStyleCnt="5"/>
-      <dgm:spPr/>
-      <dgm:t>
-        <a:bodyPr/>
-        <a:lstStyle/>
-        <a:p>
-          <a:endParaRPr lang="en-US"/>
-        </a:p>
-      </dgm:t>
-    </dgm:pt>
-    <dgm:pt modelId="{30BED40E-8F9C-474F-8F9C-91F4A8E050BE}" type="pres">
-      <dgm:prSet presAssocID="{D6314F1F-78DA-4C9E-B60C-582B61A6D160}" presName="img" presStyleLbl="fgImgPlace1" presStyleIdx="3" presStyleCnt="5"/>
-      <dgm:spPr/>
-    </dgm:pt>
-    <dgm:pt modelId="{FDDFAD7D-A989-43A1-AD97-05421BC46CBC}" type="pres">
-      <dgm:prSet presAssocID="{D6314F1F-78DA-4C9E-B60C-582B61A6D160}" presName="text" presStyleLbl="node1" presStyleIdx="3" presStyleCnt="5">
+    <dgm:pt modelId="{44B068F8-D067-484D-B049-CCF51D5EC571}" type="pres">
+      <dgm:prSet presAssocID="{08F12AB9-BD75-421B-96C2-E25D538D2E98}" presName="childText" presStyleLbl="bgAcc1" presStyleIdx="3" presStyleCnt="12">
         <dgm:presLayoutVars>
           <dgm:bulletEnabled val="1"/>
         </dgm:presLayoutVars>
@@ -3223,31 +3975,24 @@
         </a:p>
       </dgm:t>
     </dgm:pt>
-    <dgm:pt modelId="{DF8BB49B-0ABE-46BA-BF79-AAE08DADE519}" type="pres">
-      <dgm:prSet presAssocID="{980A8050-A943-4D46-A61C-70E2D2670E71}" presName="spacer" presStyleCnt="0"/>
+    <dgm:pt modelId="{7CB69CAF-7C7B-4770-B554-3911CF4F1593}" type="pres">
+      <dgm:prSet presAssocID="{CE9D5917-43A7-434F-A2C9-18DB0B91D131}" presName="Name13" presStyleLbl="parChTrans1D2" presStyleIdx="4" presStyleCnt="12"/>
       <dgm:spPr/>
     </dgm:pt>
-    <dgm:pt modelId="{92DD89D2-5E44-4F80-9F03-EED2FD2840AC}" type="pres">
-      <dgm:prSet presAssocID="{6CC0B525-FF6F-4F6A-BC90-7BE1D0BF878D}" presName="comp" presStyleCnt="0"/>
+    <dgm:pt modelId="{A564A31F-5C2E-4A33-947F-50C68CEAF4D3}" type="pres">
+      <dgm:prSet presAssocID="{256A64E1-DA25-47F5-BD8A-27B019528749}" presName="childText" presStyleLbl="bgAcc1" presStyleIdx="4" presStyleCnt="12">
+        <dgm:presLayoutVars>
+          <dgm:bulletEnabled val="1"/>
+        </dgm:presLayoutVars>
+      </dgm:prSet>
       <dgm:spPr/>
     </dgm:pt>
-    <dgm:pt modelId="{E5D1E1AC-15B9-4FE8-A4A6-D820F6A508D3}" type="pres">
-      <dgm:prSet presAssocID="{6CC0B525-FF6F-4F6A-BC90-7BE1D0BF878D}" presName="box" presStyleLbl="node1" presStyleIdx="4" presStyleCnt="5"/>
-      <dgm:spPr/>
-      <dgm:t>
-        <a:bodyPr/>
-        <a:lstStyle/>
-        <a:p>
-          <a:endParaRPr lang="en-US"/>
-        </a:p>
-      </dgm:t>
-    </dgm:pt>
-    <dgm:pt modelId="{281CA25D-CE01-44C7-87A5-77E332CA58BE}" type="pres">
-      <dgm:prSet presAssocID="{6CC0B525-FF6F-4F6A-BC90-7BE1D0BF878D}" presName="img" presStyleLbl="fgImgPlace1" presStyleIdx="4" presStyleCnt="5"/>
+    <dgm:pt modelId="{C6C9A3EC-A01B-4290-BF81-DB25C09B305B}" type="pres">
+      <dgm:prSet presAssocID="{CBDA7ED4-617E-480A-BAAD-A923412D95A8}" presName="Name13" presStyleLbl="parChTrans1D2" presStyleIdx="5" presStyleCnt="12"/>
       <dgm:spPr/>
     </dgm:pt>
-    <dgm:pt modelId="{2F0D8E1F-FB9E-411C-BA8B-A8C0D09FFDC9}" type="pres">
-      <dgm:prSet presAssocID="{6CC0B525-FF6F-4F6A-BC90-7BE1D0BF878D}" presName="text" presStyleLbl="node1" presStyleIdx="4" presStyleCnt="5">
+    <dgm:pt modelId="{5EF381F5-CBFF-4F55-9EAB-A7B642D0C05B}" type="pres">
+      <dgm:prSet presAssocID="{BCF13A68-62C7-41C7-A2A7-391D754BE02A}" presName="childText" presStyleLbl="bgAcc1" presStyleIdx="5" presStyleCnt="12">
         <dgm:presLayoutVars>
           <dgm:bulletEnabled val="1"/>
         </dgm:presLayoutVars>
@@ -3261,84 +4006,525 @@
         </a:p>
       </dgm:t>
     </dgm:pt>
+    <dgm:pt modelId="{C434FA4B-EA6B-4033-9557-5F431CDC5FA8}" type="pres">
+      <dgm:prSet presAssocID="{667ECADC-F7D9-4CE6-B0EB-45407752C425}" presName="Name13" presStyleLbl="parChTrans1D2" presStyleIdx="6" presStyleCnt="12"/>
+      <dgm:spPr/>
+    </dgm:pt>
+    <dgm:pt modelId="{2D41FDC7-2770-484B-A464-7877CD5BF1CA}" type="pres">
+      <dgm:prSet presAssocID="{3BA2DC40-543B-4771-AB3A-5C897087EFE9}" presName="childText" presStyleLbl="bgAcc1" presStyleIdx="6" presStyleCnt="12">
+        <dgm:presLayoutVars>
+          <dgm:bulletEnabled val="1"/>
+        </dgm:presLayoutVars>
+      </dgm:prSet>
+      <dgm:spPr/>
+    </dgm:pt>
+    <dgm:pt modelId="{EFAA710B-A63B-408A-87C2-0ED004EF374C}" type="pres">
+      <dgm:prSet presAssocID="{DF102E1A-AFF2-4D50-95A3-ED9B754958E5}" presName="Name13" presStyleLbl="parChTrans1D2" presStyleIdx="7" presStyleCnt="12"/>
+      <dgm:spPr/>
+    </dgm:pt>
+    <dgm:pt modelId="{5062F23A-2500-493F-A93E-7E4034DE7E14}" type="pres">
+      <dgm:prSet presAssocID="{6A2F98ED-4593-4B6B-AD0B-4E6408EE07BC}" presName="childText" presStyleLbl="bgAcc1" presStyleIdx="7" presStyleCnt="12">
+        <dgm:presLayoutVars>
+          <dgm:bulletEnabled val="1"/>
+        </dgm:presLayoutVars>
+      </dgm:prSet>
+      <dgm:spPr/>
+      <dgm:t>
+        <a:bodyPr/>
+        <a:lstStyle/>
+        <a:p>
+          <a:endParaRPr lang="en-US"/>
+        </a:p>
+      </dgm:t>
+    </dgm:pt>
+    <dgm:pt modelId="{5F02F9DA-720F-4617-8E95-D27E18DEBFC3}" type="pres">
+      <dgm:prSet presAssocID="{5D193F19-8C8F-4DF4-BA59-AE328DD1E262}" presName="root" presStyleCnt="0"/>
+      <dgm:spPr/>
+    </dgm:pt>
+    <dgm:pt modelId="{A87DC482-5C73-479A-BC15-1973F2284216}" type="pres">
+      <dgm:prSet presAssocID="{5D193F19-8C8F-4DF4-BA59-AE328DD1E262}" presName="rootComposite" presStyleCnt="0"/>
+      <dgm:spPr/>
+    </dgm:pt>
+    <dgm:pt modelId="{0490A791-9A29-4EA3-B650-457A89D37B55}" type="pres">
+      <dgm:prSet presAssocID="{5D193F19-8C8F-4DF4-BA59-AE328DD1E262}" presName="rootText" presStyleLbl="node1" presStyleIdx="2" presStyleCnt="4"/>
+      <dgm:spPr/>
+    </dgm:pt>
+    <dgm:pt modelId="{3EC7FE18-72C7-4381-8066-F060EDBCD239}" type="pres">
+      <dgm:prSet presAssocID="{5D193F19-8C8F-4DF4-BA59-AE328DD1E262}" presName="rootConnector" presStyleLbl="node1" presStyleIdx="2" presStyleCnt="4"/>
+      <dgm:spPr/>
+    </dgm:pt>
+    <dgm:pt modelId="{22AC2E90-96E3-4EB2-9F1E-AE1A1FF8E270}" type="pres">
+      <dgm:prSet presAssocID="{5D193F19-8C8F-4DF4-BA59-AE328DD1E262}" presName="childShape" presStyleCnt="0"/>
+      <dgm:spPr/>
+    </dgm:pt>
+    <dgm:pt modelId="{E9346C89-3447-4446-B1F8-4B54F259B597}" type="pres">
+      <dgm:prSet presAssocID="{09434902-DDD4-4B0C-8071-B077801BB1F8}" presName="Name13" presStyleLbl="parChTrans1D2" presStyleIdx="8" presStyleCnt="12"/>
+      <dgm:spPr/>
+    </dgm:pt>
+    <dgm:pt modelId="{0F6098A3-C18A-4A97-9D44-CFE10F694F17}" type="pres">
+      <dgm:prSet presAssocID="{EB2B4CAD-E215-4C06-8EAE-04B625DA27F5}" presName="childText" presStyleLbl="bgAcc1" presStyleIdx="8" presStyleCnt="12">
+        <dgm:presLayoutVars>
+          <dgm:bulletEnabled val="1"/>
+        </dgm:presLayoutVars>
+      </dgm:prSet>
+      <dgm:spPr/>
+      <dgm:t>
+        <a:bodyPr/>
+        <a:lstStyle/>
+        <a:p>
+          <a:endParaRPr lang="en-US"/>
+        </a:p>
+      </dgm:t>
+    </dgm:pt>
+    <dgm:pt modelId="{C4490684-4531-4B63-8E17-5F5C5D87072B}" type="pres">
+      <dgm:prSet presAssocID="{FDDA0796-95A9-48DB-912D-37EF48BD3740}" presName="Name13" presStyleLbl="parChTrans1D2" presStyleIdx="9" presStyleCnt="12"/>
+      <dgm:spPr/>
+    </dgm:pt>
+    <dgm:pt modelId="{BD30DA5F-5273-468D-B106-8B5AF67DF354}" type="pres">
+      <dgm:prSet presAssocID="{BDD50611-748B-42A1-9503-B5D85176BA96}" presName="childText" presStyleLbl="bgAcc1" presStyleIdx="9" presStyleCnt="12">
+        <dgm:presLayoutVars>
+          <dgm:bulletEnabled val="1"/>
+        </dgm:presLayoutVars>
+      </dgm:prSet>
+      <dgm:spPr/>
+      <dgm:t>
+        <a:bodyPr/>
+        <a:lstStyle/>
+        <a:p>
+          <a:endParaRPr lang="en-US"/>
+        </a:p>
+      </dgm:t>
+    </dgm:pt>
+    <dgm:pt modelId="{0674B88D-10FA-4751-8E68-B8A0A8AB0BBA}" type="pres">
+      <dgm:prSet presAssocID="{7C38E736-33F2-4B22-A352-4025BD9D1E4E}" presName="root" presStyleCnt="0"/>
+      <dgm:spPr/>
+    </dgm:pt>
+    <dgm:pt modelId="{9200455E-48AA-4C77-A553-574A4A894F9B}" type="pres">
+      <dgm:prSet presAssocID="{7C38E736-33F2-4B22-A352-4025BD9D1E4E}" presName="rootComposite" presStyleCnt="0"/>
+      <dgm:spPr/>
+    </dgm:pt>
+    <dgm:pt modelId="{3700C5A3-B3C4-4B4B-89ED-941300CB420C}" type="pres">
+      <dgm:prSet presAssocID="{7C38E736-33F2-4B22-A352-4025BD9D1E4E}" presName="rootText" presStyleLbl="node1" presStyleIdx="3" presStyleCnt="4"/>
+      <dgm:spPr/>
+    </dgm:pt>
+    <dgm:pt modelId="{B22B4D31-DC8C-4A98-BC1C-7206CAAAEE33}" type="pres">
+      <dgm:prSet presAssocID="{7C38E736-33F2-4B22-A352-4025BD9D1E4E}" presName="rootConnector" presStyleLbl="node1" presStyleIdx="3" presStyleCnt="4"/>
+      <dgm:spPr/>
+    </dgm:pt>
+    <dgm:pt modelId="{4BD305F3-F6F3-43C8-AA61-3007B2CA009B}" type="pres">
+      <dgm:prSet presAssocID="{7C38E736-33F2-4B22-A352-4025BD9D1E4E}" presName="childShape" presStyleCnt="0"/>
+      <dgm:spPr/>
+    </dgm:pt>
+    <dgm:pt modelId="{E05F5C7A-73B2-4539-AF2B-F725CDA49C84}" type="pres">
+      <dgm:prSet presAssocID="{925B959A-BD4B-48BB-9C70-F49F896B0B63}" presName="Name13" presStyleLbl="parChTrans1D2" presStyleIdx="10" presStyleCnt="12"/>
+      <dgm:spPr/>
+    </dgm:pt>
+    <dgm:pt modelId="{70F13BF8-4BC8-4C90-9589-8A8730203985}" type="pres">
+      <dgm:prSet presAssocID="{42D536E8-B890-4232-B023-370931542027}" presName="childText" presStyleLbl="bgAcc1" presStyleIdx="10" presStyleCnt="12">
+        <dgm:presLayoutVars>
+          <dgm:bulletEnabled val="1"/>
+        </dgm:presLayoutVars>
+      </dgm:prSet>
+      <dgm:spPr/>
+      <dgm:t>
+        <a:bodyPr/>
+        <a:lstStyle/>
+        <a:p>
+          <a:endParaRPr lang="en-US"/>
+        </a:p>
+      </dgm:t>
+    </dgm:pt>
+    <dgm:pt modelId="{6A69F5FF-6429-431C-8AAD-F4A0714F0F29}" type="pres">
+      <dgm:prSet presAssocID="{08F008E7-553D-48F5-AECB-A76FF4CDA06B}" presName="Name13" presStyleLbl="parChTrans1D2" presStyleIdx="11" presStyleCnt="12"/>
+      <dgm:spPr/>
+    </dgm:pt>
+    <dgm:pt modelId="{EFDA1720-D947-4EE4-9DAF-3359BAF75394}" type="pres">
+      <dgm:prSet presAssocID="{B104FFEA-BA49-40A6-8ADB-CFA9CE7E30C8}" presName="childText" presStyleLbl="bgAcc1" presStyleIdx="11" presStyleCnt="12">
+        <dgm:presLayoutVars>
+          <dgm:bulletEnabled val="1"/>
+        </dgm:presLayoutVars>
+      </dgm:prSet>
+      <dgm:spPr/>
+    </dgm:pt>
   </dgm:ptLst>
   <dgm:cxnLst>
-    <dgm:cxn modelId="{2236F2C8-D850-4009-8918-D258C097E572}" type="presOf" srcId="{9A325E66-602C-4020-91B4-A0AEBC0EF88D}" destId="{AC888156-5341-4AB5-94FE-79031471371D}" srcOrd="0" destOrd="0" presId="urn:microsoft.com/office/officeart/2005/8/layout/vList4"/>
-    <dgm:cxn modelId="{2A18E712-6831-45A8-A914-B8084212EBB7}" type="presOf" srcId="{96FF0C69-F9EB-47B0-8243-DEB1F91CCAEE}" destId="{37C7DFBE-0316-4D64-88F0-05AB3A87E90E}" srcOrd="1" destOrd="2" presId="urn:microsoft.com/office/officeart/2005/8/layout/vList4"/>
-    <dgm:cxn modelId="{45A3EE67-28E1-46B9-B323-041AB2F550ED}" type="presOf" srcId="{BB3818BB-1EFF-4DD8-B404-2821BFCFDA45}" destId="{3CCE3366-3DB6-4495-9D24-F722299AAE77}" srcOrd="1" destOrd="1" presId="urn:microsoft.com/office/officeart/2005/8/layout/vList4"/>
-    <dgm:cxn modelId="{8240010C-3A17-4839-B2C3-127FEA8C506E}" type="presOf" srcId="{D6314F1F-78DA-4C9E-B60C-582B61A6D160}" destId="{FDDFAD7D-A989-43A1-AD97-05421BC46CBC}" srcOrd="1" destOrd="0" presId="urn:microsoft.com/office/officeart/2005/8/layout/vList4"/>
-    <dgm:cxn modelId="{170495EB-4C4D-42DB-A39E-F83D6E6573D2}" type="presOf" srcId="{FBDCB85A-F3FF-4A51-8C9C-645300E38992}" destId="{37C7DFBE-0316-4D64-88F0-05AB3A87E90E}" srcOrd="1" destOrd="0" presId="urn:microsoft.com/office/officeart/2005/8/layout/vList4"/>
-    <dgm:cxn modelId="{C59FB724-86AF-449B-BD36-09F000C2EF57}" srcId="{9A325E66-602C-4020-91B4-A0AEBC0EF88D}" destId="{CC2A30AE-EBFD-415B-A471-47626BC2A673}" srcOrd="1" destOrd="0" parTransId="{AF0582FC-7CD6-41C4-95ED-E5319A2674B2}" sibTransId="{306580B1-BD2A-4827-BD43-317F0D89B42C}"/>
-    <dgm:cxn modelId="{21F05263-2E54-4AB3-AAF1-BE9CA2F76D87}" srcId="{F11942DA-35E1-4EFB-8758-256DB892D741}" destId="{FBDCB85A-F3FF-4A51-8C9C-645300E38992}" srcOrd="1" destOrd="0" parTransId="{F761B559-DEF5-4FC6-B68B-55E5D0AFEE25}" sibTransId="{00F3F36F-87A9-4A8D-BE1B-DD0CAD8344B9}"/>
-    <dgm:cxn modelId="{E1B80043-B9D9-44A3-AB92-84A4BD07466B}" type="presOf" srcId="{F11942DA-35E1-4EFB-8758-256DB892D741}" destId="{5CC439ED-7BA8-41C8-BDE4-08964A136F74}" srcOrd="0" destOrd="0" presId="urn:microsoft.com/office/officeart/2005/8/layout/vList4"/>
-    <dgm:cxn modelId="{21951CE5-24EE-4E26-8E8F-A49DDE979726}" type="presOf" srcId="{6CC0B525-FF6F-4F6A-BC90-7BE1D0BF878D}" destId="{2F0D8E1F-FB9E-411C-BA8B-A8C0D09FFDC9}" srcOrd="1" destOrd="0" presId="urn:microsoft.com/office/officeart/2005/8/layout/vList4"/>
-    <dgm:cxn modelId="{469ABC02-20E3-490A-A1F1-DA396A2AC1F9}" type="presOf" srcId="{FBDCB85A-F3FF-4A51-8C9C-645300E38992}" destId="{413CCDF6-5B4A-4D76-862D-A91B27350863}" srcOrd="0" destOrd="0" presId="urn:microsoft.com/office/officeart/2005/8/layout/vList4"/>
-    <dgm:cxn modelId="{185F9F5A-DD45-4431-BEB6-B70013DA40A0}" type="presOf" srcId="{D6314F1F-78DA-4C9E-B60C-582B61A6D160}" destId="{7F5395D9-DB73-415A-BD76-3208DC72D078}" srcOrd="0" destOrd="0" presId="urn:microsoft.com/office/officeart/2005/8/layout/vList4"/>
-    <dgm:cxn modelId="{966CFBBC-BD8F-444C-993D-29D0AA19DF67}" srcId="{D6314F1F-78DA-4C9E-B60C-582B61A6D160}" destId="{8B4F8641-5A6F-42D8-9F53-C598A71234D8}" srcOrd="1" destOrd="0" parTransId="{CE69AE6C-A250-4B4F-BF9E-C6FAE33C600B}" sibTransId="{19C0C7AA-2EDD-4E01-9DAC-09DA54E8F794}"/>
-    <dgm:cxn modelId="{0B55E663-61A6-4E1F-8804-F0E3465FC7F3}" type="presOf" srcId="{6328BFBD-4AB3-4A88-A586-F0586F97FADC}" destId="{7F5395D9-DB73-415A-BD76-3208DC72D078}" srcOrd="0" destOrd="3" presId="urn:microsoft.com/office/officeart/2005/8/layout/vList4"/>
-    <dgm:cxn modelId="{D1E186B6-2E63-4788-9760-52BAB937BD03}" type="presOf" srcId="{CC2A30AE-EBFD-415B-A471-47626BC2A673}" destId="{AC888156-5341-4AB5-94FE-79031471371D}" srcOrd="0" destOrd="2" presId="urn:microsoft.com/office/officeart/2005/8/layout/vList4"/>
-    <dgm:cxn modelId="{BFCBA538-B38B-4106-8F4E-8FDBCDDF5170}" type="presOf" srcId="{CCC7D90C-6504-4B9E-A812-521BAAC0F4AD}" destId="{FDDFAD7D-A989-43A1-AD97-05421BC46CBC}" srcOrd="1" destOrd="1" presId="urn:microsoft.com/office/officeart/2005/8/layout/vList4"/>
-    <dgm:cxn modelId="{2D35649F-4D6E-4BAB-A886-29DFD0CB6152}" type="presOf" srcId="{FEF9E27E-63E2-4CD4-92E1-2C3579DBAA4B}" destId="{2F0D8E1F-FB9E-411C-BA8B-A8C0D09FFDC9}" srcOrd="1" destOrd="1" presId="urn:microsoft.com/office/officeart/2005/8/layout/vList4"/>
-    <dgm:cxn modelId="{6058A0DA-748C-46CD-A197-27CCF17A704E}" type="presOf" srcId="{6CC0B525-FF6F-4F6A-BC90-7BE1D0BF878D}" destId="{E5D1E1AC-15B9-4FE8-A4A6-D820F6A508D3}" srcOrd="0" destOrd="0" presId="urn:microsoft.com/office/officeart/2005/8/layout/vList4"/>
-    <dgm:cxn modelId="{3E48CC42-4BD7-467F-85B2-0F01D33D60CF}" type="presOf" srcId="{A01ED63C-5516-4DA5-8CB3-D298CBC23C00}" destId="{F4B41BE4-8EFE-48EC-A24B-35C0D23BFE78}" srcOrd="0" destOrd="2" presId="urn:microsoft.com/office/officeart/2005/8/layout/vList4"/>
-    <dgm:cxn modelId="{6B6E7084-161B-4B0B-9488-18EB3CAE1ED2}" type="presOf" srcId="{8B4F8641-5A6F-42D8-9F53-C598A71234D8}" destId="{FDDFAD7D-A989-43A1-AD97-05421BC46CBC}" srcOrd="1" destOrd="2" presId="urn:microsoft.com/office/officeart/2005/8/layout/vList4"/>
-    <dgm:cxn modelId="{CD8EAD18-D79C-4665-8E15-C8D1E0BBAF2D}" type="presOf" srcId="{A4F28612-7911-43FC-AF5B-AF7A639BF0DF}" destId="{3CCE3366-3DB6-4495-9D24-F722299AAE77}" srcOrd="1" destOrd="0" presId="urn:microsoft.com/office/officeart/2005/8/layout/vList4"/>
-    <dgm:cxn modelId="{F15728CE-173C-47F8-8765-4D14E510A5F0}" type="presOf" srcId="{A01ED63C-5516-4DA5-8CB3-D298CBC23C00}" destId="{3CCE3366-3DB6-4495-9D24-F722299AAE77}" srcOrd="1" destOrd="2" presId="urn:microsoft.com/office/officeart/2005/8/layout/vList4"/>
-    <dgm:cxn modelId="{5C55B7B5-60D8-438E-8692-18F41FA5E434}" type="presOf" srcId="{1353B2FD-A331-4791-A12B-3A0853E6398C}" destId="{1C70031C-3011-4485-AA26-95FFF0E52A98}" srcOrd="1" destOrd="1" presId="urn:microsoft.com/office/officeart/2005/8/layout/vList4"/>
-    <dgm:cxn modelId="{33D30326-F6AC-471A-9A6C-85227AF5FE9A}" type="presOf" srcId="{BB3818BB-1EFF-4DD8-B404-2821BFCFDA45}" destId="{F4B41BE4-8EFE-48EC-A24B-35C0D23BFE78}" srcOrd="0" destOrd="1" presId="urn:microsoft.com/office/officeart/2005/8/layout/vList4"/>
-    <dgm:cxn modelId="{40E0FB58-2741-4B30-8725-251BAC9AD93D}" type="presOf" srcId="{8B4F8641-5A6F-42D8-9F53-C598A71234D8}" destId="{7F5395D9-DB73-415A-BD76-3208DC72D078}" srcOrd="0" destOrd="2" presId="urn:microsoft.com/office/officeart/2005/8/layout/vList4"/>
-    <dgm:cxn modelId="{02F0AA74-BFD4-4E16-BCBC-2CB8C3AFCFDE}" srcId="{F11942DA-35E1-4EFB-8758-256DB892D741}" destId="{6CC0B525-FF6F-4F6A-BC90-7BE1D0BF878D}" srcOrd="4" destOrd="0" parTransId="{C4A580A1-96D4-44F5-9EAE-FB0C9FF52E33}" sibTransId="{42A0BA04-5C40-4D19-BC24-60F21049B7E3}"/>
-    <dgm:cxn modelId="{D8A0CD83-66C6-41AD-A2B7-F3EC89D2A3C4}" srcId="{D6314F1F-78DA-4C9E-B60C-582B61A6D160}" destId="{6328BFBD-4AB3-4A88-A586-F0586F97FADC}" srcOrd="2" destOrd="0" parTransId="{DBB791B9-5E01-4B2A-9F50-2480EA354AE9}" sibTransId="{2D117BD3-D517-4710-9AEA-212E52972508}"/>
-    <dgm:cxn modelId="{C620DF55-58E1-4EC6-864C-914EF55263AC}" type="presOf" srcId="{449B1558-EBF4-4507-9FD3-DDD21A5AF146}" destId="{413CCDF6-5B4A-4D76-862D-A91B27350863}" srcOrd="0" destOrd="1" presId="urn:microsoft.com/office/officeart/2005/8/layout/vList4"/>
-    <dgm:cxn modelId="{9FECB2B0-5A2B-40D8-A748-834A9B810723}" srcId="{FBDCB85A-F3FF-4A51-8C9C-645300E38992}" destId="{449B1558-EBF4-4507-9FD3-DDD21A5AF146}" srcOrd="0" destOrd="0" parTransId="{EEBD3527-2061-47E1-8252-DB5CEF76DE8E}" sibTransId="{F5A8DBAE-0E8F-415E-920D-E853EAF4F311}"/>
-    <dgm:cxn modelId="{F28910FA-3174-47B7-8357-68D43B8DF188}" srcId="{6CC0B525-FF6F-4F6A-BC90-7BE1D0BF878D}" destId="{FEF9E27E-63E2-4CD4-92E1-2C3579DBAA4B}" srcOrd="0" destOrd="0" parTransId="{44A0D4FE-A40B-4346-B3C3-E85EE6F20091}" sibTransId="{25158DD9-DF62-4404-ACC7-409C93FDEE26}"/>
-    <dgm:cxn modelId="{D0C65F22-E6C8-4606-BC2C-F0D7080C1FB3}" type="presOf" srcId="{9A325E66-602C-4020-91B4-A0AEBC0EF88D}" destId="{1C70031C-3011-4485-AA26-95FFF0E52A98}" srcOrd="1" destOrd="0" presId="urn:microsoft.com/office/officeart/2005/8/layout/vList4"/>
-    <dgm:cxn modelId="{922B2F52-7035-4115-8D29-32ADF1D9C307}" srcId="{A4F28612-7911-43FC-AF5B-AF7A639BF0DF}" destId="{A01ED63C-5516-4DA5-8CB3-D298CBC23C00}" srcOrd="1" destOrd="0" parTransId="{E5AA452E-C4EF-4114-A321-5038DF481CE2}" sibTransId="{583BD873-5B2E-4CEF-A791-76BD3AE5E909}"/>
-    <dgm:cxn modelId="{18509CB1-9E3A-4159-B5D6-A9BC7904D797}" srcId="{A4F28612-7911-43FC-AF5B-AF7A639BF0DF}" destId="{BB3818BB-1EFF-4DD8-B404-2821BFCFDA45}" srcOrd="0" destOrd="0" parTransId="{33440247-87CD-4C9D-BEE5-6E6D405E3787}" sibTransId="{76FF5779-E682-481F-AAB9-92544E06652B}"/>
-    <dgm:cxn modelId="{85FDF084-B6EA-4466-B256-93653935CA8A}" type="presOf" srcId="{A4F28612-7911-43FC-AF5B-AF7A639BF0DF}" destId="{F4B41BE4-8EFE-48EC-A24B-35C0D23BFE78}" srcOrd="0" destOrd="0" presId="urn:microsoft.com/office/officeart/2005/8/layout/vList4"/>
-    <dgm:cxn modelId="{A3D54F2A-7D7A-41A6-B3D2-1B6049B2F329}" type="presOf" srcId="{449B1558-EBF4-4507-9FD3-DDD21A5AF146}" destId="{37C7DFBE-0316-4D64-88F0-05AB3A87E90E}" srcOrd="1" destOrd="1" presId="urn:microsoft.com/office/officeart/2005/8/layout/vList4"/>
-    <dgm:cxn modelId="{89BA4A84-3294-455D-B3DF-809925342101}" type="presOf" srcId="{FEF9E27E-63E2-4CD4-92E1-2C3579DBAA4B}" destId="{E5D1E1AC-15B9-4FE8-A4A6-D820F6A508D3}" srcOrd="0" destOrd="1" presId="urn:microsoft.com/office/officeart/2005/8/layout/vList4"/>
-    <dgm:cxn modelId="{25896901-AEE2-4861-AA93-1234297C6206}" srcId="{9A325E66-602C-4020-91B4-A0AEBC0EF88D}" destId="{1353B2FD-A331-4791-A12B-3A0853E6398C}" srcOrd="0" destOrd="0" parTransId="{4895B86D-9DA1-4859-8D0F-AF7957C725D4}" sibTransId="{03F2DFFB-E3F1-4C66-AF9D-F401CBC9202D}"/>
-    <dgm:cxn modelId="{17AABAD1-292D-4E7C-AADC-F39015383CC2}" type="presOf" srcId="{CC2A30AE-EBFD-415B-A471-47626BC2A673}" destId="{1C70031C-3011-4485-AA26-95FFF0E52A98}" srcOrd="1" destOrd="2" presId="urn:microsoft.com/office/officeart/2005/8/layout/vList4"/>
-    <dgm:cxn modelId="{059A5CF2-7131-48EC-8D31-DD710467DE56}" srcId="{F11942DA-35E1-4EFB-8758-256DB892D741}" destId="{A4F28612-7911-43FC-AF5B-AF7A639BF0DF}" srcOrd="0" destOrd="0" parTransId="{ACEB1635-DDEA-4E35-815A-2B48E264CD15}" sibTransId="{969CBD2C-45D0-4133-881B-1168522AAE17}"/>
-    <dgm:cxn modelId="{E33B47EF-4290-469D-91AE-CE808FD52726}" type="presOf" srcId="{1353B2FD-A331-4791-A12B-3A0853E6398C}" destId="{AC888156-5341-4AB5-94FE-79031471371D}" srcOrd="0" destOrd="1" presId="urn:microsoft.com/office/officeart/2005/8/layout/vList4"/>
-    <dgm:cxn modelId="{4B6A40FF-5158-475B-9B98-CA4007CEB4BB}" type="presOf" srcId="{CCC7D90C-6504-4B9E-A812-521BAAC0F4AD}" destId="{7F5395D9-DB73-415A-BD76-3208DC72D078}" srcOrd="0" destOrd="1" presId="urn:microsoft.com/office/officeart/2005/8/layout/vList4"/>
-    <dgm:cxn modelId="{22739225-5D61-487A-88F0-E42C5283E4B4}" type="presOf" srcId="{6328BFBD-4AB3-4A88-A586-F0586F97FADC}" destId="{FDDFAD7D-A989-43A1-AD97-05421BC46CBC}" srcOrd="1" destOrd="3" presId="urn:microsoft.com/office/officeart/2005/8/layout/vList4"/>
-    <dgm:cxn modelId="{D75ADC73-0340-461E-A00A-A9E3580D4190}" srcId="{F11942DA-35E1-4EFB-8758-256DB892D741}" destId="{D6314F1F-78DA-4C9E-B60C-582B61A6D160}" srcOrd="3" destOrd="0" parTransId="{43DAB45C-6CB9-4916-A6B2-DEBEC1D2D485}" sibTransId="{980A8050-A943-4D46-A61C-70E2D2670E71}"/>
-    <dgm:cxn modelId="{23663D3C-F828-40B4-B8EC-536A9C585322}" srcId="{D6314F1F-78DA-4C9E-B60C-582B61A6D160}" destId="{CCC7D90C-6504-4B9E-A812-521BAAC0F4AD}" srcOrd="0" destOrd="0" parTransId="{5F361FB8-7045-4EE5-AA8C-9874ADDA427C}" sibTransId="{D497AE66-280F-4B4C-91A2-B8A59B9DADD8}"/>
-    <dgm:cxn modelId="{552AE2C1-0A6F-411A-9402-C67383AA5BD6}" srcId="{F11942DA-35E1-4EFB-8758-256DB892D741}" destId="{9A325E66-602C-4020-91B4-A0AEBC0EF88D}" srcOrd="2" destOrd="0" parTransId="{DEEC218A-210D-4066-AC95-937A6A5DE0BC}" sibTransId="{FFB7005D-681E-426D-9A54-0685F9FB4E41}"/>
-    <dgm:cxn modelId="{22AAFD67-5055-4E82-B357-FF6B3A328CBE}" srcId="{FBDCB85A-F3FF-4A51-8C9C-645300E38992}" destId="{96FF0C69-F9EB-47B0-8243-DEB1F91CCAEE}" srcOrd="1" destOrd="0" parTransId="{AEDE8DB7-EA91-4C2A-83D0-13C77D119723}" sibTransId="{7E61525C-0E80-4A0F-94C6-6E4FA5EC0778}"/>
-    <dgm:cxn modelId="{D2EB8A4A-5211-4332-BD9F-9154DC0AFD1A}" type="presOf" srcId="{96FF0C69-F9EB-47B0-8243-DEB1F91CCAEE}" destId="{413CCDF6-5B4A-4D76-862D-A91B27350863}" srcOrd="0" destOrd="2" presId="urn:microsoft.com/office/officeart/2005/8/layout/vList4"/>
-    <dgm:cxn modelId="{11BEAA8E-FC82-48A1-8FDA-1D5BA1E6F8D2}" type="presParOf" srcId="{5CC439ED-7BA8-41C8-BDE4-08964A136F74}" destId="{17DDACE9-6FD5-47BF-A8F1-09D9AB813760}" srcOrd="0" destOrd="0" presId="urn:microsoft.com/office/officeart/2005/8/layout/vList4"/>
-    <dgm:cxn modelId="{91C8B193-CCEE-481F-8215-4D28B1423891}" type="presParOf" srcId="{17DDACE9-6FD5-47BF-A8F1-09D9AB813760}" destId="{F4B41BE4-8EFE-48EC-A24B-35C0D23BFE78}" srcOrd="0" destOrd="0" presId="urn:microsoft.com/office/officeart/2005/8/layout/vList4"/>
-    <dgm:cxn modelId="{D50F25B9-02AB-479D-A7FF-D4478FFEBAE7}" type="presParOf" srcId="{17DDACE9-6FD5-47BF-A8F1-09D9AB813760}" destId="{027CB561-824B-4A2C-B5F7-3356B494E2AC}" srcOrd="1" destOrd="0" presId="urn:microsoft.com/office/officeart/2005/8/layout/vList4"/>
-    <dgm:cxn modelId="{A069AD37-6872-4000-9E35-EF5755EA768F}" type="presParOf" srcId="{17DDACE9-6FD5-47BF-A8F1-09D9AB813760}" destId="{3CCE3366-3DB6-4495-9D24-F722299AAE77}" srcOrd="2" destOrd="0" presId="urn:microsoft.com/office/officeart/2005/8/layout/vList4"/>
-    <dgm:cxn modelId="{8672BBD4-27C1-4901-8BCB-6D50235EBD40}" type="presParOf" srcId="{5CC439ED-7BA8-41C8-BDE4-08964A136F74}" destId="{047266CD-0441-47C4-AA26-634552D9E675}" srcOrd="1" destOrd="0" presId="urn:microsoft.com/office/officeart/2005/8/layout/vList4"/>
-    <dgm:cxn modelId="{068B165A-2E72-424B-B112-4C89BB957FF2}" type="presParOf" srcId="{5CC439ED-7BA8-41C8-BDE4-08964A136F74}" destId="{65618800-1148-45A1-A69D-07A8E6B15DC4}" srcOrd="2" destOrd="0" presId="urn:microsoft.com/office/officeart/2005/8/layout/vList4"/>
-    <dgm:cxn modelId="{21820E67-BDF4-4860-B4CE-68C0D21694C5}" type="presParOf" srcId="{65618800-1148-45A1-A69D-07A8E6B15DC4}" destId="{413CCDF6-5B4A-4D76-862D-A91B27350863}" srcOrd="0" destOrd="0" presId="urn:microsoft.com/office/officeart/2005/8/layout/vList4"/>
-    <dgm:cxn modelId="{28E74A80-9DCB-42CF-BE98-C4C0938F9268}" type="presParOf" srcId="{65618800-1148-45A1-A69D-07A8E6B15DC4}" destId="{8E6D104A-DD75-4F22-9AEF-B6E63573B692}" srcOrd="1" destOrd="0" presId="urn:microsoft.com/office/officeart/2005/8/layout/vList4"/>
-    <dgm:cxn modelId="{F6679BA3-6BCC-46CF-8004-B65EC6ACCCC2}" type="presParOf" srcId="{65618800-1148-45A1-A69D-07A8E6B15DC4}" destId="{37C7DFBE-0316-4D64-88F0-05AB3A87E90E}" srcOrd="2" destOrd="0" presId="urn:microsoft.com/office/officeart/2005/8/layout/vList4"/>
-    <dgm:cxn modelId="{FC7488C0-BCCF-4D17-824A-95A540A8669B}" type="presParOf" srcId="{5CC439ED-7BA8-41C8-BDE4-08964A136F74}" destId="{1CA056DA-F30B-4FE6-84F8-63741A33F3B2}" srcOrd="3" destOrd="0" presId="urn:microsoft.com/office/officeart/2005/8/layout/vList4"/>
-    <dgm:cxn modelId="{C6B65335-AFF1-4686-9AC1-528041731F74}" type="presParOf" srcId="{5CC439ED-7BA8-41C8-BDE4-08964A136F74}" destId="{6FBE0989-44E1-4229-98D8-51D9A911D785}" srcOrd="4" destOrd="0" presId="urn:microsoft.com/office/officeart/2005/8/layout/vList4"/>
-    <dgm:cxn modelId="{0E735F22-3552-412B-AB11-8AB2EAD08288}" type="presParOf" srcId="{6FBE0989-44E1-4229-98D8-51D9A911D785}" destId="{AC888156-5341-4AB5-94FE-79031471371D}" srcOrd="0" destOrd="0" presId="urn:microsoft.com/office/officeart/2005/8/layout/vList4"/>
-    <dgm:cxn modelId="{EAA830C9-FABE-4ECE-A6BC-EB46FB4B1ACF}" type="presParOf" srcId="{6FBE0989-44E1-4229-98D8-51D9A911D785}" destId="{B1C2CE59-BC70-456D-BA27-9D1D8645B579}" srcOrd="1" destOrd="0" presId="urn:microsoft.com/office/officeart/2005/8/layout/vList4"/>
-    <dgm:cxn modelId="{64C91FFB-ACE0-4BF5-9E8F-2ABD6BE1BFA1}" type="presParOf" srcId="{6FBE0989-44E1-4229-98D8-51D9A911D785}" destId="{1C70031C-3011-4485-AA26-95FFF0E52A98}" srcOrd="2" destOrd="0" presId="urn:microsoft.com/office/officeart/2005/8/layout/vList4"/>
-    <dgm:cxn modelId="{86622F4D-5905-424E-92EE-CC32C5F81C2B}" type="presParOf" srcId="{5CC439ED-7BA8-41C8-BDE4-08964A136F74}" destId="{E32B223C-37A4-48D8-AF6A-0ABFA20D9DC4}" srcOrd="5" destOrd="0" presId="urn:microsoft.com/office/officeart/2005/8/layout/vList4"/>
-    <dgm:cxn modelId="{A14F96DD-A403-4F3F-9240-584E55DC156C}" type="presParOf" srcId="{5CC439ED-7BA8-41C8-BDE4-08964A136F74}" destId="{3AFAAEA6-5927-41D2-9F4E-71C7D6C1B655}" srcOrd="6" destOrd="0" presId="urn:microsoft.com/office/officeart/2005/8/layout/vList4"/>
-    <dgm:cxn modelId="{7C1264C4-B956-493E-B8C4-AA2BF8E0CB1E}" type="presParOf" srcId="{3AFAAEA6-5927-41D2-9F4E-71C7D6C1B655}" destId="{7F5395D9-DB73-415A-BD76-3208DC72D078}" srcOrd="0" destOrd="0" presId="urn:microsoft.com/office/officeart/2005/8/layout/vList4"/>
-    <dgm:cxn modelId="{17259294-88F7-4CDB-BED4-D90591BE6C61}" type="presParOf" srcId="{3AFAAEA6-5927-41D2-9F4E-71C7D6C1B655}" destId="{30BED40E-8F9C-474F-8F9C-91F4A8E050BE}" srcOrd="1" destOrd="0" presId="urn:microsoft.com/office/officeart/2005/8/layout/vList4"/>
-    <dgm:cxn modelId="{70C75914-4EAB-45E0-854D-EA462AF48555}" type="presParOf" srcId="{3AFAAEA6-5927-41D2-9F4E-71C7D6C1B655}" destId="{FDDFAD7D-A989-43A1-AD97-05421BC46CBC}" srcOrd="2" destOrd="0" presId="urn:microsoft.com/office/officeart/2005/8/layout/vList4"/>
-    <dgm:cxn modelId="{8719F839-CB11-4407-BDD1-5FFD65A3A411}" type="presParOf" srcId="{5CC439ED-7BA8-41C8-BDE4-08964A136F74}" destId="{DF8BB49B-0ABE-46BA-BF79-AAE08DADE519}" srcOrd="7" destOrd="0" presId="urn:microsoft.com/office/officeart/2005/8/layout/vList4"/>
-    <dgm:cxn modelId="{0C910982-2C53-4FA3-A8F8-FD8F1D55E155}" type="presParOf" srcId="{5CC439ED-7BA8-41C8-BDE4-08964A136F74}" destId="{92DD89D2-5E44-4F80-9F03-EED2FD2840AC}" srcOrd="8" destOrd="0" presId="urn:microsoft.com/office/officeart/2005/8/layout/vList4"/>
-    <dgm:cxn modelId="{C1195BE0-B7EA-4D01-9210-BE37C55692FC}" type="presParOf" srcId="{92DD89D2-5E44-4F80-9F03-EED2FD2840AC}" destId="{E5D1E1AC-15B9-4FE8-A4A6-D820F6A508D3}" srcOrd="0" destOrd="0" presId="urn:microsoft.com/office/officeart/2005/8/layout/vList4"/>
-    <dgm:cxn modelId="{9AFB2E2A-DDDF-4A6F-A44A-88F50FEE2C5F}" type="presParOf" srcId="{92DD89D2-5E44-4F80-9F03-EED2FD2840AC}" destId="{281CA25D-CE01-44C7-87A5-77E332CA58BE}" srcOrd="1" destOrd="0" presId="urn:microsoft.com/office/officeart/2005/8/layout/vList4"/>
-    <dgm:cxn modelId="{E817777A-65B8-43C5-82DE-3559553551B0}" type="presParOf" srcId="{92DD89D2-5E44-4F80-9F03-EED2FD2840AC}" destId="{2F0D8E1F-FB9E-411C-BA8B-A8C0D09FFDC9}" srcOrd="2" destOrd="0" presId="urn:microsoft.com/office/officeart/2005/8/layout/vList4"/>
+    <dgm:cxn modelId="{A7306FBB-FB5A-4944-81B7-16C5DF9463CB}" type="presOf" srcId="{B4E2A9E4-A4B9-4950-B557-41B069A274A3}" destId="{67258228-F45F-4147-86D1-53AB75BB73E8}" srcOrd="0" destOrd="0" presId="urn:microsoft.com/office/officeart/2005/8/layout/hierarchy3"/>
+    <dgm:cxn modelId="{302C5B04-8EE3-4604-B329-3BB39456BB05}" srcId="{B4E2A9E4-A4B9-4950-B557-41B069A274A3}" destId="{5D193F19-8C8F-4DF4-BA59-AE328DD1E262}" srcOrd="2" destOrd="0" parTransId="{F52A8DFB-951E-4E78-A0DE-8434C6F9B58C}" sibTransId="{A9235F7C-C1DE-4652-9355-571E4D22FD3E}"/>
+    <dgm:cxn modelId="{15F98B23-0892-430A-86D9-FC252B84E10C}" type="presOf" srcId="{4932D87E-5200-4E80-B1D7-4F0AEBC43E74}" destId="{CF525E65-B896-4718-A0AF-1E5E02B97A97}" srcOrd="1" destOrd="0" presId="urn:microsoft.com/office/officeart/2005/8/layout/hierarchy3"/>
+    <dgm:cxn modelId="{732F8A4C-4534-4EA8-96FC-04C07D3B02F9}" srcId="{720091B4-AB93-4765-832D-E9714E95D5EF}" destId="{DF5431D5-5B50-4036-B68F-94E731086263}" srcOrd="0" destOrd="0" parTransId="{938F0395-43E6-4955-BA87-B891083C57DD}" sibTransId="{6B3A5B4C-A5F0-4693-B51E-756381B7D18A}"/>
+    <dgm:cxn modelId="{1D05A35E-6A08-46E3-9463-2F15EFD93B42}" srcId="{720091B4-AB93-4765-832D-E9714E95D5EF}" destId="{08F12AB9-BD75-421B-96C2-E25D538D2E98}" srcOrd="1" destOrd="0" parTransId="{7ECF7AC9-4D95-4842-9857-8C64281AFEEF}" sibTransId="{2FCA8B6A-F372-4102-9237-90071888EB9E}"/>
+    <dgm:cxn modelId="{F76CF0A9-9A87-4D06-9872-8273040CE2ED}" type="presOf" srcId="{5D193F19-8C8F-4DF4-BA59-AE328DD1E262}" destId="{3EC7FE18-72C7-4381-8066-F060EDBCD239}" srcOrd="1" destOrd="0" presId="urn:microsoft.com/office/officeart/2005/8/layout/hierarchy3"/>
+    <dgm:cxn modelId="{91557EC8-1411-4CB5-A6E0-72906A967A9E}" type="presOf" srcId="{938F0395-43E6-4955-BA87-B891083C57DD}" destId="{4729DAC9-9A9A-4212-B0DB-5126F6153E6E}" srcOrd="0" destOrd="0" presId="urn:microsoft.com/office/officeart/2005/8/layout/hierarchy3"/>
+    <dgm:cxn modelId="{BB06AB1D-57A5-4088-9A01-B0DC55721486}" type="presOf" srcId="{7C38E736-33F2-4B22-A352-4025BD9D1E4E}" destId="{B22B4D31-DC8C-4A98-BC1C-7206CAAAEE33}" srcOrd="1" destOrd="0" presId="urn:microsoft.com/office/officeart/2005/8/layout/hierarchy3"/>
+    <dgm:cxn modelId="{FC4F9AD7-C6F8-4762-A905-78AAE2D1BA21}" type="presOf" srcId="{667ECADC-F7D9-4CE6-B0EB-45407752C425}" destId="{C434FA4B-EA6B-4033-9557-5F431CDC5FA8}" srcOrd="0" destOrd="0" presId="urn:microsoft.com/office/officeart/2005/8/layout/hierarchy3"/>
+    <dgm:cxn modelId="{3DC4009C-B5DA-47AA-8CE9-96DF82DBDF29}" type="presOf" srcId="{42D536E8-B890-4232-B023-370931542027}" destId="{70F13BF8-4BC8-4C90-9589-8A8730203985}" srcOrd="0" destOrd="0" presId="urn:microsoft.com/office/officeart/2005/8/layout/hierarchy3"/>
+    <dgm:cxn modelId="{C7F3F22E-5A6D-40DE-A1DF-6C30755459EC}" srcId="{5D193F19-8C8F-4DF4-BA59-AE328DD1E262}" destId="{EB2B4CAD-E215-4C06-8EAE-04B625DA27F5}" srcOrd="0" destOrd="0" parTransId="{09434902-DDD4-4B0C-8071-B077801BB1F8}" sibTransId="{068C3A17-1567-400C-8AC1-D965ADDBE802}"/>
+    <dgm:cxn modelId="{317ADE97-D26B-4846-B6C2-855353BD5FDC}" type="presOf" srcId="{925B959A-BD4B-48BB-9C70-F49F896B0B63}" destId="{E05F5C7A-73B2-4539-AF2B-F725CDA49C84}" srcOrd="0" destOrd="0" presId="urn:microsoft.com/office/officeart/2005/8/layout/hierarchy3"/>
+    <dgm:cxn modelId="{7996CDFA-88D6-46E7-9260-905CC0B07DF7}" type="presOf" srcId="{7ECF7AC9-4D95-4842-9857-8C64281AFEEF}" destId="{57D0D94A-CD61-49A3-822B-7FE8AF4E0B58}" srcOrd="0" destOrd="0" presId="urn:microsoft.com/office/officeart/2005/8/layout/hierarchy3"/>
+    <dgm:cxn modelId="{4AA821A4-D2C8-4714-8537-FEE134CC5C2B}" srcId="{7C38E736-33F2-4B22-A352-4025BD9D1E4E}" destId="{B104FFEA-BA49-40A6-8ADB-CFA9CE7E30C8}" srcOrd="1" destOrd="0" parTransId="{08F008E7-553D-48F5-AECB-A76FF4CDA06B}" sibTransId="{5A130ABA-6ED3-46B3-A2E2-53E61F96160C}"/>
+    <dgm:cxn modelId="{01CCAC8C-415B-436D-B6FC-6530EDAFC08F}" srcId="{720091B4-AB93-4765-832D-E9714E95D5EF}" destId="{256A64E1-DA25-47F5-BD8A-27B019528749}" srcOrd="2" destOrd="0" parTransId="{CE9D5917-43A7-434F-A2C9-18DB0B91D131}" sibTransId="{6D19559D-E7AE-443F-AACE-DFB1076C7011}"/>
+    <dgm:cxn modelId="{1467396E-EFB2-45A6-A66E-541A92EB0A9D}" type="presOf" srcId="{BCF13A68-62C7-41C7-A2A7-391D754BE02A}" destId="{5EF381F5-CBFF-4F55-9EAB-A7B642D0C05B}" srcOrd="0" destOrd="0" presId="urn:microsoft.com/office/officeart/2005/8/layout/hierarchy3"/>
+    <dgm:cxn modelId="{37BA7525-04A6-4A13-AF58-B7CBC569B38C}" srcId="{4932D87E-5200-4E80-B1D7-4F0AEBC43E74}" destId="{1D22F6E5-432A-4FB0-B1F5-2F8CF98615EA}" srcOrd="1" destOrd="0" parTransId="{2D532C4C-ED5E-4401-983F-AF43DC0B130E}" sibTransId="{6DECD468-5405-458F-A072-7044E7863616}"/>
+    <dgm:cxn modelId="{255B5315-E91A-4789-B657-A0872F6DBAE5}" type="presOf" srcId="{EB2B4CAD-E215-4C06-8EAE-04B625DA27F5}" destId="{0F6098A3-C18A-4A97-9D44-CFE10F694F17}" srcOrd="0" destOrd="0" presId="urn:microsoft.com/office/officeart/2005/8/layout/hierarchy3"/>
+    <dgm:cxn modelId="{964C9DAB-144B-43F9-BDB2-90F5ADB0B517}" type="presOf" srcId="{09434902-DDD4-4B0C-8071-B077801BB1F8}" destId="{E9346C89-3447-4446-B1F8-4B54F259B597}" srcOrd="0" destOrd="0" presId="urn:microsoft.com/office/officeart/2005/8/layout/hierarchy3"/>
+    <dgm:cxn modelId="{41C2990D-002C-4AE4-B26A-CE0938482432}" srcId="{720091B4-AB93-4765-832D-E9714E95D5EF}" destId="{6A2F98ED-4593-4B6B-AD0B-4E6408EE07BC}" srcOrd="5" destOrd="0" parTransId="{DF102E1A-AFF2-4D50-95A3-ED9B754958E5}" sibTransId="{DF7F3718-1B17-43FD-A1E2-F522889318CB}"/>
+    <dgm:cxn modelId="{09601B65-CEA7-48BA-8AB2-CA2684588748}" srcId="{5D193F19-8C8F-4DF4-BA59-AE328DD1E262}" destId="{BDD50611-748B-42A1-9503-B5D85176BA96}" srcOrd="1" destOrd="0" parTransId="{FDDA0796-95A9-48DB-912D-37EF48BD3740}" sibTransId="{FC153AE3-D0A7-40E9-A019-F715E27FC50D}"/>
+    <dgm:cxn modelId="{A1B848C0-D886-4ED2-893C-CF9A1A855E7C}" type="presOf" srcId="{CE9D5917-43A7-434F-A2C9-18DB0B91D131}" destId="{7CB69CAF-7C7B-4770-B554-3911CF4F1593}" srcOrd="0" destOrd="0" presId="urn:microsoft.com/office/officeart/2005/8/layout/hierarchy3"/>
+    <dgm:cxn modelId="{C24E1145-4544-4728-B287-6449C86C8AF3}" type="presOf" srcId="{2D532C4C-ED5E-4401-983F-AF43DC0B130E}" destId="{8F7E9A1B-3110-4E10-B3F6-BA51C045F86C}" srcOrd="0" destOrd="0" presId="urn:microsoft.com/office/officeart/2005/8/layout/hierarchy3"/>
+    <dgm:cxn modelId="{8B4757AB-7D12-46A4-AC2D-FF153EC11EDE}" srcId="{720091B4-AB93-4765-832D-E9714E95D5EF}" destId="{BCF13A68-62C7-41C7-A2A7-391D754BE02A}" srcOrd="3" destOrd="0" parTransId="{CBDA7ED4-617E-480A-BAAD-A923412D95A8}" sibTransId="{99FF19DD-5321-4644-B686-654A0074639C}"/>
+    <dgm:cxn modelId="{5012C984-D208-4592-BA2A-2770EAFEE3B2}" type="presOf" srcId="{7C38E736-33F2-4B22-A352-4025BD9D1E4E}" destId="{3700C5A3-B3C4-4B4B-89ED-941300CB420C}" srcOrd="0" destOrd="0" presId="urn:microsoft.com/office/officeart/2005/8/layout/hierarchy3"/>
+    <dgm:cxn modelId="{DE257D86-0BD2-40F3-8CDF-EE713107BC62}" type="presOf" srcId="{720091B4-AB93-4765-832D-E9714E95D5EF}" destId="{4612F378-7394-4B67-9861-98F3E18101BD}" srcOrd="1" destOrd="0" presId="urn:microsoft.com/office/officeart/2005/8/layout/hierarchy3"/>
+    <dgm:cxn modelId="{5A5D73A5-8AAB-420F-AA58-C8803C932E84}" type="presOf" srcId="{6A2F98ED-4593-4B6B-AD0B-4E6408EE07BC}" destId="{5062F23A-2500-493F-A93E-7E4034DE7E14}" srcOrd="0" destOrd="0" presId="urn:microsoft.com/office/officeart/2005/8/layout/hierarchy3"/>
+    <dgm:cxn modelId="{5FF8CF1C-38A3-45AF-ADE4-534D392E0F8F}" srcId="{B4E2A9E4-A4B9-4950-B557-41B069A274A3}" destId="{4932D87E-5200-4E80-B1D7-4F0AEBC43E74}" srcOrd="0" destOrd="0" parTransId="{AC29C495-EC58-49FD-84AD-F582F420F5F7}" sibTransId="{5F10227A-E0CC-48D0-97C7-4C7C9C94A564}"/>
+    <dgm:cxn modelId="{FE1C5CFD-9AEB-4E81-BC23-D8ED6A6BD608}" type="presOf" srcId="{B104FFEA-BA49-40A6-8ADB-CFA9CE7E30C8}" destId="{EFDA1720-D947-4EE4-9DAF-3359BAF75394}" srcOrd="0" destOrd="0" presId="urn:microsoft.com/office/officeart/2005/8/layout/hierarchy3"/>
+    <dgm:cxn modelId="{0A130004-79D3-4DF2-957C-52CC472681EF}" type="presOf" srcId="{CBDA7ED4-617E-480A-BAAD-A923412D95A8}" destId="{C6C9A3EC-A01B-4290-BF81-DB25C09B305B}" srcOrd="0" destOrd="0" presId="urn:microsoft.com/office/officeart/2005/8/layout/hierarchy3"/>
+    <dgm:cxn modelId="{AF077DA3-BFB8-47C6-933F-A4487021C0DD}" type="presOf" srcId="{08F12AB9-BD75-421B-96C2-E25D538D2E98}" destId="{44B068F8-D067-484D-B049-CCF51D5EC571}" srcOrd="0" destOrd="0" presId="urn:microsoft.com/office/officeart/2005/8/layout/hierarchy3"/>
+    <dgm:cxn modelId="{80515282-8206-41DC-B593-6A8A6F44F63D}" srcId="{4932D87E-5200-4E80-B1D7-4F0AEBC43E74}" destId="{B4E75589-C1D2-414D-930D-B50A6A36CDC5}" srcOrd="0" destOrd="0" parTransId="{D0A5D98D-4BBB-478C-81F3-4764E21A9D92}" sibTransId="{A56A01FD-5019-401B-93A6-E96CF34CD797}"/>
+    <dgm:cxn modelId="{2A2BF38E-14C6-4197-A6AA-D96F155A18D7}" type="presOf" srcId="{5D193F19-8C8F-4DF4-BA59-AE328DD1E262}" destId="{0490A791-9A29-4EA3-B650-457A89D37B55}" srcOrd="0" destOrd="0" presId="urn:microsoft.com/office/officeart/2005/8/layout/hierarchy3"/>
+    <dgm:cxn modelId="{29069496-5053-4B77-9E1E-0356293FEEDB}" srcId="{7C38E736-33F2-4B22-A352-4025BD9D1E4E}" destId="{42D536E8-B890-4232-B023-370931542027}" srcOrd="0" destOrd="0" parTransId="{925B959A-BD4B-48BB-9C70-F49F896B0B63}" sibTransId="{504FD29E-83E8-414E-B294-701BC7B34D91}"/>
+    <dgm:cxn modelId="{05E956FE-CE87-4F47-AC02-D98CB3829694}" srcId="{720091B4-AB93-4765-832D-E9714E95D5EF}" destId="{3BA2DC40-543B-4771-AB3A-5C897087EFE9}" srcOrd="4" destOrd="0" parTransId="{667ECADC-F7D9-4CE6-B0EB-45407752C425}" sibTransId="{EFB69BD2-6614-4695-AEB2-9AFA4B811D77}"/>
+    <dgm:cxn modelId="{8C38B4D1-C371-4B83-973D-3535F2BE28A6}" type="presOf" srcId="{3BA2DC40-543B-4771-AB3A-5C897087EFE9}" destId="{2D41FDC7-2770-484B-A464-7877CD5BF1CA}" srcOrd="0" destOrd="0" presId="urn:microsoft.com/office/officeart/2005/8/layout/hierarchy3"/>
+    <dgm:cxn modelId="{E96FC748-C15C-4353-8A74-E4385D106F88}" type="presOf" srcId="{FDDA0796-95A9-48DB-912D-37EF48BD3740}" destId="{C4490684-4531-4B63-8E17-5F5C5D87072B}" srcOrd="0" destOrd="0" presId="urn:microsoft.com/office/officeart/2005/8/layout/hierarchy3"/>
+    <dgm:cxn modelId="{C7EEA410-E097-4C7D-8612-31A274D82BD9}" type="presOf" srcId="{08F008E7-553D-48F5-AECB-A76FF4CDA06B}" destId="{6A69F5FF-6429-431C-8AAD-F4A0714F0F29}" srcOrd="0" destOrd="0" presId="urn:microsoft.com/office/officeart/2005/8/layout/hierarchy3"/>
+    <dgm:cxn modelId="{33A3705B-9F38-4BA4-B436-2A06DE1B7FAA}" type="presOf" srcId="{BDD50611-748B-42A1-9503-B5D85176BA96}" destId="{BD30DA5F-5273-468D-B106-8B5AF67DF354}" srcOrd="0" destOrd="0" presId="urn:microsoft.com/office/officeart/2005/8/layout/hierarchy3"/>
+    <dgm:cxn modelId="{88A03830-5217-4921-B549-E1B9B16D4C8D}" type="presOf" srcId="{4932D87E-5200-4E80-B1D7-4F0AEBC43E74}" destId="{952857C4-333A-447D-8D2C-2FFA0B0EB15A}" srcOrd="0" destOrd="0" presId="urn:microsoft.com/office/officeart/2005/8/layout/hierarchy3"/>
+    <dgm:cxn modelId="{10DE365A-3A8E-4870-95CF-1EC18EDD9C59}" type="presOf" srcId="{DF102E1A-AFF2-4D50-95A3-ED9B754958E5}" destId="{EFAA710B-A63B-408A-87C2-0ED004EF374C}" srcOrd="0" destOrd="0" presId="urn:microsoft.com/office/officeart/2005/8/layout/hierarchy3"/>
+    <dgm:cxn modelId="{79AB636F-38FA-4B6B-8BD9-BF5CEDF11121}" type="presOf" srcId="{B4E75589-C1D2-414D-930D-B50A6A36CDC5}" destId="{E340CD30-2C22-4E96-A3A9-D6A6A055B3A3}" srcOrd="0" destOrd="0" presId="urn:microsoft.com/office/officeart/2005/8/layout/hierarchy3"/>
+    <dgm:cxn modelId="{73D14E51-B412-43BC-8534-77A1A6DB6FC7}" type="presOf" srcId="{1D22F6E5-432A-4FB0-B1F5-2F8CF98615EA}" destId="{5A913779-451D-4C00-B6DD-0D98B09440E1}" srcOrd="0" destOrd="0" presId="urn:microsoft.com/office/officeart/2005/8/layout/hierarchy3"/>
+    <dgm:cxn modelId="{1BD8B221-4234-47C9-8572-F1F182F87CB1}" type="presOf" srcId="{D0A5D98D-4BBB-478C-81F3-4764E21A9D92}" destId="{35E53A68-F3EE-45BF-87B9-5748E7D0FB4E}" srcOrd="0" destOrd="0" presId="urn:microsoft.com/office/officeart/2005/8/layout/hierarchy3"/>
+    <dgm:cxn modelId="{93C4C0AD-E9CD-437D-A8CF-0530656B1502}" type="presOf" srcId="{720091B4-AB93-4765-832D-E9714E95D5EF}" destId="{80141507-F54C-45F8-AFEC-3ECDCC92D3F3}" srcOrd="0" destOrd="0" presId="urn:microsoft.com/office/officeart/2005/8/layout/hierarchy3"/>
+    <dgm:cxn modelId="{8171BBAD-136F-4524-A194-97F48A292741}" srcId="{B4E2A9E4-A4B9-4950-B557-41B069A274A3}" destId="{720091B4-AB93-4765-832D-E9714E95D5EF}" srcOrd="1" destOrd="0" parTransId="{42B3FBA2-613D-46BF-A227-05337B723ACE}" sibTransId="{F41AEB96-CD12-4FE3-B67B-37913976EDC3}"/>
+    <dgm:cxn modelId="{D9CF5A60-5B9C-4D80-B532-2C8E95A4FB05}" type="presOf" srcId="{DF5431D5-5B50-4036-B68F-94E731086263}" destId="{94A89684-67C8-4BC6-94C6-8724D8886EC7}" srcOrd="0" destOrd="0" presId="urn:microsoft.com/office/officeart/2005/8/layout/hierarchy3"/>
+    <dgm:cxn modelId="{8448AADE-2410-4246-89AD-4899412EC45E}" type="presOf" srcId="{256A64E1-DA25-47F5-BD8A-27B019528749}" destId="{A564A31F-5C2E-4A33-947F-50C68CEAF4D3}" srcOrd="0" destOrd="0" presId="urn:microsoft.com/office/officeart/2005/8/layout/hierarchy3"/>
+    <dgm:cxn modelId="{15BDB822-5E76-47F1-BB7C-19E50C50C111}" srcId="{B4E2A9E4-A4B9-4950-B557-41B069A274A3}" destId="{7C38E736-33F2-4B22-A352-4025BD9D1E4E}" srcOrd="3" destOrd="0" parTransId="{4784C42D-10F2-469C-9612-55022B836586}" sibTransId="{8C7F3E82-BBD3-4317-BE75-55CB9369050C}"/>
+    <dgm:cxn modelId="{9B25C4EE-C503-420A-8F1D-C3D5B5A99525}" type="presParOf" srcId="{67258228-F45F-4147-86D1-53AB75BB73E8}" destId="{E10F9BF6-43C6-4B87-9A60-DA7D3FD5F40B}" srcOrd="0" destOrd="0" presId="urn:microsoft.com/office/officeart/2005/8/layout/hierarchy3"/>
+    <dgm:cxn modelId="{79C420F6-560B-48D1-922B-299E101CCE1E}" type="presParOf" srcId="{E10F9BF6-43C6-4B87-9A60-DA7D3FD5F40B}" destId="{FE621D5C-1E79-411F-A576-63813E66AFCA}" srcOrd="0" destOrd="0" presId="urn:microsoft.com/office/officeart/2005/8/layout/hierarchy3"/>
+    <dgm:cxn modelId="{F013A1E3-B1D3-4E56-ACD8-20C1CD322871}" type="presParOf" srcId="{FE621D5C-1E79-411F-A576-63813E66AFCA}" destId="{952857C4-333A-447D-8D2C-2FFA0B0EB15A}" srcOrd="0" destOrd="0" presId="urn:microsoft.com/office/officeart/2005/8/layout/hierarchy3"/>
+    <dgm:cxn modelId="{D2B51BAD-5AEF-4005-B52F-050E06AF5557}" type="presParOf" srcId="{FE621D5C-1E79-411F-A576-63813E66AFCA}" destId="{CF525E65-B896-4718-A0AF-1E5E02B97A97}" srcOrd="1" destOrd="0" presId="urn:microsoft.com/office/officeart/2005/8/layout/hierarchy3"/>
+    <dgm:cxn modelId="{6E102833-C727-411E-BB92-02485CC5CB60}" type="presParOf" srcId="{E10F9BF6-43C6-4B87-9A60-DA7D3FD5F40B}" destId="{9B0007EE-2773-4C47-A386-B711E702302D}" srcOrd="1" destOrd="0" presId="urn:microsoft.com/office/officeart/2005/8/layout/hierarchy3"/>
+    <dgm:cxn modelId="{B5365800-5306-4D28-882E-119ACBC35F7B}" type="presParOf" srcId="{9B0007EE-2773-4C47-A386-B711E702302D}" destId="{35E53A68-F3EE-45BF-87B9-5748E7D0FB4E}" srcOrd="0" destOrd="0" presId="urn:microsoft.com/office/officeart/2005/8/layout/hierarchy3"/>
+    <dgm:cxn modelId="{E4C0049D-5F34-4FD2-AEA4-5FFEC86BA220}" type="presParOf" srcId="{9B0007EE-2773-4C47-A386-B711E702302D}" destId="{E340CD30-2C22-4E96-A3A9-D6A6A055B3A3}" srcOrd="1" destOrd="0" presId="urn:microsoft.com/office/officeart/2005/8/layout/hierarchy3"/>
+    <dgm:cxn modelId="{E4108CE6-0C31-4F47-B4BB-E5241789D895}" type="presParOf" srcId="{9B0007EE-2773-4C47-A386-B711E702302D}" destId="{8F7E9A1B-3110-4E10-B3F6-BA51C045F86C}" srcOrd="2" destOrd="0" presId="urn:microsoft.com/office/officeart/2005/8/layout/hierarchy3"/>
+    <dgm:cxn modelId="{F5428B46-028E-47C4-8A94-9556144ED30A}" type="presParOf" srcId="{9B0007EE-2773-4C47-A386-B711E702302D}" destId="{5A913779-451D-4C00-B6DD-0D98B09440E1}" srcOrd="3" destOrd="0" presId="urn:microsoft.com/office/officeart/2005/8/layout/hierarchy3"/>
+    <dgm:cxn modelId="{D4728872-5D40-4406-AAA6-5BAD19C2466D}" type="presParOf" srcId="{67258228-F45F-4147-86D1-53AB75BB73E8}" destId="{D9BE119B-DC06-4BE8-BE35-913F638508C9}" srcOrd="1" destOrd="0" presId="urn:microsoft.com/office/officeart/2005/8/layout/hierarchy3"/>
+    <dgm:cxn modelId="{226EBA4D-96A2-412B-B7CC-9382CADEF88F}" type="presParOf" srcId="{D9BE119B-DC06-4BE8-BE35-913F638508C9}" destId="{1D5571C5-1E28-4E21-9708-7BF0EFE33278}" srcOrd="0" destOrd="0" presId="urn:microsoft.com/office/officeart/2005/8/layout/hierarchy3"/>
+    <dgm:cxn modelId="{22C38C59-9631-4211-BD89-10B72CE0AB59}" type="presParOf" srcId="{1D5571C5-1E28-4E21-9708-7BF0EFE33278}" destId="{80141507-F54C-45F8-AFEC-3ECDCC92D3F3}" srcOrd="0" destOrd="0" presId="urn:microsoft.com/office/officeart/2005/8/layout/hierarchy3"/>
+    <dgm:cxn modelId="{5FE6EED1-3DE8-4768-87C6-586F5015B391}" type="presParOf" srcId="{1D5571C5-1E28-4E21-9708-7BF0EFE33278}" destId="{4612F378-7394-4B67-9861-98F3E18101BD}" srcOrd="1" destOrd="0" presId="urn:microsoft.com/office/officeart/2005/8/layout/hierarchy3"/>
+    <dgm:cxn modelId="{5C637D8A-DB88-464A-9981-12821666002E}" type="presParOf" srcId="{D9BE119B-DC06-4BE8-BE35-913F638508C9}" destId="{4963A38B-5883-4F7D-84D0-401D1F0BF5BA}" srcOrd="1" destOrd="0" presId="urn:microsoft.com/office/officeart/2005/8/layout/hierarchy3"/>
+    <dgm:cxn modelId="{DA57266B-2C7E-48FB-BBCB-FDA838DD547C}" type="presParOf" srcId="{4963A38B-5883-4F7D-84D0-401D1F0BF5BA}" destId="{4729DAC9-9A9A-4212-B0DB-5126F6153E6E}" srcOrd="0" destOrd="0" presId="urn:microsoft.com/office/officeart/2005/8/layout/hierarchy3"/>
+    <dgm:cxn modelId="{2555F9CC-767E-4450-8D4A-E9C9E7A237C0}" type="presParOf" srcId="{4963A38B-5883-4F7D-84D0-401D1F0BF5BA}" destId="{94A89684-67C8-4BC6-94C6-8724D8886EC7}" srcOrd="1" destOrd="0" presId="urn:microsoft.com/office/officeart/2005/8/layout/hierarchy3"/>
+    <dgm:cxn modelId="{5ED53256-3A9A-4720-82A6-11D694BD23C8}" type="presParOf" srcId="{4963A38B-5883-4F7D-84D0-401D1F0BF5BA}" destId="{57D0D94A-CD61-49A3-822B-7FE8AF4E0B58}" srcOrd="2" destOrd="0" presId="urn:microsoft.com/office/officeart/2005/8/layout/hierarchy3"/>
+    <dgm:cxn modelId="{8E008CE8-4666-4400-B6E2-F28F3CCDB4B7}" type="presParOf" srcId="{4963A38B-5883-4F7D-84D0-401D1F0BF5BA}" destId="{44B068F8-D067-484D-B049-CCF51D5EC571}" srcOrd="3" destOrd="0" presId="urn:microsoft.com/office/officeart/2005/8/layout/hierarchy3"/>
+    <dgm:cxn modelId="{F89600AB-456A-45C6-B229-A0F464537874}" type="presParOf" srcId="{4963A38B-5883-4F7D-84D0-401D1F0BF5BA}" destId="{7CB69CAF-7C7B-4770-B554-3911CF4F1593}" srcOrd="4" destOrd="0" presId="urn:microsoft.com/office/officeart/2005/8/layout/hierarchy3"/>
+    <dgm:cxn modelId="{BB8A2A70-6613-4D01-B190-E5EFA994DEEF}" type="presParOf" srcId="{4963A38B-5883-4F7D-84D0-401D1F0BF5BA}" destId="{A564A31F-5C2E-4A33-947F-50C68CEAF4D3}" srcOrd="5" destOrd="0" presId="urn:microsoft.com/office/officeart/2005/8/layout/hierarchy3"/>
+    <dgm:cxn modelId="{2A13708F-715F-4862-AF4B-330D08DA6960}" type="presParOf" srcId="{4963A38B-5883-4F7D-84D0-401D1F0BF5BA}" destId="{C6C9A3EC-A01B-4290-BF81-DB25C09B305B}" srcOrd="6" destOrd="0" presId="urn:microsoft.com/office/officeart/2005/8/layout/hierarchy3"/>
+    <dgm:cxn modelId="{DA7B9B8B-7377-4238-8D8D-6E8CFACE4FC7}" type="presParOf" srcId="{4963A38B-5883-4F7D-84D0-401D1F0BF5BA}" destId="{5EF381F5-CBFF-4F55-9EAB-A7B642D0C05B}" srcOrd="7" destOrd="0" presId="urn:microsoft.com/office/officeart/2005/8/layout/hierarchy3"/>
+    <dgm:cxn modelId="{F6FFE153-9ED3-469F-9ED7-DC46DE98B000}" type="presParOf" srcId="{4963A38B-5883-4F7D-84D0-401D1F0BF5BA}" destId="{C434FA4B-EA6B-4033-9557-5F431CDC5FA8}" srcOrd="8" destOrd="0" presId="urn:microsoft.com/office/officeart/2005/8/layout/hierarchy3"/>
+    <dgm:cxn modelId="{EF2C71C5-D124-40B4-9FE9-75E8B2329741}" type="presParOf" srcId="{4963A38B-5883-4F7D-84D0-401D1F0BF5BA}" destId="{2D41FDC7-2770-484B-A464-7877CD5BF1CA}" srcOrd="9" destOrd="0" presId="urn:microsoft.com/office/officeart/2005/8/layout/hierarchy3"/>
+    <dgm:cxn modelId="{772A5876-3E46-49D5-AC23-B864DC51266B}" type="presParOf" srcId="{4963A38B-5883-4F7D-84D0-401D1F0BF5BA}" destId="{EFAA710B-A63B-408A-87C2-0ED004EF374C}" srcOrd="10" destOrd="0" presId="urn:microsoft.com/office/officeart/2005/8/layout/hierarchy3"/>
+    <dgm:cxn modelId="{A6C027A7-876A-421D-A2B6-E944BEDBEBA4}" type="presParOf" srcId="{4963A38B-5883-4F7D-84D0-401D1F0BF5BA}" destId="{5062F23A-2500-493F-A93E-7E4034DE7E14}" srcOrd="11" destOrd="0" presId="urn:microsoft.com/office/officeart/2005/8/layout/hierarchy3"/>
+    <dgm:cxn modelId="{29D830CD-48D0-4D2E-AC5A-4220AF65769D}" type="presParOf" srcId="{67258228-F45F-4147-86D1-53AB75BB73E8}" destId="{5F02F9DA-720F-4617-8E95-D27E18DEBFC3}" srcOrd="2" destOrd="0" presId="urn:microsoft.com/office/officeart/2005/8/layout/hierarchy3"/>
+    <dgm:cxn modelId="{88B99BA9-97A6-4054-B67F-C9D9E75F93AE}" type="presParOf" srcId="{5F02F9DA-720F-4617-8E95-D27E18DEBFC3}" destId="{A87DC482-5C73-479A-BC15-1973F2284216}" srcOrd="0" destOrd="0" presId="urn:microsoft.com/office/officeart/2005/8/layout/hierarchy3"/>
+    <dgm:cxn modelId="{206368DC-D55A-47C0-819A-6E8633048060}" type="presParOf" srcId="{A87DC482-5C73-479A-BC15-1973F2284216}" destId="{0490A791-9A29-4EA3-B650-457A89D37B55}" srcOrd="0" destOrd="0" presId="urn:microsoft.com/office/officeart/2005/8/layout/hierarchy3"/>
+    <dgm:cxn modelId="{3E15CAE2-AE47-493B-811D-1FC7064FF23D}" type="presParOf" srcId="{A87DC482-5C73-479A-BC15-1973F2284216}" destId="{3EC7FE18-72C7-4381-8066-F060EDBCD239}" srcOrd="1" destOrd="0" presId="urn:microsoft.com/office/officeart/2005/8/layout/hierarchy3"/>
+    <dgm:cxn modelId="{5003F8AA-AB86-4FE0-851D-ED12F2C40FFE}" type="presParOf" srcId="{5F02F9DA-720F-4617-8E95-D27E18DEBFC3}" destId="{22AC2E90-96E3-4EB2-9F1E-AE1A1FF8E270}" srcOrd="1" destOrd="0" presId="urn:microsoft.com/office/officeart/2005/8/layout/hierarchy3"/>
+    <dgm:cxn modelId="{04CC8ED3-FF70-40F7-BB7B-3189493FA833}" type="presParOf" srcId="{22AC2E90-96E3-4EB2-9F1E-AE1A1FF8E270}" destId="{E9346C89-3447-4446-B1F8-4B54F259B597}" srcOrd="0" destOrd="0" presId="urn:microsoft.com/office/officeart/2005/8/layout/hierarchy3"/>
+    <dgm:cxn modelId="{37B681D5-94E9-4073-B0E3-8D78920ADE5A}" type="presParOf" srcId="{22AC2E90-96E3-4EB2-9F1E-AE1A1FF8E270}" destId="{0F6098A3-C18A-4A97-9D44-CFE10F694F17}" srcOrd="1" destOrd="0" presId="urn:microsoft.com/office/officeart/2005/8/layout/hierarchy3"/>
+    <dgm:cxn modelId="{112057AD-740B-471C-9FAD-8CC747C0D71A}" type="presParOf" srcId="{22AC2E90-96E3-4EB2-9F1E-AE1A1FF8E270}" destId="{C4490684-4531-4B63-8E17-5F5C5D87072B}" srcOrd="2" destOrd="0" presId="urn:microsoft.com/office/officeart/2005/8/layout/hierarchy3"/>
+    <dgm:cxn modelId="{3C12D4E5-6468-47FA-AD45-9D95E1E290A3}" type="presParOf" srcId="{22AC2E90-96E3-4EB2-9F1E-AE1A1FF8E270}" destId="{BD30DA5F-5273-468D-B106-8B5AF67DF354}" srcOrd="3" destOrd="0" presId="urn:microsoft.com/office/officeart/2005/8/layout/hierarchy3"/>
+    <dgm:cxn modelId="{5F58A15D-53D1-46C7-9D7B-ABCEE49FA979}" type="presParOf" srcId="{67258228-F45F-4147-86D1-53AB75BB73E8}" destId="{0674B88D-10FA-4751-8E68-B8A0A8AB0BBA}" srcOrd="3" destOrd="0" presId="urn:microsoft.com/office/officeart/2005/8/layout/hierarchy3"/>
+    <dgm:cxn modelId="{C1A8FE9B-529A-463D-85EB-DB1D3A537A36}" type="presParOf" srcId="{0674B88D-10FA-4751-8E68-B8A0A8AB0BBA}" destId="{9200455E-48AA-4C77-A553-574A4A894F9B}" srcOrd="0" destOrd="0" presId="urn:microsoft.com/office/officeart/2005/8/layout/hierarchy3"/>
+    <dgm:cxn modelId="{0E1C99E2-33A5-418F-83AD-4B0C676AB87F}" type="presParOf" srcId="{9200455E-48AA-4C77-A553-574A4A894F9B}" destId="{3700C5A3-B3C4-4B4B-89ED-941300CB420C}" srcOrd="0" destOrd="0" presId="urn:microsoft.com/office/officeart/2005/8/layout/hierarchy3"/>
+    <dgm:cxn modelId="{9CA373AB-56AB-476A-B7D8-195452A5CE61}" type="presParOf" srcId="{9200455E-48AA-4C77-A553-574A4A894F9B}" destId="{B22B4D31-DC8C-4A98-BC1C-7206CAAAEE33}" srcOrd="1" destOrd="0" presId="urn:microsoft.com/office/officeart/2005/8/layout/hierarchy3"/>
+    <dgm:cxn modelId="{826F56C1-BDCC-4B30-ABFC-2C7648AC48A6}" type="presParOf" srcId="{0674B88D-10FA-4751-8E68-B8A0A8AB0BBA}" destId="{4BD305F3-F6F3-43C8-AA61-3007B2CA009B}" srcOrd="1" destOrd="0" presId="urn:microsoft.com/office/officeart/2005/8/layout/hierarchy3"/>
+    <dgm:cxn modelId="{889D4CFE-8B6E-4767-946F-7986824608C7}" type="presParOf" srcId="{4BD305F3-F6F3-43C8-AA61-3007B2CA009B}" destId="{E05F5C7A-73B2-4539-AF2B-F725CDA49C84}" srcOrd="0" destOrd="0" presId="urn:microsoft.com/office/officeart/2005/8/layout/hierarchy3"/>
+    <dgm:cxn modelId="{7DCC91B9-2AEE-4960-939D-5B91211EFF5E}" type="presParOf" srcId="{4BD305F3-F6F3-43C8-AA61-3007B2CA009B}" destId="{70F13BF8-4BC8-4C90-9589-8A8730203985}" srcOrd="1" destOrd="0" presId="urn:microsoft.com/office/officeart/2005/8/layout/hierarchy3"/>
+    <dgm:cxn modelId="{821D2380-5491-4607-BC7A-5E7FA6F4194E}" type="presParOf" srcId="{4BD305F3-F6F3-43C8-AA61-3007B2CA009B}" destId="{6A69F5FF-6429-431C-8AAD-F4A0714F0F29}" srcOrd="2" destOrd="0" presId="urn:microsoft.com/office/officeart/2005/8/layout/hierarchy3"/>
+    <dgm:cxn modelId="{6E2A9F2A-606B-4009-B1FD-94F446FA1641}" type="presParOf" srcId="{4BD305F3-F6F3-43C8-AA61-3007B2CA009B}" destId="{EFDA1720-D947-4EE4-9DAF-3359BAF75394}" srcOrd="3" destOrd="0" presId="urn:microsoft.com/office/officeart/2005/8/layout/hierarchy3"/>
   </dgm:cxnLst>
   <dgm:bg/>
   <dgm:whole/>
   <dgm:extLst>
     <a:ext uri="http://schemas.microsoft.com/office/drawing/2008/diagram">
-      <dsp:dataModelExt xmlns:dsp="http://schemas.microsoft.com/office/drawing/2008/diagram" relId="rId12" minVer="http://schemas.openxmlformats.org/drawingml/2006/diagram"/>
+      <dsp:dataModelExt xmlns:dsp="http://schemas.microsoft.com/office/drawing/2008/diagram" relId="rId11" minVer="http://schemas.openxmlformats.org/drawingml/2006/diagram"/>
+    </a:ext>
+  </dgm:extLst>
+</dgm:dataModel>
+</file>
+
+<file path=ppt/diagrams/data3.xml><?xml version="1.0" encoding="utf-8"?>
+<dgm:dataModel xmlns:dgm="http://schemas.openxmlformats.org/drawingml/2006/diagram" xmlns:a="http://schemas.openxmlformats.org/drawingml/2006/main">
+  <dgm:ptLst>
+    <dgm:pt modelId="{1F6375D8-C496-401C-B4D9-30FAF7E5EE2B}" type="doc">
+      <dgm:prSet loTypeId="urn:microsoft.com/office/officeart/2005/8/layout/hierarchy3" loCatId="hierarchy" qsTypeId="urn:microsoft.com/office/officeart/2005/8/quickstyle/simple1" qsCatId="simple" csTypeId="urn:microsoft.com/office/officeart/2005/8/colors/accent1_2" csCatId="accent1" phldr="1"/>
+      <dgm:spPr/>
+      <dgm:t>
+        <a:bodyPr/>
+        <a:lstStyle/>
+        <a:p>
+          <a:endParaRPr lang="en-US"/>
+        </a:p>
+      </dgm:t>
+    </dgm:pt>
+    <dgm:pt modelId="{BB33379C-B00E-4362-A629-9403990953B6}">
+      <dgm:prSet phldrT="[Text]"/>
+      <dgm:spPr/>
+      <dgm:t>
+        <a:bodyPr/>
+        <a:lstStyle/>
+        <a:p>
+          <a:r>
+            <a:rPr lang="en-US" dirty="0" smtClean="0"/>
+            <a:t>Mission 6</a:t>
+          </a:r>
+          <a:endParaRPr lang="en-US" dirty="0"/>
+        </a:p>
+      </dgm:t>
+    </dgm:pt>
+    <dgm:pt modelId="{96E618D2-1603-4255-82C8-06E557F18F6F}" type="parTrans" cxnId="{89B664DC-DC26-455A-A8FA-CDF72A2D96DD}">
+      <dgm:prSet/>
+      <dgm:spPr/>
+      <dgm:t>
+        <a:bodyPr/>
+        <a:lstStyle/>
+        <a:p>
+          <a:endParaRPr lang="en-US"/>
+        </a:p>
+      </dgm:t>
+    </dgm:pt>
+    <dgm:pt modelId="{9F16A731-8537-4E52-9B68-071364C51D39}" type="sibTrans" cxnId="{89B664DC-DC26-455A-A8FA-CDF72A2D96DD}">
+      <dgm:prSet/>
+      <dgm:spPr/>
+      <dgm:t>
+        <a:bodyPr/>
+        <a:lstStyle/>
+        <a:p>
+          <a:endParaRPr lang="en-US"/>
+        </a:p>
+      </dgm:t>
+    </dgm:pt>
+    <dgm:pt modelId="{3BF619F9-5216-4160-9F04-611C69FD6C59}">
+      <dgm:prSet phldrT="[Text]"/>
+      <dgm:spPr/>
+      <dgm:t>
+        <a:bodyPr/>
+        <a:lstStyle/>
+        <a:p>
+          <a:r>
+            <a:rPr lang="en-US" dirty="0" smtClean="0"/>
+            <a:t>Wall Rider</a:t>
+          </a:r>
+          <a:endParaRPr lang="en-US" dirty="0"/>
+        </a:p>
+      </dgm:t>
+    </dgm:pt>
+    <dgm:pt modelId="{C4377CD8-B9CD-42D1-9FB4-563CA14DF35E}" type="parTrans" cxnId="{6C128CC9-322C-4B52-AC66-CC74FB87FADD}">
+      <dgm:prSet/>
+      <dgm:spPr/>
+      <dgm:t>
+        <a:bodyPr/>
+        <a:lstStyle/>
+        <a:p>
+          <a:endParaRPr lang="en-US"/>
+        </a:p>
+      </dgm:t>
+    </dgm:pt>
+    <dgm:pt modelId="{858C7585-138A-4C33-997F-C7B03E2126C6}" type="sibTrans" cxnId="{6C128CC9-322C-4B52-AC66-CC74FB87FADD}">
+      <dgm:prSet/>
+      <dgm:spPr/>
+      <dgm:t>
+        <a:bodyPr/>
+        <a:lstStyle/>
+        <a:p>
+          <a:endParaRPr lang="en-US"/>
+        </a:p>
+      </dgm:t>
+    </dgm:pt>
+    <dgm:pt modelId="{00E09942-95BA-4DD5-A691-7E2E1000DD3D}">
+      <dgm:prSet phldrT="[Text]"/>
+      <dgm:spPr/>
+      <dgm:t>
+        <a:bodyPr/>
+        <a:lstStyle/>
+        <a:p>
+          <a:r>
+            <a:rPr lang="en-US" dirty="0" smtClean="0"/>
+            <a:t>Tools</a:t>
+          </a:r>
+          <a:endParaRPr lang="en-US" dirty="0"/>
+        </a:p>
+      </dgm:t>
+    </dgm:pt>
+    <dgm:pt modelId="{C835A23D-C548-4B70-A117-19D601D6E00E}" type="parTrans" cxnId="{09FEAEEA-CC88-4D7A-9045-5FC71BA0A0BC}">
+      <dgm:prSet/>
+      <dgm:spPr/>
+      <dgm:t>
+        <a:bodyPr/>
+        <a:lstStyle/>
+        <a:p>
+          <a:endParaRPr lang="en-US"/>
+        </a:p>
+      </dgm:t>
+    </dgm:pt>
+    <dgm:pt modelId="{AED630D8-B668-4CCF-94BE-BFCAC97CDC1A}" type="sibTrans" cxnId="{09FEAEEA-CC88-4D7A-9045-5FC71BA0A0BC}">
+      <dgm:prSet/>
+      <dgm:spPr/>
+      <dgm:t>
+        <a:bodyPr/>
+        <a:lstStyle/>
+        <a:p>
+          <a:endParaRPr lang="en-US"/>
+        </a:p>
+      </dgm:t>
+    </dgm:pt>
+    <dgm:pt modelId="{6745B497-C655-4A5C-AD67-0EC2A18482A8}">
+      <dgm:prSet phldrT="[Text]"/>
+      <dgm:spPr/>
+      <dgm:t>
+        <a:bodyPr/>
+        <a:lstStyle/>
+        <a:p>
+          <a:r>
+            <a:rPr lang="en-US" dirty="0" smtClean="0"/>
+            <a:t>Truck Ram</a:t>
+          </a:r>
+          <a:endParaRPr lang="en-US" dirty="0"/>
+        </a:p>
+      </dgm:t>
+    </dgm:pt>
+    <dgm:pt modelId="{182ACF9C-6DB7-4363-A5CD-160547700BC2}" type="parTrans" cxnId="{8746BF47-A274-44AB-A648-5875EA5DC2EC}">
+      <dgm:prSet/>
+      <dgm:spPr/>
+      <dgm:t>
+        <a:bodyPr/>
+        <a:lstStyle/>
+        <a:p>
+          <a:endParaRPr lang="en-US"/>
+        </a:p>
+      </dgm:t>
+    </dgm:pt>
+    <dgm:pt modelId="{92F45F42-6693-46B0-A56E-BEF008A80876}" type="sibTrans" cxnId="{8746BF47-A274-44AB-A648-5875EA5DC2EC}">
+      <dgm:prSet/>
+      <dgm:spPr/>
+      <dgm:t>
+        <a:bodyPr/>
+        <a:lstStyle/>
+        <a:p>
+          <a:endParaRPr lang="en-US"/>
+        </a:p>
+      </dgm:t>
+    </dgm:pt>
+    <dgm:pt modelId="{98FCF8D4-EFE8-4FBE-9914-6B48E87068F6}" type="pres">
+      <dgm:prSet presAssocID="{1F6375D8-C496-401C-B4D9-30FAF7E5EE2B}" presName="diagram" presStyleCnt="0">
+        <dgm:presLayoutVars>
+          <dgm:chPref val="1"/>
+          <dgm:dir/>
+          <dgm:animOne val="branch"/>
+          <dgm:animLvl val="lvl"/>
+          <dgm:resizeHandles/>
+        </dgm:presLayoutVars>
+      </dgm:prSet>
+      <dgm:spPr/>
+    </dgm:pt>
+    <dgm:pt modelId="{D331CE75-A5C9-41FC-8997-C71656C4BC67}" type="pres">
+      <dgm:prSet presAssocID="{BB33379C-B00E-4362-A629-9403990953B6}" presName="root" presStyleCnt="0"/>
+      <dgm:spPr/>
+    </dgm:pt>
+    <dgm:pt modelId="{6EFB661A-5A2E-40D4-8B1E-04F3CB9EE739}" type="pres">
+      <dgm:prSet presAssocID="{BB33379C-B00E-4362-A629-9403990953B6}" presName="rootComposite" presStyleCnt="0"/>
+      <dgm:spPr/>
+    </dgm:pt>
+    <dgm:pt modelId="{E8E472B3-59A4-4E1D-9646-83BDE783A4E9}" type="pres">
+      <dgm:prSet presAssocID="{BB33379C-B00E-4362-A629-9403990953B6}" presName="rootText" presStyleLbl="node1" presStyleIdx="0" presStyleCnt="2"/>
+      <dgm:spPr/>
+    </dgm:pt>
+    <dgm:pt modelId="{C3B579AF-E6A7-4A1A-90A6-122DEB3E4B88}" type="pres">
+      <dgm:prSet presAssocID="{BB33379C-B00E-4362-A629-9403990953B6}" presName="rootConnector" presStyleLbl="node1" presStyleIdx="0" presStyleCnt="2"/>
+      <dgm:spPr/>
+    </dgm:pt>
+    <dgm:pt modelId="{265C4A28-C364-4E64-9546-853331AEA13F}" type="pres">
+      <dgm:prSet presAssocID="{BB33379C-B00E-4362-A629-9403990953B6}" presName="childShape" presStyleCnt="0"/>
+      <dgm:spPr/>
+    </dgm:pt>
+    <dgm:pt modelId="{08C55ED4-DBDF-4F69-B4A9-93FF8C422C5B}" type="pres">
+      <dgm:prSet presAssocID="{C4377CD8-B9CD-42D1-9FB4-563CA14DF35E}" presName="Name13" presStyleLbl="parChTrans1D2" presStyleIdx="0" presStyleCnt="2"/>
+      <dgm:spPr/>
+    </dgm:pt>
+    <dgm:pt modelId="{84AC68F4-8D6C-475A-931D-FFE551D24112}" type="pres">
+      <dgm:prSet presAssocID="{3BF619F9-5216-4160-9F04-611C69FD6C59}" presName="childText" presStyleLbl="bgAcc1" presStyleIdx="0" presStyleCnt="2">
+        <dgm:presLayoutVars>
+          <dgm:bulletEnabled val="1"/>
+        </dgm:presLayoutVars>
+      </dgm:prSet>
+      <dgm:spPr/>
+    </dgm:pt>
+    <dgm:pt modelId="{ADE65E32-270A-4E32-81DC-E82F337BF9BC}" type="pres">
+      <dgm:prSet presAssocID="{182ACF9C-6DB7-4363-A5CD-160547700BC2}" presName="Name13" presStyleLbl="parChTrans1D2" presStyleIdx="1" presStyleCnt="2"/>
+      <dgm:spPr/>
+    </dgm:pt>
+    <dgm:pt modelId="{4633CB6E-49EC-4334-AC87-27AD1F5CE44B}" type="pres">
+      <dgm:prSet presAssocID="{6745B497-C655-4A5C-AD67-0EC2A18482A8}" presName="childText" presStyleLbl="bgAcc1" presStyleIdx="1" presStyleCnt="2">
+        <dgm:presLayoutVars>
+          <dgm:bulletEnabled val="1"/>
+        </dgm:presLayoutVars>
+      </dgm:prSet>
+      <dgm:spPr/>
+    </dgm:pt>
+    <dgm:pt modelId="{FCD9865A-F841-48CF-B5B8-6EAE7CD8CF20}" type="pres">
+      <dgm:prSet presAssocID="{00E09942-95BA-4DD5-A691-7E2E1000DD3D}" presName="root" presStyleCnt="0"/>
+      <dgm:spPr/>
+    </dgm:pt>
+    <dgm:pt modelId="{B390E26D-8DCE-4F04-8BD7-C0B1AD507EDD}" type="pres">
+      <dgm:prSet presAssocID="{00E09942-95BA-4DD5-A691-7E2E1000DD3D}" presName="rootComposite" presStyleCnt="0"/>
+      <dgm:spPr/>
+    </dgm:pt>
+    <dgm:pt modelId="{047DA701-2170-4138-BF19-6947521D1705}" type="pres">
+      <dgm:prSet presAssocID="{00E09942-95BA-4DD5-A691-7E2E1000DD3D}" presName="rootText" presStyleLbl="node1" presStyleIdx="1" presStyleCnt="2"/>
+      <dgm:spPr/>
+    </dgm:pt>
+    <dgm:pt modelId="{3BB53CFE-C708-498C-B9EB-06E6BB758C04}" type="pres">
+      <dgm:prSet presAssocID="{00E09942-95BA-4DD5-A691-7E2E1000DD3D}" presName="rootConnector" presStyleLbl="node1" presStyleIdx="1" presStyleCnt="2"/>
+      <dgm:spPr/>
+    </dgm:pt>
+    <dgm:pt modelId="{88DF7088-48B0-4A47-896B-074D7A37D193}" type="pres">
+      <dgm:prSet presAssocID="{00E09942-95BA-4DD5-A691-7E2E1000DD3D}" presName="childShape" presStyleCnt="0"/>
+      <dgm:spPr/>
+    </dgm:pt>
+  </dgm:ptLst>
+  <dgm:cxnLst>
+    <dgm:cxn modelId="{C2A9E501-2613-4ACB-A01A-AD6941444E16}" type="presOf" srcId="{6745B497-C655-4A5C-AD67-0EC2A18482A8}" destId="{4633CB6E-49EC-4334-AC87-27AD1F5CE44B}" srcOrd="0" destOrd="0" presId="urn:microsoft.com/office/officeart/2005/8/layout/hierarchy3"/>
+    <dgm:cxn modelId="{89B664DC-DC26-455A-A8FA-CDF72A2D96DD}" srcId="{1F6375D8-C496-401C-B4D9-30FAF7E5EE2B}" destId="{BB33379C-B00E-4362-A629-9403990953B6}" srcOrd="0" destOrd="0" parTransId="{96E618D2-1603-4255-82C8-06E557F18F6F}" sibTransId="{9F16A731-8537-4E52-9B68-071364C51D39}"/>
+    <dgm:cxn modelId="{8ADBB883-D411-489B-9281-06D19D5D15E5}" type="presOf" srcId="{1F6375D8-C496-401C-B4D9-30FAF7E5EE2B}" destId="{98FCF8D4-EFE8-4FBE-9914-6B48E87068F6}" srcOrd="0" destOrd="0" presId="urn:microsoft.com/office/officeart/2005/8/layout/hierarchy3"/>
+    <dgm:cxn modelId="{5C67508D-90F5-4EE9-9E66-4C66738A0BD6}" type="presOf" srcId="{182ACF9C-6DB7-4363-A5CD-160547700BC2}" destId="{ADE65E32-270A-4E32-81DC-E82F337BF9BC}" srcOrd="0" destOrd="0" presId="urn:microsoft.com/office/officeart/2005/8/layout/hierarchy3"/>
+    <dgm:cxn modelId="{21D265CB-0E8C-4507-9ACF-DE5C16561AC3}" type="presOf" srcId="{BB33379C-B00E-4362-A629-9403990953B6}" destId="{E8E472B3-59A4-4E1D-9646-83BDE783A4E9}" srcOrd="0" destOrd="0" presId="urn:microsoft.com/office/officeart/2005/8/layout/hierarchy3"/>
+    <dgm:cxn modelId="{09FEAEEA-CC88-4D7A-9045-5FC71BA0A0BC}" srcId="{1F6375D8-C496-401C-B4D9-30FAF7E5EE2B}" destId="{00E09942-95BA-4DD5-A691-7E2E1000DD3D}" srcOrd="1" destOrd="0" parTransId="{C835A23D-C548-4B70-A117-19D601D6E00E}" sibTransId="{AED630D8-B668-4CCF-94BE-BFCAC97CDC1A}"/>
+    <dgm:cxn modelId="{2EFEA134-5477-493C-BE9B-27BF4DC5FA27}" type="presOf" srcId="{C4377CD8-B9CD-42D1-9FB4-563CA14DF35E}" destId="{08C55ED4-DBDF-4F69-B4A9-93FF8C422C5B}" srcOrd="0" destOrd="0" presId="urn:microsoft.com/office/officeart/2005/8/layout/hierarchy3"/>
+    <dgm:cxn modelId="{9E90A16D-9998-417F-8256-2B677DAF4288}" type="presOf" srcId="{00E09942-95BA-4DD5-A691-7E2E1000DD3D}" destId="{3BB53CFE-C708-498C-B9EB-06E6BB758C04}" srcOrd="1" destOrd="0" presId="urn:microsoft.com/office/officeart/2005/8/layout/hierarchy3"/>
+    <dgm:cxn modelId="{006C48E5-84A5-4A0A-A841-2945A785772D}" type="presOf" srcId="{BB33379C-B00E-4362-A629-9403990953B6}" destId="{C3B579AF-E6A7-4A1A-90A6-122DEB3E4B88}" srcOrd="1" destOrd="0" presId="urn:microsoft.com/office/officeart/2005/8/layout/hierarchy3"/>
+    <dgm:cxn modelId="{6C128CC9-322C-4B52-AC66-CC74FB87FADD}" srcId="{BB33379C-B00E-4362-A629-9403990953B6}" destId="{3BF619F9-5216-4160-9F04-611C69FD6C59}" srcOrd="0" destOrd="0" parTransId="{C4377CD8-B9CD-42D1-9FB4-563CA14DF35E}" sibTransId="{858C7585-138A-4C33-997F-C7B03E2126C6}"/>
+    <dgm:cxn modelId="{EE1B0454-05F1-4D28-AAAD-C89F1CACF6B4}" type="presOf" srcId="{3BF619F9-5216-4160-9F04-611C69FD6C59}" destId="{84AC68F4-8D6C-475A-931D-FFE551D24112}" srcOrd="0" destOrd="0" presId="urn:microsoft.com/office/officeart/2005/8/layout/hierarchy3"/>
+    <dgm:cxn modelId="{0CF182A9-81EA-431F-84AC-5612BE8D3D9F}" type="presOf" srcId="{00E09942-95BA-4DD5-A691-7E2E1000DD3D}" destId="{047DA701-2170-4138-BF19-6947521D1705}" srcOrd="0" destOrd="0" presId="urn:microsoft.com/office/officeart/2005/8/layout/hierarchy3"/>
+    <dgm:cxn modelId="{8746BF47-A274-44AB-A648-5875EA5DC2EC}" srcId="{BB33379C-B00E-4362-A629-9403990953B6}" destId="{6745B497-C655-4A5C-AD67-0EC2A18482A8}" srcOrd="1" destOrd="0" parTransId="{182ACF9C-6DB7-4363-A5CD-160547700BC2}" sibTransId="{92F45F42-6693-46B0-A56E-BEF008A80876}"/>
+    <dgm:cxn modelId="{0C1016A2-ED4D-4533-B04A-05703C143BBB}" type="presParOf" srcId="{98FCF8D4-EFE8-4FBE-9914-6B48E87068F6}" destId="{D331CE75-A5C9-41FC-8997-C71656C4BC67}" srcOrd="0" destOrd="0" presId="urn:microsoft.com/office/officeart/2005/8/layout/hierarchy3"/>
+    <dgm:cxn modelId="{9A2B5237-386E-4AA9-87C5-73D9B79D8A7C}" type="presParOf" srcId="{D331CE75-A5C9-41FC-8997-C71656C4BC67}" destId="{6EFB661A-5A2E-40D4-8B1E-04F3CB9EE739}" srcOrd="0" destOrd="0" presId="urn:microsoft.com/office/officeart/2005/8/layout/hierarchy3"/>
+    <dgm:cxn modelId="{2519B61B-89C2-42D1-91C8-A7B21218CBD6}" type="presParOf" srcId="{6EFB661A-5A2E-40D4-8B1E-04F3CB9EE739}" destId="{E8E472B3-59A4-4E1D-9646-83BDE783A4E9}" srcOrd="0" destOrd="0" presId="urn:microsoft.com/office/officeart/2005/8/layout/hierarchy3"/>
+    <dgm:cxn modelId="{4306E7F3-373D-48AD-92A1-E6E82F242C57}" type="presParOf" srcId="{6EFB661A-5A2E-40D4-8B1E-04F3CB9EE739}" destId="{C3B579AF-E6A7-4A1A-90A6-122DEB3E4B88}" srcOrd="1" destOrd="0" presId="urn:microsoft.com/office/officeart/2005/8/layout/hierarchy3"/>
+    <dgm:cxn modelId="{728300D6-4678-49A3-8F29-C2D5D9C048FB}" type="presParOf" srcId="{D331CE75-A5C9-41FC-8997-C71656C4BC67}" destId="{265C4A28-C364-4E64-9546-853331AEA13F}" srcOrd="1" destOrd="0" presId="urn:microsoft.com/office/officeart/2005/8/layout/hierarchy3"/>
+    <dgm:cxn modelId="{80DD72E6-494E-460A-B975-58E6F1B3AEF0}" type="presParOf" srcId="{265C4A28-C364-4E64-9546-853331AEA13F}" destId="{08C55ED4-DBDF-4F69-B4A9-93FF8C422C5B}" srcOrd="0" destOrd="0" presId="urn:microsoft.com/office/officeart/2005/8/layout/hierarchy3"/>
+    <dgm:cxn modelId="{6BA073CB-1727-431F-9E6C-D9E153AA0C10}" type="presParOf" srcId="{265C4A28-C364-4E64-9546-853331AEA13F}" destId="{84AC68F4-8D6C-475A-931D-FFE551D24112}" srcOrd="1" destOrd="0" presId="urn:microsoft.com/office/officeart/2005/8/layout/hierarchy3"/>
+    <dgm:cxn modelId="{40AED44D-4BB7-4448-A7F8-26167F6A1C79}" type="presParOf" srcId="{265C4A28-C364-4E64-9546-853331AEA13F}" destId="{ADE65E32-270A-4E32-81DC-E82F337BF9BC}" srcOrd="2" destOrd="0" presId="urn:microsoft.com/office/officeart/2005/8/layout/hierarchy3"/>
+    <dgm:cxn modelId="{AE9CF78B-B817-4A90-B98A-0D7BAD387E98}" type="presParOf" srcId="{265C4A28-C364-4E64-9546-853331AEA13F}" destId="{4633CB6E-49EC-4334-AC87-27AD1F5CE44B}" srcOrd="3" destOrd="0" presId="urn:microsoft.com/office/officeart/2005/8/layout/hierarchy3"/>
+    <dgm:cxn modelId="{2085A9B9-60C4-4F7F-91C6-424457B84D4D}" type="presParOf" srcId="{98FCF8D4-EFE8-4FBE-9914-6B48E87068F6}" destId="{FCD9865A-F841-48CF-B5B8-6EAE7CD8CF20}" srcOrd="1" destOrd="0" presId="urn:microsoft.com/office/officeart/2005/8/layout/hierarchy3"/>
+    <dgm:cxn modelId="{9F1C9CE0-3343-4413-9FA5-FADA5792E696}" type="presParOf" srcId="{FCD9865A-F841-48CF-B5B8-6EAE7CD8CF20}" destId="{B390E26D-8DCE-4F04-8BD7-C0B1AD507EDD}" srcOrd="0" destOrd="0" presId="urn:microsoft.com/office/officeart/2005/8/layout/hierarchy3"/>
+    <dgm:cxn modelId="{ADFAF086-8830-44A5-9025-29A43E41FEC6}" type="presParOf" srcId="{B390E26D-8DCE-4F04-8BD7-C0B1AD507EDD}" destId="{047DA701-2170-4138-BF19-6947521D1705}" srcOrd="0" destOrd="0" presId="urn:microsoft.com/office/officeart/2005/8/layout/hierarchy3"/>
+    <dgm:cxn modelId="{A5B30793-B611-473B-9AA8-F4DCCB64A508}" type="presParOf" srcId="{B390E26D-8DCE-4F04-8BD7-C0B1AD507EDD}" destId="{3BB53CFE-C708-498C-B9EB-06E6BB758C04}" srcOrd="1" destOrd="0" presId="urn:microsoft.com/office/officeart/2005/8/layout/hierarchy3"/>
+    <dgm:cxn modelId="{6BEACBA0-7E68-4CEB-8A9C-D478BE097339}" type="presParOf" srcId="{FCD9865A-F841-48CF-B5B8-6EAE7CD8CF20}" destId="{88DF7088-48B0-4A47-896B-074D7A37D193}" srcOrd="1" destOrd="0" presId="urn:microsoft.com/office/officeart/2005/8/layout/hierarchy3"/>
+  </dgm:cxnLst>
+  <dgm:bg/>
+  <dgm:whole/>
+  <dgm:extLst>
+    <a:ext uri="http://schemas.microsoft.com/office/drawing/2008/diagram">
+      <dsp:dataModelExt xmlns:dsp="http://schemas.microsoft.com/office/drawing/2008/diagram" relId="rId16" minVer="http://schemas.openxmlformats.org/drawingml/2006/diagram"/>
     </a:ext>
   </dgm:extLst>
 </dgm:dataModel>
@@ -4377,7 +5563,7 @@
       </dsp:nvSpPr>
       <dsp:spPr>
         <a:xfrm>
-          <a:off x="13290465" y="2653379"/>
+          <a:off x="13295892" y="2392387"/>
           <a:ext cx="2660375" cy="2276226"/>
         </a:xfrm>
         <a:prstGeom prst="rect">
@@ -4575,15 +5761,15 @@
       <dsp:cNvGrpSpPr/>
     </dsp:nvGrpSpPr>
     <dsp:grpSpPr/>
-    <dsp:sp modelId="{F4B41BE4-8EFE-48EC-A24B-35C0D23BFE78}">
+    <dsp:sp modelId="{952857C4-333A-447D-8D2C-2FFA0B0EB15A}">
       <dsp:nvSpPr>
         <dsp:cNvPr id="0" name=""/>
         <dsp:cNvSpPr/>
       </dsp:nvSpPr>
       <dsp:spPr>
         <a:xfrm>
-          <a:off x="0" y="0"/>
-          <a:ext cx="13373100" cy="3412096"/>
+          <a:off x="1891" y="8489922"/>
+          <a:ext cx="2174072" cy="1087036"/>
         </a:xfrm>
         <a:prstGeom prst="roundRect">
           <a:avLst>
@@ -4627,12 +5813,12 @@
         </a:fontRef>
       </dsp:style>
       <dsp:txBody>
-        <a:bodyPr spcFirstLastPara="0" vert="horz" wrap="square" lIns="182880" tIns="182880" rIns="182880" bIns="182880" numCol="1" spcCol="1270" anchor="t" anchorCtr="0">
+        <a:bodyPr spcFirstLastPara="0" vert="horz" wrap="square" lIns="66675" tIns="44450" rIns="66675" bIns="44450" numCol="1" spcCol="1270" anchor="ctr" anchorCtr="0">
           <a:noAutofit/>
         </a:bodyPr>
         <a:lstStyle/>
         <a:p>
-          <a:pPr lvl="0" algn="l" defTabSz="2133600">
+          <a:pPr lvl="0" algn="ctr" defTabSz="1555750">
             <a:lnSpc>
               <a:spcPct val="90000"/>
             </a:lnSpc>
@@ -4644,64 +5830,85 @@
             </a:spcAft>
           </a:pPr>
           <a:r>
-            <a:rPr lang="en-US" sz="4800" kern="1200" dirty="0" smtClean="0"/>
-            <a:t>The Compost Jig</a:t>
+            <a:rPr lang="en-US" sz="3500" kern="1200" dirty="0" smtClean="0"/>
+            <a:t>Mission 1</a:t>
           </a:r>
-          <a:endParaRPr lang="en-US" sz="4800" kern="1200" dirty="0"/>
-        </a:p>
-        <a:p>
-          <a:pPr marL="285750" lvl="1" indent="-285750" algn="l" defTabSz="1644650">
-            <a:lnSpc>
-              <a:spcPct val="90000"/>
-            </a:lnSpc>
-            <a:spcBef>
-              <a:spcPct val="0"/>
-            </a:spcBef>
-            <a:spcAft>
-              <a:spcPct val="15000"/>
-            </a:spcAft>
-            <a:buChar char="••"/>
-          </a:pPr>
-          <a:r>
-            <a:rPr lang="en-US" sz="3700" kern="1200" dirty="0" smtClean="0"/>
-            <a:t>Used to collect the compost</a:t>
-          </a:r>
-          <a:endParaRPr lang="en-US" sz="3700" kern="1200" dirty="0"/>
-        </a:p>
-        <a:p>
-          <a:pPr marL="285750" lvl="1" indent="-285750" algn="l" defTabSz="1644650">
-            <a:lnSpc>
-              <a:spcPct val="90000"/>
-            </a:lnSpc>
-            <a:spcBef>
-              <a:spcPct val="0"/>
-            </a:spcBef>
-            <a:spcAft>
-              <a:spcPct val="15000"/>
-            </a:spcAft>
-            <a:buChar char="••"/>
-          </a:pPr>
-          <a:r>
-            <a:rPr lang="en-US" sz="3700" kern="1200" dirty="0" smtClean="0"/>
-            <a:t>Angled to guide the robot to compost</a:t>
-          </a:r>
-          <a:endParaRPr lang="en-US" sz="3700" kern="1200" dirty="0"/>
+          <a:endParaRPr lang="en-US" sz="3500" kern="1200" dirty="0"/>
         </a:p>
       </dsp:txBody>
       <dsp:txXfrm>
-        <a:off x="3015829" y="0"/>
-        <a:ext cx="10357270" cy="3412096"/>
+        <a:off x="33729" y="8521760"/>
+        <a:ext cx="2110396" cy="1023360"/>
       </dsp:txXfrm>
     </dsp:sp>
-    <dsp:sp modelId="{027CB561-824B-4A2C-B5F7-3356B494E2AC}">
+    <dsp:sp modelId="{35E53A68-F3EE-45BF-87B9-5748E7D0FB4E}">
       <dsp:nvSpPr>
         <dsp:cNvPr id="0" name=""/>
         <dsp:cNvSpPr/>
       </dsp:nvSpPr>
       <dsp:spPr>
         <a:xfrm>
-          <a:off x="341209" y="341209"/>
-          <a:ext cx="2674620" cy="2729677"/>
+          <a:off x="219298" y="9576958"/>
+          <a:ext cx="217407" cy="817364"/>
+        </a:xfrm>
+        <a:custGeom>
+          <a:avLst/>
+          <a:gdLst/>
+          <a:ahLst/>
+          <a:cxnLst/>
+          <a:rect l="0" t="0" r="0" b="0"/>
+          <a:pathLst>
+            <a:path>
+              <a:moveTo>
+                <a:pt x="0" y="0"/>
+              </a:moveTo>
+              <a:lnTo>
+                <a:pt x="0" y="817364"/>
+              </a:lnTo>
+              <a:lnTo>
+                <a:pt x="217407" y="817364"/>
+              </a:lnTo>
+            </a:path>
+          </a:pathLst>
+        </a:custGeom>
+        <a:noFill/>
+        <a:ln w="12700" cap="flat" cmpd="sng" algn="ctr">
+          <a:solidFill>
+            <a:schemeClr val="accent1">
+              <a:shade val="60000"/>
+              <a:hueOff val="0"/>
+              <a:satOff val="0"/>
+              <a:lumOff val="0"/>
+              <a:alphaOff val="0"/>
+            </a:schemeClr>
+          </a:solidFill>
+          <a:prstDash val="solid"/>
+          <a:miter lim="800000"/>
+        </a:ln>
+        <a:effectLst/>
+      </dsp:spPr>
+      <dsp:style>
+        <a:lnRef idx="2">
+          <a:scrgbClr r="0" g="0" b="0"/>
+        </a:lnRef>
+        <a:fillRef idx="0">
+          <a:scrgbClr r="0" g="0" b="0"/>
+        </a:fillRef>
+        <a:effectRef idx="0">
+          <a:scrgbClr r="0" g="0" b="0"/>
+        </a:effectRef>
+        <a:fontRef idx="minor"/>
+      </dsp:style>
+    </dsp:sp>
+    <dsp:sp modelId="{E340CD30-2C22-4E96-A3A9-D6A6A055B3A3}">
+      <dsp:nvSpPr>
+        <dsp:cNvPr id="0" name=""/>
+        <dsp:cNvSpPr/>
+      </dsp:nvSpPr>
+      <dsp:spPr>
+        <a:xfrm>
+          <a:off x="436706" y="9850804"/>
+          <a:ext cx="1739257" cy="1087036"/>
         </a:xfrm>
         <a:prstGeom prst="roundRect">
           <a:avLst>
@@ -4709,8 +5916,8 @@
           </a:avLst>
         </a:prstGeom>
         <a:solidFill>
-          <a:schemeClr val="accent1">
-            <a:tint val="50000"/>
+          <a:schemeClr val="lt1">
+            <a:alpha val="90000"/>
             <a:hueOff val="0"/>
             <a:satOff val="0"/>
             <a:lumOff val="0"/>
@@ -4719,7 +5926,7 @@
         </a:solidFill>
         <a:ln w="12700" cap="flat" cmpd="sng" algn="ctr">
           <a:solidFill>
-            <a:schemeClr val="lt1">
+            <a:schemeClr val="accent1">
               <a:hueOff val="0"/>
               <a:satOff val="0"/>
               <a:lumOff val="0"/>
@@ -4743,16 +5950,182 @@
         </a:effectRef>
         <a:fontRef idx="minor"/>
       </dsp:style>
+      <dsp:txBody>
+        <a:bodyPr spcFirstLastPara="0" vert="horz" wrap="square" lIns="34290" tIns="22860" rIns="34290" bIns="22860" numCol="1" spcCol="1270" anchor="ctr" anchorCtr="0">
+          <a:noAutofit/>
+        </a:bodyPr>
+        <a:lstStyle/>
+        <a:p>
+          <a:pPr lvl="0" algn="ctr" defTabSz="800100">
+            <a:lnSpc>
+              <a:spcPct val="90000"/>
+            </a:lnSpc>
+            <a:spcBef>
+              <a:spcPct val="0"/>
+            </a:spcBef>
+            <a:spcAft>
+              <a:spcPct val="35000"/>
+            </a:spcAft>
+          </a:pPr>
+          <a:r>
+            <a:rPr lang="en-US" sz="1800" kern="1200" dirty="0" smtClean="0"/>
+            <a:t>The Building Collector</a:t>
+          </a:r>
+          <a:endParaRPr lang="en-US" sz="1800" kern="1200" dirty="0"/>
+        </a:p>
+      </dsp:txBody>
+      <dsp:txXfrm>
+        <a:off x="468544" y="9882642"/>
+        <a:ext cx="1675581" cy="1023360"/>
+      </dsp:txXfrm>
     </dsp:sp>
-    <dsp:sp modelId="{413CCDF6-5B4A-4D76-862D-A91B27350863}">
+    <dsp:sp modelId="{8F7E9A1B-3110-4E10-B3F6-BA51C045F86C}">
       <dsp:nvSpPr>
         <dsp:cNvPr id="0" name=""/>
         <dsp:cNvSpPr/>
       </dsp:nvSpPr>
       <dsp:spPr>
         <a:xfrm>
-          <a:off x="0" y="3753305"/>
-          <a:ext cx="13373100" cy="3412096"/>
+          <a:off x="219298" y="9576958"/>
+          <a:ext cx="217407" cy="2176159"/>
+        </a:xfrm>
+        <a:custGeom>
+          <a:avLst/>
+          <a:gdLst/>
+          <a:ahLst/>
+          <a:cxnLst/>
+          <a:rect l="0" t="0" r="0" b="0"/>
+          <a:pathLst>
+            <a:path>
+              <a:moveTo>
+                <a:pt x="0" y="0"/>
+              </a:moveTo>
+              <a:lnTo>
+                <a:pt x="0" y="2176159"/>
+              </a:lnTo>
+              <a:lnTo>
+                <a:pt x="217407" y="2176159"/>
+              </a:lnTo>
+            </a:path>
+          </a:pathLst>
+        </a:custGeom>
+        <a:noFill/>
+        <a:ln w="12700" cap="flat" cmpd="sng" algn="ctr">
+          <a:solidFill>
+            <a:schemeClr val="accent1">
+              <a:shade val="60000"/>
+              <a:hueOff val="0"/>
+              <a:satOff val="0"/>
+              <a:lumOff val="0"/>
+              <a:alphaOff val="0"/>
+            </a:schemeClr>
+          </a:solidFill>
+          <a:prstDash val="solid"/>
+          <a:miter lim="800000"/>
+        </a:ln>
+        <a:effectLst/>
+      </dsp:spPr>
+      <dsp:style>
+        <a:lnRef idx="2">
+          <a:scrgbClr r="0" g="0" b="0"/>
+        </a:lnRef>
+        <a:fillRef idx="0">
+          <a:scrgbClr r="0" g="0" b="0"/>
+        </a:fillRef>
+        <a:effectRef idx="0">
+          <a:scrgbClr r="0" g="0" b="0"/>
+        </a:effectRef>
+        <a:fontRef idx="minor"/>
+      </dsp:style>
+    </dsp:sp>
+    <dsp:sp modelId="{5A913779-451D-4C00-B6DD-0D98B09440E1}">
+      <dsp:nvSpPr>
+        <dsp:cNvPr id="0" name=""/>
+        <dsp:cNvSpPr/>
+      </dsp:nvSpPr>
+      <dsp:spPr>
+        <a:xfrm>
+          <a:off x="436706" y="11209600"/>
+          <a:ext cx="1739257" cy="1087036"/>
+        </a:xfrm>
+        <a:prstGeom prst="roundRect">
+          <a:avLst>
+            <a:gd name="adj" fmla="val 10000"/>
+          </a:avLst>
+        </a:prstGeom>
+        <a:solidFill>
+          <a:schemeClr val="lt1">
+            <a:alpha val="90000"/>
+            <a:hueOff val="0"/>
+            <a:satOff val="0"/>
+            <a:lumOff val="0"/>
+            <a:alphaOff val="0"/>
+          </a:schemeClr>
+        </a:solidFill>
+        <a:ln w="12700" cap="flat" cmpd="sng" algn="ctr">
+          <a:solidFill>
+            <a:schemeClr val="accent1">
+              <a:hueOff val="0"/>
+              <a:satOff val="0"/>
+              <a:lumOff val="0"/>
+              <a:alphaOff val="0"/>
+            </a:schemeClr>
+          </a:solidFill>
+          <a:prstDash val="solid"/>
+          <a:miter lim="800000"/>
+        </a:ln>
+        <a:effectLst/>
+      </dsp:spPr>
+      <dsp:style>
+        <a:lnRef idx="2">
+          <a:scrgbClr r="0" g="0" b="0"/>
+        </a:lnRef>
+        <a:fillRef idx="1">
+          <a:scrgbClr r="0" g="0" b="0"/>
+        </a:fillRef>
+        <a:effectRef idx="0">
+          <a:scrgbClr r="0" g="0" b="0"/>
+        </a:effectRef>
+        <a:fontRef idx="minor"/>
+      </dsp:style>
+      <dsp:txBody>
+        <a:bodyPr spcFirstLastPara="0" vert="horz" wrap="square" lIns="34290" tIns="22860" rIns="34290" bIns="22860" numCol="1" spcCol="1270" anchor="ctr" anchorCtr="0">
+          <a:noAutofit/>
+        </a:bodyPr>
+        <a:lstStyle/>
+        <a:p>
+          <a:pPr lvl="0" algn="ctr" defTabSz="800100">
+            <a:lnSpc>
+              <a:spcPct val="90000"/>
+            </a:lnSpc>
+            <a:spcBef>
+              <a:spcPct val="0"/>
+            </a:spcBef>
+            <a:spcAft>
+              <a:spcPct val="35000"/>
+            </a:spcAft>
+          </a:pPr>
+          <a:r>
+            <a:rPr lang="en-US" sz="1800" kern="1200" dirty="0" smtClean="0"/>
+            <a:t>-the indentation is for the lever to go down</a:t>
+          </a:r>
+          <a:endParaRPr lang="en-US" sz="1800" kern="1200" dirty="0"/>
+        </a:p>
+      </dsp:txBody>
+      <dsp:txXfrm>
+        <a:off x="468544" y="11241438"/>
+        <a:ext cx="1675581" cy="1023360"/>
+      </dsp:txXfrm>
+    </dsp:sp>
+    <dsp:sp modelId="{80141507-F54C-45F8-AFEC-3ECDCC92D3F3}">
+      <dsp:nvSpPr>
+        <dsp:cNvPr id="0" name=""/>
+        <dsp:cNvSpPr/>
+      </dsp:nvSpPr>
+      <dsp:spPr>
+        <a:xfrm>
+          <a:off x="2719482" y="8492009"/>
+          <a:ext cx="2174072" cy="1087036"/>
         </a:xfrm>
         <a:prstGeom prst="roundRect">
           <a:avLst>
@@ -4796,12 +6169,12 @@
         </a:fontRef>
       </dsp:style>
       <dsp:txBody>
-        <a:bodyPr spcFirstLastPara="0" vert="horz" wrap="square" lIns="182880" tIns="182880" rIns="182880" bIns="182880" numCol="1" spcCol="1270" anchor="t" anchorCtr="0">
+        <a:bodyPr spcFirstLastPara="0" vert="horz" wrap="square" lIns="66675" tIns="44450" rIns="66675" bIns="44450" numCol="1" spcCol="1270" anchor="ctr" anchorCtr="0">
           <a:noAutofit/>
         </a:bodyPr>
         <a:lstStyle/>
         <a:p>
-          <a:pPr lvl="0" algn="l" defTabSz="2133600">
+          <a:pPr lvl="0" algn="ctr" defTabSz="1555750">
             <a:lnSpc>
               <a:spcPct val="90000"/>
             </a:lnSpc>
@@ -4813,60 +6186,85 @@
             </a:spcAft>
           </a:pPr>
           <a:r>
-            <a:rPr lang="en-US" sz="4800" kern="1200" dirty="0" smtClean="0"/>
-            <a:t>The Demolishing Building Jig</a:t>
+            <a:rPr lang="en-US" sz="3500" kern="1200" dirty="0" smtClean="0"/>
+            <a:t>Mission 2</a:t>
           </a:r>
-          <a:endParaRPr lang="en-US" sz="4800" kern="1200" dirty="0"/>
-        </a:p>
-        <a:p>
-          <a:pPr marL="285750" lvl="1" indent="-285750" algn="l" defTabSz="1644650">
-            <a:lnSpc>
-              <a:spcPct val="90000"/>
-            </a:lnSpc>
-            <a:spcBef>
-              <a:spcPct val="0"/>
-            </a:spcBef>
-            <a:spcAft>
-              <a:spcPct val="15000"/>
-            </a:spcAft>
-            <a:buChar char="••"/>
-          </a:pPr>
-          <a:r>
-            <a:rPr lang="en-US" sz="3700" kern="1200" dirty="0" smtClean="0"/>
-            <a:t>Curve to give the lever room to go down</a:t>
-          </a:r>
-          <a:endParaRPr lang="en-US" sz="3700" kern="1200" dirty="0"/>
-        </a:p>
-        <a:p>
-          <a:pPr marL="285750" lvl="1" indent="-285750" algn="l" defTabSz="1644650">
-            <a:lnSpc>
-              <a:spcPct val="90000"/>
-            </a:lnSpc>
-            <a:spcBef>
-              <a:spcPct val="0"/>
-            </a:spcBef>
-            <a:spcAft>
-              <a:spcPct val="15000"/>
-            </a:spcAft>
-            <a:buChar char="••"/>
-          </a:pPr>
-          <a:endParaRPr lang="en-US" sz="3700" kern="1200" dirty="0"/>
+          <a:endParaRPr lang="en-US" sz="3500" kern="1200" dirty="0"/>
         </a:p>
       </dsp:txBody>
       <dsp:txXfrm>
-        <a:off x="3015829" y="3753305"/>
-        <a:ext cx="10357270" cy="3412096"/>
+        <a:off x="2751320" y="8523847"/>
+        <a:ext cx="2110396" cy="1023360"/>
       </dsp:txXfrm>
     </dsp:sp>
-    <dsp:sp modelId="{8E6D104A-DD75-4F22-9AEF-B6E63573B692}">
+    <dsp:sp modelId="{4729DAC9-9A9A-4212-B0DB-5126F6153E6E}">
       <dsp:nvSpPr>
         <dsp:cNvPr id="0" name=""/>
         <dsp:cNvSpPr/>
       </dsp:nvSpPr>
       <dsp:spPr>
         <a:xfrm>
-          <a:off x="341209" y="4094515"/>
-          <a:ext cx="2674620" cy="2729677"/>
+          <a:off x="2936889" y="9579045"/>
+          <a:ext cx="217407" cy="815277"/>
+        </a:xfrm>
+        <a:custGeom>
+          <a:avLst/>
+          <a:gdLst/>
+          <a:ahLst/>
+          <a:cxnLst/>
+          <a:rect l="0" t="0" r="0" b="0"/>
+          <a:pathLst>
+            <a:path>
+              <a:moveTo>
+                <a:pt x="0" y="0"/>
+              </a:moveTo>
+              <a:lnTo>
+                <a:pt x="0" y="815277"/>
+              </a:lnTo>
+              <a:lnTo>
+                <a:pt x="217407" y="815277"/>
+              </a:lnTo>
+            </a:path>
+          </a:pathLst>
+        </a:custGeom>
+        <a:noFill/>
+        <a:ln w="12700" cap="flat" cmpd="sng" algn="ctr">
+          <a:solidFill>
+            <a:schemeClr val="accent1">
+              <a:shade val="60000"/>
+              <a:hueOff val="0"/>
+              <a:satOff val="0"/>
+              <a:lumOff val="0"/>
+              <a:alphaOff val="0"/>
+            </a:schemeClr>
+          </a:solidFill>
+          <a:prstDash val="solid"/>
+          <a:miter lim="800000"/>
+        </a:ln>
+        <a:effectLst/>
+      </dsp:spPr>
+      <dsp:style>
+        <a:lnRef idx="2">
+          <a:scrgbClr r="0" g="0" b="0"/>
+        </a:lnRef>
+        <a:fillRef idx="0">
+          <a:scrgbClr r="0" g="0" b="0"/>
+        </a:fillRef>
+        <a:effectRef idx="0">
+          <a:scrgbClr r="0" g="0" b="0"/>
+        </a:effectRef>
+        <a:fontRef idx="minor"/>
+      </dsp:style>
+    </dsp:sp>
+    <dsp:sp modelId="{94A89684-67C8-4BC6-94C6-8724D8886EC7}">
+      <dsp:nvSpPr>
+        <dsp:cNvPr id="0" name=""/>
+        <dsp:cNvSpPr/>
+      </dsp:nvSpPr>
+      <dsp:spPr>
+        <a:xfrm>
+          <a:off x="3154296" y="9850804"/>
+          <a:ext cx="1739257" cy="1087036"/>
         </a:xfrm>
         <a:prstGeom prst="roundRect">
           <a:avLst>
@@ -4874,8 +6272,8 @@
           </a:avLst>
         </a:prstGeom>
         <a:solidFill>
-          <a:schemeClr val="accent1">
-            <a:tint val="50000"/>
+          <a:schemeClr val="lt1">
+            <a:alpha val="90000"/>
             <a:hueOff val="0"/>
             <a:satOff val="0"/>
             <a:lumOff val="0"/>
@@ -4884,7 +6282,7 @@
         </a:solidFill>
         <a:ln w="12700" cap="flat" cmpd="sng" algn="ctr">
           <a:solidFill>
-            <a:schemeClr val="lt1">
+            <a:schemeClr val="accent1">
               <a:hueOff val="0"/>
               <a:satOff val="0"/>
               <a:lumOff val="0"/>
@@ -4908,16 +6306,738 @@
         </a:effectRef>
         <a:fontRef idx="minor"/>
       </dsp:style>
+      <dsp:txBody>
+        <a:bodyPr spcFirstLastPara="0" vert="horz" wrap="square" lIns="34290" tIns="22860" rIns="34290" bIns="22860" numCol="1" spcCol="1270" anchor="ctr" anchorCtr="0">
+          <a:noAutofit/>
+        </a:bodyPr>
+        <a:lstStyle/>
+        <a:p>
+          <a:pPr lvl="0" algn="ctr" defTabSz="800100">
+            <a:lnSpc>
+              <a:spcPct val="90000"/>
+            </a:lnSpc>
+            <a:spcBef>
+              <a:spcPct val="0"/>
+            </a:spcBef>
+            <a:spcAft>
+              <a:spcPct val="35000"/>
+            </a:spcAft>
+          </a:pPr>
+          <a:r>
+            <a:rPr lang="en-US" sz="1800" kern="1200" dirty="0" smtClean="0"/>
+            <a:t>The AVD (Animals, Valuables, Demolish)</a:t>
+          </a:r>
+          <a:endParaRPr lang="en-US" sz="1800" kern="1200" dirty="0"/>
+        </a:p>
+      </dsp:txBody>
+      <dsp:txXfrm>
+        <a:off x="3186134" y="9882642"/>
+        <a:ext cx="1675581" cy="1023360"/>
+      </dsp:txXfrm>
     </dsp:sp>
-    <dsp:sp modelId="{AC888156-5341-4AB5-94FE-79031471371D}">
+    <dsp:sp modelId="{57D0D94A-CD61-49A3-822B-7FE8AF4E0B58}">
       <dsp:nvSpPr>
         <dsp:cNvPr id="0" name=""/>
         <dsp:cNvSpPr/>
       </dsp:nvSpPr>
       <dsp:spPr>
         <a:xfrm>
-          <a:off x="0" y="7506611"/>
-          <a:ext cx="13373100" cy="3412096"/>
+          <a:off x="2936889" y="9579045"/>
+          <a:ext cx="217407" cy="2174072"/>
+        </a:xfrm>
+        <a:custGeom>
+          <a:avLst/>
+          <a:gdLst/>
+          <a:ahLst/>
+          <a:cxnLst/>
+          <a:rect l="0" t="0" r="0" b="0"/>
+          <a:pathLst>
+            <a:path>
+              <a:moveTo>
+                <a:pt x="0" y="0"/>
+              </a:moveTo>
+              <a:lnTo>
+                <a:pt x="0" y="2174072"/>
+              </a:lnTo>
+              <a:lnTo>
+                <a:pt x="217407" y="2174072"/>
+              </a:lnTo>
+            </a:path>
+          </a:pathLst>
+        </a:custGeom>
+        <a:noFill/>
+        <a:ln w="12700" cap="flat" cmpd="sng" algn="ctr">
+          <a:solidFill>
+            <a:schemeClr val="accent1">
+              <a:shade val="60000"/>
+              <a:hueOff val="0"/>
+              <a:satOff val="0"/>
+              <a:lumOff val="0"/>
+              <a:alphaOff val="0"/>
+            </a:schemeClr>
+          </a:solidFill>
+          <a:prstDash val="solid"/>
+          <a:miter lim="800000"/>
+        </a:ln>
+        <a:effectLst/>
+      </dsp:spPr>
+      <dsp:style>
+        <a:lnRef idx="2">
+          <a:scrgbClr r="0" g="0" b="0"/>
+        </a:lnRef>
+        <a:fillRef idx="0">
+          <a:scrgbClr r="0" g="0" b="0"/>
+        </a:fillRef>
+        <a:effectRef idx="0">
+          <a:scrgbClr r="0" g="0" b="0"/>
+        </a:effectRef>
+        <a:fontRef idx="minor"/>
+      </dsp:style>
+    </dsp:sp>
+    <dsp:sp modelId="{44B068F8-D067-484D-B049-CCF51D5EC571}">
+      <dsp:nvSpPr>
+        <dsp:cNvPr id="0" name=""/>
+        <dsp:cNvSpPr/>
+      </dsp:nvSpPr>
+      <dsp:spPr>
+        <a:xfrm>
+          <a:off x="3154296" y="11209600"/>
+          <a:ext cx="1739257" cy="1087036"/>
+        </a:xfrm>
+        <a:prstGeom prst="roundRect">
+          <a:avLst>
+            <a:gd name="adj" fmla="val 10000"/>
+          </a:avLst>
+        </a:prstGeom>
+        <a:solidFill>
+          <a:schemeClr val="lt1">
+            <a:alpha val="90000"/>
+            <a:hueOff val="0"/>
+            <a:satOff val="0"/>
+            <a:lumOff val="0"/>
+            <a:alphaOff val="0"/>
+          </a:schemeClr>
+        </a:solidFill>
+        <a:ln w="12700" cap="flat" cmpd="sng" algn="ctr">
+          <a:solidFill>
+            <a:schemeClr val="accent1">
+              <a:hueOff val="0"/>
+              <a:satOff val="0"/>
+              <a:lumOff val="0"/>
+              <a:alphaOff val="0"/>
+            </a:schemeClr>
+          </a:solidFill>
+          <a:prstDash val="solid"/>
+          <a:miter lim="800000"/>
+        </a:ln>
+        <a:effectLst/>
+      </dsp:spPr>
+      <dsp:style>
+        <a:lnRef idx="2">
+          <a:scrgbClr r="0" g="0" b="0"/>
+        </a:lnRef>
+        <a:fillRef idx="1">
+          <a:scrgbClr r="0" g="0" b="0"/>
+        </a:fillRef>
+        <a:effectRef idx="0">
+          <a:scrgbClr r="0" g="0" b="0"/>
+        </a:effectRef>
+        <a:fontRef idx="minor"/>
+      </dsp:style>
+      <dsp:txBody>
+        <a:bodyPr spcFirstLastPara="0" vert="horz" wrap="square" lIns="34290" tIns="22860" rIns="34290" bIns="22860" numCol="1" spcCol="1270" anchor="ctr" anchorCtr="0">
+          <a:noAutofit/>
+        </a:bodyPr>
+        <a:lstStyle/>
+        <a:p>
+          <a:pPr lvl="0" algn="ctr" defTabSz="800100">
+            <a:lnSpc>
+              <a:spcPct val="90000"/>
+            </a:lnSpc>
+            <a:spcBef>
+              <a:spcPct val="0"/>
+            </a:spcBef>
+            <a:spcAft>
+              <a:spcPct val="35000"/>
+            </a:spcAft>
+          </a:pPr>
+          <a:r>
+            <a:rPr lang="en-US" sz="1800" kern="1200" dirty="0" smtClean="0"/>
+            <a:t>-One-way door that lifts up to make the robot more compact</a:t>
+          </a:r>
+          <a:endParaRPr lang="en-US" sz="1800" kern="1200" dirty="0"/>
+        </a:p>
+      </dsp:txBody>
+      <dsp:txXfrm>
+        <a:off x="3186134" y="11241438"/>
+        <a:ext cx="1675581" cy="1023360"/>
+      </dsp:txXfrm>
+    </dsp:sp>
+    <dsp:sp modelId="{7CB69CAF-7C7B-4770-B554-3911CF4F1593}">
+      <dsp:nvSpPr>
+        <dsp:cNvPr id="0" name=""/>
+        <dsp:cNvSpPr/>
+      </dsp:nvSpPr>
+      <dsp:spPr>
+        <a:xfrm>
+          <a:off x="2936889" y="9579045"/>
+          <a:ext cx="217407" cy="3532867"/>
+        </a:xfrm>
+        <a:custGeom>
+          <a:avLst/>
+          <a:gdLst/>
+          <a:ahLst/>
+          <a:cxnLst/>
+          <a:rect l="0" t="0" r="0" b="0"/>
+          <a:pathLst>
+            <a:path>
+              <a:moveTo>
+                <a:pt x="0" y="0"/>
+              </a:moveTo>
+              <a:lnTo>
+                <a:pt x="0" y="3532867"/>
+              </a:lnTo>
+              <a:lnTo>
+                <a:pt x="217407" y="3532867"/>
+              </a:lnTo>
+            </a:path>
+          </a:pathLst>
+        </a:custGeom>
+        <a:noFill/>
+        <a:ln w="12700" cap="flat" cmpd="sng" algn="ctr">
+          <a:solidFill>
+            <a:schemeClr val="accent1">
+              <a:shade val="60000"/>
+              <a:hueOff val="0"/>
+              <a:satOff val="0"/>
+              <a:lumOff val="0"/>
+              <a:alphaOff val="0"/>
+            </a:schemeClr>
+          </a:solidFill>
+          <a:prstDash val="solid"/>
+          <a:miter lim="800000"/>
+        </a:ln>
+        <a:effectLst/>
+      </dsp:spPr>
+      <dsp:style>
+        <a:lnRef idx="2">
+          <a:scrgbClr r="0" g="0" b="0"/>
+        </a:lnRef>
+        <a:fillRef idx="0">
+          <a:scrgbClr r="0" g="0" b="0"/>
+        </a:fillRef>
+        <a:effectRef idx="0">
+          <a:scrgbClr r="0" g="0" b="0"/>
+        </a:effectRef>
+        <a:fontRef idx="minor"/>
+      </dsp:style>
+    </dsp:sp>
+    <dsp:sp modelId="{A564A31F-5C2E-4A33-947F-50C68CEAF4D3}">
+      <dsp:nvSpPr>
+        <dsp:cNvPr id="0" name=""/>
+        <dsp:cNvSpPr/>
+      </dsp:nvSpPr>
+      <dsp:spPr>
+        <a:xfrm>
+          <a:off x="3154296" y="12568395"/>
+          <a:ext cx="1739257" cy="1087036"/>
+        </a:xfrm>
+        <a:prstGeom prst="roundRect">
+          <a:avLst>
+            <a:gd name="adj" fmla="val 10000"/>
+          </a:avLst>
+        </a:prstGeom>
+        <a:solidFill>
+          <a:schemeClr val="lt1">
+            <a:alpha val="90000"/>
+            <a:hueOff val="0"/>
+            <a:satOff val="0"/>
+            <a:lumOff val="0"/>
+            <a:alphaOff val="0"/>
+          </a:schemeClr>
+        </a:solidFill>
+        <a:ln w="12700" cap="flat" cmpd="sng" algn="ctr">
+          <a:solidFill>
+            <a:schemeClr val="accent1">
+              <a:hueOff val="0"/>
+              <a:satOff val="0"/>
+              <a:lumOff val="0"/>
+              <a:alphaOff val="0"/>
+            </a:schemeClr>
+          </a:solidFill>
+          <a:prstDash val="solid"/>
+          <a:miter lim="800000"/>
+        </a:ln>
+        <a:effectLst/>
+      </dsp:spPr>
+      <dsp:style>
+        <a:lnRef idx="2">
+          <a:scrgbClr r="0" g="0" b="0"/>
+        </a:lnRef>
+        <a:fillRef idx="1">
+          <a:scrgbClr r="0" g="0" b="0"/>
+        </a:fillRef>
+        <a:effectRef idx="0">
+          <a:scrgbClr r="0" g="0" b="0"/>
+        </a:effectRef>
+        <a:fontRef idx="minor"/>
+      </dsp:style>
+      <dsp:txBody>
+        <a:bodyPr spcFirstLastPara="0" vert="horz" wrap="square" lIns="34290" tIns="22860" rIns="34290" bIns="22860" numCol="1" spcCol="1270" anchor="ctr" anchorCtr="0">
+          <a:noAutofit/>
+        </a:bodyPr>
+        <a:lstStyle/>
+        <a:p>
+          <a:pPr lvl="0" algn="ctr" defTabSz="800100">
+            <a:lnSpc>
+              <a:spcPct val="90000"/>
+            </a:lnSpc>
+            <a:spcBef>
+              <a:spcPct val="0"/>
+            </a:spcBef>
+            <a:spcAft>
+              <a:spcPct val="35000"/>
+            </a:spcAft>
+          </a:pPr>
+          <a:r>
+            <a:rPr lang="en-US" sz="1800" kern="1200" dirty="0" smtClean="0"/>
+            <a:t>The Slide</a:t>
+          </a:r>
+          <a:endParaRPr lang="en-US" sz="1800" kern="1200" dirty="0"/>
+        </a:p>
+      </dsp:txBody>
+      <dsp:txXfrm>
+        <a:off x="3186134" y="12600233"/>
+        <a:ext cx="1675581" cy="1023360"/>
+      </dsp:txXfrm>
+    </dsp:sp>
+    <dsp:sp modelId="{C6C9A3EC-A01B-4290-BF81-DB25C09B305B}">
+      <dsp:nvSpPr>
+        <dsp:cNvPr id="0" name=""/>
+        <dsp:cNvSpPr/>
+      </dsp:nvSpPr>
+      <dsp:spPr>
+        <a:xfrm>
+          <a:off x="2936889" y="9579045"/>
+          <a:ext cx="217407" cy="4891662"/>
+        </a:xfrm>
+        <a:custGeom>
+          <a:avLst/>
+          <a:gdLst/>
+          <a:ahLst/>
+          <a:cxnLst/>
+          <a:rect l="0" t="0" r="0" b="0"/>
+          <a:pathLst>
+            <a:path>
+              <a:moveTo>
+                <a:pt x="0" y="0"/>
+              </a:moveTo>
+              <a:lnTo>
+                <a:pt x="0" y="4891662"/>
+              </a:lnTo>
+              <a:lnTo>
+                <a:pt x="217407" y="4891662"/>
+              </a:lnTo>
+            </a:path>
+          </a:pathLst>
+        </a:custGeom>
+        <a:noFill/>
+        <a:ln w="12700" cap="flat" cmpd="sng" algn="ctr">
+          <a:solidFill>
+            <a:schemeClr val="accent1">
+              <a:shade val="60000"/>
+              <a:hueOff val="0"/>
+              <a:satOff val="0"/>
+              <a:lumOff val="0"/>
+              <a:alphaOff val="0"/>
+            </a:schemeClr>
+          </a:solidFill>
+          <a:prstDash val="solid"/>
+          <a:miter lim="800000"/>
+        </a:ln>
+        <a:effectLst/>
+      </dsp:spPr>
+      <dsp:style>
+        <a:lnRef idx="2">
+          <a:scrgbClr r="0" g="0" b="0"/>
+        </a:lnRef>
+        <a:fillRef idx="0">
+          <a:scrgbClr r="0" g="0" b="0"/>
+        </a:fillRef>
+        <a:effectRef idx="0">
+          <a:scrgbClr r="0" g="0" b="0"/>
+        </a:effectRef>
+        <a:fontRef idx="minor"/>
+      </dsp:style>
+    </dsp:sp>
+    <dsp:sp modelId="{5EF381F5-CBFF-4F55-9EAB-A7B642D0C05B}">
+      <dsp:nvSpPr>
+        <dsp:cNvPr id="0" name=""/>
+        <dsp:cNvSpPr/>
+      </dsp:nvSpPr>
+      <dsp:spPr>
+        <a:xfrm>
+          <a:off x="3154296" y="13927190"/>
+          <a:ext cx="1739257" cy="1087036"/>
+        </a:xfrm>
+        <a:prstGeom prst="roundRect">
+          <a:avLst>
+            <a:gd name="adj" fmla="val 10000"/>
+          </a:avLst>
+        </a:prstGeom>
+        <a:solidFill>
+          <a:schemeClr val="lt1">
+            <a:alpha val="90000"/>
+            <a:hueOff val="0"/>
+            <a:satOff val="0"/>
+            <a:lumOff val="0"/>
+            <a:alphaOff val="0"/>
+          </a:schemeClr>
+        </a:solidFill>
+        <a:ln w="12700" cap="flat" cmpd="sng" algn="ctr">
+          <a:solidFill>
+            <a:schemeClr val="accent1">
+              <a:hueOff val="0"/>
+              <a:satOff val="0"/>
+              <a:lumOff val="0"/>
+              <a:alphaOff val="0"/>
+            </a:schemeClr>
+          </a:solidFill>
+          <a:prstDash val="solid"/>
+          <a:miter lim="800000"/>
+        </a:ln>
+        <a:effectLst/>
+      </dsp:spPr>
+      <dsp:style>
+        <a:lnRef idx="2">
+          <a:scrgbClr r="0" g="0" b="0"/>
+        </a:lnRef>
+        <a:fillRef idx="1">
+          <a:scrgbClr r="0" g="0" b="0"/>
+        </a:fillRef>
+        <a:effectRef idx="0">
+          <a:scrgbClr r="0" g="0" b="0"/>
+        </a:effectRef>
+        <a:fontRef idx="minor"/>
+      </dsp:style>
+      <dsp:txBody>
+        <a:bodyPr spcFirstLastPara="0" vert="horz" wrap="square" lIns="34290" tIns="22860" rIns="34290" bIns="22860" numCol="1" spcCol="1270" anchor="ctr" anchorCtr="0">
+          <a:noAutofit/>
+        </a:bodyPr>
+        <a:lstStyle/>
+        <a:p>
+          <a:pPr lvl="0" algn="ctr" defTabSz="800100">
+            <a:lnSpc>
+              <a:spcPct val="90000"/>
+            </a:lnSpc>
+            <a:spcBef>
+              <a:spcPct val="0"/>
+            </a:spcBef>
+            <a:spcAft>
+              <a:spcPct val="35000"/>
+            </a:spcAft>
+          </a:pPr>
+          <a:r>
+            <a:rPr lang="en-US" sz="1800" kern="1200" dirty="0" smtClean="0"/>
+            <a:t>The Compost Collector</a:t>
+          </a:r>
+          <a:endParaRPr lang="en-US" sz="1800" kern="1200" dirty="0"/>
+        </a:p>
+      </dsp:txBody>
+      <dsp:txXfrm>
+        <a:off x="3186134" y="13959028"/>
+        <a:ext cx="1675581" cy="1023360"/>
+      </dsp:txXfrm>
+    </dsp:sp>
+    <dsp:sp modelId="{C434FA4B-EA6B-4033-9557-5F431CDC5FA8}">
+      <dsp:nvSpPr>
+        <dsp:cNvPr id="0" name=""/>
+        <dsp:cNvSpPr/>
+      </dsp:nvSpPr>
+      <dsp:spPr>
+        <a:xfrm>
+          <a:off x="2936889" y="9579045"/>
+          <a:ext cx="217407" cy="6250458"/>
+        </a:xfrm>
+        <a:custGeom>
+          <a:avLst/>
+          <a:gdLst/>
+          <a:ahLst/>
+          <a:cxnLst/>
+          <a:rect l="0" t="0" r="0" b="0"/>
+          <a:pathLst>
+            <a:path>
+              <a:moveTo>
+                <a:pt x="0" y="0"/>
+              </a:moveTo>
+              <a:lnTo>
+                <a:pt x="0" y="6250458"/>
+              </a:lnTo>
+              <a:lnTo>
+                <a:pt x="217407" y="6250458"/>
+              </a:lnTo>
+            </a:path>
+          </a:pathLst>
+        </a:custGeom>
+        <a:noFill/>
+        <a:ln w="12700" cap="flat" cmpd="sng" algn="ctr">
+          <a:solidFill>
+            <a:schemeClr val="accent1">
+              <a:shade val="60000"/>
+              <a:hueOff val="0"/>
+              <a:satOff val="0"/>
+              <a:lumOff val="0"/>
+              <a:alphaOff val="0"/>
+            </a:schemeClr>
+          </a:solidFill>
+          <a:prstDash val="solid"/>
+          <a:miter lim="800000"/>
+        </a:ln>
+        <a:effectLst/>
+      </dsp:spPr>
+      <dsp:style>
+        <a:lnRef idx="2">
+          <a:scrgbClr r="0" g="0" b="0"/>
+        </a:lnRef>
+        <a:fillRef idx="0">
+          <a:scrgbClr r="0" g="0" b="0"/>
+        </a:fillRef>
+        <a:effectRef idx="0">
+          <a:scrgbClr r="0" g="0" b="0"/>
+        </a:effectRef>
+        <a:fontRef idx="minor"/>
+      </dsp:style>
+    </dsp:sp>
+    <dsp:sp modelId="{2D41FDC7-2770-484B-A464-7877CD5BF1CA}">
+      <dsp:nvSpPr>
+        <dsp:cNvPr id="0" name=""/>
+        <dsp:cNvSpPr/>
+      </dsp:nvSpPr>
+      <dsp:spPr>
+        <a:xfrm>
+          <a:off x="3154296" y="15285985"/>
+          <a:ext cx="1739257" cy="1087036"/>
+        </a:xfrm>
+        <a:prstGeom prst="roundRect">
+          <a:avLst>
+            <a:gd name="adj" fmla="val 10000"/>
+          </a:avLst>
+        </a:prstGeom>
+        <a:solidFill>
+          <a:schemeClr val="lt1">
+            <a:alpha val="90000"/>
+            <a:hueOff val="0"/>
+            <a:satOff val="0"/>
+            <a:lumOff val="0"/>
+            <a:alphaOff val="0"/>
+          </a:schemeClr>
+        </a:solidFill>
+        <a:ln w="12700" cap="flat" cmpd="sng" algn="ctr">
+          <a:solidFill>
+            <a:schemeClr val="accent1">
+              <a:hueOff val="0"/>
+              <a:satOff val="0"/>
+              <a:lumOff val="0"/>
+              <a:alphaOff val="0"/>
+            </a:schemeClr>
+          </a:solidFill>
+          <a:prstDash val="solid"/>
+          <a:miter lim="800000"/>
+        </a:ln>
+        <a:effectLst/>
+      </dsp:spPr>
+      <dsp:style>
+        <a:lnRef idx="2">
+          <a:scrgbClr r="0" g="0" b="0"/>
+        </a:lnRef>
+        <a:fillRef idx="1">
+          <a:scrgbClr r="0" g="0" b="0"/>
+        </a:fillRef>
+        <a:effectRef idx="0">
+          <a:scrgbClr r="0" g="0" b="0"/>
+        </a:effectRef>
+        <a:fontRef idx="minor"/>
+      </dsp:style>
+      <dsp:txBody>
+        <a:bodyPr spcFirstLastPara="0" vert="horz" wrap="square" lIns="34290" tIns="22860" rIns="34290" bIns="22860" numCol="1" spcCol="1270" anchor="ctr" anchorCtr="0">
+          <a:noAutofit/>
+        </a:bodyPr>
+        <a:lstStyle/>
+        <a:p>
+          <a:pPr lvl="0" algn="ctr" defTabSz="800100">
+            <a:lnSpc>
+              <a:spcPct val="90000"/>
+            </a:lnSpc>
+            <a:spcBef>
+              <a:spcPct val="0"/>
+            </a:spcBef>
+            <a:spcAft>
+              <a:spcPct val="35000"/>
+            </a:spcAft>
+          </a:pPr>
+          <a:r>
+            <a:rPr lang="en-US" sz="1800" kern="1200" dirty="0" smtClean="0"/>
+            <a:t>The Turtle </a:t>
+          </a:r>
+          <a:r>
+            <a:rPr lang="en-US" sz="1800" kern="1200" dirty="0" err="1" smtClean="0"/>
+            <a:t>Baginator</a:t>
+          </a:r>
+          <a:endParaRPr lang="en-US" sz="1800" kern="1200" dirty="0"/>
+        </a:p>
+      </dsp:txBody>
+      <dsp:txXfrm>
+        <a:off x="3186134" y="15317823"/>
+        <a:ext cx="1675581" cy="1023360"/>
+      </dsp:txXfrm>
+    </dsp:sp>
+    <dsp:sp modelId="{EFAA710B-A63B-408A-87C2-0ED004EF374C}">
+      <dsp:nvSpPr>
+        <dsp:cNvPr id="0" name=""/>
+        <dsp:cNvSpPr/>
+      </dsp:nvSpPr>
+      <dsp:spPr>
+        <a:xfrm>
+          <a:off x="2936889" y="9579045"/>
+          <a:ext cx="217407" cy="7609253"/>
+        </a:xfrm>
+        <a:custGeom>
+          <a:avLst/>
+          <a:gdLst/>
+          <a:ahLst/>
+          <a:cxnLst/>
+          <a:rect l="0" t="0" r="0" b="0"/>
+          <a:pathLst>
+            <a:path>
+              <a:moveTo>
+                <a:pt x="0" y="0"/>
+              </a:moveTo>
+              <a:lnTo>
+                <a:pt x="0" y="7609253"/>
+              </a:lnTo>
+              <a:lnTo>
+                <a:pt x="217407" y="7609253"/>
+              </a:lnTo>
+            </a:path>
+          </a:pathLst>
+        </a:custGeom>
+        <a:noFill/>
+        <a:ln w="12700" cap="flat" cmpd="sng" algn="ctr">
+          <a:solidFill>
+            <a:schemeClr val="accent1">
+              <a:shade val="60000"/>
+              <a:hueOff val="0"/>
+              <a:satOff val="0"/>
+              <a:lumOff val="0"/>
+              <a:alphaOff val="0"/>
+            </a:schemeClr>
+          </a:solidFill>
+          <a:prstDash val="solid"/>
+          <a:miter lim="800000"/>
+        </a:ln>
+        <a:effectLst/>
+      </dsp:spPr>
+      <dsp:style>
+        <a:lnRef idx="2">
+          <a:scrgbClr r="0" g="0" b="0"/>
+        </a:lnRef>
+        <a:fillRef idx="0">
+          <a:scrgbClr r="0" g="0" b="0"/>
+        </a:fillRef>
+        <a:effectRef idx="0">
+          <a:scrgbClr r="0" g="0" b="0"/>
+        </a:effectRef>
+        <a:fontRef idx="minor"/>
+      </dsp:style>
+    </dsp:sp>
+    <dsp:sp modelId="{5062F23A-2500-493F-A93E-7E4034DE7E14}">
+      <dsp:nvSpPr>
+        <dsp:cNvPr id="0" name=""/>
+        <dsp:cNvSpPr/>
+      </dsp:nvSpPr>
+      <dsp:spPr>
+        <a:xfrm>
+          <a:off x="3154296" y="16644781"/>
+          <a:ext cx="1739257" cy="1087036"/>
+        </a:xfrm>
+        <a:prstGeom prst="roundRect">
+          <a:avLst>
+            <a:gd name="adj" fmla="val 10000"/>
+          </a:avLst>
+        </a:prstGeom>
+        <a:solidFill>
+          <a:schemeClr val="lt1">
+            <a:alpha val="90000"/>
+            <a:hueOff val="0"/>
+            <a:satOff val="0"/>
+            <a:lumOff val="0"/>
+            <a:alphaOff val="0"/>
+          </a:schemeClr>
+        </a:solidFill>
+        <a:ln w="12700" cap="flat" cmpd="sng" algn="ctr">
+          <a:solidFill>
+            <a:schemeClr val="accent1">
+              <a:hueOff val="0"/>
+              <a:satOff val="0"/>
+              <a:lumOff val="0"/>
+              <a:alphaOff val="0"/>
+            </a:schemeClr>
+          </a:solidFill>
+          <a:prstDash val="solid"/>
+          <a:miter lim="800000"/>
+        </a:ln>
+        <a:effectLst/>
+      </dsp:spPr>
+      <dsp:style>
+        <a:lnRef idx="2">
+          <a:scrgbClr r="0" g="0" b="0"/>
+        </a:lnRef>
+        <a:fillRef idx="1">
+          <a:scrgbClr r="0" g="0" b="0"/>
+        </a:fillRef>
+        <a:effectRef idx="0">
+          <a:scrgbClr r="0" g="0" b="0"/>
+        </a:effectRef>
+        <a:fontRef idx="minor"/>
+      </dsp:style>
+      <dsp:txBody>
+        <a:bodyPr spcFirstLastPara="0" vert="horz" wrap="square" lIns="34290" tIns="22860" rIns="34290" bIns="22860" numCol="1" spcCol="1270" anchor="ctr" anchorCtr="0">
+          <a:noAutofit/>
+        </a:bodyPr>
+        <a:lstStyle/>
+        <a:p>
+          <a:pPr lvl="0" algn="ctr" defTabSz="800100">
+            <a:lnSpc>
+              <a:spcPct val="90000"/>
+            </a:lnSpc>
+            <a:spcBef>
+              <a:spcPct val="0"/>
+            </a:spcBef>
+            <a:spcAft>
+              <a:spcPct val="35000"/>
+            </a:spcAft>
+          </a:pPr>
+          <a:r>
+            <a:rPr lang="en-US" sz="1800" kern="1200" dirty="0" smtClean="0"/>
+            <a:t>-it’s controlled by part of the Engine Installer</a:t>
+          </a:r>
+          <a:endParaRPr lang="en-US" sz="1800" kern="1200" dirty="0"/>
+        </a:p>
+      </dsp:txBody>
+      <dsp:txXfrm>
+        <a:off x="3186134" y="16676619"/>
+        <a:ext cx="1675581" cy="1023360"/>
+      </dsp:txXfrm>
+    </dsp:sp>
+    <dsp:sp modelId="{0490A791-9A29-4EA3-B650-457A89D37B55}">
+      <dsp:nvSpPr>
+        <dsp:cNvPr id="0" name=""/>
+        <dsp:cNvSpPr/>
+      </dsp:nvSpPr>
+      <dsp:spPr>
+        <a:xfrm>
+          <a:off x="5437072" y="8492009"/>
+          <a:ext cx="2174072" cy="1087036"/>
         </a:xfrm>
         <a:prstGeom prst="roundRect">
           <a:avLst>
@@ -4961,12 +7081,12 @@
         </a:fontRef>
       </dsp:style>
       <dsp:txBody>
-        <a:bodyPr spcFirstLastPara="0" vert="horz" wrap="square" lIns="182880" tIns="182880" rIns="182880" bIns="182880" numCol="1" spcCol="1270" anchor="t" anchorCtr="0">
+        <a:bodyPr spcFirstLastPara="0" vert="horz" wrap="square" lIns="66675" tIns="44450" rIns="66675" bIns="44450" numCol="1" spcCol="1270" anchor="ctr" anchorCtr="0">
           <a:noAutofit/>
         </a:bodyPr>
         <a:lstStyle/>
         <a:p>
-          <a:pPr lvl="0" algn="l" defTabSz="2133600">
+          <a:pPr lvl="0" algn="ctr" defTabSz="1555750">
             <a:lnSpc>
               <a:spcPct val="90000"/>
             </a:lnSpc>
@@ -4978,64 +7098,85 @@
             </a:spcAft>
           </a:pPr>
           <a:r>
-            <a:rPr lang="en-US" sz="4800" kern="1200" dirty="0" smtClean="0"/>
-            <a:t>The One-Way Door</a:t>
+            <a:rPr lang="en-US" sz="3500" kern="1200" dirty="0" smtClean="0"/>
+            <a:t>Missions 3 &amp; 4</a:t>
           </a:r>
-          <a:endParaRPr lang="en-US" sz="4800" kern="1200" dirty="0"/>
-        </a:p>
-        <a:p>
-          <a:pPr marL="285750" lvl="1" indent="-285750" algn="l" defTabSz="1644650">
-            <a:lnSpc>
-              <a:spcPct val="90000"/>
-            </a:lnSpc>
-            <a:spcBef>
-              <a:spcPct val="0"/>
-            </a:spcBef>
-            <a:spcAft>
-              <a:spcPct val="15000"/>
-            </a:spcAft>
-            <a:buChar char="••"/>
-          </a:pPr>
-          <a:r>
-            <a:rPr lang="en-US" sz="3700" kern="1200" dirty="0" smtClean="0"/>
-            <a:t>Used to collect the Valuables</a:t>
-          </a:r>
-          <a:endParaRPr lang="en-US" sz="3700" kern="1200" dirty="0"/>
-        </a:p>
-        <a:p>
-          <a:pPr marL="285750" lvl="1" indent="-285750" algn="l" defTabSz="1644650">
-            <a:lnSpc>
-              <a:spcPct val="90000"/>
-            </a:lnSpc>
-            <a:spcBef>
-              <a:spcPct val="0"/>
-            </a:spcBef>
-            <a:spcAft>
-              <a:spcPct val="15000"/>
-            </a:spcAft>
-            <a:buChar char="••"/>
-          </a:pPr>
-          <a:r>
-            <a:rPr lang="en-US" sz="3700" kern="1200" dirty="0" smtClean="0"/>
-            <a:t>Used for a more compact robot design</a:t>
-          </a:r>
-          <a:endParaRPr lang="en-US" sz="3700" kern="1200" dirty="0"/>
+          <a:endParaRPr lang="en-US" sz="3500" kern="1200" dirty="0"/>
         </a:p>
       </dsp:txBody>
       <dsp:txXfrm>
-        <a:off x="3015829" y="7506611"/>
-        <a:ext cx="10357270" cy="3412096"/>
+        <a:off x="5468910" y="8523847"/>
+        <a:ext cx="2110396" cy="1023360"/>
       </dsp:txXfrm>
     </dsp:sp>
-    <dsp:sp modelId="{B1C2CE59-BC70-456D-BA27-9D1D8645B579}">
+    <dsp:sp modelId="{E9346C89-3447-4446-B1F8-4B54F259B597}">
       <dsp:nvSpPr>
         <dsp:cNvPr id="0" name=""/>
         <dsp:cNvSpPr/>
       </dsp:nvSpPr>
       <dsp:spPr>
         <a:xfrm>
-          <a:off x="341209" y="7847821"/>
-          <a:ext cx="2674620" cy="2729677"/>
+          <a:off x="5654479" y="9579045"/>
+          <a:ext cx="217407" cy="815277"/>
+        </a:xfrm>
+        <a:custGeom>
+          <a:avLst/>
+          <a:gdLst/>
+          <a:ahLst/>
+          <a:cxnLst/>
+          <a:rect l="0" t="0" r="0" b="0"/>
+          <a:pathLst>
+            <a:path>
+              <a:moveTo>
+                <a:pt x="0" y="0"/>
+              </a:moveTo>
+              <a:lnTo>
+                <a:pt x="0" y="815277"/>
+              </a:lnTo>
+              <a:lnTo>
+                <a:pt x="217407" y="815277"/>
+              </a:lnTo>
+            </a:path>
+          </a:pathLst>
+        </a:custGeom>
+        <a:noFill/>
+        <a:ln w="12700" cap="flat" cmpd="sng" algn="ctr">
+          <a:solidFill>
+            <a:schemeClr val="accent1">
+              <a:shade val="60000"/>
+              <a:hueOff val="0"/>
+              <a:satOff val="0"/>
+              <a:lumOff val="0"/>
+              <a:alphaOff val="0"/>
+            </a:schemeClr>
+          </a:solidFill>
+          <a:prstDash val="solid"/>
+          <a:miter lim="800000"/>
+        </a:ln>
+        <a:effectLst/>
+      </dsp:spPr>
+      <dsp:style>
+        <a:lnRef idx="2">
+          <a:scrgbClr r="0" g="0" b="0"/>
+        </a:lnRef>
+        <a:fillRef idx="0">
+          <a:scrgbClr r="0" g="0" b="0"/>
+        </a:fillRef>
+        <a:effectRef idx="0">
+          <a:scrgbClr r="0" g="0" b="0"/>
+        </a:effectRef>
+        <a:fontRef idx="minor"/>
+      </dsp:style>
+    </dsp:sp>
+    <dsp:sp modelId="{0F6098A3-C18A-4A97-9D44-CFE10F694F17}">
+      <dsp:nvSpPr>
+        <dsp:cNvPr id="0" name=""/>
+        <dsp:cNvSpPr/>
+      </dsp:nvSpPr>
+      <dsp:spPr>
+        <a:xfrm>
+          <a:off x="5871887" y="9850804"/>
+          <a:ext cx="1739257" cy="1087036"/>
         </a:xfrm>
         <a:prstGeom prst="roundRect">
           <a:avLst>
@@ -5043,8 +7184,8 @@
           </a:avLst>
         </a:prstGeom>
         <a:solidFill>
-          <a:schemeClr val="accent1">
-            <a:tint val="50000"/>
+          <a:schemeClr val="lt1">
+            <a:alpha val="90000"/>
             <a:hueOff val="0"/>
             <a:satOff val="0"/>
             <a:lumOff val="0"/>
@@ -5053,7 +7194,7 @@
         </a:solidFill>
         <a:ln w="12700" cap="flat" cmpd="sng" algn="ctr">
           <a:solidFill>
-            <a:schemeClr val="lt1">
+            <a:schemeClr val="accent1">
               <a:hueOff val="0"/>
               <a:satOff val="0"/>
               <a:lumOff val="0"/>
@@ -5077,16 +7218,182 @@
         </a:effectRef>
         <a:fontRef idx="minor"/>
       </dsp:style>
+      <dsp:txBody>
+        <a:bodyPr spcFirstLastPara="0" vert="horz" wrap="square" lIns="34290" tIns="22860" rIns="34290" bIns="22860" numCol="1" spcCol="1270" anchor="ctr" anchorCtr="0">
+          <a:noAutofit/>
+        </a:bodyPr>
+        <a:lstStyle/>
+        <a:p>
+          <a:pPr lvl="0" algn="ctr" defTabSz="800100">
+            <a:lnSpc>
+              <a:spcPct val="90000"/>
+            </a:lnSpc>
+            <a:spcBef>
+              <a:spcPct val="0"/>
+            </a:spcBef>
+            <a:spcAft>
+              <a:spcPct val="35000"/>
+            </a:spcAft>
+          </a:pPr>
+          <a:r>
+            <a:rPr lang="en-US" sz="1800" kern="1200" dirty="0" smtClean="0"/>
+            <a:t>The Compost Retriever</a:t>
+          </a:r>
+          <a:endParaRPr lang="en-US" sz="1800" kern="1200" dirty="0"/>
+        </a:p>
+      </dsp:txBody>
+      <dsp:txXfrm>
+        <a:off x="5903725" y="9882642"/>
+        <a:ext cx="1675581" cy="1023360"/>
+      </dsp:txXfrm>
     </dsp:sp>
-    <dsp:sp modelId="{7F5395D9-DB73-415A-BD76-3208DC72D078}">
+    <dsp:sp modelId="{C4490684-4531-4B63-8E17-5F5C5D87072B}">
       <dsp:nvSpPr>
         <dsp:cNvPr id="0" name=""/>
         <dsp:cNvSpPr/>
       </dsp:nvSpPr>
       <dsp:spPr>
         <a:xfrm>
-          <a:off x="0" y="11259917"/>
-          <a:ext cx="13373100" cy="3412096"/>
+          <a:off x="5654479" y="9579045"/>
+          <a:ext cx="217407" cy="2174072"/>
+        </a:xfrm>
+        <a:custGeom>
+          <a:avLst/>
+          <a:gdLst/>
+          <a:ahLst/>
+          <a:cxnLst/>
+          <a:rect l="0" t="0" r="0" b="0"/>
+          <a:pathLst>
+            <a:path>
+              <a:moveTo>
+                <a:pt x="0" y="0"/>
+              </a:moveTo>
+              <a:lnTo>
+                <a:pt x="0" y="2174072"/>
+              </a:lnTo>
+              <a:lnTo>
+                <a:pt x="217407" y="2174072"/>
+              </a:lnTo>
+            </a:path>
+          </a:pathLst>
+        </a:custGeom>
+        <a:noFill/>
+        <a:ln w="12700" cap="flat" cmpd="sng" algn="ctr">
+          <a:solidFill>
+            <a:schemeClr val="accent1">
+              <a:shade val="60000"/>
+              <a:hueOff val="0"/>
+              <a:satOff val="0"/>
+              <a:lumOff val="0"/>
+              <a:alphaOff val="0"/>
+            </a:schemeClr>
+          </a:solidFill>
+          <a:prstDash val="solid"/>
+          <a:miter lim="800000"/>
+        </a:ln>
+        <a:effectLst/>
+      </dsp:spPr>
+      <dsp:style>
+        <a:lnRef idx="2">
+          <a:scrgbClr r="0" g="0" b="0"/>
+        </a:lnRef>
+        <a:fillRef idx="0">
+          <a:scrgbClr r="0" g="0" b="0"/>
+        </a:fillRef>
+        <a:effectRef idx="0">
+          <a:scrgbClr r="0" g="0" b="0"/>
+        </a:effectRef>
+        <a:fontRef idx="minor"/>
+      </dsp:style>
+    </dsp:sp>
+    <dsp:sp modelId="{BD30DA5F-5273-468D-B106-8B5AF67DF354}">
+      <dsp:nvSpPr>
+        <dsp:cNvPr id="0" name=""/>
+        <dsp:cNvSpPr/>
+      </dsp:nvSpPr>
+      <dsp:spPr>
+        <a:xfrm>
+          <a:off x="5871887" y="11209600"/>
+          <a:ext cx="1739257" cy="1087036"/>
+        </a:xfrm>
+        <a:prstGeom prst="roundRect">
+          <a:avLst>
+            <a:gd name="adj" fmla="val 10000"/>
+          </a:avLst>
+        </a:prstGeom>
+        <a:solidFill>
+          <a:schemeClr val="lt1">
+            <a:alpha val="90000"/>
+            <a:hueOff val="0"/>
+            <a:satOff val="0"/>
+            <a:lumOff val="0"/>
+            <a:alphaOff val="0"/>
+          </a:schemeClr>
+        </a:solidFill>
+        <a:ln w="12700" cap="flat" cmpd="sng" algn="ctr">
+          <a:solidFill>
+            <a:schemeClr val="accent1">
+              <a:hueOff val="0"/>
+              <a:satOff val="0"/>
+              <a:lumOff val="0"/>
+              <a:alphaOff val="0"/>
+            </a:schemeClr>
+          </a:solidFill>
+          <a:prstDash val="solid"/>
+          <a:miter lim="800000"/>
+        </a:ln>
+        <a:effectLst/>
+      </dsp:spPr>
+      <dsp:style>
+        <a:lnRef idx="2">
+          <a:scrgbClr r="0" g="0" b="0"/>
+        </a:lnRef>
+        <a:fillRef idx="1">
+          <a:scrgbClr r="0" g="0" b="0"/>
+        </a:fillRef>
+        <a:effectRef idx="0">
+          <a:scrgbClr r="0" g="0" b="0"/>
+        </a:effectRef>
+        <a:fontRef idx="minor"/>
+      </dsp:style>
+      <dsp:txBody>
+        <a:bodyPr spcFirstLastPara="0" vert="horz" wrap="square" lIns="34290" tIns="22860" rIns="34290" bIns="22860" numCol="1" spcCol="1270" anchor="ctr" anchorCtr="0">
+          <a:noAutofit/>
+        </a:bodyPr>
+        <a:lstStyle/>
+        <a:p>
+          <a:pPr lvl="0" algn="ctr" defTabSz="800100">
+            <a:lnSpc>
+              <a:spcPct val="90000"/>
+            </a:lnSpc>
+            <a:spcBef>
+              <a:spcPct val="0"/>
+            </a:spcBef>
+            <a:spcAft>
+              <a:spcPct val="35000"/>
+            </a:spcAft>
+          </a:pPr>
+          <a:r>
+            <a:rPr lang="en-US" sz="1800" kern="1200" dirty="0" smtClean="0"/>
+            <a:t>-indented so it could reach the compost</a:t>
+          </a:r>
+          <a:endParaRPr lang="en-US" sz="1800" kern="1200" dirty="0"/>
+        </a:p>
+      </dsp:txBody>
+      <dsp:txXfrm>
+        <a:off x="5903725" y="11241438"/>
+        <a:ext cx="1675581" cy="1023360"/>
+      </dsp:txXfrm>
+    </dsp:sp>
+    <dsp:sp modelId="{3700C5A3-B3C4-4B4B-89ED-941300CB420C}">
+      <dsp:nvSpPr>
+        <dsp:cNvPr id="0" name=""/>
+        <dsp:cNvSpPr/>
+      </dsp:nvSpPr>
+      <dsp:spPr>
+        <a:xfrm>
+          <a:off x="8154663" y="8492009"/>
+          <a:ext cx="2174072" cy="1087036"/>
         </a:xfrm>
         <a:prstGeom prst="roundRect">
           <a:avLst>
@@ -5130,12 +7437,12 @@
         </a:fontRef>
       </dsp:style>
       <dsp:txBody>
-        <a:bodyPr spcFirstLastPara="0" vert="horz" wrap="square" lIns="182880" tIns="182880" rIns="182880" bIns="182880" numCol="1" spcCol="1270" anchor="t" anchorCtr="0">
+        <a:bodyPr spcFirstLastPara="0" vert="horz" wrap="square" lIns="66675" tIns="44450" rIns="66675" bIns="44450" numCol="1" spcCol="1270" anchor="ctr" anchorCtr="0">
           <a:noAutofit/>
         </a:bodyPr>
         <a:lstStyle/>
         <a:p>
-          <a:pPr lvl="0" algn="l" defTabSz="2133600">
+          <a:pPr lvl="0" algn="ctr" defTabSz="1555750">
             <a:lnSpc>
               <a:spcPct val="90000"/>
             </a:lnSpc>
@@ -5147,87 +7454,85 @@
             </a:spcAft>
           </a:pPr>
           <a:r>
-            <a:rPr lang="en-US" sz="4800" kern="1200" dirty="0" smtClean="0"/>
-            <a:t>The Turtle </a:t>
+            <a:rPr lang="en-US" sz="3500" kern="1200" dirty="0" smtClean="0"/>
+            <a:t>Mission 5</a:t>
           </a:r>
-          <a:r>
-            <a:rPr lang="en-US" sz="4800" kern="1200" dirty="0" err="1" smtClean="0"/>
-            <a:t>Baginator</a:t>
-          </a:r>
-          <a:endParaRPr lang="en-US" sz="4800" kern="1200" dirty="0"/>
-        </a:p>
-        <a:p>
-          <a:pPr marL="285750" lvl="1" indent="-285750" algn="l" defTabSz="1644650">
-            <a:lnSpc>
-              <a:spcPct val="90000"/>
-            </a:lnSpc>
-            <a:spcBef>
-              <a:spcPct val="0"/>
-            </a:spcBef>
-            <a:spcAft>
-              <a:spcPct val="15000"/>
-            </a:spcAft>
-            <a:buChar char="••"/>
-          </a:pPr>
-          <a:r>
-            <a:rPr lang="en-US" sz="3700" kern="1200" dirty="0" smtClean="0"/>
-            <a:t>The Turtle Grabber grabs the Turtle and the Plastic Bag</a:t>
-          </a:r>
-          <a:endParaRPr lang="en-US" sz="3700" kern="1200" dirty="0"/>
-        </a:p>
-        <a:p>
-          <a:pPr marL="285750" lvl="1" indent="-285750" algn="l" defTabSz="1644650">
-            <a:lnSpc>
-              <a:spcPct val="90000"/>
-            </a:lnSpc>
-            <a:spcBef>
-              <a:spcPct val="0"/>
-            </a:spcBef>
-            <a:spcAft>
-              <a:spcPct val="15000"/>
-            </a:spcAft>
-            <a:buChar char="••"/>
-          </a:pPr>
-          <a:r>
-            <a:rPr lang="en-US" sz="3700" kern="1200" dirty="0" smtClean="0"/>
-            <a:t>The slide launches the people.</a:t>
-          </a:r>
-          <a:endParaRPr lang="en-US" sz="3700" kern="1200" dirty="0"/>
-        </a:p>
-        <a:p>
-          <a:pPr marL="285750" lvl="1" indent="-285750" algn="l" defTabSz="1644650">
-            <a:lnSpc>
-              <a:spcPct val="90000"/>
-            </a:lnSpc>
-            <a:spcBef>
-              <a:spcPct val="0"/>
-            </a:spcBef>
-            <a:spcAft>
-              <a:spcPct val="15000"/>
-            </a:spcAft>
-            <a:buChar char="••"/>
-          </a:pPr>
-          <a:r>
-            <a:rPr lang="en-US" sz="3700" kern="1200" dirty="0" smtClean="0"/>
-            <a:t>Both are controlled by the arm at the top</a:t>
-          </a:r>
-          <a:endParaRPr lang="en-US" sz="3700" kern="1200" dirty="0"/>
+          <a:endParaRPr lang="en-US" sz="3500" kern="1200" dirty="0"/>
         </a:p>
       </dsp:txBody>
       <dsp:txXfrm>
-        <a:off x="3015829" y="11259917"/>
-        <a:ext cx="10357270" cy="3412096"/>
+        <a:off x="8186501" y="8523847"/>
+        <a:ext cx="2110396" cy="1023360"/>
       </dsp:txXfrm>
     </dsp:sp>
-    <dsp:sp modelId="{30BED40E-8F9C-474F-8F9C-91F4A8E050BE}">
+    <dsp:sp modelId="{E05F5C7A-73B2-4539-AF2B-F725CDA49C84}">
       <dsp:nvSpPr>
         <dsp:cNvPr id="0" name=""/>
         <dsp:cNvSpPr/>
       </dsp:nvSpPr>
       <dsp:spPr>
         <a:xfrm>
-          <a:off x="341209" y="11601127"/>
-          <a:ext cx="2674620" cy="2729677"/>
+          <a:off x="8372070" y="9579045"/>
+          <a:ext cx="217407" cy="815277"/>
+        </a:xfrm>
+        <a:custGeom>
+          <a:avLst/>
+          <a:gdLst/>
+          <a:ahLst/>
+          <a:cxnLst/>
+          <a:rect l="0" t="0" r="0" b="0"/>
+          <a:pathLst>
+            <a:path>
+              <a:moveTo>
+                <a:pt x="0" y="0"/>
+              </a:moveTo>
+              <a:lnTo>
+                <a:pt x="0" y="815277"/>
+              </a:lnTo>
+              <a:lnTo>
+                <a:pt x="217407" y="815277"/>
+              </a:lnTo>
+            </a:path>
+          </a:pathLst>
+        </a:custGeom>
+        <a:noFill/>
+        <a:ln w="12700" cap="flat" cmpd="sng" algn="ctr">
+          <a:solidFill>
+            <a:schemeClr val="accent1">
+              <a:shade val="60000"/>
+              <a:hueOff val="0"/>
+              <a:satOff val="0"/>
+              <a:lumOff val="0"/>
+              <a:alphaOff val="0"/>
+            </a:schemeClr>
+          </a:solidFill>
+          <a:prstDash val="solid"/>
+          <a:miter lim="800000"/>
+        </a:ln>
+        <a:effectLst/>
+      </dsp:spPr>
+      <dsp:style>
+        <a:lnRef idx="2">
+          <a:scrgbClr r="0" g="0" b="0"/>
+        </a:lnRef>
+        <a:fillRef idx="0">
+          <a:scrgbClr r="0" g="0" b="0"/>
+        </a:fillRef>
+        <a:effectRef idx="0">
+          <a:scrgbClr r="0" g="0" b="0"/>
+        </a:effectRef>
+        <a:fontRef idx="minor"/>
+      </dsp:style>
+    </dsp:sp>
+    <dsp:sp modelId="{70F13BF8-4BC8-4C90-9589-8A8730203985}">
+      <dsp:nvSpPr>
+        <dsp:cNvPr id="0" name=""/>
+        <dsp:cNvSpPr/>
+      </dsp:nvSpPr>
+      <dsp:spPr>
+        <a:xfrm>
+          <a:off x="8589477" y="9850804"/>
+          <a:ext cx="1739257" cy="1087036"/>
         </a:xfrm>
         <a:prstGeom prst="roundRect">
           <a:avLst>
@@ -5235,8 +7540,8 @@
           </a:avLst>
         </a:prstGeom>
         <a:solidFill>
-          <a:schemeClr val="accent1">
-            <a:tint val="50000"/>
+          <a:schemeClr val="lt1">
+            <a:alpha val="90000"/>
             <a:hueOff val="0"/>
             <a:satOff val="0"/>
             <a:lumOff val="0"/>
@@ -5245,7 +7550,7 @@
         </a:solidFill>
         <a:ln w="12700" cap="flat" cmpd="sng" algn="ctr">
           <a:solidFill>
-            <a:schemeClr val="lt1">
+            <a:schemeClr val="accent1">
               <a:hueOff val="0"/>
               <a:satOff val="0"/>
               <a:lumOff val="0"/>
@@ -5269,16 +7574,194 @@
         </a:effectRef>
         <a:fontRef idx="minor"/>
       </dsp:style>
+      <dsp:txBody>
+        <a:bodyPr spcFirstLastPara="0" vert="horz" wrap="square" lIns="34290" tIns="22860" rIns="34290" bIns="22860" numCol="1" spcCol="1270" anchor="ctr" anchorCtr="0">
+          <a:noAutofit/>
+        </a:bodyPr>
+        <a:lstStyle/>
+        <a:p>
+          <a:pPr lvl="0" algn="ctr" defTabSz="800100">
+            <a:lnSpc>
+              <a:spcPct val="90000"/>
+            </a:lnSpc>
+            <a:spcBef>
+              <a:spcPct val="0"/>
+            </a:spcBef>
+            <a:spcAft>
+              <a:spcPct val="35000"/>
+            </a:spcAft>
+          </a:pPr>
+          <a:r>
+            <a:rPr lang="en-US" sz="1800" kern="1200" dirty="0" smtClean="0"/>
+            <a:t>Factory Aligner</a:t>
+          </a:r>
+          <a:endParaRPr lang="en-US" sz="1800" kern="1200" dirty="0"/>
+        </a:p>
+      </dsp:txBody>
+      <dsp:txXfrm>
+        <a:off x="8621315" y="9882642"/>
+        <a:ext cx="1675581" cy="1023360"/>
+      </dsp:txXfrm>
     </dsp:sp>
-    <dsp:sp modelId="{E5D1E1AC-15B9-4FE8-A4A6-D820F6A508D3}">
+    <dsp:sp modelId="{6A69F5FF-6429-431C-8AAD-F4A0714F0F29}">
       <dsp:nvSpPr>
         <dsp:cNvPr id="0" name=""/>
         <dsp:cNvSpPr/>
       </dsp:nvSpPr>
       <dsp:spPr>
         <a:xfrm>
-          <a:off x="0" y="15013223"/>
-          <a:ext cx="13373100" cy="3412096"/>
+          <a:off x="8372070" y="9579045"/>
+          <a:ext cx="217407" cy="2174072"/>
+        </a:xfrm>
+        <a:custGeom>
+          <a:avLst/>
+          <a:gdLst/>
+          <a:ahLst/>
+          <a:cxnLst/>
+          <a:rect l="0" t="0" r="0" b="0"/>
+          <a:pathLst>
+            <a:path>
+              <a:moveTo>
+                <a:pt x="0" y="0"/>
+              </a:moveTo>
+              <a:lnTo>
+                <a:pt x="0" y="2174072"/>
+              </a:lnTo>
+              <a:lnTo>
+                <a:pt x="217407" y="2174072"/>
+              </a:lnTo>
+            </a:path>
+          </a:pathLst>
+        </a:custGeom>
+        <a:noFill/>
+        <a:ln w="12700" cap="flat" cmpd="sng" algn="ctr">
+          <a:solidFill>
+            <a:schemeClr val="accent1">
+              <a:shade val="60000"/>
+              <a:hueOff val="0"/>
+              <a:satOff val="0"/>
+              <a:lumOff val="0"/>
+              <a:alphaOff val="0"/>
+            </a:schemeClr>
+          </a:solidFill>
+          <a:prstDash val="solid"/>
+          <a:miter lim="800000"/>
+        </a:ln>
+        <a:effectLst/>
+      </dsp:spPr>
+      <dsp:style>
+        <a:lnRef idx="2">
+          <a:scrgbClr r="0" g="0" b="0"/>
+        </a:lnRef>
+        <a:fillRef idx="0">
+          <a:scrgbClr r="0" g="0" b="0"/>
+        </a:fillRef>
+        <a:effectRef idx="0">
+          <a:scrgbClr r="0" g="0" b="0"/>
+        </a:effectRef>
+        <a:fontRef idx="minor"/>
+      </dsp:style>
+    </dsp:sp>
+    <dsp:sp modelId="{EFDA1720-D947-4EE4-9DAF-3359BAF75394}">
+      <dsp:nvSpPr>
+        <dsp:cNvPr id="0" name=""/>
+        <dsp:cNvSpPr/>
+      </dsp:nvSpPr>
+      <dsp:spPr>
+        <a:xfrm>
+          <a:off x="8589477" y="11209600"/>
+          <a:ext cx="1739257" cy="1087036"/>
+        </a:xfrm>
+        <a:prstGeom prst="roundRect">
+          <a:avLst>
+            <a:gd name="adj" fmla="val 10000"/>
+          </a:avLst>
+        </a:prstGeom>
+        <a:solidFill>
+          <a:schemeClr val="lt1">
+            <a:alpha val="90000"/>
+            <a:hueOff val="0"/>
+            <a:satOff val="0"/>
+            <a:lumOff val="0"/>
+            <a:alphaOff val="0"/>
+          </a:schemeClr>
+        </a:solidFill>
+        <a:ln w="12700" cap="flat" cmpd="sng" algn="ctr">
+          <a:solidFill>
+            <a:schemeClr val="accent1">
+              <a:hueOff val="0"/>
+              <a:satOff val="0"/>
+              <a:lumOff val="0"/>
+              <a:alphaOff val="0"/>
+            </a:schemeClr>
+          </a:solidFill>
+          <a:prstDash val="solid"/>
+          <a:miter lim="800000"/>
+        </a:ln>
+        <a:effectLst/>
+      </dsp:spPr>
+      <dsp:style>
+        <a:lnRef idx="2">
+          <a:scrgbClr r="0" g="0" b="0"/>
+        </a:lnRef>
+        <a:fillRef idx="1">
+          <a:scrgbClr r="0" g="0" b="0"/>
+        </a:fillRef>
+        <a:effectRef idx="0">
+          <a:scrgbClr r="0" g="0" b="0"/>
+        </a:effectRef>
+        <a:fontRef idx="minor"/>
+      </dsp:style>
+      <dsp:txBody>
+        <a:bodyPr spcFirstLastPara="0" vert="horz" wrap="square" lIns="34290" tIns="22860" rIns="34290" bIns="22860" numCol="1" spcCol="1270" anchor="ctr" anchorCtr="0">
+          <a:noAutofit/>
+        </a:bodyPr>
+        <a:lstStyle/>
+        <a:p>
+          <a:pPr lvl="0" algn="ctr" defTabSz="800100">
+            <a:lnSpc>
+              <a:spcPct val="90000"/>
+            </a:lnSpc>
+            <a:spcBef>
+              <a:spcPct val="0"/>
+            </a:spcBef>
+            <a:spcAft>
+              <a:spcPct val="35000"/>
+            </a:spcAft>
+          </a:pPr>
+          <a:r>
+            <a:rPr lang="en-US" sz="1800" kern="1200" dirty="0" smtClean="0"/>
+            <a:t>Toy Snatcher</a:t>
+          </a:r>
+          <a:endParaRPr lang="en-US" sz="1800" kern="1200" dirty="0"/>
+        </a:p>
+      </dsp:txBody>
+      <dsp:txXfrm>
+        <a:off x="8621315" y="11241438"/>
+        <a:ext cx="1675581" cy="1023360"/>
+      </dsp:txXfrm>
+    </dsp:sp>
+  </dsp:spTree>
+</dsp:drawing>
+</file>
+
+<file path=ppt/diagrams/drawing3.xml><?xml version="1.0" encoding="utf-8"?>
+<dsp:drawing xmlns:dgm="http://schemas.openxmlformats.org/drawingml/2006/diagram" xmlns:dsp="http://schemas.microsoft.com/office/drawing/2008/diagram" xmlns:a="http://schemas.openxmlformats.org/drawingml/2006/main">
+  <dsp:spTree>
+    <dsp:nvGrpSpPr>
+      <dsp:cNvPr id="0" name=""/>
+      <dsp:cNvGrpSpPr/>
+    </dsp:nvGrpSpPr>
+    <dsp:grpSpPr/>
+    <dsp:sp modelId="{E8E472B3-59A4-4E1D-9646-83BDE783A4E9}">
+      <dsp:nvSpPr>
+        <dsp:cNvPr id="0" name=""/>
+        <dsp:cNvSpPr/>
+      </dsp:nvSpPr>
+      <dsp:spPr>
+        <a:xfrm>
+          <a:off x="991790" y="2619"/>
+          <a:ext cx="5187314" cy="2593657"/>
         </a:xfrm>
         <a:prstGeom prst="roundRect">
           <a:avLst>
@@ -5322,12 +7805,12 @@
         </a:fontRef>
       </dsp:style>
       <dsp:txBody>
-        <a:bodyPr spcFirstLastPara="0" vert="horz" wrap="square" lIns="182880" tIns="182880" rIns="182880" bIns="182880" numCol="1" spcCol="1270" anchor="t" anchorCtr="0">
+        <a:bodyPr spcFirstLastPara="0" vert="horz" wrap="square" lIns="123825" tIns="82550" rIns="123825" bIns="82550" numCol="1" spcCol="1270" anchor="ctr" anchorCtr="0">
           <a:noAutofit/>
         </a:bodyPr>
         <a:lstStyle/>
         <a:p>
-          <a:pPr lvl="0" algn="l" defTabSz="2133600">
+          <a:pPr lvl="0" algn="ctr" defTabSz="2889250">
             <a:lnSpc>
               <a:spcPct val="90000"/>
             </a:lnSpc>
@@ -5339,13 +7822,133 @@
             </a:spcAft>
           </a:pPr>
           <a:r>
-            <a:rPr lang="en-US" sz="4800" kern="1200" dirty="0" smtClean="0"/>
-            <a:t>Compost Collects the Compost Jig and the Demolished Building</a:t>
+            <a:rPr lang="en-US" sz="6500" kern="1200" dirty="0" smtClean="0"/>
+            <a:t>Mission 6</a:t>
           </a:r>
-          <a:endParaRPr lang="en-US" sz="4800" kern="1200" dirty="0"/>
+          <a:endParaRPr lang="en-US" sz="6500" kern="1200" dirty="0"/>
         </a:p>
+      </dsp:txBody>
+      <dsp:txXfrm>
+        <a:off x="1067756" y="78585"/>
+        <a:ext cx="5035382" cy="2441725"/>
+      </dsp:txXfrm>
+    </dsp:sp>
+    <dsp:sp modelId="{08C55ED4-DBDF-4F69-B4A9-93FF8C422C5B}">
+      <dsp:nvSpPr>
+        <dsp:cNvPr id="0" name=""/>
+        <dsp:cNvSpPr/>
+      </dsp:nvSpPr>
+      <dsp:spPr>
+        <a:xfrm>
+          <a:off x="1510522" y="2596276"/>
+          <a:ext cx="518731" cy="1945243"/>
+        </a:xfrm>
+        <a:custGeom>
+          <a:avLst/>
+          <a:gdLst/>
+          <a:ahLst/>
+          <a:cxnLst/>
+          <a:rect l="0" t="0" r="0" b="0"/>
+          <a:pathLst>
+            <a:path>
+              <a:moveTo>
+                <a:pt x="0" y="0"/>
+              </a:moveTo>
+              <a:lnTo>
+                <a:pt x="0" y="1945243"/>
+              </a:lnTo>
+              <a:lnTo>
+                <a:pt x="518731" y="1945243"/>
+              </a:lnTo>
+            </a:path>
+          </a:pathLst>
+        </a:custGeom>
+        <a:noFill/>
+        <a:ln w="12700" cap="flat" cmpd="sng" algn="ctr">
+          <a:solidFill>
+            <a:schemeClr val="accent1">
+              <a:shade val="60000"/>
+              <a:hueOff val="0"/>
+              <a:satOff val="0"/>
+              <a:lumOff val="0"/>
+              <a:alphaOff val="0"/>
+            </a:schemeClr>
+          </a:solidFill>
+          <a:prstDash val="solid"/>
+          <a:miter lim="800000"/>
+        </a:ln>
+        <a:effectLst/>
+      </dsp:spPr>
+      <dsp:style>
+        <a:lnRef idx="2">
+          <a:scrgbClr r="0" g="0" b="0"/>
+        </a:lnRef>
+        <a:fillRef idx="0">
+          <a:scrgbClr r="0" g="0" b="0"/>
+        </a:fillRef>
+        <a:effectRef idx="0">
+          <a:scrgbClr r="0" g="0" b="0"/>
+        </a:effectRef>
+        <a:fontRef idx="minor"/>
+      </dsp:style>
+    </dsp:sp>
+    <dsp:sp modelId="{84AC68F4-8D6C-475A-931D-FFE551D24112}">
+      <dsp:nvSpPr>
+        <dsp:cNvPr id="0" name=""/>
+        <dsp:cNvSpPr/>
+      </dsp:nvSpPr>
+      <dsp:spPr>
+        <a:xfrm>
+          <a:off x="2029253" y="3244691"/>
+          <a:ext cx="4149851" cy="2593657"/>
+        </a:xfrm>
+        <a:prstGeom prst="roundRect">
+          <a:avLst>
+            <a:gd name="adj" fmla="val 10000"/>
+          </a:avLst>
+        </a:prstGeom>
+        <a:solidFill>
+          <a:schemeClr val="lt1">
+            <a:alpha val="90000"/>
+            <a:hueOff val="0"/>
+            <a:satOff val="0"/>
+            <a:lumOff val="0"/>
+            <a:alphaOff val="0"/>
+          </a:schemeClr>
+        </a:solidFill>
+        <a:ln w="12700" cap="flat" cmpd="sng" algn="ctr">
+          <a:solidFill>
+            <a:schemeClr val="accent1">
+              <a:hueOff val="0"/>
+              <a:satOff val="0"/>
+              <a:lumOff val="0"/>
+              <a:alphaOff val="0"/>
+            </a:schemeClr>
+          </a:solidFill>
+          <a:prstDash val="solid"/>
+          <a:miter lim="800000"/>
+        </a:ln>
+        <a:effectLst/>
+      </dsp:spPr>
+      <dsp:style>
+        <a:lnRef idx="2">
+          <a:scrgbClr r="0" g="0" b="0"/>
+        </a:lnRef>
+        <a:fillRef idx="1">
+          <a:scrgbClr r="0" g="0" b="0"/>
+        </a:fillRef>
+        <a:effectRef idx="0">
+          <a:scrgbClr r="0" g="0" b="0"/>
+        </a:effectRef>
+        <a:fontRef idx="minor"/>
+      </dsp:style>
+      <dsp:txBody>
+        <a:bodyPr spcFirstLastPara="0" vert="horz" wrap="square" lIns="123825" tIns="82550" rIns="123825" bIns="82550" numCol="1" spcCol="1270" anchor="ctr" anchorCtr="0">
+          <a:noAutofit/>
+        </a:bodyPr>
+        <a:lstStyle/>
         <a:p>
-          <a:pPr marL="285750" lvl="1" indent="-285750" algn="l" defTabSz="1644650">
+          <a:pPr lvl="0" algn="ctr" defTabSz="2889250">
             <a:lnSpc>
               <a:spcPct val="90000"/>
             </a:lnSpc>
@@ -5353,31 +7956,168 @@
               <a:spcPct val="0"/>
             </a:spcBef>
             <a:spcAft>
-              <a:spcPct val="15000"/>
+              <a:spcPct val="35000"/>
             </a:spcAft>
-            <a:buChar char="••"/>
           </a:pPr>
           <a:r>
-            <a:rPr lang="en-US" sz="3700" kern="1200" dirty="0" smtClean="0"/>
-            <a:t>Two-pronged so that the Compost Jig does not rotate</a:t>
+            <a:rPr lang="en-US" sz="6500" kern="1200" dirty="0" smtClean="0"/>
+            <a:t>Wall Rider</a:t>
           </a:r>
-          <a:endParaRPr lang="en-US" sz="3700" kern="1200" dirty="0"/>
+          <a:endParaRPr lang="en-US" sz="6500" kern="1200" dirty="0"/>
         </a:p>
       </dsp:txBody>
       <dsp:txXfrm>
-        <a:off x="3015829" y="15013223"/>
-        <a:ext cx="10357270" cy="3412096"/>
+        <a:off x="2105219" y="3320657"/>
+        <a:ext cx="3997919" cy="2441725"/>
       </dsp:txXfrm>
     </dsp:sp>
-    <dsp:sp modelId="{281CA25D-CE01-44C7-87A5-77E332CA58BE}">
+    <dsp:sp modelId="{ADE65E32-270A-4E32-81DC-E82F337BF9BC}">
       <dsp:nvSpPr>
         <dsp:cNvPr id="0" name=""/>
         <dsp:cNvSpPr/>
       </dsp:nvSpPr>
       <dsp:spPr>
         <a:xfrm>
-          <a:off x="341209" y="15354433"/>
-          <a:ext cx="2674620" cy="2729677"/>
+          <a:off x="1510522" y="2596276"/>
+          <a:ext cx="518731" cy="5187315"/>
+        </a:xfrm>
+        <a:custGeom>
+          <a:avLst/>
+          <a:gdLst/>
+          <a:ahLst/>
+          <a:cxnLst/>
+          <a:rect l="0" t="0" r="0" b="0"/>
+          <a:pathLst>
+            <a:path>
+              <a:moveTo>
+                <a:pt x="0" y="0"/>
+              </a:moveTo>
+              <a:lnTo>
+                <a:pt x="0" y="5187315"/>
+              </a:lnTo>
+              <a:lnTo>
+                <a:pt x="518731" y="5187315"/>
+              </a:lnTo>
+            </a:path>
+          </a:pathLst>
+        </a:custGeom>
+        <a:noFill/>
+        <a:ln w="12700" cap="flat" cmpd="sng" algn="ctr">
+          <a:solidFill>
+            <a:schemeClr val="accent1">
+              <a:shade val="60000"/>
+              <a:hueOff val="0"/>
+              <a:satOff val="0"/>
+              <a:lumOff val="0"/>
+              <a:alphaOff val="0"/>
+            </a:schemeClr>
+          </a:solidFill>
+          <a:prstDash val="solid"/>
+          <a:miter lim="800000"/>
+        </a:ln>
+        <a:effectLst/>
+      </dsp:spPr>
+      <dsp:style>
+        <a:lnRef idx="2">
+          <a:scrgbClr r="0" g="0" b="0"/>
+        </a:lnRef>
+        <a:fillRef idx="0">
+          <a:scrgbClr r="0" g="0" b="0"/>
+        </a:fillRef>
+        <a:effectRef idx="0">
+          <a:scrgbClr r="0" g="0" b="0"/>
+        </a:effectRef>
+        <a:fontRef idx="minor"/>
+      </dsp:style>
+    </dsp:sp>
+    <dsp:sp modelId="{4633CB6E-49EC-4334-AC87-27AD1F5CE44B}">
+      <dsp:nvSpPr>
+        <dsp:cNvPr id="0" name=""/>
+        <dsp:cNvSpPr/>
+      </dsp:nvSpPr>
+      <dsp:spPr>
+        <a:xfrm>
+          <a:off x="2029253" y="6486763"/>
+          <a:ext cx="4149851" cy="2593657"/>
+        </a:xfrm>
+        <a:prstGeom prst="roundRect">
+          <a:avLst>
+            <a:gd name="adj" fmla="val 10000"/>
+          </a:avLst>
+        </a:prstGeom>
+        <a:solidFill>
+          <a:schemeClr val="lt1">
+            <a:alpha val="90000"/>
+            <a:hueOff val="0"/>
+            <a:satOff val="0"/>
+            <a:lumOff val="0"/>
+            <a:alphaOff val="0"/>
+          </a:schemeClr>
+        </a:solidFill>
+        <a:ln w="12700" cap="flat" cmpd="sng" algn="ctr">
+          <a:solidFill>
+            <a:schemeClr val="accent1">
+              <a:hueOff val="0"/>
+              <a:satOff val="0"/>
+              <a:lumOff val="0"/>
+              <a:alphaOff val="0"/>
+            </a:schemeClr>
+          </a:solidFill>
+          <a:prstDash val="solid"/>
+          <a:miter lim="800000"/>
+        </a:ln>
+        <a:effectLst/>
+      </dsp:spPr>
+      <dsp:style>
+        <a:lnRef idx="2">
+          <a:scrgbClr r="0" g="0" b="0"/>
+        </a:lnRef>
+        <a:fillRef idx="1">
+          <a:scrgbClr r="0" g="0" b="0"/>
+        </a:fillRef>
+        <a:effectRef idx="0">
+          <a:scrgbClr r="0" g="0" b="0"/>
+        </a:effectRef>
+        <a:fontRef idx="minor"/>
+      </dsp:style>
+      <dsp:txBody>
+        <a:bodyPr spcFirstLastPara="0" vert="horz" wrap="square" lIns="123825" tIns="82550" rIns="123825" bIns="82550" numCol="1" spcCol="1270" anchor="ctr" anchorCtr="0">
+          <a:noAutofit/>
+        </a:bodyPr>
+        <a:lstStyle/>
+        <a:p>
+          <a:pPr lvl="0" algn="ctr" defTabSz="2889250">
+            <a:lnSpc>
+              <a:spcPct val="90000"/>
+            </a:lnSpc>
+            <a:spcBef>
+              <a:spcPct val="0"/>
+            </a:spcBef>
+            <a:spcAft>
+              <a:spcPct val="35000"/>
+            </a:spcAft>
+          </a:pPr>
+          <a:r>
+            <a:rPr lang="en-US" sz="6500" kern="1200" dirty="0" smtClean="0"/>
+            <a:t>Truck Ram</a:t>
+          </a:r>
+          <a:endParaRPr lang="en-US" sz="6500" kern="1200" dirty="0"/>
+        </a:p>
+      </dsp:txBody>
+      <dsp:txXfrm>
+        <a:off x="2105219" y="6562729"/>
+        <a:ext cx="3997919" cy="2441725"/>
+      </dsp:txXfrm>
+    </dsp:sp>
+    <dsp:sp modelId="{047DA701-2170-4138-BF19-6947521D1705}">
+      <dsp:nvSpPr>
+        <dsp:cNvPr id="0" name=""/>
+        <dsp:cNvSpPr/>
+      </dsp:nvSpPr>
+      <dsp:spPr>
+        <a:xfrm>
+          <a:off x="7475934" y="2619"/>
+          <a:ext cx="5187314" cy="2593657"/>
         </a:xfrm>
         <a:prstGeom prst="roundRect">
           <a:avLst>
@@ -5386,7 +8126,6 @@
         </a:prstGeom>
         <a:solidFill>
           <a:schemeClr val="accent1">
-            <a:tint val="50000"/>
             <a:hueOff val="0"/>
             <a:satOff val="0"/>
             <a:lumOff val="0"/>
@@ -5417,8 +8156,38 @@
         <a:effectRef idx="0">
           <a:scrgbClr r="0" g="0" b="0"/>
         </a:effectRef>
-        <a:fontRef idx="minor"/>
+        <a:fontRef idx="minor">
+          <a:schemeClr val="lt1"/>
+        </a:fontRef>
       </dsp:style>
+      <dsp:txBody>
+        <a:bodyPr spcFirstLastPara="0" vert="horz" wrap="square" lIns="123825" tIns="82550" rIns="123825" bIns="82550" numCol="1" spcCol="1270" anchor="ctr" anchorCtr="0">
+          <a:noAutofit/>
+        </a:bodyPr>
+        <a:lstStyle/>
+        <a:p>
+          <a:pPr lvl="0" algn="ctr" defTabSz="2889250">
+            <a:lnSpc>
+              <a:spcPct val="90000"/>
+            </a:lnSpc>
+            <a:spcBef>
+              <a:spcPct val="0"/>
+            </a:spcBef>
+            <a:spcAft>
+              <a:spcPct val="35000"/>
+            </a:spcAft>
+          </a:pPr>
+          <a:r>
+            <a:rPr lang="en-US" sz="6500" kern="1200" dirty="0" smtClean="0"/>
+            <a:t>Tools</a:t>
+          </a:r>
+          <a:endParaRPr lang="en-US" sz="6500" kern="1200" dirty="0"/>
+        </a:p>
+      </dsp:txBody>
+      <dsp:txXfrm>
+        <a:off x="7551900" y="78585"/>
+        <a:ext cx="5035382" cy="2441725"/>
+      </dsp:txXfrm>
     </dsp:sp>
   </dsp:spTree>
 </dsp:drawing>
@@ -5715,13 +8484,14 @@
 </file>
 
 <file path=ppt/diagrams/layout2.xml><?xml version="1.0" encoding="utf-8"?>
-<dgm:layoutDef xmlns:dgm="http://schemas.openxmlformats.org/drawingml/2006/diagram" xmlns:a="http://schemas.openxmlformats.org/drawingml/2006/main" uniqueId="urn:microsoft.com/office/officeart/2005/8/layout/vList4">
+<dgm:layoutDef xmlns:dgm="http://schemas.openxmlformats.org/drawingml/2006/diagram" xmlns:a="http://schemas.openxmlformats.org/drawingml/2006/main" uniqueId="urn:microsoft.com/office/officeart/2005/8/layout/hierarchy3">
   <dgm:title val=""/>
   <dgm:desc val=""/>
   <dgm:catLst>
-    <dgm:cat type="list" pri="13000"/>
-    <dgm:cat type="picture" pri="26000"/>
-    <dgm:cat type="pictureconvert" pri="26000"/>
+    <dgm:cat type="hierarchy" pri="7000"/>
+    <dgm:cat type="list" pri="23000"/>
+    <dgm:cat type="relationship" pri="15000"/>
+    <dgm:cat type="convert" pri="7000"/>
   </dgm:catLst>
   <dgm:sampData>
     <dgm:dataModel>
@@ -5745,25 +8515,14 @@
         <dgm:pt modelId="22">
           <dgm:prSet phldr="1"/>
         </dgm:pt>
-        <dgm:pt modelId="3">
-          <dgm:prSet phldr="1"/>
-        </dgm:pt>
-        <dgm:pt modelId="31">
-          <dgm:prSet phldr="1"/>
-        </dgm:pt>
-        <dgm:pt modelId="32">
-          <dgm:prSet phldr="1"/>
-        </dgm:pt>
       </dgm:ptLst>
       <dgm:cxnLst>
         <dgm:cxn modelId="4" srcId="0" destId="1" srcOrd="0" destOrd="0"/>
-        <dgm:cxn modelId="5" srcId="0" destId="2" srcOrd="1" destOrd="0"/>
-        <dgm:cxn modelId="13" srcId="1" destId="11" srcOrd="0" destOrd="0"/>
-        <dgm:cxn modelId="14" srcId="1" destId="12" srcOrd="0" destOrd="0"/>
-        <dgm:cxn modelId="23" srcId="2" destId="21" srcOrd="0" destOrd="0"/>
-        <dgm:cxn modelId="24" srcId="2" destId="22" srcOrd="0" destOrd="0"/>
-        <dgm:cxn modelId="33" srcId="3" destId="31" srcOrd="0" destOrd="0"/>
-        <dgm:cxn modelId="34" srcId="3" destId="32" srcOrd="0" destOrd="0"/>
+        <dgm:cxn modelId="5" srcId="1" destId="11" srcOrd="0" destOrd="0"/>
+        <dgm:cxn modelId="6" srcId="1" destId="12" srcOrd="1" destOrd="0"/>
+        <dgm:cxn modelId="7" srcId="0" destId="2" srcOrd="1" destOrd="0"/>
+        <dgm:cxn modelId="8" srcId="2" destId="21" srcOrd="0" destOrd="0"/>
+        <dgm:cxn modelId="9" srcId="2" destId="22" srcOrd="1" destOrd="0"/>
       </dgm:cxnLst>
       <dgm:bg/>
       <dgm:whole/>
@@ -5774,11 +8533,15 @@
       <dgm:ptLst>
         <dgm:pt modelId="0" type="doc"/>
         <dgm:pt modelId="1"/>
+        <dgm:pt modelId="11"/>
         <dgm:pt modelId="2"/>
+        <dgm:pt modelId="21"/>
       </dgm:ptLst>
       <dgm:cxnLst>
-        <dgm:cxn modelId="3" srcId="0" destId="1" srcOrd="0" destOrd="0"/>
-        <dgm:cxn modelId="4" srcId="0" destId="2" srcOrd="1" destOrd="0"/>
+        <dgm:cxn modelId="4" srcId="0" destId="1" srcOrd="0" destOrd="0"/>
+        <dgm:cxn modelId="5" srcId="0" destId="2" srcOrd="1" destOrd="0"/>
+        <dgm:cxn modelId="13" srcId="1" destId="11" srcOrd="0" destOrd="0"/>
+        <dgm:cxn modelId="23" srcId="2" destId="21" srcOrd="0" destOrd="0"/>
       </dgm:cxnLst>
       <dgm:bg/>
       <dgm:whole/>
@@ -5789,131 +8552,514 @@
       <dgm:ptLst>
         <dgm:pt modelId="0" type="doc"/>
         <dgm:pt modelId="1"/>
+        <dgm:pt modelId="11"/>
         <dgm:pt modelId="2"/>
+        <dgm:pt modelId="21"/>
         <dgm:pt modelId="3"/>
+        <dgm:pt modelId="31"/>
         <dgm:pt modelId="4"/>
+        <dgm:pt modelId="41"/>
       </dgm:ptLst>
       <dgm:cxnLst>
         <dgm:cxn modelId="5" srcId="0" destId="1" srcOrd="0" destOrd="0"/>
         <dgm:cxn modelId="6" srcId="0" destId="2" srcOrd="1" destOrd="0"/>
         <dgm:cxn modelId="7" srcId="0" destId="3" srcOrd="2" destOrd="0"/>
         <dgm:cxn modelId="8" srcId="0" destId="4" srcOrd="3" destOrd="0"/>
+        <dgm:cxn modelId="13" srcId="1" destId="11" srcOrd="0" destOrd="0"/>
+        <dgm:cxn modelId="23" srcId="2" destId="21" srcOrd="0" destOrd="0"/>
+        <dgm:cxn modelId="33" srcId="3" destId="31" srcOrd="0" destOrd="0"/>
+        <dgm:cxn modelId="43" srcId="4" destId="41" srcOrd="0" destOrd="0"/>
       </dgm:cxnLst>
       <dgm:bg/>
       <dgm:whole/>
     </dgm:dataModel>
   </dgm:clrData>
-  <dgm:layoutNode name="linear">
+  <dgm:layoutNode name="diagram">
     <dgm:varLst>
+      <dgm:chPref val="1"/>
       <dgm:dir/>
-      <dgm:resizeHandles val="exact"/>
+      <dgm:animOne val="branch"/>
+      <dgm:animLvl val="lvl"/>
+      <dgm:resizeHandles/>
     </dgm:varLst>
-    <dgm:alg type="lin">
-      <dgm:param type="linDir" val="fromT"/>
-      <dgm:param type="vertAlign" val="t"/>
-    </dgm:alg>
+    <dgm:choose name="Name0">
+      <dgm:if name="Name1" func="var" arg="dir" op="equ" val="norm">
+        <dgm:alg type="hierChild">
+          <dgm:param type="linDir" val="fromL"/>
+        </dgm:alg>
+      </dgm:if>
+      <dgm:else name="Name2">
+        <dgm:alg type="hierChild">
+          <dgm:param type="linDir" val="fromR"/>
+        </dgm:alg>
+      </dgm:else>
+    </dgm:choose>
     <dgm:shape xmlns:r="http://schemas.openxmlformats.org/officeDocument/2006/relationships" r:blip="">
       <dgm:adjLst/>
     </dgm:shape>
     <dgm:presOf/>
     <dgm:constrLst>
-      <dgm:constr type="w" for="ch" forName="comp" refType="w"/>
-      <dgm:constr type="h" for="ch" forName="comp" refType="h"/>
-      <dgm:constr type="h" for="ch" forName="spacer" refType="h" refFor="ch" refForName="comp" op="equ" fact="0.1"/>
-      <dgm:constr type="primFontSz" for="des" forName="text" op="equ" val="65"/>
+      <dgm:constr type="primFontSz" for="des" forName="rootText" op="equ" val="65"/>
+      <dgm:constr type="primFontSz" for="des" forName="childText" op="equ" val="65"/>
+      <dgm:constr type="w" for="des" forName="rootComposite" refType="w"/>
+      <dgm:constr type="h" for="des" forName="rootComposite" refType="w" fact="0.5"/>
+      <dgm:constr type="w" for="des" forName="childText" refType="w" refFor="des" refForName="rootComposite" fact="0.8"/>
+      <dgm:constr type="h" for="des" forName="childText" refType="h" refFor="des" refForName="rootComposite"/>
+      <dgm:constr type="sibSp" refType="w" refFor="des" refForName="rootComposite" fact="0.25"/>
+      <dgm:constr type="sibSp" for="des" forName="childShape" refType="h" refFor="des" refForName="childText" fact="0.25"/>
+      <dgm:constr type="sp" for="des" forName="root" refType="h" refFor="des" refForName="childText" fact="0.25"/>
     </dgm:constrLst>
     <dgm:ruleLst/>
-    <dgm:forEach name="Name0" axis="ch" ptType="node">
-      <dgm:layoutNode name="comp" styleLbl="node1">
-        <dgm:alg type="composite"/>
-        <dgm:shape xmlns:r="http://schemas.openxmlformats.org/officeDocument/2006/relationships" r:blip="">
-          <dgm:adjLst/>
-        </dgm:shape>
-        <dgm:presOf/>
-        <dgm:choose name="Name1">
-          <dgm:if name="Name2" func="var" arg="dir" op="equ" val="norm">
-            <dgm:constrLst>
-              <dgm:constr type="h" for="ch" forName="box" refType="h"/>
-              <dgm:constr type="w" for="ch" forName="box" refType="w"/>
-              <dgm:constr type="w" for="ch" forName="img" refType="w" refFor="ch" refForName="box" fact="0.2"/>
-              <dgm:constr type="h" for="ch" forName="img" refType="h" refFor="ch" refForName="box" fact="0.8"/>
-              <dgm:constr type="t" for="ch" forName="img" refType="h" refFor="ch" refForName="box" fact="0.1"/>
-              <dgm:constr type="l" for="ch" forName="img" refType="h" refFor="ch" refForName="box" fact="0.1"/>
-              <dgm:constr type="h" for="ch" forName="text" refType="h"/>
-              <dgm:constr type="l" for="ch" forName="text" refType="r" refFor="ch" refForName="img"/>
-              <dgm:constr type="r" for="ch" forName="text" refType="w"/>
-            </dgm:constrLst>
-          </dgm:if>
-          <dgm:else name="Name3">
-            <dgm:constrLst>
-              <dgm:constr type="h" for="ch" forName="box" refType="h"/>
-              <dgm:constr type="w" for="ch" forName="box" refType="w"/>
-              <dgm:constr type="w" for="ch" forName="img" refType="w" refFor="ch" refForName="box" fact="0.2"/>
-              <dgm:constr type="h" for="ch" forName="img" refType="h" refFor="ch" refForName="box" fact="0.8"/>
-              <dgm:constr type="t" for="ch" forName="img" refType="h" refFor="ch" refForName="box" fact="0.1"/>
-              <dgm:constr type="r" for="ch" forName="img" refType="w" refFor="ch" refForName="box"/>
-              <dgm:constr type="rOff" for="ch" forName="img" refType="h" refFor="ch" refForName="box" fact="-0.1"/>
-              <dgm:constr type="h" for="ch" forName="text" refType="h"/>
-              <dgm:constr type="r" for="ch" forName="text" refType="l" refFor="ch" refForName="img"/>
-              <dgm:constr type="l" for="ch" forName="text"/>
-            </dgm:constrLst>
-          </dgm:else>
-        </dgm:choose>
-        <dgm:ruleLst/>
-        <dgm:layoutNode name="box" styleLbl="node1">
-          <dgm:alg type="sp"/>
-          <dgm:shape xmlns:r="http://schemas.openxmlformats.org/officeDocument/2006/relationships" type="roundRect" r:blip="">
-            <dgm:adjLst>
-              <dgm:adj idx="1" val="0.1"/>
-            </dgm:adjLst>
-          </dgm:shape>
-          <dgm:presOf axis="desOrSelf" ptType="node"/>
-          <dgm:constrLst/>
-          <dgm:ruleLst/>
-        </dgm:layoutNode>
-        <dgm:layoutNode name="img" styleLbl="fgImgPlace1">
-          <dgm:alg type="sp"/>
-          <dgm:shape xmlns:r="http://schemas.openxmlformats.org/officeDocument/2006/relationships" type="roundRect" r:blip="" blipPhldr="1">
-            <dgm:adjLst>
-              <dgm:adj idx="1" val="0.1"/>
-            </dgm:adjLst>
-          </dgm:shape>
-          <dgm:presOf/>
-          <dgm:constrLst/>
-          <dgm:ruleLst/>
-        </dgm:layoutNode>
-        <dgm:layoutNode name="text">
-          <dgm:varLst>
-            <dgm:bulletEnabled val="1"/>
-          </dgm:varLst>
-          <dgm:alg type="tx">
-            <dgm:param type="parTxLTRAlign" val="l"/>
-            <dgm:param type="parTxRTLAlign" val="r"/>
-          </dgm:alg>
-          <dgm:shape xmlns:r="http://schemas.openxmlformats.org/officeDocument/2006/relationships" type="rect" r:blip="" hideGeom="1">
-            <dgm:adjLst/>
-          </dgm:shape>
-          <dgm:presOf axis="desOrSelf" ptType="node"/>
-          <dgm:constrLst>
-            <dgm:constr type="tMarg" refType="primFontSz" fact="0.3"/>
-            <dgm:constr type="bMarg" refType="primFontSz" fact="0.3"/>
-            <dgm:constr type="lMarg" refType="primFontSz" fact="0.3"/>
-            <dgm:constr type="rMarg" refType="primFontSz" fact="0.3"/>
-          </dgm:constrLst>
-          <dgm:ruleLst>
-            <dgm:rule type="primFontSz" val="5" fact="NaN" max="NaN"/>
-          </dgm:ruleLst>
-        </dgm:layoutNode>
-      </dgm:layoutNode>
-      <dgm:forEach name="Name4" axis="followSib" ptType="sibTrans" cnt="1">
-        <dgm:layoutNode name="spacer">
-          <dgm:alg type="sp"/>
+    <dgm:forEach name="Name3" axis="ch">
+      <dgm:forEach name="Name4" axis="self" ptType="node" cnt="1">
+        <dgm:layoutNode name="root">
+          <dgm:choose name="Name5">
+            <dgm:if name="Name6" func="var" arg="dir" op="equ" val="norm">
+              <dgm:alg type="hierRoot">
+                <dgm:param type="hierAlign" val="tL"/>
+              </dgm:alg>
+            </dgm:if>
+            <dgm:else name="Name7">
+              <dgm:alg type="hierRoot">
+                <dgm:param type="hierAlign" val="tR"/>
+              </dgm:alg>
+            </dgm:else>
+          </dgm:choose>
           <dgm:shape xmlns:r="http://schemas.openxmlformats.org/officeDocument/2006/relationships" r:blip="">
             <dgm:adjLst/>
           </dgm:shape>
-          <dgm:presOf axis="self"/>
-          <dgm:constrLst/>
+          <dgm:presOf/>
+          <dgm:constrLst>
+            <dgm:constr type="alignOff" val="0.2"/>
+          </dgm:constrLst>
           <dgm:ruleLst/>
+          <dgm:layoutNode name="rootComposite">
+            <dgm:alg type="composite"/>
+            <dgm:shape xmlns:r="http://schemas.openxmlformats.org/officeDocument/2006/relationships" r:blip="">
+              <dgm:adjLst/>
+            </dgm:shape>
+            <dgm:presOf axis="self" ptType="node" cnt="1"/>
+            <dgm:choose name="Name8">
+              <dgm:if name="Name9" func="var" arg="dir" op="equ" val="norm">
+                <dgm:constrLst>
+                  <dgm:constr type="l" for="ch" forName="rootText"/>
+                  <dgm:constr type="t" for="ch" forName="rootText"/>
+                  <dgm:constr type="w" for="ch" forName="rootText" refType="w"/>
+                  <dgm:constr type="h" for="ch" forName="rootText" refType="h"/>
+                  <dgm:constr type="l" for="ch" forName="rootConnector"/>
+                  <dgm:constr type="t" for="ch" forName="rootConnector"/>
+                  <dgm:constr type="w" for="ch" forName="rootConnector" refType="w" refFor="ch" refForName="rootText" fact="0.2"/>
+                  <dgm:constr type="h" for="ch" forName="rootConnector" refType="h" refFor="ch" refForName="rootText"/>
+                </dgm:constrLst>
+              </dgm:if>
+              <dgm:else name="Name10">
+                <dgm:constrLst>
+                  <dgm:constr type="l" for="ch" forName="rootText"/>
+                  <dgm:constr type="t" for="ch" forName="rootText"/>
+                  <dgm:constr type="w" for="ch" forName="rootText" refType="w"/>
+                  <dgm:constr type="h" for="ch" forName="rootText" refType="h"/>
+                  <dgm:constr type="r" for="ch" forName="rootConnector" refType="w"/>
+                  <dgm:constr type="t" for="ch" forName="rootConnector"/>
+                  <dgm:constr type="w" for="ch" forName="rootConnector" refType="w" refFor="ch" refForName="rootText" fact="0.2"/>
+                  <dgm:constr type="h" for="ch" forName="rootConnector" refType="h" refFor="ch" refForName="rootText"/>
+                </dgm:constrLst>
+              </dgm:else>
+            </dgm:choose>
+            <dgm:ruleLst/>
+            <dgm:layoutNode name="rootText" styleLbl="node1">
+              <dgm:alg type="tx"/>
+              <dgm:shape xmlns:r="http://schemas.openxmlformats.org/officeDocument/2006/relationships" type="roundRect" r:blip="">
+                <dgm:adjLst>
+                  <dgm:adj idx="1" val="0.1"/>
+                </dgm:adjLst>
+              </dgm:shape>
+              <dgm:presOf axis="self" ptType="node" cnt="1"/>
+              <dgm:constrLst>
+                <dgm:constr type="tMarg" refType="primFontSz" fact="0.1"/>
+                <dgm:constr type="bMarg" refType="primFontSz" fact="0.1"/>
+                <dgm:constr type="lMarg" refType="primFontSz" fact="0.15"/>
+                <dgm:constr type="rMarg" refType="primFontSz" fact="0.15"/>
+              </dgm:constrLst>
+              <dgm:ruleLst>
+                <dgm:rule type="primFontSz" val="5" fact="NaN" max="NaN"/>
+              </dgm:ruleLst>
+            </dgm:layoutNode>
+            <dgm:layoutNode name="rootConnector" moveWith="rootText">
+              <dgm:alg type="sp"/>
+              <dgm:shape xmlns:r="http://schemas.openxmlformats.org/officeDocument/2006/relationships" type="roundRect" r:blip="" hideGeom="1">
+                <dgm:adjLst>
+                  <dgm:adj idx="1" val="0.1"/>
+                </dgm:adjLst>
+              </dgm:shape>
+              <dgm:presOf axis="self" ptType="node" cnt="1"/>
+              <dgm:constrLst/>
+              <dgm:ruleLst/>
+            </dgm:layoutNode>
+          </dgm:layoutNode>
+          <dgm:layoutNode name="childShape">
+            <dgm:alg type="hierChild">
+              <dgm:param type="chAlign" val="l"/>
+              <dgm:param type="linDir" val="fromT"/>
+            </dgm:alg>
+            <dgm:shape xmlns:r="http://schemas.openxmlformats.org/officeDocument/2006/relationships" r:blip="">
+              <dgm:adjLst/>
+            </dgm:shape>
+            <dgm:presOf/>
+            <dgm:constrLst/>
+            <dgm:ruleLst/>
+            <dgm:forEach name="Name11" axis="ch">
+              <dgm:forEach name="Name12" axis="self" ptType="parTrans" cnt="1">
+                <dgm:layoutNode name="Name13">
+                  <dgm:choose name="Name14">
+                    <dgm:if name="Name15" func="var" arg="dir" op="equ" val="norm">
+                      <dgm:alg type="conn">
+                        <dgm:param type="dim" val="1D"/>
+                        <dgm:param type="endSty" val="noArr"/>
+                        <dgm:param type="connRout" val="bend"/>
+                        <dgm:param type="srcNode" val="rootConnector"/>
+                        <dgm:param type="begPts" val="bCtr"/>
+                        <dgm:param type="endPts" val="midL"/>
+                      </dgm:alg>
+                    </dgm:if>
+                    <dgm:else name="Name16">
+                      <dgm:alg type="conn">
+                        <dgm:param type="dim" val="1D"/>
+                        <dgm:param type="endSty" val="noArr"/>
+                        <dgm:param type="connRout" val="bend"/>
+                        <dgm:param type="srcNode" val="rootConnector"/>
+                        <dgm:param type="begPts" val="bCtr"/>
+                        <dgm:param type="endPts" val="midR"/>
+                      </dgm:alg>
+                    </dgm:else>
+                  </dgm:choose>
+                  <dgm:shape xmlns:r="http://schemas.openxmlformats.org/officeDocument/2006/relationships" type="conn" r:blip="">
+                    <dgm:adjLst/>
+                  </dgm:shape>
+                  <dgm:presOf axis="self"/>
+                  <dgm:constrLst>
+                    <dgm:constr type="begPad"/>
+                    <dgm:constr type="endPad"/>
+                  </dgm:constrLst>
+                  <dgm:ruleLst/>
+                </dgm:layoutNode>
+              </dgm:forEach>
+              <dgm:forEach name="Name17" axis="self" ptType="node">
+                <dgm:layoutNode name="childText" styleLbl="bgAcc1">
+                  <dgm:varLst>
+                    <dgm:bulletEnabled val="1"/>
+                  </dgm:varLst>
+                  <dgm:alg type="tx"/>
+                  <dgm:shape xmlns:r="http://schemas.openxmlformats.org/officeDocument/2006/relationships" type="roundRect" r:blip="">
+                    <dgm:adjLst>
+                      <dgm:adj idx="1" val="0.1"/>
+                    </dgm:adjLst>
+                  </dgm:shape>
+                  <dgm:presOf axis="self desOrSelf" ptType="node node" st="1 1" cnt="1 0"/>
+                  <dgm:constrLst>
+                    <dgm:constr type="tMarg" refType="primFontSz" fact="0.1"/>
+                    <dgm:constr type="bMarg" refType="primFontSz" fact="0.1"/>
+                    <dgm:constr type="lMarg" refType="primFontSz" fact="0.15"/>
+                    <dgm:constr type="rMarg" refType="primFontSz" fact="0.15"/>
+                  </dgm:constrLst>
+                  <dgm:ruleLst>
+                    <dgm:rule type="primFontSz" val="5" fact="NaN" max="NaN"/>
+                  </dgm:ruleLst>
+                </dgm:layoutNode>
+              </dgm:forEach>
+            </dgm:forEach>
+          </dgm:layoutNode>
+        </dgm:layoutNode>
+      </dgm:forEach>
+    </dgm:forEach>
+  </dgm:layoutNode>
+</dgm:layoutDef>
+</file>
+
+<file path=ppt/diagrams/layout3.xml><?xml version="1.0" encoding="utf-8"?>
+<dgm:layoutDef xmlns:dgm="http://schemas.openxmlformats.org/drawingml/2006/diagram" xmlns:a="http://schemas.openxmlformats.org/drawingml/2006/main" uniqueId="urn:microsoft.com/office/officeart/2005/8/layout/hierarchy3">
+  <dgm:title val=""/>
+  <dgm:desc val=""/>
+  <dgm:catLst>
+    <dgm:cat type="hierarchy" pri="7000"/>
+    <dgm:cat type="list" pri="23000"/>
+    <dgm:cat type="relationship" pri="15000"/>
+    <dgm:cat type="convert" pri="7000"/>
+  </dgm:catLst>
+  <dgm:sampData>
+    <dgm:dataModel>
+      <dgm:ptLst>
+        <dgm:pt modelId="0" type="doc"/>
+        <dgm:pt modelId="1">
+          <dgm:prSet phldr="1"/>
+        </dgm:pt>
+        <dgm:pt modelId="11">
+          <dgm:prSet phldr="1"/>
+        </dgm:pt>
+        <dgm:pt modelId="12">
+          <dgm:prSet phldr="1"/>
+        </dgm:pt>
+        <dgm:pt modelId="2">
+          <dgm:prSet phldr="1"/>
+        </dgm:pt>
+        <dgm:pt modelId="21">
+          <dgm:prSet phldr="1"/>
+        </dgm:pt>
+        <dgm:pt modelId="22">
+          <dgm:prSet phldr="1"/>
+        </dgm:pt>
+      </dgm:ptLst>
+      <dgm:cxnLst>
+        <dgm:cxn modelId="4" srcId="0" destId="1" srcOrd="0" destOrd="0"/>
+        <dgm:cxn modelId="5" srcId="1" destId="11" srcOrd="0" destOrd="0"/>
+        <dgm:cxn modelId="6" srcId="1" destId="12" srcOrd="1" destOrd="0"/>
+        <dgm:cxn modelId="7" srcId="0" destId="2" srcOrd="1" destOrd="0"/>
+        <dgm:cxn modelId="8" srcId="2" destId="21" srcOrd="0" destOrd="0"/>
+        <dgm:cxn modelId="9" srcId="2" destId="22" srcOrd="1" destOrd="0"/>
+      </dgm:cxnLst>
+      <dgm:bg/>
+      <dgm:whole/>
+    </dgm:dataModel>
+  </dgm:sampData>
+  <dgm:styleData>
+    <dgm:dataModel>
+      <dgm:ptLst>
+        <dgm:pt modelId="0" type="doc"/>
+        <dgm:pt modelId="1"/>
+        <dgm:pt modelId="11"/>
+        <dgm:pt modelId="2"/>
+        <dgm:pt modelId="21"/>
+      </dgm:ptLst>
+      <dgm:cxnLst>
+        <dgm:cxn modelId="4" srcId="0" destId="1" srcOrd="0" destOrd="0"/>
+        <dgm:cxn modelId="5" srcId="0" destId="2" srcOrd="1" destOrd="0"/>
+        <dgm:cxn modelId="13" srcId="1" destId="11" srcOrd="0" destOrd="0"/>
+        <dgm:cxn modelId="23" srcId="2" destId="21" srcOrd="0" destOrd="0"/>
+      </dgm:cxnLst>
+      <dgm:bg/>
+      <dgm:whole/>
+    </dgm:dataModel>
+  </dgm:styleData>
+  <dgm:clrData>
+    <dgm:dataModel>
+      <dgm:ptLst>
+        <dgm:pt modelId="0" type="doc"/>
+        <dgm:pt modelId="1"/>
+        <dgm:pt modelId="11"/>
+        <dgm:pt modelId="2"/>
+        <dgm:pt modelId="21"/>
+        <dgm:pt modelId="3"/>
+        <dgm:pt modelId="31"/>
+        <dgm:pt modelId="4"/>
+        <dgm:pt modelId="41"/>
+      </dgm:ptLst>
+      <dgm:cxnLst>
+        <dgm:cxn modelId="5" srcId="0" destId="1" srcOrd="0" destOrd="0"/>
+        <dgm:cxn modelId="6" srcId="0" destId="2" srcOrd="1" destOrd="0"/>
+        <dgm:cxn modelId="7" srcId="0" destId="3" srcOrd="2" destOrd="0"/>
+        <dgm:cxn modelId="8" srcId="0" destId="4" srcOrd="3" destOrd="0"/>
+        <dgm:cxn modelId="13" srcId="1" destId="11" srcOrd="0" destOrd="0"/>
+        <dgm:cxn modelId="23" srcId="2" destId="21" srcOrd="0" destOrd="0"/>
+        <dgm:cxn modelId="33" srcId="3" destId="31" srcOrd="0" destOrd="0"/>
+        <dgm:cxn modelId="43" srcId="4" destId="41" srcOrd="0" destOrd="0"/>
+      </dgm:cxnLst>
+      <dgm:bg/>
+      <dgm:whole/>
+    </dgm:dataModel>
+  </dgm:clrData>
+  <dgm:layoutNode name="diagram">
+    <dgm:varLst>
+      <dgm:chPref val="1"/>
+      <dgm:dir/>
+      <dgm:animOne val="branch"/>
+      <dgm:animLvl val="lvl"/>
+      <dgm:resizeHandles/>
+    </dgm:varLst>
+    <dgm:choose name="Name0">
+      <dgm:if name="Name1" func="var" arg="dir" op="equ" val="norm">
+        <dgm:alg type="hierChild">
+          <dgm:param type="linDir" val="fromL"/>
+        </dgm:alg>
+      </dgm:if>
+      <dgm:else name="Name2">
+        <dgm:alg type="hierChild">
+          <dgm:param type="linDir" val="fromR"/>
+        </dgm:alg>
+      </dgm:else>
+    </dgm:choose>
+    <dgm:shape xmlns:r="http://schemas.openxmlformats.org/officeDocument/2006/relationships" r:blip="">
+      <dgm:adjLst/>
+    </dgm:shape>
+    <dgm:presOf/>
+    <dgm:constrLst>
+      <dgm:constr type="primFontSz" for="des" forName="rootText" op="equ" val="65"/>
+      <dgm:constr type="primFontSz" for="des" forName="childText" op="equ" val="65"/>
+      <dgm:constr type="w" for="des" forName="rootComposite" refType="w"/>
+      <dgm:constr type="h" for="des" forName="rootComposite" refType="w" fact="0.5"/>
+      <dgm:constr type="w" for="des" forName="childText" refType="w" refFor="des" refForName="rootComposite" fact="0.8"/>
+      <dgm:constr type="h" for="des" forName="childText" refType="h" refFor="des" refForName="rootComposite"/>
+      <dgm:constr type="sibSp" refType="w" refFor="des" refForName="rootComposite" fact="0.25"/>
+      <dgm:constr type="sibSp" for="des" forName="childShape" refType="h" refFor="des" refForName="childText" fact="0.25"/>
+      <dgm:constr type="sp" for="des" forName="root" refType="h" refFor="des" refForName="childText" fact="0.25"/>
+    </dgm:constrLst>
+    <dgm:ruleLst/>
+    <dgm:forEach name="Name3" axis="ch">
+      <dgm:forEach name="Name4" axis="self" ptType="node" cnt="1">
+        <dgm:layoutNode name="root">
+          <dgm:choose name="Name5">
+            <dgm:if name="Name6" func="var" arg="dir" op="equ" val="norm">
+              <dgm:alg type="hierRoot">
+                <dgm:param type="hierAlign" val="tL"/>
+              </dgm:alg>
+            </dgm:if>
+            <dgm:else name="Name7">
+              <dgm:alg type="hierRoot">
+                <dgm:param type="hierAlign" val="tR"/>
+              </dgm:alg>
+            </dgm:else>
+          </dgm:choose>
+          <dgm:shape xmlns:r="http://schemas.openxmlformats.org/officeDocument/2006/relationships" r:blip="">
+            <dgm:adjLst/>
+          </dgm:shape>
+          <dgm:presOf/>
+          <dgm:constrLst>
+            <dgm:constr type="alignOff" val="0.2"/>
+          </dgm:constrLst>
+          <dgm:ruleLst/>
+          <dgm:layoutNode name="rootComposite">
+            <dgm:alg type="composite"/>
+            <dgm:shape xmlns:r="http://schemas.openxmlformats.org/officeDocument/2006/relationships" r:blip="">
+              <dgm:adjLst/>
+            </dgm:shape>
+            <dgm:presOf axis="self" ptType="node" cnt="1"/>
+            <dgm:choose name="Name8">
+              <dgm:if name="Name9" func="var" arg="dir" op="equ" val="norm">
+                <dgm:constrLst>
+                  <dgm:constr type="l" for="ch" forName="rootText"/>
+                  <dgm:constr type="t" for="ch" forName="rootText"/>
+                  <dgm:constr type="w" for="ch" forName="rootText" refType="w"/>
+                  <dgm:constr type="h" for="ch" forName="rootText" refType="h"/>
+                  <dgm:constr type="l" for="ch" forName="rootConnector"/>
+                  <dgm:constr type="t" for="ch" forName="rootConnector"/>
+                  <dgm:constr type="w" for="ch" forName="rootConnector" refType="w" refFor="ch" refForName="rootText" fact="0.2"/>
+                  <dgm:constr type="h" for="ch" forName="rootConnector" refType="h" refFor="ch" refForName="rootText"/>
+                </dgm:constrLst>
+              </dgm:if>
+              <dgm:else name="Name10">
+                <dgm:constrLst>
+                  <dgm:constr type="l" for="ch" forName="rootText"/>
+                  <dgm:constr type="t" for="ch" forName="rootText"/>
+                  <dgm:constr type="w" for="ch" forName="rootText" refType="w"/>
+                  <dgm:constr type="h" for="ch" forName="rootText" refType="h"/>
+                  <dgm:constr type="r" for="ch" forName="rootConnector" refType="w"/>
+                  <dgm:constr type="t" for="ch" forName="rootConnector"/>
+                  <dgm:constr type="w" for="ch" forName="rootConnector" refType="w" refFor="ch" refForName="rootText" fact="0.2"/>
+                  <dgm:constr type="h" for="ch" forName="rootConnector" refType="h" refFor="ch" refForName="rootText"/>
+                </dgm:constrLst>
+              </dgm:else>
+            </dgm:choose>
+            <dgm:ruleLst/>
+            <dgm:layoutNode name="rootText" styleLbl="node1">
+              <dgm:alg type="tx"/>
+              <dgm:shape xmlns:r="http://schemas.openxmlformats.org/officeDocument/2006/relationships" type="roundRect" r:blip="">
+                <dgm:adjLst>
+                  <dgm:adj idx="1" val="0.1"/>
+                </dgm:adjLst>
+              </dgm:shape>
+              <dgm:presOf axis="self" ptType="node" cnt="1"/>
+              <dgm:constrLst>
+                <dgm:constr type="tMarg" refType="primFontSz" fact="0.1"/>
+                <dgm:constr type="bMarg" refType="primFontSz" fact="0.1"/>
+                <dgm:constr type="lMarg" refType="primFontSz" fact="0.15"/>
+                <dgm:constr type="rMarg" refType="primFontSz" fact="0.15"/>
+              </dgm:constrLst>
+              <dgm:ruleLst>
+                <dgm:rule type="primFontSz" val="5" fact="NaN" max="NaN"/>
+              </dgm:ruleLst>
+            </dgm:layoutNode>
+            <dgm:layoutNode name="rootConnector" moveWith="rootText">
+              <dgm:alg type="sp"/>
+              <dgm:shape xmlns:r="http://schemas.openxmlformats.org/officeDocument/2006/relationships" type="roundRect" r:blip="" hideGeom="1">
+                <dgm:adjLst>
+                  <dgm:adj idx="1" val="0.1"/>
+                </dgm:adjLst>
+              </dgm:shape>
+              <dgm:presOf axis="self" ptType="node" cnt="1"/>
+              <dgm:constrLst/>
+              <dgm:ruleLst/>
+            </dgm:layoutNode>
+          </dgm:layoutNode>
+          <dgm:layoutNode name="childShape">
+            <dgm:alg type="hierChild">
+              <dgm:param type="chAlign" val="l"/>
+              <dgm:param type="linDir" val="fromT"/>
+            </dgm:alg>
+            <dgm:shape xmlns:r="http://schemas.openxmlformats.org/officeDocument/2006/relationships" r:blip="">
+              <dgm:adjLst/>
+            </dgm:shape>
+            <dgm:presOf/>
+            <dgm:constrLst/>
+            <dgm:ruleLst/>
+            <dgm:forEach name="Name11" axis="ch">
+              <dgm:forEach name="Name12" axis="self" ptType="parTrans" cnt="1">
+                <dgm:layoutNode name="Name13">
+                  <dgm:choose name="Name14">
+                    <dgm:if name="Name15" func="var" arg="dir" op="equ" val="norm">
+                      <dgm:alg type="conn">
+                        <dgm:param type="dim" val="1D"/>
+                        <dgm:param type="endSty" val="noArr"/>
+                        <dgm:param type="connRout" val="bend"/>
+                        <dgm:param type="srcNode" val="rootConnector"/>
+                        <dgm:param type="begPts" val="bCtr"/>
+                        <dgm:param type="endPts" val="midL"/>
+                      </dgm:alg>
+                    </dgm:if>
+                    <dgm:else name="Name16">
+                      <dgm:alg type="conn">
+                        <dgm:param type="dim" val="1D"/>
+                        <dgm:param type="endSty" val="noArr"/>
+                        <dgm:param type="connRout" val="bend"/>
+                        <dgm:param type="srcNode" val="rootConnector"/>
+                        <dgm:param type="begPts" val="bCtr"/>
+                        <dgm:param type="endPts" val="midR"/>
+                      </dgm:alg>
+                    </dgm:else>
+                  </dgm:choose>
+                  <dgm:shape xmlns:r="http://schemas.openxmlformats.org/officeDocument/2006/relationships" type="conn" r:blip="">
+                    <dgm:adjLst/>
+                  </dgm:shape>
+                  <dgm:presOf axis="self"/>
+                  <dgm:constrLst>
+                    <dgm:constr type="begPad"/>
+                    <dgm:constr type="endPad"/>
+                  </dgm:constrLst>
+                  <dgm:ruleLst/>
+                </dgm:layoutNode>
+              </dgm:forEach>
+              <dgm:forEach name="Name17" axis="self" ptType="node">
+                <dgm:layoutNode name="childText" styleLbl="bgAcc1">
+                  <dgm:varLst>
+                    <dgm:bulletEnabled val="1"/>
+                  </dgm:varLst>
+                  <dgm:alg type="tx"/>
+                  <dgm:shape xmlns:r="http://schemas.openxmlformats.org/officeDocument/2006/relationships" type="roundRect" r:blip="">
+                    <dgm:adjLst>
+                      <dgm:adj idx="1" val="0.1"/>
+                    </dgm:adjLst>
+                  </dgm:shape>
+                  <dgm:presOf axis="self desOrSelf" ptType="node node" st="1 1" cnt="1 0"/>
+                  <dgm:constrLst>
+                    <dgm:constr type="tMarg" refType="primFontSz" fact="0.1"/>
+                    <dgm:constr type="bMarg" refType="primFontSz" fact="0.1"/>
+                    <dgm:constr type="lMarg" refType="primFontSz" fact="0.15"/>
+                    <dgm:constr type="rMarg" refType="primFontSz" fact="0.15"/>
+                  </dgm:constrLst>
+                  <dgm:ruleLst>
+                    <dgm:rule type="primFontSz" val="5" fact="NaN" max="NaN"/>
+                  </dgm:ruleLst>
+                </dgm:layoutNode>
+              </dgm:forEach>
+            </dgm:forEach>
+          </dgm:layoutNode>
         </dgm:layoutNode>
       </dgm:forEach>
     </dgm:forEach>
@@ -6956,6 +10102,1040 @@
 </file>
 
 <file path=ppt/diagrams/quickStyle2.xml><?xml version="1.0" encoding="utf-8"?>
+<dgm:styleDef xmlns:dgm="http://schemas.openxmlformats.org/drawingml/2006/diagram" xmlns:a="http://schemas.openxmlformats.org/drawingml/2006/main" uniqueId="urn:microsoft.com/office/officeart/2005/8/quickstyle/simple1">
+  <dgm:title val=""/>
+  <dgm:desc val=""/>
+  <dgm:catLst>
+    <dgm:cat type="simple" pri="10100"/>
+  </dgm:catLst>
+  <dgm:scene3d>
+    <a:camera prst="orthographicFront"/>
+    <a:lightRig rig="threePt" dir="t"/>
+  </dgm:scene3d>
+  <dgm:styleLbl name="node0">
+    <dgm:scene3d>
+      <a:camera prst="orthographicFront"/>
+      <a:lightRig rig="threePt" dir="t"/>
+    </dgm:scene3d>
+    <dgm:sp3d/>
+    <dgm:txPr/>
+    <dgm:style>
+      <a:lnRef idx="2">
+        <a:scrgbClr r="0" g="0" b="0"/>
+      </a:lnRef>
+      <a:fillRef idx="1">
+        <a:scrgbClr r="0" g="0" b="0"/>
+      </a:fillRef>
+      <a:effectRef idx="0">
+        <a:scrgbClr r="0" g="0" b="0"/>
+      </a:effectRef>
+      <a:fontRef idx="minor">
+        <a:schemeClr val="lt1"/>
+      </a:fontRef>
+    </dgm:style>
+  </dgm:styleLbl>
+  <dgm:styleLbl name="lnNode1">
+    <dgm:scene3d>
+      <a:camera prst="orthographicFront"/>
+      <a:lightRig rig="threePt" dir="t"/>
+    </dgm:scene3d>
+    <dgm:sp3d/>
+    <dgm:txPr/>
+    <dgm:style>
+      <a:lnRef idx="2">
+        <a:scrgbClr r="0" g="0" b="0"/>
+      </a:lnRef>
+      <a:fillRef idx="1">
+        <a:scrgbClr r="0" g="0" b="0"/>
+      </a:fillRef>
+      <a:effectRef idx="0">
+        <a:scrgbClr r="0" g="0" b="0"/>
+      </a:effectRef>
+      <a:fontRef idx="minor">
+        <a:schemeClr val="lt1"/>
+      </a:fontRef>
+    </dgm:style>
+  </dgm:styleLbl>
+  <dgm:styleLbl name="vennNode1">
+    <dgm:scene3d>
+      <a:camera prst="orthographicFront"/>
+      <a:lightRig rig="threePt" dir="t"/>
+    </dgm:scene3d>
+    <dgm:sp3d/>
+    <dgm:txPr/>
+    <dgm:style>
+      <a:lnRef idx="2">
+        <a:scrgbClr r="0" g="0" b="0"/>
+      </a:lnRef>
+      <a:fillRef idx="1">
+        <a:scrgbClr r="0" g="0" b="0"/>
+      </a:fillRef>
+      <a:effectRef idx="0">
+        <a:scrgbClr r="0" g="0" b="0"/>
+      </a:effectRef>
+      <a:fontRef idx="minor">
+        <a:schemeClr val="tx1"/>
+      </a:fontRef>
+    </dgm:style>
+  </dgm:styleLbl>
+  <dgm:styleLbl name="alignNode1">
+    <dgm:scene3d>
+      <a:camera prst="orthographicFront"/>
+      <a:lightRig rig="threePt" dir="t"/>
+    </dgm:scene3d>
+    <dgm:sp3d/>
+    <dgm:txPr/>
+    <dgm:style>
+      <a:lnRef idx="2">
+        <a:scrgbClr r="0" g="0" b="0"/>
+      </a:lnRef>
+      <a:fillRef idx="1">
+        <a:scrgbClr r="0" g="0" b="0"/>
+      </a:fillRef>
+      <a:effectRef idx="0">
+        <a:scrgbClr r="0" g="0" b="0"/>
+      </a:effectRef>
+      <a:fontRef idx="minor">
+        <a:schemeClr val="lt1"/>
+      </a:fontRef>
+    </dgm:style>
+  </dgm:styleLbl>
+  <dgm:styleLbl name="node1">
+    <dgm:scene3d>
+      <a:camera prst="orthographicFront"/>
+      <a:lightRig rig="threePt" dir="t"/>
+    </dgm:scene3d>
+    <dgm:sp3d/>
+    <dgm:txPr/>
+    <dgm:style>
+      <a:lnRef idx="2">
+        <a:scrgbClr r="0" g="0" b="0"/>
+      </a:lnRef>
+      <a:fillRef idx="1">
+        <a:scrgbClr r="0" g="0" b="0"/>
+      </a:fillRef>
+      <a:effectRef idx="0">
+        <a:scrgbClr r="0" g="0" b="0"/>
+      </a:effectRef>
+      <a:fontRef idx="minor">
+        <a:schemeClr val="lt1"/>
+      </a:fontRef>
+    </dgm:style>
+  </dgm:styleLbl>
+  <dgm:styleLbl name="node2">
+    <dgm:scene3d>
+      <a:camera prst="orthographicFront"/>
+      <a:lightRig rig="threePt" dir="t"/>
+    </dgm:scene3d>
+    <dgm:sp3d/>
+    <dgm:txPr/>
+    <dgm:style>
+      <a:lnRef idx="2">
+        <a:scrgbClr r="0" g="0" b="0"/>
+      </a:lnRef>
+      <a:fillRef idx="1">
+        <a:scrgbClr r="0" g="0" b="0"/>
+      </a:fillRef>
+      <a:effectRef idx="0">
+        <a:scrgbClr r="0" g="0" b="0"/>
+      </a:effectRef>
+      <a:fontRef idx="minor">
+        <a:schemeClr val="lt1"/>
+      </a:fontRef>
+    </dgm:style>
+  </dgm:styleLbl>
+  <dgm:styleLbl name="node3">
+    <dgm:scene3d>
+      <a:camera prst="orthographicFront"/>
+      <a:lightRig rig="threePt" dir="t"/>
+    </dgm:scene3d>
+    <dgm:sp3d/>
+    <dgm:txPr/>
+    <dgm:style>
+      <a:lnRef idx="2">
+        <a:scrgbClr r="0" g="0" b="0"/>
+      </a:lnRef>
+      <a:fillRef idx="1">
+        <a:scrgbClr r="0" g="0" b="0"/>
+      </a:fillRef>
+      <a:effectRef idx="0">
+        <a:scrgbClr r="0" g="0" b="0"/>
+      </a:effectRef>
+      <a:fontRef idx="minor">
+        <a:schemeClr val="lt1"/>
+      </a:fontRef>
+    </dgm:style>
+  </dgm:styleLbl>
+  <dgm:styleLbl name="node4">
+    <dgm:scene3d>
+      <a:camera prst="orthographicFront"/>
+      <a:lightRig rig="threePt" dir="t"/>
+    </dgm:scene3d>
+    <dgm:sp3d/>
+    <dgm:txPr/>
+    <dgm:style>
+      <a:lnRef idx="2">
+        <a:scrgbClr r="0" g="0" b="0"/>
+      </a:lnRef>
+      <a:fillRef idx="1">
+        <a:scrgbClr r="0" g="0" b="0"/>
+      </a:fillRef>
+      <a:effectRef idx="0">
+        <a:scrgbClr r="0" g="0" b="0"/>
+      </a:effectRef>
+      <a:fontRef idx="minor">
+        <a:schemeClr val="lt1"/>
+      </a:fontRef>
+    </dgm:style>
+  </dgm:styleLbl>
+  <dgm:styleLbl name="fgImgPlace1">
+    <dgm:scene3d>
+      <a:camera prst="orthographicFront"/>
+      <a:lightRig rig="threePt" dir="t"/>
+    </dgm:scene3d>
+    <dgm:sp3d/>
+    <dgm:txPr/>
+    <dgm:style>
+      <a:lnRef idx="2">
+        <a:scrgbClr r="0" g="0" b="0"/>
+      </a:lnRef>
+      <a:fillRef idx="1">
+        <a:scrgbClr r="0" g="0" b="0"/>
+      </a:fillRef>
+      <a:effectRef idx="0">
+        <a:scrgbClr r="0" g="0" b="0"/>
+      </a:effectRef>
+      <a:fontRef idx="minor"/>
+    </dgm:style>
+  </dgm:styleLbl>
+  <dgm:styleLbl name="alignImgPlace1">
+    <dgm:scene3d>
+      <a:camera prst="orthographicFront"/>
+      <a:lightRig rig="threePt" dir="t"/>
+    </dgm:scene3d>
+    <dgm:sp3d/>
+    <dgm:txPr/>
+    <dgm:style>
+      <a:lnRef idx="2">
+        <a:scrgbClr r="0" g="0" b="0"/>
+      </a:lnRef>
+      <a:fillRef idx="1">
+        <a:scrgbClr r="0" g="0" b="0"/>
+      </a:fillRef>
+      <a:effectRef idx="0">
+        <a:scrgbClr r="0" g="0" b="0"/>
+      </a:effectRef>
+      <a:fontRef idx="minor"/>
+    </dgm:style>
+  </dgm:styleLbl>
+  <dgm:styleLbl name="bgImgPlace1">
+    <dgm:scene3d>
+      <a:camera prst="orthographicFront"/>
+      <a:lightRig rig="threePt" dir="t"/>
+    </dgm:scene3d>
+    <dgm:sp3d/>
+    <dgm:txPr/>
+    <dgm:style>
+      <a:lnRef idx="2">
+        <a:scrgbClr r="0" g="0" b="0"/>
+      </a:lnRef>
+      <a:fillRef idx="1">
+        <a:scrgbClr r="0" g="0" b="0"/>
+      </a:fillRef>
+      <a:effectRef idx="0">
+        <a:scrgbClr r="0" g="0" b="0"/>
+      </a:effectRef>
+      <a:fontRef idx="minor"/>
+    </dgm:style>
+  </dgm:styleLbl>
+  <dgm:styleLbl name="sibTrans2D1">
+    <dgm:scene3d>
+      <a:camera prst="orthographicFront"/>
+      <a:lightRig rig="threePt" dir="t"/>
+    </dgm:scene3d>
+    <dgm:sp3d/>
+    <dgm:txPr/>
+    <dgm:style>
+      <a:lnRef idx="0">
+        <a:scrgbClr r="0" g="0" b="0"/>
+      </a:lnRef>
+      <a:fillRef idx="1">
+        <a:scrgbClr r="0" g="0" b="0"/>
+      </a:fillRef>
+      <a:effectRef idx="0">
+        <a:scrgbClr r="0" g="0" b="0"/>
+      </a:effectRef>
+      <a:fontRef idx="minor">
+        <a:schemeClr val="lt1"/>
+      </a:fontRef>
+    </dgm:style>
+  </dgm:styleLbl>
+  <dgm:styleLbl name="fgSibTrans2D1">
+    <dgm:scene3d>
+      <a:camera prst="orthographicFront"/>
+      <a:lightRig rig="threePt" dir="t"/>
+    </dgm:scene3d>
+    <dgm:sp3d/>
+    <dgm:txPr/>
+    <dgm:style>
+      <a:lnRef idx="0">
+        <a:scrgbClr r="0" g="0" b="0"/>
+      </a:lnRef>
+      <a:fillRef idx="1">
+        <a:scrgbClr r="0" g="0" b="0"/>
+      </a:fillRef>
+      <a:effectRef idx="0">
+        <a:scrgbClr r="0" g="0" b="0"/>
+      </a:effectRef>
+      <a:fontRef idx="minor">
+        <a:schemeClr val="lt1"/>
+      </a:fontRef>
+    </dgm:style>
+  </dgm:styleLbl>
+  <dgm:styleLbl name="bgSibTrans2D1">
+    <dgm:scene3d>
+      <a:camera prst="orthographicFront"/>
+      <a:lightRig rig="threePt" dir="t"/>
+    </dgm:scene3d>
+    <dgm:sp3d/>
+    <dgm:txPr/>
+    <dgm:style>
+      <a:lnRef idx="0">
+        <a:scrgbClr r="0" g="0" b="0"/>
+      </a:lnRef>
+      <a:fillRef idx="1">
+        <a:scrgbClr r="0" g="0" b="0"/>
+      </a:fillRef>
+      <a:effectRef idx="0">
+        <a:scrgbClr r="0" g="0" b="0"/>
+      </a:effectRef>
+      <a:fontRef idx="minor">
+        <a:schemeClr val="lt1"/>
+      </a:fontRef>
+    </dgm:style>
+  </dgm:styleLbl>
+  <dgm:styleLbl name="sibTrans1D1">
+    <dgm:scene3d>
+      <a:camera prst="orthographicFront"/>
+      <a:lightRig rig="threePt" dir="t"/>
+    </dgm:scene3d>
+    <dgm:sp3d/>
+    <dgm:txPr/>
+    <dgm:style>
+      <a:lnRef idx="1">
+        <a:scrgbClr r="0" g="0" b="0"/>
+      </a:lnRef>
+      <a:fillRef idx="0">
+        <a:scrgbClr r="0" g="0" b="0"/>
+      </a:fillRef>
+      <a:effectRef idx="0">
+        <a:scrgbClr r="0" g="0" b="0"/>
+      </a:effectRef>
+      <a:fontRef idx="minor"/>
+    </dgm:style>
+  </dgm:styleLbl>
+  <dgm:styleLbl name="callout">
+    <dgm:scene3d>
+      <a:camera prst="orthographicFront"/>
+      <a:lightRig rig="threePt" dir="t"/>
+    </dgm:scene3d>
+    <dgm:sp3d/>
+    <dgm:txPr/>
+    <dgm:style>
+      <a:lnRef idx="2">
+        <a:scrgbClr r="0" g="0" b="0"/>
+      </a:lnRef>
+      <a:fillRef idx="1">
+        <a:scrgbClr r="0" g="0" b="0"/>
+      </a:fillRef>
+      <a:effectRef idx="0">
+        <a:scrgbClr r="0" g="0" b="0"/>
+      </a:effectRef>
+      <a:fontRef idx="minor"/>
+    </dgm:style>
+  </dgm:styleLbl>
+  <dgm:styleLbl name="asst0">
+    <dgm:scene3d>
+      <a:camera prst="orthographicFront"/>
+      <a:lightRig rig="threePt" dir="t"/>
+    </dgm:scene3d>
+    <dgm:sp3d/>
+    <dgm:txPr/>
+    <dgm:style>
+      <a:lnRef idx="2">
+        <a:scrgbClr r="0" g="0" b="0"/>
+      </a:lnRef>
+      <a:fillRef idx="1">
+        <a:scrgbClr r="0" g="0" b="0"/>
+      </a:fillRef>
+      <a:effectRef idx="0">
+        <a:scrgbClr r="0" g="0" b="0"/>
+      </a:effectRef>
+      <a:fontRef idx="minor">
+        <a:schemeClr val="lt1"/>
+      </a:fontRef>
+    </dgm:style>
+  </dgm:styleLbl>
+  <dgm:styleLbl name="asst1">
+    <dgm:scene3d>
+      <a:camera prst="orthographicFront"/>
+      <a:lightRig rig="threePt" dir="t"/>
+    </dgm:scene3d>
+    <dgm:sp3d/>
+    <dgm:txPr/>
+    <dgm:style>
+      <a:lnRef idx="2">
+        <a:scrgbClr r="0" g="0" b="0"/>
+      </a:lnRef>
+      <a:fillRef idx="1">
+        <a:scrgbClr r="0" g="0" b="0"/>
+      </a:fillRef>
+      <a:effectRef idx="0">
+        <a:scrgbClr r="0" g="0" b="0"/>
+      </a:effectRef>
+      <a:fontRef idx="minor">
+        <a:schemeClr val="lt1"/>
+      </a:fontRef>
+    </dgm:style>
+  </dgm:styleLbl>
+  <dgm:styleLbl name="asst2">
+    <dgm:scene3d>
+      <a:camera prst="orthographicFront"/>
+      <a:lightRig rig="threePt" dir="t"/>
+    </dgm:scene3d>
+    <dgm:sp3d/>
+    <dgm:txPr/>
+    <dgm:style>
+      <a:lnRef idx="2">
+        <a:scrgbClr r="0" g="0" b="0"/>
+      </a:lnRef>
+      <a:fillRef idx="1">
+        <a:scrgbClr r="0" g="0" b="0"/>
+      </a:fillRef>
+      <a:effectRef idx="0">
+        <a:scrgbClr r="0" g="0" b="0"/>
+      </a:effectRef>
+      <a:fontRef idx="minor">
+        <a:schemeClr val="lt1"/>
+      </a:fontRef>
+    </dgm:style>
+  </dgm:styleLbl>
+  <dgm:styleLbl name="asst3">
+    <dgm:scene3d>
+      <a:camera prst="orthographicFront"/>
+      <a:lightRig rig="threePt" dir="t"/>
+    </dgm:scene3d>
+    <dgm:sp3d/>
+    <dgm:txPr/>
+    <dgm:style>
+      <a:lnRef idx="2">
+        <a:scrgbClr r="0" g="0" b="0"/>
+      </a:lnRef>
+      <a:fillRef idx="1">
+        <a:scrgbClr r="0" g="0" b="0"/>
+      </a:fillRef>
+      <a:effectRef idx="0">
+        <a:scrgbClr r="0" g="0" b="0"/>
+      </a:effectRef>
+      <a:fontRef idx="minor">
+        <a:schemeClr val="lt1"/>
+      </a:fontRef>
+    </dgm:style>
+  </dgm:styleLbl>
+  <dgm:styleLbl name="asst4">
+    <dgm:scene3d>
+      <a:camera prst="orthographicFront"/>
+      <a:lightRig rig="threePt" dir="t"/>
+    </dgm:scene3d>
+    <dgm:sp3d/>
+    <dgm:txPr/>
+    <dgm:style>
+      <a:lnRef idx="2">
+        <a:scrgbClr r="0" g="0" b="0"/>
+      </a:lnRef>
+      <a:fillRef idx="1">
+        <a:scrgbClr r="0" g="0" b="0"/>
+      </a:fillRef>
+      <a:effectRef idx="0">
+        <a:scrgbClr r="0" g="0" b="0"/>
+      </a:effectRef>
+      <a:fontRef idx="minor">
+        <a:schemeClr val="lt1"/>
+      </a:fontRef>
+    </dgm:style>
+  </dgm:styleLbl>
+  <dgm:styleLbl name="parChTrans2D1">
+    <dgm:scene3d>
+      <a:camera prst="orthographicFront"/>
+      <a:lightRig rig="threePt" dir="t"/>
+    </dgm:scene3d>
+    <dgm:sp3d/>
+    <dgm:txPr/>
+    <dgm:style>
+      <a:lnRef idx="2">
+        <a:scrgbClr r="0" g="0" b="0"/>
+      </a:lnRef>
+      <a:fillRef idx="1">
+        <a:scrgbClr r="0" g="0" b="0"/>
+      </a:fillRef>
+      <a:effectRef idx="0">
+        <a:scrgbClr r="0" g="0" b="0"/>
+      </a:effectRef>
+      <a:fontRef idx="minor">
+        <a:schemeClr val="lt1"/>
+      </a:fontRef>
+    </dgm:style>
+  </dgm:styleLbl>
+  <dgm:styleLbl name="parChTrans2D2">
+    <dgm:scene3d>
+      <a:camera prst="orthographicFront"/>
+      <a:lightRig rig="threePt" dir="t"/>
+    </dgm:scene3d>
+    <dgm:sp3d/>
+    <dgm:txPr/>
+    <dgm:style>
+      <a:lnRef idx="2">
+        <a:scrgbClr r="0" g="0" b="0"/>
+      </a:lnRef>
+      <a:fillRef idx="1">
+        <a:scrgbClr r="0" g="0" b="0"/>
+      </a:fillRef>
+      <a:effectRef idx="0">
+        <a:scrgbClr r="0" g="0" b="0"/>
+      </a:effectRef>
+      <a:fontRef idx="minor">
+        <a:schemeClr val="lt1"/>
+      </a:fontRef>
+    </dgm:style>
+  </dgm:styleLbl>
+  <dgm:styleLbl name="parChTrans2D3">
+    <dgm:scene3d>
+      <a:camera prst="orthographicFront"/>
+      <a:lightRig rig="threePt" dir="t"/>
+    </dgm:scene3d>
+    <dgm:sp3d/>
+    <dgm:txPr/>
+    <dgm:style>
+      <a:lnRef idx="2">
+        <a:scrgbClr r="0" g="0" b="0"/>
+      </a:lnRef>
+      <a:fillRef idx="1">
+        <a:scrgbClr r="0" g="0" b="0"/>
+      </a:fillRef>
+      <a:effectRef idx="0">
+        <a:scrgbClr r="0" g="0" b="0"/>
+      </a:effectRef>
+      <a:fontRef idx="minor">
+        <a:schemeClr val="lt1"/>
+      </a:fontRef>
+    </dgm:style>
+  </dgm:styleLbl>
+  <dgm:styleLbl name="parChTrans2D4">
+    <dgm:scene3d>
+      <a:camera prst="orthographicFront"/>
+      <a:lightRig rig="threePt" dir="t"/>
+    </dgm:scene3d>
+    <dgm:sp3d/>
+    <dgm:txPr/>
+    <dgm:style>
+      <a:lnRef idx="2">
+        <a:scrgbClr r="0" g="0" b="0"/>
+      </a:lnRef>
+      <a:fillRef idx="1">
+        <a:scrgbClr r="0" g="0" b="0"/>
+      </a:fillRef>
+      <a:effectRef idx="0">
+        <a:scrgbClr r="0" g="0" b="0"/>
+      </a:effectRef>
+      <a:fontRef idx="minor">
+        <a:schemeClr val="lt1"/>
+      </a:fontRef>
+    </dgm:style>
+  </dgm:styleLbl>
+  <dgm:styleLbl name="parChTrans1D1">
+    <dgm:scene3d>
+      <a:camera prst="orthographicFront"/>
+      <a:lightRig rig="threePt" dir="t"/>
+    </dgm:scene3d>
+    <dgm:sp3d/>
+    <dgm:txPr/>
+    <dgm:style>
+      <a:lnRef idx="2">
+        <a:scrgbClr r="0" g="0" b="0"/>
+      </a:lnRef>
+      <a:fillRef idx="0">
+        <a:scrgbClr r="0" g="0" b="0"/>
+      </a:fillRef>
+      <a:effectRef idx="0">
+        <a:scrgbClr r="0" g="0" b="0"/>
+      </a:effectRef>
+      <a:fontRef idx="minor"/>
+    </dgm:style>
+  </dgm:styleLbl>
+  <dgm:styleLbl name="parChTrans1D2">
+    <dgm:scene3d>
+      <a:camera prst="orthographicFront"/>
+      <a:lightRig rig="threePt" dir="t"/>
+    </dgm:scene3d>
+    <dgm:sp3d/>
+    <dgm:txPr/>
+    <dgm:style>
+      <a:lnRef idx="2">
+        <a:scrgbClr r="0" g="0" b="0"/>
+      </a:lnRef>
+      <a:fillRef idx="0">
+        <a:scrgbClr r="0" g="0" b="0"/>
+      </a:fillRef>
+      <a:effectRef idx="0">
+        <a:scrgbClr r="0" g="0" b="0"/>
+      </a:effectRef>
+      <a:fontRef idx="minor"/>
+    </dgm:style>
+  </dgm:styleLbl>
+  <dgm:styleLbl name="parChTrans1D3">
+    <dgm:scene3d>
+      <a:camera prst="orthographicFront"/>
+      <a:lightRig rig="threePt" dir="t"/>
+    </dgm:scene3d>
+    <dgm:sp3d/>
+    <dgm:txPr/>
+    <dgm:style>
+      <a:lnRef idx="2">
+        <a:scrgbClr r="0" g="0" b="0"/>
+      </a:lnRef>
+      <a:fillRef idx="0">
+        <a:scrgbClr r="0" g="0" b="0"/>
+      </a:fillRef>
+      <a:effectRef idx="0">
+        <a:scrgbClr r="0" g="0" b="0"/>
+      </a:effectRef>
+      <a:fontRef idx="minor"/>
+    </dgm:style>
+  </dgm:styleLbl>
+  <dgm:styleLbl name="parChTrans1D4">
+    <dgm:scene3d>
+      <a:camera prst="orthographicFront"/>
+      <a:lightRig rig="threePt" dir="t"/>
+    </dgm:scene3d>
+    <dgm:sp3d/>
+    <dgm:txPr/>
+    <dgm:style>
+      <a:lnRef idx="2">
+        <a:scrgbClr r="0" g="0" b="0"/>
+      </a:lnRef>
+      <a:fillRef idx="0">
+        <a:scrgbClr r="0" g="0" b="0"/>
+      </a:fillRef>
+      <a:effectRef idx="0">
+        <a:scrgbClr r="0" g="0" b="0"/>
+      </a:effectRef>
+      <a:fontRef idx="minor"/>
+    </dgm:style>
+  </dgm:styleLbl>
+  <dgm:styleLbl name="fgAcc1">
+    <dgm:scene3d>
+      <a:camera prst="orthographicFront"/>
+      <a:lightRig rig="threePt" dir="t"/>
+    </dgm:scene3d>
+    <dgm:sp3d/>
+    <dgm:txPr/>
+    <dgm:style>
+      <a:lnRef idx="2">
+        <a:scrgbClr r="0" g="0" b="0"/>
+      </a:lnRef>
+      <a:fillRef idx="1">
+        <a:scrgbClr r="0" g="0" b="0"/>
+      </a:fillRef>
+      <a:effectRef idx="0">
+        <a:scrgbClr r="0" g="0" b="0"/>
+      </a:effectRef>
+      <a:fontRef idx="minor"/>
+    </dgm:style>
+  </dgm:styleLbl>
+  <dgm:styleLbl name="conFgAcc1">
+    <dgm:scene3d>
+      <a:camera prst="orthographicFront"/>
+      <a:lightRig rig="threePt" dir="t"/>
+    </dgm:scene3d>
+    <dgm:sp3d/>
+    <dgm:txPr/>
+    <dgm:style>
+      <a:lnRef idx="2">
+        <a:scrgbClr r="0" g="0" b="0"/>
+      </a:lnRef>
+      <a:fillRef idx="1">
+        <a:scrgbClr r="0" g="0" b="0"/>
+      </a:fillRef>
+      <a:effectRef idx="0">
+        <a:scrgbClr r="0" g="0" b="0"/>
+      </a:effectRef>
+      <a:fontRef idx="minor"/>
+    </dgm:style>
+  </dgm:styleLbl>
+  <dgm:styleLbl name="alignAcc1">
+    <dgm:scene3d>
+      <a:camera prst="orthographicFront"/>
+      <a:lightRig rig="threePt" dir="t"/>
+    </dgm:scene3d>
+    <dgm:sp3d/>
+    <dgm:txPr/>
+    <dgm:style>
+      <a:lnRef idx="2">
+        <a:scrgbClr r="0" g="0" b="0"/>
+      </a:lnRef>
+      <a:fillRef idx="1">
+        <a:scrgbClr r="0" g="0" b="0"/>
+      </a:fillRef>
+      <a:effectRef idx="0">
+        <a:scrgbClr r="0" g="0" b="0"/>
+      </a:effectRef>
+      <a:fontRef idx="minor"/>
+    </dgm:style>
+  </dgm:styleLbl>
+  <dgm:styleLbl name="trAlignAcc1">
+    <dgm:scene3d>
+      <a:camera prst="orthographicFront"/>
+      <a:lightRig rig="threePt" dir="t"/>
+    </dgm:scene3d>
+    <dgm:sp3d/>
+    <dgm:txPr/>
+    <dgm:style>
+      <a:lnRef idx="1">
+        <a:scrgbClr r="0" g="0" b="0"/>
+      </a:lnRef>
+      <a:fillRef idx="1">
+        <a:scrgbClr r="0" g="0" b="0"/>
+      </a:fillRef>
+      <a:effectRef idx="0">
+        <a:scrgbClr r="0" g="0" b="0"/>
+      </a:effectRef>
+      <a:fontRef idx="minor"/>
+    </dgm:style>
+  </dgm:styleLbl>
+  <dgm:styleLbl name="bgAcc1">
+    <dgm:scene3d>
+      <a:camera prst="orthographicFront"/>
+      <a:lightRig rig="threePt" dir="t"/>
+    </dgm:scene3d>
+    <dgm:sp3d/>
+    <dgm:txPr/>
+    <dgm:style>
+      <a:lnRef idx="2">
+        <a:scrgbClr r="0" g="0" b="0"/>
+      </a:lnRef>
+      <a:fillRef idx="1">
+        <a:scrgbClr r="0" g="0" b="0"/>
+      </a:fillRef>
+      <a:effectRef idx="0">
+        <a:scrgbClr r="0" g="0" b="0"/>
+      </a:effectRef>
+      <a:fontRef idx="minor"/>
+    </dgm:style>
+  </dgm:styleLbl>
+  <dgm:styleLbl name="solidFgAcc1">
+    <dgm:scene3d>
+      <a:camera prst="orthographicFront"/>
+      <a:lightRig rig="threePt" dir="t"/>
+    </dgm:scene3d>
+    <dgm:sp3d/>
+    <dgm:txPr/>
+    <dgm:style>
+      <a:lnRef idx="2">
+        <a:scrgbClr r="0" g="0" b="0"/>
+      </a:lnRef>
+      <a:fillRef idx="1">
+        <a:scrgbClr r="0" g="0" b="0"/>
+      </a:fillRef>
+      <a:effectRef idx="0">
+        <a:scrgbClr r="0" g="0" b="0"/>
+      </a:effectRef>
+      <a:fontRef idx="minor"/>
+    </dgm:style>
+  </dgm:styleLbl>
+  <dgm:styleLbl name="solidAlignAcc1">
+    <dgm:scene3d>
+      <a:camera prst="orthographicFront"/>
+      <a:lightRig rig="threePt" dir="t"/>
+    </dgm:scene3d>
+    <dgm:sp3d/>
+    <dgm:txPr/>
+    <dgm:style>
+      <a:lnRef idx="2">
+        <a:scrgbClr r="0" g="0" b="0"/>
+      </a:lnRef>
+      <a:fillRef idx="1">
+        <a:scrgbClr r="0" g="0" b="0"/>
+      </a:fillRef>
+      <a:effectRef idx="0">
+        <a:scrgbClr r="0" g="0" b="0"/>
+      </a:effectRef>
+      <a:fontRef idx="minor"/>
+    </dgm:style>
+  </dgm:styleLbl>
+  <dgm:styleLbl name="solidBgAcc1">
+    <dgm:scene3d>
+      <a:camera prst="orthographicFront"/>
+      <a:lightRig rig="threePt" dir="t"/>
+    </dgm:scene3d>
+    <dgm:sp3d/>
+    <dgm:txPr/>
+    <dgm:style>
+      <a:lnRef idx="2">
+        <a:scrgbClr r="0" g="0" b="0"/>
+      </a:lnRef>
+      <a:fillRef idx="1">
+        <a:scrgbClr r="0" g="0" b="0"/>
+      </a:fillRef>
+      <a:effectRef idx="0">
+        <a:scrgbClr r="0" g="0" b="0"/>
+      </a:effectRef>
+      <a:fontRef idx="minor"/>
+    </dgm:style>
+  </dgm:styleLbl>
+  <dgm:styleLbl name="fgAccFollowNode1">
+    <dgm:scene3d>
+      <a:camera prst="orthographicFront"/>
+      <a:lightRig rig="threePt" dir="t"/>
+    </dgm:scene3d>
+    <dgm:sp3d/>
+    <dgm:txPr/>
+    <dgm:style>
+      <a:lnRef idx="2">
+        <a:scrgbClr r="0" g="0" b="0"/>
+      </a:lnRef>
+      <a:fillRef idx="1">
+        <a:scrgbClr r="0" g="0" b="0"/>
+      </a:fillRef>
+      <a:effectRef idx="0">
+        <a:scrgbClr r="0" g="0" b="0"/>
+      </a:effectRef>
+      <a:fontRef idx="minor"/>
+    </dgm:style>
+  </dgm:styleLbl>
+  <dgm:styleLbl name="alignAccFollowNode1">
+    <dgm:scene3d>
+      <a:camera prst="orthographicFront"/>
+      <a:lightRig rig="threePt" dir="t"/>
+    </dgm:scene3d>
+    <dgm:sp3d/>
+    <dgm:txPr/>
+    <dgm:style>
+      <a:lnRef idx="2">
+        <a:scrgbClr r="0" g="0" b="0"/>
+      </a:lnRef>
+      <a:fillRef idx="1">
+        <a:scrgbClr r="0" g="0" b="0"/>
+      </a:fillRef>
+      <a:effectRef idx="0">
+        <a:scrgbClr r="0" g="0" b="0"/>
+      </a:effectRef>
+      <a:fontRef idx="minor"/>
+    </dgm:style>
+  </dgm:styleLbl>
+  <dgm:styleLbl name="bgAccFollowNode1">
+    <dgm:scene3d>
+      <a:camera prst="orthographicFront"/>
+      <a:lightRig rig="threePt" dir="t"/>
+    </dgm:scene3d>
+    <dgm:sp3d/>
+    <dgm:txPr/>
+    <dgm:style>
+      <a:lnRef idx="2">
+        <a:scrgbClr r="0" g="0" b="0"/>
+      </a:lnRef>
+      <a:fillRef idx="1">
+        <a:scrgbClr r="0" g="0" b="0"/>
+      </a:fillRef>
+      <a:effectRef idx="0">
+        <a:scrgbClr r="0" g="0" b="0"/>
+      </a:effectRef>
+      <a:fontRef idx="minor"/>
+    </dgm:style>
+  </dgm:styleLbl>
+  <dgm:styleLbl name="fgAcc0">
+    <dgm:scene3d>
+      <a:camera prst="orthographicFront"/>
+      <a:lightRig rig="threePt" dir="t"/>
+    </dgm:scene3d>
+    <dgm:sp3d/>
+    <dgm:txPr/>
+    <dgm:style>
+      <a:lnRef idx="2">
+        <a:scrgbClr r="0" g="0" b="0"/>
+      </a:lnRef>
+      <a:fillRef idx="1">
+        <a:scrgbClr r="0" g="0" b="0"/>
+      </a:fillRef>
+      <a:effectRef idx="0">
+        <a:scrgbClr r="0" g="0" b="0"/>
+      </a:effectRef>
+      <a:fontRef idx="minor"/>
+    </dgm:style>
+  </dgm:styleLbl>
+  <dgm:styleLbl name="fgAcc2">
+    <dgm:scene3d>
+      <a:camera prst="orthographicFront"/>
+      <a:lightRig rig="threePt" dir="t"/>
+    </dgm:scene3d>
+    <dgm:sp3d/>
+    <dgm:txPr/>
+    <dgm:style>
+      <a:lnRef idx="2">
+        <a:scrgbClr r="0" g="0" b="0"/>
+      </a:lnRef>
+      <a:fillRef idx="1">
+        <a:scrgbClr r="0" g="0" b="0"/>
+      </a:fillRef>
+      <a:effectRef idx="0">
+        <a:scrgbClr r="0" g="0" b="0"/>
+      </a:effectRef>
+      <a:fontRef idx="minor"/>
+    </dgm:style>
+  </dgm:styleLbl>
+  <dgm:styleLbl name="fgAcc3">
+    <dgm:scene3d>
+      <a:camera prst="orthographicFront"/>
+      <a:lightRig rig="threePt" dir="t"/>
+    </dgm:scene3d>
+    <dgm:sp3d/>
+    <dgm:txPr/>
+    <dgm:style>
+      <a:lnRef idx="2">
+        <a:scrgbClr r="0" g="0" b="0"/>
+      </a:lnRef>
+      <a:fillRef idx="1">
+        <a:scrgbClr r="0" g="0" b="0"/>
+      </a:fillRef>
+      <a:effectRef idx="0">
+        <a:scrgbClr r="0" g="0" b="0"/>
+      </a:effectRef>
+      <a:fontRef idx="minor"/>
+    </dgm:style>
+  </dgm:styleLbl>
+  <dgm:styleLbl name="fgAcc4">
+    <dgm:scene3d>
+      <a:camera prst="orthographicFront"/>
+      <a:lightRig rig="threePt" dir="t"/>
+    </dgm:scene3d>
+    <dgm:sp3d/>
+    <dgm:txPr/>
+    <dgm:style>
+      <a:lnRef idx="2">
+        <a:scrgbClr r="0" g="0" b="0"/>
+      </a:lnRef>
+      <a:fillRef idx="1">
+        <a:scrgbClr r="0" g="0" b="0"/>
+      </a:fillRef>
+      <a:effectRef idx="0">
+        <a:scrgbClr r="0" g="0" b="0"/>
+      </a:effectRef>
+      <a:fontRef idx="minor"/>
+    </dgm:style>
+  </dgm:styleLbl>
+  <dgm:styleLbl name="bgShp">
+    <dgm:scene3d>
+      <a:camera prst="orthographicFront"/>
+      <a:lightRig rig="threePt" dir="t"/>
+    </dgm:scene3d>
+    <dgm:sp3d/>
+    <dgm:txPr/>
+    <dgm:style>
+      <a:lnRef idx="0">
+        <a:scrgbClr r="0" g="0" b="0"/>
+      </a:lnRef>
+      <a:fillRef idx="1">
+        <a:scrgbClr r="0" g="0" b="0"/>
+      </a:fillRef>
+      <a:effectRef idx="0">
+        <a:scrgbClr r="0" g="0" b="0"/>
+      </a:effectRef>
+      <a:fontRef idx="minor"/>
+    </dgm:style>
+  </dgm:styleLbl>
+  <dgm:styleLbl name="dkBgShp">
+    <dgm:scene3d>
+      <a:camera prst="orthographicFront"/>
+      <a:lightRig rig="threePt" dir="t"/>
+    </dgm:scene3d>
+    <dgm:sp3d/>
+    <dgm:txPr/>
+    <dgm:style>
+      <a:lnRef idx="0">
+        <a:scrgbClr r="0" g="0" b="0"/>
+      </a:lnRef>
+      <a:fillRef idx="1">
+        <a:scrgbClr r="0" g="0" b="0"/>
+      </a:fillRef>
+      <a:effectRef idx="0">
+        <a:scrgbClr r="0" g="0" b="0"/>
+      </a:effectRef>
+      <a:fontRef idx="minor"/>
+    </dgm:style>
+  </dgm:styleLbl>
+  <dgm:styleLbl name="trBgShp">
+    <dgm:scene3d>
+      <a:camera prst="orthographicFront"/>
+      <a:lightRig rig="threePt" dir="t"/>
+    </dgm:scene3d>
+    <dgm:sp3d/>
+    <dgm:txPr/>
+    <dgm:style>
+      <a:lnRef idx="0">
+        <a:scrgbClr r="0" g="0" b="0"/>
+      </a:lnRef>
+      <a:fillRef idx="1">
+        <a:scrgbClr r="0" g="0" b="0"/>
+      </a:fillRef>
+      <a:effectRef idx="0">
+        <a:scrgbClr r="0" g="0" b="0"/>
+      </a:effectRef>
+      <a:fontRef idx="minor"/>
+    </dgm:style>
+  </dgm:styleLbl>
+  <dgm:styleLbl name="fgShp">
+    <dgm:scene3d>
+      <a:camera prst="orthographicFront"/>
+      <a:lightRig rig="threePt" dir="t"/>
+    </dgm:scene3d>
+    <dgm:sp3d/>
+    <dgm:txPr/>
+    <dgm:style>
+      <a:lnRef idx="2">
+        <a:scrgbClr r="0" g="0" b="0"/>
+      </a:lnRef>
+      <a:fillRef idx="1">
+        <a:scrgbClr r="0" g="0" b="0"/>
+      </a:fillRef>
+      <a:effectRef idx="0">
+        <a:scrgbClr r="0" g="0" b="0"/>
+      </a:effectRef>
+      <a:fontRef idx="minor"/>
+    </dgm:style>
+  </dgm:styleLbl>
+  <dgm:styleLbl name="revTx">
+    <dgm:scene3d>
+      <a:camera prst="orthographicFront"/>
+      <a:lightRig rig="threePt" dir="t"/>
+    </dgm:scene3d>
+    <dgm:sp3d/>
+    <dgm:txPr/>
+    <dgm:style>
+      <a:lnRef idx="0">
+        <a:scrgbClr r="0" g="0" b="0"/>
+      </a:lnRef>
+      <a:fillRef idx="0">
+        <a:scrgbClr r="0" g="0" b="0"/>
+      </a:fillRef>
+      <a:effectRef idx="0">
+        <a:scrgbClr r="0" g="0" b="0"/>
+      </a:effectRef>
+      <a:fontRef idx="minor"/>
+    </dgm:style>
+  </dgm:styleLbl>
+</dgm:styleDef>
+</file>
+
+<file path=ppt/diagrams/quickStyle3.xml><?xml version="1.0" encoding="utf-8"?>
 <dgm:styleDef xmlns:dgm="http://schemas.openxmlformats.org/drawingml/2006/diagram" xmlns:a="http://schemas.openxmlformats.org/drawingml/2006/main" uniqueId="urn:microsoft.com/office/officeart/2005/8/quickstyle/simple1">
   <dgm:title val=""/>
   <dgm:desc val=""/>
@@ -8071,7 +12251,7 @@
           <a:p>
             <a:fld id="{F1C0B079-A316-4C9B-B165-DF9EA8325D2C}" type="datetimeFigureOut">
               <a:rPr lang="en-US" smtClean="0"/>
-              <a:t>11/19/2015</a:t>
+              <a:t>11/20/2015</a:t>
             </a:fld>
             <a:endParaRPr lang="en-US"/>
           </a:p>
@@ -8236,7 +12416,7 @@
           <a:p>
             <a:fld id="{38F28AB8-57D1-494F-9851-055AD867E790}" type="datetimeFigureOut">
               <a:rPr lang="en-US" smtClean="0"/>
-              <a:t>11/19/2015</a:t>
+              <a:t>11/20/2015</a:t>
             </a:fld>
             <a:endParaRPr lang="en-US"/>
           </a:p>
@@ -11890,7 +16070,7 @@
           <a:p>
             <a:fld id="{ECAA57DF-1C19-4726-AB84-014692BAD8F5}" type="datetimeFigureOut">
               <a:rPr lang="en-US" smtClean="0"/>
-              <a:t>11/19/2015</a:t>
+              <a:t>11/20/2015</a:t>
             </a:fld>
             <a:endParaRPr lang="en-US"/>
           </a:p>
@@ -12229,7 +16409,7 @@
             <a:fld id="{ECAA57DF-1C19-4726-AB84-014692BAD8F5}" type="datetimeFigureOut">
               <a:rPr lang="en-US" smtClean="0"/>
               <a:pPr/>
-              <a:t>11/19/2015</a:t>
+              <a:t>11/20/2015</a:t>
             </a:fld>
             <a:endParaRPr lang="en-US"/>
           </a:p>
@@ -12890,7 +17070,7 @@
             <p:ph sz="quarter" idx="23"/>
             <p:extLst>
               <p:ext uri="{D42A27DB-BD31-4B8C-83A1-F6EECF244321}">
-                <p14:modId xmlns:p14="http://schemas.microsoft.com/office/powerpoint/2010/main" val="2634144448"/>
+                <p14:modId xmlns:p14="http://schemas.microsoft.com/office/powerpoint/2010/main" val="2409909509"/>
               </p:ext>
             </p:extLst>
           </p:nvPr>
@@ -12963,175 +17143,6 @@
       </p:sp>
       <p:sp>
         <p:nvSpPr>
-          <p:cNvPr id="6" name="Content Placeholder 5"/>
-          <p:cNvSpPr>
-            <a:spLocks noGrp="1"/>
-          </p:cNvSpPr>
-          <p:nvPr>
-            <p:ph sz="quarter" idx="33"/>
-          </p:nvPr>
-        </p:nvSpPr>
-        <p:spPr/>
-        <p:txBody>
-          <a:bodyPr/>
-          <a:lstStyle/>
-          <a:p>
-            <a:r>
-              <a:rPr lang="en-US" smtClean="0"/>
-              <a:t>Include results based on your experiments</a:t>
-            </a:r>
-          </a:p>
-          <a:p>
-            <a:r>
-              <a:rPr lang="en-US" smtClean="0"/>
-              <a:t>Result 2</a:t>
-            </a:r>
-          </a:p>
-          <a:p>
-            <a:r>
-              <a:rPr lang="en-US" smtClean="0"/>
-              <a:t>Result 3</a:t>
-            </a:r>
-            <a:endParaRPr lang="en-US" dirty="0"/>
-          </a:p>
-        </p:txBody>
-      </p:sp>
-      <p:sp>
-        <p:nvSpPr>
-          <p:cNvPr id="71" name="Text Placeholder 70"/>
-          <p:cNvSpPr>
-            <a:spLocks noGrp="1"/>
-          </p:cNvSpPr>
-          <p:nvPr>
-            <p:ph type="body" sz="quarter" idx="41"/>
-          </p:nvPr>
-        </p:nvSpPr>
-        <p:spPr/>
-        <p:txBody>
-          <a:bodyPr/>
-          <a:lstStyle/>
-          <a:p>
-            <a:r>
-              <a:rPr lang="en-US" smtClean="0"/>
-              <a:t>Conclusion</a:t>
-            </a:r>
-            <a:endParaRPr lang="en-US" dirty="0"/>
-          </a:p>
-        </p:txBody>
-      </p:sp>
-      <p:sp>
-        <p:nvSpPr>
-          <p:cNvPr id="15" name="Content Placeholder 14"/>
-          <p:cNvSpPr>
-            <a:spLocks noGrp="1"/>
-          </p:cNvSpPr>
-          <p:nvPr>
-            <p:ph sz="quarter" idx="42"/>
-          </p:nvPr>
-        </p:nvSpPr>
-        <p:spPr/>
-        <p:txBody>
-          <a:bodyPr/>
-          <a:lstStyle/>
-          <a:p>
-            <a:r>
-              <a:rPr lang="en-US" smtClean="0"/>
-              <a:t>Brief summary of what you discovered based on results</a:t>
-            </a:r>
-          </a:p>
-          <a:p>
-            <a:r>
-              <a:rPr lang="en-US" smtClean="0"/>
-              <a:t>Indicate and explain whether or not the data supports your hypothesis</a:t>
-            </a:r>
-            <a:endParaRPr lang="en-US" dirty="0"/>
-          </a:p>
-        </p:txBody>
-      </p:sp>
-      <p:sp>
-        <p:nvSpPr>
-          <p:cNvPr id="21" name="Text Placeholder 20"/>
-          <p:cNvSpPr>
-            <a:spLocks noGrp="1"/>
-          </p:cNvSpPr>
-          <p:nvPr>
-            <p:ph type="body" sz="quarter" idx="34"/>
-          </p:nvPr>
-        </p:nvSpPr>
-        <p:spPr/>
-        <p:txBody>
-          <a:bodyPr/>
-          <a:lstStyle/>
-          <a:p>
-            <a:r>
-              <a:rPr lang="en-US" smtClean="0"/>
-              <a:t>Works Cited</a:t>
-            </a:r>
-            <a:endParaRPr lang="en-US" dirty="0"/>
-          </a:p>
-        </p:txBody>
-      </p:sp>
-      <p:sp>
-        <p:nvSpPr>
-          <p:cNvPr id="22" name="Content Placeholder 21"/>
-          <p:cNvSpPr>
-            <a:spLocks noGrp="1"/>
-          </p:cNvSpPr>
-          <p:nvPr>
-            <p:ph sz="quarter" idx="35"/>
-          </p:nvPr>
-        </p:nvSpPr>
-        <p:spPr/>
-        <p:txBody>
-          <a:bodyPr/>
-          <a:lstStyle/>
-          <a:p>
-            <a:r>
-              <a:rPr lang="en-US" smtClean="0"/>
-              <a:t>Include print and electronic sources in alphabetical order</a:t>
-            </a:r>
-            <a:endParaRPr lang="en-US" dirty="0"/>
-          </a:p>
-        </p:txBody>
-      </p:sp>
-      <p:pic>
-        <p:nvPicPr>
-          <p:cNvPr id="105" name="Picture Placeholder 104"/>
-          <p:cNvPicPr>
-            <a:picLocks noGrp="1" noChangeAspect="1"/>
-          </p:cNvPicPr>
-          <p:nvPr>
-            <p:ph type="pic" sz="quarter" idx="43"/>
-          </p:nvPr>
-        </p:nvPicPr>
-        <p:blipFill>
-          <a:blip r:embed="rId7">
-            <a:duotone>
-              <a:prstClr val="black"/>
-              <a:srgbClr val="00B0F0">
-                <a:tint val="45000"/>
-                <a:satMod val="400000"/>
-              </a:srgbClr>
-            </a:duotone>
-            <a:extLst>
-              <a:ext uri="{28A0092B-C50C-407E-A947-70E740481C1C}">
-                <a14:useLocalDpi xmlns:a14="http://schemas.microsoft.com/office/drawing/2010/main" val="0"/>
-              </a:ext>
-            </a:extLst>
-          </a:blip>
-          <a:stretch>
-            <a:fillRect/>
-          </a:stretch>
-        </p:blipFill>
-        <p:spPr>
-          <a:xfrm>
-            <a:off x="34802535" y="-957176"/>
-            <a:ext cx="11031766" cy="6205369"/>
-          </a:xfrm>
-        </p:spPr>
-      </p:pic>
-      <p:sp>
-        <p:nvSpPr>
           <p:cNvPr id="30" name="Content Placeholder 29"/>
           <p:cNvSpPr>
             <a:spLocks noGrp="1"/>
@@ -13148,7 +17159,7 @@
         </p:spPr>
         <p:txBody>
           <a:bodyPr>
-            <a:normAutofit/>
+            <a:normAutofit fontScale="92500" lnSpcReduction="10000"/>
           </a:bodyPr>
           <a:lstStyle/>
           <a:p>
@@ -13251,15 +17262,47 @@
             </a:r>
             <a:r>
               <a:rPr lang="en-US" sz="4000" dirty="0" smtClean="0"/>
-              <a:t>: Makes the robot go forwards </a:t>
-            </a:r>
-            <a:r>
-              <a:rPr lang="en-US" sz="4000" smtClean="0"/>
-              <a:t>or backwards </a:t>
+              <a:t>: Makes the robot go forwards or backwards seeking the line and square with the </a:t>
             </a:r>
             <a:r>
               <a:rPr lang="en-US" sz="4000" dirty="0" smtClean="0"/>
-              <a:t>seeking the line and square with the line</a:t>
+              <a:t>line</a:t>
+            </a:r>
+          </a:p>
+          <a:p>
+            <a:r>
+              <a:rPr lang="en-US" sz="4000" b="1" dirty="0" smtClean="0"/>
+              <a:t>_</a:t>
+            </a:r>
+            <a:r>
+              <a:rPr lang="en-US" sz="4000" b="1" dirty="0" err="1" smtClean="0"/>
+              <a:t>FollowLineTime</a:t>
+            </a:r>
+            <a:r>
+              <a:rPr lang="en-US" sz="4000" b="1" dirty="0" smtClean="0"/>
+              <a:t>: </a:t>
+            </a:r>
+            <a:r>
+              <a:rPr lang="en-US" sz="4000" dirty="0" smtClean="0"/>
+              <a:t>Follows the line based for an amount of time</a:t>
+            </a:r>
+          </a:p>
+          <a:p>
+            <a:r>
+              <a:rPr lang="en-US" sz="4000" b="1" dirty="0" smtClean="0"/>
+              <a:t>_</a:t>
+            </a:r>
+            <a:r>
+              <a:rPr lang="en-US" sz="4000" b="1" dirty="0" err="1" smtClean="0"/>
+              <a:t>FollowLineDensity</a:t>
+            </a:r>
+            <a:r>
+              <a:rPr lang="en-US" sz="4000" b="1" dirty="0" smtClean="0"/>
+              <a:t>: </a:t>
+            </a:r>
+            <a:r>
+              <a:rPr lang="en-US" sz="4000" dirty="0" smtClean="0"/>
+              <a:t>Follows the line based on density</a:t>
             </a:r>
             <a:endParaRPr lang="en-US" sz="4000" b="1" dirty="0" smtClean="0"/>
           </a:p>
@@ -13276,48 +17319,51 @@
       </p:sp>
       <p:graphicFrame>
         <p:nvGraphicFramePr>
-          <p:cNvPr id="27" name="Content Placeholder 26"/>
+          <p:cNvPr id="7" name="Content Placeholder 6"/>
           <p:cNvGraphicFramePr>
             <a:graphicFrameLocks noGrp="1"/>
           </p:cNvGraphicFramePr>
           <p:nvPr>
-            <p:ph sz="quarter" idx="27"/>
+            <p:ph sz="quarter" idx="32"/>
             <p:extLst>
               <p:ext uri="{D42A27DB-BD31-4B8C-83A1-F6EECF244321}">
-                <p14:modId xmlns:p14="http://schemas.microsoft.com/office/powerpoint/2010/main" val="3285943174"/>
+                <p14:modId xmlns:p14="http://schemas.microsoft.com/office/powerpoint/2010/main" val="2609553652"/>
               </p:ext>
             </p:extLst>
           </p:nvPr>
         </p:nvGraphicFramePr>
         <p:xfrm>
-          <a:off x="571500" y="7698676"/>
-          <a:ext cx="13373100" cy="18437924"/>
+          <a:off x="-150307" y="5405268"/>
+          <a:ext cx="10330627" cy="26223827"/>
         </p:xfrm>
         <a:graphic>
           <a:graphicData uri="http://schemas.openxmlformats.org/drawingml/2006/diagram">
-            <dgm:relIds xmlns:dgm="http://schemas.openxmlformats.org/drawingml/2006/diagram" xmlns:r="http://schemas.openxmlformats.org/officeDocument/2006/relationships" r:dm="rId8" r:lo="rId9" r:qs="rId10" r:cs="rId11"/>
+            <dgm:relIds xmlns:dgm="http://schemas.openxmlformats.org/drawingml/2006/diagram" xmlns:r="http://schemas.openxmlformats.org/officeDocument/2006/relationships" r:dm="rId7" r:lo="rId8" r:qs="rId9" r:cs="rId10"/>
           </a:graphicData>
         </a:graphic>
       </p:graphicFrame>
-      <p:sp>
-        <p:nvSpPr>
-          <p:cNvPr id="13" name="Content Placeholder 12"/>
-          <p:cNvSpPr>
-            <a:spLocks noGrp="1"/>
-          </p:cNvSpPr>
+      <p:graphicFrame>
+        <p:nvGraphicFramePr>
+          <p:cNvPr id="19" name="Diagram 18"/>
+          <p:cNvGraphicFramePr/>
           <p:nvPr>
-            <p:ph sz="quarter" idx="32"/>
+            <p:extLst>
+              <p:ext uri="{D42A27DB-BD31-4B8C-83A1-F6EECF244321}">
+                <p14:modId xmlns:p14="http://schemas.microsoft.com/office/powerpoint/2010/main" val="1649870739"/>
+              </p:ext>
+            </p:extLst>
           </p:nvPr>
-        </p:nvSpPr>
-        <p:spPr/>
-        <p:txBody>
-          <a:bodyPr/>
-          <a:lstStyle/>
-          <a:p>
-            <a:endParaRPr lang="en-US" dirty="0"/>
-          </a:p>
-        </p:txBody>
-      </p:sp>
+        </p:nvGraphicFramePr>
+        <p:xfrm>
+          <a:off x="31332652" y="7779065"/>
+          <a:ext cx="13655040" cy="9083040"/>
+        </p:xfrm>
+        <a:graphic>
+          <a:graphicData uri="http://schemas.openxmlformats.org/drawingml/2006/diagram">
+            <dgm:relIds xmlns:dgm="http://schemas.openxmlformats.org/drawingml/2006/diagram" xmlns:r="http://schemas.openxmlformats.org/officeDocument/2006/relationships" r:dm="rId12" r:lo="rId13" r:qs="rId14" r:cs="rId15"/>
+          </a:graphicData>
+        </a:graphic>
+      </p:graphicFrame>
     </p:spTree>
     <p:extLst>
       <p:ext uri="{BB962C8B-B14F-4D97-AF65-F5344CB8AC3E}">

--- a/FLL Robot Powerpoint.pptx
+++ b/FLL Robot Powerpoint.pptx
@@ -2413,7 +2413,7 @@
         </a:p>
       </dgm:t>
     </dgm:pt>
-    <dgm:pt modelId="{25AF84C7-6ED7-450C-83EA-4337CE735A70}">
+    <dgm:pt modelId="{0F8DBA57-A3BA-4BC9-A853-67B71E3B3531}">
       <dgm:prSet phldrT="[Text]"/>
       <dgm:spPr/>
       <dgm:t>
@@ -2422,13 +2422,13 @@
         <a:p>
           <a:r>
             <a:rPr lang="en-US" dirty="0" smtClean="0"/>
-            <a:t>Step 2</a:t>
+            <a:t>Attachment Adaptors</a:t>
           </a:r>
           <a:endParaRPr lang="en-US" dirty="0"/>
         </a:p>
       </dgm:t>
     </dgm:pt>
-    <dgm:pt modelId="{33168ED3-1516-4DE0-87C6-D0BBEBB68307}" type="parTrans" cxnId="{447AF68F-5153-4E01-A5A1-8D3A25A73007}">
+    <dgm:pt modelId="{99BB5F99-B845-4128-856A-D40FE489F4C0}" type="parTrans" cxnId="{81AE50C2-F587-470B-86FC-B5A28EFEE1BC}">
       <dgm:prSet/>
       <dgm:spPr/>
       <dgm:t>
@@ -2439,7 +2439,7 @@
         </a:p>
       </dgm:t>
     </dgm:pt>
-    <dgm:pt modelId="{2562C856-622C-43A4-99D0-A7FF0C835EBA}" type="sibTrans" cxnId="{447AF68F-5153-4E01-A5A1-8D3A25A73007}">
+    <dgm:pt modelId="{CD82CFE7-3793-47B0-8B52-9C19EDB40EDE}" type="sibTrans" cxnId="{81AE50C2-F587-470B-86FC-B5A28EFEE1BC}">
       <dgm:prSet/>
       <dgm:spPr/>
       <dgm:t>
@@ -2450,7 +2450,7 @@
         </a:p>
       </dgm:t>
     </dgm:pt>
-    <dgm:pt modelId="{300FCD3E-1ADF-4D8E-8B7F-C23D248E5AA3}">
+    <dgm:pt modelId="{D0989AE5-C818-44D5-8AE6-32DEAF6F46CC}">
       <dgm:prSet phldrT="[Text]"/>
       <dgm:spPr/>
       <dgm:t>
@@ -2465,7 +2465,7 @@
         </a:p>
       </dgm:t>
     </dgm:pt>
-    <dgm:pt modelId="{BC272908-DB90-4FCA-8784-0CA7E6A97E8F}" type="parTrans" cxnId="{4B471AE2-396E-4C5C-9110-4123DA6DCE53}">
+    <dgm:pt modelId="{5116A57A-5F5C-441B-8E98-72FC83223934}" type="parTrans" cxnId="{0990249C-5F83-4AC6-BBDE-76609E41C3B7}">
       <dgm:prSet/>
       <dgm:spPr/>
       <dgm:t>
@@ -2476,7 +2476,7 @@
         </a:p>
       </dgm:t>
     </dgm:pt>
-    <dgm:pt modelId="{4A78B380-1F85-4365-BF1F-0BD8AD7C8590}" type="sibTrans" cxnId="{4B471AE2-396E-4C5C-9110-4123DA6DCE53}">
+    <dgm:pt modelId="{0B13468D-FE4E-4A8A-A598-8159F0C900A0}" type="sibTrans" cxnId="{0990249C-5F83-4AC6-BBDE-76609E41C3B7}">
       <dgm:prSet/>
       <dgm:spPr/>
       <dgm:t>
@@ -2487,7 +2487,7 @@
         </a:p>
       </dgm:t>
     </dgm:pt>
-    <dgm:pt modelId="{0F8DBA57-A3BA-4BC9-A853-67B71E3B3531}">
+    <dgm:pt modelId="{677FC8B7-2875-43E9-9CDF-1CB72AAB0D0E}">
       <dgm:prSet phldrT="[Text]"/>
       <dgm:spPr/>
       <dgm:t>
@@ -2496,13 +2496,13 @@
         <a:p>
           <a:r>
             <a:rPr lang="en-US" dirty="0" smtClean="0"/>
-            <a:t>Step 3</a:t>
+            <a:t>Two Color Sensors</a:t>
           </a:r>
           <a:endParaRPr lang="en-US" dirty="0"/>
         </a:p>
       </dgm:t>
     </dgm:pt>
-    <dgm:pt modelId="{99BB5F99-B845-4128-856A-D40FE489F4C0}" type="parTrans" cxnId="{81AE50C2-F587-470B-86FC-B5A28EFEE1BC}">
+    <dgm:pt modelId="{135D044B-CF2D-4837-B65C-369AE7EBF5F6}" type="parTrans" cxnId="{97DC5797-804D-44AB-A7F2-9EB61CACB1D5}">
       <dgm:prSet/>
       <dgm:spPr/>
       <dgm:t>
@@ -2513,7 +2513,7 @@
         </a:p>
       </dgm:t>
     </dgm:pt>
-    <dgm:pt modelId="{CD82CFE7-3793-47B0-8B52-9C19EDB40EDE}" type="sibTrans" cxnId="{81AE50C2-F587-470B-86FC-B5A28EFEE1BC}">
+    <dgm:pt modelId="{76FCE978-AC8C-47A4-866D-929EE0B68914}" type="sibTrans" cxnId="{97DC5797-804D-44AB-A7F2-9EB61CACB1D5}">
       <dgm:prSet/>
       <dgm:spPr/>
       <dgm:t>
@@ -2524,7 +2524,7 @@
         </a:p>
       </dgm:t>
     </dgm:pt>
-    <dgm:pt modelId="{D0989AE5-C818-44D5-8AE6-32DEAF6F46CC}">
+    <dgm:pt modelId="{A9B56225-2ADD-49DA-81AC-70F2AF1C4A96}">
       <dgm:prSet phldrT="[Text]"/>
       <dgm:spPr/>
       <dgm:t>
@@ -2533,81 +2533,7 @@
         <a:p>
           <a:r>
             <a:rPr lang="en-US" dirty="0" smtClean="0"/>
-            <a:t>Describe this step in your experiment</a:t>
-          </a:r>
-          <a:endParaRPr lang="en-US" dirty="0"/>
-        </a:p>
-      </dgm:t>
-    </dgm:pt>
-    <dgm:pt modelId="{5116A57A-5F5C-441B-8E98-72FC83223934}" type="parTrans" cxnId="{0990249C-5F83-4AC6-BBDE-76609E41C3B7}">
-      <dgm:prSet/>
-      <dgm:spPr/>
-      <dgm:t>
-        <a:bodyPr/>
-        <a:lstStyle/>
-        <a:p>
-          <a:endParaRPr lang="en-US"/>
-        </a:p>
-      </dgm:t>
-    </dgm:pt>
-    <dgm:pt modelId="{0B13468D-FE4E-4A8A-A598-8159F0C900A0}" type="sibTrans" cxnId="{0990249C-5F83-4AC6-BBDE-76609E41C3B7}">
-      <dgm:prSet/>
-      <dgm:spPr/>
-      <dgm:t>
-        <a:bodyPr/>
-        <a:lstStyle/>
-        <a:p>
-          <a:endParaRPr lang="en-US"/>
-        </a:p>
-      </dgm:t>
-    </dgm:pt>
-    <dgm:pt modelId="{677FC8B7-2875-43E9-9CDF-1CB72AAB0D0E}">
-      <dgm:prSet phldrT="[Text]"/>
-      <dgm:spPr/>
-      <dgm:t>
-        <a:bodyPr/>
-        <a:lstStyle/>
-        <a:p>
-          <a:r>
-            <a:rPr lang="en-US" dirty="0" smtClean="0"/>
-            <a:t>Step 4</a:t>
-          </a:r>
-          <a:endParaRPr lang="en-US" dirty="0"/>
-        </a:p>
-      </dgm:t>
-    </dgm:pt>
-    <dgm:pt modelId="{135D044B-CF2D-4837-B65C-369AE7EBF5F6}" type="parTrans" cxnId="{97DC5797-804D-44AB-A7F2-9EB61CACB1D5}">
-      <dgm:prSet/>
-      <dgm:spPr/>
-      <dgm:t>
-        <a:bodyPr/>
-        <a:lstStyle/>
-        <a:p>
-          <a:endParaRPr lang="en-US"/>
-        </a:p>
-      </dgm:t>
-    </dgm:pt>
-    <dgm:pt modelId="{76FCE978-AC8C-47A4-866D-929EE0B68914}" type="sibTrans" cxnId="{97DC5797-804D-44AB-A7F2-9EB61CACB1D5}">
-      <dgm:prSet/>
-      <dgm:spPr/>
-      <dgm:t>
-        <a:bodyPr/>
-        <a:lstStyle/>
-        <a:p>
-          <a:endParaRPr lang="en-US"/>
-        </a:p>
-      </dgm:t>
-    </dgm:pt>
-    <dgm:pt modelId="{A9B56225-2ADD-49DA-81AC-70F2AF1C4A96}">
-      <dgm:prSet phldrT="[Text]"/>
-      <dgm:spPr/>
-      <dgm:t>
-        <a:bodyPr/>
-        <a:lstStyle/>
-        <a:p>
-          <a:r>
-            <a:rPr lang="en-US" dirty="0" smtClean="0"/>
-            <a:t>Describe this step in your experiment</a:t>
+            <a:t>Flexibility to follow the line on either side</a:t>
           </a:r>
           <a:endParaRPr lang="en-US" dirty="0"/>
         </a:p>
@@ -2752,6 +2678,80 @@
         </a:p>
       </dgm:t>
     </dgm:pt>
+    <dgm:pt modelId="{EE5CD5D0-47A2-41F5-83E3-DF27A8E5E614}">
+      <dgm:prSet phldrT="[Text]"/>
+      <dgm:spPr/>
+      <dgm:t>
+        <a:bodyPr/>
+        <a:lstStyle/>
+        <a:p>
+          <a:r>
+            <a:rPr lang="en-US" dirty="0" smtClean="0"/>
+            <a:t>Allows one color sensor to follow the line while the other is used as a condition to stop</a:t>
+          </a:r>
+          <a:endParaRPr lang="en-US" dirty="0"/>
+        </a:p>
+      </dgm:t>
+    </dgm:pt>
+    <dgm:pt modelId="{A7A407A3-1037-4070-82A9-50324E05A6DC}" type="parTrans" cxnId="{A8776F7D-2398-4CC1-BBA2-95C5856B6B60}">
+      <dgm:prSet/>
+      <dgm:spPr/>
+      <dgm:t>
+        <a:bodyPr/>
+        <a:lstStyle/>
+        <a:p>
+          <a:endParaRPr lang="en-US"/>
+        </a:p>
+      </dgm:t>
+    </dgm:pt>
+    <dgm:pt modelId="{1E9D4260-F645-4803-9472-D60217F56A2C}" type="sibTrans" cxnId="{A8776F7D-2398-4CC1-BBA2-95C5856B6B60}">
+      <dgm:prSet/>
+      <dgm:spPr/>
+      <dgm:t>
+        <a:bodyPr/>
+        <a:lstStyle/>
+        <a:p>
+          <a:endParaRPr lang="en-US"/>
+        </a:p>
+      </dgm:t>
+    </dgm:pt>
+    <dgm:pt modelId="{0D0693D0-086B-4054-B841-334DCC0DFBB8}">
+      <dgm:prSet phldrT="[Text]"/>
+      <dgm:spPr/>
+      <dgm:t>
+        <a:bodyPr/>
+        <a:lstStyle/>
+        <a:p>
+          <a:r>
+            <a:rPr lang="en-US" dirty="0" smtClean="0"/>
+            <a:t>Allows line-squaring</a:t>
+          </a:r>
+          <a:endParaRPr lang="en-US" dirty="0"/>
+        </a:p>
+      </dgm:t>
+    </dgm:pt>
+    <dgm:pt modelId="{B797739C-867F-423B-995B-44840F36DC31}" type="parTrans" cxnId="{7D90FAE9-2F57-414A-B4A0-17265D51EB34}">
+      <dgm:prSet/>
+      <dgm:spPr/>
+      <dgm:t>
+        <a:bodyPr/>
+        <a:lstStyle/>
+        <a:p>
+          <a:endParaRPr lang="en-US"/>
+        </a:p>
+      </dgm:t>
+    </dgm:pt>
+    <dgm:pt modelId="{4786DE17-8DE1-43C9-B2E5-9D80A59F777A}" type="sibTrans" cxnId="{7D90FAE9-2F57-414A-B4A0-17265D51EB34}">
+      <dgm:prSet/>
+      <dgm:spPr/>
+      <dgm:t>
+        <a:bodyPr/>
+        <a:lstStyle/>
+        <a:p>
+          <a:endParaRPr lang="en-US"/>
+        </a:p>
+      </dgm:t>
+    </dgm:pt>
     <dgm:pt modelId="{8C6E4A05-D928-421F-BB35-AB0FFEB0B7C4}" type="pres">
       <dgm:prSet presAssocID="{25AFBC85-EE41-46FB-A7F4-99ED4084C835}" presName="Name0" presStyleCnt="0">
         <dgm:presLayoutVars>
@@ -2779,7 +2779,7 @@
       </dgm:t>
     </dgm:pt>
     <dgm:pt modelId="{53B4FA82-603E-4EDB-90A9-1DA699C2C901}" type="pres">
-      <dgm:prSet presAssocID="{A518A75D-9854-4CDE-9FB7-B1EBB324AAED}" presName="Accent" presStyleLbl="alignAcc1" presStyleIdx="0" presStyleCnt="5"/>
+      <dgm:prSet presAssocID="{A518A75D-9854-4CDE-9FB7-B1EBB324AAED}" presName="Accent" presStyleLbl="alignAcc1" presStyleIdx="0" presStyleCnt="4"/>
       <dgm:spPr/>
       <dgm:t>
         <a:bodyPr/>
@@ -2790,7 +2790,7 @@
       </dgm:t>
     </dgm:pt>
     <dgm:pt modelId="{48475A52-D924-4818-BEE8-D250047D6B3F}" type="pres">
-      <dgm:prSet presAssocID="{A518A75D-9854-4CDE-9FB7-B1EBB324AAED}" presName="Image" presStyleLbl="node1" presStyleIdx="0" presStyleCnt="5"/>
+      <dgm:prSet presAssocID="{A518A75D-9854-4CDE-9FB7-B1EBB324AAED}" presName="Image" presStyleLbl="node1" presStyleIdx="0" presStyleCnt="4"/>
       <dgm:spPr>
         <a:blipFill>
           <a:blip xmlns:r="http://schemas.openxmlformats.org/officeDocument/2006/relationships" r:embed="rId1" cstate="print">
@@ -2820,7 +2820,7 @@
       </dgm:extLst>
     </dgm:pt>
     <dgm:pt modelId="{5ABBC393-AD16-4772-8402-4ABCB8683B4E}" type="pres">
-      <dgm:prSet presAssocID="{A518A75D-9854-4CDE-9FB7-B1EBB324AAED}" presName="Child" presStyleLbl="revTx" presStyleIdx="0" presStyleCnt="5">
+      <dgm:prSet presAssocID="{A518A75D-9854-4CDE-9FB7-B1EBB324AAED}" presName="Child" presStyleLbl="revTx" presStyleIdx="0" presStyleCnt="4">
         <dgm:presLayoutVars>
           <dgm:bulletEnabled val="1"/>
         </dgm:presLayoutVars>
@@ -2835,7 +2835,7 @@
       </dgm:t>
     </dgm:pt>
     <dgm:pt modelId="{770E20EC-6929-4A45-99D5-285545E37892}" type="pres">
-      <dgm:prSet presAssocID="{A518A75D-9854-4CDE-9FB7-B1EBB324AAED}" presName="Parent" presStyleLbl="alignNode1" presStyleIdx="0" presStyleCnt="5">
+      <dgm:prSet presAssocID="{A518A75D-9854-4CDE-9FB7-B1EBB324AAED}" presName="Parent" presStyleLbl="alignNode1" presStyleIdx="0" presStyleCnt="4">
         <dgm:presLayoutVars>
           <dgm:bulletEnabled val="1"/>
         </dgm:presLayoutVars>
@@ -2865,15 +2865,15 @@
       <dgm:spPr/>
     </dgm:pt>
     <dgm:pt modelId="{4199BD41-BD06-415E-A188-B146B841BA1D}" type="pres">
-      <dgm:prSet presAssocID="{8ACBB25F-B113-45CE-86ED-D23E6BDBDBF1}" presName="Accent" presStyleLbl="alignAcc1" presStyleIdx="1" presStyleCnt="5"/>
+      <dgm:prSet presAssocID="{8ACBB25F-B113-45CE-86ED-D23E6BDBDBF1}" presName="Accent" presStyleLbl="alignAcc1" presStyleIdx="1" presStyleCnt="4"/>
       <dgm:spPr/>
     </dgm:pt>
     <dgm:pt modelId="{AE18AB2C-A284-411B-B079-74838D5DE4BF}" type="pres">
-      <dgm:prSet presAssocID="{8ACBB25F-B113-45CE-86ED-D23E6BDBDBF1}" presName="Image" presStyleLbl="node1" presStyleIdx="1" presStyleCnt="5"/>
+      <dgm:prSet presAssocID="{8ACBB25F-B113-45CE-86ED-D23E6BDBDBF1}" presName="Image" presStyleLbl="node1" presStyleIdx="1" presStyleCnt="4"/>
       <dgm:spPr/>
     </dgm:pt>
     <dgm:pt modelId="{672ADBAA-87F9-4951-8C07-B10FE0AEC345}" type="pres">
-      <dgm:prSet presAssocID="{8ACBB25F-B113-45CE-86ED-D23E6BDBDBF1}" presName="Child" presStyleLbl="revTx" presStyleIdx="1" presStyleCnt="5">
+      <dgm:prSet presAssocID="{8ACBB25F-B113-45CE-86ED-D23E6BDBDBF1}" presName="Child" presStyleLbl="revTx" presStyleIdx="1" presStyleCnt="4">
         <dgm:presLayoutVars>
           <dgm:bulletEnabled val="1"/>
         </dgm:presLayoutVars>
@@ -2888,7 +2888,7 @@
       </dgm:t>
     </dgm:pt>
     <dgm:pt modelId="{57B1ECA4-0CF3-4952-BB41-993F31EFBF15}" type="pres">
-      <dgm:prSet presAssocID="{8ACBB25F-B113-45CE-86ED-D23E6BDBDBF1}" presName="Parent" presStyleLbl="alignNode1" presStyleIdx="1" presStyleCnt="5">
+      <dgm:prSet presAssocID="{8ACBB25F-B113-45CE-86ED-D23E6BDBDBF1}" presName="Parent" presStyleLbl="alignNode1" presStyleIdx="1" presStyleCnt="4">
         <dgm:presLayoutVars>
           <dgm:bulletEnabled val="1"/>
         </dgm:presLayoutVars>
@@ -2906,8 +2906,8 @@
       <dgm:prSet presAssocID="{18BCB42F-22E5-4080-8ECF-607BB9199FB9}" presName="sibTrans" presStyleCnt="0"/>
       <dgm:spPr/>
     </dgm:pt>
-    <dgm:pt modelId="{4F88CED5-DAB2-486C-AD16-C2CB6913B61B}" type="pres">
-      <dgm:prSet presAssocID="{25AF84C7-6ED7-450C-83EA-4337CE735A70}" presName="composite" presStyleCnt="0"/>
+    <dgm:pt modelId="{57293698-40AD-44C8-9B60-0D0C4FC11960}" type="pres">
+      <dgm:prSet presAssocID="{0F8DBA57-A3BA-4BC9-A853-67B71E3B3531}" presName="composite" presStyleCnt="0"/>
       <dgm:spPr/>
       <dgm:t>
         <a:bodyPr/>
@@ -2917,8 +2917,8 @@
         </a:p>
       </dgm:t>
     </dgm:pt>
-    <dgm:pt modelId="{6806A88B-ACCD-4689-BA2C-F1412EF73B42}" type="pres">
-      <dgm:prSet presAssocID="{25AF84C7-6ED7-450C-83EA-4337CE735A70}" presName="Accent" presStyleLbl="alignAcc1" presStyleIdx="2" presStyleCnt="5"/>
+    <dgm:pt modelId="{7F77031C-84AF-49FA-B2E3-6B22E2F49F2B}" type="pres">
+      <dgm:prSet presAssocID="{0F8DBA57-A3BA-4BC9-A853-67B71E3B3531}" presName="Accent" presStyleLbl="alignAcc1" presStyleIdx="2" presStyleCnt="4"/>
       <dgm:spPr/>
       <dgm:t>
         <a:bodyPr/>
@@ -2928,8 +2928,8 @@
         </a:p>
       </dgm:t>
     </dgm:pt>
-    <dgm:pt modelId="{6D3BA09B-A748-477B-98A1-FEDE95925694}" type="pres">
-      <dgm:prSet presAssocID="{25AF84C7-6ED7-450C-83EA-4337CE735A70}" presName="Image" presStyleLbl="node1" presStyleIdx="2" presStyleCnt="5"/>
+    <dgm:pt modelId="{6FDEA8A3-BC3B-493E-88CC-A57435CCDC96}" type="pres">
+      <dgm:prSet presAssocID="{0F8DBA57-A3BA-4BC9-A853-67B71E3B3531}" presName="Image" presStyleLbl="node1" presStyleIdx="2" presStyleCnt="4"/>
       <dgm:spPr>
         <a:blipFill>
           <a:blip xmlns:r="http://schemas.openxmlformats.org/officeDocument/2006/relationships" r:embed="rId2" cstate="print">
@@ -2954,12 +2954,12 @@
       </dgm:t>
       <dgm:extLst>
         <a:ext uri="{E40237B7-FDA0-4F09-8148-C483321AD2D9}">
-          <dgm14:cNvPr xmlns:dgm14="http://schemas.microsoft.com/office/drawing/2010/diagram" id="0" name="" descr="Four people having a discussion in office with large windows." title="Sample Picture"/>
+          <dgm14:cNvPr xmlns:dgm14="http://schemas.microsoft.com/office/drawing/2010/diagram" id="0" name="" descr="Close up of students studying in library." title="Sample Picture"/>
         </a:ext>
       </dgm:extLst>
     </dgm:pt>
-    <dgm:pt modelId="{A0810939-5D65-4F5C-894F-F86C706A7A1C}" type="pres">
-      <dgm:prSet presAssocID="{25AF84C7-6ED7-450C-83EA-4337CE735A70}" presName="Child" presStyleLbl="revTx" presStyleIdx="2" presStyleCnt="5">
+    <dgm:pt modelId="{EBE06ADE-C892-44D3-AB90-0EE941CCA21D}" type="pres">
+      <dgm:prSet presAssocID="{0F8DBA57-A3BA-4BC9-A853-67B71E3B3531}" presName="Child" presStyleLbl="revTx" presStyleIdx="2" presStyleCnt="4">
         <dgm:presLayoutVars>
           <dgm:bulletEnabled val="1"/>
         </dgm:presLayoutVars>
@@ -2973,8 +2973,8 @@
         </a:p>
       </dgm:t>
     </dgm:pt>
-    <dgm:pt modelId="{16EEE8E2-3D18-44F6-B04A-3D59841E4FA8}" type="pres">
-      <dgm:prSet presAssocID="{25AF84C7-6ED7-450C-83EA-4337CE735A70}" presName="Parent" presStyleLbl="alignNode1" presStyleIdx="2" presStyleCnt="5">
+    <dgm:pt modelId="{B3686B38-0C87-411A-9F82-923E333643FB}" type="pres">
+      <dgm:prSet presAssocID="{0F8DBA57-A3BA-4BC9-A853-67B71E3B3531}" presName="Parent" presStyleLbl="alignNode1" presStyleIdx="2" presStyleCnt="4">
         <dgm:presLayoutVars>
           <dgm:bulletEnabled val="1"/>
         </dgm:presLayoutVars>
@@ -2988,8 +2988,8 @@
         </a:p>
       </dgm:t>
     </dgm:pt>
-    <dgm:pt modelId="{BC140B48-2181-4811-AF91-223867D0738E}" type="pres">
-      <dgm:prSet presAssocID="{2562C856-622C-43A4-99D0-A7FF0C835EBA}" presName="sibTrans" presStyleCnt="0"/>
+    <dgm:pt modelId="{0A69584E-ED28-4A81-B130-0E9A2F565C94}" type="pres">
+      <dgm:prSet presAssocID="{CD82CFE7-3793-47B0-8B52-9C19EDB40EDE}" presName="sibTrans" presStyleCnt="0"/>
       <dgm:spPr/>
       <dgm:t>
         <a:bodyPr/>
@@ -2999,8 +2999,8 @@
         </a:p>
       </dgm:t>
     </dgm:pt>
-    <dgm:pt modelId="{57293698-40AD-44C8-9B60-0D0C4FC11960}" type="pres">
-      <dgm:prSet presAssocID="{0F8DBA57-A3BA-4BC9-A853-67B71E3B3531}" presName="composite" presStyleCnt="0"/>
+    <dgm:pt modelId="{CCF11A6E-F586-4910-8C44-1AE6AD4ECC02}" type="pres">
+      <dgm:prSet presAssocID="{677FC8B7-2875-43E9-9CDF-1CB72AAB0D0E}" presName="composite" presStyleCnt="0"/>
       <dgm:spPr/>
       <dgm:t>
         <a:bodyPr/>
@@ -3010,8 +3010,8 @@
         </a:p>
       </dgm:t>
     </dgm:pt>
-    <dgm:pt modelId="{7F77031C-84AF-49FA-B2E3-6B22E2F49F2B}" type="pres">
-      <dgm:prSet presAssocID="{0F8DBA57-A3BA-4BC9-A853-67B71E3B3531}" presName="Accent" presStyleLbl="alignAcc1" presStyleIdx="3" presStyleCnt="5"/>
+    <dgm:pt modelId="{87ACD694-36F9-4193-A8FE-573DA345BCA3}" type="pres">
+      <dgm:prSet presAssocID="{677FC8B7-2875-43E9-9CDF-1CB72AAB0D0E}" presName="Accent" presStyleLbl="alignAcc1" presStyleIdx="3" presStyleCnt="4"/>
       <dgm:spPr/>
       <dgm:t>
         <a:bodyPr/>
@@ -3021,8 +3021,8 @@
         </a:p>
       </dgm:t>
     </dgm:pt>
-    <dgm:pt modelId="{6FDEA8A3-BC3B-493E-88CC-A57435CCDC96}" type="pres">
-      <dgm:prSet presAssocID="{0F8DBA57-A3BA-4BC9-A853-67B71E3B3531}" presName="Image" presStyleLbl="node1" presStyleIdx="3" presStyleCnt="5"/>
+    <dgm:pt modelId="{D5EF084B-0048-459A-9001-2451F5192F25}" type="pres">
+      <dgm:prSet presAssocID="{677FC8B7-2875-43E9-9CDF-1CB72AAB0D0E}" presName="Image" presStyleLbl="node1" presStyleIdx="3" presStyleCnt="4" custLinFactNeighborX="204" custLinFactNeighborY="-11466"/>
       <dgm:spPr>
         <a:blipFill>
           <a:blip xmlns:r="http://schemas.openxmlformats.org/officeDocument/2006/relationships" r:embed="rId3" cstate="print">
@@ -3047,12 +3047,12 @@
       </dgm:t>
       <dgm:extLst>
         <a:ext uri="{E40237B7-FDA0-4F09-8148-C483321AD2D9}">
-          <dgm14:cNvPr xmlns:dgm14="http://schemas.microsoft.com/office/drawing/2010/diagram" id="0" name="" descr="Close up of students studying in library." title="Sample Picture"/>
+          <dgm14:cNvPr xmlns:dgm14="http://schemas.microsoft.com/office/drawing/2010/diagram" id="0" name="" descr="Closeup of gloved hand picking up a glass beaker." title="Sample Picture"/>
         </a:ext>
       </dgm:extLst>
     </dgm:pt>
-    <dgm:pt modelId="{EBE06ADE-C892-44D3-AB90-0EE941CCA21D}" type="pres">
-      <dgm:prSet presAssocID="{0F8DBA57-A3BA-4BC9-A853-67B71E3B3531}" presName="Child" presStyleLbl="revTx" presStyleIdx="3" presStyleCnt="5">
+    <dgm:pt modelId="{2A1C86DE-9AB9-421D-8408-47DA191A0168}" type="pres">
+      <dgm:prSet presAssocID="{677FC8B7-2875-43E9-9CDF-1CB72AAB0D0E}" presName="Child" presStyleLbl="revTx" presStyleIdx="3" presStyleCnt="4">
         <dgm:presLayoutVars>
           <dgm:bulletEnabled val="1"/>
         </dgm:presLayoutVars>
@@ -3066,8 +3066,8 @@
         </a:p>
       </dgm:t>
     </dgm:pt>
-    <dgm:pt modelId="{B3686B38-0C87-411A-9F82-923E333643FB}" type="pres">
-      <dgm:prSet presAssocID="{0F8DBA57-A3BA-4BC9-A853-67B71E3B3531}" presName="Parent" presStyleLbl="alignNode1" presStyleIdx="3" presStyleCnt="5">
+    <dgm:pt modelId="{4E89074A-DD45-4C30-BE68-0847302086FD}" type="pres">
+      <dgm:prSet presAssocID="{677FC8B7-2875-43E9-9CDF-1CB72AAB0D0E}" presName="Parent" presStyleLbl="alignNode1" presStyleIdx="3" presStyleCnt="4">
         <dgm:presLayoutVars>
           <dgm:bulletEnabled val="1"/>
         </dgm:presLayoutVars>
@@ -3081,122 +3081,29 @@
         </a:p>
       </dgm:t>
     </dgm:pt>
-    <dgm:pt modelId="{0A69584E-ED28-4A81-B130-0E9A2F565C94}" type="pres">
-      <dgm:prSet presAssocID="{CD82CFE7-3793-47B0-8B52-9C19EDB40EDE}" presName="sibTrans" presStyleCnt="0"/>
-      <dgm:spPr/>
-      <dgm:t>
-        <a:bodyPr/>
-        <a:lstStyle/>
-        <a:p>
-          <a:endParaRPr lang="en-US"/>
-        </a:p>
-      </dgm:t>
-    </dgm:pt>
-    <dgm:pt modelId="{CCF11A6E-F586-4910-8C44-1AE6AD4ECC02}" type="pres">
-      <dgm:prSet presAssocID="{677FC8B7-2875-43E9-9CDF-1CB72AAB0D0E}" presName="composite" presStyleCnt="0"/>
-      <dgm:spPr/>
-      <dgm:t>
-        <a:bodyPr/>
-        <a:lstStyle/>
-        <a:p>
-          <a:endParaRPr lang="en-US"/>
-        </a:p>
-      </dgm:t>
-    </dgm:pt>
-    <dgm:pt modelId="{87ACD694-36F9-4193-A8FE-573DA345BCA3}" type="pres">
-      <dgm:prSet presAssocID="{677FC8B7-2875-43E9-9CDF-1CB72AAB0D0E}" presName="Accent" presStyleLbl="alignAcc1" presStyleIdx="4" presStyleCnt="5"/>
-      <dgm:spPr/>
-      <dgm:t>
-        <a:bodyPr/>
-        <a:lstStyle/>
-        <a:p>
-          <a:endParaRPr lang="en-US"/>
-        </a:p>
-      </dgm:t>
-    </dgm:pt>
-    <dgm:pt modelId="{D5EF084B-0048-459A-9001-2451F5192F25}" type="pres">
-      <dgm:prSet presAssocID="{677FC8B7-2875-43E9-9CDF-1CB72AAB0D0E}" presName="Image" presStyleLbl="node1" presStyleIdx="4" presStyleCnt="5" custLinFactNeighborX="204" custLinFactNeighborY="-11466"/>
-      <dgm:spPr>
-        <a:blipFill>
-          <a:blip xmlns:r="http://schemas.openxmlformats.org/officeDocument/2006/relationships" r:embed="rId4" cstate="print">
-            <a:extLst>
-              <a:ext uri="{28A0092B-C50C-407E-A947-70E740481C1C}">
-                <a14:useLocalDpi xmlns:a14="http://schemas.microsoft.com/office/drawing/2010/main" val="0"/>
-              </a:ext>
-            </a:extLst>
-          </a:blip>
-          <a:srcRect/>
-          <a:stretch>
-            <a:fillRect/>
-          </a:stretch>
-        </a:blipFill>
-      </dgm:spPr>
-      <dgm:t>
-        <a:bodyPr/>
-        <a:lstStyle/>
-        <a:p>
-          <a:endParaRPr lang="en-US"/>
-        </a:p>
-      </dgm:t>
-      <dgm:extLst>
-        <a:ext uri="{E40237B7-FDA0-4F09-8148-C483321AD2D9}">
-          <dgm14:cNvPr xmlns:dgm14="http://schemas.microsoft.com/office/drawing/2010/diagram" id="0" name="" descr="Closeup of gloved hand picking up a glass beaker." title="Sample Picture"/>
-        </a:ext>
-      </dgm:extLst>
-    </dgm:pt>
-    <dgm:pt modelId="{2A1C86DE-9AB9-421D-8408-47DA191A0168}" type="pres">
-      <dgm:prSet presAssocID="{677FC8B7-2875-43E9-9CDF-1CB72AAB0D0E}" presName="Child" presStyleLbl="revTx" presStyleIdx="4" presStyleCnt="5">
-        <dgm:presLayoutVars>
-          <dgm:bulletEnabled val="1"/>
-        </dgm:presLayoutVars>
-      </dgm:prSet>
-      <dgm:spPr/>
-      <dgm:t>
-        <a:bodyPr/>
-        <a:lstStyle/>
-        <a:p>
-          <a:endParaRPr lang="en-US"/>
-        </a:p>
-      </dgm:t>
-    </dgm:pt>
-    <dgm:pt modelId="{4E89074A-DD45-4C30-BE68-0847302086FD}" type="pres">
-      <dgm:prSet presAssocID="{677FC8B7-2875-43E9-9CDF-1CB72AAB0D0E}" presName="Parent" presStyleLbl="alignNode1" presStyleIdx="4" presStyleCnt="5">
-        <dgm:presLayoutVars>
-          <dgm:bulletEnabled val="1"/>
-        </dgm:presLayoutVars>
-      </dgm:prSet>
-      <dgm:spPr/>
-      <dgm:t>
-        <a:bodyPr/>
-        <a:lstStyle/>
-        <a:p>
-          <a:endParaRPr lang="en-US"/>
-        </a:p>
-      </dgm:t>
-    </dgm:pt>
   </dgm:ptLst>
   <dgm:cxnLst>
-    <dgm:cxn modelId="{CA8B89D3-A3E5-41AB-9C8A-76BEC3920398}" type="presOf" srcId="{A518A75D-9854-4CDE-9FB7-B1EBB324AAED}" destId="{770E20EC-6929-4A45-99D5-285545E37892}" srcOrd="0" destOrd="0" presId="urn:microsoft.com/office/officeart/2008/layout/TitlePictureLineup"/>
+    <dgm:cxn modelId="{E5053C00-76EC-4519-ABF3-0ACDA95BE163}" srcId="{25AFBC85-EE41-46FB-A7F4-99ED4084C835}" destId="{A518A75D-9854-4CDE-9FB7-B1EBB324AAED}" srcOrd="0" destOrd="0" parTransId="{8A2D5E86-42BC-415B-A1DE-0C28EEB3661C}" sibTransId="{FF440F30-5F7D-44F0-8264-C65521A11F0C}"/>
+    <dgm:cxn modelId="{6A0A065E-D593-4F6E-BB02-BF63EE5BC407}" type="presOf" srcId="{25AFBC85-EE41-46FB-A7F4-99ED4084C835}" destId="{8C6E4A05-D928-421F-BB35-AB0FFEB0B7C4}" srcOrd="0" destOrd="0" presId="urn:microsoft.com/office/officeart/2008/layout/TitlePictureLineup"/>
+    <dgm:cxn modelId="{99F3195D-A58A-4C12-9ADB-33D5E64E7F37}" type="presOf" srcId="{3D1CC32B-A2B3-4980-BE9A-A6BF4C85B7A7}" destId="{5ABBC393-AD16-4772-8402-4ABCB8683B4E}" srcOrd="0" destOrd="0" presId="urn:microsoft.com/office/officeart/2008/layout/TitlePictureLineup"/>
+    <dgm:cxn modelId="{21B7AB36-1C2E-4E8E-BAFE-E7BF013A0E25}" srcId="{677FC8B7-2875-43E9-9CDF-1CB72AAB0D0E}" destId="{A9B56225-2ADD-49DA-81AC-70F2AF1C4A96}" srcOrd="0" destOrd="0" parTransId="{0BDA5908-E6FD-4F09-9B29-F0DA4C25A334}" sibTransId="{430BF9A0-6AC4-4B0D-A7AB-5C13328C2783}"/>
+    <dgm:cxn modelId="{CCAEC128-BF5E-438A-B340-6E9E31378903}" type="presOf" srcId="{EE5CD5D0-47A2-41F5-83E3-DF27A8E5E614}" destId="{2A1C86DE-9AB9-421D-8408-47DA191A0168}" srcOrd="0" destOrd="1" presId="urn:microsoft.com/office/officeart/2008/layout/TitlePictureLineup"/>
+    <dgm:cxn modelId="{F22C22FE-2852-4269-9396-3FA46D18C9E6}" srcId="{8ACBB25F-B113-45CE-86ED-D23E6BDBDBF1}" destId="{ED83CC54-DDE8-4D89-B7E3-D5B2DD65DD2F}" srcOrd="0" destOrd="0" parTransId="{CFE755FE-880F-425A-9D13-8C8BD6D70AE0}" sibTransId="{56DAF041-B1DA-4B4D-94ED-1E53AA243926}"/>
+    <dgm:cxn modelId="{CDA95B03-6EC6-4D7A-96C5-7DABFA093314}" type="presOf" srcId="{ED83CC54-DDE8-4D89-B7E3-D5B2DD65DD2F}" destId="{672ADBAA-87F9-4951-8C07-B10FE0AEC345}" srcOrd="0" destOrd="0" presId="urn:microsoft.com/office/officeart/2008/layout/TitlePictureLineup"/>
+    <dgm:cxn modelId="{9140734E-E639-4086-9B62-F9B15D8D45A9}" type="presOf" srcId="{D0989AE5-C818-44D5-8AE6-32DEAF6F46CC}" destId="{EBE06ADE-C892-44D3-AB90-0EE941CCA21D}" srcOrd="0" destOrd="0" presId="urn:microsoft.com/office/officeart/2008/layout/TitlePictureLineup"/>
+    <dgm:cxn modelId="{E003B334-5224-4D62-B853-FA481A6CA493}" type="presOf" srcId="{A9B56225-2ADD-49DA-81AC-70F2AF1C4A96}" destId="{2A1C86DE-9AB9-421D-8408-47DA191A0168}" srcOrd="0" destOrd="0" presId="urn:microsoft.com/office/officeart/2008/layout/TitlePictureLineup"/>
+    <dgm:cxn modelId="{C84F12B6-3EE3-4557-A9DE-5ECD9E203BEF}" type="presOf" srcId="{0F8DBA57-A3BA-4BC9-A853-67B71E3B3531}" destId="{B3686B38-0C87-411A-9F82-923E333643FB}" srcOrd="0" destOrd="0" presId="urn:microsoft.com/office/officeart/2008/layout/TitlePictureLineup"/>
+    <dgm:cxn modelId="{A8776F7D-2398-4CC1-BBA2-95C5856B6B60}" srcId="{677FC8B7-2875-43E9-9CDF-1CB72AAB0D0E}" destId="{EE5CD5D0-47A2-41F5-83E3-DF27A8E5E614}" srcOrd="1" destOrd="0" parTransId="{A7A407A3-1037-4070-82A9-50324E05A6DC}" sibTransId="{1E9D4260-F645-4803-9472-D60217F56A2C}"/>
     <dgm:cxn modelId="{0990249C-5F83-4AC6-BBDE-76609E41C3B7}" srcId="{0F8DBA57-A3BA-4BC9-A853-67B71E3B3531}" destId="{D0989AE5-C818-44D5-8AE6-32DEAF6F46CC}" srcOrd="0" destOrd="0" parTransId="{5116A57A-5F5C-441B-8E98-72FC83223934}" sibTransId="{0B13468D-FE4E-4A8A-A598-8159F0C900A0}"/>
     <dgm:cxn modelId="{5B6B6DF9-89FB-4C63-A85D-51E0BF13C1E9}" type="presOf" srcId="{8ACBB25F-B113-45CE-86ED-D23E6BDBDBF1}" destId="{57B1ECA4-0CF3-4952-BB41-993F31EFBF15}" srcOrd="0" destOrd="0" presId="urn:microsoft.com/office/officeart/2008/layout/TitlePictureLineup"/>
-    <dgm:cxn modelId="{C84F12B6-3EE3-4557-A9DE-5ECD9E203BEF}" type="presOf" srcId="{0F8DBA57-A3BA-4BC9-A853-67B71E3B3531}" destId="{B3686B38-0C87-411A-9F82-923E333643FB}" srcOrd="0" destOrd="0" presId="urn:microsoft.com/office/officeart/2008/layout/TitlePictureLineup"/>
-    <dgm:cxn modelId="{21B7AB36-1C2E-4E8E-BAFE-E7BF013A0E25}" srcId="{677FC8B7-2875-43E9-9CDF-1CB72AAB0D0E}" destId="{A9B56225-2ADD-49DA-81AC-70F2AF1C4A96}" srcOrd="0" destOrd="0" parTransId="{0BDA5908-E6FD-4F09-9B29-F0DA4C25A334}" sibTransId="{430BF9A0-6AC4-4B0D-A7AB-5C13328C2783}"/>
-    <dgm:cxn modelId="{4B471AE2-396E-4C5C-9110-4123DA6DCE53}" srcId="{25AF84C7-6ED7-450C-83EA-4337CE735A70}" destId="{300FCD3E-1ADF-4D8E-8B7F-C23D248E5AA3}" srcOrd="0" destOrd="0" parTransId="{BC272908-DB90-4FCA-8784-0CA7E6A97E8F}" sibTransId="{4A78B380-1F85-4365-BF1F-0BD8AD7C8590}"/>
-    <dgm:cxn modelId="{97DC5797-804D-44AB-A7F2-9EB61CACB1D5}" srcId="{25AFBC85-EE41-46FB-A7F4-99ED4084C835}" destId="{677FC8B7-2875-43E9-9CDF-1CB72AAB0D0E}" srcOrd="4" destOrd="0" parTransId="{135D044B-CF2D-4837-B65C-369AE7EBF5F6}" sibTransId="{76FCE978-AC8C-47A4-866D-929EE0B68914}"/>
-    <dgm:cxn modelId="{9140734E-E639-4086-9B62-F9B15D8D45A9}" type="presOf" srcId="{D0989AE5-C818-44D5-8AE6-32DEAF6F46CC}" destId="{EBE06ADE-C892-44D3-AB90-0EE941CCA21D}" srcOrd="0" destOrd="0" presId="urn:microsoft.com/office/officeart/2008/layout/TitlePictureLineup"/>
-    <dgm:cxn modelId="{447AF68F-5153-4E01-A5A1-8D3A25A73007}" srcId="{25AFBC85-EE41-46FB-A7F4-99ED4084C835}" destId="{25AF84C7-6ED7-450C-83EA-4337CE735A70}" srcOrd="2" destOrd="0" parTransId="{33168ED3-1516-4DE0-87C6-D0BBEBB68307}" sibTransId="{2562C856-622C-43A4-99D0-A7FF0C835EBA}"/>
     <dgm:cxn modelId="{951AB036-7A1D-4DCF-8595-B29E9F00F3BE}" type="presOf" srcId="{677FC8B7-2875-43E9-9CDF-1CB72AAB0D0E}" destId="{4E89074A-DD45-4C30-BE68-0847302086FD}" srcOrd="0" destOrd="0" presId="urn:microsoft.com/office/officeart/2008/layout/TitlePictureLineup"/>
+    <dgm:cxn modelId="{FF498922-0AE4-4262-A72D-4727AC155B1C}" srcId="{A518A75D-9854-4CDE-9FB7-B1EBB324AAED}" destId="{3D1CC32B-A2B3-4980-BE9A-A6BF4C85B7A7}" srcOrd="0" destOrd="0" parTransId="{5955FB7F-A541-4199-B6AF-E3696E6D94BD}" sibTransId="{CF183673-E5FA-4135-956A-AE4A81199C8F}"/>
+    <dgm:cxn modelId="{97DC5797-804D-44AB-A7F2-9EB61CACB1D5}" srcId="{25AFBC85-EE41-46FB-A7F4-99ED4084C835}" destId="{677FC8B7-2875-43E9-9CDF-1CB72AAB0D0E}" srcOrd="3" destOrd="0" parTransId="{135D044B-CF2D-4837-B65C-369AE7EBF5F6}" sibTransId="{76FCE978-AC8C-47A4-866D-929EE0B68914}"/>
+    <dgm:cxn modelId="{8B314942-92B8-44B6-8258-776477FFA18A}" type="presOf" srcId="{0D0693D0-086B-4054-B841-334DCC0DFBB8}" destId="{2A1C86DE-9AB9-421D-8408-47DA191A0168}" srcOrd="0" destOrd="2" presId="urn:microsoft.com/office/officeart/2008/layout/TitlePictureLineup"/>
     <dgm:cxn modelId="{EC6366B9-5AAA-471E-8245-5541ED957DEA}" srcId="{25AFBC85-EE41-46FB-A7F4-99ED4084C835}" destId="{8ACBB25F-B113-45CE-86ED-D23E6BDBDBF1}" srcOrd="1" destOrd="0" parTransId="{800DBDDC-61AD-462B-B70B-86FBB393E982}" sibTransId="{18BCB42F-22E5-4080-8ECF-607BB9199FB9}"/>
-    <dgm:cxn modelId="{99F3195D-A58A-4C12-9ADB-33D5E64E7F37}" type="presOf" srcId="{3D1CC32B-A2B3-4980-BE9A-A6BF4C85B7A7}" destId="{5ABBC393-AD16-4772-8402-4ABCB8683B4E}" srcOrd="0" destOrd="0" presId="urn:microsoft.com/office/officeart/2008/layout/TitlePictureLineup"/>
-    <dgm:cxn modelId="{6A0A065E-D593-4F6E-BB02-BF63EE5BC407}" type="presOf" srcId="{25AFBC85-EE41-46FB-A7F4-99ED4084C835}" destId="{8C6E4A05-D928-421F-BB35-AB0FFEB0B7C4}" srcOrd="0" destOrd="0" presId="urn:microsoft.com/office/officeart/2008/layout/TitlePictureLineup"/>
-    <dgm:cxn modelId="{F22C22FE-2852-4269-9396-3FA46D18C9E6}" srcId="{8ACBB25F-B113-45CE-86ED-D23E6BDBDBF1}" destId="{ED83CC54-DDE8-4D89-B7E3-D5B2DD65DD2F}" srcOrd="0" destOrd="0" parTransId="{CFE755FE-880F-425A-9D13-8C8BD6D70AE0}" sibTransId="{56DAF041-B1DA-4B4D-94ED-1E53AA243926}"/>
-    <dgm:cxn modelId="{E5053C00-76EC-4519-ABF3-0ACDA95BE163}" srcId="{25AFBC85-EE41-46FB-A7F4-99ED4084C835}" destId="{A518A75D-9854-4CDE-9FB7-B1EBB324AAED}" srcOrd="0" destOrd="0" parTransId="{8A2D5E86-42BC-415B-A1DE-0C28EEB3661C}" sibTransId="{FF440F30-5F7D-44F0-8264-C65521A11F0C}"/>
-    <dgm:cxn modelId="{E003B334-5224-4D62-B853-FA481A6CA493}" type="presOf" srcId="{A9B56225-2ADD-49DA-81AC-70F2AF1C4A96}" destId="{2A1C86DE-9AB9-421D-8408-47DA191A0168}" srcOrd="0" destOrd="0" presId="urn:microsoft.com/office/officeart/2008/layout/TitlePictureLineup"/>
-    <dgm:cxn modelId="{4A4ADF06-6D3D-43CF-9662-53E434EE742F}" type="presOf" srcId="{25AF84C7-6ED7-450C-83EA-4337CE735A70}" destId="{16EEE8E2-3D18-44F6-B04A-3D59841E4FA8}" srcOrd="0" destOrd="0" presId="urn:microsoft.com/office/officeart/2008/layout/TitlePictureLineup"/>
-    <dgm:cxn modelId="{FF498922-0AE4-4262-A72D-4727AC155B1C}" srcId="{A518A75D-9854-4CDE-9FB7-B1EBB324AAED}" destId="{3D1CC32B-A2B3-4980-BE9A-A6BF4C85B7A7}" srcOrd="0" destOrd="0" parTransId="{5955FB7F-A541-4199-B6AF-E3696E6D94BD}" sibTransId="{CF183673-E5FA-4135-956A-AE4A81199C8F}"/>
-    <dgm:cxn modelId="{CDA95B03-6EC6-4D7A-96C5-7DABFA093314}" type="presOf" srcId="{ED83CC54-DDE8-4D89-B7E3-D5B2DD65DD2F}" destId="{672ADBAA-87F9-4951-8C07-B10FE0AEC345}" srcOrd="0" destOrd="0" presId="urn:microsoft.com/office/officeart/2008/layout/TitlePictureLineup"/>
-    <dgm:cxn modelId="{BC99CF63-34B5-4D4D-84B8-160D4C4D99B0}" type="presOf" srcId="{300FCD3E-1ADF-4D8E-8B7F-C23D248E5AA3}" destId="{A0810939-5D65-4F5C-894F-F86C706A7A1C}" srcOrd="0" destOrd="0" presId="urn:microsoft.com/office/officeart/2008/layout/TitlePictureLineup"/>
-    <dgm:cxn modelId="{81AE50C2-F587-470B-86FC-B5A28EFEE1BC}" srcId="{25AFBC85-EE41-46FB-A7F4-99ED4084C835}" destId="{0F8DBA57-A3BA-4BC9-A853-67B71E3B3531}" srcOrd="3" destOrd="0" parTransId="{99BB5F99-B845-4128-856A-D40FE489F4C0}" sibTransId="{CD82CFE7-3793-47B0-8B52-9C19EDB40EDE}"/>
+    <dgm:cxn modelId="{CA8B89D3-A3E5-41AB-9C8A-76BEC3920398}" type="presOf" srcId="{A518A75D-9854-4CDE-9FB7-B1EBB324AAED}" destId="{770E20EC-6929-4A45-99D5-285545E37892}" srcOrd="0" destOrd="0" presId="urn:microsoft.com/office/officeart/2008/layout/TitlePictureLineup"/>
+    <dgm:cxn modelId="{7D90FAE9-2F57-414A-B4A0-17265D51EB34}" srcId="{677FC8B7-2875-43E9-9CDF-1CB72AAB0D0E}" destId="{0D0693D0-086B-4054-B841-334DCC0DFBB8}" srcOrd="2" destOrd="0" parTransId="{B797739C-867F-423B-995B-44840F36DC31}" sibTransId="{4786DE17-8DE1-43C9-B2E5-9D80A59F777A}"/>
+    <dgm:cxn modelId="{81AE50C2-F587-470B-86FC-B5A28EFEE1BC}" srcId="{25AFBC85-EE41-46FB-A7F4-99ED4084C835}" destId="{0F8DBA57-A3BA-4BC9-A853-67B71E3B3531}" srcOrd="2" destOrd="0" parTransId="{99BB5F99-B845-4128-856A-D40FE489F4C0}" sibTransId="{CD82CFE7-3793-47B0-8B52-9C19EDB40EDE}"/>
     <dgm:cxn modelId="{B5657A53-F7C5-449A-A28C-ADB1BD95AFAD}" type="presParOf" srcId="{8C6E4A05-D928-421F-BB35-AB0FFEB0B7C4}" destId="{8C8EDC2C-400F-4A87-B348-71B90CDC58F1}" srcOrd="0" destOrd="0" presId="urn:microsoft.com/office/officeart/2008/layout/TitlePictureLineup"/>
     <dgm:cxn modelId="{1C80C19B-C14E-453A-AD9B-0F519D412CCB}" type="presParOf" srcId="{8C8EDC2C-400F-4A87-B348-71B90CDC58F1}" destId="{53B4FA82-603E-4EDB-90A9-1DA699C2C901}" srcOrd="0" destOrd="0" presId="urn:microsoft.com/office/officeart/2008/layout/TitlePictureLineup"/>
     <dgm:cxn modelId="{0D6A37DD-154A-4327-B4B3-2A50C24373F9}" type="presParOf" srcId="{8C8EDC2C-400F-4A87-B348-71B90CDC58F1}" destId="{48475A52-D924-4818-BEE8-D250047D6B3F}" srcOrd="1" destOrd="0" presId="urn:microsoft.com/office/officeart/2008/layout/TitlePictureLineup"/>
@@ -3209,19 +3116,13 @@
     <dgm:cxn modelId="{C300B22B-456E-49FF-95BA-8BAC1D475B3C}" type="presParOf" srcId="{17D8D191-9A36-4090-BE62-7D18D277262D}" destId="{672ADBAA-87F9-4951-8C07-B10FE0AEC345}" srcOrd="2" destOrd="0" presId="urn:microsoft.com/office/officeart/2008/layout/TitlePictureLineup"/>
     <dgm:cxn modelId="{B7068AD8-E3C6-4443-93FD-E9588A542230}" type="presParOf" srcId="{17D8D191-9A36-4090-BE62-7D18D277262D}" destId="{57B1ECA4-0CF3-4952-BB41-993F31EFBF15}" srcOrd="3" destOrd="0" presId="urn:microsoft.com/office/officeart/2008/layout/TitlePictureLineup"/>
     <dgm:cxn modelId="{2805A120-FFC0-4803-8DDF-E46FD291B914}" type="presParOf" srcId="{8C6E4A05-D928-421F-BB35-AB0FFEB0B7C4}" destId="{7A21AD34-BC39-40AD-BA28-92C864D5C1E0}" srcOrd="3" destOrd="0" presId="urn:microsoft.com/office/officeart/2008/layout/TitlePictureLineup"/>
-    <dgm:cxn modelId="{548A32D1-9AF9-45CD-8C7D-024637A7AB9D}" type="presParOf" srcId="{8C6E4A05-D928-421F-BB35-AB0FFEB0B7C4}" destId="{4F88CED5-DAB2-486C-AD16-C2CB6913B61B}" srcOrd="4" destOrd="0" presId="urn:microsoft.com/office/officeart/2008/layout/TitlePictureLineup"/>
-    <dgm:cxn modelId="{82A3BCF8-B055-4122-8F9F-3924F53D11F3}" type="presParOf" srcId="{4F88CED5-DAB2-486C-AD16-C2CB6913B61B}" destId="{6806A88B-ACCD-4689-BA2C-F1412EF73B42}" srcOrd="0" destOrd="0" presId="urn:microsoft.com/office/officeart/2008/layout/TitlePictureLineup"/>
-    <dgm:cxn modelId="{B468AC5D-6312-4CB3-A75C-4DD567095356}" type="presParOf" srcId="{4F88CED5-DAB2-486C-AD16-C2CB6913B61B}" destId="{6D3BA09B-A748-477B-98A1-FEDE95925694}" srcOrd="1" destOrd="0" presId="urn:microsoft.com/office/officeart/2008/layout/TitlePictureLineup"/>
-    <dgm:cxn modelId="{565D5817-8668-4194-8212-B5C1333A11D3}" type="presParOf" srcId="{4F88CED5-DAB2-486C-AD16-C2CB6913B61B}" destId="{A0810939-5D65-4F5C-894F-F86C706A7A1C}" srcOrd="2" destOrd="0" presId="urn:microsoft.com/office/officeart/2008/layout/TitlePictureLineup"/>
-    <dgm:cxn modelId="{588CC3A0-CAF9-4EC4-9804-E43CF7F6D4A8}" type="presParOf" srcId="{4F88CED5-DAB2-486C-AD16-C2CB6913B61B}" destId="{16EEE8E2-3D18-44F6-B04A-3D59841E4FA8}" srcOrd="3" destOrd="0" presId="urn:microsoft.com/office/officeart/2008/layout/TitlePictureLineup"/>
-    <dgm:cxn modelId="{174A4375-01F6-4B6C-BFAA-671ADF1C725A}" type="presParOf" srcId="{8C6E4A05-D928-421F-BB35-AB0FFEB0B7C4}" destId="{BC140B48-2181-4811-AF91-223867D0738E}" srcOrd="5" destOrd="0" presId="urn:microsoft.com/office/officeart/2008/layout/TitlePictureLineup"/>
-    <dgm:cxn modelId="{34978403-7B65-46B8-9090-6D3EF6659C85}" type="presParOf" srcId="{8C6E4A05-D928-421F-BB35-AB0FFEB0B7C4}" destId="{57293698-40AD-44C8-9B60-0D0C4FC11960}" srcOrd="6" destOrd="0" presId="urn:microsoft.com/office/officeart/2008/layout/TitlePictureLineup"/>
+    <dgm:cxn modelId="{34978403-7B65-46B8-9090-6D3EF6659C85}" type="presParOf" srcId="{8C6E4A05-D928-421F-BB35-AB0FFEB0B7C4}" destId="{57293698-40AD-44C8-9B60-0D0C4FC11960}" srcOrd="4" destOrd="0" presId="urn:microsoft.com/office/officeart/2008/layout/TitlePictureLineup"/>
     <dgm:cxn modelId="{5D836622-280E-4845-A659-9D33579C26AB}" type="presParOf" srcId="{57293698-40AD-44C8-9B60-0D0C4FC11960}" destId="{7F77031C-84AF-49FA-B2E3-6B22E2F49F2B}" srcOrd="0" destOrd="0" presId="urn:microsoft.com/office/officeart/2008/layout/TitlePictureLineup"/>
     <dgm:cxn modelId="{1B177A82-D028-4DEB-802C-CC84A925EB5D}" type="presParOf" srcId="{57293698-40AD-44C8-9B60-0D0C4FC11960}" destId="{6FDEA8A3-BC3B-493E-88CC-A57435CCDC96}" srcOrd="1" destOrd="0" presId="urn:microsoft.com/office/officeart/2008/layout/TitlePictureLineup"/>
     <dgm:cxn modelId="{C8378814-4562-48A5-B7DC-6589C729DB15}" type="presParOf" srcId="{57293698-40AD-44C8-9B60-0D0C4FC11960}" destId="{EBE06ADE-C892-44D3-AB90-0EE941CCA21D}" srcOrd="2" destOrd="0" presId="urn:microsoft.com/office/officeart/2008/layout/TitlePictureLineup"/>
     <dgm:cxn modelId="{0D45383A-482B-44A0-B1A5-2DCB71105C09}" type="presParOf" srcId="{57293698-40AD-44C8-9B60-0D0C4FC11960}" destId="{B3686B38-0C87-411A-9F82-923E333643FB}" srcOrd="3" destOrd="0" presId="urn:microsoft.com/office/officeart/2008/layout/TitlePictureLineup"/>
-    <dgm:cxn modelId="{08204CAE-7BF2-4DAB-8015-F3F5ABE2F48B}" type="presParOf" srcId="{8C6E4A05-D928-421F-BB35-AB0FFEB0B7C4}" destId="{0A69584E-ED28-4A81-B130-0E9A2F565C94}" srcOrd="7" destOrd="0" presId="urn:microsoft.com/office/officeart/2008/layout/TitlePictureLineup"/>
-    <dgm:cxn modelId="{52EDB241-342E-464E-8400-02E1B331CB85}" type="presParOf" srcId="{8C6E4A05-D928-421F-BB35-AB0FFEB0B7C4}" destId="{CCF11A6E-F586-4910-8C44-1AE6AD4ECC02}" srcOrd="8" destOrd="0" presId="urn:microsoft.com/office/officeart/2008/layout/TitlePictureLineup"/>
+    <dgm:cxn modelId="{08204CAE-7BF2-4DAB-8015-F3F5ABE2F48B}" type="presParOf" srcId="{8C6E4A05-D928-421F-BB35-AB0FFEB0B7C4}" destId="{0A69584E-ED28-4A81-B130-0E9A2F565C94}" srcOrd="5" destOrd="0" presId="urn:microsoft.com/office/officeart/2008/layout/TitlePictureLineup"/>
+    <dgm:cxn modelId="{52EDB241-342E-464E-8400-02E1B331CB85}" type="presParOf" srcId="{8C6E4A05-D928-421F-BB35-AB0FFEB0B7C4}" destId="{CCF11A6E-F586-4910-8C44-1AE6AD4ECC02}" srcOrd="6" destOrd="0" presId="urn:microsoft.com/office/officeart/2008/layout/TitlePictureLineup"/>
     <dgm:cxn modelId="{C38F45B8-687B-4411-8E6A-53A47B7D6176}" type="presParOf" srcId="{CCF11A6E-F586-4910-8C44-1AE6AD4ECC02}" destId="{87ACD694-36F9-4193-A8FE-573DA345BCA3}" srcOrd="0" destOrd="0" presId="urn:microsoft.com/office/officeart/2008/layout/TitlePictureLineup"/>
     <dgm:cxn modelId="{897F451A-53DF-4B1E-9380-A027CBDC7541}" type="presParOf" srcId="{CCF11A6E-F586-4910-8C44-1AE6AD4ECC02}" destId="{D5EF084B-0048-459A-9001-2451F5192F25}" srcOrd="1" destOrd="0" presId="urn:microsoft.com/office/officeart/2008/layout/TitlePictureLineup"/>
     <dgm:cxn modelId="{4180D4C8-36C2-4E1C-9F25-69BF37E8E673}" type="presParOf" srcId="{CCF11A6E-F586-4910-8C44-1AE6AD4ECC02}" destId="{2A1C86DE-9AB9-421D-8408-47DA191A0168}" srcOrd="2" destOrd="0" presId="urn:microsoft.com/office/officeart/2008/layout/TitlePictureLineup"/>
@@ -3241,7 +3142,7 @@
 <dgm:dataModel xmlns:dgm="http://schemas.openxmlformats.org/drawingml/2006/diagram" xmlns:a="http://schemas.openxmlformats.org/drawingml/2006/main">
   <dgm:ptLst>
     <dgm:pt modelId="{B4E2A9E4-A4B9-4950-B557-41B069A274A3}" type="doc">
-      <dgm:prSet loTypeId="urn:microsoft.com/office/officeart/2005/8/layout/hierarchy3" loCatId="hierarchy" qsTypeId="urn:microsoft.com/office/officeart/2005/8/quickstyle/simple1" qsCatId="simple" csTypeId="urn:microsoft.com/office/officeart/2005/8/colors/accent1_2" csCatId="accent1" phldr="1"/>
+      <dgm:prSet loTypeId="urn:microsoft.com/office/officeart/2008/layout/HorizontalMultiLevelHierarchy" loCatId="hierarchy" qsTypeId="urn:microsoft.com/office/officeart/2005/8/quickstyle/simple1" qsCatId="simple" csTypeId="urn:microsoft.com/office/officeart/2005/8/colors/accent1_2" csCatId="accent1" phldr="1"/>
       <dgm:spPr/>
       <dgm:t>
         <a:bodyPr/>
@@ -3260,7 +3161,7 @@
         <a:p>
           <a:r>
             <a:rPr lang="en-US" dirty="0" smtClean="0"/>
-            <a:t>Mission 1</a:t>
+            <a:t>Launch 1</a:t>
           </a:r>
           <a:endParaRPr lang="en-US" dirty="0"/>
         </a:p>
@@ -3445,7 +3346,7 @@
         <a:p>
           <a:r>
             <a:rPr lang="en-US" dirty="0" smtClean="0"/>
-            <a:t>Mission 2</a:t>
+            <a:t>Launch 2</a:t>
           </a:r>
           <a:endParaRPr lang="en-US" dirty="0"/>
         </a:p>
@@ -3519,7 +3420,7 @@
         <a:p>
           <a:r>
             <a:rPr lang="en-US" dirty="0" smtClean="0"/>
-            <a:t>Missions 3 &amp; 4</a:t>
+            <a:t>Launches 3 &amp; 4</a:t>
           </a:r>
           <a:endParaRPr lang="en-US" dirty="0"/>
         </a:p>
@@ -3745,7 +3646,7 @@
         <a:p>
           <a:r>
             <a:rPr lang="en-US" dirty="0" smtClean="0"/>
-            <a:t>Mission 5</a:t>
+            <a:t>Launch 5</a:t>
           </a:r>
           <a:endParaRPr lang="en-US" dirty="0"/>
         </a:p>
@@ -3847,46 +3748,33 @@
         </a:p>
       </dgm:t>
     </dgm:pt>
-    <dgm:pt modelId="{67258228-F45F-4147-86D1-53AB75BB73E8}" type="pres">
-      <dgm:prSet presAssocID="{B4E2A9E4-A4B9-4950-B557-41B069A274A3}" presName="diagram" presStyleCnt="0">
+    <dgm:pt modelId="{36BD22A6-DEF7-48B0-852E-45DA2849C460}" type="pres">
+      <dgm:prSet presAssocID="{B4E2A9E4-A4B9-4950-B557-41B069A274A3}" presName="Name0" presStyleCnt="0">
         <dgm:presLayoutVars>
           <dgm:chPref val="1"/>
           <dgm:dir/>
           <dgm:animOne val="branch"/>
           <dgm:animLvl val="lvl"/>
-          <dgm:resizeHandles/>
+          <dgm:resizeHandles val="exact"/>
         </dgm:presLayoutVars>
       </dgm:prSet>
       <dgm:spPr/>
-    </dgm:pt>
-    <dgm:pt modelId="{E10F9BF6-43C6-4B87-9A60-DA7D3FD5F40B}" type="pres">
-      <dgm:prSet presAssocID="{4932D87E-5200-4E80-B1D7-4F0AEBC43E74}" presName="root" presStyleCnt="0"/>
-      <dgm:spPr/>
-    </dgm:pt>
-    <dgm:pt modelId="{FE621D5C-1E79-411F-A576-63813E66AFCA}" type="pres">
-      <dgm:prSet presAssocID="{4932D87E-5200-4E80-B1D7-4F0AEBC43E74}" presName="rootComposite" presStyleCnt="0"/>
-      <dgm:spPr/>
-    </dgm:pt>
-    <dgm:pt modelId="{952857C4-333A-447D-8D2C-2FFA0B0EB15A}" type="pres">
-      <dgm:prSet presAssocID="{4932D87E-5200-4E80-B1D7-4F0AEBC43E74}" presName="rootText" presStyleLbl="node1" presStyleIdx="0" presStyleCnt="4" custLinFactNeighborY="-192"/>
-      <dgm:spPr/>
-    </dgm:pt>
-    <dgm:pt modelId="{CF525E65-B896-4718-A0AF-1E5E02B97A97}" type="pres">
-      <dgm:prSet presAssocID="{4932D87E-5200-4E80-B1D7-4F0AEBC43E74}" presName="rootConnector" presStyleLbl="node1" presStyleIdx="0" presStyleCnt="4"/>
-      <dgm:spPr/>
-    </dgm:pt>
-    <dgm:pt modelId="{9B0007EE-2773-4C47-A386-B711E702302D}" type="pres">
-      <dgm:prSet presAssocID="{4932D87E-5200-4E80-B1D7-4F0AEBC43E74}" presName="childShape" presStyleCnt="0"/>
-      <dgm:spPr/>
-    </dgm:pt>
-    <dgm:pt modelId="{35E53A68-F3EE-45BF-87B9-5748E7D0FB4E}" type="pres">
-      <dgm:prSet presAssocID="{D0A5D98D-4BBB-478C-81F3-4764E21A9D92}" presName="Name13" presStyleLbl="parChTrans1D2" presStyleIdx="0" presStyleCnt="12"/>
-      <dgm:spPr/>
-    </dgm:pt>
-    <dgm:pt modelId="{E340CD30-2C22-4E96-A3A9-D6A6A055B3A3}" type="pres">
-      <dgm:prSet presAssocID="{B4E75589-C1D2-414D-930D-B50A6A36CDC5}" presName="childText" presStyleLbl="bgAcc1" presStyleIdx="0" presStyleCnt="12">
+      <dgm:t>
+        <a:bodyPr/>
+        <a:lstStyle/>
+        <a:p>
+          <a:endParaRPr lang="en-US"/>
+        </a:p>
+      </dgm:t>
+    </dgm:pt>
+    <dgm:pt modelId="{55622683-CC33-4211-B455-D020075E7AF9}" type="pres">
+      <dgm:prSet presAssocID="{4932D87E-5200-4E80-B1D7-4F0AEBC43E74}" presName="root1" presStyleCnt="0"/>
+      <dgm:spPr/>
+    </dgm:pt>
+    <dgm:pt modelId="{59E2F822-4C97-47F7-B767-44D7A2D3F5EC}" type="pres">
+      <dgm:prSet presAssocID="{4932D87E-5200-4E80-B1D7-4F0AEBC43E74}" presName="LevelOneTextNode" presStyleLbl="node0" presStyleIdx="0" presStyleCnt="4">
         <dgm:presLayoutVars>
-          <dgm:bulletEnabled val="1"/>
+          <dgm:chPref val="3"/>
         </dgm:presLayoutVars>
       </dgm:prSet>
       <dgm:spPr/>
@@ -3898,14 +3786,40 @@
         </a:p>
       </dgm:t>
     </dgm:pt>
-    <dgm:pt modelId="{8F7E9A1B-3110-4E10-B3F6-BA51C045F86C}" type="pres">
-      <dgm:prSet presAssocID="{2D532C4C-ED5E-4401-983F-AF43DC0B130E}" presName="Name13" presStyleLbl="parChTrans1D2" presStyleIdx="1" presStyleCnt="12"/>
-      <dgm:spPr/>
-    </dgm:pt>
-    <dgm:pt modelId="{5A913779-451D-4C00-B6DD-0D98B09440E1}" type="pres">
-      <dgm:prSet presAssocID="{1D22F6E5-432A-4FB0-B1F5-2F8CF98615EA}" presName="childText" presStyleLbl="bgAcc1" presStyleIdx="1" presStyleCnt="12">
+    <dgm:pt modelId="{F2C2F1A3-160C-4FA1-9883-F074177FD73F}" type="pres">
+      <dgm:prSet presAssocID="{4932D87E-5200-4E80-B1D7-4F0AEBC43E74}" presName="level2hierChild" presStyleCnt="0"/>
+      <dgm:spPr/>
+    </dgm:pt>
+    <dgm:pt modelId="{9B9AE94B-9898-4B99-B5DD-A58B700CD12D}" type="pres">
+      <dgm:prSet presAssocID="{D0A5D98D-4BBB-478C-81F3-4764E21A9D92}" presName="conn2-1" presStyleLbl="parChTrans1D2" presStyleIdx="0" presStyleCnt="12"/>
+      <dgm:spPr/>
+      <dgm:t>
+        <a:bodyPr/>
+        <a:lstStyle/>
+        <a:p>
+          <a:endParaRPr lang="en-US"/>
+        </a:p>
+      </dgm:t>
+    </dgm:pt>
+    <dgm:pt modelId="{8A9AB921-C615-4048-88E8-9DD76E7E6555}" type="pres">
+      <dgm:prSet presAssocID="{D0A5D98D-4BBB-478C-81F3-4764E21A9D92}" presName="connTx" presStyleLbl="parChTrans1D2" presStyleIdx="0" presStyleCnt="12"/>
+      <dgm:spPr/>
+      <dgm:t>
+        <a:bodyPr/>
+        <a:lstStyle/>
+        <a:p>
+          <a:endParaRPr lang="en-US"/>
+        </a:p>
+      </dgm:t>
+    </dgm:pt>
+    <dgm:pt modelId="{B798BB18-E435-4383-8F78-FC2EA67FA482}" type="pres">
+      <dgm:prSet presAssocID="{B4E75589-C1D2-414D-930D-B50A6A36CDC5}" presName="root2" presStyleCnt="0"/>
+      <dgm:spPr/>
+    </dgm:pt>
+    <dgm:pt modelId="{1BABBFB1-3D56-4118-B723-7072E68B911F}" type="pres">
+      <dgm:prSet presAssocID="{B4E75589-C1D2-414D-930D-B50A6A36CDC5}" presName="LevelTwoTextNode" presStyleLbl="node2" presStyleIdx="0" presStyleCnt="12">
         <dgm:presLayoutVars>
-          <dgm:bulletEnabled val="1"/>
+          <dgm:chPref val="3"/>
         </dgm:presLayoutVars>
       </dgm:prSet>
       <dgm:spPr/>
@@ -3917,34 +3831,40 @@
         </a:p>
       </dgm:t>
     </dgm:pt>
-    <dgm:pt modelId="{D9BE119B-DC06-4BE8-BE35-913F638508C9}" type="pres">
-      <dgm:prSet presAssocID="{720091B4-AB93-4765-832D-E9714E95D5EF}" presName="root" presStyleCnt="0"/>
-      <dgm:spPr/>
-    </dgm:pt>
-    <dgm:pt modelId="{1D5571C5-1E28-4E21-9708-7BF0EFE33278}" type="pres">
-      <dgm:prSet presAssocID="{720091B4-AB93-4765-832D-E9714E95D5EF}" presName="rootComposite" presStyleCnt="0"/>
-      <dgm:spPr/>
-    </dgm:pt>
-    <dgm:pt modelId="{80141507-F54C-45F8-AFEC-3ECDCC92D3F3}" type="pres">
-      <dgm:prSet presAssocID="{720091B4-AB93-4765-832D-E9714E95D5EF}" presName="rootText" presStyleLbl="node1" presStyleIdx="1" presStyleCnt="4"/>
-      <dgm:spPr/>
-    </dgm:pt>
-    <dgm:pt modelId="{4612F378-7394-4B67-9861-98F3E18101BD}" type="pres">
-      <dgm:prSet presAssocID="{720091B4-AB93-4765-832D-E9714E95D5EF}" presName="rootConnector" presStyleLbl="node1" presStyleIdx="1" presStyleCnt="4"/>
-      <dgm:spPr/>
-    </dgm:pt>
-    <dgm:pt modelId="{4963A38B-5883-4F7D-84D0-401D1F0BF5BA}" type="pres">
-      <dgm:prSet presAssocID="{720091B4-AB93-4765-832D-E9714E95D5EF}" presName="childShape" presStyleCnt="0"/>
-      <dgm:spPr/>
-    </dgm:pt>
-    <dgm:pt modelId="{4729DAC9-9A9A-4212-B0DB-5126F6153E6E}" type="pres">
-      <dgm:prSet presAssocID="{938F0395-43E6-4955-BA87-B891083C57DD}" presName="Name13" presStyleLbl="parChTrans1D2" presStyleIdx="2" presStyleCnt="12"/>
-      <dgm:spPr/>
-    </dgm:pt>
-    <dgm:pt modelId="{94A89684-67C8-4BC6-94C6-8724D8886EC7}" type="pres">
-      <dgm:prSet presAssocID="{DF5431D5-5B50-4036-B68F-94E731086263}" presName="childText" presStyleLbl="bgAcc1" presStyleIdx="2" presStyleCnt="12">
+    <dgm:pt modelId="{B6B1A612-8349-4BAC-9711-DF3625AD964E}" type="pres">
+      <dgm:prSet presAssocID="{B4E75589-C1D2-414D-930D-B50A6A36CDC5}" presName="level3hierChild" presStyleCnt="0"/>
+      <dgm:spPr/>
+    </dgm:pt>
+    <dgm:pt modelId="{6251C981-58A2-4AD3-B3DE-EFEB129C7183}" type="pres">
+      <dgm:prSet presAssocID="{2D532C4C-ED5E-4401-983F-AF43DC0B130E}" presName="conn2-1" presStyleLbl="parChTrans1D2" presStyleIdx="1" presStyleCnt="12"/>
+      <dgm:spPr/>
+      <dgm:t>
+        <a:bodyPr/>
+        <a:lstStyle/>
+        <a:p>
+          <a:endParaRPr lang="en-US"/>
+        </a:p>
+      </dgm:t>
+    </dgm:pt>
+    <dgm:pt modelId="{C24875C7-C52B-489A-B5B5-C116B85F9A75}" type="pres">
+      <dgm:prSet presAssocID="{2D532C4C-ED5E-4401-983F-AF43DC0B130E}" presName="connTx" presStyleLbl="parChTrans1D2" presStyleIdx="1" presStyleCnt="12"/>
+      <dgm:spPr/>
+      <dgm:t>
+        <a:bodyPr/>
+        <a:lstStyle/>
+        <a:p>
+          <a:endParaRPr lang="en-US"/>
+        </a:p>
+      </dgm:t>
+    </dgm:pt>
+    <dgm:pt modelId="{19BC5C20-6F02-4B5F-8B8A-40DDCE7C786C}" type="pres">
+      <dgm:prSet presAssocID="{1D22F6E5-432A-4FB0-B1F5-2F8CF98615EA}" presName="root2" presStyleCnt="0"/>
+      <dgm:spPr/>
+    </dgm:pt>
+    <dgm:pt modelId="{1B98014D-68C1-42C3-BFDE-907C43537D3B}" type="pres">
+      <dgm:prSet presAssocID="{1D22F6E5-432A-4FB0-B1F5-2F8CF98615EA}" presName="LevelTwoTextNode" presStyleLbl="node2" presStyleIdx="1" presStyleCnt="12">
         <dgm:presLayoutVars>
-          <dgm:bulletEnabled val="1"/>
+          <dgm:chPref val="3"/>
         </dgm:presLayoutVars>
       </dgm:prSet>
       <dgm:spPr/>
@@ -3956,14 +3876,18 @@
         </a:p>
       </dgm:t>
     </dgm:pt>
-    <dgm:pt modelId="{57D0D94A-CD61-49A3-822B-7FE8AF4E0B58}" type="pres">
-      <dgm:prSet presAssocID="{7ECF7AC9-4D95-4842-9857-8C64281AFEEF}" presName="Name13" presStyleLbl="parChTrans1D2" presStyleIdx="3" presStyleCnt="12"/>
-      <dgm:spPr/>
-    </dgm:pt>
-    <dgm:pt modelId="{44B068F8-D067-484D-B049-CCF51D5EC571}" type="pres">
-      <dgm:prSet presAssocID="{08F12AB9-BD75-421B-96C2-E25D538D2E98}" presName="childText" presStyleLbl="bgAcc1" presStyleIdx="3" presStyleCnt="12">
+    <dgm:pt modelId="{30782DD9-D7B6-4816-86FC-D47A263F76A1}" type="pres">
+      <dgm:prSet presAssocID="{1D22F6E5-432A-4FB0-B1F5-2F8CF98615EA}" presName="level3hierChild" presStyleCnt="0"/>
+      <dgm:spPr/>
+    </dgm:pt>
+    <dgm:pt modelId="{2CDB3274-D919-46DB-8F77-9EE72B27F04A}" type="pres">
+      <dgm:prSet presAssocID="{720091B4-AB93-4765-832D-E9714E95D5EF}" presName="root1" presStyleCnt="0"/>
+      <dgm:spPr/>
+    </dgm:pt>
+    <dgm:pt modelId="{7EAB72F2-9770-435E-B291-CFEF1C251030}" type="pres">
+      <dgm:prSet presAssocID="{720091B4-AB93-4765-832D-E9714E95D5EF}" presName="LevelOneTextNode" presStyleLbl="node0" presStyleIdx="1" presStyleCnt="4">
         <dgm:presLayoutVars>
-          <dgm:bulletEnabled val="1"/>
+          <dgm:chPref val="3"/>
         </dgm:presLayoutVars>
       </dgm:prSet>
       <dgm:spPr/>
@@ -3975,26 +3899,85 @@
         </a:p>
       </dgm:t>
     </dgm:pt>
-    <dgm:pt modelId="{7CB69CAF-7C7B-4770-B554-3911CF4F1593}" type="pres">
-      <dgm:prSet presAssocID="{CE9D5917-43A7-434F-A2C9-18DB0B91D131}" presName="Name13" presStyleLbl="parChTrans1D2" presStyleIdx="4" presStyleCnt="12"/>
-      <dgm:spPr/>
-    </dgm:pt>
-    <dgm:pt modelId="{A564A31F-5C2E-4A33-947F-50C68CEAF4D3}" type="pres">
-      <dgm:prSet presAssocID="{256A64E1-DA25-47F5-BD8A-27B019528749}" presName="childText" presStyleLbl="bgAcc1" presStyleIdx="4" presStyleCnt="12">
+    <dgm:pt modelId="{2FDFFFF7-47B9-44DF-9C03-63A781321FC2}" type="pres">
+      <dgm:prSet presAssocID="{720091B4-AB93-4765-832D-E9714E95D5EF}" presName="level2hierChild" presStyleCnt="0"/>
+      <dgm:spPr/>
+    </dgm:pt>
+    <dgm:pt modelId="{22CA70FA-EAC7-43AA-957A-C71589377C0A}" type="pres">
+      <dgm:prSet presAssocID="{938F0395-43E6-4955-BA87-B891083C57DD}" presName="conn2-1" presStyleLbl="parChTrans1D2" presStyleIdx="2" presStyleCnt="12"/>
+      <dgm:spPr/>
+      <dgm:t>
+        <a:bodyPr/>
+        <a:lstStyle/>
+        <a:p>
+          <a:endParaRPr lang="en-US"/>
+        </a:p>
+      </dgm:t>
+    </dgm:pt>
+    <dgm:pt modelId="{65253A4E-254A-4B8A-B452-09E154C83363}" type="pres">
+      <dgm:prSet presAssocID="{938F0395-43E6-4955-BA87-B891083C57DD}" presName="connTx" presStyleLbl="parChTrans1D2" presStyleIdx="2" presStyleCnt="12"/>
+      <dgm:spPr/>
+      <dgm:t>
+        <a:bodyPr/>
+        <a:lstStyle/>
+        <a:p>
+          <a:endParaRPr lang="en-US"/>
+        </a:p>
+      </dgm:t>
+    </dgm:pt>
+    <dgm:pt modelId="{7FAB024C-699D-4F26-8D82-83E5E802E446}" type="pres">
+      <dgm:prSet presAssocID="{DF5431D5-5B50-4036-B68F-94E731086263}" presName="root2" presStyleCnt="0"/>
+      <dgm:spPr/>
+    </dgm:pt>
+    <dgm:pt modelId="{866448CB-FE4C-4D81-B701-7F9AE5559F49}" type="pres">
+      <dgm:prSet presAssocID="{DF5431D5-5B50-4036-B68F-94E731086263}" presName="LevelTwoTextNode" presStyleLbl="node2" presStyleIdx="2" presStyleCnt="12">
         <dgm:presLayoutVars>
-          <dgm:bulletEnabled val="1"/>
+          <dgm:chPref val="3"/>
         </dgm:presLayoutVars>
       </dgm:prSet>
       <dgm:spPr/>
-    </dgm:pt>
-    <dgm:pt modelId="{C6C9A3EC-A01B-4290-BF81-DB25C09B305B}" type="pres">
-      <dgm:prSet presAssocID="{CBDA7ED4-617E-480A-BAAD-A923412D95A8}" presName="Name13" presStyleLbl="parChTrans1D2" presStyleIdx="5" presStyleCnt="12"/>
-      <dgm:spPr/>
-    </dgm:pt>
-    <dgm:pt modelId="{5EF381F5-CBFF-4F55-9EAB-A7B642D0C05B}" type="pres">
-      <dgm:prSet presAssocID="{BCF13A68-62C7-41C7-A2A7-391D754BE02A}" presName="childText" presStyleLbl="bgAcc1" presStyleIdx="5" presStyleCnt="12">
+      <dgm:t>
+        <a:bodyPr/>
+        <a:lstStyle/>
+        <a:p>
+          <a:endParaRPr lang="en-US"/>
+        </a:p>
+      </dgm:t>
+    </dgm:pt>
+    <dgm:pt modelId="{8403B8A5-7F2E-4CA1-8DBA-FB9918608731}" type="pres">
+      <dgm:prSet presAssocID="{DF5431D5-5B50-4036-B68F-94E731086263}" presName="level3hierChild" presStyleCnt="0"/>
+      <dgm:spPr/>
+    </dgm:pt>
+    <dgm:pt modelId="{388DC2CE-8871-4319-A47F-97BD564CFD92}" type="pres">
+      <dgm:prSet presAssocID="{7ECF7AC9-4D95-4842-9857-8C64281AFEEF}" presName="conn2-1" presStyleLbl="parChTrans1D2" presStyleIdx="3" presStyleCnt="12"/>
+      <dgm:spPr/>
+      <dgm:t>
+        <a:bodyPr/>
+        <a:lstStyle/>
+        <a:p>
+          <a:endParaRPr lang="en-US"/>
+        </a:p>
+      </dgm:t>
+    </dgm:pt>
+    <dgm:pt modelId="{546A3024-B783-4521-AA43-29B4B1C56109}" type="pres">
+      <dgm:prSet presAssocID="{7ECF7AC9-4D95-4842-9857-8C64281AFEEF}" presName="connTx" presStyleLbl="parChTrans1D2" presStyleIdx="3" presStyleCnt="12"/>
+      <dgm:spPr/>
+      <dgm:t>
+        <a:bodyPr/>
+        <a:lstStyle/>
+        <a:p>
+          <a:endParaRPr lang="en-US"/>
+        </a:p>
+      </dgm:t>
+    </dgm:pt>
+    <dgm:pt modelId="{A90D0EDF-175F-4A65-8AE9-E41E93939705}" type="pres">
+      <dgm:prSet presAssocID="{08F12AB9-BD75-421B-96C2-E25D538D2E98}" presName="root2" presStyleCnt="0"/>
+      <dgm:spPr/>
+    </dgm:pt>
+    <dgm:pt modelId="{97398EBF-072E-4E1A-884B-55D03E76C1E8}" type="pres">
+      <dgm:prSet presAssocID="{08F12AB9-BD75-421B-96C2-E25D538D2E98}" presName="LevelTwoTextNode" presStyleLbl="node2" presStyleIdx="3" presStyleCnt="12">
         <dgm:presLayoutVars>
-          <dgm:bulletEnabled val="1"/>
+          <dgm:chPref val="3"/>
         </dgm:presLayoutVars>
       </dgm:prSet>
       <dgm:spPr/>
@@ -4006,26 +3989,85 @@
         </a:p>
       </dgm:t>
     </dgm:pt>
-    <dgm:pt modelId="{C434FA4B-EA6B-4033-9557-5F431CDC5FA8}" type="pres">
-      <dgm:prSet presAssocID="{667ECADC-F7D9-4CE6-B0EB-45407752C425}" presName="Name13" presStyleLbl="parChTrans1D2" presStyleIdx="6" presStyleCnt="12"/>
-      <dgm:spPr/>
-    </dgm:pt>
-    <dgm:pt modelId="{2D41FDC7-2770-484B-A464-7877CD5BF1CA}" type="pres">
-      <dgm:prSet presAssocID="{3BA2DC40-543B-4771-AB3A-5C897087EFE9}" presName="childText" presStyleLbl="bgAcc1" presStyleIdx="6" presStyleCnt="12">
+    <dgm:pt modelId="{ADE36BE6-F942-409D-B518-3E00F6816E83}" type="pres">
+      <dgm:prSet presAssocID="{08F12AB9-BD75-421B-96C2-E25D538D2E98}" presName="level3hierChild" presStyleCnt="0"/>
+      <dgm:spPr/>
+    </dgm:pt>
+    <dgm:pt modelId="{495DB376-67F6-4AF2-9C73-331F06516F40}" type="pres">
+      <dgm:prSet presAssocID="{CE9D5917-43A7-434F-A2C9-18DB0B91D131}" presName="conn2-1" presStyleLbl="parChTrans1D2" presStyleIdx="4" presStyleCnt="12"/>
+      <dgm:spPr/>
+      <dgm:t>
+        <a:bodyPr/>
+        <a:lstStyle/>
+        <a:p>
+          <a:endParaRPr lang="en-US"/>
+        </a:p>
+      </dgm:t>
+    </dgm:pt>
+    <dgm:pt modelId="{D3531BB4-B3D1-4DB2-B634-3A3D0D228341}" type="pres">
+      <dgm:prSet presAssocID="{CE9D5917-43A7-434F-A2C9-18DB0B91D131}" presName="connTx" presStyleLbl="parChTrans1D2" presStyleIdx="4" presStyleCnt="12"/>
+      <dgm:spPr/>
+      <dgm:t>
+        <a:bodyPr/>
+        <a:lstStyle/>
+        <a:p>
+          <a:endParaRPr lang="en-US"/>
+        </a:p>
+      </dgm:t>
+    </dgm:pt>
+    <dgm:pt modelId="{E32A77FD-1B46-4B0B-AF95-BCCFEEAED295}" type="pres">
+      <dgm:prSet presAssocID="{256A64E1-DA25-47F5-BD8A-27B019528749}" presName="root2" presStyleCnt="0"/>
+      <dgm:spPr/>
+    </dgm:pt>
+    <dgm:pt modelId="{6231E418-4ADC-4EB9-AA62-B8C86C78C33B}" type="pres">
+      <dgm:prSet presAssocID="{256A64E1-DA25-47F5-BD8A-27B019528749}" presName="LevelTwoTextNode" presStyleLbl="node2" presStyleIdx="4" presStyleCnt="12">
         <dgm:presLayoutVars>
-          <dgm:bulletEnabled val="1"/>
+          <dgm:chPref val="3"/>
         </dgm:presLayoutVars>
       </dgm:prSet>
       <dgm:spPr/>
-    </dgm:pt>
-    <dgm:pt modelId="{EFAA710B-A63B-408A-87C2-0ED004EF374C}" type="pres">
-      <dgm:prSet presAssocID="{DF102E1A-AFF2-4D50-95A3-ED9B754958E5}" presName="Name13" presStyleLbl="parChTrans1D2" presStyleIdx="7" presStyleCnt="12"/>
-      <dgm:spPr/>
-    </dgm:pt>
-    <dgm:pt modelId="{5062F23A-2500-493F-A93E-7E4034DE7E14}" type="pres">
-      <dgm:prSet presAssocID="{6A2F98ED-4593-4B6B-AD0B-4E6408EE07BC}" presName="childText" presStyleLbl="bgAcc1" presStyleIdx="7" presStyleCnt="12">
+      <dgm:t>
+        <a:bodyPr/>
+        <a:lstStyle/>
+        <a:p>
+          <a:endParaRPr lang="en-US"/>
+        </a:p>
+      </dgm:t>
+    </dgm:pt>
+    <dgm:pt modelId="{ED8F4C79-0D52-4481-A674-179873E53D0D}" type="pres">
+      <dgm:prSet presAssocID="{256A64E1-DA25-47F5-BD8A-27B019528749}" presName="level3hierChild" presStyleCnt="0"/>
+      <dgm:spPr/>
+    </dgm:pt>
+    <dgm:pt modelId="{18EDF9A4-5434-4090-9C99-B90838681B97}" type="pres">
+      <dgm:prSet presAssocID="{CBDA7ED4-617E-480A-BAAD-A923412D95A8}" presName="conn2-1" presStyleLbl="parChTrans1D2" presStyleIdx="5" presStyleCnt="12"/>
+      <dgm:spPr/>
+      <dgm:t>
+        <a:bodyPr/>
+        <a:lstStyle/>
+        <a:p>
+          <a:endParaRPr lang="en-US"/>
+        </a:p>
+      </dgm:t>
+    </dgm:pt>
+    <dgm:pt modelId="{FBAE9292-EFF2-46A5-B21E-7FC07C4DF5C2}" type="pres">
+      <dgm:prSet presAssocID="{CBDA7ED4-617E-480A-BAAD-A923412D95A8}" presName="connTx" presStyleLbl="parChTrans1D2" presStyleIdx="5" presStyleCnt="12"/>
+      <dgm:spPr/>
+      <dgm:t>
+        <a:bodyPr/>
+        <a:lstStyle/>
+        <a:p>
+          <a:endParaRPr lang="en-US"/>
+        </a:p>
+      </dgm:t>
+    </dgm:pt>
+    <dgm:pt modelId="{5C20086A-87A9-4C72-9B9B-5DC1F88DDB5B}" type="pres">
+      <dgm:prSet presAssocID="{BCF13A68-62C7-41C7-A2A7-391D754BE02A}" presName="root2" presStyleCnt="0"/>
+      <dgm:spPr/>
+    </dgm:pt>
+    <dgm:pt modelId="{A99ED2DA-3572-4E34-84F6-4FE6DA315D9E}" type="pres">
+      <dgm:prSet presAssocID="{BCF13A68-62C7-41C7-A2A7-391D754BE02A}" presName="LevelTwoTextNode" presStyleLbl="node2" presStyleIdx="5" presStyleCnt="12">
         <dgm:presLayoutVars>
-          <dgm:bulletEnabled val="1"/>
+          <dgm:chPref val="3"/>
         </dgm:presLayoutVars>
       </dgm:prSet>
       <dgm:spPr/>
@@ -4037,34 +4079,40 @@
         </a:p>
       </dgm:t>
     </dgm:pt>
-    <dgm:pt modelId="{5F02F9DA-720F-4617-8E95-D27E18DEBFC3}" type="pres">
-      <dgm:prSet presAssocID="{5D193F19-8C8F-4DF4-BA59-AE328DD1E262}" presName="root" presStyleCnt="0"/>
-      <dgm:spPr/>
-    </dgm:pt>
-    <dgm:pt modelId="{A87DC482-5C73-479A-BC15-1973F2284216}" type="pres">
-      <dgm:prSet presAssocID="{5D193F19-8C8F-4DF4-BA59-AE328DD1E262}" presName="rootComposite" presStyleCnt="0"/>
-      <dgm:spPr/>
-    </dgm:pt>
-    <dgm:pt modelId="{0490A791-9A29-4EA3-B650-457A89D37B55}" type="pres">
-      <dgm:prSet presAssocID="{5D193F19-8C8F-4DF4-BA59-AE328DD1E262}" presName="rootText" presStyleLbl="node1" presStyleIdx="2" presStyleCnt="4"/>
-      <dgm:spPr/>
-    </dgm:pt>
-    <dgm:pt modelId="{3EC7FE18-72C7-4381-8066-F060EDBCD239}" type="pres">
-      <dgm:prSet presAssocID="{5D193F19-8C8F-4DF4-BA59-AE328DD1E262}" presName="rootConnector" presStyleLbl="node1" presStyleIdx="2" presStyleCnt="4"/>
-      <dgm:spPr/>
-    </dgm:pt>
-    <dgm:pt modelId="{22AC2E90-96E3-4EB2-9F1E-AE1A1FF8E270}" type="pres">
-      <dgm:prSet presAssocID="{5D193F19-8C8F-4DF4-BA59-AE328DD1E262}" presName="childShape" presStyleCnt="0"/>
-      <dgm:spPr/>
-    </dgm:pt>
-    <dgm:pt modelId="{E9346C89-3447-4446-B1F8-4B54F259B597}" type="pres">
-      <dgm:prSet presAssocID="{09434902-DDD4-4B0C-8071-B077801BB1F8}" presName="Name13" presStyleLbl="parChTrans1D2" presStyleIdx="8" presStyleCnt="12"/>
-      <dgm:spPr/>
-    </dgm:pt>
-    <dgm:pt modelId="{0F6098A3-C18A-4A97-9D44-CFE10F694F17}" type="pres">
-      <dgm:prSet presAssocID="{EB2B4CAD-E215-4C06-8EAE-04B625DA27F5}" presName="childText" presStyleLbl="bgAcc1" presStyleIdx="8" presStyleCnt="12">
+    <dgm:pt modelId="{94ACF607-88B9-4491-8471-3DCCF71F8A35}" type="pres">
+      <dgm:prSet presAssocID="{BCF13A68-62C7-41C7-A2A7-391D754BE02A}" presName="level3hierChild" presStyleCnt="0"/>
+      <dgm:spPr/>
+    </dgm:pt>
+    <dgm:pt modelId="{71B94CEE-E9E8-4724-91C6-F206E5994966}" type="pres">
+      <dgm:prSet presAssocID="{667ECADC-F7D9-4CE6-B0EB-45407752C425}" presName="conn2-1" presStyleLbl="parChTrans1D2" presStyleIdx="6" presStyleCnt="12"/>
+      <dgm:spPr/>
+      <dgm:t>
+        <a:bodyPr/>
+        <a:lstStyle/>
+        <a:p>
+          <a:endParaRPr lang="en-US"/>
+        </a:p>
+      </dgm:t>
+    </dgm:pt>
+    <dgm:pt modelId="{6256E081-AD80-481B-86C0-7109AEF12053}" type="pres">
+      <dgm:prSet presAssocID="{667ECADC-F7D9-4CE6-B0EB-45407752C425}" presName="connTx" presStyleLbl="parChTrans1D2" presStyleIdx="6" presStyleCnt="12"/>
+      <dgm:spPr/>
+      <dgm:t>
+        <a:bodyPr/>
+        <a:lstStyle/>
+        <a:p>
+          <a:endParaRPr lang="en-US"/>
+        </a:p>
+      </dgm:t>
+    </dgm:pt>
+    <dgm:pt modelId="{66CE5F30-9966-4C7C-8C23-9A9137520649}" type="pres">
+      <dgm:prSet presAssocID="{3BA2DC40-543B-4771-AB3A-5C897087EFE9}" presName="root2" presStyleCnt="0"/>
+      <dgm:spPr/>
+    </dgm:pt>
+    <dgm:pt modelId="{368B5774-9178-4A4E-84AC-C3C292D25BC3}" type="pres">
+      <dgm:prSet presAssocID="{3BA2DC40-543B-4771-AB3A-5C897087EFE9}" presName="LevelTwoTextNode" presStyleLbl="node2" presStyleIdx="6" presStyleCnt="12">
         <dgm:presLayoutVars>
-          <dgm:bulletEnabled val="1"/>
+          <dgm:chPref val="3"/>
         </dgm:presLayoutVars>
       </dgm:prSet>
       <dgm:spPr/>
@@ -4076,14 +4124,40 @@
         </a:p>
       </dgm:t>
     </dgm:pt>
-    <dgm:pt modelId="{C4490684-4531-4B63-8E17-5F5C5D87072B}" type="pres">
-      <dgm:prSet presAssocID="{FDDA0796-95A9-48DB-912D-37EF48BD3740}" presName="Name13" presStyleLbl="parChTrans1D2" presStyleIdx="9" presStyleCnt="12"/>
-      <dgm:spPr/>
-    </dgm:pt>
-    <dgm:pt modelId="{BD30DA5F-5273-468D-B106-8B5AF67DF354}" type="pres">
-      <dgm:prSet presAssocID="{BDD50611-748B-42A1-9503-B5D85176BA96}" presName="childText" presStyleLbl="bgAcc1" presStyleIdx="9" presStyleCnt="12">
+    <dgm:pt modelId="{D99780FF-F534-4184-BD60-50FF9D5120C2}" type="pres">
+      <dgm:prSet presAssocID="{3BA2DC40-543B-4771-AB3A-5C897087EFE9}" presName="level3hierChild" presStyleCnt="0"/>
+      <dgm:spPr/>
+    </dgm:pt>
+    <dgm:pt modelId="{F1E5F97C-8DA0-4759-A333-1532B48C0200}" type="pres">
+      <dgm:prSet presAssocID="{DF102E1A-AFF2-4D50-95A3-ED9B754958E5}" presName="conn2-1" presStyleLbl="parChTrans1D2" presStyleIdx="7" presStyleCnt="12"/>
+      <dgm:spPr/>
+      <dgm:t>
+        <a:bodyPr/>
+        <a:lstStyle/>
+        <a:p>
+          <a:endParaRPr lang="en-US"/>
+        </a:p>
+      </dgm:t>
+    </dgm:pt>
+    <dgm:pt modelId="{FD873EE5-9190-419E-A4E6-0B3F51E70AD7}" type="pres">
+      <dgm:prSet presAssocID="{DF102E1A-AFF2-4D50-95A3-ED9B754958E5}" presName="connTx" presStyleLbl="parChTrans1D2" presStyleIdx="7" presStyleCnt="12"/>
+      <dgm:spPr/>
+      <dgm:t>
+        <a:bodyPr/>
+        <a:lstStyle/>
+        <a:p>
+          <a:endParaRPr lang="en-US"/>
+        </a:p>
+      </dgm:t>
+    </dgm:pt>
+    <dgm:pt modelId="{29A16E55-B10B-41E7-BDFD-B7332F691ABE}" type="pres">
+      <dgm:prSet presAssocID="{6A2F98ED-4593-4B6B-AD0B-4E6408EE07BC}" presName="root2" presStyleCnt="0"/>
+      <dgm:spPr/>
+    </dgm:pt>
+    <dgm:pt modelId="{1D00B62E-9D72-4565-9881-37E63B66FE62}" type="pres">
+      <dgm:prSet presAssocID="{6A2F98ED-4593-4B6B-AD0B-4E6408EE07BC}" presName="LevelTwoTextNode" presStyleLbl="node2" presStyleIdx="7" presStyleCnt="12">
         <dgm:presLayoutVars>
-          <dgm:bulletEnabled val="1"/>
+          <dgm:chPref val="3"/>
         </dgm:presLayoutVars>
       </dgm:prSet>
       <dgm:spPr/>
@@ -4095,34 +4169,18 @@
         </a:p>
       </dgm:t>
     </dgm:pt>
-    <dgm:pt modelId="{0674B88D-10FA-4751-8E68-B8A0A8AB0BBA}" type="pres">
-      <dgm:prSet presAssocID="{7C38E736-33F2-4B22-A352-4025BD9D1E4E}" presName="root" presStyleCnt="0"/>
-      <dgm:spPr/>
-    </dgm:pt>
-    <dgm:pt modelId="{9200455E-48AA-4C77-A553-574A4A894F9B}" type="pres">
-      <dgm:prSet presAssocID="{7C38E736-33F2-4B22-A352-4025BD9D1E4E}" presName="rootComposite" presStyleCnt="0"/>
-      <dgm:spPr/>
-    </dgm:pt>
-    <dgm:pt modelId="{3700C5A3-B3C4-4B4B-89ED-941300CB420C}" type="pres">
-      <dgm:prSet presAssocID="{7C38E736-33F2-4B22-A352-4025BD9D1E4E}" presName="rootText" presStyleLbl="node1" presStyleIdx="3" presStyleCnt="4"/>
-      <dgm:spPr/>
-    </dgm:pt>
-    <dgm:pt modelId="{B22B4D31-DC8C-4A98-BC1C-7206CAAAEE33}" type="pres">
-      <dgm:prSet presAssocID="{7C38E736-33F2-4B22-A352-4025BD9D1E4E}" presName="rootConnector" presStyleLbl="node1" presStyleIdx="3" presStyleCnt="4"/>
-      <dgm:spPr/>
-    </dgm:pt>
-    <dgm:pt modelId="{4BD305F3-F6F3-43C8-AA61-3007B2CA009B}" type="pres">
-      <dgm:prSet presAssocID="{7C38E736-33F2-4B22-A352-4025BD9D1E4E}" presName="childShape" presStyleCnt="0"/>
-      <dgm:spPr/>
-    </dgm:pt>
-    <dgm:pt modelId="{E05F5C7A-73B2-4539-AF2B-F725CDA49C84}" type="pres">
-      <dgm:prSet presAssocID="{925B959A-BD4B-48BB-9C70-F49F896B0B63}" presName="Name13" presStyleLbl="parChTrans1D2" presStyleIdx="10" presStyleCnt="12"/>
-      <dgm:spPr/>
-    </dgm:pt>
-    <dgm:pt modelId="{70F13BF8-4BC8-4C90-9589-8A8730203985}" type="pres">
-      <dgm:prSet presAssocID="{42D536E8-B890-4232-B023-370931542027}" presName="childText" presStyleLbl="bgAcc1" presStyleIdx="10" presStyleCnt="12">
+    <dgm:pt modelId="{3AC2067C-27D2-405F-8AE9-481A6F12858B}" type="pres">
+      <dgm:prSet presAssocID="{6A2F98ED-4593-4B6B-AD0B-4E6408EE07BC}" presName="level3hierChild" presStyleCnt="0"/>
+      <dgm:spPr/>
+    </dgm:pt>
+    <dgm:pt modelId="{3B75A582-B411-4DBB-91C5-B27C690F6143}" type="pres">
+      <dgm:prSet presAssocID="{5D193F19-8C8F-4DF4-BA59-AE328DD1E262}" presName="root1" presStyleCnt="0"/>
+      <dgm:spPr/>
+    </dgm:pt>
+    <dgm:pt modelId="{0088B143-2452-4824-AFA7-C531A56B97E7}" type="pres">
+      <dgm:prSet presAssocID="{5D193F19-8C8F-4DF4-BA59-AE328DD1E262}" presName="LevelOneTextNode" presStyleLbl="node0" presStyleIdx="2" presStyleCnt="4">
         <dgm:presLayoutVars>
-          <dgm:bulletEnabled val="1"/>
+          <dgm:chPref val="3"/>
         </dgm:presLayoutVars>
       </dgm:prSet>
       <dgm:spPr/>
@@ -4134,113 +4192,344 @@
         </a:p>
       </dgm:t>
     </dgm:pt>
-    <dgm:pt modelId="{6A69F5FF-6429-431C-8AAD-F4A0714F0F29}" type="pres">
-      <dgm:prSet presAssocID="{08F008E7-553D-48F5-AECB-A76FF4CDA06B}" presName="Name13" presStyleLbl="parChTrans1D2" presStyleIdx="11" presStyleCnt="12"/>
-      <dgm:spPr/>
-    </dgm:pt>
-    <dgm:pt modelId="{EFDA1720-D947-4EE4-9DAF-3359BAF75394}" type="pres">
-      <dgm:prSet presAssocID="{B104FFEA-BA49-40A6-8ADB-CFA9CE7E30C8}" presName="childText" presStyleLbl="bgAcc1" presStyleIdx="11" presStyleCnt="12">
+    <dgm:pt modelId="{C1456AB1-A106-4DDE-A0F0-6DBB4CD6EC06}" type="pres">
+      <dgm:prSet presAssocID="{5D193F19-8C8F-4DF4-BA59-AE328DD1E262}" presName="level2hierChild" presStyleCnt="0"/>
+      <dgm:spPr/>
+    </dgm:pt>
+    <dgm:pt modelId="{29D5522D-94FF-4D25-BFA1-303FCFB3CE4D}" type="pres">
+      <dgm:prSet presAssocID="{09434902-DDD4-4B0C-8071-B077801BB1F8}" presName="conn2-1" presStyleLbl="parChTrans1D2" presStyleIdx="8" presStyleCnt="12"/>
+      <dgm:spPr/>
+      <dgm:t>
+        <a:bodyPr/>
+        <a:lstStyle/>
+        <a:p>
+          <a:endParaRPr lang="en-US"/>
+        </a:p>
+      </dgm:t>
+    </dgm:pt>
+    <dgm:pt modelId="{15EBC7AF-2ED6-421D-AD12-4CF3C0A37A66}" type="pres">
+      <dgm:prSet presAssocID="{09434902-DDD4-4B0C-8071-B077801BB1F8}" presName="connTx" presStyleLbl="parChTrans1D2" presStyleIdx="8" presStyleCnt="12"/>
+      <dgm:spPr/>
+      <dgm:t>
+        <a:bodyPr/>
+        <a:lstStyle/>
+        <a:p>
+          <a:endParaRPr lang="en-US"/>
+        </a:p>
+      </dgm:t>
+    </dgm:pt>
+    <dgm:pt modelId="{4D26B159-8C39-4D35-9FA9-E9F29A82F2E3}" type="pres">
+      <dgm:prSet presAssocID="{EB2B4CAD-E215-4C06-8EAE-04B625DA27F5}" presName="root2" presStyleCnt="0"/>
+      <dgm:spPr/>
+    </dgm:pt>
+    <dgm:pt modelId="{D506C4C0-22B4-4577-A0B9-5225EEA2E750}" type="pres">
+      <dgm:prSet presAssocID="{EB2B4CAD-E215-4C06-8EAE-04B625DA27F5}" presName="LevelTwoTextNode" presStyleLbl="node2" presStyleIdx="8" presStyleCnt="12">
         <dgm:presLayoutVars>
-          <dgm:bulletEnabled val="1"/>
+          <dgm:chPref val="3"/>
         </dgm:presLayoutVars>
       </dgm:prSet>
       <dgm:spPr/>
+      <dgm:t>
+        <a:bodyPr/>
+        <a:lstStyle/>
+        <a:p>
+          <a:endParaRPr lang="en-US"/>
+        </a:p>
+      </dgm:t>
+    </dgm:pt>
+    <dgm:pt modelId="{EE90D780-C7F7-490F-8BEF-4C543692D59A}" type="pres">
+      <dgm:prSet presAssocID="{EB2B4CAD-E215-4C06-8EAE-04B625DA27F5}" presName="level3hierChild" presStyleCnt="0"/>
+      <dgm:spPr/>
+    </dgm:pt>
+    <dgm:pt modelId="{22DC648A-2DB2-494C-A9C8-2B36D6547941}" type="pres">
+      <dgm:prSet presAssocID="{FDDA0796-95A9-48DB-912D-37EF48BD3740}" presName="conn2-1" presStyleLbl="parChTrans1D2" presStyleIdx="9" presStyleCnt="12"/>
+      <dgm:spPr/>
+      <dgm:t>
+        <a:bodyPr/>
+        <a:lstStyle/>
+        <a:p>
+          <a:endParaRPr lang="en-US"/>
+        </a:p>
+      </dgm:t>
+    </dgm:pt>
+    <dgm:pt modelId="{0B29ADCE-8245-469B-99AF-43FF9AAB3483}" type="pres">
+      <dgm:prSet presAssocID="{FDDA0796-95A9-48DB-912D-37EF48BD3740}" presName="connTx" presStyleLbl="parChTrans1D2" presStyleIdx="9" presStyleCnt="12"/>
+      <dgm:spPr/>
+      <dgm:t>
+        <a:bodyPr/>
+        <a:lstStyle/>
+        <a:p>
+          <a:endParaRPr lang="en-US"/>
+        </a:p>
+      </dgm:t>
+    </dgm:pt>
+    <dgm:pt modelId="{7822A267-8636-46B7-8B95-14D13CA92675}" type="pres">
+      <dgm:prSet presAssocID="{BDD50611-748B-42A1-9503-B5D85176BA96}" presName="root2" presStyleCnt="0"/>
+      <dgm:spPr/>
+    </dgm:pt>
+    <dgm:pt modelId="{8E58E3EB-6D07-474B-BCE4-F81BD81949F0}" type="pres">
+      <dgm:prSet presAssocID="{BDD50611-748B-42A1-9503-B5D85176BA96}" presName="LevelTwoTextNode" presStyleLbl="node2" presStyleIdx="9" presStyleCnt="12">
+        <dgm:presLayoutVars>
+          <dgm:chPref val="3"/>
+        </dgm:presLayoutVars>
+      </dgm:prSet>
+      <dgm:spPr/>
+      <dgm:t>
+        <a:bodyPr/>
+        <a:lstStyle/>
+        <a:p>
+          <a:endParaRPr lang="en-US"/>
+        </a:p>
+      </dgm:t>
+    </dgm:pt>
+    <dgm:pt modelId="{54FEB965-DA4C-4745-9597-4890D83C73D3}" type="pres">
+      <dgm:prSet presAssocID="{BDD50611-748B-42A1-9503-B5D85176BA96}" presName="level3hierChild" presStyleCnt="0"/>
+      <dgm:spPr/>
+    </dgm:pt>
+    <dgm:pt modelId="{E7A60055-81B9-4ED9-8496-667EA1DC35AA}" type="pres">
+      <dgm:prSet presAssocID="{7C38E736-33F2-4B22-A352-4025BD9D1E4E}" presName="root1" presStyleCnt="0"/>
+      <dgm:spPr/>
+    </dgm:pt>
+    <dgm:pt modelId="{1CAFF39C-526E-432E-B8ED-91BBED19BA9C}" type="pres">
+      <dgm:prSet presAssocID="{7C38E736-33F2-4B22-A352-4025BD9D1E4E}" presName="LevelOneTextNode" presStyleLbl="node0" presStyleIdx="3" presStyleCnt="4">
+        <dgm:presLayoutVars>
+          <dgm:chPref val="3"/>
+        </dgm:presLayoutVars>
+      </dgm:prSet>
+      <dgm:spPr/>
+      <dgm:t>
+        <a:bodyPr/>
+        <a:lstStyle/>
+        <a:p>
+          <a:endParaRPr lang="en-US"/>
+        </a:p>
+      </dgm:t>
+    </dgm:pt>
+    <dgm:pt modelId="{B040DFA0-89A4-4C38-9A1A-8793A1E0FE8E}" type="pres">
+      <dgm:prSet presAssocID="{7C38E736-33F2-4B22-A352-4025BD9D1E4E}" presName="level2hierChild" presStyleCnt="0"/>
+      <dgm:spPr/>
+    </dgm:pt>
+    <dgm:pt modelId="{F51BECAD-27B0-4B10-8266-B383B0783EA6}" type="pres">
+      <dgm:prSet presAssocID="{925B959A-BD4B-48BB-9C70-F49F896B0B63}" presName="conn2-1" presStyleLbl="parChTrans1D2" presStyleIdx="10" presStyleCnt="12"/>
+      <dgm:spPr/>
+      <dgm:t>
+        <a:bodyPr/>
+        <a:lstStyle/>
+        <a:p>
+          <a:endParaRPr lang="en-US"/>
+        </a:p>
+      </dgm:t>
+    </dgm:pt>
+    <dgm:pt modelId="{CB45FD06-67C8-421E-BAF1-4AD6CA110594}" type="pres">
+      <dgm:prSet presAssocID="{925B959A-BD4B-48BB-9C70-F49F896B0B63}" presName="connTx" presStyleLbl="parChTrans1D2" presStyleIdx="10" presStyleCnt="12"/>
+      <dgm:spPr/>
+      <dgm:t>
+        <a:bodyPr/>
+        <a:lstStyle/>
+        <a:p>
+          <a:endParaRPr lang="en-US"/>
+        </a:p>
+      </dgm:t>
+    </dgm:pt>
+    <dgm:pt modelId="{3AF80E99-E8D1-4F07-8B2F-DF123B8C0CC3}" type="pres">
+      <dgm:prSet presAssocID="{42D536E8-B890-4232-B023-370931542027}" presName="root2" presStyleCnt="0"/>
+      <dgm:spPr/>
+    </dgm:pt>
+    <dgm:pt modelId="{65BA2594-04C8-4BBD-8AAC-89F4F922BF4C}" type="pres">
+      <dgm:prSet presAssocID="{42D536E8-B890-4232-B023-370931542027}" presName="LevelTwoTextNode" presStyleLbl="node2" presStyleIdx="10" presStyleCnt="12">
+        <dgm:presLayoutVars>
+          <dgm:chPref val="3"/>
+        </dgm:presLayoutVars>
+      </dgm:prSet>
+      <dgm:spPr/>
+      <dgm:t>
+        <a:bodyPr/>
+        <a:lstStyle/>
+        <a:p>
+          <a:endParaRPr lang="en-US"/>
+        </a:p>
+      </dgm:t>
+    </dgm:pt>
+    <dgm:pt modelId="{815C032F-807C-4178-BF3B-7CD840C6C17A}" type="pres">
+      <dgm:prSet presAssocID="{42D536E8-B890-4232-B023-370931542027}" presName="level3hierChild" presStyleCnt="0"/>
+      <dgm:spPr/>
+    </dgm:pt>
+    <dgm:pt modelId="{0442B376-32AC-44DE-8229-287760BB4A55}" type="pres">
+      <dgm:prSet presAssocID="{08F008E7-553D-48F5-AECB-A76FF4CDA06B}" presName="conn2-1" presStyleLbl="parChTrans1D2" presStyleIdx="11" presStyleCnt="12"/>
+      <dgm:spPr/>
+      <dgm:t>
+        <a:bodyPr/>
+        <a:lstStyle/>
+        <a:p>
+          <a:endParaRPr lang="en-US"/>
+        </a:p>
+      </dgm:t>
+    </dgm:pt>
+    <dgm:pt modelId="{D0EBB43A-A54C-42B3-8941-85B78C9C1DBA}" type="pres">
+      <dgm:prSet presAssocID="{08F008E7-553D-48F5-AECB-A76FF4CDA06B}" presName="connTx" presStyleLbl="parChTrans1D2" presStyleIdx="11" presStyleCnt="12"/>
+      <dgm:spPr/>
+      <dgm:t>
+        <a:bodyPr/>
+        <a:lstStyle/>
+        <a:p>
+          <a:endParaRPr lang="en-US"/>
+        </a:p>
+      </dgm:t>
+    </dgm:pt>
+    <dgm:pt modelId="{5C46C85F-8992-40B6-8B8A-0010C24EDAC8}" type="pres">
+      <dgm:prSet presAssocID="{B104FFEA-BA49-40A6-8ADB-CFA9CE7E30C8}" presName="root2" presStyleCnt="0"/>
+      <dgm:spPr/>
+    </dgm:pt>
+    <dgm:pt modelId="{40B1CE9B-7DE7-470F-8D97-4154829EABED}" type="pres">
+      <dgm:prSet presAssocID="{B104FFEA-BA49-40A6-8ADB-CFA9CE7E30C8}" presName="LevelTwoTextNode" presStyleLbl="node2" presStyleIdx="11" presStyleCnt="12">
+        <dgm:presLayoutVars>
+          <dgm:chPref val="3"/>
+        </dgm:presLayoutVars>
+      </dgm:prSet>
+      <dgm:spPr/>
+      <dgm:t>
+        <a:bodyPr/>
+        <a:lstStyle/>
+        <a:p>
+          <a:endParaRPr lang="en-US"/>
+        </a:p>
+      </dgm:t>
+    </dgm:pt>
+    <dgm:pt modelId="{39B773FD-AEB2-40D0-B052-39EF34E3BAFA}" type="pres">
+      <dgm:prSet presAssocID="{B104FFEA-BA49-40A6-8ADB-CFA9CE7E30C8}" presName="level3hierChild" presStyleCnt="0"/>
+      <dgm:spPr/>
     </dgm:pt>
   </dgm:ptLst>
   <dgm:cxnLst>
-    <dgm:cxn modelId="{A7306FBB-FB5A-4944-81B7-16C5DF9463CB}" type="presOf" srcId="{B4E2A9E4-A4B9-4950-B557-41B069A274A3}" destId="{67258228-F45F-4147-86D1-53AB75BB73E8}" srcOrd="0" destOrd="0" presId="urn:microsoft.com/office/officeart/2005/8/layout/hierarchy3"/>
+    <dgm:cxn modelId="{DA9EFCE2-3D87-4350-A8EF-22EEC5589321}" type="presOf" srcId="{FDDA0796-95A9-48DB-912D-37EF48BD3740}" destId="{22DC648A-2DB2-494C-A9C8-2B36D6547941}" srcOrd="0" destOrd="0" presId="urn:microsoft.com/office/officeart/2008/layout/HorizontalMultiLevelHierarchy"/>
+    <dgm:cxn modelId="{A6AB4F8E-8C5F-4A84-BC13-5999ADA58C43}" type="presOf" srcId="{DF5431D5-5B50-4036-B68F-94E731086263}" destId="{866448CB-FE4C-4D81-B701-7F9AE5559F49}" srcOrd="0" destOrd="0" presId="urn:microsoft.com/office/officeart/2008/layout/HorizontalMultiLevelHierarchy"/>
+    <dgm:cxn modelId="{29069496-5053-4B77-9E1E-0356293FEEDB}" srcId="{7C38E736-33F2-4B22-A352-4025BD9D1E4E}" destId="{42D536E8-B890-4232-B023-370931542027}" srcOrd="0" destOrd="0" parTransId="{925B959A-BD4B-48BB-9C70-F49F896B0B63}" sibTransId="{504FD29E-83E8-414E-B294-701BC7B34D91}"/>
+    <dgm:cxn modelId="{5936E494-5FC4-4294-BCD1-B5CD1319225E}" type="presOf" srcId="{CE9D5917-43A7-434F-A2C9-18DB0B91D131}" destId="{495DB376-67F6-4AF2-9C73-331F06516F40}" srcOrd="0" destOrd="0" presId="urn:microsoft.com/office/officeart/2008/layout/HorizontalMultiLevelHierarchy"/>
+    <dgm:cxn modelId="{732F8A4C-4534-4EA8-96FC-04C07D3B02F9}" srcId="{720091B4-AB93-4765-832D-E9714E95D5EF}" destId="{DF5431D5-5B50-4036-B68F-94E731086263}" srcOrd="0" destOrd="0" parTransId="{938F0395-43E6-4955-BA87-B891083C57DD}" sibTransId="{6B3A5B4C-A5F0-4693-B51E-756381B7D18A}"/>
+    <dgm:cxn modelId="{4523D550-E8F8-485A-9F7E-B8BBF3F2D16C}" type="presOf" srcId="{667ECADC-F7D9-4CE6-B0EB-45407752C425}" destId="{71B94CEE-E9E8-4724-91C6-F206E5994966}" srcOrd="0" destOrd="0" presId="urn:microsoft.com/office/officeart/2008/layout/HorizontalMultiLevelHierarchy"/>
+    <dgm:cxn modelId="{1DF4F937-A8D6-461C-9C04-2305640BBAFE}" type="presOf" srcId="{667ECADC-F7D9-4CE6-B0EB-45407752C425}" destId="{6256E081-AD80-481B-86C0-7109AEF12053}" srcOrd="1" destOrd="0" presId="urn:microsoft.com/office/officeart/2008/layout/HorizontalMultiLevelHierarchy"/>
+    <dgm:cxn modelId="{8171BBAD-136F-4524-A194-97F48A292741}" srcId="{B4E2A9E4-A4B9-4950-B557-41B069A274A3}" destId="{720091B4-AB93-4765-832D-E9714E95D5EF}" srcOrd="1" destOrd="0" parTransId="{42B3FBA2-613D-46BF-A227-05337B723ACE}" sibTransId="{F41AEB96-CD12-4FE3-B67B-37913976EDC3}"/>
+    <dgm:cxn modelId="{B1774667-6D4B-422D-9CBC-865E41EC002D}" type="presOf" srcId="{925B959A-BD4B-48BB-9C70-F49F896B0B63}" destId="{CB45FD06-67C8-421E-BAF1-4AD6CA110594}" srcOrd="1" destOrd="0" presId="urn:microsoft.com/office/officeart/2008/layout/HorizontalMultiLevelHierarchy"/>
+    <dgm:cxn modelId="{4AA821A4-D2C8-4714-8537-FEE134CC5C2B}" srcId="{7C38E736-33F2-4B22-A352-4025BD9D1E4E}" destId="{B104FFEA-BA49-40A6-8ADB-CFA9CE7E30C8}" srcOrd="1" destOrd="0" parTransId="{08F008E7-553D-48F5-AECB-A76FF4CDA06B}" sibTransId="{5A130ABA-6ED3-46B3-A2E2-53E61F96160C}"/>
+    <dgm:cxn modelId="{921B9C2D-AEE2-44C1-A116-AC73FACBBE77}" type="presOf" srcId="{D0A5D98D-4BBB-478C-81F3-4764E21A9D92}" destId="{9B9AE94B-9898-4B99-B5DD-A58B700CD12D}" srcOrd="0" destOrd="0" presId="urn:microsoft.com/office/officeart/2008/layout/HorizontalMultiLevelHierarchy"/>
+    <dgm:cxn modelId="{0B11A29C-E619-47C7-BBE9-888997FC511E}" type="presOf" srcId="{5D193F19-8C8F-4DF4-BA59-AE328DD1E262}" destId="{0088B143-2452-4824-AFA7-C531A56B97E7}" srcOrd="0" destOrd="0" presId="urn:microsoft.com/office/officeart/2008/layout/HorizontalMultiLevelHierarchy"/>
+    <dgm:cxn modelId="{09601B65-CEA7-48BA-8AB2-CA2684588748}" srcId="{5D193F19-8C8F-4DF4-BA59-AE328DD1E262}" destId="{BDD50611-748B-42A1-9503-B5D85176BA96}" srcOrd="1" destOrd="0" parTransId="{FDDA0796-95A9-48DB-912D-37EF48BD3740}" sibTransId="{FC153AE3-D0A7-40E9-A019-F715E27FC50D}"/>
+    <dgm:cxn modelId="{4DE8B9D9-5660-4027-B45E-2A76ECD7543E}" type="presOf" srcId="{1D22F6E5-432A-4FB0-B1F5-2F8CF98615EA}" destId="{1B98014D-68C1-42C3-BFDE-907C43537D3B}" srcOrd="0" destOrd="0" presId="urn:microsoft.com/office/officeart/2008/layout/HorizontalMultiLevelHierarchy"/>
+    <dgm:cxn modelId="{A44E5D45-85F8-494A-9BFF-E2C730FC593A}" type="presOf" srcId="{BCF13A68-62C7-41C7-A2A7-391D754BE02A}" destId="{A99ED2DA-3572-4E34-84F6-4FE6DA315D9E}" srcOrd="0" destOrd="0" presId="urn:microsoft.com/office/officeart/2008/layout/HorizontalMultiLevelHierarchy"/>
+    <dgm:cxn modelId="{6C649DEF-1770-4960-B427-1D0ECC1DEB35}" type="presOf" srcId="{6A2F98ED-4593-4B6B-AD0B-4E6408EE07BC}" destId="{1D00B62E-9D72-4565-9881-37E63B66FE62}" srcOrd="0" destOrd="0" presId="urn:microsoft.com/office/officeart/2008/layout/HorizontalMultiLevelHierarchy"/>
+    <dgm:cxn modelId="{F80F056C-1716-4468-B557-B4F2B7C19CCB}" type="presOf" srcId="{3BA2DC40-543B-4771-AB3A-5C897087EFE9}" destId="{368B5774-9178-4A4E-84AC-C3C292D25BC3}" srcOrd="0" destOrd="0" presId="urn:microsoft.com/office/officeart/2008/layout/HorizontalMultiLevelHierarchy"/>
+    <dgm:cxn modelId="{82F65191-3179-4031-80BF-274F085F76D5}" type="presOf" srcId="{7ECF7AC9-4D95-4842-9857-8C64281AFEEF}" destId="{388DC2CE-8871-4319-A47F-97BD564CFD92}" srcOrd="0" destOrd="0" presId="urn:microsoft.com/office/officeart/2008/layout/HorizontalMultiLevelHierarchy"/>
+    <dgm:cxn modelId="{1D05A35E-6A08-46E3-9463-2F15EFD93B42}" srcId="{720091B4-AB93-4765-832D-E9714E95D5EF}" destId="{08F12AB9-BD75-421B-96C2-E25D538D2E98}" srcOrd="1" destOrd="0" parTransId="{7ECF7AC9-4D95-4842-9857-8C64281AFEEF}" sibTransId="{2FCA8B6A-F372-4102-9237-90071888EB9E}"/>
+    <dgm:cxn modelId="{200A4736-20AA-4057-8F48-0A1A8E6AAD97}" type="presOf" srcId="{09434902-DDD4-4B0C-8071-B077801BB1F8}" destId="{15EBC7AF-2ED6-421D-AD12-4CF3C0A37A66}" srcOrd="1" destOrd="0" presId="urn:microsoft.com/office/officeart/2008/layout/HorizontalMultiLevelHierarchy"/>
+    <dgm:cxn modelId="{A17E9C32-D0AB-4A9F-A1BD-65830E97AD33}" type="presOf" srcId="{08F12AB9-BD75-421B-96C2-E25D538D2E98}" destId="{97398EBF-072E-4E1A-884B-55D03E76C1E8}" srcOrd="0" destOrd="0" presId="urn:microsoft.com/office/officeart/2008/layout/HorizontalMultiLevelHierarchy"/>
+    <dgm:cxn modelId="{A5B3C1CD-3226-461C-AC96-9C4A5610DF90}" type="presOf" srcId="{DF102E1A-AFF2-4D50-95A3-ED9B754958E5}" destId="{F1E5F97C-8DA0-4759-A333-1532B48C0200}" srcOrd="0" destOrd="0" presId="urn:microsoft.com/office/officeart/2008/layout/HorizontalMultiLevelHierarchy"/>
+    <dgm:cxn modelId="{41C2990D-002C-4AE4-B26A-CE0938482432}" srcId="{720091B4-AB93-4765-832D-E9714E95D5EF}" destId="{6A2F98ED-4593-4B6B-AD0B-4E6408EE07BC}" srcOrd="5" destOrd="0" parTransId="{DF102E1A-AFF2-4D50-95A3-ED9B754958E5}" sibTransId="{DF7F3718-1B17-43FD-A1E2-F522889318CB}"/>
+    <dgm:cxn modelId="{FE72E417-154C-4009-A577-3EFAB729CF96}" type="presOf" srcId="{DF102E1A-AFF2-4D50-95A3-ED9B754958E5}" destId="{FD873EE5-9190-419E-A4E6-0B3F51E70AD7}" srcOrd="1" destOrd="0" presId="urn:microsoft.com/office/officeart/2008/layout/HorizontalMultiLevelHierarchy"/>
+    <dgm:cxn modelId="{B490E594-60E0-42E9-8A04-7ED16312F625}" type="presOf" srcId="{B4E75589-C1D2-414D-930D-B50A6A36CDC5}" destId="{1BABBFB1-3D56-4118-B723-7072E68B911F}" srcOrd="0" destOrd="0" presId="urn:microsoft.com/office/officeart/2008/layout/HorizontalMultiLevelHierarchy"/>
+    <dgm:cxn modelId="{721C385C-3AEC-4009-8703-DBD493AC99C0}" type="presOf" srcId="{FDDA0796-95A9-48DB-912D-37EF48BD3740}" destId="{0B29ADCE-8245-469B-99AF-43FF9AAB3483}" srcOrd="1" destOrd="0" presId="urn:microsoft.com/office/officeart/2008/layout/HorizontalMultiLevelHierarchy"/>
+    <dgm:cxn modelId="{135BEFFA-1750-4B91-BA54-065F02D542A3}" type="presOf" srcId="{2D532C4C-ED5E-4401-983F-AF43DC0B130E}" destId="{C24875C7-C52B-489A-B5B5-C116B85F9A75}" srcOrd="1" destOrd="0" presId="urn:microsoft.com/office/officeart/2008/layout/HorizontalMultiLevelHierarchy"/>
+    <dgm:cxn modelId="{C1B3C14E-6F9B-46DE-A127-8E302A75A636}" type="presOf" srcId="{720091B4-AB93-4765-832D-E9714E95D5EF}" destId="{7EAB72F2-9770-435E-B291-CFEF1C251030}" srcOrd="0" destOrd="0" presId="urn:microsoft.com/office/officeart/2008/layout/HorizontalMultiLevelHierarchy"/>
+    <dgm:cxn modelId="{2159C37F-97BE-4B93-B1E6-A9C93A647B14}" type="presOf" srcId="{08F008E7-553D-48F5-AECB-A76FF4CDA06B}" destId="{D0EBB43A-A54C-42B3-8941-85B78C9C1DBA}" srcOrd="1" destOrd="0" presId="urn:microsoft.com/office/officeart/2008/layout/HorizontalMultiLevelHierarchy"/>
+    <dgm:cxn modelId="{F49D98D4-B19D-4136-AC93-D7F90A540456}" type="presOf" srcId="{4932D87E-5200-4E80-B1D7-4F0AEBC43E74}" destId="{59E2F822-4C97-47F7-B767-44D7A2D3F5EC}" srcOrd="0" destOrd="0" presId="urn:microsoft.com/office/officeart/2008/layout/HorizontalMultiLevelHierarchy"/>
+    <dgm:cxn modelId="{05E956FE-CE87-4F47-AC02-D98CB3829694}" srcId="{720091B4-AB93-4765-832D-E9714E95D5EF}" destId="{3BA2DC40-543B-4771-AB3A-5C897087EFE9}" srcOrd="4" destOrd="0" parTransId="{667ECADC-F7D9-4CE6-B0EB-45407752C425}" sibTransId="{EFB69BD2-6614-4695-AEB2-9AFA4B811D77}"/>
+    <dgm:cxn modelId="{5FF8CF1C-38A3-45AF-ADE4-534D392E0F8F}" srcId="{B4E2A9E4-A4B9-4950-B557-41B069A274A3}" destId="{4932D87E-5200-4E80-B1D7-4F0AEBC43E74}" srcOrd="0" destOrd="0" parTransId="{AC29C495-EC58-49FD-84AD-F582F420F5F7}" sibTransId="{5F10227A-E0CC-48D0-97C7-4C7C9C94A564}"/>
+    <dgm:cxn modelId="{BCEFE439-9C32-4BC6-91C9-E9C0BDC604C6}" type="presOf" srcId="{925B959A-BD4B-48BB-9C70-F49F896B0B63}" destId="{F51BECAD-27B0-4B10-8266-B383B0783EA6}" srcOrd="0" destOrd="0" presId="urn:microsoft.com/office/officeart/2008/layout/HorizontalMultiLevelHierarchy"/>
+    <dgm:cxn modelId="{B061DCE6-C002-4705-A8F6-A3E471115313}" type="presOf" srcId="{CBDA7ED4-617E-480A-BAAD-A923412D95A8}" destId="{FBAE9292-EFF2-46A5-B21E-7FC07C4DF5C2}" srcOrd="1" destOrd="0" presId="urn:microsoft.com/office/officeart/2008/layout/HorizontalMultiLevelHierarchy"/>
+    <dgm:cxn modelId="{17C50B2F-FD3B-4E8C-AB7F-AEDC76DC7227}" type="presOf" srcId="{D0A5D98D-4BBB-478C-81F3-4764E21A9D92}" destId="{8A9AB921-C615-4048-88E8-9DD76E7E6555}" srcOrd="1" destOrd="0" presId="urn:microsoft.com/office/officeart/2008/layout/HorizontalMultiLevelHierarchy"/>
+    <dgm:cxn modelId="{C7F3F22E-5A6D-40DE-A1DF-6C30755459EC}" srcId="{5D193F19-8C8F-4DF4-BA59-AE328DD1E262}" destId="{EB2B4CAD-E215-4C06-8EAE-04B625DA27F5}" srcOrd="0" destOrd="0" parTransId="{09434902-DDD4-4B0C-8071-B077801BB1F8}" sibTransId="{068C3A17-1567-400C-8AC1-D965ADDBE802}"/>
+    <dgm:cxn modelId="{37BA7525-04A6-4A13-AF58-B7CBC569B38C}" srcId="{4932D87E-5200-4E80-B1D7-4F0AEBC43E74}" destId="{1D22F6E5-432A-4FB0-B1F5-2F8CF98615EA}" srcOrd="1" destOrd="0" parTransId="{2D532C4C-ED5E-4401-983F-AF43DC0B130E}" sibTransId="{6DECD468-5405-458F-A072-7044E7863616}"/>
+    <dgm:cxn modelId="{162AA85D-E9EE-4BA7-94A5-E293DFAD265B}" type="presOf" srcId="{7C38E736-33F2-4B22-A352-4025BD9D1E4E}" destId="{1CAFF39C-526E-432E-B8ED-91BBED19BA9C}" srcOrd="0" destOrd="0" presId="urn:microsoft.com/office/officeart/2008/layout/HorizontalMultiLevelHierarchy"/>
+    <dgm:cxn modelId="{EBAC3BE1-76AA-43C7-8AB7-184592F7AA93}" type="presOf" srcId="{09434902-DDD4-4B0C-8071-B077801BB1F8}" destId="{29D5522D-94FF-4D25-BFA1-303FCFB3CE4D}" srcOrd="0" destOrd="0" presId="urn:microsoft.com/office/officeart/2008/layout/HorizontalMultiLevelHierarchy"/>
+    <dgm:cxn modelId="{05E7B1E6-CEFC-44FC-93C1-7503D0A23766}" type="presOf" srcId="{EB2B4CAD-E215-4C06-8EAE-04B625DA27F5}" destId="{D506C4C0-22B4-4577-A0B9-5225EEA2E750}" srcOrd="0" destOrd="0" presId="urn:microsoft.com/office/officeart/2008/layout/HorizontalMultiLevelHierarchy"/>
+    <dgm:cxn modelId="{30932485-92A6-4D8B-BC1F-C8F34A5BF782}" type="presOf" srcId="{938F0395-43E6-4955-BA87-B891083C57DD}" destId="{22CA70FA-EAC7-43AA-957A-C71589377C0A}" srcOrd="0" destOrd="0" presId="urn:microsoft.com/office/officeart/2008/layout/HorizontalMultiLevelHierarchy"/>
+    <dgm:cxn modelId="{4EC344C1-1BBA-43E9-A90D-9C6AF715EBA6}" type="presOf" srcId="{B104FFEA-BA49-40A6-8ADB-CFA9CE7E30C8}" destId="{40B1CE9B-7DE7-470F-8D97-4154829EABED}" srcOrd="0" destOrd="0" presId="urn:microsoft.com/office/officeart/2008/layout/HorizontalMultiLevelHierarchy"/>
+    <dgm:cxn modelId="{01CCAC8C-415B-436D-B6FC-6530EDAFC08F}" srcId="{720091B4-AB93-4765-832D-E9714E95D5EF}" destId="{256A64E1-DA25-47F5-BD8A-27B019528749}" srcOrd="2" destOrd="0" parTransId="{CE9D5917-43A7-434F-A2C9-18DB0B91D131}" sibTransId="{6D19559D-E7AE-443F-AACE-DFB1076C7011}"/>
     <dgm:cxn modelId="{302C5B04-8EE3-4604-B329-3BB39456BB05}" srcId="{B4E2A9E4-A4B9-4950-B557-41B069A274A3}" destId="{5D193F19-8C8F-4DF4-BA59-AE328DD1E262}" srcOrd="2" destOrd="0" parTransId="{F52A8DFB-951E-4E78-A0DE-8434C6F9B58C}" sibTransId="{A9235F7C-C1DE-4652-9355-571E4D22FD3E}"/>
-    <dgm:cxn modelId="{15F98B23-0892-430A-86D9-FC252B84E10C}" type="presOf" srcId="{4932D87E-5200-4E80-B1D7-4F0AEBC43E74}" destId="{CF525E65-B896-4718-A0AF-1E5E02B97A97}" srcOrd="1" destOrd="0" presId="urn:microsoft.com/office/officeart/2005/8/layout/hierarchy3"/>
-    <dgm:cxn modelId="{732F8A4C-4534-4EA8-96FC-04C07D3B02F9}" srcId="{720091B4-AB93-4765-832D-E9714E95D5EF}" destId="{DF5431D5-5B50-4036-B68F-94E731086263}" srcOrd="0" destOrd="0" parTransId="{938F0395-43E6-4955-BA87-B891083C57DD}" sibTransId="{6B3A5B4C-A5F0-4693-B51E-756381B7D18A}"/>
-    <dgm:cxn modelId="{1D05A35E-6A08-46E3-9463-2F15EFD93B42}" srcId="{720091B4-AB93-4765-832D-E9714E95D5EF}" destId="{08F12AB9-BD75-421B-96C2-E25D538D2E98}" srcOrd="1" destOrd="0" parTransId="{7ECF7AC9-4D95-4842-9857-8C64281AFEEF}" sibTransId="{2FCA8B6A-F372-4102-9237-90071888EB9E}"/>
-    <dgm:cxn modelId="{F76CF0A9-9A87-4D06-9872-8273040CE2ED}" type="presOf" srcId="{5D193F19-8C8F-4DF4-BA59-AE328DD1E262}" destId="{3EC7FE18-72C7-4381-8066-F060EDBCD239}" srcOrd="1" destOrd="0" presId="urn:microsoft.com/office/officeart/2005/8/layout/hierarchy3"/>
-    <dgm:cxn modelId="{91557EC8-1411-4CB5-A6E0-72906A967A9E}" type="presOf" srcId="{938F0395-43E6-4955-BA87-B891083C57DD}" destId="{4729DAC9-9A9A-4212-B0DB-5126F6153E6E}" srcOrd="0" destOrd="0" presId="urn:microsoft.com/office/officeart/2005/8/layout/hierarchy3"/>
-    <dgm:cxn modelId="{BB06AB1D-57A5-4088-9A01-B0DC55721486}" type="presOf" srcId="{7C38E736-33F2-4B22-A352-4025BD9D1E4E}" destId="{B22B4D31-DC8C-4A98-BC1C-7206CAAAEE33}" srcOrd="1" destOrd="0" presId="urn:microsoft.com/office/officeart/2005/8/layout/hierarchy3"/>
-    <dgm:cxn modelId="{FC4F9AD7-C6F8-4762-A905-78AAE2D1BA21}" type="presOf" srcId="{667ECADC-F7D9-4CE6-B0EB-45407752C425}" destId="{C434FA4B-EA6B-4033-9557-5F431CDC5FA8}" srcOrd="0" destOrd="0" presId="urn:microsoft.com/office/officeart/2005/8/layout/hierarchy3"/>
-    <dgm:cxn modelId="{3DC4009C-B5DA-47AA-8CE9-96DF82DBDF29}" type="presOf" srcId="{42D536E8-B890-4232-B023-370931542027}" destId="{70F13BF8-4BC8-4C90-9589-8A8730203985}" srcOrd="0" destOrd="0" presId="urn:microsoft.com/office/officeart/2005/8/layout/hierarchy3"/>
-    <dgm:cxn modelId="{C7F3F22E-5A6D-40DE-A1DF-6C30755459EC}" srcId="{5D193F19-8C8F-4DF4-BA59-AE328DD1E262}" destId="{EB2B4CAD-E215-4C06-8EAE-04B625DA27F5}" srcOrd="0" destOrd="0" parTransId="{09434902-DDD4-4B0C-8071-B077801BB1F8}" sibTransId="{068C3A17-1567-400C-8AC1-D965ADDBE802}"/>
-    <dgm:cxn modelId="{317ADE97-D26B-4846-B6C2-855353BD5FDC}" type="presOf" srcId="{925B959A-BD4B-48BB-9C70-F49F896B0B63}" destId="{E05F5C7A-73B2-4539-AF2B-F725CDA49C84}" srcOrd="0" destOrd="0" presId="urn:microsoft.com/office/officeart/2005/8/layout/hierarchy3"/>
-    <dgm:cxn modelId="{7996CDFA-88D6-46E7-9260-905CC0B07DF7}" type="presOf" srcId="{7ECF7AC9-4D95-4842-9857-8C64281AFEEF}" destId="{57D0D94A-CD61-49A3-822B-7FE8AF4E0B58}" srcOrd="0" destOrd="0" presId="urn:microsoft.com/office/officeart/2005/8/layout/hierarchy3"/>
-    <dgm:cxn modelId="{4AA821A4-D2C8-4714-8537-FEE134CC5C2B}" srcId="{7C38E736-33F2-4B22-A352-4025BD9D1E4E}" destId="{B104FFEA-BA49-40A6-8ADB-CFA9CE7E30C8}" srcOrd="1" destOrd="0" parTransId="{08F008E7-553D-48F5-AECB-A76FF4CDA06B}" sibTransId="{5A130ABA-6ED3-46B3-A2E2-53E61F96160C}"/>
-    <dgm:cxn modelId="{01CCAC8C-415B-436D-B6FC-6530EDAFC08F}" srcId="{720091B4-AB93-4765-832D-E9714E95D5EF}" destId="{256A64E1-DA25-47F5-BD8A-27B019528749}" srcOrd="2" destOrd="0" parTransId="{CE9D5917-43A7-434F-A2C9-18DB0B91D131}" sibTransId="{6D19559D-E7AE-443F-AACE-DFB1076C7011}"/>
-    <dgm:cxn modelId="{1467396E-EFB2-45A6-A66E-541A92EB0A9D}" type="presOf" srcId="{BCF13A68-62C7-41C7-A2A7-391D754BE02A}" destId="{5EF381F5-CBFF-4F55-9EAB-A7B642D0C05B}" srcOrd="0" destOrd="0" presId="urn:microsoft.com/office/officeart/2005/8/layout/hierarchy3"/>
-    <dgm:cxn modelId="{37BA7525-04A6-4A13-AF58-B7CBC569B38C}" srcId="{4932D87E-5200-4E80-B1D7-4F0AEBC43E74}" destId="{1D22F6E5-432A-4FB0-B1F5-2F8CF98615EA}" srcOrd="1" destOrd="0" parTransId="{2D532C4C-ED5E-4401-983F-AF43DC0B130E}" sibTransId="{6DECD468-5405-458F-A072-7044E7863616}"/>
-    <dgm:cxn modelId="{255B5315-E91A-4789-B657-A0872F6DBAE5}" type="presOf" srcId="{EB2B4CAD-E215-4C06-8EAE-04B625DA27F5}" destId="{0F6098A3-C18A-4A97-9D44-CFE10F694F17}" srcOrd="0" destOrd="0" presId="urn:microsoft.com/office/officeart/2005/8/layout/hierarchy3"/>
-    <dgm:cxn modelId="{964C9DAB-144B-43F9-BDB2-90F5ADB0B517}" type="presOf" srcId="{09434902-DDD4-4B0C-8071-B077801BB1F8}" destId="{E9346C89-3447-4446-B1F8-4B54F259B597}" srcOrd="0" destOrd="0" presId="urn:microsoft.com/office/officeart/2005/8/layout/hierarchy3"/>
-    <dgm:cxn modelId="{41C2990D-002C-4AE4-B26A-CE0938482432}" srcId="{720091B4-AB93-4765-832D-E9714E95D5EF}" destId="{6A2F98ED-4593-4B6B-AD0B-4E6408EE07BC}" srcOrd="5" destOrd="0" parTransId="{DF102E1A-AFF2-4D50-95A3-ED9B754958E5}" sibTransId="{DF7F3718-1B17-43FD-A1E2-F522889318CB}"/>
-    <dgm:cxn modelId="{09601B65-CEA7-48BA-8AB2-CA2684588748}" srcId="{5D193F19-8C8F-4DF4-BA59-AE328DD1E262}" destId="{BDD50611-748B-42A1-9503-B5D85176BA96}" srcOrd="1" destOrd="0" parTransId="{FDDA0796-95A9-48DB-912D-37EF48BD3740}" sibTransId="{FC153AE3-D0A7-40E9-A019-F715E27FC50D}"/>
-    <dgm:cxn modelId="{A1B848C0-D886-4ED2-893C-CF9A1A855E7C}" type="presOf" srcId="{CE9D5917-43A7-434F-A2C9-18DB0B91D131}" destId="{7CB69CAF-7C7B-4770-B554-3911CF4F1593}" srcOrd="0" destOrd="0" presId="urn:microsoft.com/office/officeart/2005/8/layout/hierarchy3"/>
-    <dgm:cxn modelId="{C24E1145-4544-4728-B287-6449C86C8AF3}" type="presOf" srcId="{2D532C4C-ED5E-4401-983F-AF43DC0B130E}" destId="{8F7E9A1B-3110-4E10-B3F6-BA51C045F86C}" srcOrd="0" destOrd="0" presId="urn:microsoft.com/office/officeart/2005/8/layout/hierarchy3"/>
+    <dgm:cxn modelId="{6CC76689-17EC-4799-97D7-A3B07C5BC0A7}" type="presOf" srcId="{938F0395-43E6-4955-BA87-B891083C57DD}" destId="{65253A4E-254A-4B8A-B452-09E154C83363}" srcOrd="1" destOrd="0" presId="urn:microsoft.com/office/officeart/2008/layout/HorizontalMultiLevelHierarchy"/>
+    <dgm:cxn modelId="{E48D19D2-B33F-49E3-8C18-BA683D3E64B9}" type="presOf" srcId="{2D532C4C-ED5E-4401-983F-AF43DC0B130E}" destId="{6251C981-58A2-4AD3-B3DE-EFEB129C7183}" srcOrd="0" destOrd="0" presId="urn:microsoft.com/office/officeart/2008/layout/HorizontalMultiLevelHierarchy"/>
+    <dgm:cxn modelId="{234EB226-31AF-44C3-B905-D86337DDDCAD}" type="presOf" srcId="{42D536E8-B890-4232-B023-370931542027}" destId="{65BA2594-04C8-4BBD-8AAC-89F4F922BF4C}" srcOrd="0" destOrd="0" presId="urn:microsoft.com/office/officeart/2008/layout/HorizontalMultiLevelHierarchy"/>
+    <dgm:cxn modelId="{1BFAE015-4C8E-407B-A512-0FBF0DBCDDA5}" type="presOf" srcId="{BDD50611-748B-42A1-9503-B5D85176BA96}" destId="{8E58E3EB-6D07-474B-BCE4-F81BD81949F0}" srcOrd="0" destOrd="0" presId="urn:microsoft.com/office/officeart/2008/layout/HorizontalMultiLevelHierarchy"/>
+    <dgm:cxn modelId="{04F6C75B-2CC3-490D-A243-F62A55565E55}" type="presOf" srcId="{B4E2A9E4-A4B9-4950-B557-41B069A274A3}" destId="{36BD22A6-DEF7-48B0-852E-45DA2849C460}" srcOrd="0" destOrd="0" presId="urn:microsoft.com/office/officeart/2008/layout/HorizontalMultiLevelHierarchy"/>
+    <dgm:cxn modelId="{D4A11FC2-C5DF-42CB-8246-30A4F5FD1A90}" type="presOf" srcId="{7ECF7AC9-4D95-4842-9857-8C64281AFEEF}" destId="{546A3024-B783-4521-AA43-29B4B1C56109}" srcOrd="1" destOrd="0" presId="urn:microsoft.com/office/officeart/2008/layout/HorizontalMultiLevelHierarchy"/>
+    <dgm:cxn modelId="{054F77A9-810E-4155-AD11-5368AA79B4A4}" type="presOf" srcId="{08F008E7-553D-48F5-AECB-A76FF4CDA06B}" destId="{0442B376-32AC-44DE-8229-287760BB4A55}" srcOrd="0" destOrd="0" presId="urn:microsoft.com/office/officeart/2008/layout/HorizontalMultiLevelHierarchy"/>
+    <dgm:cxn modelId="{5E1B6133-30D0-4720-9745-EA4901927D7A}" type="presOf" srcId="{CBDA7ED4-617E-480A-BAAD-A923412D95A8}" destId="{18EDF9A4-5434-4090-9C99-B90838681B97}" srcOrd="0" destOrd="0" presId="urn:microsoft.com/office/officeart/2008/layout/HorizontalMultiLevelHierarchy"/>
+    <dgm:cxn modelId="{15BDB822-5E76-47F1-BB7C-19E50C50C111}" srcId="{B4E2A9E4-A4B9-4950-B557-41B069A274A3}" destId="{7C38E736-33F2-4B22-A352-4025BD9D1E4E}" srcOrd="3" destOrd="0" parTransId="{4784C42D-10F2-469C-9612-55022B836586}" sibTransId="{8C7F3E82-BBD3-4317-BE75-55CB9369050C}"/>
     <dgm:cxn modelId="{8B4757AB-7D12-46A4-AC2D-FF153EC11EDE}" srcId="{720091B4-AB93-4765-832D-E9714E95D5EF}" destId="{BCF13A68-62C7-41C7-A2A7-391D754BE02A}" srcOrd="3" destOrd="0" parTransId="{CBDA7ED4-617E-480A-BAAD-A923412D95A8}" sibTransId="{99FF19DD-5321-4644-B686-654A0074639C}"/>
-    <dgm:cxn modelId="{5012C984-D208-4592-BA2A-2770EAFEE3B2}" type="presOf" srcId="{7C38E736-33F2-4B22-A352-4025BD9D1E4E}" destId="{3700C5A3-B3C4-4B4B-89ED-941300CB420C}" srcOrd="0" destOrd="0" presId="urn:microsoft.com/office/officeart/2005/8/layout/hierarchy3"/>
-    <dgm:cxn modelId="{DE257D86-0BD2-40F3-8CDF-EE713107BC62}" type="presOf" srcId="{720091B4-AB93-4765-832D-E9714E95D5EF}" destId="{4612F378-7394-4B67-9861-98F3E18101BD}" srcOrd="1" destOrd="0" presId="urn:microsoft.com/office/officeart/2005/8/layout/hierarchy3"/>
-    <dgm:cxn modelId="{5A5D73A5-8AAB-420F-AA58-C8803C932E84}" type="presOf" srcId="{6A2F98ED-4593-4B6B-AD0B-4E6408EE07BC}" destId="{5062F23A-2500-493F-A93E-7E4034DE7E14}" srcOrd="0" destOrd="0" presId="urn:microsoft.com/office/officeart/2005/8/layout/hierarchy3"/>
-    <dgm:cxn modelId="{5FF8CF1C-38A3-45AF-ADE4-534D392E0F8F}" srcId="{B4E2A9E4-A4B9-4950-B557-41B069A274A3}" destId="{4932D87E-5200-4E80-B1D7-4F0AEBC43E74}" srcOrd="0" destOrd="0" parTransId="{AC29C495-EC58-49FD-84AD-F582F420F5F7}" sibTransId="{5F10227A-E0CC-48D0-97C7-4C7C9C94A564}"/>
-    <dgm:cxn modelId="{FE1C5CFD-9AEB-4E81-BC23-D8ED6A6BD608}" type="presOf" srcId="{B104FFEA-BA49-40A6-8ADB-CFA9CE7E30C8}" destId="{EFDA1720-D947-4EE4-9DAF-3359BAF75394}" srcOrd="0" destOrd="0" presId="urn:microsoft.com/office/officeart/2005/8/layout/hierarchy3"/>
-    <dgm:cxn modelId="{0A130004-79D3-4DF2-957C-52CC472681EF}" type="presOf" srcId="{CBDA7ED4-617E-480A-BAAD-A923412D95A8}" destId="{C6C9A3EC-A01B-4290-BF81-DB25C09B305B}" srcOrd="0" destOrd="0" presId="urn:microsoft.com/office/officeart/2005/8/layout/hierarchy3"/>
-    <dgm:cxn modelId="{AF077DA3-BFB8-47C6-933F-A4487021C0DD}" type="presOf" srcId="{08F12AB9-BD75-421B-96C2-E25D538D2E98}" destId="{44B068F8-D067-484D-B049-CCF51D5EC571}" srcOrd="0" destOrd="0" presId="urn:microsoft.com/office/officeart/2005/8/layout/hierarchy3"/>
+    <dgm:cxn modelId="{069C7059-10D4-46D4-82F4-CD16118F29B5}" type="presOf" srcId="{256A64E1-DA25-47F5-BD8A-27B019528749}" destId="{6231E418-4ADC-4EB9-AA62-B8C86C78C33B}" srcOrd="0" destOrd="0" presId="urn:microsoft.com/office/officeart/2008/layout/HorizontalMultiLevelHierarchy"/>
     <dgm:cxn modelId="{80515282-8206-41DC-B593-6A8A6F44F63D}" srcId="{4932D87E-5200-4E80-B1D7-4F0AEBC43E74}" destId="{B4E75589-C1D2-414D-930D-B50A6A36CDC5}" srcOrd="0" destOrd="0" parTransId="{D0A5D98D-4BBB-478C-81F3-4764E21A9D92}" sibTransId="{A56A01FD-5019-401B-93A6-E96CF34CD797}"/>
-    <dgm:cxn modelId="{2A2BF38E-14C6-4197-A6AA-D96F155A18D7}" type="presOf" srcId="{5D193F19-8C8F-4DF4-BA59-AE328DD1E262}" destId="{0490A791-9A29-4EA3-B650-457A89D37B55}" srcOrd="0" destOrd="0" presId="urn:microsoft.com/office/officeart/2005/8/layout/hierarchy3"/>
-    <dgm:cxn modelId="{29069496-5053-4B77-9E1E-0356293FEEDB}" srcId="{7C38E736-33F2-4B22-A352-4025BD9D1E4E}" destId="{42D536E8-B890-4232-B023-370931542027}" srcOrd="0" destOrd="0" parTransId="{925B959A-BD4B-48BB-9C70-F49F896B0B63}" sibTransId="{504FD29E-83E8-414E-B294-701BC7B34D91}"/>
-    <dgm:cxn modelId="{05E956FE-CE87-4F47-AC02-D98CB3829694}" srcId="{720091B4-AB93-4765-832D-E9714E95D5EF}" destId="{3BA2DC40-543B-4771-AB3A-5C897087EFE9}" srcOrd="4" destOrd="0" parTransId="{667ECADC-F7D9-4CE6-B0EB-45407752C425}" sibTransId="{EFB69BD2-6614-4695-AEB2-9AFA4B811D77}"/>
-    <dgm:cxn modelId="{8C38B4D1-C371-4B83-973D-3535F2BE28A6}" type="presOf" srcId="{3BA2DC40-543B-4771-AB3A-5C897087EFE9}" destId="{2D41FDC7-2770-484B-A464-7877CD5BF1CA}" srcOrd="0" destOrd="0" presId="urn:microsoft.com/office/officeart/2005/8/layout/hierarchy3"/>
-    <dgm:cxn modelId="{E96FC748-C15C-4353-8A74-E4385D106F88}" type="presOf" srcId="{FDDA0796-95A9-48DB-912D-37EF48BD3740}" destId="{C4490684-4531-4B63-8E17-5F5C5D87072B}" srcOrd="0" destOrd="0" presId="urn:microsoft.com/office/officeart/2005/8/layout/hierarchy3"/>
-    <dgm:cxn modelId="{C7EEA410-E097-4C7D-8612-31A274D82BD9}" type="presOf" srcId="{08F008E7-553D-48F5-AECB-A76FF4CDA06B}" destId="{6A69F5FF-6429-431C-8AAD-F4A0714F0F29}" srcOrd="0" destOrd="0" presId="urn:microsoft.com/office/officeart/2005/8/layout/hierarchy3"/>
-    <dgm:cxn modelId="{33A3705B-9F38-4BA4-B436-2A06DE1B7FAA}" type="presOf" srcId="{BDD50611-748B-42A1-9503-B5D85176BA96}" destId="{BD30DA5F-5273-468D-B106-8B5AF67DF354}" srcOrd="0" destOrd="0" presId="urn:microsoft.com/office/officeart/2005/8/layout/hierarchy3"/>
-    <dgm:cxn modelId="{88A03830-5217-4921-B549-E1B9B16D4C8D}" type="presOf" srcId="{4932D87E-5200-4E80-B1D7-4F0AEBC43E74}" destId="{952857C4-333A-447D-8D2C-2FFA0B0EB15A}" srcOrd="0" destOrd="0" presId="urn:microsoft.com/office/officeart/2005/8/layout/hierarchy3"/>
-    <dgm:cxn modelId="{10DE365A-3A8E-4870-95CF-1EC18EDD9C59}" type="presOf" srcId="{DF102E1A-AFF2-4D50-95A3-ED9B754958E5}" destId="{EFAA710B-A63B-408A-87C2-0ED004EF374C}" srcOrd="0" destOrd="0" presId="urn:microsoft.com/office/officeart/2005/8/layout/hierarchy3"/>
-    <dgm:cxn modelId="{79AB636F-38FA-4B6B-8BD9-BF5CEDF11121}" type="presOf" srcId="{B4E75589-C1D2-414D-930D-B50A6A36CDC5}" destId="{E340CD30-2C22-4E96-A3A9-D6A6A055B3A3}" srcOrd="0" destOrd="0" presId="urn:microsoft.com/office/officeart/2005/8/layout/hierarchy3"/>
-    <dgm:cxn modelId="{73D14E51-B412-43BC-8534-77A1A6DB6FC7}" type="presOf" srcId="{1D22F6E5-432A-4FB0-B1F5-2F8CF98615EA}" destId="{5A913779-451D-4C00-B6DD-0D98B09440E1}" srcOrd="0" destOrd="0" presId="urn:microsoft.com/office/officeart/2005/8/layout/hierarchy3"/>
-    <dgm:cxn modelId="{1BD8B221-4234-47C9-8572-F1F182F87CB1}" type="presOf" srcId="{D0A5D98D-4BBB-478C-81F3-4764E21A9D92}" destId="{35E53A68-F3EE-45BF-87B9-5748E7D0FB4E}" srcOrd="0" destOrd="0" presId="urn:microsoft.com/office/officeart/2005/8/layout/hierarchy3"/>
-    <dgm:cxn modelId="{93C4C0AD-E9CD-437D-A8CF-0530656B1502}" type="presOf" srcId="{720091B4-AB93-4765-832D-E9714E95D5EF}" destId="{80141507-F54C-45F8-AFEC-3ECDCC92D3F3}" srcOrd="0" destOrd="0" presId="urn:microsoft.com/office/officeart/2005/8/layout/hierarchy3"/>
-    <dgm:cxn modelId="{8171BBAD-136F-4524-A194-97F48A292741}" srcId="{B4E2A9E4-A4B9-4950-B557-41B069A274A3}" destId="{720091B4-AB93-4765-832D-E9714E95D5EF}" srcOrd="1" destOrd="0" parTransId="{42B3FBA2-613D-46BF-A227-05337B723ACE}" sibTransId="{F41AEB96-CD12-4FE3-B67B-37913976EDC3}"/>
-    <dgm:cxn modelId="{D9CF5A60-5B9C-4D80-B532-2C8E95A4FB05}" type="presOf" srcId="{DF5431D5-5B50-4036-B68F-94E731086263}" destId="{94A89684-67C8-4BC6-94C6-8724D8886EC7}" srcOrd="0" destOrd="0" presId="urn:microsoft.com/office/officeart/2005/8/layout/hierarchy3"/>
-    <dgm:cxn modelId="{8448AADE-2410-4246-89AD-4899412EC45E}" type="presOf" srcId="{256A64E1-DA25-47F5-BD8A-27B019528749}" destId="{A564A31F-5C2E-4A33-947F-50C68CEAF4D3}" srcOrd="0" destOrd="0" presId="urn:microsoft.com/office/officeart/2005/8/layout/hierarchy3"/>
-    <dgm:cxn modelId="{15BDB822-5E76-47F1-BB7C-19E50C50C111}" srcId="{B4E2A9E4-A4B9-4950-B557-41B069A274A3}" destId="{7C38E736-33F2-4B22-A352-4025BD9D1E4E}" srcOrd="3" destOrd="0" parTransId="{4784C42D-10F2-469C-9612-55022B836586}" sibTransId="{8C7F3E82-BBD3-4317-BE75-55CB9369050C}"/>
-    <dgm:cxn modelId="{9B25C4EE-C503-420A-8F1D-C3D5B5A99525}" type="presParOf" srcId="{67258228-F45F-4147-86D1-53AB75BB73E8}" destId="{E10F9BF6-43C6-4B87-9A60-DA7D3FD5F40B}" srcOrd="0" destOrd="0" presId="urn:microsoft.com/office/officeart/2005/8/layout/hierarchy3"/>
-    <dgm:cxn modelId="{79C420F6-560B-48D1-922B-299E101CCE1E}" type="presParOf" srcId="{E10F9BF6-43C6-4B87-9A60-DA7D3FD5F40B}" destId="{FE621D5C-1E79-411F-A576-63813E66AFCA}" srcOrd="0" destOrd="0" presId="urn:microsoft.com/office/officeart/2005/8/layout/hierarchy3"/>
-    <dgm:cxn modelId="{F013A1E3-B1D3-4E56-ACD8-20C1CD322871}" type="presParOf" srcId="{FE621D5C-1E79-411F-A576-63813E66AFCA}" destId="{952857C4-333A-447D-8D2C-2FFA0B0EB15A}" srcOrd="0" destOrd="0" presId="urn:microsoft.com/office/officeart/2005/8/layout/hierarchy3"/>
-    <dgm:cxn modelId="{D2B51BAD-5AEF-4005-B52F-050E06AF5557}" type="presParOf" srcId="{FE621D5C-1E79-411F-A576-63813E66AFCA}" destId="{CF525E65-B896-4718-A0AF-1E5E02B97A97}" srcOrd="1" destOrd="0" presId="urn:microsoft.com/office/officeart/2005/8/layout/hierarchy3"/>
-    <dgm:cxn modelId="{6E102833-C727-411E-BB92-02485CC5CB60}" type="presParOf" srcId="{E10F9BF6-43C6-4B87-9A60-DA7D3FD5F40B}" destId="{9B0007EE-2773-4C47-A386-B711E702302D}" srcOrd="1" destOrd="0" presId="urn:microsoft.com/office/officeart/2005/8/layout/hierarchy3"/>
-    <dgm:cxn modelId="{B5365800-5306-4D28-882E-119ACBC35F7B}" type="presParOf" srcId="{9B0007EE-2773-4C47-A386-B711E702302D}" destId="{35E53A68-F3EE-45BF-87B9-5748E7D0FB4E}" srcOrd="0" destOrd="0" presId="urn:microsoft.com/office/officeart/2005/8/layout/hierarchy3"/>
-    <dgm:cxn modelId="{E4C0049D-5F34-4FD2-AEA4-5FFEC86BA220}" type="presParOf" srcId="{9B0007EE-2773-4C47-A386-B711E702302D}" destId="{E340CD30-2C22-4E96-A3A9-D6A6A055B3A3}" srcOrd="1" destOrd="0" presId="urn:microsoft.com/office/officeart/2005/8/layout/hierarchy3"/>
-    <dgm:cxn modelId="{E4108CE6-0C31-4F47-B4BB-E5241789D895}" type="presParOf" srcId="{9B0007EE-2773-4C47-A386-B711E702302D}" destId="{8F7E9A1B-3110-4E10-B3F6-BA51C045F86C}" srcOrd="2" destOrd="0" presId="urn:microsoft.com/office/officeart/2005/8/layout/hierarchy3"/>
-    <dgm:cxn modelId="{F5428B46-028E-47C4-8A94-9556144ED30A}" type="presParOf" srcId="{9B0007EE-2773-4C47-A386-B711E702302D}" destId="{5A913779-451D-4C00-B6DD-0D98B09440E1}" srcOrd="3" destOrd="0" presId="urn:microsoft.com/office/officeart/2005/8/layout/hierarchy3"/>
-    <dgm:cxn modelId="{D4728872-5D40-4406-AAA6-5BAD19C2466D}" type="presParOf" srcId="{67258228-F45F-4147-86D1-53AB75BB73E8}" destId="{D9BE119B-DC06-4BE8-BE35-913F638508C9}" srcOrd="1" destOrd="0" presId="urn:microsoft.com/office/officeart/2005/8/layout/hierarchy3"/>
-    <dgm:cxn modelId="{226EBA4D-96A2-412B-B7CC-9382CADEF88F}" type="presParOf" srcId="{D9BE119B-DC06-4BE8-BE35-913F638508C9}" destId="{1D5571C5-1E28-4E21-9708-7BF0EFE33278}" srcOrd="0" destOrd="0" presId="urn:microsoft.com/office/officeart/2005/8/layout/hierarchy3"/>
-    <dgm:cxn modelId="{22C38C59-9631-4211-BD89-10B72CE0AB59}" type="presParOf" srcId="{1D5571C5-1E28-4E21-9708-7BF0EFE33278}" destId="{80141507-F54C-45F8-AFEC-3ECDCC92D3F3}" srcOrd="0" destOrd="0" presId="urn:microsoft.com/office/officeart/2005/8/layout/hierarchy3"/>
-    <dgm:cxn modelId="{5FE6EED1-3DE8-4768-87C6-586F5015B391}" type="presParOf" srcId="{1D5571C5-1E28-4E21-9708-7BF0EFE33278}" destId="{4612F378-7394-4B67-9861-98F3E18101BD}" srcOrd="1" destOrd="0" presId="urn:microsoft.com/office/officeart/2005/8/layout/hierarchy3"/>
-    <dgm:cxn modelId="{5C637D8A-DB88-464A-9981-12821666002E}" type="presParOf" srcId="{D9BE119B-DC06-4BE8-BE35-913F638508C9}" destId="{4963A38B-5883-4F7D-84D0-401D1F0BF5BA}" srcOrd="1" destOrd="0" presId="urn:microsoft.com/office/officeart/2005/8/layout/hierarchy3"/>
-    <dgm:cxn modelId="{DA57266B-2C7E-48FB-BBCB-FDA838DD547C}" type="presParOf" srcId="{4963A38B-5883-4F7D-84D0-401D1F0BF5BA}" destId="{4729DAC9-9A9A-4212-B0DB-5126F6153E6E}" srcOrd="0" destOrd="0" presId="urn:microsoft.com/office/officeart/2005/8/layout/hierarchy3"/>
-    <dgm:cxn modelId="{2555F9CC-767E-4450-8D4A-E9C9E7A237C0}" type="presParOf" srcId="{4963A38B-5883-4F7D-84D0-401D1F0BF5BA}" destId="{94A89684-67C8-4BC6-94C6-8724D8886EC7}" srcOrd="1" destOrd="0" presId="urn:microsoft.com/office/officeart/2005/8/layout/hierarchy3"/>
-    <dgm:cxn modelId="{5ED53256-3A9A-4720-82A6-11D694BD23C8}" type="presParOf" srcId="{4963A38B-5883-4F7D-84D0-401D1F0BF5BA}" destId="{57D0D94A-CD61-49A3-822B-7FE8AF4E0B58}" srcOrd="2" destOrd="0" presId="urn:microsoft.com/office/officeart/2005/8/layout/hierarchy3"/>
-    <dgm:cxn modelId="{8E008CE8-4666-4400-B6E2-F28F3CCDB4B7}" type="presParOf" srcId="{4963A38B-5883-4F7D-84D0-401D1F0BF5BA}" destId="{44B068F8-D067-484D-B049-CCF51D5EC571}" srcOrd="3" destOrd="0" presId="urn:microsoft.com/office/officeart/2005/8/layout/hierarchy3"/>
-    <dgm:cxn modelId="{F89600AB-456A-45C6-B229-A0F464537874}" type="presParOf" srcId="{4963A38B-5883-4F7D-84D0-401D1F0BF5BA}" destId="{7CB69CAF-7C7B-4770-B554-3911CF4F1593}" srcOrd="4" destOrd="0" presId="urn:microsoft.com/office/officeart/2005/8/layout/hierarchy3"/>
-    <dgm:cxn modelId="{BB8A2A70-6613-4D01-B190-E5EFA994DEEF}" type="presParOf" srcId="{4963A38B-5883-4F7D-84D0-401D1F0BF5BA}" destId="{A564A31F-5C2E-4A33-947F-50C68CEAF4D3}" srcOrd="5" destOrd="0" presId="urn:microsoft.com/office/officeart/2005/8/layout/hierarchy3"/>
-    <dgm:cxn modelId="{2A13708F-715F-4862-AF4B-330D08DA6960}" type="presParOf" srcId="{4963A38B-5883-4F7D-84D0-401D1F0BF5BA}" destId="{C6C9A3EC-A01B-4290-BF81-DB25C09B305B}" srcOrd="6" destOrd="0" presId="urn:microsoft.com/office/officeart/2005/8/layout/hierarchy3"/>
-    <dgm:cxn modelId="{DA7B9B8B-7377-4238-8D8D-6E8CFACE4FC7}" type="presParOf" srcId="{4963A38B-5883-4F7D-84D0-401D1F0BF5BA}" destId="{5EF381F5-CBFF-4F55-9EAB-A7B642D0C05B}" srcOrd="7" destOrd="0" presId="urn:microsoft.com/office/officeart/2005/8/layout/hierarchy3"/>
-    <dgm:cxn modelId="{F6FFE153-9ED3-469F-9ED7-DC46DE98B000}" type="presParOf" srcId="{4963A38B-5883-4F7D-84D0-401D1F0BF5BA}" destId="{C434FA4B-EA6B-4033-9557-5F431CDC5FA8}" srcOrd="8" destOrd="0" presId="urn:microsoft.com/office/officeart/2005/8/layout/hierarchy3"/>
-    <dgm:cxn modelId="{EF2C71C5-D124-40B4-9FE9-75E8B2329741}" type="presParOf" srcId="{4963A38B-5883-4F7D-84D0-401D1F0BF5BA}" destId="{2D41FDC7-2770-484B-A464-7877CD5BF1CA}" srcOrd="9" destOrd="0" presId="urn:microsoft.com/office/officeart/2005/8/layout/hierarchy3"/>
-    <dgm:cxn modelId="{772A5876-3E46-49D5-AC23-B864DC51266B}" type="presParOf" srcId="{4963A38B-5883-4F7D-84D0-401D1F0BF5BA}" destId="{EFAA710B-A63B-408A-87C2-0ED004EF374C}" srcOrd="10" destOrd="0" presId="urn:microsoft.com/office/officeart/2005/8/layout/hierarchy3"/>
-    <dgm:cxn modelId="{A6C027A7-876A-421D-A2B6-E944BEDBEBA4}" type="presParOf" srcId="{4963A38B-5883-4F7D-84D0-401D1F0BF5BA}" destId="{5062F23A-2500-493F-A93E-7E4034DE7E14}" srcOrd="11" destOrd="0" presId="urn:microsoft.com/office/officeart/2005/8/layout/hierarchy3"/>
-    <dgm:cxn modelId="{29D830CD-48D0-4D2E-AC5A-4220AF65769D}" type="presParOf" srcId="{67258228-F45F-4147-86D1-53AB75BB73E8}" destId="{5F02F9DA-720F-4617-8E95-D27E18DEBFC3}" srcOrd="2" destOrd="0" presId="urn:microsoft.com/office/officeart/2005/8/layout/hierarchy3"/>
-    <dgm:cxn modelId="{88B99BA9-97A6-4054-B67F-C9D9E75F93AE}" type="presParOf" srcId="{5F02F9DA-720F-4617-8E95-D27E18DEBFC3}" destId="{A87DC482-5C73-479A-BC15-1973F2284216}" srcOrd="0" destOrd="0" presId="urn:microsoft.com/office/officeart/2005/8/layout/hierarchy3"/>
-    <dgm:cxn modelId="{206368DC-D55A-47C0-819A-6E8633048060}" type="presParOf" srcId="{A87DC482-5C73-479A-BC15-1973F2284216}" destId="{0490A791-9A29-4EA3-B650-457A89D37B55}" srcOrd="0" destOrd="0" presId="urn:microsoft.com/office/officeart/2005/8/layout/hierarchy3"/>
-    <dgm:cxn modelId="{3E15CAE2-AE47-493B-811D-1FC7064FF23D}" type="presParOf" srcId="{A87DC482-5C73-479A-BC15-1973F2284216}" destId="{3EC7FE18-72C7-4381-8066-F060EDBCD239}" srcOrd="1" destOrd="0" presId="urn:microsoft.com/office/officeart/2005/8/layout/hierarchy3"/>
-    <dgm:cxn modelId="{5003F8AA-AB86-4FE0-851D-ED12F2C40FFE}" type="presParOf" srcId="{5F02F9DA-720F-4617-8E95-D27E18DEBFC3}" destId="{22AC2E90-96E3-4EB2-9F1E-AE1A1FF8E270}" srcOrd="1" destOrd="0" presId="urn:microsoft.com/office/officeart/2005/8/layout/hierarchy3"/>
-    <dgm:cxn modelId="{04CC8ED3-FF70-40F7-BB7B-3189493FA833}" type="presParOf" srcId="{22AC2E90-96E3-4EB2-9F1E-AE1A1FF8E270}" destId="{E9346C89-3447-4446-B1F8-4B54F259B597}" srcOrd="0" destOrd="0" presId="urn:microsoft.com/office/officeart/2005/8/layout/hierarchy3"/>
-    <dgm:cxn modelId="{37B681D5-94E9-4073-B0E3-8D78920ADE5A}" type="presParOf" srcId="{22AC2E90-96E3-4EB2-9F1E-AE1A1FF8E270}" destId="{0F6098A3-C18A-4A97-9D44-CFE10F694F17}" srcOrd="1" destOrd="0" presId="urn:microsoft.com/office/officeart/2005/8/layout/hierarchy3"/>
-    <dgm:cxn modelId="{112057AD-740B-471C-9FAD-8CC747C0D71A}" type="presParOf" srcId="{22AC2E90-96E3-4EB2-9F1E-AE1A1FF8E270}" destId="{C4490684-4531-4B63-8E17-5F5C5D87072B}" srcOrd="2" destOrd="0" presId="urn:microsoft.com/office/officeart/2005/8/layout/hierarchy3"/>
-    <dgm:cxn modelId="{3C12D4E5-6468-47FA-AD45-9D95E1E290A3}" type="presParOf" srcId="{22AC2E90-96E3-4EB2-9F1E-AE1A1FF8E270}" destId="{BD30DA5F-5273-468D-B106-8B5AF67DF354}" srcOrd="3" destOrd="0" presId="urn:microsoft.com/office/officeart/2005/8/layout/hierarchy3"/>
-    <dgm:cxn modelId="{5F58A15D-53D1-46C7-9D7B-ABCEE49FA979}" type="presParOf" srcId="{67258228-F45F-4147-86D1-53AB75BB73E8}" destId="{0674B88D-10FA-4751-8E68-B8A0A8AB0BBA}" srcOrd="3" destOrd="0" presId="urn:microsoft.com/office/officeart/2005/8/layout/hierarchy3"/>
-    <dgm:cxn modelId="{C1A8FE9B-529A-463D-85EB-DB1D3A537A36}" type="presParOf" srcId="{0674B88D-10FA-4751-8E68-B8A0A8AB0BBA}" destId="{9200455E-48AA-4C77-A553-574A4A894F9B}" srcOrd="0" destOrd="0" presId="urn:microsoft.com/office/officeart/2005/8/layout/hierarchy3"/>
-    <dgm:cxn modelId="{0E1C99E2-33A5-418F-83AD-4B0C676AB87F}" type="presParOf" srcId="{9200455E-48AA-4C77-A553-574A4A894F9B}" destId="{3700C5A3-B3C4-4B4B-89ED-941300CB420C}" srcOrd="0" destOrd="0" presId="urn:microsoft.com/office/officeart/2005/8/layout/hierarchy3"/>
-    <dgm:cxn modelId="{9CA373AB-56AB-476A-B7D8-195452A5CE61}" type="presParOf" srcId="{9200455E-48AA-4C77-A553-574A4A894F9B}" destId="{B22B4D31-DC8C-4A98-BC1C-7206CAAAEE33}" srcOrd="1" destOrd="0" presId="urn:microsoft.com/office/officeart/2005/8/layout/hierarchy3"/>
-    <dgm:cxn modelId="{826F56C1-BDCC-4B30-ABFC-2C7648AC48A6}" type="presParOf" srcId="{0674B88D-10FA-4751-8E68-B8A0A8AB0BBA}" destId="{4BD305F3-F6F3-43C8-AA61-3007B2CA009B}" srcOrd="1" destOrd="0" presId="urn:microsoft.com/office/officeart/2005/8/layout/hierarchy3"/>
-    <dgm:cxn modelId="{889D4CFE-8B6E-4767-946F-7986824608C7}" type="presParOf" srcId="{4BD305F3-F6F3-43C8-AA61-3007B2CA009B}" destId="{E05F5C7A-73B2-4539-AF2B-F725CDA49C84}" srcOrd="0" destOrd="0" presId="urn:microsoft.com/office/officeart/2005/8/layout/hierarchy3"/>
-    <dgm:cxn modelId="{7DCC91B9-2AEE-4960-939D-5B91211EFF5E}" type="presParOf" srcId="{4BD305F3-F6F3-43C8-AA61-3007B2CA009B}" destId="{70F13BF8-4BC8-4C90-9589-8A8730203985}" srcOrd="1" destOrd="0" presId="urn:microsoft.com/office/officeart/2005/8/layout/hierarchy3"/>
-    <dgm:cxn modelId="{821D2380-5491-4607-BC7A-5E7FA6F4194E}" type="presParOf" srcId="{4BD305F3-F6F3-43C8-AA61-3007B2CA009B}" destId="{6A69F5FF-6429-431C-8AAD-F4A0714F0F29}" srcOrd="2" destOrd="0" presId="urn:microsoft.com/office/officeart/2005/8/layout/hierarchy3"/>
-    <dgm:cxn modelId="{6E2A9F2A-606B-4009-B1FD-94F446FA1641}" type="presParOf" srcId="{4BD305F3-F6F3-43C8-AA61-3007B2CA009B}" destId="{EFDA1720-D947-4EE4-9DAF-3359BAF75394}" srcOrd="3" destOrd="0" presId="urn:microsoft.com/office/officeart/2005/8/layout/hierarchy3"/>
+    <dgm:cxn modelId="{E5B49A04-C655-4437-AEFA-D29A77C45085}" type="presOf" srcId="{CE9D5917-43A7-434F-A2C9-18DB0B91D131}" destId="{D3531BB4-B3D1-4DB2-B634-3A3D0D228341}" srcOrd="1" destOrd="0" presId="urn:microsoft.com/office/officeart/2008/layout/HorizontalMultiLevelHierarchy"/>
+    <dgm:cxn modelId="{1462A3CB-CC9B-401A-861D-6511F86647FF}" type="presParOf" srcId="{36BD22A6-DEF7-48B0-852E-45DA2849C460}" destId="{55622683-CC33-4211-B455-D020075E7AF9}" srcOrd="0" destOrd="0" presId="urn:microsoft.com/office/officeart/2008/layout/HorizontalMultiLevelHierarchy"/>
+    <dgm:cxn modelId="{6FF5B1AC-CFD6-492E-9A7D-56E699C4F180}" type="presParOf" srcId="{55622683-CC33-4211-B455-D020075E7AF9}" destId="{59E2F822-4C97-47F7-B767-44D7A2D3F5EC}" srcOrd="0" destOrd="0" presId="urn:microsoft.com/office/officeart/2008/layout/HorizontalMultiLevelHierarchy"/>
+    <dgm:cxn modelId="{1C638993-A63C-486F-A526-F9241CDF4B05}" type="presParOf" srcId="{55622683-CC33-4211-B455-D020075E7AF9}" destId="{F2C2F1A3-160C-4FA1-9883-F074177FD73F}" srcOrd="1" destOrd="0" presId="urn:microsoft.com/office/officeart/2008/layout/HorizontalMultiLevelHierarchy"/>
+    <dgm:cxn modelId="{504E3112-59E1-499A-AA48-F64318126F60}" type="presParOf" srcId="{F2C2F1A3-160C-4FA1-9883-F074177FD73F}" destId="{9B9AE94B-9898-4B99-B5DD-A58B700CD12D}" srcOrd="0" destOrd="0" presId="urn:microsoft.com/office/officeart/2008/layout/HorizontalMultiLevelHierarchy"/>
+    <dgm:cxn modelId="{154B11DF-07EA-42F9-B83C-19FC2AB776B0}" type="presParOf" srcId="{9B9AE94B-9898-4B99-B5DD-A58B700CD12D}" destId="{8A9AB921-C615-4048-88E8-9DD76E7E6555}" srcOrd="0" destOrd="0" presId="urn:microsoft.com/office/officeart/2008/layout/HorizontalMultiLevelHierarchy"/>
+    <dgm:cxn modelId="{42B03F45-648D-413A-9B30-75BF381AC5B4}" type="presParOf" srcId="{F2C2F1A3-160C-4FA1-9883-F074177FD73F}" destId="{B798BB18-E435-4383-8F78-FC2EA67FA482}" srcOrd="1" destOrd="0" presId="urn:microsoft.com/office/officeart/2008/layout/HorizontalMultiLevelHierarchy"/>
+    <dgm:cxn modelId="{6B0A442A-9191-40C2-9BAE-4AE934CA9CA4}" type="presParOf" srcId="{B798BB18-E435-4383-8F78-FC2EA67FA482}" destId="{1BABBFB1-3D56-4118-B723-7072E68B911F}" srcOrd="0" destOrd="0" presId="urn:microsoft.com/office/officeart/2008/layout/HorizontalMultiLevelHierarchy"/>
+    <dgm:cxn modelId="{39EDDA0A-9D01-466A-B8C5-260F53D9B7D7}" type="presParOf" srcId="{B798BB18-E435-4383-8F78-FC2EA67FA482}" destId="{B6B1A612-8349-4BAC-9711-DF3625AD964E}" srcOrd="1" destOrd="0" presId="urn:microsoft.com/office/officeart/2008/layout/HorizontalMultiLevelHierarchy"/>
+    <dgm:cxn modelId="{6F30E19B-BF9E-433F-AC54-CB7474DC7C7A}" type="presParOf" srcId="{F2C2F1A3-160C-4FA1-9883-F074177FD73F}" destId="{6251C981-58A2-4AD3-B3DE-EFEB129C7183}" srcOrd="2" destOrd="0" presId="urn:microsoft.com/office/officeart/2008/layout/HorizontalMultiLevelHierarchy"/>
+    <dgm:cxn modelId="{33668D09-B567-462C-9D8D-1D2841C356EC}" type="presParOf" srcId="{6251C981-58A2-4AD3-B3DE-EFEB129C7183}" destId="{C24875C7-C52B-489A-B5B5-C116B85F9A75}" srcOrd="0" destOrd="0" presId="urn:microsoft.com/office/officeart/2008/layout/HorizontalMultiLevelHierarchy"/>
+    <dgm:cxn modelId="{603B20CE-5EE4-4907-9F07-5BCD3D9A8F87}" type="presParOf" srcId="{F2C2F1A3-160C-4FA1-9883-F074177FD73F}" destId="{19BC5C20-6F02-4B5F-8B8A-40DDCE7C786C}" srcOrd="3" destOrd="0" presId="urn:microsoft.com/office/officeart/2008/layout/HorizontalMultiLevelHierarchy"/>
+    <dgm:cxn modelId="{DB3C84C2-ABC6-4E1F-B73E-1542994E950C}" type="presParOf" srcId="{19BC5C20-6F02-4B5F-8B8A-40DDCE7C786C}" destId="{1B98014D-68C1-42C3-BFDE-907C43537D3B}" srcOrd="0" destOrd="0" presId="urn:microsoft.com/office/officeart/2008/layout/HorizontalMultiLevelHierarchy"/>
+    <dgm:cxn modelId="{EE4BBE5B-4CBD-4B4B-95DF-E1637953F2F0}" type="presParOf" srcId="{19BC5C20-6F02-4B5F-8B8A-40DDCE7C786C}" destId="{30782DD9-D7B6-4816-86FC-D47A263F76A1}" srcOrd="1" destOrd="0" presId="urn:microsoft.com/office/officeart/2008/layout/HorizontalMultiLevelHierarchy"/>
+    <dgm:cxn modelId="{9EE5F7C7-AA7C-4D6B-9818-23D814AEDB23}" type="presParOf" srcId="{36BD22A6-DEF7-48B0-852E-45DA2849C460}" destId="{2CDB3274-D919-46DB-8F77-9EE72B27F04A}" srcOrd="1" destOrd="0" presId="urn:microsoft.com/office/officeart/2008/layout/HorizontalMultiLevelHierarchy"/>
+    <dgm:cxn modelId="{600DE612-6E3B-48B8-AACA-191669775E9F}" type="presParOf" srcId="{2CDB3274-D919-46DB-8F77-9EE72B27F04A}" destId="{7EAB72F2-9770-435E-B291-CFEF1C251030}" srcOrd="0" destOrd="0" presId="urn:microsoft.com/office/officeart/2008/layout/HorizontalMultiLevelHierarchy"/>
+    <dgm:cxn modelId="{766BC47D-326A-47F0-9176-0F0C623F348D}" type="presParOf" srcId="{2CDB3274-D919-46DB-8F77-9EE72B27F04A}" destId="{2FDFFFF7-47B9-44DF-9C03-63A781321FC2}" srcOrd="1" destOrd="0" presId="urn:microsoft.com/office/officeart/2008/layout/HorizontalMultiLevelHierarchy"/>
+    <dgm:cxn modelId="{A59AC2DD-6ADB-461C-8CAC-18D33B5D1A16}" type="presParOf" srcId="{2FDFFFF7-47B9-44DF-9C03-63A781321FC2}" destId="{22CA70FA-EAC7-43AA-957A-C71589377C0A}" srcOrd="0" destOrd="0" presId="urn:microsoft.com/office/officeart/2008/layout/HorizontalMultiLevelHierarchy"/>
+    <dgm:cxn modelId="{BB893CAA-2D9B-4A35-92CB-BB8C8EBADDE4}" type="presParOf" srcId="{22CA70FA-EAC7-43AA-957A-C71589377C0A}" destId="{65253A4E-254A-4B8A-B452-09E154C83363}" srcOrd="0" destOrd="0" presId="urn:microsoft.com/office/officeart/2008/layout/HorizontalMultiLevelHierarchy"/>
+    <dgm:cxn modelId="{31010B31-572B-45FF-836F-682E0C338657}" type="presParOf" srcId="{2FDFFFF7-47B9-44DF-9C03-63A781321FC2}" destId="{7FAB024C-699D-4F26-8D82-83E5E802E446}" srcOrd="1" destOrd="0" presId="urn:microsoft.com/office/officeart/2008/layout/HorizontalMultiLevelHierarchy"/>
+    <dgm:cxn modelId="{FECFEBF2-BB50-4255-B2CF-7EA2B9B5810A}" type="presParOf" srcId="{7FAB024C-699D-4F26-8D82-83E5E802E446}" destId="{866448CB-FE4C-4D81-B701-7F9AE5559F49}" srcOrd="0" destOrd="0" presId="urn:microsoft.com/office/officeart/2008/layout/HorizontalMultiLevelHierarchy"/>
+    <dgm:cxn modelId="{4C299AF0-73ED-44C9-ADF5-E0B75D6D1E45}" type="presParOf" srcId="{7FAB024C-699D-4F26-8D82-83E5E802E446}" destId="{8403B8A5-7F2E-4CA1-8DBA-FB9918608731}" srcOrd="1" destOrd="0" presId="urn:microsoft.com/office/officeart/2008/layout/HorizontalMultiLevelHierarchy"/>
+    <dgm:cxn modelId="{D81FBD06-AF95-47A7-A121-4C996C133544}" type="presParOf" srcId="{2FDFFFF7-47B9-44DF-9C03-63A781321FC2}" destId="{388DC2CE-8871-4319-A47F-97BD564CFD92}" srcOrd="2" destOrd="0" presId="urn:microsoft.com/office/officeart/2008/layout/HorizontalMultiLevelHierarchy"/>
+    <dgm:cxn modelId="{F79E6E78-80E7-44A5-9672-D48F3EB30F2E}" type="presParOf" srcId="{388DC2CE-8871-4319-A47F-97BD564CFD92}" destId="{546A3024-B783-4521-AA43-29B4B1C56109}" srcOrd="0" destOrd="0" presId="urn:microsoft.com/office/officeart/2008/layout/HorizontalMultiLevelHierarchy"/>
+    <dgm:cxn modelId="{88E16530-452E-4AC1-9644-775126C82F99}" type="presParOf" srcId="{2FDFFFF7-47B9-44DF-9C03-63A781321FC2}" destId="{A90D0EDF-175F-4A65-8AE9-E41E93939705}" srcOrd="3" destOrd="0" presId="urn:microsoft.com/office/officeart/2008/layout/HorizontalMultiLevelHierarchy"/>
+    <dgm:cxn modelId="{1C8F72D4-B669-4453-B8B0-D4FE57AE64A8}" type="presParOf" srcId="{A90D0EDF-175F-4A65-8AE9-E41E93939705}" destId="{97398EBF-072E-4E1A-884B-55D03E76C1E8}" srcOrd="0" destOrd="0" presId="urn:microsoft.com/office/officeart/2008/layout/HorizontalMultiLevelHierarchy"/>
+    <dgm:cxn modelId="{A0ACA03D-E9F3-4341-B62B-5F5541ADDBB3}" type="presParOf" srcId="{A90D0EDF-175F-4A65-8AE9-E41E93939705}" destId="{ADE36BE6-F942-409D-B518-3E00F6816E83}" srcOrd="1" destOrd="0" presId="urn:microsoft.com/office/officeart/2008/layout/HorizontalMultiLevelHierarchy"/>
+    <dgm:cxn modelId="{6FF98F95-DB95-4DD1-82A8-24E9E58F686A}" type="presParOf" srcId="{2FDFFFF7-47B9-44DF-9C03-63A781321FC2}" destId="{495DB376-67F6-4AF2-9C73-331F06516F40}" srcOrd="4" destOrd="0" presId="urn:microsoft.com/office/officeart/2008/layout/HorizontalMultiLevelHierarchy"/>
+    <dgm:cxn modelId="{49DD0B8B-A895-486B-95E0-DE0FBDDD60DE}" type="presParOf" srcId="{495DB376-67F6-4AF2-9C73-331F06516F40}" destId="{D3531BB4-B3D1-4DB2-B634-3A3D0D228341}" srcOrd="0" destOrd="0" presId="urn:microsoft.com/office/officeart/2008/layout/HorizontalMultiLevelHierarchy"/>
+    <dgm:cxn modelId="{2263F93D-C4D8-49F6-8AAF-72101BD2C770}" type="presParOf" srcId="{2FDFFFF7-47B9-44DF-9C03-63A781321FC2}" destId="{E32A77FD-1B46-4B0B-AF95-BCCFEEAED295}" srcOrd="5" destOrd="0" presId="urn:microsoft.com/office/officeart/2008/layout/HorizontalMultiLevelHierarchy"/>
+    <dgm:cxn modelId="{E863604E-AEAE-418A-8E34-23D7B8637FF5}" type="presParOf" srcId="{E32A77FD-1B46-4B0B-AF95-BCCFEEAED295}" destId="{6231E418-4ADC-4EB9-AA62-B8C86C78C33B}" srcOrd="0" destOrd="0" presId="urn:microsoft.com/office/officeart/2008/layout/HorizontalMultiLevelHierarchy"/>
+    <dgm:cxn modelId="{D8297D31-0237-49AF-8C45-4CADDCF1D099}" type="presParOf" srcId="{E32A77FD-1B46-4B0B-AF95-BCCFEEAED295}" destId="{ED8F4C79-0D52-4481-A674-179873E53D0D}" srcOrd="1" destOrd="0" presId="urn:microsoft.com/office/officeart/2008/layout/HorizontalMultiLevelHierarchy"/>
+    <dgm:cxn modelId="{966D8F30-31C3-434C-B8AD-7015EE02F550}" type="presParOf" srcId="{2FDFFFF7-47B9-44DF-9C03-63A781321FC2}" destId="{18EDF9A4-5434-4090-9C99-B90838681B97}" srcOrd="6" destOrd="0" presId="urn:microsoft.com/office/officeart/2008/layout/HorizontalMultiLevelHierarchy"/>
+    <dgm:cxn modelId="{29A61A34-B596-48C4-8A1B-0EE7F27EFB19}" type="presParOf" srcId="{18EDF9A4-5434-4090-9C99-B90838681B97}" destId="{FBAE9292-EFF2-46A5-B21E-7FC07C4DF5C2}" srcOrd="0" destOrd="0" presId="urn:microsoft.com/office/officeart/2008/layout/HorizontalMultiLevelHierarchy"/>
+    <dgm:cxn modelId="{D8E4196D-5207-4BAD-9B97-0CD21254BD10}" type="presParOf" srcId="{2FDFFFF7-47B9-44DF-9C03-63A781321FC2}" destId="{5C20086A-87A9-4C72-9B9B-5DC1F88DDB5B}" srcOrd="7" destOrd="0" presId="urn:microsoft.com/office/officeart/2008/layout/HorizontalMultiLevelHierarchy"/>
+    <dgm:cxn modelId="{14315146-6342-41E2-8ED4-616C661D3D1B}" type="presParOf" srcId="{5C20086A-87A9-4C72-9B9B-5DC1F88DDB5B}" destId="{A99ED2DA-3572-4E34-84F6-4FE6DA315D9E}" srcOrd="0" destOrd="0" presId="urn:microsoft.com/office/officeart/2008/layout/HorizontalMultiLevelHierarchy"/>
+    <dgm:cxn modelId="{FA4CDCD0-9086-4FF3-A932-0CC36A7399C2}" type="presParOf" srcId="{5C20086A-87A9-4C72-9B9B-5DC1F88DDB5B}" destId="{94ACF607-88B9-4491-8471-3DCCF71F8A35}" srcOrd="1" destOrd="0" presId="urn:microsoft.com/office/officeart/2008/layout/HorizontalMultiLevelHierarchy"/>
+    <dgm:cxn modelId="{06622703-B421-4E58-B2B3-E8A75041B7EC}" type="presParOf" srcId="{2FDFFFF7-47B9-44DF-9C03-63A781321FC2}" destId="{71B94CEE-E9E8-4724-91C6-F206E5994966}" srcOrd="8" destOrd="0" presId="urn:microsoft.com/office/officeart/2008/layout/HorizontalMultiLevelHierarchy"/>
+    <dgm:cxn modelId="{F4CD61CB-9E35-4DD3-BCAC-9EFCD8B49E1A}" type="presParOf" srcId="{71B94CEE-E9E8-4724-91C6-F206E5994966}" destId="{6256E081-AD80-481B-86C0-7109AEF12053}" srcOrd="0" destOrd="0" presId="urn:microsoft.com/office/officeart/2008/layout/HorizontalMultiLevelHierarchy"/>
+    <dgm:cxn modelId="{91A936A7-E56A-4D3D-836D-A5FF8B9B2FD7}" type="presParOf" srcId="{2FDFFFF7-47B9-44DF-9C03-63A781321FC2}" destId="{66CE5F30-9966-4C7C-8C23-9A9137520649}" srcOrd="9" destOrd="0" presId="urn:microsoft.com/office/officeart/2008/layout/HorizontalMultiLevelHierarchy"/>
+    <dgm:cxn modelId="{FD3F4169-BAF0-44C9-B626-5618492F8578}" type="presParOf" srcId="{66CE5F30-9966-4C7C-8C23-9A9137520649}" destId="{368B5774-9178-4A4E-84AC-C3C292D25BC3}" srcOrd="0" destOrd="0" presId="urn:microsoft.com/office/officeart/2008/layout/HorizontalMultiLevelHierarchy"/>
+    <dgm:cxn modelId="{F6B7D73D-41B2-40B1-AE76-9397B704252C}" type="presParOf" srcId="{66CE5F30-9966-4C7C-8C23-9A9137520649}" destId="{D99780FF-F534-4184-BD60-50FF9D5120C2}" srcOrd="1" destOrd="0" presId="urn:microsoft.com/office/officeart/2008/layout/HorizontalMultiLevelHierarchy"/>
+    <dgm:cxn modelId="{A7F05A08-952D-40D8-8CB5-A7A1C4B96735}" type="presParOf" srcId="{2FDFFFF7-47B9-44DF-9C03-63A781321FC2}" destId="{F1E5F97C-8DA0-4759-A333-1532B48C0200}" srcOrd="10" destOrd="0" presId="urn:microsoft.com/office/officeart/2008/layout/HorizontalMultiLevelHierarchy"/>
+    <dgm:cxn modelId="{C0766DB4-B402-49AC-BC87-B02859AE3173}" type="presParOf" srcId="{F1E5F97C-8DA0-4759-A333-1532B48C0200}" destId="{FD873EE5-9190-419E-A4E6-0B3F51E70AD7}" srcOrd="0" destOrd="0" presId="urn:microsoft.com/office/officeart/2008/layout/HorizontalMultiLevelHierarchy"/>
+    <dgm:cxn modelId="{E9CB9BA8-6705-46F8-9A8D-9F00DBC8A972}" type="presParOf" srcId="{2FDFFFF7-47B9-44DF-9C03-63A781321FC2}" destId="{29A16E55-B10B-41E7-BDFD-B7332F691ABE}" srcOrd="11" destOrd="0" presId="urn:microsoft.com/office/officeart/2008/layout/HorizontalMultiLevelHierarchy"/>
+    <dgm:cxn modelId="{5A17385E-431D-4B92-9582-39895A91ABBE}" type="presParOf" srcId="{29A16E55-B10B-41E7-BDFD-B7332F691ABE}" destId="{1D00B62E-9D72-4565-9881-37E63B66FE62}" srcOrd="0" destOrd="0" presId="urn:microsoft.com/office/officeart/2008/layout/HorizontalMultiLevelHierarchy"/>
+    <dgm:cxn modelId="{9BE1428D-34E0-48CD-BF99-FA22A063D1CF}" type="presParOf" srcId="{29A16E55-B10B-41E7-BDFD-B7332F691ABE}" destId="{3AC2067C-27D2-405F-8AE9-481A6F12858B}" srcOrd="1" destOrd="0" presId="urn:microsoft.com/office/officeart/2008/layout/HorizontalMultiLevelHierarchy"/>
+    <dgm:cxn modelId="{9AB0AC4F-2FD9-4925-8965-B423B65D68F9}" type="presParOf" srcId="{36BD22A6-DEF7-48B0-852E-45DA2849C460}" destId="{3B75A582-B411-4DBB-91C5-B27C690F6143}" srcOrd="2" destOrd="0" presId="urn:microsoft.com/office/officeart/2008/layout/HorizontalMultiLevelHierarchy"/>
+    <dgm:cxn modelId="{A68F3C17-E54A-40C4-B3B1-0EA6D21D6216}" type="presParOf" srcId="{3B75A582-B411-4DBB-91C5-B27C690F6143}" destId="{0088B143-2452-4824-AFA7-C531A56B97E7}" srcOrd="0" destOrd="0" presId="urn:microsoft.com/office/officeart/2008/layout/HorizontalMultiLevelHierarchy"/>
+    <dgm:cxn modelId="{B3634AEE-960D-42EA-BD2B-C48C4470ED21}" type="presParOf" srcId="{3B75A582-B411-4DBB-91C5-B27C690F6143}" destId="{C1456AB1-A106-4DDE-A0F0-6DBB4CD6EC06}" srcOrd="1" destOrd="0" presId="urn:microsoft.com/office/officeart/2008/layout/HorizontalMultiLevelHierarchy"/>
+    <dgm:cxn modelId="{03096A0D-BCD8-4135-8B62-5726C7BAE52C}" type="presParOf" srcId="{C1456AB1-A106-4DDE-A0F0-6DBB4CD6EC06}" destId="{29D5522D-94FF-4D25-BFA1-303FCFB3CE4D}" srcOrd="0" destOrd="0" presId="urn:microsoft.com/office/officeart/2008/layout/HorizontalMultiLevelHierarchy"/>
+    <dgm:cxn modelId="{63BE8748-5265-4856-9CCD-DD315A56AEB0}" type="presParOf" srcId="{29D5522D-94FF-4D25-BFA1-303FCFB3CE4D}" destId="{15EBC7AF-2ED6-421D-AD12-4CF3C0A37A66}" srcOrd="0" destOrd="0" presId="urn:microsoft.com/office/officeart/2008/layout/HorizontalMultiLevelHierarchy"/>
+    <dgm:cxn modelId="{ECA03BEE-DAE8-4092-ACCD-B0442C6B9DAF}" type="presParOf" srcId="{C1456AB1-A106-4DDE-A0F0-6DBB4CD6EC06}" destId="{4D26B159-8C39-4D35-9FA9-E9F29A82F2E3}" srcOrd="1" destOrd="0" presId="urn:microsoft.com/office/officeart/2008/layout/HorizontalMultiLevelHierarchy"/>
+    <dgm:cxn modelId="{6CB2DADC-6FFD-4500-8915-811FA8B34632}" type="presParOf" srcId="{4D26B159-8C39-4D35-9FA9-E9F29A82F2E3}" destId="{D506C4C0-22B4-4577-A0B9-5225EEA2E750}" srcOrd="0" destOrd="0" presId="urn:microsoft.com/office/officeart/2008/layout/HorizontalMultiLevelHierarchy"/>
+    <dgm:cxn modelId="{2F8E9150-01C6-41E0-BFE1-913AA2C0C043}" type="presParOf" srcId="{4D26B159-8C39-4D35-9FA9-E9F29A82F2E3}" destId="{EE90D780-C7F7-490F-8BEF-4C543692D59A}" srcOrd="1" destOrd="0" presId="urn:microsoft.com/office/officeart/2008/layout/HorizontalMultiLevelHierarchy"/>
+    <dgm:cxn modelId="{D11E7537-246F-4173-9086-60ED1129B4AD}" type="presParOf" srcId="{C1456AB1-A106-4DDE-A0F0-6DBB4CD6EC06}" destId="{22DC648A-2DB2-494C-A9C8-2B36D6547941}" srcOrd="2" destOrd="0" presId="urn:microsoft.com/office/officeart/2008/layout/HorizontalMultiLevelHierarchy"/>
+    <dgm:cxn modelId="{892311FF-C418-4848-A508-499DD29424F1}" type="presParOf" srcId="{22DC648A-2DB2-494C-A9C8-2B36D6547941}" destId="{0B29ADCE-8245-469B-99AF-43FF9AAB3483}" srcOrd="0" destOrd="0" presId="urn:microsoft.com/office/officeart/2008/layout/HorizontalMultiLevelHierarchy"/>
+    <dgm:cxn modelId="{AD3ABCF1-DCB9-4860-B091-88EDA9C2A80A}" type="presParOf" srcId="{C1456AB1-A106-4DDE-A0F0-6DBB4CD6EC06}" destId="{7822A267-8636-46B7-8B95-14D13CA92675}" srcOrd="3" destOrd="0" presId="urn:microsoft.com/office/officeart/2008/layout/HorizontalMultiLevelHierarchy"/>
+    <dgm:cxn modelId="{887226D8-623F-4F67-B5D5-885AF67BB57F}" type="presParOf" srcId="{7822A267-8636-46B7-8B95-14D13CA92675}" destId="{8E58E3EB-6D07-474B-BCE4-F81BD81949F0}" srcOrd="0" destOrd="0" presId="urn:microsoft.com/office/officeart/2008/layout/HorizontalMultiLevelHierarchy"/>
+    <dgm:cxn modelId="{6316B158-7BB1-4085-B04F-D18210EED7E8}" type="presParOf" srcId="{7822A267-8636-46B7-8B95-14D13CA92675}" destId="{54FEB965-DA4C-4745-9597-4890D83C73D3}" srcOrd="1" destOrd="0" presId="urn:microsoft.com/office/officeart/2008/layout/HorizontalMultiLevelHierarchy"/>
+    <dgm:cxn modelId="{6BB06504-51FB-4025-8416-D70CD27C8D57}" type="presParOf" srcId="{36BD22A6-DEF7-48B0-852E-45DA2849C460}" destId="{E7A60055-81B9-4ED9-8496-667EA1DC35AA}" srcOrd="3" destOrd="0" presId="urn:microsoft.com/office/officeart/2008/layout/HorizontalMultiLevelHierarchy"/>
+    <dgm:cxn modelId="{87EAE558-CCF5-4E1F-98A1-83F1A5587375}" type="presParOf" srcId="{E7A60055-81B9-4ED9-8496-667EA1DC35AA}" destId="{1CAFF39C-526E-432E-B8ED-91BBED19BA9C}" srcOrd="0" destOrd="0" presId="urn:microsoft.com/office/officeart/2008/layout/HorizontalMultiLevelHierarchy"/>
+    <dgm:cxn modelId="{5FBCA26E-D575-4FEC-85BF-63689F8A93DE}" type="presParOf" srcId="{E7A60055-81B9-4ED9-8496-667EA1DC35AA}" destId="{B040DFA0-89A4-4C38-9A1A-8793A1E0FE8E}" srcOrd="1" destOrd="0" presId="urn:microsoft.com/office/officeart/2008/layout/HorizontalMultiLevelHierarchy"/>
+    <dgm:cxn modelId="{002BCEE4-C327-4E36-AA7C-26C66FB8BF57}" type="presParOf" srcId="{B040DFA0-89A4-4C38-9A1A-8793A1E0FE8E}" destId="{F51BECAD-27B0-4B10-8266-B383B0783EA6}" srcOrd="0" destOrd="0" presId="urn:microsoft.com/office/officeart/2008/layout/HorizontalMultiLevelHierarchy"/>
+    <dgm:cxn modelId="{ACCF14C2-BBEA-44D4-9647-25C51CF0D377}" type="presParOf" srcId="{F51BECAD-27B0-4B10-8266-B383B0783EA6}" destId="{CB45FD06-67C8-421E-BAF1-4AD6CA110594}" srcOrd="0" destOrd="0" presId="urn:microsoft.com/office/officeart/2008/layout/HorizontalMultiLevelHierarchy"/>
+    <dgm:cxn modelId="{2640ECE8-5FCF-475B-9C8B-1DEBD4C01D35}" type="presParOf" srcId="{B040DFA0-89A4-4C38-9A1A-8793A1E0FE8E}" destId="{3AF80E99-E8D1-4F07-8B2F-DF123B8C0CC3}" srcOrd="1" destOrd="0" presId="urn:microsoft.com/office/officeart/2008/layout/HorizontalMultiLevelHierarchy"/>
+    <dgm:cxn modelId="{928C0318-E7CE-4B10-82CD-EA39000A5420}" type="presParOf" srcId="{3AF80E99-E8D1-4F07-8B2F-DF123B8C0CC3}" destId="{65BA2594-04C8-4BBD-8AAC-89F4F922BF4C}" srcOrd="0" destOrd="0" presId="urn:microsoft.com/office/officeart/2008/layout/HorizontalMultiLevelHierarchy"/>
+    <dgm:cxn modelId="{78DC26B1-79B4-4AD7-85C7-7BE3985A1C9E}" type="presParOf" srcId="{3AF80E99-E8D1-4F07-8B2F-DF123B8C0CC3}" destId="{815C032F-807C-4178-BF3B-7CD840C6C17A}" srcOrd="1" destOrd="0" presId="urn:microsoft.com/office/officeart/2008/layout/HorizontalMultiLevelHierarchy"/>
+    <dgm:cxn modelId="{FDE5E3B8-A825-4930-95B7-E7FCA16C01A7}" type="presParOf" srcId="{B040DFA0-89A4-4C38-9A1A-8793A1E0FE8E}" destId="{0442B376-32AC-44DE-8229-287760BB4A55}" srcOrd="2" destOrd="0" presId="urn:microsoft.com/office/officeart/2008/layout/HorizontalMultiLevelHierarchy"/>
+    <dgm:cxn modelId="{45716931-157A-491A-B552-97080FF88487}" type="presParOf" srcId="{0442B376-32AC-44DE-8229-287760BB4A55}" destId="{D0EBB43A-A54C-42B3-8941-85B78C9C1DBA}" srcOrd="0" destOrd="0" presId="urn:microsoft.com/office/officeart/2008/layout/HorizontalMultiLevelHierarchy"/>
+    <dgm:cxn modelId="{BE92D135-02A3-440F-BC96-AEFAC6C99A61}" type="presParOf" srcId="{B040DFA0-89A4-4C38-9A1A-8793A1E0FE8E}" destId="{5C46C85F-8992-40B6-8B8A-0010C24EDAC8}" srcOrd="3" destOrd="0" presId="urn:microsoft.com/office/officeart/2008/layout/HorizontalMultiLevelHierarchy"/>
+    <dgm:cxn modelId="{B35A297B-5250-4DC0-B6DB-602503ACC363}" type="presParOf" srcId="{5C46C85F-8992-40B6-8B8A-0010C24EDAC8}" destId="{40B1CE9B-7DE7-470F-8D97-4154829EABED}" srcOrd="0" destOrd="0" presId="urn:microsoft.com/office/officeart/2008/layout/HorizontalMultiLevelHierarchy"/>
+    <dgm:cxn modelId="{EBED5C26-F758-4A78-ACBC-BBF7946BEA02}" type="presParOf" srcId="{5C46C85F-8992-40B6-8B8A-0010C24EDAC8}" destId="{39B773FD-AEB2-40D0-B052-39EF34E3BAFA}" srcOrd="1" destOrd="0" presId="urn:microsoft.com/office/officeart/2008/layout/HorizontalMultiLevelHierarchy"/>
   </dgm:cxnLst>
   <dgm:bg/>
   <dgm:whole/>
@@ -4425,6 +4714,13 @@
         </dgm:presLayoutVars>
       </dgm:prSet>
       <dgm:spPr/>
+      <dgm:t>
+        <a:bodyPr/>
+        <a:lstStyle/>
+        <a:p>
+          <a:endParaRPr lang="en-US"/>
+        </a:p>
+      </dgm:t>
     </dgm:pt>
     <dgm:pt modelId="{D331CE75-A5C9-41FC-8997-C71656C4BC67}" type="pres">
       <dgm:prSet presAssocID="{BB33379C-B00E-4362-A629-9403990953B6}" presName="root" presStyleCnt="0"/>
@@ -4437,10 +4733,24 @@
     <dgm:pt modelId="{E8E472B3-59A4-4E1D-9646-83BDE783A4E9}" type="pres">
       <dgm:prSet presAssocID="{BB33379C-B00E-4362-A629-9403990953B6}" presName="rootText" presStyleLbl="node1" presStyleIdx="0" presStyleCnt="2"/>
       <dgm:spPr/>
+      <dgm:t>
+        <a:bodyPr/>
+        <a:lstStyle/>
+        <a:p>
+          <a:endParaRPr lang="en-US"/>
+        </a:p>
+      </dgm:t>
     </dgm:pt>
     <dgm:pt modelId="{C3B579AF-E6A7-4A1A-90A6-122DEB3E4B88}" type="pres">
       <dgm:prSet presAssocID="{BB33379C-B00E-4362-A629-9403990953B6}" presName="rootConnector" presStyleLbl="node1" presStyleIdx="0" presStyleCnt="2"/>
       <dgm:spPr/>
+      <dgm:t>
+        <a:bodyPr/>
+        <a:lstStyle/>
+        <a:p>
+          <a:endParaRPr lang="en-US"/>
+        </a:p>
+      </dgm:t>
     </dgm:pt>
     <dgm:pt modelId="{265C4A28-C364-4E64-9546-853331AEA13F}" type="pres">
       <dgm:prSet presAssocID="{BB33379C-B00E-4362-A629-9403990953B6}" presName="childShape" presStyleCnt="0"/>
@@ -4449,6 +4759,13 @@
     <dgm:pt modelId="{08C55ED4-DBDF-4F69-B4A9-93FF8C422C5B}" type="pres">
       <dgm:prSet presAssocID="{C4377CD8-B9CD-42D1-9FB4-563CA14DF35E}" presName="Name13" presStyleLbl="parChTrans1D2" presStyleIdx="0" presStyleCnt="2"/>
       <dgm:spPr/>
+      <dgm:t>
+        <a:bodyPr/>
+        <a:lstStyle/>
+        <a:p>
+          <a:endParaRPr lang="en-US"/>
+        </a:p>
+      </dgm:t>
     </dgm:pt>
     <dgm:pt modelId="{84AC68F4-8D6C-475A-931D-FFE551D24112}" type="pres">
       <dgm:prSet presAssocID="{3BF619F9-5216-4160-9F04-611C69FD6C59}" presName="childText" presStyleLbl="bgAcc1" presStyleIdx="0" presStyleCnt="2">
@@ -4457,10 +4774,24 @@
         </dgm:presLayoutVars>
       </dgm:prSet>
       <dgm:spPr/>
+      <dgm:t>
+        <a:bodyPr/>
+        <a:lstStyle/>
+        <a:p>
+          <a:endParaRPr lang="en-US"/>
+        </a:p>
+      </dgm:t>
     </dgm:pt>
     <dgm:pt modelId="{ADE65E32-270A-4E32-81DC-E82F337BF9BC}" type="pres">
       <dgm:prSet presAssocID="{182ACF9C-6DB7-4363-A5CD-160547700BC2}" presName="Name13" presStyleLbl="parChTrans1D2" presStyleIdx="1" presStyleCnt="2"/>
       <dgm:spPr/>
+      <dgm:t>
+        <a:bodyPr/>
+        <a:lstStyle/>
+        <a:p>
+          <a:endParaRPr lang="en-US"/>
+        </a:p>
+      </dgm:t>
     </dgm:pt>
     <dgm:pt modelId="{4633CB6E-49EC-4334-AC87-27AD1F5CE44B}" type="pres">
       <dgm:prSet presAssocID="{6745B497-C655-4A5C-AD67-0EC2A18482A8}" presName="childText" presStyleLbl="bgAcc1" presStyleIdx="1" presStyleCnt="2">
@@ -4469,6 +4800,13 @@
         </dgm:presLayoutVars>
       </dgm:prSet>
       <dgm:spPr/>
+      <dgm:t>
+        <a:bodyPr/>
+        <a:lstStyle/>
+        <a:p>
+          <a:endParaRPr lang="en-US"/>
+        </a:p>
+      </dgm:t>
     </dgm:pt>
     <dgm:pt modelId="{FCD9865A-F841-48CF-B5B8-6EAE7CD8CF20}" type="pres">
       <dgm:prSet presAssocID="{00E09942-95BA-4DD5-A691-7E2E1000DD3D}" presName="root" presStyleCnt="0"/>
@@ -4481,10 +4819,24 @@
     <dgm:pt modelId="{047DA701-2170-4138-BF19-6947521D1705}" type="pres">
       <dgm:prSet presAssocID="{00E09942-95BA-4DD5-A691-7E2E1000DD3D}" presName="rootText" presStyleLbl="node1" presStyleIdx="1" presStyleCnt="2"/>
       <dgm:spPr/>
+      <dgm:t>
+        <a:bodyPr/>
+        <a:lstStyle/>
+        <a:p>
+          <a:endParaRPr lang="en-US"/>
+        </a:p>
+      </dgm:t>
     </dgm:pt>
     <dgm:pt modelId="{3BB53CFE-C708-498C-B9EB-06E6BB758C04}" type="pres">
       <dgm:prSet presAssocID="{00E09942-95BA-4DD5-A691-7E2E1000DD3D}" presName="rootConnector" presStyleLbl="node1" presStyleIdx="1" presStyleCnt="2"/>
       <dgm:spPr/>
+      <dgm:t>
+        <a:bodyPr/>
+        <a:lstStyle/>
+        <a:p>
+          <a:endParaRPr lang="en-US"/>
+        </a:p>
+      </dgm:t>
     </dgm:pt>
     <dgm:pt modelId="{88DF7088-48B0-4A47-896B-074D7A37D193}" type="pres">
       <dgm:prSet presAssocID="{00E09942-95BA-4DD5-A691-7E2E1000DD3D}" presName="childShape" presStyleCnt="0"/>
@@ -4493,18 +4845,18 @@
   </dgm:ptLst>
   <dgm:cxnLst>
     <dgm:cxn modelId="{C2A9E501-2613-4ACB-A01A-AD6941444E16}" type="presOf" srcId="{6745B497-C655-4A5C-AD67-0EC2A18482A8}" destId="{4633CB6E-49EC-4334-AC87-27AD1F5CE44B}" srcOrd="0" destOrd="0" presId="urn:microsoft.com/office/officeart/2005/8/layout/hierarchy3"/>
-    <dgm:cxn modelId="{89B664DC-DC26-455A-A8FA-CDF72A2D96DD}" srcId="{1F6375D8-C496-401C-B4D9-30FAF7E5EE2B}" destId="{BB33379C-B00E-4362-A629-9403990953B6}" srcOrd="0" destOrd="0" parTransId="{96E618D2-1603-4255-82C8-06E557F18F6F}" sibTransId="{9F16A731-8537-4E52-9B68-071364C51D39}"/>
-    <dgm:cxn modelId="{8ADBB883-D411-489B-9281-06D19D5D15E5}" type="presOf" srcId="{1F6375D8-C496-401C-B4D9-30FAF7E5EE2B}" destId="{98FCF8D4-EFE8-4FBE-9914-6B48E87068F6}" srcOrd="0" destOrd="0" presId="urn:microsoft.com/office/officeart/2005/8/layout/hierarchy3"/>
+    <dgm:cxn modelId="{EE1B0454-05F1-4D28-AAAD-C89F1CACF6B4}" type="presOf" srcId="{3BF619F9-5216-4160-9F04-611C69FD6C59}" destId="{84AC68F4-8D6C-475A-931D-FFE551D24112}" srcOrd="0" destOrd="0" presId="urn:microsoft.com/office/officeart/2005/8/layout/hierarchy3"/>
     <dgm:cxn modelId="{5C67508D-90F5-4EE9-9E66-4C66738A0BD6}" type="presOf" srcId="{182ACF9C-6DB7-4363-A5CD-160547700BC2}" destId="{ADE65E32-270A-4E32-81DC-E82F337BF9BC}" srcOrd="0" destOrd="0" presId="urn:microsoft.com/office/officeart/2005/8/layout/hierarchy3"/>
-    <dgm:cxn modelId="{21D265CB-0E8C-4507-9ACF-DE5C16561AC3}" type="presOf" srcId="{BB33379C-B00E-4362-A629-9403990953B6}" destId="{E8E472B3-59A4-4E1D-9646-83BDE783A4E9}" srcOrd="0" destOrd="0" presId="urn:microsoft.com/office/officeart/2005/8/layout/hierarchy3"/>
-    <dgm:cxn modelId="{09FEAEEA-CC88-4D7A-9045-5FC71BA0A0BC}" srcId="{1F6375D8-C496-401C-B4D9-30FAF7E5EE2B}" destId="{00E09942-95BA-4DD5-A691-7E2E1000DD3D}" srcOrd="1" destOrd="0" parTransId="{C835A23D-C548-4B70-A117-19D601D6E00E}" sibTransId="{AED630D8-B668-4CCF-94BE-BFCAC97CDC1A}"/>
-    <dgm:cxn modelId="{2EFEA134-5477-493C-BE9B-27BF4DC5FA27}" type="presOf" srcId="{C4377CD8-B9CD-42D1-9FB4-563CA14DF35E}" destId="{08C55ED4-DBDF-4F69-B4A9-93FF8C422C5B}" srcOrd="0" destOrd="0" presId="urn:microsoft.com/office/officeart/2005/8/layout/hierarchy3"/>
+    <dgm:cxn modelId="{006C48E5-84A5-4A0A-A841-2945A785772D}" type="presOf" srcId="{BB33379C-B00E-4362-A629-9403990953B6}" destId="{C3B579AF-E6A7-4A1A-90A6-122DEB3E4B88}" srcOrd="1" destOrd="0" presId="urn:microsoft.com/office/officeart/2005/8/layout/hierarchy3"/>
     <dgm:cxn modelId="{9E90A16D-9998-417F-8256-2B677DAF4288}" type="presOf" srcId="{00E09942-95BA-4DD5-A691-7E2E1000DD3D}" destId="{3BB53CFE-C708-498C-B9EB-06E6BB758C04}" srcOrd="1" destOrd="0" presId="urn:microsoft.com/office/officeart/2005/8/layout/hierarchy3"/>
-    <dgm:cxn modelId="{006C48E5-84A5-4A0A-A841-2945A785772D}" type="presOf" srcId="{BB33379C-B00E-4362-A629-9403990953B6}" destId="{C3B579AF-E6A7-4A1A-90A6-122DEB3E4B88}" srcOrd="1" destOrd="0" presId="urn:microsoft.com/office/officeart/2005/8/layout/hierarchy3"/>
-    <dgm:cxn modelId="{6C128CC9-322C-4B52-AC66-CC74FB87FADD}" srcId="{BB33379C-B00E-4362-A629-9403990953B6}" destId="{3BF619F9-5216-4160-9F04-611C69FD6C59}" srcOrd="0" destOrd="0" parTransId="{C4377CD8-B9CD-42D1-9FB4-563CA14DF35E}" sibTransId="{858C7585-138A-4C33-997F-C7B03E2126C6}"/>
-    <dgm:cxn modelId="{EE1B0454-05F1-4D28-AAAD-C89F1CACF6B4}" type="presOf" srcId="{3BF619F9-5216-4160-9F04-611C69FD6C59}" destId="{84AC68F4-8D6C-475A-931D-FFE551D24112}" srcOrd="0" destOrd="0" presId="urn:microsoft.com/office/officeart/2005/8/layout/hierarchy3"/>
     <dgm:cxn modelId="{0CF182A9-81EA-431F-84AC-5612BE8D3D9F}" type="presOf" srcId="{00E09942-95BA-4DD5-A691-7E2E1000DD3D}" destId="{047DA701-2170-4138-BF19-6947521D1705}" srcOrd="0" destOrd="0" presId="urn:microsoft.com/office/officeart/2005/8/layout/hierarchy3"/>
     <dgm:cxn modelId="{8746BF47-A274-44AB-A648-5875EA5DC2EC}" srcId="{BB33379C-B00E-4362-A629-9403990953B6}" destId="{6745B497-C655-4A5C-AD67-0EC2A18482A8}" srcOrd="1" destOrd="0" parTransId="{182ACF9C-6DB7-4363-A5CD-160547700BC2}" sibTransId="{92F45F42-6693-46B0-A56E-BEF008A80876}"/>
+    <dgm:cxn modelId="{8ADBB883-D411-489B-9281-06D19D5D15E5}" type="presOf" srcId="{1F6375D8-C496-401C-B4D9-30FAF7E5EE2B}" destId="{98FCF8D4-EFE8-4FBE-9914-6B48E87068F6}" srcOrd="0" destOrd="0" presId="urn:microsoft.com/office/officeart/2005/8/layout/hierarchy3"/>
+    <dgm:cxn modelId="{09FEAEEA-CC88-4D7A-9045-5FC71BA0A0BC}" srcId="{1F6375D8-C496-401C-B4D9-30FAF7E5EE2B}" destId="{00E09942-95BA-4DD5-A691-7E2E1000DD3D}" srcOrd="1" destOrd="0" parTransId="{C835A23D-C548-4B70-A117-19D601D6E00E}" sibTransId="{AED630D8-B668-4CCF-94BE-BFCAC97CDC1A}"/>
+    <dgm:cxn modelId="{21D265CB-0E8C-4507-9ACF-DE5C16561AC3}" type="presOf" srcId="{BB33379C-B00E-4362-A629-9403990953B6}" destId="{E8E472B3-59A4-4E1D-9646-83BDE783A4E9}" srcOrd="0" destOrd="0" presId="urn:microsoft.com/office/officeart/2005/8/layout/hierarchy3"/>
+    <dgm:cxn modelId="{6C128CC9-322C-4B52-AC66-CC74FB87FADD}" srcId="{BB33379C-B00E-4362-A629-9403990953B6}" destId="{3BF619F9-5216-4160-9F04-611C69FD6C59}" srcOrd="0" destOrd="0" parTransId="{C4377CD8-B9CD-42D1-9FB4-563CA14DF35E}" sibTransId="{858C7585-138A-4C33-997F-C7B03E2126C6}"/>
+    <dgm:cxn modelId="{2EFEA134-5477-493C-BE9B-27BF4DC5FA27}" type="presOf" srcId="{C4377CD8-B9CD-42D1-9FB4-563CA14DF35E}" destId="{08C55ED4-DBDF-4F69-B4A9-93FF8C422C5B}" srcOrd="0" destOrd="0" presId="urn:microsoft.com/office/officeart/2005/8/layout/hierarchy3"/>
+    <dgm:cxn modelId="{89B664DC-DC26-455A-A8FA-CDF72A2D96DD}" srcId="{1F6375D8-C496-401C-B4D9-30FAF7E5EE2B}" destId="{BB33379C-B00E-4362-A629-9403990953B6}" srcOrd="0" destOrd="0" parTransId="{96E618D2-1603-4255-82C8-06E557F18F6F}" sibTransId="{9F16A731-8537-4E52-9B68-071364C51D39}"/>
     <dgm:cxn modelId="{0C1016A2-ED4D-4533-B04A-05703C143BBB}" type="presParOf" srcId="{98FCF8D4-EFE8-4FBE-9914-6B48E87068F6}" destId="{D331CE75-A5C9-41FC-8997-C71656C4BC67}" srcOrd="0" destOrd="0" presId="urn:microsoft.com/office/officeart/2005/8/layout/hierarchy3"/>
     <dgm:cxn modelId="{9A2B5237-386E-4AA9-87C5-73D9B79D8A7C}" type="presParOf" srcId="{D331CE75-A5C9-41FC-8997-C71656C4BC67}" destId="{6EFB661A-5A2E-40D4-8B1E-04F3CB9EE739}" srcOrd="0" destOrd="0" presId="urn:microsoft.com/office/officeart/2005/8/layout/hierarchy3"/>
     <dgm:cxn modelId="{2519B61B-89C2-42D1-91C8-A7B21218CBD6}" type="presParOf" srcId="{6EFB661A-5A2E-40D4-8B1E-04F3CB9EE739}" destId="{E8E472B3-59A4-4E1D-9646-83BDE783A4E9}" srcOrd="0" destOrd="0" presId="urn:microsoft.com/office/officeart/2005/8/layout/hierarchy3"/>
@@ -4545,8 +4897,8 @@
       </dsp:nvSpPr>
       <dsp:spPr>
         <a:xfrm>
-          <a:off x="12573" y="2484770"/>
-          <a:ext cx="0" cy="5058282"/>
+          <a:off x="9364" y="1900553"/>
+          <a:ext cx="0" cy="6372769"/>
         </a:xfrm>
         <a:prstGeom prst="line">
           <a:avLst/>
@@ -4594,8 +4946,8 @@
       </dsp:nvSpPr>
       <dsp:spPr>
         <a:xfrm>
-          <a:off x="153081" y="2653379"/>
-          <a:ext cx="2660375" cy="2276226"/>
+          <a:off x="186386" y="2112979"/>
+          <a:ext cx="3351722" cy="2867746"/>
         </a:xfrm>
         <a:prstGeom prst="rect">
           <a:avLst/>
@@ -4649,8 +5001,8 @@
       </dsp:nvSpPr>
       <dsp:spPr>
         <a:xfrm>
-          <a:off x="153081" y="4929606"/>
-          <a:ext cx="2660375" cy="2613445"/>
+          <a:off x="186386" y="4980725"/>
+          <a:ext cx="3351722" cy="3292597"/>
         </a:xfrm>
         <a:prstGeom prst="rect">
           <a:avLst/>
@@ -4674,12 +5026,12 @@
         <a:fontRef idx="minor"/>
       </dsp:style>
       <dsp:txBody>
-        <a:bodyPr spcFirstLastPara="0" vert="horz" wrap="square" lIns="78740" tIns="78740" rIns="78740" bIns="78740" numCol="1" spcCol="1270" anchor="t" anchorCtr="0">
+        <a:bodyPr spcFirstLastPara="0" vert="horz" wrap="square" lIns="81280" tIns="81280" rIns="81280" bIns="81280" numCol="1" spcCol="1270" anchor="t" anchorCtr="0">
           <a:noAutofit/>
         </a:bodyPr>
         <a:lstStyle/>
         <a:p>
-          <a:pPr lvl="0" algn="ctr" defTabSz="1377950">
+          <a:pPr lvl="0" algn="ctr" defTabSz="1422400">
             <a:lnSpc>
               <a:spcPct val="90000"/>
             </a:lnSpc>
@@ -4691,15 +5043,15 @@
             </a:spcAft>
           </a:pPr>
           <a:r>
-            <a:rPr lang="en-US" sz="3100" kern="1200" dirty="0" smtClean="0"/>
+            <a:rPr lang="en-US" sz="3200" kern="1200" dirty="0" smtClean="0"/>
             <a:t>Gearboxes allow attachments in many different places.</a:t>
           </a:r>
-          <a:endParaRPr lang="en-US" sz="3100" kern="1200" dirty="0"/>
+          <a:endParaRPr lang="en-US" sz="3200" kern="1200" dirty="0"/>
         </a:p>
       </dsp:txBody>
       <dsp:txXfrm>
-        <a:off x="153081" y="4929606"/>
-        <a:ext cx="2660375" cy="2613445"/>
+        <a:off x="186386" y="4980725"/>
+        <a:ext cx="3351722" cy="3292597"/>
       </dsp:txXfrm>
     </dsp:sp>
     <dsp:sp modelId="{770E20EC-6929-4A45-99D5-285545E37892}">
@@ -4709,8 +5061,8 @@
       </dsp:nvSpPr>
       <dsp:spPr>
         <a:xfrm>
-          <a:off x="12573" y="1922738"/>
-          <a:ext cx="2810156" cy="562031"/>
+          <a:off x="9364" y="1192467"/>
+          <a:ext cx="3540427" cy="708085"/>
         </a:xfrm>
         <a:prstGeom prst="rect">
           <a:avLst/>
@@ -4752,12 +5104,12 @@
         </a:fontRef>
       </dsp:style>
       <dsp:txBody>
-        <a:bodyPr spcFirstLastPara="0" vert="horz" wrap="square" lIns="48260" tIns="48260" rIns="48260" bIns="48260" numCol="1" spcCol="1270" anchor="ctr" anchorCtr="0">
+        <a:bodyPr spcFirstLastPara="0" vert="horz" wrap="square" lIns="60960" tIns="60960" rIns="60960" bIns="60960" numCol="1" spcCol="1270" anchor="ctr" anchorCtr="0">
           <a:noAutofit/>
         </a:bodyPr>
         <a:lstStyle/>
         <a:p>
-          <a:pPr lvl="0" algn="ctr" defTabSz="844550">
+          <a:pPr lvl="0" algn="ctr" defTabSz="1066800">
             <a:lnSpc>
               <a:spcPct val="90000"/>
             </a:lnSpc>
@@ -4769,15 +5121,15 @@
             </a:spcAft>
           </a:pPr>
           <a:r>
-            <a:rPr lang="en-US" sz="1900" kern="1200" dirty="0" smtClean="0"/>
+            <a:rPr lang="en-US" sz="2400" kern="1200" dirty="0" smtClean="0"/>
             <a:t>The Gearboxes</a:t>
           </a:r>
-          <a:endParaRPr lang="en-US" sz="1900" kern="1200" dirty="0"/>
+          <a:endParaRPr lang="en-US" sz="2400" kern="1200" dirty="0"/>
         </a:p>
       </dsp:txBody>
       <dsp:txXfrm>
-        <a:off x="12573" y="1922738"/>
-        <a:ext cx="2810156" cy="562031"/>
+        <a:off x="9364" y="1192467"/>
+        <a:ext cx="3540427" cy="708085"/>
       </dsp:txXfrm>
     </dsp:sp>
     <dsp:sp modelId="{4199BD41-BD06-415E-A188-B146B841BA1D}">
@@ -4787,8 +5139,8 @@
       </dsp:nvSpPr>
       <dsp:spPr>
         <a:xfrm>
-          <a:off x="3296919" y="2484770"/>
-          <a:ext cx="0" cy="5058282"/>
+          <a:off x="4147208" y="1900553"/>
+          <a:ext cx="0" cy="6372769"/>
         </a:xfrm>
         <a:prstGeom prst="line">
           <a:avLst/>
@@ -4836,8 +5188,8 @@
       </dsp:nvSpPr>
       <dsp:spPr>
         <a:xfrm>
-          <a:off x="3437427" y="2653379"/>
-          <a:ext cx="2660375" cy="2276226"/>
+          <a:off x="4324229" y="2112979"/>
+          <a:ext cx="3351722" cy="2867746"/>
         </a:xfrm>
         <a:prstGeom prst="rect">
           <a:avLst/>
@@ -4886,8 +5238,8 @@
       </dsp:nvSpPr>
       <dsp:spPr>
         <a:xfrm>
-          <a:off x="3437427" y="4929606"/>
-          <a:ext cx="2660375" cy="2613445"/>
+          <a:off x="4324229" y="4980725"/>
+          <a:ext cx="3351722" cy="3292597"/>
         </a:xfrm>
         <a:prstGeom prst="rect">
           <a:avLst/>
@@ -4911,12 +5263,12 @@
         <a:fontRef idx="minor"/>
       </dsp:style>
       <dsp:txBody>
-        <a:bodyPr spcFirstLastPara="0" vert="horz" wrap="square" lIns="78740" tIns="78740" rIns="78740" bIns="78740" numCol="1" spcCol="1270" anchor="t" anchorCtr="0">
+        <a:bodyPr spcFirstLastPara="0" vert="horz" wrap="square" lIns="81280" tIns="81280" rIns="81280" bIns="81280" numCol="1" spcCol="1270" anchor="t" anchorCtr="0">
           <a:noAutofit/>
         </a:bodyPr>
         <a:lstStyle/>
         <a:p>
-          <a:pPr lvl="0" algn="ctr" defTabSz="1377950">
+          <a:pPr lvl="0" algn="ctr" defTabSz="1422400">
             <a:lnSpc>
               <a:spcPct val="90000"/>
             </a:lnSpc>
@@ -4928,21 +5280,21 @@
             </a:spcAft>
           </a:pPr>
           <a:r>
-            <a:rPr lang="en-US" sz="3100" b="0" i="0" kern="1200" dirty="0" smtClean="0">
+            <a:rPr lang="en-US" sz="3200" b="0" i="0" kern="1200" dirty="0" smtClean="0">
               <a:latin typeface="+mn-lt"/>
               <a:cs typeface="Arial" panose="020B0604020202020204" pitchFamily="34" charset="0"/>
             </a:rPr>
             <a:t>Upside-down so that the robot is flat</a:t>
           </a:r>
-          <a:endParaRPr lang="en-US" sz="3100" b="0" i="0" kern="1200" dirty="0">
+          <a:endParaRPr lang="en-US" sz="3200" b="0" i="0" kern="1200" dirty="0">
             <a:latin typeface="+mn-lt"/>
             <a:cs typeface="Arial" panose="020B0604020202020204" pitchFamily="34" charset="0"/>
           </a:endParaRPr>
         </a:p>
       </dsp:txBody>
       <dsp:txXfrm>
-        <a:off x="3437427" y="4929606"/>
-        <a:ext cx="2660375" cy="2613445"/>
+        <a:off x="4324229" y="4980725"/>
+        <a:ext cx="3351722" cy="3292597"/>
       </dsp:txXfrm>
     </dsp:sp>
     <dsp:sp modelId="{57B1ECA4-0CF3-4952-BB41-993F31EFBF15}">
@@ -4952,8 +5304,8 @@
       </dsp:nvSpPr>
       <dsp:spPr>
         <a:xfrm>
-          <a:off x="3296919" y="1922738"/>
-          <a:ext cx="2810156" cy="562031"/>
+          <a:off x="4147208" y="1192467"/>
+          <a:ext cx="3540427" cy="708085"/>
         </a:xfrm>
         <a:prstGeom prst="rect">
           <a:avLst/>
@@ -4995,12 +5347,12 @@
         </a:fontRef>
       </dsp:style>
       <dsp:txBody>
-        <a:bodyPr spcFirstLastPara="0" vert="horz" wrap="square" lIns="48260" tIns="48260" rIns="48260" bIns="48260" numCol="1" spcCol="1270" anchor="ctr" anchorCtr="0">
+        <a:bodyPr spcFirstLastPara="0" vert="horz" wrap="square" lIns="60960" tIns="60960" rIns="60960" bIns="60960" numCol="1" spcCol="1270" anchor="ctr" anchorCtr="0">
           <a:noAutofit/>
         </a:bodyPr>
         <a:lstStyle/>
         <a:p>
-          <a:pPr lvl="0" algn="ctr" defTabSz="844550">
+          <a:pPr lvl="0" algn="ctr" defTabSz="1066800">
             <a:lnSpc>
               <a:spcPct val="90000"/>
             </a:lnSpc>
@@ -5012,257 +5364,15 @@
             </a:spcAft>
           </a:pPr>
           <a:r>
-            <a:rPr lang="en-US" sz="1900" kern="1200" dirty="0" smtClean="0"/>
+            <a:rPr lang="en-US" sz="2400" kern="1200" dirty="0" smtClean="0"/>
             <a:t>The Upside-down Motors</a:t>
           </a:r>
-          <a:endParaRPr lang="en-US" sz="1900" kern="1200" dirty="0"/>
+          <a:endParaRPr lang="en-US" sz="2400" kern="1200" dirty="0"/>
         </a:p>
       </dsp:txBody>
       <dsp:txXfrm>
-        <a:off x="3296919" y="1922738"/>
-        <a:ext cx="2810156" cy="562031"/>
-      </dsp:txXfrm>
-    </dsp:sp>
-    <dsp:sp modelId="{6806A88B-ACCD-4689-BA2C-F1412EF73B42}">
-      <dsp:nvSpPr>
-        <dsp:cNvPr id="0" name=""/>
-        <dsp:cNvSpPr/>
-      </dsp:nvSpPr>
-      <dsp:spPr>
-        <a:xfrm>
-          <a:off x="6581265" y="2484770"/>
-          <a:ext cx="0" cy="5058282"/>
-        </a:xfrm>
-        <a:prstGeom prst="line">
-          <a:avLst/>
-        </a:prstGeom>
-        <a:solidFill>
-          <a:schemeClr val="lt1">
-            <a:alpha val="90000"/>
-            <a:hueOff val="0"/>
-            <a:satOff val="0"/>
-            <a:lumOff val="0"/>
-            <a:alphaOff val="0"/>
-          </a:schemeClr>
-        </a:solidFill>
-        <a:ln w="12700" cap="flat" cmpd="sng" algn="ctr">
-          <a:solidFill>
-            <a:schemeClr val="accent1">
-              <a:hueOff val="0"/>
-              <a:satOff val="0"/>
-              <a:lumOff val="0"/>
-              <a:alphaOff val="0"/>
-            </a:schemeClr>
-          </a:solidFill>
-          <a:prstDash val="solid"/>
-          <a:miter lim="800000"/>
-        </a:ln>
-        <a:effectLst/>
-      </dsp:spPr>
-      <dsp:style>
-        <a:lnRef idx="2">
-          <a:scrgbClr r="0" g="0" b="0"/>
-        </a:lnRef>
-        <a:fillRef idx="1">
-          <a:scrgbClr r="0" g="0" b="0"/>
-        </a:fillRef>
-        <a:effectRef idx="0">
-          <a:scrgbClr r="0" g="0" b="0"/>
-        </a:effectRef>
-        <a:fontRef idx="minor"/>
-      </dsp:style>
-    </dsp:sp>
-    <dsp:sp modelId="{6D3BA09B-A748-477B-98A1-FEDE95925694}">
-      <dsp:nvSpPr>
-        <dsp:cNvPr id="0" name=""/>
-        <dsp:cNvSpPr/>
-      </dsp:nvSpPr>
-      <dsp:spPr>
-        <a:xfrm>
-          <a:off x="6721773" y="2653379"/>
-          <a:ext cx="2660375" cy="2276226"/>
-        </a:xfrm>
-        <a:prstGeom prst="rect">
-          <a:avLst/>
-        </a:prstGeom>
-        <a:blipFill>
-          <a:blip xmlns:r="http://schemas.openxmlformats.org/officeDocument/2006/relationships" r:embed="rId2" cstate="print">
-            <a:extLst>
-              <a:ext uri="{28A0092B-C50C-407E-A947-70E740481C1C}">
-                <a14:useLocalDpi xmlns:a14="http://schemas.microsoft.com/office/drawing/2010/main" val="0"/>
-              </a:ext>
-            </a:extLst>
-          </a:blip>
-          <a:srcRect/>
-          <a:stretch>
-            <a:fillRect/>
-          </a:stretch>
-        </a:blipFill>
-        <a:ln w="12700" cap="flat" cmpd="sng" algn="ctr">
-          <a:solidFill>
-            <a:schemeClr val="lt1">
-              <a:hueOff val="0"/>
-              <a:satOff val="0"/>
-              <a:lumOff val="0"/>
-              <a:alphaOff val="0"/>
-            </a:schemeClr>
-          </a:solidFill>
-          <a:prstDash val="solid"/>
-          <a:miter lim="800000"/>
-        </a:ln>
-        <a:effectLst/>
-      </dsp:spPr>
-      <dsp:style>
-        <a:lnRef idx="2">
-          <a:scrgbClr r="0" g="0" b="0"/>
-        </a:lnRef>
-        <a:fillRef idx="1">
-          <a:scrgbClr r="0" g="0" b="0"/>
-        </a:fillRef>
-        <a:effectRef idx="0">
-          <a:scrgbClr r="0" g="0" b="0"/>
-        </a:effectRef>
-        <a:fontRef idx="minor">
-          <a:schemeClr val="lt1"/>
-        </a:fontRef>
-      </dsp:style>
-    </dsp:sp>
-    <dsp:sp modelId="{A0810939-5D65-4F5C-894F-F86C706A7A1C}">
-      <dsp:nvSpPr>
-        <dsp:cNvPr id="0" name=""/>
-        <dsp:cNvSpPr/>
-      </dsp:nvSpPr>
-      <dsp:spPr>
-        <a:xfrm>
-          <a:off x="6721773" y="4929606"/>
-          <a:ext cx="2660375" cy="2613445"/>
-        </a:xfrm>
-        <a:prstGeom prst="rect">
-          <a:avLst/>
-        </a:prstGeom>
-        <a:noFill/>
-        <a:ln>
-          <a:noFill/>
-        </a:ln>
-        <a:effectLst/>
-      </dsp:spPr>
-      <dsp:style>
-        <a:lnRef idx="0">
-          <a:scrgbClr r="0" g="0" b="0"/>
-        </a:lnRef>
-        <a:fillRef idx="0">
-          <a:scrgbClr r="0" g="0" b="0"/>
-        </a:fillRef>
-        <a:effectRef idx="0">
-          <a:scrgbClr r="0" g="0" b="0"/>
-        </a:effectRef>
-        <a:fontRef idx="minor"/>
-      </dsp:style>
-      <dsp:txBody>
-        <a:bodyPr spcFirstLastPara="0" vert="horz" wrap="square" lIns="78740" tIns="78740" rIns="78740" bIns="78740" numCol="1" spcCol="1270" anchor="t" anchorCtr="0">
-          <a:noAutofit/>
-        </a:bodyPr>
-        <a:lstStyle/>
-        <a:p>
-          <a:pPr lvl="0" algn="ctr" defTabSz="1377950">
-            <a:lnSpc>
-              <a:spcPct val="90000"/>
-            </a:lnSpc>
-            <a:spcBef>
-              <a:spcPct val="0"/>
-            </a:spcBef>
-            <a:spcAft>
-              <a:spcPct val="35000"/>
-            </a:spcAft>
-          </a:pPr>
-          <a:r>
-            <a:rPr lang="en-US" sz="3100" kern="1200" dirty="0" smtClean="0"/>
-            <a:t>Describe this step in your experiment</a:t>
-          </a:r>
-          <a:endParaRPr lang="en-US" sz="3100" kern="1200" dirty="0"/>
-        </a:p>
-      </dsp:txBody>
-      <dsp:txXfrm>
-        <a:off x="6721773" y="4929606"/>
-        <a:ext cx="2660375" cy="2613445"/>
-      </dsp:txXfrm>
-    </dsp:sp>
-    <dsp:sp modelId="{16EEE8E2-3D18-44F6-B04A-3D59841E4FA8}">
-      <dsp:nvSpPr>
-        <dsp:cNvPr id="0" name=""/>
-        <dsp:cNvSpPr/>
-      </dsp:nvSpPr>
-      <dsp:spPr>
-        <a:xfrm>
-          <a:off x="6581265" y="1922738"/>
-          <a:ext cx="2810156" cy="562031"/>
-        </a:xfrm>
-        <a:prstGeom prst="rect">
-          <a:avLst/>
-        </a:prstGeom>
-        <a:solidFill>
-          <a:schemeClr val="accent1">
-            <a:hueOff val="0"/>
-            <a:satOff val="0"/>
-            <a:lumOff val="0"/>
-            <a:alphaOff val="0"/>
-          </a:schemeClr>
-        </a:solidFill>
-        <a:ln w="12700" cap="flat" cmpd="sng" algn="ctr">
-          <a:solidFill>
-            <a:schemeClr val="accent1">
-              <a:hueOff val="0"/>
-              <a:satOff val="0"/>
-              <a:lumOff val="0"/>
-              <a:alphaOff val="0"/>
-            </a:schemeClr>
-          </a:solidFill>
-          <a:prstDash val="solid"/>
-          <a:miter lim="800000"/>
-        </a:ln>
-        <a:effectLst/>
-      </dsp:spPr>
-      <dsp:style>
-        <a:lnRef idx="2">
-          <a:scrgbClr r="0" g="0" b="0"/>
-        </a:lnRef>
-        <a:fillRef idx="1">
-          <a:scrgbClr r="0" g="0" b="0"/>
-        </a:fillRef>
-        <a:effectRef idx="0">
-          <a:scrgbClr r="0" g="0" b="0"/>
-        </a:effectRef>
-        <a:fontRef idx="minor">
-          <a:schemeClr val="lt1"/>
-        </a:fontRef>
-      </dsp:style>
-      <dsp:txBody>
-        <a:bodyPr spcFirstLastPara="0" vert="horz" wrap="square" lIns="48260" tIns="48260" rIns="48260" bIns="48260" numCol="1" spcCol="1270" anchor="ctr" anchorCtr="0">
-          <a:noAutofit/>
-        </a:bodyPr>
-        <a:lstStyle/>
-        <a:p>
-          <a:pPr lvl="0" algn="ctr" defTabSz="844550">
-            <a:lnSpc>
-              <a:spcPct val="90000"/>
-            </a:lnSpc>
-            <a:spcBef>
-              <a:spcPct val="0"/>
-            </a:spcBef>
-            <a:spcAft>
-              <a:spcPct val="35000"/>
-            </a:spcAft>
-          </a:pPr>
-          <a:r>
-            <a:rPr lang="en-US" sz="1900" kern="1200" dirty="0" smtClean="0"/>
-            <a:t>Step 2</a:t>
-          </a:r>
-          <a:endParaRPr lang="en-US" sz="1900" kern="1200" dirty="0"/>
-        </a:p>
-      </dsp:txBody>
-      <dsp:txXfrm>
-        <a:off x="6581265" y="1922738"/>
-        <a:ext cx="2810156" cy="562031"/>
+        <a:off x="4147208" y="1192467"/>
+        <a:ext cx="3540427" cy="708085"/>
       </dsp:txXfrm>
     </dsp:sp>
     <dsp:sp modelId="{7F77031C-84AF-49FA-B2E3-6B22E2F49F2B}">
@@ -5272,8 +5382,8 @@
       </dsp:nvSpPr>
       <dsp:spPr>
         <a:xfrm>
-          <a:off x="9865611" y="2484770"/>
-          <a:ext cx="0" cy="5058282"/>
+          <a:off x="8285051" y="1900553"/>
+          <a:ext cx="0" cy="6372769"/>
         </a:xfrm>
         <a:prstGeom prst="line">
           <a:avLst/>
@@ -5321,14 +5431,14 @@
       </dsp:nvSpPr>
       <dsp:spPr>
         <a:xfrm>
-          <a:off x="10006119" y="2653379"/>
-          <a:ext cx="2660375" cy="2276226"/>
+          <a:off x="8462073" y="2112979"/>
+          <a:ext cx="3351722" cy="2867746"/>
         </a:xfrm>
         <a:prstGeom prst="rect">
           <a:avLst/>
         </a:prstGeom>
         <a:blipFill>
-          <a:blip xmlns:r="http://schemas.openxmlformats.org/officeDocument/2006/relationships" r:embed="rId3" cstate="print">
+          <a:blip xmlns:r="http://schemas.openxmlformats.org/officeDocument/2006/relationships" r:embed="rId2" cstate="print">
             <a:extLst>
               <a:ext uri="{28A0092B-C50C-407E-A947-70E740481C1C}">
                 <a14:useLocalDpi xmlns:a14="http://schemas.microsoft.com/office/drawing/2010/main" val="0"/>
@@ -5376,8 +5486,8 @@
       </dsp:nvSpPr>
       <dsp:spPr>
         <a:xfrm>
-          <a:off x="10006119" y="4929606"/>
-          <a:ext cx="2660375" cy="2613445"/>
+          <a:off x="8462073" y="4980725"/>
+          <a:ext cx="3351722" cy="3292597"/>
         </a:xfrm>
         <a:prstGeom prst="rect">
           <a:avLst/>
@@ -5401,12 +5511,12 @@
         <a:fontRef idx="minor"/>
       </dsp:style>
       <dsp:txBody>
-        <a:bodyPr spcFirstLastPara="0" vert="horz" wrap="square" lIns="78740" tIns="78740" rIns="78740" bIns="78740" numCol="1" spcCol="1270" anchor="t" anchorCtr="0">
+        <a:bodyPr spcFirstLastPara="0" vert="horz" wrap="square" lIns="81280" tIns="81280" rIns="81280" bIns="81280" numCol="1" spcCol="1270" anchor="t" anchorCtr="0">
           <a:noAutofit/>
         </a:bodyPr>
         <a:lstStyle/>
         <a:p>
-          <a:pPr lvl="0" algn="ctr" defTabSz="1377950">
+          <a:pPr lvl="0" algn="ctr" defTabSz="1422400">
             <a:lnSpc>
               <a:spcPct val="90000"/>
             </a:lnSpc>
@@ -5418,15 +5528,15 @@
             </a:spcAft>
           </a:pPr>
           <a:r>
-            <a:rPr lang="en-US" sz="3100" kern="1200" dirty="0" smtClean="0"/>
+            <a:rPr lang="en-US" sz="3200" kern="1200" dirty="0" smtClean="0"/>
             <a:t>Describe this step in your experiment</a:t>
           </a:r>
-          <a:endParaRPr lang="en-US" sz="3100" kern="1200" dirty="0"/>
+          <a:endParaRPr lang="en-US" sz="3200" kern="1200" dirty="0"/>
         </a:p>
       </dsp:txBody>
       <dsp:txXfrm>
-        <a:off x="10006119" y="4929606"/>
-        <a:ext cx="2660375" cy="2613445"/>
+        <a:off x="8462073" y="4980725"/>
+        <a:ext cx="3351722" cy="3292597"/>
       </dsp:txXfrm>
     </dsp:sp>
     <dsp:sp modelId="{B3686B38-0C87-411A-9F82-923E333643FB}">
@@ -5436,8 +5546,8 @@
       </dsp:nvSpPr>
       <dsp:spPr>
         <a:xfrm>
-          <a:off x="9865611" y="1922738"/>
-          <a:ext cx="2810156" cy="562031"/>
+          <a:off x="8285051" y="1192467"/>
+          <a:ext cx="3540427" cy="708085"/>
         </a:xfrm>
         <a:prstGeom prst="rect">
           <a:avLst/>
@@ -5479,12 +5589,12 @@
         </a:fontRef>
       </dsp:style>
       <dsp:txBody>
-        <a:bodyPr spcFirstLastPara="0" vert="horz" wrap="square" lIns="48260" tIns="48260" rIns="48260" bIns="48260" numCol="1" spcCol="1270" anchor="ctr" anchorCtr="0">
+        <a:bodyPr spcFirstLastPara="0" vert="horz" wrap="square" lIns="60960" tIns="60960" rIns="60960" bIns="60960" numCol="1" spcCol="1270" anchor="ctr" anchorCtr="0">
           <a:noAutofit/>
         </a:bodyPr>
         <a:lstStyle/>
         <a:p>
-          <a:pPr lvl="0" algn="ctr" defTabSz="844550">
+          <a:pPr lvl="0" algn="ctr" defTabSz="1066800">
             <a:lnSpc>
               <a:spcPct val="90000"/>
             </a:lnSpc>
@@ -5496,15 +5606,15 @@
             </a:spcAft>
           </a:pPr>
           <a:r>
-            <a:rPr lang="en-US" sz="1900" kern="1200" dirty="0" smtClean="0"/>
-            <a:t>Step 3</a:t>
+            <a:rPr lang="en-US" sz="2400" kern="1200" dirty="0" smtClean="0"/>
+            <a:t>Attachment Adaptors</a:t>
           </a:r>
-          <a:endParaRPr lang="en-US" sz="1900" kern="1200" dirty="0"/>
+          <a:endParaRPr lang="en-US" sz="2400" kern="1200" dirty="0"/>
         </a:p>
       </dsp:txBody>
       <dsp:txXfrm>
-        <a:off x="9865611" y="1922738"/>
-        <a:ext cx="2810156" cy="562031"/>
+        <a:off x="8285051" y="1192467"/>
+        <a:ext cx="3540427" cy="708085"/>
       </dsp:txXfrm>
     </dsp:sp>
     <dsp:sp modelId="{87ACD694-36F9-4193-A8FE-573DA345BCA3}">
@@ -5514,8 +5624,8 @@
       </dsp:nvSpPr>
       <dsp:spPr>
         <a:xfrm>
-          <a:off x="13149957" y="2484770"/>
-          <a:ext cx="0" cy="5058282"/>
+          <a:off x="12422895" y="1900553"/>
+          <a:ext cx="0" cy="6372769"/>
         </a:xfrm>
         <a:prstGeom prst="line">
           <a:avLst/>
@@ -5563,14 +5673,14 @@
       </dsp:nvSpPr>
       <dsp:spPr>
         <a:xfrm>
-          <a:off x="13295892" y="2392387"/>
-          <a:ext cx="2660375" cy="2276226"/>
+          <a:off x="12606754" y="1784163"/>
+          <a:ext cx="3351722" cy="2867746"/>
         </a:xfrm>
         <a:prstGeom prst="rect">
           <a:avLst/>
         </a:prstGeom>
         <a:blipFill>
-          <a:blip xmlns:r="http://schemas.openxmlformats.org/officeDocument/2006/relationships" r:embed="rId4" cstate="print">
+          <a:blip xmlns:r="http://schemas.openxmlformats.org/officeDocument/2006/relationships" r:embed="rId3" cstate="print">
             <a:extLst>
               <a:ext uri="{28A0092B-C50C-407E-A947-70E740481C1C}">
                 <a14:useLocalDpi xmlns:a14="http://schemas.microsoft.com/office/drawing/2010/main" val="0"/>
@@ -5618,8 +5728,8 @@
       </dsp:nvSpPr>
       <dsp:spPr>
         <a:xfrm>
-          <a:off x="13290465" y="4929606"/>
-          <a:ext cx="2660375" cy="2613445"/>
+          <a:off x="12599917" y="4980725"/>
+          <a:ext cx="3351722" cy="3292597"/>
         </a:xfrm>
         <a:prstGeom prst="rect">
           <a:avLst/>
@@ -5643,12 +5753,12 @@
         <a:fontRef idx="minor"/>
       </dsp:style>
       <dsp:txBody>
-        <a:bodyPr spcFirstLastPara="0" vert="horz" wrap="square" lIns="78740" tIns="78740" rIns="78740" bIns="78740" numCol="1" spcCol="1270" anchor="t" anchorCtr="0">
+        <a:bodyPr spcFirstLastPara="0" vert="horz" wrap="square" lIns="81280" tIns="81280" rIns="81280" bIns="81280" numCol="1" spcCol="1270" anchor="t" anchorCtr="0">
           <a:noAutofit/>
         </a:bodyPr>
         <a:lstStyle/>
         <a:p>
-          <a:pPr lvl="0" algn="ctr" defTabSz="1377950">
+          <a:pPr marL="228600" lvl="1" indent="-228600" algn="l" defTabSz="1111250">
             <a:lnSpc>
               <a:spcPct val="90000"/>
             </a:lnSpc>
@@ -5656,19 +5766,58 @@
               <a:spcPct val="0"/>
             </a:spcBef>
             <a:spcAft>
-              <a:spcPct val="35000"/>
+              <a:spcPct val="15000"/>
             </a:spcAft>
+            <a:buChar char="••"/>
           </a:pPr>
           <a:r>
-            <a:rPr lang="en-US" sz="3100" kern="1200" dirty="0" smtClean="0"/>
-            <a:t>Describe this step in your experiment</a:t>
+            <a:rPr lang="en-US" sz="2500" kern="1200" dirty="0" smtClean="0"/>
+            <a:t>Flexibility to follow the line on either side</a:t>
           </a:r>
-          <a:endParaRPr lang="en-US" sz="3100" kern="1200" dirty="0"/>
+          <a:endParaRPr lang="en-US" sz="2500" kern="1200" dirty="0"/>
+        </a:p>
+        <a:p>
+          <a:pPr marL="228600" lvl="1" indent="-228600" algn="l" defTabSz="1111250">
+            <a:lnSpc>
+              <a:spcPct val="90000"/>
+            </a:lnSpc>
+            <a:spcBef>
+              <a:spcPct val="0"/>
+            </a:spcBef>
+            <a:spcAft>
+              <a:spcPct val="15000"/>
+            </a:spcAft>
+            <a:buChar char="••"/>
+          </a:pPr>
+          <a:r>
+            <a:rPr lang="en-US" sz="2500" kern="1200" dirty="0" smtClean="0"/>
+            <a:t>Allows one color sensor to follow the line while the other is used as a condition to stop</a:t>
+          </a:r>
+          <a:endParaRPr lang="en-US" sz="2500" kern="1200" dirty="0"/>
+        </a:p>
+        <a:p>
+          <a:pPr marL="228600" lvl="1" indent="-228600" algn="l" defTabSz="1111250">
+            <a:lnSpc>
+              <a:spcPct val="90000"/>
+            </a:lnSpc>
+            <a:spcBef>
+              <a:spcPct val="0"/>
+            </a:spcBef>
+            <a:spcAft>
+              <a:spcPct val="15000"/>
+            </a:spcAft>
+            <a:buChar char="••"/>
+          </a:pPr>
+          <a:r>
+            <a:rPr lang="en-US" sz="2500" kern="1200" dirty="0" smtClean="0"/>
+            <a:t>Allows line-squaring</a:t>
+          </a:r>
+          <a:endParaRPr lang="en-US" sz="2500" kern="1200" dirty="0"/>
         </a:p>
       </dsp:txBody>
       <dsp:txXfrm>
-        <a:off x="13290465" y="4929606"/>
-        <a:ext cx="2660375" cy="2613445"/>
+        <a:off x="12599917" y="4980725"/>
+        <a:ext cx="3351722" cy="3292597"/>
       </dsp:txXfrm>
     </dsp:sp>
     <dsp:sp modelId="{4E89074A-DD45-4C30-BE68-0847302086FD}">
@@ -5678,8 +5827,8 @@
       </dsp:nvSpPr>
       <dsp:spPr>
         <a:xfrm>
-          <a:off x="13149957" y="1922738"/>
-          <a:ext cx="2810156" cy="562031"/>
+          <a:off x="12422895" y="1192467"/>
+          <a:ext cx="3540427" cy="708085"/>
         </a:xfrm>
         <a:prstGeom prst="rect">
           <a:avLst/>
@@ -5721,12 +5870,12 @@
         </a:fontRef>
       </dsp:style>
       <dsp:txBody>
-        <a:bodyPr spcFirstLastPara="0" vert="horz" wrap="square" lIns="48260" tIns="48260" rIns="48260" bIns="48260" numCol="1" spcCol="1270" anchor="ctr" anchorCtr="0">
+        <a:bodyPr spcFirstLastPara="0" vert="horz" wrap="square" lIns="60960" tIns="60960" rIns="60960" bIns="60960" numCol="1" spcCol="1270" anchor="ctr" anchorCtr="0">
           <a:noAutofit/>
         </a:bodyPr>
         <a:lstStyle/>
         <a:p>
-          <a:pPr lvl="0" algn="ctr" defTabSz="844550">
+          <a:pPr lvl="0" algn="ctr" defTabSz="1066800">
             <a:lnSpc>
               <a:spcPct val="90000"/>
             </a:lnSpc>
@@ -5738,15 +5887,15 @@
             </a:spcAft>
           </a:pPr>
           <a:r>
-            <a:rPr lang="en-US" sz="1900" kern="1200" dirty="0" smtClean="0"/>
-            <a:t>Step 4</a:t>
+            <a:rPr lang="en-US" sz="2400" kern="1200" dirty="0" smtClean="0"/>
+            <a:t>Two Color Sensors</a:t>
           </a:r>
-          <a:endParaRPr lang="en-US" sz="1900" kern="1200" dirty="0"/>
+          <a:endParaRPr lang="en-US" sz="2400" kern="1200" dirty="0"/>
         </a:p>
       </dsp:txBody>
       <dsp:txXfrm>
-        <a:off x="13149957" y="1922738"/>
-        <a:ext cx="2810156" cy="562031"/>
+        <a:off x="12422895" y="1192467"/>
+        <a:ext cx="3540427" cy="708085"/>
       </dsp:txXfrm>
     </dsp:sp>
   </dsp:spTree>
@@ -5761,20 +5910,1050 @@
       <dsp:cNvGrpSpPr/>
     </dsp:nvGrpSpPr>
     <dsp:grpSpPr/>
-    <dsp:sp modelId="{952857C4-333A-447D-8D2C-2FFA0B0EB15A}">
+    <dsp:sp modelId="{0442B376-32AC-44DE-8229-287760BB4A55}">
       <dsp:nvSpPr>
         <dsp:cNvPr id="0" name=""/>
         <dsp:cNvSpPr/>
       </dsp:nvSpPr>
       <dsp:spPr>
         <a:xfrm>
-          <a:off x="1891" y="8489922"/>
-          <a:ext cx="2174072" cy="1087036"/>
+          <a:off x="3395341" y="22035897"/>
+          <a:ext cx="753693" cy="718077"/>
         </a:xfrm>
-        <a:prstGeom prst="roundRect">
-          <a:avLst>
-            <a:gd name="adj" fmla="val 10000"/>
-          </a:avLst>
+        <a:custGeom>
+          <a:avLst/>
+          <a:gdLst/>
+          <a:ahLst/>
+          <a:cxnLst/>
+          <a:rect l="0" t="0" r="0" b="0"/>
+          <a:pathLst>
+            <a:path>
+              <a:moveTo>
+                <a:pt x="0" y="0"/>
+              </a:moveTo>
+              <a:lnTo>
+                <a:pt x="376846" y="0"/>
+              </a:lnTo>
+              <a:lnTo>
+                <a:pt x="376846" y="718077"/>
+              </a:lnTo>
+              <a:lnTo>
+                <a:pt x="753693" y="718077"/>
+              </a:lnTo>
+            </a:path>
+          </a:pathLst>
+        </a:custGeom>
+        <a:noFill/>
+        <a:ln w="12700" cap="flat" cmpd="sng" algn="ctr">
+          <a:solidFill>
+            <a:schemeClr val="accent1">
+              <a:shade val="60000"/>
+              <a:hueOff val="0"/>
+              <a:satOff val="0"/>
+              <a:lumOff val="0"/>
+              <a:alphaOff val="0"/>
+            </a:schemeClr>
+          </a:solidFill>
+          <a:prstDash val="solid"/>
+          <a:miter lim="800000"/>
+        </a:ln>
+        <a:effectLst/>
+      </dsp:spPr>
+      <dsp:style>
+        <a:lnRef idx="2">
+          <a:scrgbClr r="0" g="0" b="0"/>
+        </a:lnRef>
+        <a:fillRef idx="0">
+          <a:scrgbClr r="0" g="0" b="0"/>
+        </a:fillRef>
+        <a:effectRef idx="0">
+          <a:scrgbClr r="0" g="0" b="0"/>
+        </a:effectRef>
+        <a:fontRef idx="minor"/>
+      </dsp:style>
+      <dsp:txBody>
+        <a:bodyPr spcFirstLastPara="0" vert="horz" wrap="square" lIns="12700" tIns="0" rIns="12700" bIns="0" numCol="1" spcCol="1270" anchor="ctr" anchorCtr="0">
+          <a:noAutofit/>
+        </a:bodyPr>
+        <a:lstStyle/>
+        <a:p>
+          <a:pPr lvl="0" algn="ctr" defTabSz="222250">
+            <a:lnSpc>
+              <a:spcPct val="90000"/>
+            </a:lnSpc>
+            <a:spcBef>
+              <a:spcPct val="0"/>
+            </a:spcBef>
+            <a:spcAft>
+              <a:spcPct val="35000"/>
+            </a:spcAft>
+          </a:pPr>
+          <a:endParaRPr lang="en-US" sz="500" kern="1200"/>
+        </a:p>
+      </dsp:txBody>
+      <dsp:txXfrm>
+        <a:off x="3746163" y="22368911"/>
+        <a:ext cx="52050" cy="52050"/>
+      </dsp:txXfrm>
+    </dsp:sp>
+    <dsp:sp modelId="{F51BECAD-27B0-4B10-8266-B383B0783EA6}">
+      <dsp:nvSpPr>
+        <dsp:cNvPr id="0" name=""/>
+        <dsp:cNvSpPr/>
+      </dsp:nvSpPr>
+      <dsp:spPr>
+        <a:xfrm>
+          <a:off x="3395341" y="21317820"/>
+          <a:ext cx="753693" cy="718077"/>
+        </a:xfrm>
+        <a:custGeom>
+          <a:avLst/>
+          <a:gdLst/>
+          <a:ahLst/>
+          <a:cxnLst/>
+          <a:rect l="0" t="0" r="0" b="0"/>
+          <a:pathLst>
+            <a:path>
+              <a:moveTo>
+                <a:pt x="0" y="718077"/>
+              </a:moveTo>
+              <a:lnTo>
+                <a:pt x="376846" y="718077"/>
+              </a:lnTo>
+              <a:lnTo>
+                <a:pt x="376846" y="0"/>
+              </a:lnTo>
+              <a:lnTo>
+                <a:pt x="753693" y="0"/>
+              </a:lnTo>
+            </a:path>
+          </a:pathLst>
+        </a:custGeom>
+        <a:noFill/>
+        <a:ln w="12700" cap="flat" cmpd="sng" algn="ctr">
+          <a:solidFill>
+            <a:schemeClr val="accent1">
+              <a:shade val="60000"/>
+              <a:hueOff val="0"/>
+              <a:satOff val="0"/>
+              <a:lumOff val="0"/>
+              <a:alphaOff val="0"/>
+            </a:schemeClr>
+          </a:solidFill>
+          <a:prstDash val="solid"/>
+          <a:miter lim="800000"/>
+        </a:ln>
+        <a:effectLst/>
+      </dsp:spPr>
+      <dsp:style>
+        <a:lnRef idx="2">
+          <a:scrgbClr r="0" g="0" b="0"/>
+        </a:lnRef>
+        <a:fillRef idx="0">
+          <a:scrgbClr r="0" g="0" b="0"/>
+        </a:fillRef>
+        <a:effectRef idx="0">
+          <a:scrgbClr r="0" g="0" b="0"/>
+        </a:effectRef>
+        <a:fontRef idx="minor"/>
+      </dsp:style>
+      <dsp:txBody>
+        <a:bodyPr spcFirstLastPara="0" vert="horz" wrap="square" lIns="12700" tIns="0" rIns="12700" bIns="0" numCol="1" spcCol="1270" anchor="ctr" anchorCtr="0">
+          <a:noAutofit/>
+        </a:bodyPr>
+        <a:lstStyle/>
+        <a:p>
+          <a:pPr lvl="0" algn="ctr" defTabSz="222250">
+            <a:lnSpc>
+              <a:spcPct val="90000"/>
+            </a:lnSpc>
+            <a:spcBef>
+              <a:spcPct val="0"/>
+            </a:spcBef>
+            <a:spcAft>
+              <a:spcPct val="35000"/>
+            </a:spcAft>
+          </a:pPr>
+          <a:endParaRPr lang="en-US" sz="500" kern="1200"/>
+        </a:p>
+      </dsp:txBody>
+      <dsp:txXfrm>
+        <a:off x="3746163" y="21650833"/>
+        <a:ext cx="52050" cy="52050"/>
+      </dsp:txXfrm>
+    </dsp:sp>
+    <dsp:sp modelId="{22DC648A-2DB2-494C-A9C8-2B36D6547941}">
+      <dsp:nvSpPr>
+        <dsp:cNvPr id="0" name=""/>
+        <dsp:cNvSpPr/>
+      </dsp:nvSpPr>
+      <dsp:spPr>
+        <a:xfrm>
+          <a:off x="3395341" y="15701700"/>
+          <a:ext cx="753693" cy="718077"/>
+        </a:xfrm>
+        <a:custGeom>
+          <a:avLst/>
+          <a:gdLst/>
+          <a:ahLst/>
+          <a:cxnLst/>
+          <a:rect l="0" t="0" r="0" b="0"/>
+          <a:pathLst>
+            <a:path>
+              <a:moveTo>
+                <a:pt x="0" y="0"/>
+              </a:moveTo>
+              <a:lnTo>
+                <a:pt x="376846" y="0"/>
+              </a:lnTo>
+              <a:lnTo>
+                <a:pt x="376846" y="718077"/>
+              </a:lnTo>
+              <a:lnTo>
+                <a:pt x="753693" y="718077"/>
+              </a:lnTo>
+            </a:path>
+          </a:pathLst>
+        </a:custGeom>
+        <a:noFill/>
+        <a:ln w="12700" cap="flat" cmpd="sng" algn="ctr">
+          <a:solidFill>
+            <a:schemeClr val="accent1">
+              <a:shade val="60000"/>
+              <a:hueOff val="0"/>
+              <a:satOff val="0"/>
+              <a:lumOff val="0"/>
+              <a:alphaOff val="0"/>
+            </a:schemeClr>
+          </a:solidFill>
+          <a:prstDash val="solid"/>
+          <a:miter lim="800000"/>
+        </a:ln>
+        <a:effectLst/>
+      </dsp:spPr>
+      <dsp:style>
+        <a:lnRef idx="2">
+          <a:scrgbClr r="0" g="0" b="0"/>
+        </a:lnRef>
+        <a:fillRef idx="0">
+          <a:scrgbClr r="0" g="0" b="0"/>
+        </a:fillRef>
+        <a:effectRef idx="0">
+          <a:scrgbClr r="0" g="0" b="0"/>
+        </a:effectRef>
+        <a:fontRef idx="minor"/>
+      </dsp:style>
+      <dsp:txBody>
+        <a:bodyPr spcFirstLastPara="0" vert="horz" wrap="square" lIns="12700" tIns="0" rIns="12700" bIns="0" numCol="1" spcCol="1270" anchor="ctr" anchorCtr="0">
+          <a:noAutofit/>
+        </a:bodyPr>
+        <a:lstStyle/>
+        <a:p>
+          <a:pPr lvl="0" algn="ctr" defTabSz="222250">
+            <a:lnSpc>
+              <a:spcPct val="90000"/>
+            </a:lnSpc>
+            <a:spcBef>
+              <a:spcPct val="0"/>
+            </a:spcBef>
+            <a:spcAft>
+              <a:spcPct val="35000"/>
+            </a:spcAft>
+          </a:pPr>
+          <a:endParaRPr lang="en-US" sz="500" kern="1200"/>
+        </a:p>
+      </dsp:txBody>
+      <dsp:txXfrm>
+        <a:off x="3746163" y="16034714"/>
+        <a:ext cx="52050" cy="52050"/>
+      </dsp:txXfrm>
+    </dsp:sp>
+    <dsp:sp modelId="{29D5522D-94FF-4D25-BFA1-303FCFB3CE4D}">
+      <dsp:nvSpPr>
+        <dsp:cNvPr id="0" name=""/>
+        <dsp:cNvSpPr/>
+      </dsp:nvSpPr>
+      <dsp:spPr>
+        <a:xfrm>
+          <a:off x="3395341" y="14983623"/>
+          <a:ext cx="753693" cy="718077"/>
+        </a:xfrm>
+        <a:custGeom>
+          <a:avLst/>
+          <a:gdLst/>
+          <a:ahLst/>
+          <a:cxnLst/>
+          <a:rect l="0" t="0" r="0" b="0"/>
+          <a:pathLst>
+            <a:path>
+              <a:moveTo>
+                <a:pt x="0" y="718077"/>
+              </a:moveTo>
+              <a:lnTo>
+                <a:pt x="376846" y="718077"/>
+              </a:lnTo>
+              <a:lnTo>
+                <a:pt x="376846" y="0"/>
+              </a:lnTo>
+              <a:lnTo>
+                <a:pt x="753693" y="0"/>
+              </a:lnTo>
+            </a:path>
+          </a:pathLst>
+        </a:custGeom>
+        <a:noFill/>
+        <a:ln w="12700" cap="flat" cmpd="sng" algn="ctr">
+          <a:solidFill>
+            <a:schemeClr val="accent1">
+              <a:shade val="60000"/>
+              <a:hueOff val="0"/>
+              <a:satOff val="0"/>
+              <a:lumOff val="0"/>
+              <a:alphaOff val="0"/>
+            </a:schemeClr>
+          </a:solidFill>
+          <a:prstDash val="solid"/>
+          <a:miter lim="800000"/>
+        </a:ln>
+        <a:effectLst/>
+      </dsp:spPr>
+      <dsp:style>
+        <a:lnRef idx="2">
+          <a:scrgbClr r="0" g="0" b="0"/>
+        </a:lnRef>
+        <a:fillRef idx="0">
+          <a:scrgbClr r="0" g="0" b="0"/>
+        </a:fillRef>
+        <a:effectRef idx="0">
+          <a:scrgbClr r="0" g="0" b="0"/>
+        </a:effectRef>
+        <a:fontRef idx="minor"/>
+      </dsp:style>
+      <dsp:txBody>
+        <a:bodyPr spcFirstLastPara="0" vert="horz" wrap="square" lIns="12700" tIns="0" rIns="12700" bIns="0" numCol="1" spcCol="1270" anchor="ctr" anchorCtr="0">
+          <a:noAutofit/>
+        </a:bodyPr>
+        <a:lstStyle/>
+        <a:p>
+          <a:pPr lvl="0" algn="ctr" defTabSz="222250">
+            <a:lnSpc>
+              <a:spcPct val="90000"/>
+            </a:lnSpc>
+            <a:spcBef>
+              <a:spcPct val="0"/>
+            </a:spcBef>
+            <a:spcAft>
+              <a:spcPct val="35000"/>
+            </a:spcAft>
+          </a:pPr>
+          <a:endParaRPr lang="en-US" sz="500" kern="1200"/>
+        </a:p>
+      </dsp:txBody>
+      <dsp:txXfrm>
+        <a:off x="3746163" y="15316636"/>
+        <a:ext cx="52050" cy="52050"/>
+      </dsp:txXfrm>
+    </dsp:sp>
+    <dsp:sp modelId="{F1E5F97C-8DA0-4759-A333-1532B48C0200}">
+      <dsp:nvSpPr>
+        <dsp:cNvPr id="0" name=""/>
+        <dsp:cNvSpPr/>
+      </dsp:nvSpPr>
+      <dsp:spPr>
+        <a:xfrm>
+          <a:off x="3395341" y="9367503"/>
+          <a:ext cx="753693" cy="3590386"/>
+        </a:xfrm>
+        <a:custGeom>
+          <a:avLst/>
+          <a:gdLst/>
+          <a:ahLst/>
+          <a:cxnLst/>
+          <a:rect l="0" t="0" r="0" b="0"/>
+          <a:pathLst>
+            <a:path>
+              <a:moveTo>
+                <a:pt x="0" y="0"/>
+              </a:moveTo>
+              <a:lnTo>
+                <a:pt x="376846" y="0"/>
+              </a:lnTo>
+              <a:lnTo>
+                <a:pt x="376846" y="3590386"/>
+              </a:lnTo>
+              <a:lnTo>
+                <a:pt x="753693" y="3590386"/>
+              </a:lnTo>
+            </a:path>
+          </a:pathLst>
+        </a:custGeom>
+        <a:noFill/>
+        <a:ln w="12700" cap="flat" cmpd="sng" algn="ctr">
+          <a:solidFill>
+            <a:schemeClr val="accent1">
+              <a:shade val="60000"/>
+              <a:hueOff val="0"/>
+              <a:satOff val="0"/>
+              <a:lumOff val="0"/>
+              <a:alphaOff val="0"/>
+            </a:schemeClr>
+          </a:solidFill>
+          <a:prstDash val="solid"/>
+          <a:miter lim="800000"/>
+        </a:ln>
+        <a:effectLst/>
+      </dsp:spPr>
+      <dsp:style>
+        <a:lnRef idx="2">
+          <a:scrgbClr r="0" g="0" b="0"/>
+        </a:lnRef>
+        <a:fillRef idx="0">
+          <a:scrgbClr r="0" g="0" b="0"/>
+        </a:fillRef>
+        <a:effectRef idx="0">
+          <a:scrgbClr r="0" g="0" b="0"/>
+        </a:effectRef>
+        <a:fontRef idx="minor"/>
+      </dsp:style>
+      <dsp:txBody>
+        <a:bodyPr spcFirstLastPara="0" vert="horz" wrap="square" lIns="12700" tIns="0" rIns="12700" bIns="0" numCol="1" spcCol="1270" anchor="ctr" anchorCtr="0">
+          <a:noAutofit/>
+        </a:bodyPr>
+        <a:lstStyle/>
+        <a:p>
+          <a:pPr lvl="0" algn="ctr" defTabSz="577850">
+            <a:lnSpc>
+              <a:spcPct val="90000"/>
+            </a:lnSpc>
+            <a:spcBef>
+              <a:spcPct val="0"/>
+            </a:spcBef>
+            <a:spcAft>
+              <a:spcPct val="35000"/>
+            </a:spcAft>
+          </a:pPr>
+          <a:endParaRPr lang="en-US" sz="1300" kern="1200"/>
+        </a:p>
+      </dsp:txBody>
+      <dsp:txXfrm>
+        <a:off x="3680472" y="11070980"/>
+        <a:ext cx="183432" cy="183432"/>
+      </dsp:txXfrm>
+    </dsp:sp>
+    <dsp:sp modelId="{71B94CEE-E9E8-4724-91C6-F206E5994966}">
+      <dsp:nvSpPr>
+        <dsp:cNvPr id="0" name=""/>
+        <dsp:cNvSpPr/>
+      </dsp:nvSpPr>
+      <dsp:spPr>
+        <a:xfrm>
+          <a:off x="3395341" y="9367503"/>
+          <a:ext cx="753693" cy="2154231"/>
+        </a:xfrm>
+        <a:custGeom>
+          <a:avLst/>
+          <a:gdLst/>
+          <a:ahLst/>
+          <a:cxnLst/>
+          <a:rect l="0" t="0" r="0" b="0"/>
+          <a:pathLst>
+            <a:path>
+              <a:moveTo>
+                <a:pt x="0" y="0"/>
+              </a:moveTo>
+              <a:lnTo>
+                <a:pt x="376846" y="0"/>
+              </a:lnTo>
+              <a:lnTo>
+                <a:pt x="376846" y="2154231"/>
+              </a:lnTo>
+              <a:lnTo>
+                <a:pt x="753693" y="2154231"/>
+              </a:lnTo>
+            </a:path>
+          </a:pathLst>
+        </a:custGeom>
+        <a:noFill/>
+        <a:ln w="12700" cap="flat" cmpd="sng" algn="ctr">
+          <a:solidFill>
+            <a:schemeClr val="accent1">
+              <a:shade val="60000"/>
+              <a:hueOff val="0"/>
+              <a:satOff val="0"/>
+              <a:lumOff val="0"/>
+              <a:alphaOff val="0"/>
+            </a:schemeClr>
+          </a:solidFill>
+          <a:prstDash val="solid"/>
+          <a:miter lim="800000"/>
+        </a:ln>
+        <a:effectLst/>
+      </dsp:spPr>
+      <dsp:style>
+        <a:lnRef idx="2">
+          <a:scrgbClr r="0" g="0" b="0"/>
+        </a:lnRef>
+        <a:fillRef idx="0">
+          <a:scrgbClr r="0" g="0" b="0"/>
+        </a:fillRef>
+        <a:effectRef idx="0">
+          <a:scrgbClr r="0" g="0" b="0"/>
+        </a:effectRef>
+        <a:fontRef idx="minor"/>
+      </dsp:style>
+      <dsp:txBody>
+        <a:bodyPr spcFirstLastPara="0" vert="horz" wrap="square" lIns="12700" tIns="0" rIns="12700" bIns="0" numCol="1" spcCol="1270" anchor="ctr" anchorCtr="0">
+          <a:noAutofit/>
+        </a:bodyPr>
+        <a:lstStyle/>
+        <a:p>
+          <a:pPr lvl="0" algn="ctr" defTabSz="355600">
+            <a:lnSpc>
+              <a:spcPct val="90000"/>
+            </a:lnSpc>
+            <a:spcBef>
+              <a:spcPct val="0"/>
+            </a:spcBef>
+            <a:spcAft>
+              <a:spcPct val="35000"/>
+            </a:spcAft>
+          </a:pPr>
+          <a:endParaRPr lang="en-US" sz="800" kern="1200"/>
+        </a:p>
+      </dsp:txBody>
+      <dsp:txXfrm>
+        <a:off x="3715131" y="10387562"/>
+        <a:ext cx="114113" cy="114113"/>
+      </dsp:txXfrm>
+    </dsp:sp>
+    <dsp:sp modelId="{18EDF9A4-5434-4090-9C99-B90838681B97}">
+      <dsp:nvSpPr>
+        <dsp:cNvPr id="0" name=""/>
+        <dsp:cNvSpPr/>
+      </dsp:nvSpPr>
+      <dsp:spPr>
+        <a:xfrm>
+          <a:off x="3395341" y="9367503"/>
+          <a:ext cx="753693" cy="718077"/>
+        </a:xfrm>
+        <a:custGeom>
+          <a:avLst/>
+          <a:gdLst/>
+          <a:ahLst/>
+          <a:cxnLst/>
+          <a:rect l="0" t="0" r="0" b="0"/>
+          <a:pathLst>
+            <a:path>
+              <a:moveTo>
+                <a:pt x="0" y="0"/>
+              </a:moveTo>
+              <a:lnTo>
+                <a:pt x="376846" y="0"/>
+              </a:lnTo>
+              <a:lnTo>
+                <a:pt x="376846" y="718077"/>
+              </a:lnTo>
+              <a:lnTo>
+                <a:pt x="753693" y="718077"/>
+              </a:lnTo>
+            </a:path>
+          </a:pathLst>
+        </a:custGeom>
+        <a:noFill/>
+        <a:ln w="12700" cap="flat" cmpd="sng" algn="ctr">
+          <a:solidFill>
+            <a:schemeClr val="accent1">
+              <a:shade val="60000"/>
+              <a:hueOff val="0"/>
+              <a:satOff val="0"/>
+              <a:lumOff val="0"/>
+              <a:alphaOff val="0"/>
+            </a:schemeClr>
+          </a:solidFill>
+          <a:prstDash val="solid"/>
+          <a:miter lim="800000"/>
+        </a:ln>
+        <a:effectLst/>
+      </dsp:spPr>
+      <dsp:style>
+        <a:lnRef idx="2">
+          <a:scrgbClr r="0" g="0" b="0"/>
+        </a:lnRef>
+        <a:fillRef idx="0">
+          <a:scrgbClr r="0" g="0" b="0"/>
+        </a:fillRef>
+        <a:effectRef idx="0">
+          <a:scrgbClr r="0" g="0" b="0"/>
+        </a:effectRef>
+        <a:fontRef idx="minor"/>
+      </dsp:style>
+      <dsp:txBody>
+        <a:bodyPr spcFirstLastPara="0" vert="horz" wrap="square" lIns="12700" tIns="0" rIns="12700" bIns="0" numCol="1" spcCol="1270" anchor="ctr" anchorCtr="0">
+          <a:noAutofit/>
+        </a:bodyPr>
+        <a:lstStyle/>
+        <a:p>
+          <a:pPr lvl="0" algn="ctr" defTabSz="222250">
+            <a:lnSpc>
+              <a:spcPct val="90000"/>
+            </a:lnSpc>
+            <a:spcBef>
+              <a:spcPct val="0"/>
+            </a:spcBef>
+            <a:spcAft>
+              <a:spcPct val="35000"/>
+            </a:spcAft>
+          </a:pPr>
+          <a:endParaRPr lang="en-US" sz="500" kern="1200"/>
+        </a:p>
+      </dsp:txBody>
+      <dsp:txXfrm>
+        <a:off x="3746163" y="9700516"/>
+        <a:ext cx="52050" cy="52050"/>
+      </dsp:txXfrm>
+    </dsp:sp>
+    <dsp:sp modelId="{495DB376-67F6-4AF2-9C73-331F06516F40}">
+      <dsp:nvSpPr>
+        <dsp:cNvPr id="0" name=""/>
+        <dsp:cNvSpPr/>
+      </dsp:nvSpPr>
+      <dsp:spPr>
+        <a:xfrm>
+          <a:off x="3395341" y="8649426"/>
+          <a:ext cx="753693" cy="718077"/>
+        </a:xfrm>
+        <a:custGeom>
+          <a:avLst/>
+          <a:gdLst/>
+          <a:ahLst/>
+          <a:cxnLst/>
+          <a:rect l="0" t="0" r="0" b="0"/>
+          <a:pathLst>
+            <a:path>
+              <a:moveTo>
+                <a:pt x="0" y="718077"/>
+              </a:moveTo>
+              <a:lnTo>
+                <a:pt x="376846" y="718077"/>
+              </a:lnTo>
+              <a:lnTo>
+                <a:pt x="376846" y="0"/>
+              </a:lnTo>
+              <a:lnTo>
+                <a:pt x="753693" y="0"/>
+              </a:lnTo>
+            </a:path>
+          </a:pathLst>
+        </a:custGeom>
+        <a:noFill/>
+        <a:ln w="12700" cap="flat" cmpd="sng" algn="ctr">
+          <a:solidFill>
+            <a:schemeClr val="accent1">
+              <a:shade val="60000"/>
+              <a:hueOff val="0"/>
+              <a:satOff val="0"/>
+              <a:lumOff val="0"/>
+              <a:alphaOff val="0"/>
+            </a:schemeClr>
+          </a:solidFill>
+          <a:prstDash val="solid"/>
+          <a:miter lim="800000"/>
+        </a:ln>
+        <a:effectLst/>
+      </dsp:spPr>
+      <dsp:style>
+        <a:lnRef idx="2">
+          <a:scrgbClr r="0" g="0" b="0"/>
+        </a:lnRef>
+        <a:fillRef idx="0">
+          <a:scrgbClr r="0" g="0" b="0"/>
+        </a:fillRef>
+        <a:effectRef idx="0">
+          <a:scrgbClr r="0" g="0" b="0"/>
+        </a:effectRef>
+        <a:fontRef idx="minor"/>
+      </dsp:style>
+      <dsp:txBody>
+        <a:bodyPr spcFirstLastPara="0" vert="horz" wrap="square" lIns="12700" tIns="0" rIns="12700" bIns="0" numCol="1" spcCol="1270" anchor="ctr" anchorCtr="0">
+          <a:noAutofit/>
+        </a:bodyPr>
+        <a:lstStyle/>
+        <a:p>
+          <a:pPr lvl="0" algn="ctr" defTabSz="222250">
+            <a:lnSpc>
+              <a:spcPct val="90000"/>
+            </a:lnSpc>
+            <a:spcBef>
+              <a:spcPct val="0"/>
+            </a:spcBef>
+            <a:spcAft>
+              <a:spcPct val="35000"/>
+            </a:spcAft>
+          </a:pPr>
+          <a:endParaRPr lang="en-US" sz="500" kern="1200"/>
+        </a:p>
+      </dsp:txBody>
+      <dsp:txXfrm>
+        <a:off x="3746163" y="8982439"/>
+        <a:ext cx="52050" cy="52050"/>
+      </dsp:txXfrm>
+    </dsp:sp>
+    <dsp:sp modelId="{388DC2CE-8871-4319-A47F-97BD564CFD92}">
+      <dsp:nvSpPr>
+        <dsp:cNvPr id="0" name=""/>
+        <dsp:cNvSpPr/>
+      </dsp:nvSpPr>
+      <dsp:spPr>
+        <a:xfrm>
+          <a:off x="3395341" y="7213271"/>
+          <a:ext cx="753693" cy="2154231"/>
+        </a:xfrm>
+        <a:custGeom>
+          <a:avLst/>
+          <a:gdLst/>
+          <a:ahLst/>
+          <a:cxnLst/>
+          <a:rect l="0" t="0" r="0" b="0"/>
+          <a:pathLst>
+            <a:path>
+              <a:moveTo>
+                <a:pt x="0" y="2154231"/>
+              </a:moveTo>
+              <a:lnTo>
+                <a:pt x="376846" y="2154231"/>
+              </a:lnTo>
+              <a:lnTo>
+                <a:pt x="376846" y="0"/>
+              </a:lnTo>
+              <a:lnTo>
+                <a:pt x="753693" y="0"/>
+              </a:lnTo>
+            </a:path>
+          </a:pathLst>
+        </a:custGeom>
+        <a:noFill/>
+        <a:ln w="12700" cap="flat" cmpd="sng" algn="ctr">
+          <a:solidFill>
+            <a:schemeClr val="accent1">
+              <a:shade val="60000"/>
+              <a:hueOff val="0"/>
+              <a:satOff val="0"/>
+              <a:lumOff val="0"/>
+              <a:alphaOff val="0"/>
+            </a:schemeClr>
+          </a:solidFill>
+          <a:prstDash val="solid"/>
+          <a:miter lim="800000"/>
+        </a:ln>
+        <a:effectLst/>
+      </dsp:spPr>
+      <dsp:style>
+        <a:lnRef idx="2">
+          <a:scrgbClr r="0" g="0" b="0"/>
+        </a:lnRef>
+        <a:fillRef idx="0">
+          <a:scrgbClr r="0" g="0" b="0"/>
+        </a:fillRef>
+        <a:effectRef idx="0">
+          <a:scrgbClr r="0" g="0" b="0"/>
+        </a:effectRef>
+        <a:fontRef idx="minor"/>
+      </dsp:style>
+      <dsp:txBody>
+        <a:bodyPr spcFirstLastPara="0" vert="horz" wrap="square" lIns="12700" tIns="0" rIns="12700" bIns="0" numCol="1" spcCol="1270" anchor="ctr" anchorCtr="0">
+          <a:noAutofit/>
+        </a:bodyPr>
+        <a:lstStyle/>
+        <a:p>
+          <a:pPr lvl="0" algn="ctr" defTabSz="355600">
+            <a:lnSpc>
+              <a:spcPct val="90000"/>
+            </a:lnSpc>
+            <a:spcBef>
+              <a:spcPct val="0"/>
+            </a:spcBef>
+            <a:spcAft>
+              <a:spcPct val="35000"/>
+            </a:spcAft>
+          </a:pPr>
+          <a:endParaRPr lang="en-US" sz="800" kern="1200"/>
+        </a:p>
+      </dsp:txBody>
+      <dsp:txXfrm>
+        <a:off x="3715131" y="8233330"/>
+        <a:ext cx="114113" cy="114113"/>
+      </dsp:txXfrm>
+    </dsp:sp>
+    <dsp:sp modelId="{22CA70FA-EAC7-43AA-957A-C71589377C0A}">
+      <dsp:nvSpPr>
+        <dsp:cNvPr id="0" name=""/>
+        <dsp:cNvSpPr/>
+      </dsp:nvSpPr>
+      <dsp:spPr>
+        <a:xfrm>
+          <a:off x="3395341" y="5777117"/>
+          <a:ext cx="753693" cy="3590386"/>
+        </a:xfrm>
+        <a:custGeom>
+          <a:avLst/>
+          <a:gdLst/>
+          <a:ahLst/>
+          <a:cxnLst/>
+          <a:rect l="0" t="0" r="0" b="0"/>
+          <a:pathLst>
+            <a:path>
+              <a:moveTo>
+                <a:pt x="0" y="3590386"/>
+              </a:moveTo>
+              <a:lnTo>
+                <a:pt x="376846" y="3590386"/>
+              </a:lnTo>
+              <a:lnTo>
+                <a:pt x="376846" y="0"/>
+              </a:lnTo>
+              <a:lnTo>
+                <a:pt x="753693" y="0"/>
+              </a:lnTo>
+            </a:path>
+          </a:pathLst>
+        </a:custGeom>
+        <a:noFill/>
+        <a:ln w="12700" cap="flat" cmpd="sng" algn="ctr">
+          <a:solidFill>
+            <a:schemeClr val="accent1">
+              <a:shade val="60000"/>
+              <a:hueOff val="0"/>
+              <a:satOff val="0"/>
+              <a:lumOff val="0"/>
+              <a:alphaOff val="0"/>
+            </a:schemeClr>
+          </a:solidFill>
+          <a:prstDash val="solid"/>
+          <a:miter lim="800000"/>
+        </a:ln>
+        <a:effectLst/>
+      </dsp:spPr>
+      <dsp:style>
+        <a:lnRef idx="2">
+          <a:scrgbClr r="0" g="0" b="0"/>
+        </a:lnRef>
+        <a:fillRef idx="0">
+          <a:scrgbClr r="0" g="0" b="0"/>
+        </a:fillRef>
+        <a:effectRef idx="0">
+          <a:scrgbClr r="0" g="0" b="0"/>
+        </a:effectRef>
+        <a:fontRef idx="minor"/>
+      </dsp:style>
+      <dsp:txBody>
+        <a:bodyPr spcFirstLastPara="0" vert="horz" wrap="square" lIns="12700" tIns="0" rIns="12700" bIns="0" numCol="1" spcCol="1270" anchor="ctr" anchorCtr="0">
+          <a:noAutofit/>
+        </a:bodyPr>
+        <a:lstStyle/>
+        <a:p>
+          <a:pPr lvl="0" algn="ctr" defTabSz="577850">
+            <a:lnSpc>
+              <a:spcPct val="90000"/>
+            </a:lnSpc>
+            <a:spcBef>
+              <a:spcPct val="0"/>
+            </a:spcBef>
+            <a:spcAft>
+              <a:spcPct val="35000"/>
+            </a:spcAft>
+          </a:pPr>
+          <a:endParaRPr lang="en-US" sz="1300" kern="1200"/>
+        </a:p>
+      </dsp:txBody>
+      <dsp:txXfrm>
+        <a:off x="3680472" y="7480594"/>
+        <a:ext cx="183432" cy="183432"/>
+      </dsp:txXfrm>
+    </dsp:sp>
+    <dsp:sp modelId="{6251C981-58A2-4AD3-B3DE-EFEB129C7183}">
+      <dsp:nvSpPr>
+        <dsp:cNvPr id="0" name=""/>
+        <dsp:cNvSpPr/>
+      </dsp:nvSpPr>
+      <dsp:spPr>
+        <a:xfrm>
+          <a:off x="3395341" y="3033306"/>
+          <a:ext cx="753693" cy="718077"/>
+        </a:xfrm>
+        <a:custGeom>
+          <a:avLst/>
+          <a:gdLst/>
+          <a:ahLst/>
+          <a:cxnLst/>
+          <a:rect l="0" t="0" r="0" b="0"/>
+          <a:pathLst>
+            <a:path>
+              <a:moveTo>
+                <a:pt x="0" y="0"/>
+              </a:moveTo>
+              <a:lnTo>
+                <a:pt x="376846" y="0"/>
+              </a:lnTo>
+              <a:lnTo>
+                <a:pt x="376846" y="718077"/>
+              </a:lnTo>
+              <a:lnTo>
+                <a:pt x="753693" y="718077"/>
+              </a:lnTo>
+            </a:path>
+          </a:pathLst>
+        </a:custGeom>
+        <a:noFill/>
+        <a:ln w="12700" cap="flat" cmpd="sng" algn="ctr">
+          <a:solidFill>
+            <a:schemeClr val="accent1">
+              <a:shade val="60000"/>
+              <a:hueOff val="0"/>
+              <a:satOff val="0"/>
+              <a:lumOff val="0"/>
+              <a:alphaOff val="0"/>
+            </a:schemeClr>
+          </a:solidFill>
+          <a:prstDash val="solid"/>
+          <a:miter lim="800000"/>
+        </a:ln>
+        <a:effectLst/>
+      </dsp:spPr>
+      <dsp:style>
+        <a:lnRef idx="2">
+          <a:scrgbClr r="0" g="0" b="0"/>
+        </a:lnRef>
+        <a:fillRef idx="0">
+          <a:scrgbClr r="0" g="0" b="0"/>
+        </a:fillRef>
+        <a:effectRef idx="0">
+          <a:scrgbClr r="0" g="0" b="0"/>
+        </a:effectRef>
+        <a:fontRef idx="minor"/>
+      </dsp:style>
+      <dsp:txBody>
+        <a:bodyPr spcFirstLastPara="0" vert="horz" wrap="square" lIns="12700" tIns="0" rIns="12700" bIns="0" numCol="1" spcCol="1270" anchor="ctr" anchorCtr="0">
+          <a:noAutofit/>
+        </a:bodyPr>
+        <a:lstStyle/>
+        <a:p>
+          <a:pPr lvl="0" algn="ctr" defTabSz="222250">
+            <a:lnSpc>
+              <a:spcPct val="90000"/>
+            </a:lnSpc>
+            <a:spcBef>
+              <a:spcPct val="0"/>
+            </a:spcBef>
+            <a:spcAft>
+              <a:spcPct val="35000"/>
+            </a:spcAft>
+          </a:pPr>
+          <a:endParaRPr lang="en-US" sz="500" kern="1200"/>
+        </a:p>
+      </dsp:txBody>
+      <dsp:txXfrm>
+        <a:off x="3746163" y="3366319"/>
+        <a:ext cx="52050" cy="52050"/>
+      </dsp:txXfrm>
+    </dsp:sp>
+    <dsp:sp modelId="{9B9AE94B-9898-4B99-B5DD-A58B700CD12D}">
+      <dsp:nvSpPr>
+        <dsp:cNvPr id="0" name=""/>
+        <dsp:cNvSpPr/>
+      </dsp:nvSpPr>
+      <dsp:spPr>
+        <a:xfrm>
+          <a:off x="3395341" y="2315229"/>
+          <a:ext cx="753693" cy="718077"/>
+        </a:xfrm>
+        <a:custGeom>
+          <a:avLst/>
+          <a:gdLst/>
+          <a:ahLst/>
+          <a:cxnLst/>
+          <a:rect l="0" t="0" r="0" b="0"/>
+          <a:pathLst>
+            <a:path>
+              <a:moveTo>
+                <a:pt x="0" y="718077"/>
+              </a:moveTo>
+              <a:lnTo>
+                <a:pt x="376846" y="718077"/>
+              </a:lnTo>
+              <a:lnTo>
+                <a:pt x="376846" y="0"/>
+              </a:lnTo>
+              <a:lnTo>
+                <a:pt x="753693" y="0"/>
+              </a:lnTo>
+            </a:path>
+          </a:pathLst>
+        </a:custGeom>
+        <a:noFill/>
+        <a:ln w="12700" cap="flat" cmpd="sng" algn="ctr">
+          <a:solidFill>
+            <a:schemeClr val="accent1">
+              <a:shade val="60000"/>
+              <a:hueOff val="0"/>
+              <a:satOff val="0"/>
+              <a:lumOff val="0"/>
+              <a:alphaOff val="0"/>
+            </a:schemeClr>
+          </a:solidFill>
+          <a:prstDash val="solid"/>
+          <a:miter lim="800000"/>
+        </a:ln>
+        <a:effectLst/>
+      </dsp:spPr>
+      <dsp:style>
+        <a:lnRef idx="2">
+          <a:scrgbClr r="0" g="0" b="0"/>
+        </a:lnRef>
+        <a:fillRef idx="0">
+          <a:scrgbClr r="0" g="0" b="0"/>
+        </a:fillRef>
+        <a:effectRef idx="0">
+          <a:scrgbClr r="0" g="0" b="0"/>
+        </a:effectRef>
+        <a:fontRef idx="minor"/>
+      </dsp:style>
+      <dsp:txBody>
+        <a:bodyPr spcFirstLastPara="0" vert="horz" wrap="square" lIns="12700" tIns="0" rIns="12700" bIns="0" numCol="1" spcCol="1270" anchor="ctr" anchorCtr="0">
+          <a:noAutofit/>
+        </a:bodyPr>
+        <a:lstStyle/>
+        <a:p>
+          <a:pPr lvl="0" algn="ctr" defTabSz="222250">
+            <a:lnSpc>
+              <a:spcPct val="90000"/>
+            </a:lnSpc>
+            <a:spcBef>
+              <a:spcPct val="0"/>
+            </a:spcBef>
+            <a:spcAft>
+              <a:spcPct val="35000"/>
+            </a:spcAft>
+          </a:pPr>
+          <a:endParaRPr lang="en-US" sz="500" kern="1200"/>
+        </a:p>
+      </dsp:txBody>
+      <dsp:txXfrm>
+        <a:off x="3746163" y="2648242"/>
+        <a:ext cx="52050" cy="52050"/>
+      </dsp:txXfrm>
+    </dsp:sp>
+    <dsp:sp modelId="{59E2F822-4C97-47F7-B767-44D7A2D3F5EC}">
+      <dsp:nvSpPr>
+        <dsp:cNvPr id="0" name=""/>
+        <dsp:cNvSpPr/>
+      </dsp:nvSpPr>
+      <dsp:spPr>
+        <a:xfrm rot="16200000">
+          <a:off x="-202603" y="2458844"/>
+          <a:ext cx="6046966" cy="1148923"/>
+        </a:xfrm>
+        <a:prstGeom prst="rect">
+          <a:avLst/>
         </a:prstGeom>
         <a:solidFill>
           <a:schemeClr val="accent1">
@@ -5813,12 +6992,12 @@
         </a:fontRef>
       </dsp:style>
       <dsp:txBody>
-        <a:bodyPr spcFirstLastPara="0" vert="horz" wrap="square" lIns="66675" tIns="44450" rIns="66675" bIns="44450" numCol="1" spcCol="1270" anchor="ctr" anchorCtr="0">
+        <a:bodyPr spcFirstLastPara="0" vert="horz" wrap="square" lIns="41275" tIns="41275" rIns="41275" bIns="41275" numCol="1" spcCol="1270" anchor="ctr" anchorCtr="0">
           <a:noAutofit/>
         </a:bodyPr>
         <a:lstStyle/>
         <a:p>
-          <a:pPr lvl="0" algn="ctr" defTabSz="1555750">
+          <a:pPr lvl="0" algn="ctr" defTabSz="2889250">
             <a:lnSpc>
               <a:spcPct val="90000"/>
             </a:lnSpc>
@@ -5830,307 +7009,29 @@
             </a:spcAft>
           </a:pPr>
           <a:r>
-            <a:rPr lang="en-US" sz="3500" kern="1200" dirty="0" smtClean="0"/>
-            <a:t>Mission 1</a:t>
+            <a:rPr lang="en-US" sz="6500" kern="1200" dirty="0" smtClean="0"/>
+            <a:t>Launch 1</a:t>
           </a:r>
-          <a:endParaRPr lang="en-US" sz="3500" kern="1200" dirty="0"/>
+          <a:endParaRPr lang="en-US" sz="6500" kern="1200" dirty="0"/>
         </a:p>
       </dsp:txBody>
       <dsp:txXfrm>
-        <a:off x="33729" y="8521760"/>
-        <a:ext cx="2110396" cy="1023360"/>
+        <a:off x="-202603" y="2458844"/>
+        <a:ext cx="6046966" cy="1148923"/>
       </dsp:txXfrm>
     </dsp:sp>
-    <dsp:sp modelId="{35E53A68-F3EE-45BF-87B9-5748E7D0FB4E}">
+    <dsp:sp modelId="{1BABBFB1-3D56-4118-B723-7072E68B911F}">
       <dsp:nvSpPr>
         <dsp:cNvPr id="0" name=""/>
         <dsp:cNvSpPr/>
       </dsp:nvSpPr>
       <dsp:spPr>
         <a:xfrm>
-          <a:off x="219298" y="9576958"/>
-          <a:ext cx="217407" cy="817364"/>
+          <a:off x="4149035" y="1740767"/>
+          <a:ext cx="3768469" cy="1148923"/>
         </a:xfrm>
-        <a:custGeom>
+        <a:prstGeom prst="rect">
           <a:avLst/>
-          <a:gdLst/>
-          <a:ahLst/>
-          <a:cxnLst/>
-          <a:rect l="0" t="0" r="0" b="0"/>
-          <a:pathLst>
-            <a:path>
-              <a:moveTo>
-                <a:pt x="0" y="0"/>
-              </a:moveTo>
-              <a:lnTo>
-                <a:pt x="0" y="817364"/>
-              </a:lnTo>
-              <a:lnTo>
-                <a:pt x="217407" y="817364"/>
-              </a:lnTo>
-            </a:path>
-          </a:pathLst>
-        </a:custGeom>
-        <a:noFill/>
-        <a:ln w="12700" cap="flat" cmpd="sng" algn="ctr">
-          <a:solidFill>
-            <a:schemeClr val="accent1">
-              <a:shade val="60000"/>
-              <a:hueOff val="0"/>
-              <a:satOff val="0"/>
-              <a:lumOff val="0"/>
-              <a:alphaOff val="0"/>
-            </a:schemeClr>
-          </a:solidFill>
-          <a:prstDash val="solid"/>
-          <a:miter lim="800000"/>
-        </a:ln>
-        <a:effectLst/>
-      </dsp:spPr>
-      <dsp:style>
-        <a:lnRef idx="2">
-          <a:scrgbClr r="0" g="0" b="0"/>
-        </a:lnRef>
-        <a:fillRef idx="0">
-          <a:scrgbClr r="0" g="0" b="0"/>
-        </a:fillRef>
-        <a:effectRef idx="0">
-          <a:scrgbClr r="0" g="0" b="0"/>
-        </a:effectRef>
-        <a:fontRef idx="minor"/>
-      </dsp:style>
-    </dsp:sp>
-    <dsp:sp modelId="{E340CD30-2C22-4E96-A3A9-D6A6A055B3A3}">
-      <dsp:nvSpPr>
-        <dsp:cNvPr id="0" name=""/>
-        <dsp:cNvSpPr/>
-      </dsp:nvSpPr>
-      <dsp:spPr>
-        <a:xfrm>
-          <a:off x="436706" y="9850804"/>
-          <a:ext cx="1739257" cy="1087036"/>
-        </a:xfrm>
-        <a:prstGeom prst="roundRect">
-          <a:avLst>
-            <a:gd name="adj" fmla="val 10000"/>
-          </a:avLst>
-        </a:prstGeom>
-        <a:solidFill>
-          <a:schemeClr val="lt1">
-            <a:alpha val="90000"/>
-            <a:hueOff val="0"/>
-            <a:satOff val="0"/>
-            <a:lumOff val="0"/>
-            <a:alphaOff val="0"/>
-          </a:schemeClr>
-        </a:solidFill>
-        <a:ln w="12700" cap="flat" cmpd="sng" algn="ctr">
-          <a:solidFill>
-            <a:schemeClr val="accent1">
-              <a:hueOff val="0"/>
-              <a:satOff val="0"/>
-              <a:lumOff val="0"/>
-              <a:alphaOff val="0"/>
-            </a:schemeClr>
-          </a:solidFill>
-          <a:prstDash val="solid"/>
-          <a:miter lim="800000"/>
-        </a:ln>
-        <a:effectLst/>
-      </dsp:spPr>
-      <dsp:style>
-        <a:lnRef idx="2">
-          <a:scrgbClr r="0" g="0" b="0"/>
-        </a:lnRef>
-        <a:fillRef idx="1">
-          <a:scrgbClr r="0" g="0" b="0"/>
-        </a:fillRef>
-        <a:effectRef idx="0">
-          <a:scrgbClr r="0" g="0" b="0"/>
-        </a:effectRef>
-        <a:fontRef idx="minor"/>
-      </dsp:style>
-      <dsp:txBody>
-        <a:bodyPr spcFirstLastPara="0" vert="horz" wrap="square" lIns="34290" tIns="22860" rIns="34290" bIns="22860" numCol="1" spcCol="1270" anchor="ctr" anchorCtr="0">
-          <a:noAutofit/>
-        </a:bodyPr>
-        <a:lstStyle/>
-        <a:p>
-          <a:pPr lvl="0" algn="ctr" defTabSz="800100">
-            <a:lnSpc>
-              <a:spcPct val="90000"/>
-            </a:lnSpc>
-            <a:spcBef>
-              <a:spcPct val="0"/>
-            </a:spcBef>
-            <a:spcAft>
-              <a:spcPct val="35000"/>
-            </a:spcAft>
-          </a:pPr>
-          <a:r>
-            <a:rPr lang="en-US" sz="1800" kern="1200" dirty="0" smtClean="0"/>
-            <a:t>The Building Collector</a:t>
-          </a:r>
-          <a:endParaRPr lang="en-US" sz="1800" kern="1200" dirty="0"/>
-        </a:p>
-      </dsp:txBody>
-      <dsp:txXfrm>
-        <a:off x="468544" y="9882642"/>
-        <a:ext cx="1675581" cy="1023360"/>
-      </dsp:txXfrm>
-    </dsp:sp>
-    <dsp:sp modelId="{8F7E9A1B-3110-4E10-B3F6-BA51C045F86C}">
-      <dsp:nvSpPr>
-        <dsp:cNvPr id="0" name=""/>
-        <dsp:cNvSpPr/>
-      </dsp:nvSpPr>
-      <dsp:spPr>
-        <a:xfrm>
-          <a:off x="219298" y="9576958"/>
-          <a:ext cx="217407" cy="2176159"/>
-        </a:xfrm>
-        <a:custGeom>
-          <a:avLst/>
-          <a:gdLst/>
-          <a:ahLst/>
-          <a:cxnLst/>
-          <a:rect l="0" t="0" r="0" b="0"/>
-          <a:pathLst>
-            <a:path>
-              <a:moveTo>
-                <a:pt x="0" y="0"/>
-              </a:moveTo>
-              <a:lnTo>
-                <a:pt x="0" y="2176159"/>
-              </a:lnTo>
-              <a:lnTo>
-                <a:pt x="217407" y="2176159"/>
-              </a:lnTo>
-            </a:path>
-          </a:pathLst>
-        </a:custGeom>
-        <a:noFill/>
-        <a:ln w="12700" cap="flat" cmpd="sng" algn="ctr">
-          <a:solidFill>
-            <a:schemeClr val="accent1">
-              <a:shade val="60000"/>
-              <a:hueOff val="0"/>
-              <a:satOff val="0"/>
-              <a:lumOff val="0"/>
-              <a:alphaOff val="0"/>
-            </a:schemeClr>
-          </a:solidFill>
-          <a:prstDash val="solid"/>
-          <a:miter lim="800000"/>
-        </a:ln>
-        <a:effectLst/>
-      </dsp:spPr>
-      <dsp:style>
-        <a:lnRef idx="2">
-          <a:scrgbClr r="0" g="0" b="0"/>
-        </a:lnRef>
-        <a:fillRef idx="0">
-          <a:scrgbClr r="0" g="0" b="0"/>
-        </a:fillRef>
-        <a:effectRef idx="0">
-          <a:scrgbClr r="0" g="0" b="0"/>
-        </a:effectRef>
-        <a:fontRef idx="minor"/>
-      </dsp:style>
-    </dsp:sp>
-    <dsp:sp modelId="{5A913779-451D-4C00-B6DD-0D98B09440E1}">
-      <dsp:nvSpPr>
-        <dsp:cNvPr id="0" name=""/>
-        <dsp:cNvSpPr/>
-      </dsp:nvSpPr>
-      <dsp:spPr>
-        <a:xfrm>
-          <a:off x="436706" y="11209600"/>
-          <a:ext cx="1739257" cy="1087036"/>
-        </a:xfrm>
-        <a:prstGeom prst="roundRect">
-          <a:avLst>
-            <a:gd name="adj" fmla="val 10000"/>
-          </a:avLst>
-        </a:prstGeom>
-        <a:solidFill>
-          <a:schemeClr val="lt1">
-            <a:alpha val="90000"/>
-            <a:hueOff val="0"/>
-            <a:satOff val="0"/>
-            <a:lumOff val="0"/>
-            <a:alphaOff val="0"/>
-          </a:schemeClr>
-        </a:solidFill>
-        <a:ln w="12700" cap="flat" cmpd="sng" algn="ctr">
-          <a:solidFill>
-            <a:schemeClr val="accent1">
-              <a:hueOff val="0"/>
-              <a:satOff val="0"/>
-              <a:lumOff val="0"/>
-              <a:alphaOff val="0"/>
-            </a:schemeClr>
-          </a:solidFill>
-          <a:prstDash val="solid"/>
-          <a:miter lim="800000"/>
-        </a:ln>
-        <a:effectLst/>
-      </dsp:spPr>
-      <dsp:style>
-        <a:lnRef idx="2">
-          <a:scrgbClr r="0" g="0" b="0"/>
-        </a:lnRef>
-        <a:fillRef idx="1">
-          <a:scrgbClr r="0" g="0" b="0"/>
-        </a:fillRef>
-        <a:effectRef idx="0">
-          <a:scrgbClr r="0" g="0" b="0"/>
-        </a:effectRef>
-        <a:fontRef idx="minor"/>
-      </dsp:style>
-      <dsp:txBody>
-        <a:bodyPr spcFirstLastPara="0" vert="horz" wrap="square" lIns="34290" tIns="22860" rIns="34290" bIns="22860" numCol="1" spcCol="1270" anchor="ctr" anchorCtr="0">
-          <a:noAutofit/>
-        </a:bodyPr>
-        <a:lstStyle/>
-        <a:p>
-          <a:pPr lvl="0" algn="ctr" defTabSz="800100">
-            <a:lnSpc>
-              <a:spcPct val="90000"/>
-            </a:lnSpc>
-            <a:spcBef>
-              <a:spcPct val="0"/>
-            </a:spcBef>
-            <a:spcAft>
-              <a:spcPct val="35000"/>
-            </a:spcAft>
-          </a:pPr>
-          <a:r>
-            <a:rPr lang="en-US" sz="1800" kern="1200" dirty="0" smtClean="0"/>
-            <a:t>-the indentation is for the lever to go down</a:t>
-          </a:r>
-          <a:endParaRPr lang="en-US" sz="1800" kern="1200" dirty="0"/>
-        </a:p>
-      </dsp:txBody>
-      <dsp:txXfrm>
-        <a:off x="468544" y="11241438"/>
-        <a:ext cx="1675581" cy="1023360"/>
-      </dsp:txXfrm>
-    </dsp:sp>
-    <dsp:sp modelId="{80141507-F54C-45F8-AFEC-3ECDCC92D3F3}">
-      <dsp:nvSpPr>
-        <dsp:cNvPr id="0" name=""/>
-        <dsp:cNvSpPr/>
-      </dsp:nvSpPr>
-      <dsp:spPr>
-        <a:xfrm>
-          <a:off x="2719482" y="8492009"/>
-          <a:ext cx="2174072" cy="1087036"/>
-        </a:xfrm>
-        <a:prstGeom prst="roundRect">
-          <a:avLst>
-            <a:gd name="adj" fmla="val 10000"/>
-          </a:avLst>
         </a:prstGeom>
         <a:solidFill>
           <a:schemeClr val="accent1">
@@ -6169,12 +7070,12 @@
         </a:fontRef>
       </dsp:style>
       <dsp:txBody>
-        <a:bodyPr spcFirstLastPara="0" vert="horz" wrap="square" lIns="66675" tIns="44450" rIns="66675" bIns="44450" numCol="1" spcCol="1270" anchor="ctr" anchorCtr="0">
+        <a:bodyPr spcFirstLastPara="0" vert="horz" wrap="square" lIns="17780" tIns="17780" rIns="17780" bIns="17780" numCol="1" spcCol="1270" anchor="ctr" anchorCtr="0">
           <a:noAutofit/>
         </a:bodyPr>
         <a:lstStyle/>
         <a:p>
-          <a:pPr lvl="0" algn="ctr" defTabSz="1555750">
+          <a:pPr lvl="0" algn="ctr" defTabSz="1244600">
             <a:lnSpc>
               <a:spcPct val="90000"/>
             </a:lnSpc>
@@ -6186,863 +7087,29 @@
             </a:spcAft>
           </a:pPr>
           <a:r>
-            <a:rPr lang="en-US" sz="3500" kern="1200" dirty="0" smtClean="0"/>
-            <a:t>Mission 2</a:t>
+            <a:rPr lang="en-US" sz="2800" kern="1200" dirty="0" smtClean="0"/>
+            <a:t>The Building Collector</a:t>
           </a:r>
-          <a:endParaRPr lang="en-US" sz="3500" kern="1200" dirty="0"/>
+          <a:endParaRPr lang="en-US" sz="2800" kern="1200" dirty="0"/>
         </a:p>
       </dsp:txBody>
       <dsp:txXfrm>
-        <a:off x="2751320" y="8523847"/>
-        <a:ext cx="2110396" cy="1023360"/>
+        <a:off x="4149035" y="1740767"/>
+        <a:ext cx="3768469" cy="1148923"/>
       </dsp:txXfrm>
     </dsp:sp>
-    <dsp:sp modelId="{4729DAC9-9A9A-4212-B0DB-5126F6153E6E}">
+    <dsp:sp modelId="{1B98014D-68C1-42C3-BFDE-907C43537D3B}">
       <dsp:nvSpPr>
         <dsp:cNvPr id="0" name=""/>
         <dsp:cNvSpPr/>
       </dsp:nvSpPr>
       <dsp:spPr>
         <a:xfrm>
-          <a:off x="2936889" y="9579045"/>
-          <a:ext cx="217407" cy="815277"/>
+          <a:off x="4149035" y="3176921"/>
+          <a:ext cx="3768469" cy="1148923"/>
         </a:xfrm>
-        <a:custGeom>
+        <a:prstGeom prst="rect">
           <a:avLst/>
-          <a:gdLst/>
-          <a:ahLst/>
-          <a:cxnLst/>
-          <a:rect l="0" t="0" r="0" b="0"/>
-          <a:pathLst>
-            <a:path>
-              <a:moveTo>
-                <a:pt x="0" y="0"/>
-              </a:moveTo>
-              <a:lnTo>
-                <a:pt x="0" y="815277"/>
-              </a:lnTo>
-              <a:lnTo>
-                <a:pt x="217407" y="815277"/>
-              </a:lnTo>
-            </a:path>
-          </a:pathLst>
-        </a:custGeom>
-        <a:noFill/>
-        <a:ln w="12700" cap="flat" cmpd="sng" algn="ctr">
-          <a:solidFill>
-            <a:schemeClr val="accent1">
-              <a:shade val="60000"/>
-              <a:hueOff val="0"/>
-              <a:satOff val="0"/>
-              <a:lumOff val="0"/>
-              <a:alphaOff val="0"/>
-            </a:schemeClr>
-          </a:solidFill>
-          <a:prstDash val="solid"/>
-          <a:miter lim="800000"/>
-        </a:ln>
-        <a:effectLst/>
-      </dsp:spPr>
-      <dsp:style>
-        <a:lnRef idx="2">
-          <a:scrgbClr r="0" g="0" b="0"/>
-        </a:lnRef>
-        <a:fillRef idx="0">
-          <a:scrgbClr r="0" g="0" b="0"/>
-        </a:fillRef>
-        <a:effectRef idx="0">
-          <a:scrgbClr r="0" g="0" b="0"/>
-        </a:effectRef>
-        <a:fontRef idx="minor"/>
-      </dsp:style>
-    </dsp:sp>
-    <dsp:sp modelId="{94A89684-67C8-4BC6-94C6-8724D8886EC7}">
-      <dsp:nvSpPr>
-        <dsp:cNvPr id="0" name=""/>
-        <dsp:cNvSpPr/>
-      </dsp:nvSpPr>
-      <dsp:spPr>
-        <a:xfrm>
-          <a:off x="3154296" y="9850804"/>
-          <a:ext cx="1739257" cy="1087036"/>
-        </a:xfrm>
-        <a:prstGeom prst="roundRect">
-          <a:avLst>
-            <a:gd name="adj" fmla="val 10000"/>
-          </a:avLst>
-        </a:prstGeom>
-        <a:solidFill>
-          <a:schemeClr val="lt1">
-            <a:alpha val="90000"/>
-            <a:hueOff val="0"/>
-            <a:satOff val="0"/>
-            <a:lumOff val="0"/>
-            <a:alphaOff val="0"/>
-          </a:schemeClr>
-        </a:solidFill>
-        <a:ln w="12700" cap="flat" cmpd="sng" algn="ctr">
-          <a:solidFill>
-            <a:schemeClr val="accent1">
-              <a:hueOff val="0"/>
-              <a:satOff val="0"/>
-              <a:lumOff val="0"/>
-              <a:alphaOff val="0"/>
-            </a:schemeClr>
-          </a:solidFill>
-          <a:prstDash val="solid"/>
-          <a:miter lim="800000"/>
-        </a:ln>
-        <a:effectLst/>
-      </dsp:spPr>
-      <dsp:style>
-        <a:lnRef idx="2">
-          <a:scrgbClr r="0" g="0" b="0"/>
-        </a:lnRef>
-        <a:fillRef idx="1">
-          <a:scrgbClr r="0" g="0" b="0"/>
-        </a:fillRef>
-        <a:effectRef idx="0">
-          <a:scrgbClr r="0" g="0" b="0"/>
-        </a:effectRef>
-        <a:fontRef idx="minor"/>
-      </dsp:style>
-      <dsp:txBody>
-        <a:bodyPr spcFirstLastPara="0" vert="horz" wrap="square" lIns="34290" tIns="22860" rIns="34290" bIns="22860" numCol="1" spcCol="1270" anchor="ctr" anchorCtr="0">
-          <a:noAutofit/>
-        </a:bodyPr>
-        <a:lstStyle/>
-        <a:p>
-          <a:pPr lvl="0" algn="ctr" defTabSz="800100">
-            <a:lnSpc>
-              <a:spcPct val="90000"/>
-            </a:lnSpc>
-            <a:spcBef>
-              <a:spcPct val="0"/>
-            </a:spcBef>
-            <a:spcAft>
-              <a:spcPct val="35000"/>
-            </a:spcAft>
-          </a:pPr>
-          <a:r>
-            <a:rPr lang="en-US" sz="1800" kern="1200" dirty="0" smtClean="0"/>
-            <a:t>The AVD (Animals, Valuables, Demolish)</a:t>
-          </a:r>
-          <a:endParaRPr lang="en-US" sz="1800" kern="1200" dirty="0"/>
-        </a:p>
-      </dsp:txBody>
-      <dsp:txXfrm>
-        <a:off x="3186134" y="9882642"/>
-        <a:ext cx="1675581" cy="1023360"/>
-      </dsp:txXfrm>
-    </dsp:sp>
-    <dsp:sp modelId="{57D0D94A-CD61-49A3-822B-7FE8AF4E0B58}">
-      <dsp:nvSpPr>
-        <dsp:cNvPr id="0" name=""/>
-        <dsp:cNvSpPr/>
-      </dsp:nvSpPr>
-      <dsp:spPr>
-        <a:xfrm>
-          <a:off x="2936889" y="9579045"/>
-          <a:ext cx="217407" cy="2174072"/>
-        </a:xfrm>
-        <a:custGeom>
-          <a:avLst/>
-          <a:gdLst/>
-          <a:ahLst/>
-          <a:cxnLst/>
-          <a:rect l="0" t="0" r="0" b="0"/>
-          <a:pathLst>
-            <a:path>
-              <a:moveTo>
-                <a:pt x="0" y="0"/>
-              </a:moveTo>
-              <a:lnTo>
-                <a:pt x="0" y="2174072"/>
-              </a:lnTo>
-              <a:lnTo>
-                <a:pt x="217407" y="2174072"/>
-              </a:lnTo>
-            </a:path>
-          </a:pathLst>
-        </a:custGeom>
-        <a:noFill/>
-        <a:ln w="12700" cap="flat" cmpd="sng" algn="ctr">
-          <a:solidFill>
-            <a:schemeClr val="accent1">
-              <a:shade val="60000"/>
-              <a:hueOff val="0"/>
-              <a:satOff val="0"/>
-              <a:lumOff val="0"/>
-              <a:alphaOff val="0"/>
-            </a:schemeClr>
-          </a:solidFill>
-          <a:prstDash val="solid"/>
-          <a:miter lim="800000"/>
-        </a:ln>
-        <a:effectLst/>
-      </dsp:spPr>
-      <dsp:style>
-        <a:lnRef idx="2">
-          <a:scrgbClr r="0" g="0" b="0"/>
-        </a:lnRef>
-        <a:fillRef idx="0">
-          <a:scrgbClr r="0" g="0" b="0"/>
-        </a:fillRef>
-        <a:effectRef idx="0">
-          <a:scrgbClr r="0" g="0" b="0"/>
-        </a:effectRef>
-        <a:fontRef idx="minor"/>
-      </dsp:style>
-    </dsp:sp>
-    <dsp:sp modelId="{44B068F8-D067-484D-B049-CCF51D5EC571}">
-      <dsp:nvSpPr>
-        <dsp:cNvPr id="0" name=""/>
-        <dsp:cNvSpPr/>
-      </dsp:nvSpPr>
-      <dsp:spPr>
-        <a:xfrm>
-          <a:off x="3154296" y="11209600"/>
-          <a:ext cx="1739257" cy="1087036"/>
-        </a:xfrm>
-        <a:prstGeom prst="roundRect">
-          <a:avLst>
-            <a:gd name="adj" fmla="val 10000"/>
-          </a:avLst>
-        </a:prstGeom>
-        <a:solidFill>
-          <a:schemeClr val="lt1">
-            <a:alpha val="90000"/>
-            <a:hueOff val="0"/>
-            <a:satOff val="0"/>
-            <a:lumOff val="0"/>
-            <a:alphaOff val="0"/>
-          </a:schemeClr>
-        </a:solidFill>
-        <a:ln w="12700" cap="flat" cmpd="sng" algn="ctr">
-          <a:solidFill>
-            <a:schemeClr val="accent1">
-              <a:hueOff val="0"/>
-              <a:satOff val="0"/>
-              <a:lumOff val="0"/>
-              <a:alphaOff val="0"/>
-            </a:schemeClr>
-          </a:solidFill>
-          <a:prstDash val="solid"/>
-          <a:miter lim="800000"/>
-        </a:ln>
-        <a:effectLst/>
-      </dsp:spPr>
-      <dsp:style>
-        <a:lnRef idx="2">
-          <a:scrgbClr r="0" g="0" b="0"/>
-        </a:lnRef>
-        <a:fillRef idx="1">
-          <a:scrgbClr r="0" g="0" b="0"/>
-        </a:fillRef>
-        <a:effectRef idx="0">
-          <a:scrgbClr r="0" g="0" b="0"/>
-        </a:effectRef>
-        <a:fontRef idx="minor"/>
-      </dsp:style>
-      <dsp:txBody>
-        <a:bodyPr spcFirstLastPara="0" vert="horz" wrap="square" lIns="34290" tIns="22860" rIns="34290" bIns="22860" numCol="1" spcCol="1270" anchor="ctr" anchorCtr="0">
-          <a:noAutofit/>
-        </a:bodyPr>
-        <a:lstStyle/>
-        <a:p>
-          <a:pPr lvl="0" algn="ctr" defTabSz="800100">
-            <a:lnSpc>
-              <a:spcPct val="90000"/>
-            </a:lnSpc>
-            <a:spcBef>
-              <a:spcPct val="0"/>
-            </a:spcBef>
-            <a:spcAft>
-              <a:spcPct val="35000"/>
-            </a:spcAft>
-          </a:pPr>
-          <a:r>
-            <a:rPr lang="en-US" sz="1800" kern="1200" dirty="0" smtClean="0"/>
-            <a:t>-One-way door that lifts up to make the robot more compact</a:t>
-          </a:r>
-          <a:endParaRPr lang="en-US" sz="1800" kern="1200" dirty="0"/>
-        </a:p>
-      </dsp:txBody>
-      <dsp:txXfrm>
-        <a:off x="3186134" y="11241438"/>
-        <a:ext cx="1675581" cy="1023360"/>
-      </dsp:txXfrm>
-    </dsp:sp>
-    <dsp:sp modelId="{7CB69CAF-7C7B-4770-B554-3911CF4F1593}">
-      <dsp:nvSpPr>
-        <dsp:cNvPr id="0" name=""/>
-        <dsp:cNvSpPr/>
-      </dsp:nvSpPr>
-      <dsp:spPr>
-        <a:xfrm>
-          <a:off x="2936889" y="9579045"/>
-          <a:ext cx="217407" cy="3532867"/>
-        </a:xfrm>
-        <a:custGeom>
-          <a:avLst/>
-          <a:gdLst/>
-          <a:ahLst/>
-          <a:cxnLst/>
-          <a:rect l="0" t="0" r="0" b="0"/>
-          <a:pathLst>
-            <a:path>
-              <a:moveTo>
-                <a:pt x="0" y="0"/>
-              </a:moveTo>
-              <a:lnTo>
-                <a:pt x="0" y="3532867"/>
-              </a:lnTo>
-              <a:lnTo>
-                <a:pt x="217407" y="3532867"/>
-              </a:lnTo>
-            </a:path>
-          </a:pathLst>
-        </a:custGeom>
-        <a:noFill/>
-        <a:ln w="12700" cap="flat" cmpd="sng" algn="ctr">
-          <a:solidFill>
-            <a:schemeClr val="accent1">
-              <a:shade val="60000"/>
-              <a:hueOff val="0"/>
-              <a:satOff val="0"/>
-              <a:lumOff val="0"/>
-              <a:alphaOff val="0"/>
-            </a:schemeClr>
-          </a:solidFill>
-          <a:prstDash val="solid"/>
-          <a:miter lim="800000"/>
-        </a:ln>
-        <a:effectLst/>
-      </dsp:spPr>
-      <dsp:style>
-        <a:lnRef idx="2">
-          <a:scrgbClr r="0" g="0" b="0"/>
-        </a:lnRef>
-        <a:fillRef idx="0">
-          <a:scrgbClr r="0" g="0" b="0"/>
-        </a:fillRef>
-        <a:effectRef idx="0">
-          <a:scrgbClr r="0" g="0" b="0"/>
-        </a:effectRef>
-        <a:fontRef idx="minor"/>
-      </dsp:style>
-    </dsp:sp>
-    <dsp:sp modelId="{A564A31F-5C2E-4A33-947F-50C68CEAF4D3}">
-      <dsp:nvSpPr>
-        <dsp:cNvPr id="0" name=""/>
-        <dsp:cNvSpPr/>
-      </dsp:nvSpPr>
-      <dsp:spPr>
-        <a:xfrm>
-          <a:off x="3154296" y="12568395"/>
-          <a:ext cx="1739257" cy="1087036"/>
-        </a:xfrm>
-        <a:prstGeom prst="roundRect">
-          <a:avLst>
-            <a:gd name="adj" fmla="val 10000"/>
-          </a:avLst>
-        </a:prstGeom>
-        <a:solidFill>
-          <a:schemeClr val="lt1">
-            <a:alpha val="90000"/>
-            <a:hueOff val="0"/>
-            <a:satOff val="0"/>
-            <a:lumOff val="0"/>
-            <a:alphaOff val="0"/>
-          </a:schemeClr>
-        </a:solidFill>
-        <a:ln w="12700" cap="flat" cmpd="sng" algn="ctr">
-          <a:solidFill>
-            <a:schemeClr val="accent1">
-              <a:hueOff val="0"/>
-              <a:satOff val="0"/>
-              <a:lumOff val="0"/>
-              <a:alphaOff val="0"/>
-            </a:schemeClr>
-          </a:solidFill>
-          <a:prstDash val="solid"/>
-          <a:miter lim="800000"/>
-        </a:ln>
-        <a:effectLst/>
-      </dsp:spPr>
-      <dsp:style>
-        <a:lnRef idx="2">
-          <a:scrgbClr r="0" g="0" b="0"/>
-        </a:lnRef>
-        <a:fillRef idx="1">
-          <a:scrgbClr r="0" g="0" b="0"/>
-        </a:fillRef>
-        <a:effectRef idx="0">
-          <a:scrgbClr r="0" g="0" b="0"/>
-        </a:effectRef>
-        <a:fontRef idx="minor"/>
-      </dsp:style>
-      <dsp:txBody>
-        <a:bodyPr spcFirstLastPara="0" vert="horz" wrap="square" lIns="34290" tIns="22860" rIns="34290" bIns="22860" numCol="1" spcCol="1270" anchor="ctr" anchorCtr="0">
-          <a:noAutofit/>
-        </a:bodyPr>
-        <a:lstStyle/>
-        <a:p>
-          <a:pPr lvl="0" algn="ctr" defTabSz="800100">
-            <a:lnSpc>
-              <a:spcPct val="90000"/>
-            </a:lnSpc>
-            <a:spcBef>
-              <a:spcPct val="0"/>
-            </a:spcBef>
-            <a:spcAft>
-              <a:spcPct val="35000"/>
-            </a:spcAft>
-          </a:pPr>
-          <a:r>
-            <a:rPr lang="en-US" sz="1800" kern="1200" dirty="0" smtClean="0"/>
-            <a:t>The Slide</a:t>
-          </a:r>
-          <a:endParaRPr lang="en-US" sz="1800" kern="1200" dirty="0"/>
-        </a:p>
-      </dsp:txBody>
-      <dsp:txXfrm>
-        <a:off x="3186134" y="12600233"/>
-        <a:ext cx="1675581" cy="1023360"/>
-      </dsp:txXfrm>
-    </dsp:sp>
-    <dsp:sp modelId="{C6C9A3EC-A01B-4290-BF81-DB25C09B305B}">
-      <dsp:nvSpPr>
-        <dsp:cNvPr id="0" name=""/>
-        <dsp:cNvSpPr/>
-      </dsp:nvSpPr>
-      <dsp:spPr>
-        <a:xfrm>
-          <a:off x="2936889" y="9579045"/>
-          <a:ext cx="217407" cy="4891662"/>
-        </a:xfrm>
-        <a:custGeom>
-          <a:avLst/>
-          <a:gdLst/>
-          <a:ahLst/>
-          <a:cxnLst/>
-          <a:rect l="0" t="0" r="0" b="0"/>
-          <a:pathLst>
-            <a:path>
-              <a:moveTo>
-                <a:pt x="0" y="0"/>
-              </a:moveTo>
-              <a:lnTo>
-                <a:pt x="0" y="4891662"/>
-              </a:lnTo>
-              <a:lnTo>
-                <a:pt x="217407" y="4891662"/>
-              </a:lnTo>
-            </a:path>
-          </a:pathLst>
-        </a:custGeom>
-        <a:noFill/>
-        <a:ln w="12700" cap="flat" cmpd="sng" algn="ctr">
-          <a:solidFill>
-            <a:schemeClr val="accent1">
-              <a:shade val="60000"/>
-              <a:hueOff val="0"/>
-              <a:satOff val="0"/>
-              <a:lumOff val="0"/>
-              <a:alphaOff val="0"/>
-            </a:schemeClr>
-          </a:solidFill>
-          <a:prstDash val="solid"/>
-          <a:miter lim="800000"/>
-        </a:ln>
-        <a:effectLst/>
-      </dsp:spPr>
-      <dsp:style>
-        <a:lnRef idx="2">
-          <a:scrgbClr r="0" g="0" b="0"/>
-        </a:lnRef>
-        <a:fillRef idx="0">
-          <a:scrgbClr r="0" g="0" b="0"/>
-        </a:fillRef>
-        <a:effectRef idx="0">
-          <a:scrgbClr r="0" g="0" b="0"/>
-        </a:effectRef>
-        <a:fontRef idx="minor"/>
-      </dsp:style>
-    </dsp:sp>
-    <dsp:sp modelId="{5EF381F5-CBFF-4F55-9EAB-A7B642D0C05B}">
-      <dsp:nvSpPr>
-        <dsp:cNvPr id="0" name=""/>
-        <dsp:cNvSpPr/>
-      </dsp:nvSpPr>
-      <dsp:spPr>
-        <a:xfrm>
-          <a:off x="3154296" y="13927190"/>
-          <a:ext cx="1739257" cy="1087036"/>
-        </a:xfrm>
-        <a:prstGeom prst="roundRect">
-          <a:avLst>
-            <a:gd name="adj" fmla="val 10000"/>
-          </a:avLst>
-        </a:prstGeom>
-        <a:solidFill>
-          <a:schemeClr val="lt1">
-            <a:alpha val="90000"/>
-            <a:hueOff val="0"/>
-            <a:satOff val="0"/>
-            <a:lumOff val="0"/>
-            <a:alphaOff val="0"/>
-          </a:schemeClr>
-        </a:solidFill>
-        <a:ln w="12700" cap="flat" cmpd="sng" algn="ctr">
-          <a:solidFill>
-            <a:schemeClr val="accent1">
-              <a:hueOff val="0"/>
-              <a:satOff val="0"/>
-              <a:lumOff val="0"/>
-              <a:alphaOff val="0"/>
-            </a:schemeClr>
-          </a:solidFill>
-          <a:prstDash val="solid"/>
-          <a:miter lim="800000"/>
-        </a:ln>
-        <a:effectLst/>
-      </dsp:spPr>
-      <dsp:style>
-        <a:lnRef idx="2">
-          <a:scrgbClr r="0" g="0" b="0"/>
-        </a:lnRef>
-        <a:fillRef idx="1">
-          <a:scrgbClr r="0" g="0" b="0"/>
-        </a:fillRef>
-        <a:effectRef idx="0">
-          <a:scrgbClr r="0" g="0" b="0"/>
-        </a:effectRef>
-        <a:fontRef idx="minor"/>
-      </dsp:style>
-      <dsp:txBody>
-        <a:bodyPr spcFirstLastPara="0" vert="horz" wrap="square" lIns="34290" tIns="22860" rIns="34290" bIns="22860" numCol="1" spcCol="1270" anchor="ctr" anchorCtr="0">
-          <a:noAutofit/>
-        </a:bodyPr>
-        <a:lstStyle/>
-        <a:p>
-          <a:pPr lvl="0" algn="ctr" defTabSz="800100">
-            <a:lnSpc>
-              <a:spcPct val="90000"/>
-            </a:lnSpc>
-            <a:spcBef>
-              <a:spcPct val="0"/>
-            </a:spcBef>
-            <a:spcAft>
-              <a:spcPct val="35000"/>
-            </a:spcAft>
-          </a:pPr>
-          <a:r>
-            <a:rPr lang="en-US" sz="1800" kern="1200" dirty="0" smtClean="0"/>
-            <a:t>The Compost Collector</a:t>
-          </a:r>
-          <a:endParaRPr lang="en-US" sz="1800" kern="1200" dirty="0"/>
-        </a:p>
-      </dsp:txBody>
-      <dsp:txXfrm>
-        <a:off x="3186134" y="13959028"/>
-        <a:ext cx="1675581" cy="1023360"/>
-      </dsp:txXfrm>
-    </dsp:sp>
-    <dsp:sp modelId="{C434FA4B-EA6B-4033-9557-5F431CDC5FA8}">
-      <dsp:nvSpPr>
-        <dsp:cNvPr id="0" name=""/>
-        <dsp:cNvSpPr/>
-      </dsp:nvSpPr>
-      <dsp:spPr>
-        <a:xfrm>
-          <a:off x="2936889" y="9579045"/>
-          <a:ext cx="217407" cy="6250458"/>
-        </a:xfrm>
-        <a:custGeom>
-          <a:avLst/>
-          <a:gdLst/>
-          <a:ahLst/>
-          <a:cxnLst/>
-          <a:rect l="0" t="0" r="0" b="0"/>
-          <a:pathLst>
-            <a:path>
-              <a:moveTo>
-                <a:pt x="0" y="0"/>
-              </a:moveTo>
-              <a:lnTo>
-                <a:pt x="0" y="6250458"/>
-              </a:lnTo>
-              <a:lnTo>
-                <a:pt x="217407" y="6250458"/>
-              </a:lnTo>
-            </a:path>
-          </a:pathLst>
-        </a:custGeom>
-        <a:noFill/>
-        <a:ln w="12700" cap="flat" cmpd="sng" algn="ctr">
-          <a:solidFill>
-            <a:schemeClr val="accent1">
-              <a:shade val="60000"/>
-              <a:hueOff val="0"/>
-              <a:satOff val="0"/>
-              <a:lumOff val="0"/>
-              <a:alphaOff val="0"/>
-            </a:schemeClr>
-          </a:solidFill>
-          <a:prstDash val="solid"/>
-          <a:miter lim="800000"/>
-        </a:ln>
-        <a:effectLst/>
-      </dsp:spPr>
-      <dsp:style>
-        <a:lnRef idx="2">
-          <a:scrgbClr r="0" g="0" b="0"/>
-        </a:lnRef>
-        <a:fillRef idx="0">
-          <a:scrgbClr r="0" g="0" b="0"/>
-        </a:fillRef>
-        <a:effectRef idx="0">
-          <a:scrgbClr r="0" g="0" b="0"/>
-        </a:effectRef>
-        <a:fontRef idx="minor"/>
-      </dsp:style>
-    </dsp:sp>
-    <dsp:sp modelId="{2D41FDC7-2770-484B-A464-7877CD5BF1CA}">
-      <dsp:nvSpPr>
-        <dsp:cNvPr id="0" name=""/>
-        <dsp:cNvSpPr/>
-      </dsp:nvSpPr>
-      <dsp:spPr>
-        <a:xfrm>
-          <a:off x="3154296" y="15285985"/>
-          <a:ext cx="1739257" cy="1087036"/>
-        </a:xfrm>
-        <a:prstGeom prst="roundRect">
-          <a:avLst>
-            <a:gd name="adj" fmla="val 10000"/>
-          </a:avLst>
-        </a:prstGeom>
-        <a:solidFill>
-          <a:schemeClr val="lt1">
-            <a:alpha val="90000"/>
-            <a:hueOff val="0"/>
-            <a:satOff val="0"/>
-            <a:lumOff val="0"/>
-            <a:alphaOff val="0"/>
-          </a:schemeClr>
-        </a:solidFill>
-        <a:ln w="12700" cap="flat" cmpd="sng" algn="ctr">
-          <a:solidFill>
-            <a:schemeClr val="accent1">
-              <a:hueOff val="0"/>
-              <a:satOff val="0"/>
-              <a:lumOff val="0"/>
-              <a:alphaOff val="0"/>
-            </a:schemeClr>
-          </a:solidFill>
-          <a:prstDash val="solid"/>
-          <a:miter lim="800000"/>
-        </a:ln>
-        <a:effectLst/>
-      </dsp:spPr>
-      <dsp:style>
-        <a:lnRef idx="2">
-          <a:scrgbClr r="0" g="0" b="0"/>
-        </a:lnRef>
-        <a:fillRef idx="1">
-          <a:scrgbClr r="0" g="0" b="0"/>
-        </a:fillRef>
-        <a:effectRef idx="0">
-          <a:scrgbClr r="0" g="0" b="0"/>
-        </a:effectRef>
-        <a:fontRef idx="minor"/>
-      </dsp:style>
-      <dsp:txBody>
-        <a:bodyPr spcFirstLastPara="0" vert="horz" wrap="square" lIns="34290" tIns="22860" rIns="34290" bIns="22860" numCol="1" spcCol="1270" anchor="ctr" anchorCtr="0">
-          <a:noAutofit/>
-        </a:bodyPr>
-        <a:lstStyle/>
-        <a:p>
-          <a:pPr lvl="0" algn="ctr" defTabSz="800100">
-            <a:lnSpc>
-              <a:spcPct val="90000"/>
-            </a:lnSpc>
-            <a:spcBef>
-              <a:spcPct val="0"/>
-            </a:spcBef>
-            <a:spcAft>
-              <a:spcPct val="35000"/>
-            </a:spcAft>
-          </a:pPr>
-          <a:r>
-            <a:rPr lang="en-US" sz="1800" kern="1200" dirty="0" smtClean="0"/>
-            <a:t>The Turtle </a:t>
-          </a:r>
-          <a:r>
-            <a:rPr lang="en-US" sz="1800" kern="1200" dirty="0" err="1" smtClean="0"/>
-            <a:t>Baginator</a:t>
-          </a:r>
-          <a:endParaRPr lang="en-US" sz="1800" kern="1200" dirty="0"/>
-        </a:p>
-      </dsp:txBody>
-      <dsp:txXfrm>
-        <a:off x="3186134" y="15317823"/>
-        <a:ext cx="1675581" cy="1023360"/>
-      </dsp:txXfrm>
-    </dsp:sp>
-    <dsp:sp modelId="{EFAA710B-A63B-408A-87C2-0ED004EF374C}">
-      <dsp:nvSpPr>
-        <dsp:cNvPr id="0" name=""/>
-        <dsp:cNvSpPr/>
-      </dsp:nvSpPr>
-      <dsp:spPr>
-        <a:xfrm>
-          <a:off x="2936889" y="9579045"/>
-          <a:ext cx="217407" cy="7609253"/>
-        </a:xfrm>
-        <a:custGeom>
-          <a:avLst/>
-          <a:gdLst/>
-          <a:ahLst/>
-          <a:cxnLst/>
-          <a:rect l="0" t="0" r="0" b="0"/>
-          <a:pathLst>
-            <a:path>
-              <a:moveTo>
-                <a:pt x="0" y="0"/>
-              </a:moveTo>
-              <a:lnTo>
-                <a:pt x="0" y="7609253"/>
-              </a:lnTo>
-              <a:lnTo>
-                <a:pt x="217407" y="7609253"/>
-              </a:lnTo>
-            </a:path>
-          </a:pathLst>
-        </a:custGeom>
-        <a:noFill/>
-        <a:ln w="12700" cap="flat" cmpd="sng" algn="ctr">
-          <a:solidFill>
-            <a:schemeClr val="accent1">
-              <a:shade val="60000"/>
-              <a:hueOff val="0"/>
-              <a:satOff val="0"/>
-              <a:lumOff val="0"/>
-              <a:alphaOff val="0"/>
-            </a:schemeClr>
-          </a:solidFill>
-          <a:prstDash val="solid"/>
-          <a:miter lim="800000"/>
-        </a:ln>
-        <a:effectLst/>
-      </dsp:spPr>
-      <dsp:style>
-        <a:lnRef idx="2">
-          <a:scrgbClr r="0" g="0" b="0"/>
-        </a:lnRef>
-        <a:fillRef idx="0">
-          <a:scrgbClr r="0" g="0" b="0"/>
-        </a:fillRef>
-        <a:effectRef idx="0">
-          <a:scrgbClr r="0" g="0" b="0"/>
-        </a:effectRef>
-        <a:fontRef idx="minor"/>
-      </dsp:style>
-    </dsp:sp>
-    <dsp:sp modelId="{5062F23A-2500-493F-A93E-7E4034DE7E14}">
-      <dsp:nvSpPr>
-        <dsp:cNvPr id="0" name=""/>
-        <dsp:cNvSpPr/>
-      </dsp:nvSpPr>
-      <dsp:spPr>
-        <a:xfrm>
-          <a:off x="3154296" y="16644781"/>
-          <a:ext cx="1739257" cy="1087036"/>
-        </a:xfrm>
-        <a:prstGeom prst="roundRect">
-          <a:avLst>
-            <a:gd name="adj" fmla="val 10000"/>
-          </a:avLst>
-        </a:prstGeom>
-        <a:solidFill>
-          <a:schemeClr val="lt1">
-            <a:alpha val="90000"/>
-            <a:hueOff val="0"/>
-            <a:satOff val="0"/>
-            <a:lumOff val="0"/>
-            <a:alphaOff val="0"/>
-          </a:schemeClr>
-        </a:solidFill>
-        <a:ln w="12700" cap="flat" cmpd="sng" algn="ctr">
-          <a:solidFill>
-            <a:schemeClr val="accent1">
-              <a:hueOff val="0"/>
-              <a:satOff val="0"/>
-              <a:lumOff val="0"/>
-              <a:alphaOff val="0"/>
-            </a:schemeClr>
-          </a:solidFill>
-          <a:prstDash val="solid"/>
-          <a:miter lim="800000"/>
-        </a:ln>
-        <a:effectLst/>
-      </dsp:spPr>
-      <dsp:style>
-        <a:lnRef idx="2">
-          <a:scrgbClr r="0" g="0" b="0"/>
-        </a:lnRef>
-        <a:fillRef idx="1">
-          <a:scrgbClr r="0" g="0" b="0"/>
-        </a:fillRef>
-        <a:effectRef idx="0">
-          <a:scrgbClr r="0" g="0" b="0"/>
-        </a:effectRef>
-        <a:fontRef idx="minor"/>
-      </dsp:style>
-      <dsp:txBody>
-        <a:bodyPr spcFirstLastPara="0" vert="horz" wrap="square" lIns="34290" tIns="22860" rIns="34290" bIns="22860" numCol="1" spcCol="1270" anchor="ctr" anchorCtr="0">
-          <a:noAutofit/>
-        </a:bodyPr>
-        <a:lstStyle/>
-        <a:p>
-          <a:pPr lvl="0" algn="ctr" defTabSz="800100">
-            <a:lnSpc>
-              <a:spcPct val="90000"/>
-            </a:lnSpc>
-            <a:spcBef>
-              <a:spcPct val="0"/>
-            </a:spcBef>
-            <a:spcAft>
-              <a:spcPct val="35000"/>
-            </a:spcAft>
-          </a:pPr>
-          <a:r>
-            <a:rPr lang="en-US" sz="1800" kern="1200" dirty="0" smtClean="0"/>
-            <a:t>-it’s controlled by part of the Engine Installer</a:t>
-          </a:r>
-          <a:endParaRPr lang="en-US" sz="1800" kern="1200" dirty="0"/>
-        </a:p>
-      </dsp:txBody>
-      <dsp:txXfrm>
-        <a:off x="3186134" y="16676619"/>
-        <a:ext cx="1675581" cy="1023360"/>
-      </dsp:txXfrm>
-    </dsp:sp>
-    <dsp:sp modelId="{0490A791-9A29-4EA3-B650-457A89D37B55}">
-      <dsp:nvSpPr>
-        <dsp:cNvPr id="0" name=""/>
-        <dsp:cNvSpPr/>
-      </dsp:nvSpPr>
-      <dsp:spPr>
-        <a:xfrm>
-          <a:off x="5437072" y="8492009"/>
-          <a:ext cx="2174072" cy="1087036"/>
-        </a:xfrm>
-        <a:prstGeom prst="roundRect">
-          <a:avLst>
-            <a:gd name="adj" fmla="val 10000"/>
-          </a:avLst>
         </a:prstGeom>
         <a:solidFill>
           <a:schemeClr val="accent1">
@@ -7081,12 +7148,12 @@
         </a:fontRef>
       </dsp:style>
       <dsp:txBody>
-        <a:bodyPr spcFirstLastPara="0" vert="horz" wrap="square" lIns="66675" tIns="44450" rIns="66675" bIns="44450" numCol="1" spcCol="1270" anchor="ctr" anchorCtr="0">
+        <a:bodyPr spcFirstLastPara="0" vert="horz" wrap="square" lIns="17780" tIns="17780" rIns="17780" bIns="17780" numCol="1" spcCol="1270" anchor="ctr" anchorCtr="0">
           <a:noAutofit/>
         </a:bodyPr>
         <a:lstStyle/>
         <a:p>
-          <a:pPr lvl="0" algn="ctr" defTabSz="1555750">
+          <a:pPr lvl="0" algn="ctr" defTabSz="1244600">
             <a:lnSpc>
               <a:spcPct val="90000"/>
             </a:lnSpc>
@@ -7098,307 +7165,29 @@
             </a:spcAft>
           </a:pPr>
           <a:r>
-            <a:rPr lang="en-US" sz="3500" kern="1200" dirty="0" smtClean="0"/>
-            <a:t>Missions 3 &amp; 4</a:t>
+            <a:rPr lang="en-US" sz="2800" kern="1200" dirty="0" smtClean="0"/>
+            <a:t>-the indentation is for the lever to go down</a:t>
           </a:r>
-          <a:endParaRPr lang="en-US" sz="3500" kern="1200" dirty="0"/>
+          <a:endParaRPr lang="en-US" sz="2800" kern="1200" dirty="0"/>
         </a:p>
       </dsp:txBody>
       <dsp:txXfrm>
-        <a:off x="5468910" y="8523847"/>
-        <a:ext cx="2110396" cy="1023360"/>
+        <a:off x="4149035" y="3176921"/>
+        <a:ext cx="3768469" cy="1148923"/>
       </dsp:txXfrm>
     </dsp:sp>
-    <dsp:sp modelId="{E9346C89-3447-4446-B1F8-4B54F259B597}">
+    <dsp:sp modelId="{7EAB72F2-9770-435E-B291-CFEF1C251030}">
       <dsp:nvSpPr>
         <dsp:cNvPr id="0" name=""/>
         <dsp:cNvSpPr/>
       </dsp:nvSpPr>
       <dsp:spPr>
-        <a:xfrm>
-          <a:off x="5654479" y="9579045"/>
-          <a:ext cx="217407" cy="815277"/>
+        <a:xfrm rot="16200000">
+          <a:off x="-202603" y="8793041"/>
+          <a:ext cx="6046966" cy="1148923"/>
         </a:xfrm>
-        <a:custGeom>
+        <a:prstGeom prst="rect">
           <a:avLst/>
-          <a:gdLst/>
-          <a:ahLst/>
-          <a:cxnLst/>
-          <a:rect l="0" t="0" r="0" b="0"/>
-          <a:pathLst>
-            <a:path>
-              <a:moveTo>
-                <a:pt x="0" y="0"/>
-              </a:moveTo>
-              <a:lnTo>
-                <a:pt x="0" y="815277"/>
-              </a:lnTo>
-              <a:lnTo>
-                <a:pt x="217407" y="815277"/>
-              </a:lnTo>
-            </a:path>
-          </a:pathLst>
-        </a:custGeom>
-        <a:noFill/>
-        <a:ln w="12700" cap="flat" cmpd="sng" algn="ctr">
-          <a:solidFill>
-            <a:schemeClr val="accent1">
-              <a:shade val="60000"/>
-              <a:hueOff val="0"/>
-              <a:satOff val="0"/>
-              <a:lumOff val="0"/>
-              <a:alphaOff val="0"/>
-            </a:schemeClr>
-          </a:solidFill>
-          <a:prstDash val="solid"/>
-          <a:miter lim="800000"/>
-        </a:ln>
-        <a:effectLst/>
-      </dsp:spPr>
-      <dsp:style>
-        <a:lnRef idx="2">
-          <a:scrgbClr r="0" g="0" b="0"/>
-        </a:lnRef>
-        <a:fillRef idx="0">
-          <a:scrgbClr r="0" g="0" b="0"/>
-        </a:fillRef>
-        <a:effectRef idx="0">
-          <a:scrgbClr r="0" g="0" b="0"/>
-        </a:effectRef>
-        <a:fontRef idx="minor"/>
-      </dsp:style>
-    </dsp:sp>
-    <dsp:sp modelId="{0F6098A3-C18A-4A97-9D44-CFE10F694F17}">
-      <dsp:nvSpPr>
-        <dsp:cNvPr id="0" name=""/>
-        <dsp:cNvSpPr/>
-      </dsp:nvSpPr>
-      <dsp:spPr>
-        <a:xfrm>
-          <a:off x="5871887" y="9850804"/>
-          <a:ext cx="1739257" cy="1087036"/>
-        </a:xfrm>
-        <a:prstGeom prst="roundRect">
-          <a:avLst>
-            <a:gd name="adj" fmla="val 10000"/>
-          </a:avLst>
-        </a:prstGeom>
-        <a:solidFill>
-          <a:schemeClr val="lt1">
-            <a:alpha val="90000"/>
-            <a:hueOff val="0"/>
-            <a:satOff val="0"/>
-            <a:lumOff val="0"/>
-            <a:alphaOff val="0"/>
-          </a:schemeClr>
-        </a:solidFill>
-        <a:ln w="12700" cap="flat" cmpd="sng" algn="ctr">
-          <a:solidFill>
-            <a:schemeClr val="accent1">
-              <a:hueOff val="0"/>
-              <a:satOff val="0"/>
-              <a:lumOff val="0"/>
-              <a:alphaOff val="0"/>
-            </a:schemeClr>
-          </a:solidFill>
-          <a:prstDash val="solid"/>
-          <a:miter lim="800000"/>
-        </a:ln>
-        <a:effectLst/>
-      </dsp:spPr>
-      <dsp:style>
-        <a:lnRef idx="2">
-          <a:scrgbClr r="0" g="0" b="0"/>
-        </a:lnRef>
-        <a:fillRef idx="1">
-          <a:scrgbClr r="0" g="0" b="0"/>
-        </a:fillRef>
-        <a:effectRef idx="0">
-          <a:scrgbClr r="0" g="0" b="0"/>
-        </a:effectRef>
-        <a:fontRef idx="minor"/>
-      </dsp:style>
-      <dsp:txBody>
-        <a:bodyPr spcFirstLastPara="0" vert="horz" wrap="square" lIns="34290" tIns="22860" rIns="34290" bIns="22860" numCol="1" spcCol="1270" anchor="ctr" anchorCtr="0">
-          <a:noAutofit/>
-        </a:bodyPr>
-        <a:lstStyle/>
-        <a:p>
-          <a:pPr lvl="0" algn="ctr" defTabSz="800100">
-            <a:lnSpc>
-              <a:spcPct val="90000"/>
-            </a:lnSpc>
-            <a:spcBef>
-              <a:spcPct val="0"/>
-            </a:spcBef>
-            <a:spcAft>
-              <a:spcPct val="35000"/>
-            </a:spcAft>
-          </a:pPr>
-          <a:r>
-            <a:rPr lang="en-US" sz="1800" kern="1200" dirty="0" smtClean="0"/>
-            <a:t>The Compost Retriever</a:t>
-          </a:r>
-          <a:endParaRPr lang="en-US" sz="1800" kern="1200" dirty="0"/>
-        </a:p>
-      </dsp:txBody>
-      <dsp:txXfrm>
-        <a:off x="5903725" y="9882642"/>
-        <a:ext cx="1675581" cy="1023360"/>
-      </dsp:txXfrm>
-    </dsp:sp>
-    <dsp:sp modelId="{C4490684-4531-4B63-8E17-5F5C5D87072B}">
-      <dsp:nvSpPr>
-        <dsp:cNvPr id="0" name=""/>
-        <dsp:cNvSpPr/>
-      </dsp:nvSpPr>
-      <dsp:spPr>
-        <a:xfrm>
-          <a:off x="5654479" y="9579045"/>
-          <a:ext cx="217407" cy="2174072"/>
-        </a:xfrm>
-        <a:custGeom>
-          <a:avLst/>
-          <a:gdLst/>
-          <a:ahLst/>
-          <a:cxnLst/>
-          <a:rect l="0" t="0" r="0" b="0"/>
-          <a:pathLst>
-            <a:path>
-              <a:moveTo>
-                <a:pt x="0" y="0"/>
-              </a:moveTo>
-              <a:lnTo>
-                <a:pt x="0" y="2174072"/>
-              </a:lnTo>
-              <a:lnTo>
-                <a:pt x="217407" y="2174072"/>
-              </a:lnTo>
-            </a:path>
-          </a:pathLst>
-        </a:custGeom>
-        <a:noFill/>
-        <a:ln w="12700" cap="flat" cmpd="sng" algn="ctr">
-          <a:solidFill>
-            <a:schemeClr val="accent1">
-              <a:shade val="60000"/>
-              <a:hueOff val="0"/>
-              <a:satOff val="0"/>
-              <a:lumOff val="0"/>
-              <a:alphaOff val="0"/>
-            </a:schemeClr>
-          </a:solidFill>
-          <a:prstDash val="solid"/>
-          <a:miter lim="800000"/>
-        </a:ln>
-        <a:effectLst/>
-      </dsp:spPr>
-      <dsp:style>
-        <a:lnRef idx="2">
-          <a:scrgbClr r="0" g="0" b="0"/>
-        </a:lnRef>
-        <a:fillRef idx="0">
-          <a:scrgbClr r="0" g="0" b="0"/>
-        </a:fillRef>
-        <a:effectRef idx="0">
-          <a:scrgbClr r="0" g="0" b="0"/>
-        </a:effectRef>
-        <a:fontRef idx="minor"/>
-      </dsp:style>
-    </dsp:sp>
-    <dsp:sp modelId="{BD30DA5F-5273-468D-B106-8B5AF67DF354}">
-      <dsp:nvSpPr>
-        <dsp:cNvPr id="0" name=""/>
-        <dsp:cNvSpPr/>
-      </dsp:nvSpPr>
-      <dsp:spPr>
-        <a:xfrm>
-          <a:off x="5871887" y="11209600"/>
-          <a:ext cx="1739257" cy="1087036"/>
-        </a:xfrm>
-        <a:prstGeom prst="roundRect">
-          <a:avLst>
-            <a:gd name="adj" fmla="val 10000"/>
-          </a:avLst>
-        </a:prstGeom>
-        <a:solidFill>
-          <a:schemeClr val="lt1">
-            <a:alpha val="90000"/>
-            <a:hueOff val="0"/>
-            <a:satOff val="0"/>
-            <a:lumOff val="0"/>
-            <a:alphaOff val="0"/>
-          </a:schemeClr>
-        </a:solidFill>
-        <a:ln w="12700" cap="flat" cmpd="sng" algn="ctr">
-          <a:solidFill>
-            <a:schemeClr val="accent1">
-              <a:hueOff val="0"/>
-              <a:satOff val="0"/>
-              <a:lumOff val="0"/>
-              <a:alphaOff val="0"/>
-            </a:schemeClr>
-          </a:solidFill>
-          <a:prstDash val="solid"/>
-          <a:miter lim="800000"/>
-        </a:ln>
-        <a:effectLst/>
-      </dsp:spPr>
-      <dsp:style>
-        <a:lnRef idx="2">
-          <a:scrgbClr r="0" g="0" b="0"/>
-        </a:lnRef>
-        <a:fillRef idx="1">
-          <a:scrgbClr r="0" g="0" b="0"/>
-        </a:fillRef>
-        <a:effectRef idx="0">
-          <a:scrgbClr r="0" g="0" b="0"/>
-        </a:effectRef>
-        <a:fontRef idx="minor"/>
-      </dsp:style>
-      <dsp:txBody>
-        <a:bodyPr spcFirstLastPara="0" vert="horz" wrap="square" lIns="34290" tIns="22860" rIns="34290" bIns="22860" numCol="1" spcCol="1270" anchor="ctr" anchorCtr="0">
-          <a:noAutofit/>
-        </a:bodyPr>
-        <a:lstStyle/>
-        <a:p>
-          <a:pPr lvl="0" algn="ctr" defTabSz="800100">
-            <a:lnSpc>
-              <a:spcPct val="90000"/>
-            </a:lnSpc>
-            <a:spcBef>
-              <a:spcPct val="0"/>
-            </a:spcBef>
-            <a:spcAft>
-              <a:spcPct val="35000"/>
-            </a:spcAft>
-          </a:pPr>
-          <a:r>
-            <a:rPr lang="en-US" sz="1800" kern="1200" dirty="0" smtClean="0"/>
-            <a:t>-indented so it could reach the compost</a:t>
-          </a:r>
-          <a:endParaRPr lang="en-US" sz="1800" kern="1200" dirty="0"/>
-        </a:p>
-      </dsp:txBody>
-      <dsp:txXfrm>
-        <a:off x="5903725" y="11241438"/>
-        <a:ext cx="1675581" cy="1023360"/>
-      </dsp:txXfrm>
-    </dsp:sp>
-    <dsp:sp modelId="{3700C5A3-B3C4-4B4B-89ED-941300CB420C}">
-      <dsp:nvSpPr>
-        <dsp:cNvPr id="0" name=""/>
-        <dsp:cNvSpPr/>
-      </dsp:nvSpPr>
-      <dsp:spPr>
-        <a:xfrm>
-          <a:off x="8154663" y="8492009"/>
-          <a:ext cx="2174072" cy="1087036"/>
-        </a:xfrm>
-        <a:prstGeom prst="roundRect">
-          <a:avLst>
-            <a:gd name="adj" fmla="val 10000"/>
-          </a:avLst>
         </a:prstGeom>
         <a:solidFill>
           <a:schemeClr val="accent1">
@@ -7437,12 +7226,12 @@
         </a:fontRef>
       </dsp:style>
       <dsp:txBody>
-        <a:bodyPr spcFirstLastPara="0" vert="horz" wrap="square" lIns="66675" tIns="44450" rIns="66675" bIns="44450" numCol="1" spcCol="1270" anchor="ctr" anchorCtr="0">
+        <a:bodyPr spcFirstLastPara="0" vert="horz" wrap="square" lIns="41275" tIns="41275" rIns="41275" bIns="41275" numCol="1" spcCol="1270" anchor="ctr" anchorCtr="0">
           <a:noAutofit/>
         </a:bodyPr>
         <a:lstStyle/>
         <a:p>
-          <a:pPr lvl="0" algn="ctr" defTabSz="1555750">
+          <a:pPr lvl="0" algn="ctr" defTabSz="2889250">
             <a:lnSpc>
               <a:spcPct val="90000"/>
             </a:lnSpc>
@@ -7454,94 +7243,32 @@
             </a:spcAft>
           </a:pPr>
           <a:r>
-            <a:rPr lang="en-US" sz="3500" kern="1200" dirty="0" smtClean="0"/>
-            <a:t>Mission 5</a:t>
+            <a:rPr lang="en-US" sz="6500" kern="1200" dirty="0" smtClean="0"/>
+            <a:t>Launch 2</a:t>
           </a:r>
-          <a:endParaRPr lang="en-US" sz="3500" kern="1200" dirty="0"/>
+          <a:endParaRPr lang="en-US" sz="6500" kern="1200" dirty="0"/>
         </a:p>
       </dsp:txBody>
       <dsp:txXfrm>
-        <a:off x="8186501" y="8523847"/>
-        <a:ext cx="2110396" cy="1023360"/>
+        <a:off x="-202603" y="8793041"/>
+        <a:ext cx="6046966" cy="1148923"/>
       </dsp:txXfrm>
     </dsp:sp>
-    <dsp:sp modelId="{E05F5C7A-73B2-4539-AF2B-F725CDA49C84}">
+    <dsp:sp modelId="{866448CB-FE4C-4D81-B701-7F9AE5559F49}">
       <dsp:nvSpPr>
         <dsp:cNvPr id="0" name=""/>
         <dsp:cNvSpPr/>
       </dsp:nvSpPr>
       <dsp:spPr>
         <a:xfrm>
-          <a:off x="8372070" y="9579045"/>
-          <a:ext cx="217407" cy="815277"/>
+          <a:off x="4149035" y="5202655"/>
+          <a:ext cx="3768469" cy="1148923"/>
         </a:xfrm>
-        <a:custGeom>
+        <a:prstGeom prst="rect">
           <a:avLst/>
-          <a:gdLst/>
-          <a:ahLst/>
-          <a:cxnLst/>
-          <a:rect l="0" t="0" r="0" b="0"/>
-          <a:pathLst>
-            <a:path>
-              <a:moveTo>
-                <a:pt x="0" y="0"/>
-              </a:moveTo>
-              <a:lnTo>
-                <a:pt x="0" y="815277"/>
-              </a:lnTo>
-              <a:lnTo>
-                <a:pt x="217407" y="815277"/>
-              </a:lnTo>
-            </a:path>
-          </a:pathLst>
-        </a:custGeom>
-        <a:noFill/>
-        <a:ln w="12700" cap="flat" cmpd="sng" algn="ctr">
-          <a:solidFill>
-            <a:schemeClr val="accent1">
-              <a:shade val="60000"/>
-              <a:hueOff val="0"/>
-              <a:satOff val="0"/>
-              <a:lumOff val="0"/>
-              <a:alphaOff val="0"/>
-            </a:schemeClr>
-          </a:solidFill>
-          <a:prstDash val="solid"/>
-          <a:miter lim="800000"/>
-        </a:ln>
-        <a:effectLst/>
-      </dsp:spPr>
-      <dsp:style>
-        <a:lnRef idx="2">
-          <a:scrgbClr r="0" g="0" b="0"/>
-        </a:lnRef>
-        <a:fillRef idx="0">
-          <a:scrgbClr r="0" g="0" b="0"/>
-        </a:fillRef>
-        <a:effectRef idx="0">
-          <a:scrgbClr r="0" g="0" b="0"/>
-        </a:effectRef>
-        <a:fontRef idx="minor"/>
-      </dsp:style>
-    </dsp:sp>
-    <dsp:sp modelId="{70F13BF8-4BC8-4C90-9589-8A8730203985}">
-      <dsp:nvSpPr>
-        <dsp:cNvPr id="0" name=""/>
-        <dsp:cNvSpPr/>
-      </dsp:nvSpPr>
-      <dsp:spPr>
-        <a:xfrm>
-          <a:off x="8589477" y="9850804"/>
-          <a:ext cx="1739257" cy="1087036"/>
-        </a:xfrm>
-        <a:prstGeom prst="roundRect">
-          <a:avLst>
-            <a:gd name="adj" fmla="val 10000"/>
-          </a:avLst>
         </a:prstGeom>
         <a:solidFill>
-          <a:schemeClr val="lt1">
-            <a:alpha val="90000"/>
+          <a:schemeClr val="accent1">
             <a:hueOff val="0"/>
             <a:satOff val="0"/>
             <a:lumOff val="0"/>
@@ -7550,7 +7277,7 @@
         </a:solidFill>
         <a:ln w="12700" cap="flat" cmpd="sng" algn="ctr">
           <a:solidFill>
-            <a:schemeClr val="accent1">
+            <a:schemeClr val="lt1">
               <a:hueOff val="0"/>
               <a:satOff val="0"/>
               <a:lumOff val="0"/>
@@ -7572,15 +7299,17 @@
         <a:effectRef idx="0">
           <a:scrgbClr r="0" g="0" b="0"/>
         </a:effectRef>
-        <a:fontRef idx="minor"/>
+        <a:fontRef idx="minor">
+          <a:schemeClr val="lt1"/>
+        </a:fontRef>
       </dsp:style>
       <dsp:txBody>
-        <a:bodyPr spcFirstLastPara="0" vert="horz" wrap="square" lIns="34290" tIns="22860" rIns="34290" bIns="22860" numCol="1" spcCol="1270" anchor="ctr" anchorCtr="0">
+        <a:bodyPr spcFirstLastPara="0" vert="horz" wrap="square" lIns="17780" tIns="17780" rIns="17780" bIns="17780" numCol="1" spcCol="1270" anchor="ctr" anchorCtr="0">
           <a:noAutofit/>
         </a:bodyPr>
         <a:lstStyle/>
         <a:p>
-          <a:pPr lvl="0" algn="ctr" defTabSz="800100">
+          <a:pPr lvl="0" algn="ctr" defTabSz="1244600">
             <a:lnSpc>
               <a:spcPct val="90000"/>
             </a:lnSpc>
@@ -7592,94 +7321,32 @@
             </a:spcAft>
           </a:pPr>
           <a:r>
-            <a:rPr lang="en-US" sz="1800" kern="1200" dirty="0" smtClean="0"/>
-            <a:t>Factory Aligner</a:t>
+            <a:rPr lang="en-US" sz="2800" kern="1200" dirty="0" smtClean="0"/>
+            <a:t>The AVD (Animals, Valuables, Demolish)</a:t>
           </a:r>
-          <a:endParaRPr lang="en-US" sz="1800" kern="1200" dirty="0"/>
+          <a:endParaRPr lang="en-US" sz="2800" kern="1200" dirty="0"/>
         </a:p>
       </dsp:txBody>
       <dsp:txXfrm>
-        <a:off x="8621315" y="9882642"/>
-        <a:ext cx="1675581" cy="1023360"/>
+        <a:off x="4149035" y="5202655"/>
+        <a:ext cx="3768469" cy="1148923"/>
       </dsp:txXfrm>
     </dsp:sp>
-    <dsp:sp modelId="{6A69F5FF-6429-431C-8AAD-F4A0714F0F29}">
+    <dsp:sp modelId="{97398EBF-072E-4E1A-884B-55D03E76C1E8}">
       <dsp:nvSpPr>
         <dsp:cNvPr id="0" name=""/>
         <dsp:cNvSpPr/>
       </dsp:nvSpPr>
       <dsp:spPr>
         <a:xfrm>
-          <a:off x="8372070" y="9579045"/>
-          <a:ext cx="217407" cy="2174072"/>
+          <a:off x="4149035" y="6638809"/>
+          <a:ext cx="3768469" cy="1148923"/>
         </a:xfrm>
-        <a:custGeom>
+        <a:prstGeom prst="rect">
           <a:avLst/>
-          <a:gdLst/>
-          <a:ahLst/>
-          <a:cxnLst/>
-          <a:rect l="0" t="0" r="0" b="0"/>
-          <a:pathLst>
-            <a:path>
-              <a:moveTo>
-                <a:pt x="0" y="0"/>
-              </a:moveTo>
-              <a:lnTo>
-                <a:pt x="0" y="2174072"/>
-              </a:lnTo>
-              <a:lnTo>
-                <a:pt x="217407" y="2174072"/>
-              </a:lnTo>
-            </a:path>
-          </a:pathLst>
-        </a:custGeom>
-        <a:noFill/>
-        <a:ln w="12700" cap="flat" cmpd="sng" algn="ctr">
-          <a:solidFill>
-            <a:schemeClr val="accent1">
-              <a:shade val="60000"/>
-              <a:hueOff val="0"/>
-              <a:satOff val="0"/>
-              <a:lumOff val="0"/>
-              <a:alphaOff val="0"/>
-            </a:schemeClr>
-          </a:solidFill>
-          <a:prstDash val="solid"/>
-          <a:miter lim="800000"/>
-        </a:ln>
-        <a:effectLst/>
-      </dsp:spPr>
-      <dsp:style>
-        <a:lnRef idx="2">
-          <a:scrgbClr r="0" g="0" b="0"/>
-        </a:lnRef>
-        <a:fillRef idx="0">
-          <a:scrgbClr r="0" g="0" b="0"/>
-        </a:fillRef>
-        <a:effectRef idx="0">
-          <a:scrgbClr r="0" g="0" b="0"/>
-        </a:effectRef>
-        <a:fontRef idx="minor"/>
-      </dsp:style>
-    </dsp:sp>
-    <dsp:sp modelId="{EFDA1720-D947-4EE4-9DAF-3359BAF75394}">
-      <dsp:nvSpPr>
-        <dsp:cNvPr id="0" name=""/>
-        <dsp:cNvSpPr/>
-      </dsp:nvSpPr>
-      <dsp:spPr>
-        <a:xfrm>
-          <a:off x="8589477" y="11209600"/>
-          <a:ext cx="1739257" cy="1087036"/>
-        </a:xfrm>
-        <a:prstGeom prst="roundRect">
-          <a:avLst>
-            <a:gd name="adj" fmla="val 10000"/>
-          </a:avLst>
         </a:prstGeom>
         <a:solidFill>
-          <a:schemeClr val="lt1">
-            <a:alpha val="90000"/>
+          <a:schemeClr val="accent1">
             <a:hueOff val="0"/>
             <a:satOff val="0"/>
             <a:lumOff val="0"/>
@@ -7688,7 +7355,7 @@
         </a:solidFill>
         <a:ln w="12700" cap="flat" cmpd="sng" algn="ctr">
           <a:solidFill>
-            <a:schemeClr val="accent1">
+            <a:schemeClr val="lt1">
               <a:hueOff val="0"/>
               <a:satOff val="0"/>
               <a:lumOff val="0"/>
@@ -7710,15 +7377,17 @@
         <a:effectRef idx="0">
           <a:scrgbClr r="0" g="0" b="0"/>
         </a:effectRef>
-        <a:fontRef idx="minor"/>
+        <a:fontRef idx="minor">
+          <a:schemeClr val="lt1"/>
+        </a:fontRef>
       </dsp:style>
       <dsp:txBody>
-        <a:bodyPr spcFirstLastPara="0" vert="horz" wrap="square" lIns="34290" tIns="22860" rIns="34290" bIns="22860" numCol="1" spcCol="1270" anchor="ctr" anchorCtr="0">
+        <a:bodyPr spcFirstLastPara="0" vert="horz" wrap="square" lIns="17780" tIns="17780" rIns="17780" bIns="17780" numCol="1" spcCol="1270" anchor="ctr" anchorCtr="0">
           <a:noAutofit/>
         </a:bodyPr>
         <a:lstStyle/>
         <a:p>
-          <a:pPr lvl="0" algn="ctr" defTabSz="800100">
+          <a:pPr lvl="0" algn="ctr" defTabSz="1244600">
             <a:lnSpc>
               <a:spcPct val="90000"/>
             </a:lnSpc>
@@ -7730,15 +7399,799 @@
             </a:spcAft>
           </a:pPr>
           <a:r>
-            <a:rPr lang="en-US" sz="1800" kern="1200" dirty="0" smtClean="0"/>
+            <a:rPr lang="en-US" sz="2800" kern="1200" dirty="0" smtClean="0"/>
+            <a:t>-One-way door that lifts up to make the robot more compact</a:t>
+          </a:r>
+          <a:endParaRPr lang="en-US" sz="2800" kern="1200" dirty="0"/>
+        </a:p>
+      </dsp:txBody>
+      <dsp:txXfrm>
+        <a:off x="4149035" y="6638809"/>
+        <a:ext cx="3768469" cy="1148923"/>
+      </dsp:txXfrm>
+    </dsp:sp>
+    <dsp:sp modelId="{6231E418-4ADC-4EB9-AA62-B8C86C78C33B}">
+      <dsp:nvSpPr>
+        <dsp:cNvPr id="0" name=""/>
+        <dsp:cNvSpPr/>
+      </dsp:nvSpPr>
+      <dsp:spPr>
+        <a:xfrm>
+          <a:off x="4149035" y="8074964"/>
+          <a:ext cx="3768469" cy="1148923"/>
+        </a:xfrm>
+        <a:prstGeom prst="rect">
+          <a:avLst/>
+        </a:prstGeom>
+        <a:solidFill>
+          <a:schemeClr val="accent1">
+            <a:hueOff val="0"/>
+            <a:satOff val="0"/>
+            <a:lumOff val="0"/>
+            <a:alphaOff val="0"/>
+          </a:schemeClr>
+        </a:solidFill>
+        <a:ln w="12700" cap="flat" cmpd="sng" algn="ctr">
+          <a:solidFill>
+            <a:schemeClr val="lt1">
+              <a:hueOff val="0"/>
+              <a:satOff val="0"/>
+              <a:lumOff val="0"/>
+              <a:alphaOff val="0"/>
+            </a:schemeClr>
+          </a:solidFill>
+          <a:prstDash val="solid"/>
+          <a:miter lim="800000"/>
+        </a:ln>
+        <a:effectLst/>
+      </dsp:spPr>
+      <dsp:style>
+        <a:lnRef idx="2">
+          <a:scrgbClr r="0" g="0" b="0"/>
+        </a:lnRef>
+        <a:fillRef idx="1">
+          <a:scrgbClr r="0" g="0" b="0"/>
+        </a:fillRef>
+        <a:effectRef idx="0">
+          <a:scrgbClr r="0" g="0" b="0"/>
+        </a:effectRef>
+        <a:fontRef idx="minor">
+          <a:schemeClr val="lt1"/>
+        </a:fontRef>
+      </dsp:style>
+      <dsp:txBody>
+        <a:bodyPr spcFirstLastPara="0" vert="horz" wrap="square" lIns="17780" tIns="17780" rIns="17780" bIns="17780" numCol="1" spcCol="1270" anchor="ctr" anchorCtr="0">
+          <a:noAutofit/>
+        </a:bodyPr>
+        <a:lstStyle/>
+        <a:p>
+          <a:pPr lvl="0" algn="ctr" defTabSz="1244600">
+            <a:lnSpc>
+              <a:spcPct val="90000"/>
+            </a:lnSpc>
+            <a:spcBef>
+              <a:spcPct val="0"/>
+            </a:spcBef>
+            <a:spcAft>
+              <a:spcPct val="35000"/>
+            </a:spcAft>
+          </a:pPr>
+          <a:r>
+            <a:rPr lang="en-US" sz="2800" kern="1200" dirty="0" smtClean="0"/>
+            <a:t>The Slide</a:t>
+          </a:r>
+          <a:endParaRPr lang="en-US" sz="2800" kern="1200" dirty="0"/>
+        </a:p>
+      </dsp:txBody>
+      <dsp:txXfrm>
+        <a:off x="4149035" y="8074964"/>
+        <a:ext cx="3768469" cy="1148923"/>
+      </dsp:txXfrm>
+    </dsp:sp>
+    <dsp:sp modelId="{A99ED2DA-3572-4E34-84F6-4FE6DA315D9E}">
+      <dsp:nvSpPr>
+        <dsp:cNvPr id="0" name=""/>
+        <dsp:cNvSpPr/>
+      </dsp:nvSpPr>
+      <dsp:spPr>
+        <a:xfrm>
+          <a:off x="4149035" y="9511118"/>
+          <a:ext cx="3768469" cy="1148923"/>
+        </a:xfrm>
+        <a:prstGeom prst="rect">
+          <a:avLst/>
+        </a:prstGeom>
+        <a:solidFill>
+          <a:schemeClr val="accent1">
+            <a:hueOff val="0"/>
+            <a:satOff val="0"/>
+            <a:lumOff val="0"/>
+            <a:alphaOff val="0"/>
+          </a:schemeClr>
+        </a:solidFill>
+        <a:ln w="12700" cap="flat" cmpd="sng" algn="ctr">
+          <a:solidFill>
+            <a:schemeClr val="lt1">
+              <a:hueOff val="0"/>
+              <a:satOff val="0"/>
+              <a:lumOff val="0"/>
+              <a:alphaOff val="0"/>
+            </a:schemeClr>
+          </a:solidFill>
+          <a:prstDash val="solid"/>
+          <a:miter lim="800000"/>
+        </a:ln>
+        <a:effectLst/>
+      </dsp:spPr>
+      <dsp:style>
+        <a:lnRef idx="2">
+          <a:scrgbClr r="0" g="0" b="0"/>
+        </a:lnRef>
+        <a:fillRef idx="1">
+          <a:scrgbClr r="0" g="0" b="0"/>
+        </a:fillRef>
+        <a:effectRef idx="0">
+          <a:scrgbClr r="0" g="0" b="0"/>
+        </a:effectRef>
+        <a:fontRef idx="minor">
+          <a:schemeClr val="lt1"/>
+        </a:fontRef>
+      </dsp:style>
+      <dsp:txBody>
+        <a:bodyPr spcFirstLastPara="0" vert="horz" wrap="square" lIns="17780" tIns="17780" rIns="17780" bIns="17780" numCol="1" spcCol="1270" anchor="ctr" anchorCtr="0">
+          <a:noAutofit/>
+        </a:bodyPr>
+        <a:lstStyle/>
+        <a:p>
+          <a:pPr lvl="0" algn="ctr" defTabSz="1244600">
+            <a:lnSpc>
+              <a:spcPct val="90000"/>
+            </a:lnSpc>
+            <a:spcBef>
+              <a:spcPct val="0"/>
+            </a:spcBef>
+            <a:spcAft>
+              <a:spcPct val="35000"/>
+            </a:spcAft>
+          </a:pPr>
+          <a:r>
+            <a:rPr lang="en-US" sz="2800" kern="1200" dirty="0" smtClean="0"/>
+            <a:t>The Compost Collector</a:t>
+          </a:r>
+          <a:endParaRPr lang="en-US" sz="2800" kern="1200" dirty="0"/>
+        </a:p>
+      </dsp:txBody>
+      <dsp:txXfrm>
+        <a:off x="4149035" y="9511118"/>
+        <a:ext cx="3768469" cy="1148923"/>
+      </dsp:txXfrm>
+    </dsp:sp>
+    <dsp:sp modelId="{368B5774-9178-4A4E-84AC-C3C292D25BC3}">
+      <dsp:nvSpPr>
+        <dsp:cNvPr id="0" name=""/>
+        <dsp:cNvSpPr/>
+      </dsp:nvSpPr>
+      <dsp:spPr>
+        <a:xfrm>
+          <a:off x="4149035" y="10947273"/>
+          <a:ext cx="3768469" cy="1148923"/>
+        </a:xfrm>
+        <a:prstGeom prst="rect">
+          <a:avLst/>
+        </a:prstGeom>
+        <a:solidFill>
+          <a:schemeClr val="accent1">
+            <a:hueOff val="0"/>
+            <a:satOff val="0"/>
+            <a:lumOff val="0"/>
+            <a:alphaOff val="0"/>
+          </a:schemeClr>
+        </a:solidFill>
+        <a:ln w="12700" cap="flat" cmpd="sng" algn="ctr">
+          <a:solidFill>
+            <a:schemeClr val="lt1">
+              <a:hueOff val="0"/>
+              <a:satOff val="0"/>
+              <a:lumOff val="0"/>
+              <a:alphaOff val="0"/>
+            </a:schemeClr>
+          </a:solidFill>
+          <a:prstDash val="solid"/>
+          <a:miter lim="800000"/>
+        </a:ln>
+        <a:effectLst/>
+      </dsp:spPr>
+      <dsp:style>
+        <a:lnRef idx="2">
+          <a:scrgbClr r="0" g="0" b="0"/>
+        </a:lnRef>
+        <a:fillRef idx="1">
+          <a:scrgbClr r="0" g="0" b="0"/>
+        </a:fillRef>
+        <a:effectRef idx="0">
+          <a:scrgbClr r="0" g="0" b="0"/>
+        </a:effectRef>
+        <a:fontRef idx="minor">
+          <a:schemeClr val="lt1"/>
+        </a:fontRef>
+      </dsp:style>
+      <dsp:txBody>
+        <a:bodyPr spcFirstLastPara="0" vert="horz" wrap="square" lIns="17780" tIns="17780" rIns="17780" bIns="17780" numCol="1" spcCol="1270" anchor="ctr" anchorCtr="0">
+          <a:noAutofit/>
+        </a:bodyPr>
+        <a:lstStyle/>
+        <a:p>
+          <a:pPr lvl="0" algn="ctr" defTabSz="1244600">
+            <a:lnSpc>
+              <a:spcPct val="90000"/>
+            </a:lnSpc>
+            <a:spcBef>
+              <a:spcPct val="0"/>
+            </a:spcBef>
+            <a:spcAft>
+              <a:spcPct val="35000"/>
+            </a:spcAft>
+          </a:pPr>
+          <a:r>
+            <a:rPr lang="en-US" sz="2800" kern="1200" dirty="0" smtClean="0"/>
+            <a:t>The Turtle </a:t>
+          </a:r>
+          <a:r>
+            <a:rPr lang="en-US" sz="2800" kern="1200" dirty="0" err="1" smtClean="0"/>
+            <a:t>Baginator</a:t>
+          </a:r>
+          <a:endParaRPr lang="en-US" sz="2800" kern="1200" dirty="0"/>
+        </a:p>
+      </dsp:txBody>
+      <dsp:txXfrm>
+        <a:off x="4149035" y="10947273"/>
+        <a:ext cx="3768469" cy="1148923"/>
+      </dsp:txXfrm>
+    </dsp:sp>
+    <dsp:sp modelId="{1D00B62E-9D72-4565-9881-37E63B66FE62}">
+      <dsp:nvSpPr>
+        <dsp:cNvPr id="0" name=""/>
+        <dsp:cNvSpPr/>
+      </dsp:nvSpPr>
+      <dsp:spPr>
+        <a:xfrm>
+          <a:off x="4149035" y="12383427"/>
+          <a:ext cx="3768469" cy="1148923"/>
+        </a:xfrm>
+        <a:prstGeom prst="rect">
+          <a:avLst/>
+        </a:prstGeom>
+        <a:solidFill>
+          <a:schemeClr val="accent1">
+            <a:hueOff val="0"/>
+            <a:satOff val="0"/>
+            <a:lumOff val="0"/>
+            <a:alphaOff val="0"/>
+          </a:schemeClr>
+        </a:solidFill>
+        <a:ln w="12700" cap="flat" cmpd="sng" algn="ctr">
+          <a:solidFill>
+            <a:schemeClr val="lt1">
+              <a:hueOff val="0"/>
+              <a:satOff val="0"/>
+              <a:lumOff val="0"/>
+              <a:alphaOff val="0"/>
+            </a:schemeClr>
+          </a:solidFill>
+          <a:prstDash val="solid"/>
+          <a:miter lim="800000"/>
+        </a:ln>
+        <a:effectLst/>
+      </dsp:spPr>
+      <dsp:style>
+        <a:lnRef idx="2">
+          <a:scrgbClr r="0" g="0" b="0"/>
+        </a:lnRef>
+        <a:fillRef idx="1">
+          <a:scrgbClr r="0" g="0" b="0"/>
+        </a:fillRef>
+        <a:effectRef idx="0">
+          <a:scrgbClr r="0" g="0" b="0"/>
+        </a:effectRef>
+        <a:fontRef idx="minor">
+          <a:schemeClr val="lt1"/>
+        </a:fontRef>
+      </dsp:style>
+      <dsp:txBody>
+        <a:bodyPr spcFirstLastPara="0" vert="horz" wrap="square" lIns="17780" tIns="17780" rIns="17780" bIns="17780" numCol="1" spcCol="1270" anchor="ctr" anchorCtr="0">
+          <a:noAutofit/>
+        </a:bodyPr>
+        <a:lstStyle/>
+        <a:p>
+          <a:pPr lvl="0" algn="ctr" defTabSz="1244600">
+            <a:lnSpc>
+              <a:spcPct val="90000"/>
+            </a:lnSpc>
+            <a:spcBef>
+              <a:spcPct val="0"/>
+            </a:spcBef>
+            <a:spcAft>
+              <a:spcPct val="35000"/>
+            </a:spcAft>
+          </a:pPr>
+          <a:r>
+            <a:rPr lang="en-US" sz="2800" kern="1200" dirty="0" smtClean="0"/>
+            <a:t>-it’s controlled by part of the Engine Installer</a:t>
+          </a:r>
+          <a:endParaRPr lang="en-US" sz="2800" kern="1200" dirty="0"/>
+        </a:p>
+      </dsp:txBody>
+      <dsp:txXfrm>
+        <a:off x="4149035" y="12383427"/>
+        <a:ext cx="3768469" cy="1148923"/>
+      </dsp:txXfrm>
+    </dsp:sp>
+    <dsp:sp modelId="{0088B143-2452-4824-AFA7-C531A56B97E7}">
+      <dsp:nvSpPr>
+        <dsp:cNvPr id="0" name=""/>
+        <dsp:cNvSpPr/>
+      </dsp:nvSpPr>
+      <dsp:spPr>
+        <a:xfrm rot="16200000">
+          <a:off x="-202603" y="15127238"/>
+          <a:ext cx="6046966" cy="1148923"/>
+        </a:xfrm>
+        <a:prstGeom prst="rect">
+          <a:avLst/>
+        </a:prstGeom>
+        <a:solidFill>
+          <a:schemeClr val="accent1">
+            <a:hueOff val="0"/>
+            <a:satOff val="0"/>
+            <a:lumOff val="0"/>
+            <a:alphaOff val="0"/>
+          </a:schemeClr>
+        </a:solidFill>
+        <a:ln w="12700" cap="flat" cmpd="sng" algn="ctr">
+          <a:solidFill>
+            <a:schemeClr val="lt1">
+              <a:hueOff val="0"/>
+              <a:satOff val="0"/>
+              <a:lumOff val="0"/>
+              <a:alphaOff val="0"/>
+            </a:schemeClr>
+          </a:solidFill>
+          <a:prstDash val="solid"/>
+          <a:miter lim="800000"/>
+        </a:ln>
+        <a:effectLst/>
+      </dsp:spPr>
+      <dsp:style>
+        <a:lnRef idx="2">
+          <a:scrgbClr r="0" g="0" b="0"/>
+        </a:lnRef>
+        <a:fillRef idx="1">
+          <a:scrgbClr r="0" g="0" b="0"/>
+        </a:fillRef>
+        <a:effectRef idx="0">
+          <a:scrgbClr r="0" g="0" b="0"/>
+        </a:effectRef>
+        <a:fontRef idx="minor">
+          <a:schemeClr val="lt1"/>
+        </a:fontRef>
+      </dsp:style>
+      <dsp:txBody>
+        <a:bodyPr spcFirstLastPara="0" vert="horz" wrap="square" lIns="41275" tIns="41275" rIns="41275" bIns="41275" numCol="1" spcCol="1270" anchor="ctr" anchorCtr="0">
+          <a:noAutofit/>
+        </a:bodyPr>
+        <a:lstStyle/>
+        <a:p>
+          <a:pPr lvl="0" algn="ctr" defTabSz="2889250">
+            <a:lnSpc>
+              <a:spcPct val="90000"/>
+            </a:lnSpc>
+            <a:spcBef>
+              <a:spcPct val="0"/>
+            </a:spcBef>
+            <a:spcAft>
+              <a:spcPct val="35000"/>
+            </a:spcAft>
+          </a:pPr>
+          <a:r>
+            <a:rPr lang="en-US" sz="6500" kern="1200" dirty="0" smtClean="0"/>
+            <a:t>Launches 3 &amp; 4</a:t>
+          </a:r>
+          <a:endParaRPr lang="en-US" sz="6500" kern="1200" dirty="0"/>
+        </a:p>
+      </dsp:txBody>
+      <dsp:txXfrm>
+        <a:off x="-202603" y="15127238"/>
+        <a:ext cx="6046966" cy="1148923"/>
+      </dsp:txXfrm>
+    </dsp:sp>
+    <dsp:sp modelId="{D506C4C0-22B4-4577-A0B9-5225EEA2E750}">
+      <dsp:nvSpPr>
+        <dsp:cNvPr id="0" name=""/>
+        <dsp:cNvSpPr/>
+      </dsp:nvSpPr>
+      <dsp:spPr>
+        <a:xfrm>
+          <a:off x="4149035" y="14409161"/>
+          <a:ext cx="3768469" cy="1148923"/>
+        </a:xfrm>
+        <a:prstGeom prst="rect">
+          <a:avLst/>
+        </a:prstGeom>
+        <a:solidFill>
+          <a:schemeClr val="accent1">
+            <a:hueOff val="0"/>
+            <a:satOff val="0"/>
+            <a:lumOff val="0"/>
+            <a:alphaOff val="0"/>
+          </a:schemeClr>
+        </a:solidFill>
+        <a:ln w="12700" cap="flat" cmpd="sng" algn="ctr">
+          <a:solidFill>
+            <a:schemeClr val="lt1">
+              <a:hueOff val="0"/>
+              <a:satOff val="0"/>
+              <a:lumOff val="0"/>
+              <a:alphaOff val="0"/>
+            </a:schemeClr>
+          </a:solidFill>
+          <a:prstDash val="solid"/>
+          <a:miter lim="800000"/>
+        </a:ln>
+        <a:effectLst/>
+      </dsp:spPr>
+      <dsp:style>
+        <a:lnRef idx="2">
+          <a:scrgbClr r="0" g="0" b="0"/>
+        </a:lnRef>
+        <a:fillRef idx="1">
+          <a:scrgbClr r="0" g="0" b="0"/>
+        </a:fillRef>
+        <a:effectRef idx="0">
+          <a:scrgbClr r="0" g="0" b="0"/>
+        </a:effectRef>
+        <a:fontRef idx="minor">
+          <a:schemeClr val="lt1"/>
+        </a:fontRef>
+      </dsp:style>
+      <dsp:txBody>
+        <a:bodyPr spcFirstLastPara="0" vert="horz" wrap="square" lIns="17780" tIns="17780" rIns="17780" bIns="17780" numCol="1" spcCol="1270" anchor="ctr" anchorCtr="0">
+          <a:noAutofit/>
+        </a:bodyPr>
+        <a:lstStyle/>
+        <a:p>
+          <a:pPr lvl="0" algn="ctr" defTabSz="1244600">
+            <a:lnSpc>
+              <a:spcPct val="90000"/>
+            </a:lnSpc>
+            <a:spcBef>
+              <a:spcPct val="0"/>
+            </a:spcBef>
+            <a:spcAft>
+              <a:spcPct val="35000"/>
+            </a:spcAft>
+          </a:pPr>
+          <a:r>
+            <a:rPr lang="en-US" sz="2800" kern="1200" dirty="0" smtClean="0"/>
+            <a:t>The Compost Retriever</a:t>
+          </a:r>
+          <a:endParaRPr lang="en-US" sz="2800" kern="1200" dirty="0"/>
+        </a:p>
+      </dsp:txBody>
+      <dsp:txXfrm>
+        <a:off x="4149035" y="14409161"/>
+        <a:ext cx="3768469" cy="1148923"/>
+      </dsp:txXfrm>
+    </dsp:sp>
+    <dsp:sp modelId="{8E58E3EB-6D07-474B-BCE4-F81BD81949F0}">
+      <dsp:nvSpPr>
+        <dsp:cNvPr id="0" name=""/>
+        <dsp:cNvSpPr/>
+      </dsp:nvSpPr>
+      <dsp:spPr>
+        <a:xfrm>
+          <a:off x="4149035" y="15845315"/>
+          <a:ext cx="3768469" cy="1148923"/>
+        </a:xfrm>
+        <a:prstGeom prst="rect">
+          <a:avLst/>
+        </a:prstGeom>
+        <a:solidFill>
+          <a:schemeClr val="accent1">
+            <a:hueOff val="0"/>
+            <a:satOff val="0"/>
+            <a:lumOff val="0"/>
+            <a:alphaOff val="0"/>
+          </a:schemeClr>
+        </a:solidFill>
+        <a:ln w="12700" cap="flat" cmpd="sng" algn="ctr">
+          <a:solidFill>
+            <a:schemeClr val="lt1">
+              <a:hueOff val="0"/>
+              <a:satOff val="0"/>
+              <a:lumOff val="0"/>
+              <a:alphaOff val="0"/>
+            </a:schemeClr>
+          </a:solidFill>
+          <a:prstDash val="solid"/>
+          <a:miter lim="800000"/>
+        </a:ln>
+        <a:effectLst/>
+      </dsp:spPr>
+      <dsp:style>
+        <a:lnRef idx="2">
+          <a:scrgbClr r="0" g="0" b="0"/>
+        </a:lnRef>
+        <a:fillRef idx="1">
+          <a:scrgbClr r="0" g="0" b="0"/>
+        </a:fillRef>
+        <a:effectRef idx="0">
+          <a:scrgbClr r="0" g="0" b="0"/>
+        </a:effectRef>
+        <a:fontRef idx="minor">
+          <a:schemeClr val="lt1"/>
+        </a:fontRef>
+      </dsp:style>
+      <dsp:txBody>
+        <a:bodyPr spcFirstLastPara="0" vert="horz" wrap="square" lIns="17780" tIns="17780" rIns="17780" bIns="17780" numCol="1" spcCol="1270" anchor="ctr" anchorCtr="0">
+          <a:noAutofit/>
+        </a:bodyPr>
+        <a:lstStyle/>
+        <a:p>
+          <a:pPr lvl="0" algn="ctr" defTabSz="1244600">
+            <a:lnSpc>
+              <a:spcPct val="90000"/>
+            </a:lnSpc>
+            <a:spcBef>
+              <a:spcPct val="0"/>
+            </a:spcBef>
+            <a:spcAft>
+              <a:spcPct val="35000"/>
+            </a:spcAft>
+          </a:pPr>
+          <a:r>
+            <a:rPr lang="en-US" sz="2800" kern="1200" dirty="0" smtClean="0"/>
+            <a:t>-indented so it could reach the compost</a:t>
+          </a:r>
+          <a:endParaRPr lang="en-US" sz="2800" kern="1200" dirty="0"/>
+        </a:p>
+      </dsp:txBody>
+      <dsp:txXfrm>
+        <a:off x="4149035" y="15845315"/>
+        <a:ext cx="3768469" cy="1148923"/>
+      </dsp:txXfrm>
+    </dsp:sp>
+    <dsp:sp modelId="{1CAFF39C-526E-432E-B8ED-91BBED19BA9C}">
+      <dsp:nvSpPr>
+        <dsp:cNvPr id="0" name=""/>
+        <dsp:cNvSpPr/>
+      </dsp:nvSpPr>
+      <dsp:spPr>
+        <a:xfrm rot="16200000">
+          <a:off x="-202603" y="21461435"/>
+          <a:ext cx="6046966" cy="1148923"/>
+        </a:xfrm>
+        <a:prstGeom prst="rect">
+          <a:avLst/>
+        </a:prstGeom>
+        <a:solidFill>
+          <a:schemeClr val="accent1">
+            <a:hueOff val="0"/>
+            <a:satOff val="0"/>
+            <a:lumOff val="0"/>
+            <a:alphaOff val="0"/>
+          </a:schemeClr>
+        </a:solidFill>
+        <a:ln w="12700" cap="flat" cmpd="sng" algn="ctr">
+          <a:solidFill>
+            <a:schemeClr val="lt1">
+              <a:hueOff val="0"/>
+              <a:satOff val="0"/>
+              <a:lumOff val="0"/>
+              <a:alphaOff val="0"/>
+            </a:schemeClr>
+          </a:solidFill>
+          <a:prstDash val="solid"/>
+          <a:miter lim="800000"/>
+        </a:ln>
+        <a:effectLst/>
+      </dsp:spPr>
+      <dsp:style>
+        <a:lnRef idx="2">
+          <a:scrgbClr r="0" g="0" b="0"/>
+        </a:lnRef>
+        <a:fillRef idx="1">
+          <a:scrgbClr r="0" g="0" b="0"/>
+        </a:fillRef>
+        <a:effectRef idx="0">
+          <a:scrgbClr r="0" g="0" b="0"/>
+        </a:effectRef>
+        <a:fontRef idx="minor">
+          <a:schemeClr val="lt1"/>
+        </a:fontRef>
+      </dsp:style>
+      <dsp:txBody>
+        <a:bodyPr spcFirstLastPara="0" vert="horz" wrap="square" lIns="41275" tIns="41275" rIns="41275" bIns="41275" numCol="1" spcCol="1270" anchor="ctr" anchorCtr="0">
+          <a:noAutofit/>
+        </a:bodyPr>
+        <a:lstStyle/>
+        <a:p>
+          <a:pPr lvl="0" algn="ctr" defTabSz="2889250">
+            <a:lnSpc>
+              <a:spcPct val="90000"/>
+            </a:lnSpc>
+            <a:spcBef>
+              <a:spcPct val="0"/>
+            </a:spcBef>
+            <a:spcAft>
+              <a:spcPct val="35000"/>
+            </a:spcAft>
+          </a:pPr>
+          <a:r>
+            <a:rPr lang="en-US" sz="6500" kern="1200" dirty="0" smtClean="0"/>
+            <a:t>Launch 5</a:t>
+          </a:r>
+          <a:endParaRPr lang="en-US" sz="6500" kern="1200" dirty="0"/>
+        </a:p>
+      </dsp:txBody>
+      <dsp:txXfrm>
+        <a:off x="-202603" y="21461435"/>
+        <a:ext cx="6046966" cy="1148923"/>
+      </dsp:txXfrm>
+    </dsp:sp>
+    <dsp:sp modelId="{65BA2594-04C8-4BBD-8AAC-89F4F922BF4C}">
+      <dsp:nvSpPr>
+        <dsp:cNvPr id="0" name=""/>
+        <dsp:cNvSpPr/>
+      </dsp:nvSpPr>
+      <dsp:spPr>
+        <a:xfrm>
+          <a:off x="4149035" y="20743358"/>
+          <a:ext cx="3768469" cy="1148923"/>
+        </a:xfrm>
+        <a:prstGeom prst="rect">
+          <a:avLst/>
+        </a:prstGeom>
+        <a:solidFill>
+          <a:schemeClr val="accent1">
+            <a:hueOff val="0"/>
+            <a:satOff val="0"/>
+            <a:lumOff val="0"/>
+            <a:alphaOff val="0"/>
+          </a:schemeClr>
+        </a:solidFill>
+        <a:ln w="12700" cap="flat" cmpd="sng" algn="ctr">
+          <a:solidFill>
+            <a:schemeClr val="lt1">
+              <a:hueOff val="0"/>
+              <a:satOff val="0"/>
+              <a:lumOff val="0"/>
+              <a:alphaOff val="0"/>
+            </a:schemeClr>
+          </a:solidFill>
+          <a:prstDash val="solid"/>
+          <a:miter lim="800000"/>
+        </a:ln>
+        <a:effectLst/>
+      </dsp:spPr>
+      <dsp:style>
+        <a:lnRef idx="2">
+          <a:scrgbClr r="0" g="0" b="0"/>
+        </a:lnRef>
+        <a:fillRef idx="1">
+          <a:scrgbClr r="0" g="0" b="0"/>
+        </a:fillRef>
+        <a:effectRef idx="0">
+          <a:scrgbClr r="0" g="0" b="0"/>
+        </a:effectRef>
+        <a:fontRef idx="minor">
+          <a:schemeClr val="lt1"/>
+        </a:fontRef>
+      </dsp:style>
+      <dsp:txBody>
+        <a:bodyPr spcFirstLastPara="0" vert="horz" wrap="square" lIns="17780" tIns="17780" rIns="17780" bIns="17780" numCol="1" spcCol="1270" anchor="ctr" anchorCtr="0">
+          <a:noAutofit/>
+        </a:bodyPr>
+        <a:lstStyle/>
+        <a:p>
+          <a:pPr lvl="0" algn="ctr" defTabSz="1244600">
+            <a:lnSpc>
+              <a:spcPct val="90000"/>
+            </a:lnSpc>
+            <a:spcBef>
+              <a:spcPct val="0"/>
+            </a:spcBef>
+            <a:spcAft>
+              <a:spcPct val="35000"/>
+            </a:spcAft>
+          </a:pPr>
+          <a:r>
+            <a:rPr lang="en-US" sz="2800" kern="1200" dirty="0" smtClean="0"/>
+            <a:t>Factory Aligner</a:t>
+          </a:r>
+          <a:endParaRPr lang="en-US" sz="2800" kern="1200" dirty="0"/>
+        </a:p>
+      </dsp:txBody>
+      <dsp:txXfrm>
+        <a:off x="4149035" y="20743358"/>
+        <a:ext cx="3768469" cy="1148923"/>
+      </dsp:txXfrm>
+    </dsp:sp>
+    <dsp:sp modelId="{40B1CE9B-7DE7-470F-8D97-4154829EABED}">
+      <dsp:nvSpPr>
+        <dsp:cNvPr id="0" name=""/>
+        <dsp:cNvSpPr/>
+      </dsp:nvSpPr>
+      <dsp:spPr>
+        <a:xfrm>
+          <a:off x="4149035" y="22179513"/>
+          <a:ext cx="3768469" cy="1148923"/>
+        </a:xfrm>
+        <a:prstGeom prst="rect">
+          <a:avLst/>
+        </a:prstGeom>
+        <a:solidFill>
+          <a:schemeClr val="accent1">
+            <a:hueOff val="0"/>
+            <a:satOff val="0"/>
+            <a:lumOff val="0"/>
+            <a:alphaOff val="0"/>
+          </a:schemeClr>
+        </a:solidFill>
+        <a:ln w="12700" cap="flat" cmpd="sng" algn="ctr">
+          <a:solidFill>
+            <a:schemeClr val="lt1">
+              <a:hueOff val="0"/>
+              <a:satOff val="0"/>
+              <a:lumOff val="0"/>
+              <a:alphaOff val="0"/>
+            </a:schemeClr>
+          </a:solidFill>
+          <a:prstDash val="solid"/>
+          <a:miter lim="800000"/>
+        </a:ln>
+        <a:effectLst/>
+      </dsp:spPr>
+      <dsp:style>
+        <a:lnRef idx="2">
+          <a:scrgbClr r="0" g="0" b="0"/>
+        </a:lnRef>
+        <a:fillRef idx="1">
+          <a:scrgbClr r="0" g="0" b="0"/>
+        </a:fillRef>
+        <a:effectRef idx="0">
+          <a:scrgbClr r="0" g="0" b="0"/>
+        </a:effectRef>
+        <a:fontRef idx="minor">
+          <a:schemeClr val="lt1"/>
+        </a:fontRef>
+      </dsp:style>
+      <dsp:txBody>
+        <a:bodyPr spcFirstLastPara="0" vert="horz" wrap="square" lIns="17780" tIns="17780" rIns="17780" bIns="17780" numCol="1" spcCol="1270" anchor="ctr" anchorCtr="0">
+          <a:noAutofit/>
+        </a:bodyPr>
+        <a:lstStyle/>
+        <a:p>
+          <a:pPr lvl="0" algn="ctr" defTabSz="1244600">
+            <a:lnSpc>
+              <a:spcPct val="90000"/>
+            </a:lnSpc>
+            <a:spcBef>
+              <a:spcPct val="0"/>
+            </a:spcBef>
+            <a:spcAft>
+              <a:spcPct val="35000"/>
+            </a:spcAft>
+          </a:pPr>
+          <a:r>
+            <a:rPr lang="en-US" sz="2800" kern="1200" dirty="0" smtClean="0"/>
             <a:t>Toy Snatcher</a:t>
           </a:r>
-          <a:endParaRPr lang="en-US" sz="1800" kern="1200" dirty="0"/>
+          <a:endParaRPr lang="en-US" sz="2800" kern="1200" dirty="0"/>
         </a:p>
       </dsp:txBody>
       <dsp:txXfrm>
-        <a:off x="8621315" y="11241438"/>
-        <a:ext cx="1675581" cy="1023360"/>
+        <a:off x="4149035" y="22179513"/>
+        <a:ext cx="3768469" cy="1148923"/>
       </dsp:txXfrm>
     </dsp:sp>
   </dsp:spTree>
@@ -8484,14 +8937,11 @@
 </file>
 
 <file path=ppt/diagrams/layout2.xml><?xml version="1.0" encoding="utf-8"?>
-<dgm:layoutDef xmlns:dgm="http://schemas.openxmlformats.org/drawingml/2006/diagram" xmlns:a="http://schemas.openxmlformats.org/drawingml/2006/main" uniqueId="urn:microsoft.com/office/officeart/2005/8/layout/hierarchy3">
+<dgm:layoutDef xmlns:dgm="http://schemas.openxmlformats.org/drawingml/2006/diagram" xmlns:a="http://schemas.openxmlformats.org/drawingml/2006/main" uniqueId="urn:microsoft.com/office/officeart/2008/layout/HorizontalMultiLevelHierarchy">
   <dgm:title val=""/>
   <dgm:desc val=""/>
   <dgm:catLst>
-    <dgm:cat type="hierarchy" pri="7000"/>
-    <dgm:cat type="list" pri="23000"/>
-    <dgm:cat type="relationship" pri="15000"/>
-    <dgm:cat type="convert" pri="7000"/>
+    <dgm:cat type="hierarchy" pri="4600"/>
   </dgm:catLst>
   <dgm:sampData>
     <dgm:dataModel>
@@ -8506,23 +8956,15 @@
         <dgm:pt modelId="12">
           <dgm:prSet phldr="1"/>
         </dgm:pt>
-        <dgm:pt modelId="2">
-          <dgm:prSet phldr="1"/>
-        </dgm:pt>
-        <dgm:pt modelId="21">
-          <dgm:prSet phldr="1"/>
-        </dgm:pt>
-        <dgm:pt modelId="22">
+        <dgm:pt modelId="13">
           <dgm:prSet phldr="1"/>
         </dgm:pt>
       </dgm:ptLst>
       <dgm:cxnLst>
-        <dgm:cxn modelId="4" srcId="0" destId="1" srcOrd="0" destOrd="0"/>
-        <dgm:cxn modelId="5" srcId="1" destId="11" srcOrd="0" destOrd="0"/>
-        <dgm:cxn modelId="6" srcId="1" destId="12" srcOrd="1" destOrd="0"/>
-        <dgm:cxn modelId="7" srcId="0" destId="2" srcOrd="1" destOrd="0"/>
-        <dgm:cxn modelId="8" srcId="2" destId="21" srcOrd="0" destOrd="0"/>
-        <dgm:cxn modelId="9" srcId="2" destId="22" srcOrd="1" destOrd="0"/>
+        <dgm:cxn modelId="2" srcId="0" destId="1" srcOrd="0" destOrd="0"/>
+        <dgm:cxn modelId="3" srcId="1" destId="11" srcOrd="0" destOrd="0"/>
+        <dgm:cxn modelId="4" srcId="1" destId="12" srcOrd="1" destOrd="0"/>
+        <dgm:cxn modelId="5" srcId="1" destId="13" srcOrd="2" destOrd="0"/>
       </dgm:cxnLst>
       <dgm:bg/>
       <dgm:whole/>
@@ -8532,16 +8974,20 @@
     <dgm:dataModel>
       <dgm:ptLst>
         <dgm:pt modelId="0" type="doc"/>
-        <dgm:pt modelId="1"/>
-        <dgm:pt modelId="11"/>
-        <dgm:pt modelId="2"/>
-        <dgm:pt modelId="21"/>
+        <dgm:pt modelId="1">
+          <dgm:prSet phldr="1"/>
+        </dgm:pt>
+        <dgm:pt modelId="11">
+          <dgm:prSet phldr="1"/>
+        </dgm:pt>
+        <dgm:pt modelId="12">
+          <dgm:prSet phldr="1"/>
+        </dgm:pt>
       </dgm:ptLst>
       <dgm:cxnLst>
-        <dgm:cxn modelId="4" srcId="0" destId="1" srcOrd="0" destOrd="0"/>
-        <dgm:cxn modelId="5" srcId="0" destId="2" srcOrd="1" destOrd="0"/>
-        <dgm:cxn modelId="13" srcId="1" destId="11" srcOrd="0" destOrd="0"/>
-        <dgm:cxn modelId="23" srcId="2" destId="21" srcOrd="0" destOrd="0"/>
+        <dgm:cxn modelId="2" srcId="0" destId="1" srcOrd="0" destOrd="0"/>
+        <dgm:cxn modelId="3" srcId="1" destId="11" srcOrd="0" destOrd="0"/>
+        <dgm:cxn modelId="4" srcId="1" destId="12" srcOrd="1" destOrd="0"/>
       </dgm:cxnLst>
       <dgm:bg/>
       <dgm:whole/>
@@ -8551,46 +8997,48 @@
     <dgm:dataModel>
       <dgm:ptLst>
         <dgm:pt modelId="0" type="doc"/>
-        <dgm:pt modelId="1"/>
-        <dgm:pt modelId="11"/>
-        <dgm:pt modelId="2"/>
-        <dgm:pt modelId="21"/>
-        <dgm:pt modelId="3"/>
-        <dgm:pt modelId="31"/>
-        <dgm:pt modelId="4"/>
-        <dgm:pt modelId="41"/>
+        <dgm:pt modelId="1">
+          <dgm:prSet phldr="1"/>
+        </dgm:pt>
+        <dgm:pt modelId="11">
+          <dgm:prSet phldr="1"/>
+        </dgm:pt>
+        <dgm:pt modelId="12">
+          <dgm:prSet phldr="1"/>
+        </dgm:pt>
+        <dgm:pt modelId="13">
+          <dgm:prSet phldr="1"/>
+        </dgm:pt>
       </dgm:ptLst>
       <dgm:cxnLst>
-        <dgm:cxn modelId="5" srcId="0" destId="1" srcOrd="0" destOrd="0"/>
-        <dgm:cxn modelId="6" srcId="0" destId="2" srcOrd="1" destOrd="0"/>
-        <dgm:cxn modelId="7" srcId="0" destId="3" srcOrd="2" destOrd="0"/>
-        <dgm:cxn modelId="8" srcId="0" destId="4" srcOrd="3" destOrd="0"/>
-        <dgm:cxn modelId="13" srcId="1" destId="11" srcOrd="0" destOrd="0"/>
-        <dgm:cxn modelId="23" srcId="2" destId="21" srcOrd="0" destOrd="0"/>
-        <dgm:cxn modelId="33" srcId="3" destId="31" srcOrd="0" destOrd="0"/>
-        <dgm:cxn modelId="43" srcId="4" destId="41" srcOrd="0" destOrd="0"/>
+        <dgm:cxn modelId="2" srcId="0" destId="1" srcOrd="0" destOrd="0"/>
+        <dgm:cxn modelId="3" srcId="1" destId="11" srcOrd="0" destOrd="0"/>
+        <dgm:cxn modelId="4" srcId="1" destId="12" srcOrd="1" destOrd="0"/>
+        <dgm:cxn modelId="5" srcId="1" destId="13" srcOrd="2" destOrd="0"/>
       </dgm:cxnLst>
       <dgm:bg/>
       <dgm:whole/>
     </dgm:dataModel>
   </dgm:clrData>
-  <dgm:layoutNode name="diagram">
+  <dgm:layoutNode name="Name0">
     <dgm:varLst>
       <dgm:chPref val="1"/>
       <dgm:dir/>
       <dgm:animOne val="branch"/>
       <dgm:animLvl val="lvl"/>
-      <dgm:resizeHandles/>
+      <dgm:resizeHandles val="exact"/>
     </dgm:varLst>
-    <dgm:choose name="Name0">
-      <dgm:if name="Name1" func="var" arg="dir" op="equ" val="norm">
+    <dgm:choose name="Name1">
+      <dgm:if name="Name2" func="var" arg="dir" op="equ" val="norm">
         <dgm:alg type="hierChild">
-          <dgm:param type="linDir" val="fromL"/>
+          <dgm:param type="linDir" val="fromT"/>
+          <dgm:param type="chAlign" val="l"/>
         </dgm:alg>
       </dgm:if>
-      <dgm:else name="Name2">
+      <dgm:else name="Name3">
         <dgm:alg type="hierChild">
-          <dgm:param type="linDir" val="fromR"/>
+          <dgm:param type="linDir" val="fromT"/>
+          <dgm:param type="chAlign" val="r"/>
         </dgm:alg>
       </dgm:else>
     </dgm:choose>
@@ -8599,29 +9047,33 @@
     </dgm:shape>
     <dgm:presOf/>
     <dgm:constrLst>
-      <dgm:constr type="primFontSz" for="des" forName="rootText" op="equ" val="65"/>
-      <dgm:constr type="primFontSz" for="des" forName="childText" op="equ" val="65"/>
-      <dgm:constr type="w" for="des" forName="rootComposite" refType="w"/>
-      <dgm:constr type="h" for="des" forName="rootComposite" refType="w" fact="0.5"/>
-      <dgm:constr type="w" for="des" forName="childText" refType="w" refFor="des" refForName="rootComposite" fact="0.8"/>
-      <dgm:constr type="h" for="des" forName="childText" refType="h" refFor="des" refForName="rootComposite"/>
-      <dgm:constr type="sibSp" refType="w" refFor="des" refForName="rootComposite" fact="0.25"/>
-      <dgm:constr type="sibSp" for="des" forName="childShape" refType="h" refFor="des" refForName="childText" fact="0.25"/>
-      <dgm:constr type="sp" for="des" forName="root" refType="h" refFor="des" refForName="childText" fact="0.25"/>
+      <dgm:constr type="h" for="des" forName="LevelOneTextNode" refType="h"/>
+      <dgm:constr type="w" for="des" forName="LevelOneTextNode" refType="h" refFor="des" refForName="LevelOneTextNode" fact="0.19"/>
+      <dgm:constr type="h" for="des" forName="LevelTwoTextNode" refType="w" refFor="des" refForName="LevelOneTextNode"/>
+      <dgm:constr type="w" for="des" forName="LevelTwoTextNode" refType="h" refFor="des" refForName="LevelTwoTextNode" fact="3.28"/>
+      <dgm:constr type="sibSp" refType="h" refFor="des" refForName="LevelTwoTextNode" op="equ" fact="0.25"/>
+      <dgm:constr type="sibSp" for="des" forName="level2hierChild" refType="h" refFor="des" refForName="LevelTwoTextNode" op="equ" fact="0.25"/>
+      <dgm:constr type="sibSp" for="des" forName="level3hierChild" refType="h" refFor="des" refForName="LevelTwoTextNode" op="equ" fact="0.25"/>
+      <dgm:constr type="sp" for="des" forName="root1" refType="w" refFor="des" refForName="LevelTwoTextNode" fact="0.2"/>
+      <dgm:constr type="sp" for="des" forName="root2" refType="sp" refFor="des" refForName="root1" op="equ"/>
+      <dgm:constr type="primFontSz" for="des" forName="LevelOneTextNode" op="equ" val="65"/>
+      <dgm:constr type="primFontSz" for="des" forName="LevelTwoTextNode" op="equ" val="65"/>
+      <dgm:constr type="primFontSz" for="des" forName="LevelTwoTextNode" refType="primFontSz" refFor="des" refForName="LevelOneTextNode" op="lte"/>
+      <dgm:constr type="primFontSz" for="des" forName="connTx" op="equ" val="50"/>
+      <dgm:constr type="primFontSz" for="des" forName="connTx" refType="primFontSz" refFor="des" refForName="LevelOneTextNode" op="lte" fact="0.78"/>
     </dgm:constrLst>
-    <dgm:ruleLst/>
-    <dgm:forEach name="Name3" axis="ch">
-      <dgm:forEach name="Name4" axis="self" ptType="node" cnt="1">
-        <dgm:layoutNode name="root">
-          <dgm:choose name="Name5">
-            <dgm:if name="Name6" func="var" arg="dir" op="equ" val="norm">
+    <dgm:forEach name="Name4" axis="ch">
+      <dgm:forEach name="Name5" axis="self" ptType="node">
+        <dgm:layoutNode name="root1">
+          <dgm:choose name="Name6">
+            <dgm:if name="Name7" func="var" arg="dir" op="equ" val="norm">
               <dgm:alg type="hierRoot">
-                <dgm:param type="hierAlign" val="tL"/>
+                <dgm:param type="hierAlign" val="lCtrCh"/>
               </dgm:alg>
             </dgm:if>
-            <dgm:else name="Name7">
+            <dgm:else name="Name8">
               <dgm:alg type="hierRoot">
-                <dgm:param type="hierAlign" val="tR"/>
+                <dgm:param type="hierAlign" val="rCtrCh"/>
               </dgm:alg>
             </dgm:else>
           </dgm:choose>
@@ -8629,141 +9081,173 @@
             <dgm:adjLst/>
           </dgm:shape>
           <dgm:presOf/>
-          <dgm:constrLst>
-            <dgm:constr type="alignOff" val="0.2"/>
-          </dgm:constrLst>
-          <dgm:ruleLst/>
-          <dgm:layoutNode name="rootComposite">
-            <dgm:alg type="composite"/>
-            <dgm:shape xmlns:r="http://schemas.openxmlformats.org/officeDocument/2006/relationships" r:blip="">
-              <dgm:adjLst/>
-            </dgm:shape>
-            <dgm:presOf axis="self" ptType="node" cnt="1"/>
-            <dgm:choose name="Name8">
-              <dgm:if name="Name9" func="var" arg="dir" op="equ" val="norm">
-                <dgm:constrLst>
-                  <dgm:constr type="l" for="ch" forName="rootText"/>
-                  <dgm:constr type="t" for="ch" forName="rootText"/>
-                  <dgm:constr type="w" for="ch" forName="rootText" refType="w"/>
-                  <dgm:constr type="h" for="ch" forName="rootText" refType="h"/>
-                  <dgm:constr type="l" for="ch" forName="rootConnector"/>
-                  <dgm:constr type="t" for="ch" forName="rootConnector"/>
-                  <dgm:constr type="w" for="ch" forName="rootConnector" refType="w" refFor="ch" refForName="rootText" fact="0.2"/>
-                  <dgm:constr type="h" for="ch" forName="rootConnector" refType="h" refFor="ch" refForName="rootText"/>
-                </dgm:constrLst>
+          <dgm:layoutNode name="LevelOneTextNode" styleLbl="node0">
+            <dgm:varLst>
+              <dgm:chPref val="3"/>
+            </dgm:varLst>
+            <dgm:alg type="tx">
+              <dgm:param type="autoTxRot" val="grav"/>
+            </dgm:alg>
+            <dgm:choose name="Name9">
+              <dgm:if name="Name10" func="var" arg="dir" op="equ" val="norm">
+                <dgm:shape xmlns:r="http://schemas.openxmlformats.org/officeDocument/2006/relationships" rot="270" type="rect" r:blip="">
+                  <dgm:adjLst/>
+                </dgm:shape>
               </dgm:if>
-              <dgm:else name="Name10">
-                <dgm:constrLst>
-                  <dgm:constr type="l" for="ch" forName="rootText"/>
-                  <dgm:constr type="t" for="ch" forName="rootText"/>
-                  <dgm:constr type="w" for="ch" forName="rootText" refType="w"/>
-                  <dgm:constr type="h" for="ch" forName="rootText" refType="h"/>
-                  <dgm:constr type="r" for="ch" forName="rootConnector" refType="w"/>
-                  <dgm:constr type="t" for="ch" forName="rootConnector"/>
-                  <dgm:constr type="w" for="ch" forName="rootConnector" refType="w" refFor="ch" refForName="rootText" fact="0.2"/>
-                  <dgm:constr type="h" for="ch" forName="rootConnector" refType="h" refFor="ch" refForName="rootText"/>
-                </dgm:constrLst>
+              <dgm:else name="Name11">
+                <dgm:shape xmlns:r="http://schemas.openxmlformats.org/officeDocument/2006/relationships" rot="90" type="rect" r:blip="">
+                  <dgm:adjLst/>
+                </dgm:shape>
               </dgm:else>
             </dgm:choose>
-            <dgm:ruleLst/>
-            <dgm:layoutNode name="rootText" styleLbl="node1">
-              <dgm:alg type="tx"/>
-              <dgm:shape xmlns:r="http://schemas.openxmlformats.org/officeDocument/2006/relationships" type="roundRect" r:blip="">
-                <dgm:adjLst>
-                  <dgm:adj idx="1" val="0.1"/>
-                </dgm:adjLst>
-              </dgm:shape>
-              <dgm:presOf axis="self" ptType="node" cnt="1"/>
-              <dgm:constrLst>
-                <dgm:constr type="tMarg" refType="primFontSz" fact="0.1"/>
-                <dgm:constr type="bMarg" refType="primFontSz" fact="0.1"/>
-                <dgm:constr type="lMarg" refType="primFontSz" fact="0.15"/>
-                <dgm:constr type="rMarg" refType="primFontSz" fact="0.15"/>
-              </dgm:constrLst>
-              <dgm:ruleLst>
-                <dgm:rule type="primFontSz" val="5" fact="NaN" max="NaN"/>
-              </dgm:ruleLst>
-            </dgm:layoutNode>
-            <dgm:layoutNode name="rootConnector" moveWith="rootText">
-              <dgm:alg type="sp"/>
-              <dgm:shape xmlns:r="http://schemas.openxmlformats.org/officeDocument/2006/relationships" type="roundRect" r:blip="" hideGeom="1">
-                <dgm:adjLst>
-                  <dgm:adj idx="1" val="0.1"/>
-                </dgm:adjLst>
-              </dgm:shape>
-              <dgm:presOf axis="self" ptType="node" cnt="1"/>
-              <dgm:constrLst/>
-              <dgm:ruleLst/>
-            </dgm:layoutNode>
+            <dgm:presOf axis="self"/>
+            <dgm:constrLst>
+              <dgm:constr type="tMarg" refType="primFontSz" fact="0.05"/>
+              <dgm:constr type="bMarg" refType="primFontSz" fact="0.05"/>
+              <dgm:constr type="lMarg" refType="primFontSz" fact="0.05"/>
+              <dgm:constr type="rMarg" refType="primFontSz" fact="0.05"/>
+            </dgm:constrLst>
+            <dgm:ruleLst>
+              <dgm:rule type="primFontSz" val="2" fact="NaN" max="NaN"/>
+            </dgm:ruleLst>
           </dgm:layoutNode>
-          <dgm:layoutNode name="childShape">
-            <dgm:alg type="hierChild">
-              <dgm:param type="chAlign" val="l"/>
-              <dgm:param type="linDir" val="fromT"/>
-            </dgm:alg>
+          <dgm:layoutNode name="level2hierChild">
+            <dgm:choose name="Name12">
+              <dgm:if name="Name13" func="var" arg="dir" op="equ" val="norm">
+                <dgm:alg type="hierChild">
+                  <dgm:param type="linDir" val="fromT"/>
+                  <dgm:param type="chAlign" val="l"/>
+                </dgm:alg>
+              </dgm:if>
+              <dgm:else name="Name14">
+                <dgm:alg type="hierChild">
+                  <dgm:param type="linDir" val="fromT"/>
+                  <dgm:param type="chAlign" val="r"/>
+                </dgm:alg>
+              </dgm:else>
+            </dgm:choose>
             <dgm:shape xmlns:r="http://schemas.openxmlformats.org/officeDocument/2006/relationships" r:blip="">
               <dgm:adjLst/>
             </dgm:shape>
             <dgm:presOf/>
-            <dgm:constrLst/>
-            <dgm:ruleLst/>
-            <dgm:forEach name="Name11" axis="ch">
-              <dgm:forEach name="Name12" axis="self" ptType="parTrans" cnt="1">
-                <dgm:layoutNode name="Name13">
-                  <dgm:choose name="Name14">
-                    <dgm:if name="Name15" func="var" arg="dir" op="equ" val="norm">
+            <dgm:forEach name="repeat" axis="ch">
+              <dgm:forEach name="Name15" axis="self" ptType="parTrans" cnt="1">
+                <dgm:layoutNode name="conn2-1">
+                  <dgm:choose name="Name16">
+                    <dgm:if name="Name17" func="var" arg="dir" op="equ" val="norm">
                       <dgm:alg type="conn">
                         <dgm:param type="dim" val="1D"/>
+                        <dgm:param type="begPts" val="midR"/>
+                        <dgm:param type="endPts" val="midL"/>
                         <dgm:param type="endSty" val="noArr"/>
                         <dgm:param type="connRout" val="bend"/>
-                        <dgm:param type="srcNode" val="rootConnector"/>
-                        <dgm:param type="begPts" val="bCtr"/>
-                        <dgm:param type="endPts" val="midL"/>
                       </dgm:alg>
                     </dgm:if>
-                    <dgm:else name="Name16">
+                    <dgm:else name="Name18">
                       <dgm:alg type="conn">
                         <dgm:param type="dim" val="1D"/>
+                        <dgm:param type="begPts" val="midL"/>
+                        <dgm:param type="endPts" val="midR"/>
                         <dgm:param type="endSty" val="noArr"/>
                         <dgm:param type="connRout" val="bend"/>
-                        <dgm:param type="srcNode" val="rootConnector"/>
-                        <dgm:param type="begPts" val="bCtr"/>
-                        <dgm:param type="endPts" val="midR"/>
                       </dgm:alg>
                     </dgm:else>
                   </dgm:choose>
-                  <dgm:shape xmlns:r="http://schemas.openxmlformats.org/officeDocument/2006/relationships" type="conn" r:blip="">
+                  <dgm:shape xmlns:r="http://schemas.openxmlformats.org/officeDocument/2006/relationships" type="conn" r:blip="" zOrderOff="-99999">
                     <dgm:adjLst/>
                   </dgm:shape>
                   <dgm:presOf axis="self"/>
                   <dgm:constrLst>
+                    <dgm:constr type="w" val="1"/>
+                    <dgm:constr type="h" val="5"/>
+                    <dgm:constr type="connDist"/>
                     <dgm:constr type="begPad"/>
                     <dgm:constr type="endPad"/>
+                    <dgm:constr type="userA" for="ch" refType="connDist"/>
                   </dgm:constrLst>
-                  <dgm:ruleLst/>
+                  <dgm:layoutNode name="connTx">
+                    <dgm:alg type="tx">
+                      <dgm:param type="autoTxRot" val="grav"/>
+                    </dgm:alg>
+                    <dgm:shape xmlns:r="http://schemas.openxmlformats.org/officeDocument/2006/relationships" type="rect" r:blip="" hideGeom="1">
+                      <dgm:adjLst/>
+                    </dgm:shape>
+                    <dgm:presOf axis="self"/>
+                    <dgm:constrLst>
+                      <dgm:constr type="userA"/>
+                      <dgm:constr type="w" refType="userA" fact="0.05"/>
+                      <dgm:constr type="h" refType="userA" fact="0.05"/>
+                      <dgm:constr type="lMarg" val="1"/>
+                      <dgm:constr type="rMarg" val="1"/>
+                      <dgm:constr type="tMarg"/>
+                      <dgm:constr type="bMarg"/>
+                    </dgm:constrLst>
+                    <dgm:ruleLst>
+                      <dgm:rule type="h" val="NaN" fact="0.25" max="NaN"/>
+                      <dgm:rule type="w" val="NaN" fact="0.8" max="NaN"/>
+                      <dgm:rule type="primFontSz" val="5" fact="NaN" max="NaN"/>
+                    </dgm:ruleLst>
+                  </dgm:layoutNode>
                 </dgm:layoutNode>
               </dgm:forEach>
-              <dgm:forEach name="Name17" axis="self" ptType="node">
-                <dgm:layoutNode name="childText" styleLbl="bgAcc1">
-                  <dgm:varLst>
-                    <dgm:bulletEnabled val="1"/>
-                  </dgm:varLst>
-                  <dgm:alg type="tx"/>
-                  <dgm:shape xmlns:r="http://schemas.openxmlformats.org/officeDocument/2006/relationships" type="roundRect" r:blip="">
-                    <dgm:adjLst>
-                      <dgm:adj idx="1" val="0.1"/>
-                    </dgm:adjLst>
+              <dgm:forEach name="Name19" axis="self" ptType="node">
+                <dgm:layoutNode name="root2">
+                  <dgm:choose name="Name20">
+                    <dgm:if name="Name21" func="var" arg="dir" op="equ" val="norm">
+                      <dgm:alg type="hierRoot">
+                        <dgm:param type="hierAlign" val="lCtrCh"/>
+                      </dgm:alg>
+                    </dgm:if>
+                    <dgm:else name="Name22">
+                      <dgm:alg type="hierRoot">
+                        <dgm:param type="hierAlign" val="rCtrCh"/>
+                      </dgm:alg>
+                    </dgm:else>
+                  </dgm:choose>
+                  <dgm:shape xmlns:r="http://schemas.openxmlformats.org/officeDocument/2006/relationships" r:blip="">
+                    <dgm:adjLst/>
                   </dgm:shape>
-                  <dgm:presOf axis="self desOrSelf" ptType="node node" st="1 1" cnt="1 0"/>
-                  <dgm:constrLst>
-                    <dgm:constr type="tMarg" refType="primFontSz" fact="0.1"/>
-                    <dgm:constr type="bMarg" refType="primFontSz" fact="0.1"/>
-                    <dgm:constr type="lMarg" refType="primFontSz" fact="0.15"/>
-                    <dgm:constr type="rMarg" refType="primFontSz" fact="0.15"/>
-                  </dgm:constrLst>
-                  <dgm:ruleLst>
-                    <dgm:rule type="primFontSz" val="5" fact="NaN" max="NaN"/>
-                  </dgm:ruleLst>
+                  <dgm:presOf/>
+                  <dgm:layoutNode name="LevelTwoTextNode">
+                    <dgm:varLst>
+                      <dgm:chPref val="3"/>
+                    </dgm:varLst>
+                    <dgm:alg type="tx"/>
+                    <dgm:shape xmlns:r="http://schemas.openxmlformats.org/officeDocument/2006/relationships" type="rect" r:blip="">
+                      <dgm:adjLst/>
+                    </dgm:shape>
+                    <dgm:presOf axis="self"/>
+                    <dgm:constrLst>
+                      <dgm:constr type="tMarg" refType="primFontSz" fact="0.05"/>
+                      <dgm:constr type="bMarg" refType="primFontSz" fact="0.05"/>
+                      <dgm:constr type="lMarg" refType="primFontSz" fact="0.05"/>
+                      <dgm:constr type="rMarg" refType="primFontSz" fact="0.05"/>
+                    </dgm:constrLst>
+                    <dgm:ruleLst>
+                      <dgm:rule type="primFontSz" val="2" fact="NaN" max="NaN"/>
+                    </dgm:ruleLst>
+                  </dgm:layoutNode>
+                  <dgm:layoutNode name="level3hierChild">
+                    <dgm:choose name="Name23">
+                      <dgm:if name="Name24" func="var" arg="dir" op="equ" val="norm">
+                        <dgm:alg type="hierChild">
+                          <dgm:param type="linDir" val="fromT"/>
+                          <dgm:param type="chAlign" val="l"/>
+                        </dgm:alg>
+                      </dgm:if>
+                      <dgm:else name="Name25">
+                        <dgm:alg type="hierChild">
+                          <dgm:param type="linDir" val="fromT"/>
+                          <dgm:param type="chAlign" val="r"/>
+                        </dgm:alg>
+                      </dgm:else>
+                    </dgm:choose>
+                    <dgm:shape xmlns:r="http://schemas.openxmlformats.org/officeDocument/2006/relationships" r:blip="">
+                      <dgm:adjLst/>
+                    </dgm:shape>
+                    <dgm:presOf/>
+                    <dgm:forEach name="Name26" ref="repeat"/>
+                  </dgm:layoutNode>
                 </dgm:layoutNode>
               </dgm:forEach>
             </dgm:forEach>
@@ -16970,12 +17454,21 @@
         </p:nvSpPr>
         <p:spPr/>
         <p:txBody>
-          <a:bodyPr/>
+          <a:bodyPr>
+            <a:normAutofit fontScale="90000"/>
+          </a:bodyPr>
           <a:lstStyle/>
           <a:p>
             <a:r>
               <a:rPr lang="en-US" dirty="0" smtClean="0"/>
-              <a:t>Science Project Title</a:t>
+              <a:t>BrickSTACK3R 16695</a:t>
+            </a:r>
+            <a:br>
+              <a:rPr lang="en-US" dirty="0" smtClean="0"/>
+            </a:br>
+            <a:r>
+              <a:rPr lang="en-US" dirty="0" smtClean="0"/>
+              <a:t>Robot Design &amp; Programming</a:t>
             </a:r>
             <a:endParaRPr lang="en-US" dirty="0"/>
           </a:p>
@@ -17070,7 +17563,7 @@
             <p:ph sz="quarter" idx="23"/>
             <p:extLst>
               <p:ext uri="{D42A27DB-BD31-4B8C-83A1-F6EECF244321}">
-                <p14:modId xmlns:p14="http://schemas.microsoft.com/office/powerpoint/2010/main" val="2409909509"/>
+                <p14:modId xmlns:p14="http://schemas.microsoft.com/office/powerpoint/2010/main" val="297529026"/>
               </p:ext>
             </p:extLst>
           </p:nvPr>
@@ -17153,158 +17646,154 @@
         </p:nvSpPr>
         <p:spPr>
           <a:xfrm>
-            <a:off x="15544798" y="21632528"/>
-            <a:ext cx="13585371" cy="7105758"/>
+            <a:off x="14761029" y="20901008"/>
+            <a:ext cx="15118082" cy="7811152"/>
           </a:xfrm>
         </p:spPr>
         <p:txBody>
           <a:bodyPr>
-            <a:normAutofit fontScale="92500" lnSpcReduction="10000"/>
+            <a:normAutofit fontScale="55000" lnSpcReduction="20000"/>
           </a:bodyPr>
           <a:lstStyle/>
           <a:p>
             <a:r>
-              <a:rPr lang="en-US" sz="4000" b="1" dirty="0" smtClean="0"/>
+              <a:rPr lang="en-US" sz="8400" b="1" dirty="0" smtClean="0"/>
               <a:t>_</a:t>
             </a:r>
             <a:r>
-              <a:rPr lang="en-US" sz="4000" b="1" dirty="0" err="1" smtClean="0"/>
+              <a:rPr lang="en-US" sz="8400" b="1" dirty="0" err="1" smtClean="0"/>
               <a:t>MoveForward</a:t>
             </a:r>
             <a:r>
-              <a:rPr lang="en-US" sz="4000" b="1" dirty="0" smtClean="0"/>
+              <a:rPr lang="en-US" sz="8400" b="1" dirty="0" smtClean="0"/>
               <a:t> &amp; _</a:t>
             </a:r>
             <a:r>
-              <a:rPr lang="en-US" sz="4000" b="1" dirty="0" err="1" smtClean="0"/>
+              <a:rPr lang="en-US" sz="8400" b="1" dirty="0" err="1" smtClean="0"/>
               <a:t>MoveBackward</a:t>
             </a:r>
             <a:r>
-              <a:rPr lang="en-US" sz="4000" dirty="0" smtClean="0"/>
+              <a:rPr lang="en-US" sz="8400" dirty="0" smtClean="0"/>
               <a:t>: Moves the robot forward or for a set amount of centimeters.</a:t>
             </a:r>
-            <a:endParaRPr lang="en-US" sz="4000" b="1" dirty="0" smtClean="0"/>
+            <a:endParaRPr lang="en-US" sz="8400" b="1" dirty="0" smtClean="0"/>
           </a:p>
           <a:p>
             <a:r>
-              <a:rPr lang="en-US" sz="4000" b="1" dirty="0" smtClean="0"/>
+              <a:rPr lang="en-US" sz="8400" b="1" dirty="0" smtClean="0"/>
               <a:t>__</a:t>
             </a:r>
             <a:r>
-              <a:rPr lang="en-US" sz="4000" b="1" dirty="0" err="1" smtClean="0"/>
+              <a:rPr lang="en-US" sz="8400" b="1" dirty="0" err="1" smtClean="0"/>
               <a:t>SpinLeft</a:t>
             </a:r>
             <a:r>
-              <a:rPr lang="en-US" sz="4000" b="1" dirty="0" smtClean="0"/>
+              <a:rPr lang="en-US" sz="8400" b="1" dirty="0" smtClean="0"/>
               <a:t> &amp; _</a:t>
             </a:r>
             <a:r>
-              <a:rPr lang="en-US" sz="4000" b="1" dirty="0" err="1" smtClean="0"/>
+              <a:rPr lang="en-US" sz="8400" b="1" dirty="0" err="1" smtClean="0"/>
               <a:t>SpinRight</a:t>
             </a:r>
             <a:r>
-              <a:rPr lang="en-US" sz="4000" dirty="0" smtClean="0"/>
+              <a:rPr lang="en-US" sz="8400" dirty="0" smtClean="0"/>
               <a:t>: Makes the robot spin left or right to a set angle.</a:t>
             </a:r>
-            <a:endParaRPr lang="en-US" sz="4000" b="1" dirty="0" smtClean="0"/>
+            <a:endParaRPr lang="en-US" sz="8400" b="1" dirty="0" smtClean="0"/>
           </a:p>
           <a:p>
             <a:r>
-              <a:rPr lang="en-US" sz="4000" b="1" dirty="0" smtClean="0"/>
+              <a:rPr lang="en-US" sz="8400" b="1" dirty="0" smtClean="0"/>
               <a:t>_</a:t>
             </a:r>
             <a:r>
-              <a:rPr lang="en-US" sz="4000" b="1" dirty="0" err="1" smtClean="0"/>
+              <a:rPr lang="en-US" sz="8400" b="1" dirty="0" err="1" smtClean="0"/>
               <a:t>SeekLineForward</a:t>
             </a:r>
             <a:r>
-              <a:rPr lang="en-US" sz="4000" b="1" dirty="0" smtClean="0"/>
+              <a:rPr lang="en-US" sz="8400" b="1" dirty="0" smtClean="0"/>
               <a:t> &amp; _</a:t>
             </a:r>
             <a:r>
-              <a:rPr lang="en-US" sz="4000" b="1" dirty="0" err="1" smtClean="0"/>
+              <a:rPr lang="en-US" sz="8400" b="1" dirty="0" err="1" smtClean="0"/>
               <a:t>SeekLineBackward</a:t>
             </a:r>
             <a:r>
-              <a:rPr lang="en-US" sz="4000" b="1" dirty="0" smtClean="0"/>
+              <a:rPr lang="en-US" sz="8400" b="1" dirty="0" smtClean="0"/>
               <a:t> </a:t>
             </a:r>
             <a:r>
-              <a:rPr lang="en-US" sz="4000" dirty="0" smtClean="0"/>
+              <a:rPr lang="en-US" sz="8400" dirty="0" smtClean="0"/>
               <a:t>: Makes the robot drive forward until it senses the line</a:t>
             </a:r>
-            <a:endParaRPr lang="en-US" sz="4000" b="1" dirty="0" smtClean="0"/>
+            <a:endParaRPr lang="en-US" sz="8400" b="1" dirty="0" smtClean="0"/>
           </a:p>
           <a:p>
             <a:r>
-              <a:rPr lang="en-US" sz="4000" b="1" dirty="0" smtClean="0"/>
+              <a:rPr lang="en-US" sz="8400" b="1" dirty="0" smtClean="0"/>
               <a:t>_</a:t>
             </a:r>
             <a:r>
-              <a:rPr lang="en-US" sz="4000" b="1" dirty="0" err="1" smtClean="0"/>
+              <a:rPr lang="en-US" sz="8400" b="1" dirty="0" err="1" smtClean="0"/>
               <a:t>SquareLineForward</a:t>
             </a:r>
             <a:r>
-              <a:rPr lang="en-US" sz="4000" b="1" dirty="0" smtClean="0"/>
+              <a:rPr lang="en-US" sz="8400" b="1" dirty="0" smtClean="0"/>
               <a:t> &amp; </a:t>
             </a:r>
             <a:r>
-              <a:rPr lang="en-US" sz="4000" b="1" dirty="0"/>
+              <a:rPr lang="en-US" sz="8400" b="1" dirty="0"/>
               <a:t>_</a:t>
             </a:r>
             <a:r>
-              <a:rPr lang="en-US" sz="4000" b="1" dirty="0" err="1"/>
+              <a:rPr lang="en-US" sz="8400" b="1" dirty="0" err="1"/>
               <a:t>SquareLineBackward</a:t>
             </a:r>
             <a:r>
-              <a:rPr lang="en-US" sz="4000" b="1" dirty="0"/>
+              <a:rPr lang="en-US" sz="8400" b="1" dirty="0"/>
               <a:t> </a:t>
             </a:r>
             <a:r>
-              <a:rPr lang="en-US" sz="4000" dirty="0" smtClean="0"/>
-              <a:t>: Makes the robot go forwards or backwards seeking the line and square with the </a:t>
-            </a:r>
-            <a:r>
-              <a:rPr lang="en-US" sz="4000" dirty="0" smtClean="0"/>
-              <a:t>line</a:t>
+              <a:rPr lang="en-US" sz="8400" dirty="0" smtClean="0"/>
+              <a:t>: Makes the robot go forwards or backwards seeking the line and square with the line</a:t>
             </a:r>
           </a:p>
           <a:p>
             <a:r>
-              <a:rPr lang="en-US" sz="4000" b="1" dirty="0" smtClean="0"/>
+              <a:rPr lang="en-US" sz="8400" b="1" dirty="0" smtClean="0"/>
               <a:t>_</a:t>
             </a:r>
             <a:r>
-              <a:rPr lang="en-US" sz="4000" b="1" dirty="0" err="1" smtClean="0"/>
+              <a:rPr lang="en-US" sz="8400" b="1" dirty="0" err="1" smtClean="0"/>
               <a:t>FollowLineTime</a:t>
             </a:r>
             <a:r>
-              <a:rPr lang="en-US" sz="4000" b="1" dirty="0" smtClean="0"/>
+              <a:rPr lang="en-US" sz="8400" b="1" dirty="0" smtClean="0"/>
               <a:t>: </a:t>
             </a:r>
             <a:r>
-              <a:rPr lang="en-US" sz="4000" dirty="0" smtClean="0"/>
+              <a:rPr lang="en-US" sz="8400" dirty="0" smtClean="0"/>
               <a:t>Follows the line based for an amount of time</a:t>
             </a:r>
           </a:p>
           <a:p>
             <a:r>
-              <a:rPr lang="en-US" sz="4000" b="1" dirty="0" smtClean="0"/>
+              <a:rPr lang="en-US" sz="8400" b="1" dirty="0" smtClean="0"/>
               <a:t>_</a:t>
             </a:r>
             <a:r>
-              <a:rPr lang="en-US" sz="4000" b="1" dirty="0" err="1" smtClean="0"/>
+              <a:rPr lang="en-US" sz="8400" b="1" dirty="0" err="1" smtClean="0"/>
               <a:t>FollowLineDensity</a:t>
             </a:r>
             <a:r>
-              <a:rPr lang="en-US" sz="4000" b="1" dirty="0" smtClean="0"/>
+              <a:rPr lang="en-US" sz="8400" b="1" dirty="0" smtClean="0"/>
               <a:t>: </a:t>
             </a:r>
             <a:r>
-              <a:rPr lang="en-US" sz="4000" dirty="0" smtClean="0"/>
+              <a:rPr lang="en-US" sz="8400" dirty="0" smtClean="0"/>
               <a:t>Follows the line based on density</a:t>
             </a:r>
-            <a:endParaRPr lang="en-US" sz="4000" b="1" dirty="0" smtClean="0"/>
+            <a:endParaRPr lang="en-US" sz="8400" b="1" dirty="0" smtClean="0"/>
           </a:p>
           <a:p>
             <a:endParaRPr lang="en-US" sz="4000" b="1" dirty="0" smtClean="0"/>
@@ -17327,14 +17816,14 @@
             <p:ph sz="quarter" idx="32"/>
             <p:extLst>
               <p:ext uri="{D42A27DB-BD31-4B8C-83A1-F6EECF244321}">
-                <p14:modId xmlns:p14="http://schemas.microsoft.com/office/powerpoint/2010/main" val="2609553652"/>
+                <p14:modId xmlns:p14="http://schemas.microsoft.com/office/powerpoint/2010/main" val="3947467448"/>
               </p:ext>
             </p:extLst>
           </p:nvPr>
         </p:nvGraphicFramePr>
         <p:xfrm>
-          <a:off x="-150307" y="5405268"/>
-          <a:ext cx="10330627" cy="26223827"/>
+          <a:off x="-532241" y="7653175"/>
+          <a:ext cx="10163922" cy="25069204"/>
         </p:xfrm>
         <a:graphic>
           <a:graphicData uri="http://schemas.openxmlformats.org/drawingml/2006/diagram">
